--- a/horvath.pptx
+++ b/horvath.pptx
@@ -8,7 +8,10 @@
     <p:sldId id="256" r:id="rId2"/>
     <p:sldId id="260" r:id="rId3"/>
     <p:sldId id="259" r:id="rId4"/>
-    <p:sldId id="258" r:id="rId5"/>
+    <p:sldId id="261" r:id="rId5"/>
+    <p:sldId id="262" r:id="rId6"/>
+    <p:sldId id="263" r:id="rId7"/>
+    <p:sldId id="258" r:id="rId8"/>
   </p:sldIdLst>
   <p:sldSz cx="12192000" cy="6858000"/>
   <p:notesSz cx="6858000" cy="9144000"/>
@@ -118,8 +121,10 @@
 <file path=ppt/revisionInfo.xml><?xml version="1.0" encoding="utf-8"?>
 <p1510:revInfo xmlns:a="http://schemas.openxmlformats.org/drawingml/2006/main" xmlns:r="http://schemas.openxmlformats.org/officeDocument/2006/relationships" xmlns:p1510="http://schemas.microsoft.com/office/powerpoint/2015/10/main">
   <p1510:revLst>
+    <p1510:client id="{3D9595F1-8E06-0E87-1AE6-B83E193FAD22}" v="130" dt="2023-01-09T18:03:36.874"/>
     <p1510:client id="{84ABAEFF-358B-2271-21FD-9D812A704519}" v="138" dt="2023-01-08T10:22:40.827"/>
     <p1510:client id="{DE90C6F3-66A9-BDF8-193E-E91FDD634819}" v="1" dt="2023-01-08T10:23:44.808"/>
+    <p1510:client id="{FFE463EC-2E29-561E-B07C-75661D4B65A7}" v="445" dt="2023-01-09T17:50:49.036"/>
   </p1510:revLst>
 </p1510:revInfo>
 </file>
@@ -253,7 +258,7 @@
           <a:p>
             <a:fld id="{8A3A43DF-04A3-4662-88CA-28FDED1CFC09}" type="datetimeFigureOut">
               <a:rPr lang="cs-CZ" smtClean="0"/>
-              <a:t>08.01.2023</a:t>
+              <a:t>09.01.2023</a:t>
             </a:fld>
             <a:endParaRPr lang="cs-CZ"/>
           </a:p>
@@ -421,7 +426,7 @@
           <a:p>
             <a:fld id="{8A3A43DF-04A3-4662-88CA-28FDED1CFC09}" type="datetimeFigureOut">
               <a:rPr lang="cs-CZ" smtClean="0"/>
-              <a:t>08.01.2023</a:t>
+              <a:t>09.01.2023</a:t>
             </a:fld>
             <a:endParaRPr lang="cs-CZ"/>
           </a:p>
@@ -599,7 +604,7 @@
           <a:p>
             <a:fld id="{8A3A43DF-04A3-4662-88CA-28FDED1CFC09}" type="datetimeFigureOut">
               <a:rPr lang="cs-CZ" smtClean="0"/>
-              <a:t>08.01.2023</a:t>
+              <a:t>09.01.2023</a:t>
             </a:fld>
             <a:endParaRPr lang="cs-CZ"/>
           </a:p>
@@ -767,7 +772,7 @@
           <a:p>
             <a:fld id="{8A3A43DF-04A3-4662-88CA-28FDED1CFC09}" type="datetimeFigureOut">
               <a:rPr lang="cs-CZ" smtClean="0"/>
-              <a:t>08.01.2023</a:t>
+              <a:t>09.01.2023</a:t>
             </a:fld>
             <a:endParaRPr lang="cs-CZ"/>
           </a:p>
@@ -1012,7 +1017,7 @@
           <a:p>
             <a:fld id="{8A3A43DF-04A3-4662-88CA-28FDED1CFC09}" type="datetimeFigureOut">
               <a:rPr lang="cs-CZ" smtClean="0"/>
-              <a:t>08.01.2023</a:t>
+              <a:t>09.01.2023</a:t>
             </a:fld>
             <a:endParaRPr lang="cs-CZ"/>
           </a:p>
@@ -1241,7 +1246,7 @@
           <a:p>
             <a:fld id="{8A3A43DF-04A3-4662-88CA-28FDED1CFC09}" type="datetimeFigureOut">
               <a:rPr lang="cs-CZ" smtClean="0"/>
-              <a:t>08.01.2023</a:t>
+              <a:t>09.01.2023</a:t>
             </a:fld>
             <a:endParaRPr lang="cs-CZ"/>
           </a:p>
@@ -1605,7 +1610,7 @@
           <a:p>
             <a:fld id="{8A3A43DF-04A3-4662-88CA-28FDED1CFC09}" type="datetimeFigureOut">
               <a:rPr lang="cs-CZ" smtClean="0"/>
-              <a:t>08.01.2023</a:t>
+              <a:t>09.01.2023</a:t>
             </a:fld>
             <a:endParaRPr lang="cs-CZ"/>
           </a:p>
@@ -1722,7 +1727,7 @@
           <a:p>
             <a:fld id="{8A3A43DF-04A3-4662-88CA-28FDED1CFC09}" type="datetimeFigureOut">
               <a:rPr lang="cs-CZ" smtClean="0"/>
-              <a:t>08.01.2023</a:t>
+              <a:t>09.01.2023</a:t>
             </a:fld>
             <a:endParaRPr lang="cs-CZ"/>
           </a:p>
@@ -1817,7 +1822,7 @@
           <a:p>
             <a:fld id="{8A3A43DF-04A3-4662-88CA-28FDED1CFC09}" type="datetimeFigureOut">
               <a:rPr lang="cs-CZ" smtClean="0"/>
-              <a:t>08.01.2023</a:t>
+              <a:t>09.01.2023</a:t>
             </a:fld>
             <a:endParaRPr lang="cs-CZ"/>
           </a:p>
@@ -2092,7 +2097,7 @@
           <a:p>
             <a:fld id="{8A3A43DF-04A3-4662-88CA-28FDED1CFC09}" type="datetimeFigureOut">
               <a:rPr lang="cs-CZ" smtClean="0"/>
-              <a:t>08.01.2023</a:t>
+              <a:t>09.01.2023</a:t>
             </a:fld>
             <a:endParaRPr lang="cs-CZ"/>
           </a:p>
@@ -2344,7 +2349,7 @@
           <a:p>
             <a:fld id="{8A3A43DF-04A3-4662-88CA-28FDED1CFC09}" type="datetimeFigureOut">
               <a:rPr lang="cs-CZ" smtClean="0"/>
-              <a:t>08.01.2023</a:t>
+              <a:t>09.01.2023</a:t>
             </a:fld>
             <a:endParaRPr lang="cs-CZ"/>
           </a:p>
@@ -2555,7 +2560,7 @@
           <a:p>
             <a:fld id="{8A3A43DF-04A3-4662-88CA-28FDED1CFC09}" type="datetimeFigureOut">
               <a:rPr lang="cs-CZ" smtClean="0"/>
-              <a:t>08.01.2023</a:t>
+              <a:t>09.01.2023</a:t>
             </a:fld>
             <a:endParaRPr lang="cs-CZ"/>
           </a:p>
@@ -3052,7 +3057,7 @@
           <a:p>
             <a:pPr algn="l"/>
             <a:r>
-              <a:rPr lang="cs-CZ" dirty="0">
+              <a:rPr lang="cs-CZ">
                 <a:cs typeface="Calibri Light"/>
               </a:rPr>
               <a:t>Souborové Systémy</a:t>
@@ -3587,6 +3592,9 @@
   <p:clrMapOvr>
     <a:masterClrMapping/>
   </p:clrMapOvr>
+  <p:transition spd="slow">
+    <p:push dir="u"/>
+  </p:transition>
 </p:sld>
 </file>
 
@@ -3766,8 +3774,9 @@
           </a:bodyPr>
           <a:lstStyle/>
           <a:p>
-            <a:r>
-              <a:rPr lang="cs-CZ">
+            <a:pPr algn="ctr"/>
+            <a:r>
+              <a:rPr lang="cs-CZ" dirty="0">
                 <a:solidFill>
                   <a:srgbClr val="FFFFFF"/>
                 </a:solidFill>
@@ -3775,11 +3784,6 @@
               </a:rPr>
               <a:t>Co to jsou souborové systémy</a:t>
             </a:r>
-            <a:endParaRPr lang="cs-CZ">
-              <a:solidFill>
-                <a:srgbClr val="FFFFFF"/>
-              </a:solidFill>
-            </a:endParaRPr>
           </a:p>
         </p:txBody>
       </p:sp>
@@ -4774,7 +4778,7 @@
           <a:lstStyle/>
           <a:p>
             <a:pPr algn="ctr"/>
-            <a:endParaRPr lang="en-US" dirty="0"/>
+            <a:endParaRPr lang="en-US"/>
           </a:p>
         </p:txBody>
       </p:sp>
@@ -4788,6 +4792,9 @@
   <p:clrMapOvr>
     <a:masterClrMapping/>
   </p:clrMapOvr>
+  <p:transition spd="slow">
+    <p:push dir="u"/>
+  </p:transition>
   <p:timing>
     <p:tnLst>
       <p:par>
@@ -4886,6 +4893,14 @@
 <file path=ppt/slides/slide3.xml><?xml version="1.0" encoding="utf-8"?>
 <p:sld xmlns:a="http://schemas.openxmlformats.org/drawingml/2006/main" xmlns:r="http://schemas.openxmlformats.org/officeDocument/2006/relationships" xmlns:p="http://schemas.openxmlformats.org/presentationml/2006/main">
   <p:cSld>
+    <p:bg>
+      <p:bgPr>
+        <a:solidFill>
+          <a:schemeClr val="bg1"/>
+        </a:solidFill>
+        <a:effectLst/>
+      </p:bgPr>
+    </p:bg>
     <p:spTree>
       <p:nvGrpSpPr>
         <p:cNvPr id="1" name=""/>
@@ -4900,6 +4915,200 @@
           <a:chExt cx="0" cy="0"/>
         </a:xfrm>
       </p:grpSpPr>
+      <p:sp useBgFill="1">
+        <p:nvSpPr>
+          <p:cNvPr id="8" name="Rectangle 7">
+            <a:extLst>
+              <a:ext uri="{FF2B5EF4-FFF2-40B4-BE49-F238E27FC236}">
+                <a16:creationId xmlns:a16="http://schemas.microsoft.com/office/drawing/2014/main" id="{907EF6B7-1338-4443-8C46-6A318D952DFD}"/>
+              </a:ext>
+              <a:ext uri="{C183D7F6-B498-43B3-948B-1728B52AA6E4}">
+                <adec:decorative xmlns:adec="http://schemas.microsoft.com/office/drawing/2017/decorative" val="1"/>
+              </a:ext>
+            </a:extLst>
+          </p:cNvPr>
+          <p:cNvSpPr>
+            <a:spLocks noGrp="1" noRot="1" noChangeAspect="1" noMove="1" noResize="1" noEditPoints="1" noAdjustHandles="1" noChangeArrowheads="1" noChangeShapeType="1" noTextEdit="1"/>
+          </p:cNvSpPr>
+          <p:nvPr>
+            <p:extLst>
+              <p:ext uri="{386F3935-93C4-4BCD-93E2-E3B085C9AB24}">
+                <p16:designElem xmlns:p16="http://schemas.microsoft.com/office/powerpoint/2015/main" val="1"/>
+              </p:ext>
+            </p:extLst>
+          </p:nvPr>
+        </p:nvSpPr>
+        <p:spPr>
+          <a:xfrm>
+            <a:off x="3048" y="0"/>
+            <a:ext cx="12188952" cy="6858000"/>
+          </a:xfrm>
+          <a:prstGeom prst="rect">
+            <a:avLst/>
+          </a:prstGeom>
+          <a:ln>
+            <a:noFill/>
+          </a:ln>
+        </p:spPr>
+        <p:style>
+          <a:lnRef idx="2">
+            <a:schemeClr val="accent1">
+              <a:shade val="50000"/>
+            </a:schemeClr>
+          </a:lnRef>
+          <a:fillRef idx="1">
+            <a:schemeClr val="accent1"/>
+          </a:fillRef>
+          <a:effectRef idx="0">
+            <a:schemeClr val="accent1"/>
+          </a:effectRef>
+          <a:fontRef idx="minor">
+            <a:schemeClr val="lt1"/>
+          </a:fontRef>
+        </p:style>
+        <p:txBody>
+          <a:bodyPr rtlCol="0" anchor="ctr"/>
+          <a:lstStyle/>
+          <a:p>
+            <a:pPr algn="ctr"/>
+            <a:endParaRPr lang="en-US"/>
+          </a:p>
+        </p:txBody>
+      </p:sp>
+      <p:sp>
+        <p:nvSpPr>
+          <p:cNvPr id="10" name="Freeform: Shape 9">
+            <a:extLst>
+              <a:ext uri="{FF2B5EF4-FFF2-40B4-BE49-F238E27FC236}">
+                <a16:creationId xmlns:a16="http://schemas.microsoft.com/office/drawing/2014/main" id="{DAAE4CDD-124C-4DCF-9584-B6033B545DD5}"/>
+              </a:ext>
+              <a:ext uri="{C183D7F6-B498-43B3-948B-1728B52AA6E4}">
+                <adec:decorative xmlns:adec="http://schemas.microsoft.com/office/drawing/2017/decorative" val="1"/>
+              </a:ext>
+            </a:extLst>
+          </p:cNvPr>
+          <p:cNvSpPr>
+            <a:spLocks noGrp="1" noRot="1" noChangeAspect="1" noMove="1" noResize="1" noEditPoints="1" noAdjustHandles="1" noChangeArrowheads="1" noChangeShapeType="1" noTextEdit="1"/>
+          </p:cNvSpPr>
+          <p:nvPr>
+            <p:extLst>
+              <p:ext uri="{386F3935-93C4-4BCD-93E2-E3B085C9AB24}">
+                <p16:designElem xmlns:p16="http://schemas.microsoft.com/office/powerpoint/2015/main" val="1"/>
+              </p:ext>
+            </p:extLst>
+          </p:nvPr>
+        </p:nvSpPr>
+        <p:spPr>
+          <a:xfrm>
+            <a:off x="1" y="0"/>
+            <a:ext cx="4167271" cy="6858000"/>
+          </a:xfrm>
+          <a:custGeom>
+            <a:avLst/>
+            <a:gdLst>
+              <a:gd name="connsiteX0" fmla="*/ 0 w 4167271"/>
+              <a:gd name="connsiteY0" fmla="*/ 0 h 6858000"/>
+              <a:gd name="connsiteX1" fmla="*/ 2259550 w 4167271"/>
+              <a:gd name="connsiteY1" fmla="*/ 0 h 6858000"/>
+              <a:gd name="connsiteX2" fmla="*/ 2387803 w 4167271"/>
+              <a:gd name="connsiteY2" fmla="*/ 82222 h 6858000"/>
+              <a:gd name="connsiteX3" fmla="*/ 4167271 w 4167271"/>
+              <a:gd name="connsiteY3" fmla="*/ 3429000 h 6858000"/>
+              <a:gd name="connsiteX4" fmla="*/ 2387803 w 4167271"/>
+              <a:gd name="connsiteY4" fmla="*/ 6775779 h 6858000"/>
+              <a:gd name="connsiteX5" fmla="*/ 2259550 w 4167271"/>
+              <a:gd name="connsiteY5" fmla="*/ 6858000 h 6858000"/>
+              <a:gd name="connsiteX6" fmla="*/ 0 w 4167271"/>
+              <a:gd name="connsiteY6" fmla="*/ 6858000 h 6858000"/>
+            </a:gdLst>
+            <a:ahLst/>
+            <a:cxnLst>
+              <a:cxn ang="0">
+                <a:pos x="connsiteX0" y="connsiteY0"/>
+              </a:cxn>
+              <a:cxn ang="0">
+                <a:pos x="connsiteX1" y="connsiteY1"/>
+              </a:cxn>
+              <a:cxn ang="0">
+                <a:pos x="connsiteX2" y="connsiteY2"/>
+              </a:cxn>
+              <a:cxn ang="0">
+                <a:pos x="connsiteX3" y="connsiteY3"/>
+              </a:cxn>
+              <a:cxn ang="0">
+                <a:pos x="connsiteX4" y="connsiteY4"/>
+              </a:cxn>
+              <a:cxn ang="0">
+                <a:pos x="connsiteX5" y="connsiteY5"/>
+              </a:cxn>
+              <a:cxn ang="0">
+                <a:pos x="connsiteX6" y="connsiteY6"/>
+              </a:cxn>
+            </a:cxnLst>
+            <a:rect l="l" t="t" r="r" b="b"/>
+            <a:pathLst>
+              <a:path w="4167271" h="6858000">
+                <a:moveTo>
+                  <a:pt x="0" y="0"/>
+                </a:moveTo>
+                <a:lnTo>
+                  <a:pt x="2259550" y="0"/>
+                </a:lnTo>
+                <a:lnTo>
+                  <a:pt x="2387803" y="82222"/>
+                </a:lnTo>
+                <a:cubicBezTo>
+                  <a:pt x="3461407" y="807534"/>
+                  <a:pt x="4167271" y="2035835"/>
+                  <a:pt x="4167271" y="3429000"/>
+                </a:cubicBezTo>
+                <a:cubicBezTo>
+                  <a:pt x="4167271" y="4822165"/>
+                  <a:pt x="3461407" y="6050467"/>
+                  <a:pt x="2387803" y="6775779"/>
+                </a:cubicBezTo>
+                <a:lnTo>
+                  <a:pt x="2259550" y="6858000"/>
+                </a:lnTo>
+                <a:lnTo>
+                  <a:pt x="0" y="6858000"/>
+                </a:lnTo>
+                <a:close/>
+              </a:path>
+            </a:pathLst>
+          </a:custGeom>
+          <a:solidFill>
+            <a:schemeClr val="accent2"/>
+          </a:solidFill>
+          <a:ln>
+            <a:noFill/>
+          </a:ln>
+        </p:spPr>
+        <p:style>
+          <a:lnRef idx="2">
+            <a:schemeClr val="accent1">
+              <a:shade val="50000"/>
+            </a:schemeClr>
+          </a:lnRef>
+          <a:fillRef idx="1">
+            <a:schemeClr val="accent1"/>
+          </a:fillRef>
+          <a:effectRef idx="0">
+            <a:schemeClr val="accent1"/>
+          </a:effectRef>
+          <a:fontRef idx="minor">
+            <a:schemeClr val="lt1"/>
+          </a:fontRef>
+        </p:style>
+        <p:txBody>
+          <a:bodyPr rtlCol="0" anchor="ctr"/>
+          <a:lstStyle/>
+          <a:p>
+            <a:pPr algn="ctr"/>
+            <a:endParaRPr lang="en-US"/>
+          </a:p>
+        </p:txBody>
+      </p:sp>
       <p:sp>
         <p:nvSpPr>
           <p:cNvPr id="2" name="Nadpis 1">
@@ -4916,12 +5125,88 @@
             <p:ph type="title"/>
           </p:nvPr>
         </p:nvSpPr>
-        <p:spPr/>
-        <p:txBody>
-          <a:bodyPr/>
-          <a:lstStyle/>
-          <a:p>
-            <a:endParaRPr lang="cs-CZ"/>
+        <p:spPr>
+          <a:xfrm>
+            <a:off x="686834" y="1153572"/>
+            <a:ext cx="3200400" cy="4461163"/>
+          </a:xfrm>
+        </p:spPr>
+        <p:txBody>
+          <a:bodyPr>
+            <a:normAutofit/>
+          </a:bodyPr>
+          <a:lstStyle/>
+          <a:p>
+            <a:r>
+              <a:rPr lang="cs-CZ">
+                <a:solidFill>
+                  <a:srgbClr val="FFFFFF"/>
+                </a:solidFill>
+                <a:cs typeface="Calibri Light"/>
+              </a:rPr>
+              <a:t>FAT12</a:t>
+            </a:r>
+          </a:p>
+        </p:txBody>
+      </p:sp>
+      <p:sp>
+        <p:nvSpPr>
+          <p:cNvPr id="12" name="Arc 11">
+            <a:extLst>
+              <a:ext uri="{FF2B5EF4-FFF2-40B4-BE49-F238E27FC236}">
+                <a16:creationId xmlns:a16="http://schemas.microsoft.com/office/drawing/2014/main" id="{081E4A58-353D-44AE-B2FC-2A74E2E400F7}"/>
+              </a:ext>
+              <a:ext uri="{C183D7F6-B498-43B3-948B-1728B52AA6E4}">
+                <adec:decorative xmlns:adec="http://schemas.microsoft.com/office/drawing/2017/decorative" val="1"/>
+              </a:ext>
+            </a:extLst>
+          </p:cNvPr>
+          <p:cNvSpPr>
+            <a:spLocks noGrp="1" noRot="1" noChangeAspect="1" noMove="1" noResize="1" noEditPoints="1" noAdjustHandles="1" noChangeArrowheads="1" noChangeShapeType="1" noTextEdit="1"/>
+          </p:cNvSpPr>
+          <p:nvPr>
+            <p:extLst>
+              <p:ext uri="{386F3935-93C4-4BCD-93E2-E3B085C9AB24}">
+                <p16:designElem xmlns:p16="http://schemas.microsoft.com/office/powerpoint/2015/main" val="1"/>
+              </p:ext>
+            </p:extLst>
+          </p:nvPr>
+        </p:nvSpPr>
+        <p:spPr>
+          <a:xfrm flipV="1">
+            <a:off x="7550402" y="2455479"/>
+            <a:ext cx="4083433" cy="4083433"/>
+          </a:xfrm>
+          <a:prstGeom prst="arc">
+            <a:avLst/>
+          </a:prstGeom>
+          <a:ln w="127000" cap="rnd">
+            <a:solidFill>
+              <a:schemeClr val="accent4"/>
+            </a:solidFill>
+            <a:prstDash val="dash"/>
+          </a:ln>
+        </p:spPr>
+        <p:style>
+          <a:lnRef idx="1">
+            <a:schemeClr val="accent1"/>
+          </a:lnRef>
+          <a:fillRef idx="0">
+            <a:schemeClr val="accent1"/>
+          </a:fillRef>
+          <a:effectRef idx="0">
+            <a:schemeClr val="accent1"/>
+          </a:effectRef>
+          <a:fontRef idx="minor">
+            <a:schemeClr val="tx1"/>
+          </a:fontRef>
+        </p:style>
+        <p:txBody>
+          <a:bodyPr rtlCol="0" anchor="ctr"/>
+          <a:lstStyle/>
+          <a:p>
+            <a:pPr algn="ctr"/>
+            <a:endParaRPr lang="en-US" dirty="0"/>
           </a:p>
         </p:txBody>
       </p:sp>
@@ -4941,12 +5226,88 @@
             <p:ph idx="1"/>
           </p:nvPr>
         </p:nvSpPr>
-        <p:spPr/>
-        <p:txBody>
-          <a:bodyPr/>
-          <a:lstStyle/>
-          <a:p>
-            <a:endParaRPr lang="cs-CZ"/>
+        <p:spPr>
+          <a:xfrm>
+            <a:off x="4447308" y="591344"/>
+            <a:ext cx="6906491" cy="5585619"/>
+          </a:xfrm>
+        </p:spPr>
+        <p:txBody>
+          <a:bodyPr vert="horz" lIns="91440" tIns="45720" rIns="91440" bIns="45720" rtlCol="0" anchor="ctr">
+            <a:normAutofit/>
+          </a:bodyPr>
+          <a:lstStyle/>
+          <a:p>
+            <a:r>
+              <a:rPr lang="cs-CZ" dirty="0">
+                <a:cs typeface="Calibri"/>
+              </a:rPr>
+              <a:t>Vytvořen v roce 1980 pro MS-DOS</a:t>
+            </a:r>
+          </a:p>
+          <a:p>
+            <a:r>
+              <a:rPr lang="cs-CZ" dirty="0">
+                <a:cs typeface="Calibri"/>
+              </a:rPr>
+              <a:t>Nazývá se FAT (</a:t>
+            </a:r>
+            <a:r>
+              <a:rPr lang="cs-CZ" dirty="0" err="1">
+                <a:cs typeface="Calibri"/>
+              </a:rPr>
+              <a:t>File</a:t>
+            </a:r>
+            <a:r>
+              <a:rPr lang="cs-CZ" dirty="0">
+                <a:cs typeface="Calibri"/>
+              </a:rPr>
+              <a:t> </a:t>
+            </a:r>
+            <a:r>
+              <a:rPr lang="cs-CZ" dirty="0" err="1">
+                <a:cs typeface="Calibri"/>
+              </a:rPr>
+              <a:t>Allocation</a:t>
+            </a:r>
+            <a:r>
+              <a:rPr lang="cs-CZ" dirty="0">
+                <a:cs typeface="Calibri"/>
+              </a:rPr>
+              <a:t> Table), protože používá tabulku, kde má uložený umístění souborů na disku</a:t>
+            </a:r>
+          </a:p>
+          <a:p>
+            <a:r>
+              <a:rPr lang="cs-CZ" dirty="0">
+                <a:cs typeface="Calibri"/>
+              </a:rPr>
+              <a:t>Maximální velikost disku je 32 MB</a:t>
+            </a:r>
+          </a:p>
+          <a:p>
+            <a:r>
+              <a:rPr lang="cs-CZ" dirty="0">
+                <a:cs typeface="Calibri"/>
+              </a:rPr>
+              <a:t>Názvy souborů můžou mít max. 8 znaků + 3 pro příponu</a:t>
+            </a:r>
+          </a:p>
+          <a:p>
+            <a:r>
+              <a:rPr lang="cs-CZ" dirty="0">
+                <a:cs typeface="Calibri"/>
+              </a:rPr>
+              <a:t>Je podporován každým operačním systémem</a:t>
+            </a:r>
+          </a:p>
+          <a:p>
+            <a:r>
+              <a:rPr lang="cs-CZ" dirty="0">
+                <a:cs typeface="Calibri"/>
+              </a:rPr>
+              <a:t>Velice zastaralý, nepoužívá se</a:t>
+            </a:r>
           </a:p>
         </p:txBody>
       </p:sp>
@@ -4960,10 +5321,2120 @@
   <p:clrMapOvr>
     <a:masterClrMapping/>
   </p:clrMapOvr>
+  <p:transition spd="slow">
+    <p:push dir="u"/>
+  </p:transition>
 </p:sld>
 </file>
 
 <file path=ppt/slides/slide4.xml><?xml version="1.0" encoding="utf-8"?>
+<p:sld xmlns:a="http://schemas.openxmlformats.org/drawingml/2006/main" xmlns:r="http://schemas.openxmlformats.org/officeDocument/2006/relationships" xmlns:p="http://schemas.openxmlformats.org/presentationml/2006/main">
+  <p:cSld>
+    <p:bg>
+      <p:bgPr>
+        <a:solidFill>
+          <a:schemeClr val="bg1"/>
+        </a:solidFill>
+        <a:effectLst/>
+      </p:bgPr>
+    </p:bg>
+    <p:spTree>
+      <p:nvGrpSpPr>
+        <p:cNvPr id="1" name=""/>
+        <p:cNvGrpSpPr/>
+        <p:nvPr/>
+      </p:nvGrpSpPr>
+      <p:grpSpPr>
+        <a:xfrm>
+          <a:off x="0" y="0"/>
+          <a:ext cx="0" cy="0"/>
+          <a:chOff x="0" y="0"/>
+          <a:chExt cx="0" cy="0"/>
+        </a:xfrm>
+      </p:grpSpPr>
+      <p:sp useBgFill="1">
+        <p:nvSpPr>
+          <p:cNvPr id="15" name="Rectangle 7">
+            <a:extLst>
+              <a:ext uri="{FF2B5EF4-FFF2-40B4-BE49-F238E27FC236}">
+                <a16:creationId xmlns:a16="http://schemas.microsoft.com/office/drawing/2014/main" id="{C2554CA6-288E-4202-BC52-2E5A8F0C0AED}"/>
+              </a:ext>
+              <a:ext uri="{C183D7F6-B498-43B3-948B-1728B52AA6E4}">
+                <adec:decorative xmlns:adec="http://schemas.microsoft.com/office/drawing/2017/decorative" val="1"/>
+              </a:ext>
+            </a:extLst>
+          </p:cNvPr>
+          <p:cNvSpPr>
+            <a:spLocks noGrp="1" noRot="1" noChangeAspect="1" noMove="1" noResize="1" noEditPoints="1" noAdjustHandles="1" noChangeArrowheads="1" noChangeShapeType="1" noTextEdit="1"/>
+          </p:cNvSpPr>
+          <p:nvPr>
+            <p:extLst>
+              <p:ext uri="{386F3935-93C4-4BCD-93E2-E3B085C9AB24}">
+                <p16:designElem xmlns:p16="http://schemas.microsoft.com/office/powerpoint/2015/main" val="1"/>
+              </p:ext>
+            </p:extLst>
+          </p:nvPr>
+        </p:nvSpPr>
+        <p:spPr>
+          <a:xfrm>
+            <a:off x="3048" y="0"/>
+            <a:ext cx="12188952" cy="6858000"/>
+          </a:xfrm>
+          <a:prstGeom prst="rect">
+            <a:avLst/>
+          </a:prstGeom>
+          <a:ln>
+            <a:noFill/>
+          </a:ln>
+        </p:spPr>
+        <p:style>
+          <a:lnRef idx="2">
+            <a:schemeClr val="accent1">
+              <a:shade val="50000"/>
+            </a:schemeClr>
+          </a:lnRef>
+          <a:fillRef idx="1">
+            <a:schemeClr val="accent1"/>
+          </a:fillRef>
+          <a:effectRef idx="0">
+            <a:schemeClr val="accent1"/>
+          </a:effectRef>
+          <a:fontRef idx="minor">
+            <a:schemeClr val="lt1"/>
+          </a:fontRef>
+        </p:style>
+        <p:txBody>
+          <a:bodyPr rtlCol="0" anchor="ctr"/>
+          <a:lstStyle/>
+          <a:p>
+            <a:pPr algn="ctr"/>
+            <a:endParaRPr lang="en-US"/>
+          </a:p>
+        </p:txBody>
+      </p:sp>
+      <p:sp>
+        <p:nvSpPr>
+          <p:cNvPr id="16" name="Oval 9">
+            <a:extLst>
+              <a:ext uri="{FF2B5EF4-FFF2-40B4-BE49-F238E27FC236}">
+                <a16:creationId xmlns:a16="http://schemas.microsoft.com/office/drawing/2014/main" id="{B10BB131-AC8E-4A8E-A5D1-36260F720C3B}"/>
+              </a:ext>
+              <a:ext uri="{C183D7F6-B498-43B3-948B-1728B52AA6E4}">
+                <adec:decorative xmlns:adec="http://schemas.microsoft.com/office/drawing/2017/decorative" val="1"/>
+              </a:ext>
+            </a:extLst>
+          </p:cNvPr>
+          <p:cNvSpPr>
+            <a:spLocks noGrp="1" noRot="1" noChangeAspect="1" noMove="1" noResize="1" noEditPoints="1" noAdjustHandles="1" noChangeArrowheads="1" noChangeShapeType="1" noTextEdit="1"/>
+          </p:cNvSpPr>
+          <p:nvPr>
+            <p:extLst>
+              <p:ext uri="{386F3935-93C4-4BCD-93E2-E3B085C9AB24}">
+                <p16:designElem xmlns:p16="http://schemas.microsoft.com/office/powerpoint/2015/main" val="1"/>
+              </p:ext>
+            </p:extLst>
+          </p:nvPr>
+        </p:nvSpPr>
+        <p:spPr>
+          <a:xfrm>
+            <a:off x="489189" y="1119031"/>
+            <a:ext cx="4619938" cy="4619938"/>
+          </a:xfrm>
+          <a:prstGeom prst="ellipse">
+            <a:avLst/>
+          </a:prstGeom>
+          <a:solidFill>
+            <a:schemeClr val="accent2"/>
+          </a:solidFill>
+          <a:ln>
+            <a:noFill/>
+          </a:ln>
+        </p:spPr>
+        <p:style>
+          <a:lnRef idx="2">
+            <a:schemeClr val="accent1">
+              <a:shade val="50000"/>
+            </a:schemeClr>
+          </a:lnRef>
+          <a:fillRef idx="1">
+            <a:schemeClr val="accent1"/>
+          </a:fillRef>
+          <a:effectRef idx="0">
+            <a:schemeClr val="accent1"/>
+          </a:effectRef>
+          <a:fontRef idx="minor">
+            <a:schemeClr val="lt1"/>
+          </a:fontRef>
+        </p:style>
+        <p:txBody>
+          <a:bodyPr rtlCol="0" anchor="ctr"/>
+          <a:lstStyle/>
+          <a:p>
+            <a:pPr algn="ctr"/>
+            <a:endParaRPr lang="en-US"/>
+          </a:p>
+        </p:txBody>
+      </p:sp>
+      <p:sp>
+        <p:nvSpPr>
+          <p:cNvPr id="2" name="Nadpis 1">
+            <a:extLst>
+              <a:ext uri="{FF2B5EF4-FFF2-40B4-BE49-F238E27FC236}">
+                <a16:creationId xmlns:a16="http://schemas.microsoft.com/office/drawing/2014/main" id="{76FED77C-8A19-8880-2DE7-1F00931C8AFF}"/>
+              </a:ext>
+            </a:extLst>
+          </p:cNvPr>
+          <p:cNvSpPr>
+            <a:spLocks noGrp="1"/>
+          </p:cNvSpPr>
+          <p:nvPr>
+            <p:ph type="title"/>
+          </p:nvPr>
+        </p:nvSpPr>
+        <p:spPr>
+          <a:xfrm>
+            <a:off x="1976004" y="1396686"/>
+            <a:ext cx="3240506" cy="4064628"/>
+          </a:xfrm>
+        </p:spPr>
+        <p:txBody>
+          <a:bodyPr>
+            <a:normAutofit/>
+          </a:bodyPr>
+          <a:lstStyle/>
+          <a:p>
+            <a:r>
+              <a:rPr lang="cs-CZ">
+                <a:solidFill>
+                  <a:srgbClr val="FFFFFF"/>
+                </a:solidFill>
+                <a:cs typeface="Calibri Light"/>
+              </a:rPr>
+              <a:t>FAT16</a:t>
+            </a:r>
+          </a:p>
+        </p:txBody>
+      </p:sp>
+      <p:sp>
+        <p:nvSpPr>
+          <p:cNvPr id="17" name="Arc 11">
+            <a:extLst>
+              <a:ext uri="{FF2B5EF4-FFF2-40B4-BE49-F238E27FC236}">
+                <a16:creationId xmlns:a16="http://schemas.microsoft.com/office/drawing/2014/main" id="{5B7778FC-632E-4DCA-A7CB-0D7731CCF970}"/>
+              </a:ext>
+              <a:ext uri="{C183D7F6-B498-43B3-948B-1728B52AA6E4}">
+                <adec:decorative xmlns:adec="http://schemas.microsoft.com/office/drawing/2017/decorative" val="1"/>
+              </a:ext>
+            </a:extLst>
+          </p:cNvPr>
+          <p:cNvSpPr>
+            <a:spLocks noGrp="1" noRot="1" noChangeAspect="1" noMove="1" noResize="1" noEditPoints="1" noAdjustHandles="1" noChangeArrowheads="1" noChangeShapeType="1" noTextEdit="1"/>
+          </p:cNvSpPr>
+          <p:nvPr>
+            <p:extLst>
+              <p:ext uri="{386F3935-93C4-4BCD-93E2-E3B085C9AB24}">
+                <p16:designElem xmlns:p16="http://schemas.microsoft.com/office/powerpoint/2015/main" val="1"/>
+              </p:ext>
+            </p:extLst>
+          </p:nvPr>
+        </p:nvSpPr>
+        <p:spPr>
+          <a:xfrm rot="19809111">
+            <a:off x="8683720" y="941148"/>
+            <a:ext cx="2987899" cy="2987899"/>
+          </a:xfrm>
+          <a:prstGeom prst="arc">
+            <a:avLst>
+              <a:gd name="adj1" fmla="val 15817365"/>
+              <a:gd name="adj2" fmla="val 1781380"/>
+            </a:avLst>
+          </a:prstGeom>
+          <a:ln w="127000" cap="rnd">
+            <a:solidFill>
+              <a:schemeClr val="accent4"/>
+            </a:solidFill>
+            <a:prstDash val="dash"/>
+            <a:miter lim="800000"/>
+          </a:ln>
+        </p:spPr>
+        <p:style>
+          <a:lnRef idx="1">
+            <a:schemeClr val="accent1"/>
+          </a:lnRef>
+          <a:fillRef idx="0">
+            <a:schemeClr val="accent1"/>
+          </a:fillRef>
+          <a:effectRef idx="0">
+            <a:schemeClr val="accent1"/>
+          </a:effectRef>
+          <a:fontRef idx="minor">
+            <a:schemeClr val="tx1"/>
+          </a:fontRef>
+        </p:style>
+        <p:txBody>
+          <a:bodyPr rtlCol="0" anchor="ctr"/>
+          <a:lstStyle/>
+          <a:p>
+            <a:pPr marL="0" marR="0" lvl="0" indent="0" algn="ctr" defTabSz="914400" rtl="0" eaLnBrk="1" fontAlgn="auto" latinLnBrk="0" hangingPunct="1">
+              <a:lnSpc>
+                <a:spcPct val="100000"/>
+              </a:lnSpc>
+              <a:spcBef>
+                <a:spcPts val="0"/>
+              </a:spcBef>
+              <a:spcAft>
+                <a:spcPts val="0"/>
+              </a:spcAft>
+              <a:buClrTx/>
+              <a:buSzTx/>
+              <a:buFontTx/>
+              <a:buNone/>
+              <a:tabLst/>
+              <a:defRPr/>
+            </a:pPr>
+            <a:endParaRPr kumimoji="0" lang="en-US" sz="1800" b="0" i="0" u="none" strike="noStrike" kern="1200" cap="none" spc="0" normalizeH="0" baseline="0" noProof="0">
+              <a:ln>
+                <a:noFill/>
+              </a:ln>
+              <a:solidFill>
+                <a:srgbClr val="000000"/>
+              </a:solidFill>
+              <a:effectLst/>
+              <a:uLnTx/>
+              <a:uFillTx/>
+              <a:latin typeface="Calibri" panose="020F0502020204030204"/>
+              <a:ea typeface="+mn-ea"/>
+              <a:cs typeface="+mn-cs"/>
+            </a:endParaRPr>
+          </a:p>
+        </p:txBody>
+      </p:sp>
+      <p:sp>
+        <p:nvSpPr>
+          <p:cNvPr id="14" name="Oval 13">
+            <a:extLst>
+              <a:ext uri="{FF2B5EF4-FFF2-40B4-BE49-F238E27FC236}">
+                <a16:creationId xmlns:a16="http://schemas.microsoft.com/office/drawing/2014/main" id="{FA23A907-97FB-4A8F-880A-DD77401C4296}"/>
+              </a:ext>
+              <a:ext uri="{C183D7F6-B498-43B3-948B-1728B52AA6E4}">
+                <adec:decorative xmlns:adec="http://schemas.microsoft.com/office/drawing/2017/decorative" val="1"/>
+              </a:ext>
+            </a:extLst>
+          </p:cNvPr>
+          <p:cNvSpPr>
+            <a:spLocks noGrp="1" noRot="1" noChangeAspect="1" noMove="1" noResize="1" noEditPoints="1" noAdjustHandles="1" noChangeArrowheads="1" noChangeShapeType="1" noTextEdit="1"/>
+          </p:cNvSpPr>
+          <p:nvPr>
+            <p:extLst>
+              <p:ext uri="{386F3935-93C4-4BCD-93E2-E3B085C9AB24}">
+                <p16:designElem xmlns:p16="http://schemas.microsoft.com/office/powerpoint/2015/main" val="1"/>
+              </p:ext>
+            </p:extLst>
+          </p:nvPr>
+        </p:nvSpPr>
+        <p:spPr>
+          <a:xfrm>
+            <a:off x="910048" y="4780992"/>
+            <a:ext cx="546100" cy="546100"/>
+          </a:xfrm>
+          <a:prstGeom prst="ellipse">
+            <a:avLst/>
+          </a:prstGeom>
+          <a:solidFill>
+            <a:schemeClr val="accent5"/>
+          </a:solidFill>
+          <a:ln>
+            <a:noFill/>
+          </a:ln>
+        </p:spPr>
+        <p:style>
+          <a:lnRef idx="2">
+            <a:schemeClr val="accent1">
+              <a:shade val="50000"/>
+            </a:schemeClr>
+          </a:lnRef>
+          <a:fillRef idx="1">
+            <a:schemeClr val="accent1"/>
+          </a:fillRef>
+          <a:effectRef idx="0">
+            <a:schemeClr val="accent1"/>
+          </a:effectRef>
+          <a:fontRef idx="minor">
+            <a:schemeClr val="lt1"/>
+          </a:fontRef>
+        </p:style>
+        <p:txBody>
+          <a:bodyPr rtlCol="0" anchor="ctr"/>
+          <a:lstStyle/>
+          <a:p>
+            <a:pPr marL="0" marR="0" lvl="0" indent="0" algn="ctr" defTabSz="914400" rtl="0" eaLnBrk="1" fontAlgn="auto" latinLnBrk="0" hangingPunct="1">
+              <a:lnSpc>
+                <a:spcPct val="100000"/>
+              </a:lnSpc>
+              <a:spcBef>
+                <a:spcPts val="0"/>
+              </a:spcBef>
+              <a:spcAft>
+                <a:spcPts val="0"/>
+              </a:spcAft>
+              <a:buClrTx/>
+              <a:buSzTx/>
+              <a:buFontTx/>
+              <a:buNone/>
+              <a:tabLst/>
+              <a:defRPr/>
+            </a:pPr>
+            <a:endParaRPr kumimoji="0" lang="en-US" sz="1800" b="0" i="0" u="none" strike="noStrike" kern="1200" cap="none" spc="0" normalizeH="0" baseline="0" noProof="0">
+              <a:ln>
+                <a:noFill/>
+              </a:ln>
+              <a:solidFill>
+                <a:srgbClr val="FFFFFF"/>
+              </a:solidFill>
+              <a:effectLst/>
+              <a:uLnTx/>
+              <a:uFillTx/>
+              <a:latin typeface="Calibri" panose="020F0502020204030204"/>
+              <a:ea typeface="+mn-ea"/>
+              <a:cs typeface="+mn-cs"/>
+            </a:endParaRPr>
+          </a:p>
+        </p:txBody>
+      </p:sp>
+      <p:sp>
+        <p:nvSpPr>
+          <p:cNvPr id="3" name="Zástupný obsah 2">
+            <a:extLst>
+              <a:ext uri="{FF2B5EF4-FFF2-40B4-BE49-F238E27FC236}">
+                <a16:creationId xmlns:a16="http://schemas.microsoft.com/office/drawing/2014/main" id="{D789C30F-E5D3-6B3C-24CC-AAC60C003AE7}"/>
+              </a:ext>
+            </a:extLst>
+          </p:cNvPr>
+          <p:cNvSpPr>
+            <a:spLocks noGrp="1"/>
+          </p:cNvSpPr>
+          <p:nvPr>
+            <p:ph idx="1"/>
+          </p:nvPr>
+        </p:nvSpPr>
+        <p:spPr>
+          <a:xfrm>
+            <a:off x="5370153" y="1526033"/>
+            <a:ext cx="5882760" cy="3935281"/>
+          </a:xfrm>
+        </p:spPr>
+        <p:txBody>
+          <a:bodyPr vert="horz" lIns="91440" tIns="45720" rIns="91440" bIns="45720" rtlCol="0" anchor="t">
+            <a:normAutofit/>
+          </a:bodyPr>
+          <a:lstStyle/>
+          <a:p>
+            <a:r>
+              <a:rPr lang="cs-CZ" dirty="0">
+                <a:cs typeface="Calibri"/>
+              </a:rPr>
+              <a:t>Vytvořen v roce 1984 pro MS-DOS 3.0</a:t>
+            </a:r>
+          </a:p>
+          <a:p>
+            <a:r>
+              <a:rPr lang="cs-CZ" dirty="0">
+                <a:cs typeface="Calibri"/>
+              </a:rPr>
+              <a:t>Vylepšená verze FAT12</a:t>
+            </a:r>
+          </a:p>
+          <a:p>
+            <a:r>
+              <a:rPr lang="cs-CZ" dirty="0">
+                <a:cs typeface="Calibri"/>
+              </a:rPr>
+              <a:t>Velikost disku může být až 16 GB</a:t>
+            </a:r>
+          </a:p>
+          <a:p>
+            <a:r>
+              <a:rPr lang="cs-CZ" dirty="0">
+                <a:cs typeface="Calibri"/>
+              </a:rPr>
+              <a:t>Velikost souborů je maximálně 4 GB</a:t>
+            </a:r>
+          </a:p>
+          <a:p>
+            <a:r>
+              <a:rPr lang="cs-CZ" dirty="0">
+                <a:cs typeface="Calibri"/>
+              </a:rPr>
+              <a:t>Názvy souborů můžou mít pořád jenom 8 znaků, ale ve Windows 95 můžou mít až 255 znaků</a:t>
+            </a:r>
+          </a:p>
+        </p:txBody>
+      </p:sp>
+    </p:spTree>
+    <p:extLst>
+      <p:ext uri="{BB962C8B-B14F-4D97-AF65-F5344CB8AC3E}">
+        <p14:creationId xmlns:p14="http://schemas.microsoft.com/office/powerpoint/2010/main" val="1805287342"/>
+      </p:ext>
+    </p:extLst>
+  </p:cSld>
+  <p:clrMapOvr>
+    <a:masterClrMapping/>
+  </p:clrMapOvr>
+  <p:transition spd="slow">
+    <p:push dir="u"/>
+  </p:transition>
+</p:sld>
+</file>
+
+<file path=ppt/slides/slide5.xml><?xml version="1.0" encoding="utf-8"?>
+<p:sld xmlns:a="http://schemas.openxmlformats.org/drawingml/2006/main" xmlns:r="http://schemas.openxmlformats.org/officeDocument/2006/relationships" xmlns:p="http://schemas.openxmlformats.org/presentationml/2006/main">
+  <p:cSld>
+    <p:bg>
+      <p:bgPr>
+        <a:solidFill>
+          <a:schemeClr val="bg1"/>
+        </a:solidFill>
+        <a:effectLst/>
+      </p:bgPr>
+    </p:bg>
+    <p:spTree>
+      <p:nvGrpSpPr>
+        <p:cNvPr id="1" name=""/>
+        <p:cNvGrpSpPr/>
+        <p:nvPr/>
+      </p:nvGrpSpPr>
+      <p:grpSpPr>
+        <a:xfrm>
+          <a:off x="0" y="0"/>
+          <a:ext cx="0" cy="0"/>
+          <a:chOff x="0" y="0"/>
+          <a:chExt cx="0" cy="0"/>
+        </a:xfrm>
+      </p:grpSpPr>
+      <p:sp useBgFill="1">
+        <p:nvSpPr>
+          <p:cNvPr id="28" name="Rectangle 27">
+            <a:extLst>
+              <a:ext uri="{FF2B5EF4-FFF2-40B4-BE49-F238E27FC236}">
+                <a16:creationId xmlns:a16="http://schemas.microsoft.com/office/drawing/2014/main" id="{E92FEB64-6EEA-4759-B4A4-BD2C1E660BA8}"/>
+              </a:ext>
+              <a:ext uri="{C183D7F6-B498-43B3-948B-1728B52AA6E4}">
+                <adec:decorative xmlns:adec="http://schemas.microsoft.com/office/drawing/2017/decorative" val="1"/>
+              </a:ext>
+            </a:extLst>
+          </p:cNvPr>
+          <p:cNvSpPr>
+            <a:spLocks noGrp="1" noRot="1" noChangeAspect="1" noMove="1" noResize="1" noEditPoints="1" noAdjustHandles="1" noChangeArrowheads="1" noChangeShapeType="1" noTextEdit="1"/>
+          </p:cNvSpPr>
+          <p:nvPr>
+            <p:extLst>
+              <p:ext uri="{386F3935-93C4-4BCD-93E2-E3B085C9AB24}">
+                <p16:designElem xmlns:p16="http://schemas.microsoft.com/office/powerpoint/2015/main" val="1"/>
+              </p:ext>
+            </p:extLst>
+          </p:nvPr>
+        </p:nvSpPr>
+        <p:spPr>
+          <a:xfrm>
+            <a:off x="3048" y="0"/>
+            <a:ext cx="12188952" cy="6858000"/>
+          </a:xfrm>
+          <a:prstGeom prst="rect">
+            <a:avLst/>
+          </a:prstGeom>
+          <a:ln>
+            <a:noFill/>
+          </a:ln>
+        </p:spPr>
+        <p:style>
+          <a:lnRef idx="2">
+            <a:schemeClr val="accent1">
+              <a:shade val="50000"/>
+            </a:schemeClr>
+          </a:lnRef>
+          <a:fillRef idx="1">
+            <a:schemeClr val="accent1"/>
+          </a:fillRef>
+          <a:effectRef idx="0">
+            <a:schemeClr val="accent1"/>
+          </a:effectRef>
+          <a:fontRef idx="minor">
+            <a:schemeClr val="lt1"/>
+          </a:fontRef>
+        </p:style>
+        <p:txBody>
+          <a:bodyPr rtlCol="0" anchor="ctr"/>
+          <a:lstStyle/>
+          <a:p>
+            <a:pPr algn="ctr"/>
+            <a:endParaRPr lang="en-US"/>
+          </a:p>
+        </p:txBody>
+      </p:sp>
+      <p:sp>
+        <p:nvSpPr>
+          <p:cNvPr id="30" name="Oval 29">
+            <a:extLst>
+              <a:ext uri="{FF2B5EF4-FFF2-40B4-BE49-F238E27FC236}">
+                <a16:creationId xmlns:a16="http://schemas.microsoft.com/office/drawing/2014/main" id="{B10BB131-AC8E-4A8E-A5D1-36260F720C3B}"/>
+              </a:ext>
+              <a:ext uri="{C183D7F6-B498-43B3-948B-1728B52AA6E4}">
+                <adec:decorative xmlns:adec="http://schemas.microsoft.com/office/drawing/2017/decorative" val="1"/>
+              </a:ext>
+            </a:extLst>
+          </p:cNvPr>
+          <p:cNvSpPr>
+            <a:spLocks noGrp="1" noRot="1" noChangeAspect="1" noMove="1" noResize="1" noEditPoints="1" noAdjustHandles="1" noChangeArrowheads="1" noChangeShapeType="1" noTextEdit="1"/>
+          </p:cNvSpPr>
+          <p:nvPr>
+            <p:extLst>
+              <p:ext uri="{386F3935-93C4-4BCD-93E2-E3B085C9AB24}">
+                <p16:designElem xmlns:p16="http://schemas.microsoft.com/office/powerpoint/2015/main" val="1"/>
+              </p:ext>
+            </p:extLst>
+          </p:nvPr>
+        </p:nvSpPr>
+        <p:spPr>
+          <a:xfrm>
+            <a:off x="707393" y="847600"/>
+            <a:ext cx="4619938" cy="4619938"/>
+          </a:xfrm>
+          <a:prstGeom prst="ellipse">
+            <a:avLst/>
+          </a:prstGeom>
+          <a:solidFill>
+            <a:schemeClr val="accent2"/>
+          </a:solidFill>
+          <a:ln>
+            <a:noFill/>
+          </a:ln>
+        </p:spPr>
+        <p:style>
+          <a:lnRef idx="2">
+            <a:schemeClr val="accent1">
+              <a:shade val="50000"/>
+            </a:schemeClr>
+          </a:lnRef>
+          <a:fillRef idx="1">
+            <a:schemeClr val="accent1"/>
+          </a:fillRef>
+          <a:effectRef idx="0">
+            <a:schemeClr val="accent1"/>
+          </a:effectRef>
+          <a:fontRef idx="minor">
+            <a:schemeClr val="lt1"/>
+          </a:fontRef>
+        </p:style>
+        <p:txBody>
+          <a:bodyPr rtlCol="0" anchor="ctr"/>
+          <a:lstStyle/>
+          <a:p>
+            <a:pPr algn="ctr"/>
+            <a:endParaRPr lang="en-US"/>
+          </a:p>
+        </p:txBody>
+      </p:sp>
+      <p:sp>
+        <p:nvSpPr>
+          <p:cNvPr id="2" name="Nadpis 1">
+            <a:extLst>
+              <a:ext uri="{FF2B5EF4-FFF2-40B4-BE49-F238E27FC236}">
+                <a16:creationId xmlns:a16="http://schemas.microsoft.com/office/drawing/2014/main" id="{639CAD96-88B9-63E9-4714-D59256881D65}"/>
+              </a:ext>
+            </a:extLst>
+          </p:cNvPr>
+          <p:cNvSpPr>
+            <a:spLocks noGrp="1"/>
+          </p:cNvSpPr>
+          <p:nvPr>
+            <p:ph type="title"/>
+          </p:nvPr>
+        </p:nvSpPr>
+        <p:spPr>
+          <a:xfrm>
+            <a:off x="2258602" y="1125917"/>
+            <a:ext cx="3240506" cy="4064628"/>
+          </a:xfrm>
+        </p:spPr>
+        <p:txBody>
+          <a:bodyPr>
+            <a:normAutofit/>
+          </a:bodyPr>
+          <a:lstStyle/>
+          <a:p>
+            <a:r>
+              <a:rPr lang="cs-CZ">
+                <a:solidFill>
+                  <a:srgbClr val="FFFFFF"/>
+                </a:solidFill>
+                <a:cs typeface="Calibri Light"/>
+              </a:rPr>
+              <a:t>FAT32</a:t>
+            </a:r>
+          </a:p>
+        </p:txBody>
+      </p:sp>
+      <p:sp>
+        <p:nvSpPr>
+          <p:cNvPr id="32" name="Freeform: Shape 31">
+            <a:extLst>
+              <a:ext uri="{FF2B5EF4-FFF2-40B4-BE49-F238E27FC236}">
+                <a16:creationId xmlns:a16="http://schemas.microsoft.com/office/drawing/2014/main" id="{14847E93-7DC1-4D4B-8829-B19AA7137C50}"/>
+              </a:ext>
+              <a:ext uri="{C183D7F6-B498-43B3-948B-1728B52AA6E4}">
+                <adec:decorative xmlns:adec="http://schemas.microsoft.com/office/drawing/2017/decorative" val="1"/>
+              </a:ext>
+            </a:extLst>
+          </p:cNvPr>
+          <p:cNvSpPr>
+            <a:spLocks noGrp="1" noRot="1" noChangeAspect="1" noMove="1" noResize="1" noEditPoints="1" noAdjustHandles="1" noChangeArrowheads="1" noChangeShapeType="1" noTextEdit="1"/>
+          </p:cNvSpPr>
+          <p:nvPr>
+            <p:extLst>
+              <p:ext uri="{386F3935-93C4-4BCD-93E2-E3B085C9AB24}">
+                <p16:designElem xmlns:p16="http://schemas.microsoft.com/office/powerpoint/2015/main" val="1"/>
+              </p:ext>
+            </p:extLst>
+          </p:nvPr>
+        </p:nvSpPr>
+        <p:spPr>
+          <a:xfrm flipH="1">
+            <a:off x="530529" y="0"/>
+            <a:ext cx="1155142" cy="591009"/>
+          </a:xfrm>
+          <a:custGeom>
+            <a:avLst/>
+            <a:gdLst>
+              <a:gd name="connsiteX0" fmla="*/ 1355 w 1155142"/>
+              <a:gd name="connsiteY0" fmla="*/ 0 h 591009"/>
+              <a:gd name="connsiteX1" fmla="*/ 1153787 w 1155142"/>
+              <a:gd name="connsiteY1" fmla="*/ 0 h 591009"/>
+              <a:gd name="connsiteX2" fmla="*/ 1155142 w 1155142"/>
+              <a:gd name="connsiteY2" fmla="*/ 13438 h 591009"/>
+              <a:gd name="connsiteX3" fmla="*/ 577571 w 1155142"/>
+              <a:gd name="connsiteY3" fmla="*/ 591009 h 591009"/>
+              <a:gd name="connsiteX4" fmla="*/ 0 w 1155142"/>
+              <a:gd name="connsiteY4" fmla="*/ 13438 h 591009"/>
+            </a:gdLst>
+            <a:ahLst/>
+            <a:cxnLst>
+              <a:cxn ang="0">
+                <a:pos x="connsiteX0" y="connsiteY0"/>
+              </a:cxn>
+              <a:cxn ang="0">
+                <a:pos x="connsiteX1" y="connsiteY1"/>
+              </a:cxn>
+              <a:cxn ang="0">
+                <a:pos x="connsiteX2" y="connsiteY2"/>
+              </a:cxn>
+              <a:cxn ang="0">
+                <a:pos x="connsiteX3" y="connsiteY3"/>
+              </a:cxn>
+              <a:cxn ang="0">
+                <a:pos x="connsiteX4" y="connsiteY4"/>
+              </a:cxn>
+            </a:cxnLst>
+            <a:rect l="l" t="t" r="r" b="b"/>
+            <a:pathLst>
+              <a:path w="1155142" h="591009">
+                <a:moveTo>
+                  <a:pt x="1355" y="0"/>
+                </a:moveTo>
+                <a:lnTo>
+                  <a:pt x="1153787" y="0"/>
+                </a:lnTo>
+                <a:lnTo>
+                  <a:pt x="1155142" y="13438"/>
+                </a:lnTo>
+                <a:cubicBezTo>
+                  <a:pt x="1155142" y="332422"/>
+                  <a:pt x="896555" y="591009"/>
+                  <a:pt x="577571" y="591009"/>
+                </a:cubicBezTo>
+                <a:cubicBezTo>
+                  <a:pt x="258587" y="591009"/>
+                  <a:pt x="0" y="332422"/>
+                  <a:pt x="0" y="13438"/>
+                </a:cubicBezTo>
+                <a:close/>
+              </a:path>
+            </a:pathLst>
+          </a:custGeom>
+          <a:solidFill>
+            <a:schemeClr val="accent5"/>
+          </a:solidFill>
+          <a:ln>
+            <a:noFill/>
+          </a:ln>
+        </p:spPr>
+        <p:style>
+          <a:lnRef idx="2">
+            <a:schemeClr val="accent1">
+              <a:shade val="50000"/>
+            </a:schemeClr>
+          </a:lnRef>
+          <a:fillRef idx="1">
+            <a:schemeClr val="accent1"/>
+          </a:fillRef>
+          <a:effectRef idx="0">
+            <a:schemeClr val="accent1"/>
+          </a:effectRef>
+          <a:fontRef idx="minor">
+            <a:schemeClr val="lt1"/>
+          </a:fontRef>
+        </p:style>
+        <p:txBody>
+          <a:bodyPr wrap="square" rtlCol="0" anchor="ctr">
+            <a:noAutofit/>
+          </a:bodyPr>
+          <a:lstStyle/>
+          <a:p>
+            <a:pPr algn="ctr"/>
+            <a:endParaRPr lang="en-US"/>
+          </a:p>
+        </p:txBody>
+      </p:sp>
+      <p:sp>
+        <p:nvSpPr>
+          <p:cNvPr id="34" name="Freeform: Shape 33">
+            <a:extLst>
+              <a:ext uri="{FF2B5EF4-FFF2-40B4-BE49-F238E27FC236}">
+                <a16:creationId xmlns:a16="http://schemas.microsoft.com/office/drawing/2014/main" id="{5566D6E1-03A1-4D73-A4E0-35D74D568A04}"/>
+              </a:ext>
+              <a:ext uri="{C183D7F6-B498-43B3-948B-1728B52AA6E4}">
+                <adec:decorative xmlns:adec="http://schemas.microsoft.com/office/drawing/2017/decorative" val="1"/>
+              </a:ext>
+            </a:extLst>
+          </p:cNvPr>
+          <p:cNvSpPr>
+            <a:spLocks noGrp="1" noRot="1" noChangeAspect="1" noMove="1" noResize="1" noEditPoints="1" noAdjustHandles="1" noChangeArrowheads="1" noChangeShapeType="1" noTextEdit="1"/>
+          </p:cNvSpPr>
+          <p:nvPr>
+            <p:extLst>
+              <p:ext uri="{386F3935-93C4-4BCD-93E2-E3B085C9AB24}">
+                <p16:designElem xmlns:p16="http://schemas.microsoft.com/office/powerpoint/2015/main" val="1"/>
+              </p:ext>
+            </p:extLst>
+          </p:nvPr>
+        </p:nvSpPr>
+        <p:spPr>
+          <a:xfrm flipH="1">
+            <a:off x="3961511" y="-1"/>
+            <a:ext cx="1737401" cy="959536"/>
+          </a:xfrm>
+          <a:custGeom>
+            <a:avLst/>
+            <a:gdLst>
+              <a:gd name="connsiteX0" fmla="*/ 0 w 1737401"/>
+              <a:gd name="connsiteY0" fmla="*/ 0 h 959536"/>
+              <a:gd name="connsiteX1" fmla="*/ 123825 w 1737401"/>
+              <a:gd name="connsiteY1" fmla="*/ 0 h 959536"/>
+              <a:gd name="connsiteX2" fmla="*/ 123825 w 1737401"/>
+              <a:gd name="connsiteY2" fmla="*/ 790277 h 959536"/>
+              <a:gd name="connsiteX3" fmla="*/ 1490095 w 1737401"/>
+              <a:gd name="connsiteY3" fmla="*/ 0 h 959536"/>
+              <a:gd name="connsiteX4" fmla="*/ 1737401 w 1737401"/>
+              <a:gd name="connsiteY4" fmla="*/ 0 h 959536"/>
+              <a:gd name="connsiteX5" fmla="*/ 92869 w 1737401"/>
+              <a:gd name="connsiteY5" fmla="*/ 951249 h 959536"/>
+              <a:gd name="connsiteX6" fmla="*/ 61913 w 1737401"/>
+              <a:gd name="connsiteY6" fmla="*/ 959536 h 959536"/>
+              <a:gd name="connsiteX7" fmla="*/ 0 w 1737401"/>
+              <a:gd name="connsiteY7" fmla="*/ 897624 h 959536"/>
+            </a:gdLst>
+            <a:ahLst/>
+            <a:cxnLst>
+              <a:cxn ang="0">
+                <a:pos x="connsiteX0" y="connsiteY0"/>
+              </a:cxn>
+              <a:cxn ang="0">
+                <a:pos x="connsiteX1" y="connsiteY1"/>
+              </a:cxn>
+              <a:cxn ang="0">
+                <a:pos x="connsiteX2" y="connsiteY2"/>
+              </a:cxn>
+              <a:cxn ang="0">
+                <a:pos x="connsiteX3" y="connsiteY3"/>
+              </a:cxn>
+              <a:cxn ang="0">
+                <a:pos x="connsiteX4" y="connsiteY4"/>
+              </a:cxn>
+              <a:cxn ang="0">
+                <a:pos x="connsiteX5" y="connsiteY5"/>
+              </a:cxn>
+              <a:cxn ang="0">
+                <a:pos x="connsiteX6" y="connsiteY6"/>
+              </a:cxn>
+              <a:cxn ang="0">
+                <a:pos x="connsiteX7" y="connsiteY7"/>
+              </a:cxn>
+            </a:cxnLst>
+            <a:rect l="l" t="t" r="r" b="b"/>
+            <a:pathLst>
+              <a:path w="1737401" h="959536">
+                <a:moveTo>
+                  <a:pt x="0" y="0"/>
+                </a:moveTo>
+                <a:lnTo>
+                  <a:pt x="123825" y="0"/>
+                </a:lnTo>
+                <a:lnTo>
+                  <a:pt x="123825" y="790277"/>
+                </a:lnTo>
+                <a:lnTo>
+                  <a:pt x="1490095" y="0"/>
+                </a:lnTo>
+                <a:lnTo>
+                  <a:pt x="1737401" y="0"/>
+                </a:lnTo>
+                <a:lnTo>
+                  <a:pt x="92869" y="951249"/>
+                </a:lnTo>
+                <a:cubicBezTo>
+                  <a:pt x="83458" y="956688"/>
+                  <a:pt x="72780" y="959546"/>
+                  <a:pt x="61913" y="959536"/>
+                </a:cubicBezTo>
+                <a:cubicBezTo>
+                  <a:pt x="27719" y="959536"/>
+                  <a:pt x="0" y="931818"/>
+                  <a:pt x="0" y="897624"/>
+                </a:cubicBezTo>
+                <a:close/>
+              </a:path>
+            </a:pathLst>
+          </a:custGeom>
+          <a:solidFill>
+            <a:schemeClr val="accent6"/>
+          </a:solidFill>
+          <a:ln w="9525" cap="flat">
+            <a:noFill/>
+            <a:prstDash val="solid"/>
+            <a:miter/>
+          </a:ln>
+        </p:spPr>
+        <p:txBody>
+          <a:bodyPr rtlCol="0" anchor="ctr"/>
+          <a:lstStyle/>
+          <a:p>
+            <a:endParaRPr lang="en-US"/>
+          </a:p>
+        </p:txBody>
+      </p:sp>
+      <p:sp>
+        <p:nvSpPr>
+          <p:cNvPr id="36" name="Freeform: Shape 35">
+            <a:extLst>
+              <a:ext uri="{FF2B5EF4-FFF2-40B4-BE49-F238E27FC236}">
+                <a16:creationId xmlns:a16="http://schemas.microsoft.com/office/drawing/2014/main" id="{9F835A99-04AC-494A-A572-AFE8413CC938}"/>
+              </a:ext>
+              <a:ext uri="{C183D7F6-B498-43B3-948B-1728B52AA6E4}">
+                <adec:decorative xmlns:adec="http://schemas.microsoft.com/office/drawing/2017/decorative" val="1"/>
+              </a:ext>
+            </a:extLst>
+          </p:cNvPr>
+          <p:cNvSpPr>
+            <a:spLocks noGrp="1" noRot="1" noChangeAspect="1" noMove="1" noResize="1" noEditPoints="1" noAdjustHandles="1" noChangeArrowheads="1" noChangeShapeType="1" noTextEdit="1"/>
+          </p:cNvSpPr>
+          <p:nvPr>
+            <p:extLst>
+              <p:ext uri="{386F3935-93C4-4BCD-93E2-E3B085C9AB24}">
+                <p16:designElem xmlns:p16="http://schemas.microsoft.com/office/powerpoint/2015/main" val="1"/>
+              </p:ext>
+            </p:extLst>
+          </p:nvPr>
+        </p:nvSpPr>
+        <p:spPr>
+          <a:xfrm flipH="1">
+            <a:off x="0" y="2936831"/>
+            <a:ext cx="159741" cy="552996"/>
+          </a:xfrm>
+          <a:custGeom>
+            <a:avLst/>
+            <a:gdLst>
+              <a:gd name="connsiteX0" fmla="*/ 159741 w 159741"/>
+              <a:gd name="connsiteY0" fmla="*/ 0 h 552996"/>
+              <a:gd name="connsiteX1" fmla="*/ 159741 w 159741"/>
+              <a:gd name="connsiteY1" fmla="*/ 552996 h 552996"/>
+              <a:gd name="connsiteX2" fmla="*/ 141849 w 159741"/>
+              <a:gd name="connsiteY2" fmla="*/ 543285 h 552996"/>
+              <a:gd name="connsiteX3" fmla="*/ 0 w 159741"/>
+              <a:gd name="connsiteY3" fmla="*/ 276498 h 552996"/>
+              <a:gd name="connsiteX4" fmla="*/ 141849 w 159741"/>
+              <a:gd name="connsiteY4" fmla="*/ 9711 h 552996"/>
+            </a:gdLst>
+            <a:ahLst/>
+            <a:cxnLst>
+              <a:cxn ang="0">
+                <a:pos x="connsiteX0" y="connsiteY0"/>
+              </a:cxn>
+              <a:cxn ang="0">
+                <a:pos x="connsiteX1" y="connsiteY1"/>
+              </a:cxn>
+              <a:cxn ang="0">
+                <a:pos x="connsiteX2" y="connsiteY2"/>
+              </a:cxn>
+              <a:cxn ang="0">
+                <a:pos x="connsiteX3" y="connsiteY3"/>
+              </a:cxn>
+              <a:cxn ang="0">
+                <a:pos x="connsiteX4" y="connsiteY4"/>
+              </a:cxn>
+            </a:cxnLst>
+            <a:rect l="l" t="t" r="r" b="b"/>
+            <a:pathLst>
+              <a:path w="159741" h="552996">
+                <a:moveTo>
+                  <a:pt x="159741" y="0"/>
+                </a:moveTo>
+                <a:lnTo>
+                  <a:pt x="159741" y="552996"/>
+                </a:lnTo>
+                <a:lnTo>
+                  <a:pt x="141849" y="543285"/>
+                </a:lnTo>
+                <a:cubicBezTo>
+                  <a:pt x="56268" y="485467"/>
+                  <a:pt x="0" y="387554"/>
+                  <a:pt x="0" y="276498"/>
+                </a:cubicBezTo>
+                <a:cubicBezTo>
+                  <a:pt x="0" y="165443"/>
+                  <a:pt x="56268" y="67529"/>
+                  <a:pt x="141849" y="9711"/>
+                </a:cubicBezTo>
+                <a:close/>
+              </a:path>
+            </a:pathLst>
+          </a:custGeom>
+          <a:solidFill>
+            <a:schemeClr val="accent4"/>
+          </a:solidFill>
+          <a:ln w="127000">
+            <a:noFill/>
+          </a:ln>
+        </p:spPr>
+        <p:style>
+          <a:lnRef idx="2">
+            <a:schemeClr val="accent1">
+              <a:shade val="50000"/>
+            </a:schemeClr>
+          </a:lnRef>
+          <a:fillRef idx="1">
+            <a:schemeClr val="accent1"/>
+          </a:fillRef>
+          <a:effectRef idx="0">
+            <a:schemeClr val="accent1"/>
+          </a:effectRef>
+          <a:fontRef idx="minor">
+            <a:schemeClr val="lt1"/>
+          </a:fontRef>
+        </p:style>
+        <p:txBody>
+          <a:bodyPr wrap="square" rtlCol="0" anchor="ctr">
+            <a:noAutofit/>
+          </a:bodyPr>
+          <a:lstStyle/>
+          <a:p>
+            <a:pPr algn="ctr"/>
+            <a:endParaRPr lang="en-US"/>
+          </a:p>
+        </p:txBody>
+      </p:sp>
+      <p:sp>
+        <p:nvSpPr>
+          <p:cNvPr id="3" name="Zástupný obsah 2">
+            <a:extLst>
+              <a:ext uri="{FF2B5EF4-FFF2-40B4-BE49-F238E27FC236}">
+                <a16:creationId xmlns:a16="http://schemas.microsoft.com/office/drawing/2014/main" id="{D9E51CAC-BF9B-51AD-69DB-1896F3767AC1}"/>
+              </a:ext>
+            </a:extLst>
+          </p:cNvPr>
+          <p:cNvSpPr>
+            <a:spLocks noGrp="1"/>
+          </p:cNvSpPr>
+          <p:nvPr>
+            <p:ph idx="1"/>
+          </p:nvPr>
+        </p:nvSpPr>
+        <p:spPr>
+          <a:xfrm>
+            <a:off x="6096000" y="820880"/>
+            <a:ext cx="5257799" cy="4889350"/>
+          </a:xfrm>
+        </p:spPr>
+        <p:txBody>
+          <a:bodyPr vert="horz" lIns="91440" tIns="45720" rIns="91440" bIns="45720" rtlCol="0" anchor="t">
+            <a:normAutofit/>
+          </a:bodyPr>
+          <a:lstStyle/>
+          <a:p>
+            <a:r>
+              <a:rPr lang="cs-CZ" dirty="0">
+                <a:cs typeface="Calibri"/>
+              </a:rPr>
+              <a:t>Vytvořeno v roce 1996 pro Windows 95</a:t>
+            </a:r>
+          </a:p>
+          <a:p>
+            <a:r>
+              <a:rPr lang="cs-CZ" dirty="0">
+                <a:cs typeface="Calibri"/>
+              </a:rPr>
+              <a:t>Vylepšení FAT16</a:t>
+            </a:r>
+            <a:endParaRPr lang="cs-CZ" dirty="0"/>
+          </a:p>
+          <a:p>
+            <a:r>
+              <a:rPr lang="cs-CZ" dirty="0">
+                <a:cs typeface="Calibri"/>
+              </a:rPr>
+              <a:t>Může podporovat velikost disku až 16 TB</a:t>
+            </a:r>
+          </a:p>
+          <a:p>
+            <a:r>
+              <a:rPr lang="cs-CZ" dirty="0">
+                <a:cs typeface="Calibri"/>
+              </a:rPr>
+              <a:t>Maximální velikost souboru je pořád 4 GB</a:t>
+            </a:r>
+          </a:p>
+          <a:p>
+            <a:endParaRPr lang="cs-CZ" dirty="0">
+              <a:cs typeface="Calibri"/>
+            </a:endParaRPr>
+          </a:p>
+        </p:txBody>
+      </p:sp>
+      <p:sp>
+        <p:nvSpPr>
+          <p:cNvPr id="38" name="Freeform: Shape 37">
+            <a:extLst>
+              <a:ext uri="{FF2B5EF4-FFF2-40B4-BE49-F238E27FC236}">
+                <a16:creationId xmlns:a16="http://schemas.microsoft.com/office/drawing/2014/main" id="{7B786209-1B0B-4CA9-9BDD-F7327066A84D}"/>
+              </a:ext>
+              <a:ext uri="{C183D7F6-B498-43B3-948B-1728B52AA6E4}">
+                <adec:decorative xmlns:adec="http://schemas.microsoft.com/office/drawing/2017/decorative" val="1"/>
+              </a:ext>
+            </a:extLst>
+          </p:cNvPr>
+          <p:cNvSpPr>
+            <a:spLocks noGrp="1" noRot="1" noChangeAspect="1" noMove="1" noResize="1" noEditPoints="1" noAdjustHandles="1" noChangeArrowheads="1" noChangeShapeType="1" noTextEdit="1"/>
+          </p:cNvSpPr>
+          <p:nvPr>
+            <p:extLst>
+              <p:ext uri="{386F3935-93C4-4BCD-93E2-E3B085C9AB24}">
+                <p16:designElem xmlns:p16="http://schemas.microsoft.com/office/powerpoint/2015/main" val="1"/>
+              </p:ext>
+            </p:extLst>
+          </p:nvPr>
+        </p:nvSpPr>
+        <p:spPr>
+          <a:xfrm flipH="1">
+            <a:off x="0" y="5835649"/>
+            <a:ext cx="1548180" cy="1022351"/>
+          </a:xfrm>
+          <a:custGeom>
+            <a:avLst/>
+            <a:gdLst>
+              <a:gd name="connsiteX0" fmla="*/ 61913 w 1548180"/>
+              <a:gd name="connsiteY0" fmla="*/ 0 h 1022351"/>
+              <a:gd name="connsiteX1" fmla="*/ 1548180 w 1548180"/>
+              <a:gd name="connsiteY1" fmla="*/ 0 h 1022351"/>
+              <a:gd name="connsiteX2" fmla="*/ 1548180 w 1548180"/>
+              <a:gd name="connsiteY2" fmla="*/ 123825 h 1022351"/>
+              <a:gd name="connsiteX3" fmla="*/ 123825 w 1548180"/>
+              <a:gd name="connsiteY3" fmla="*/ 123825 h 1022351"/>
+              <a:gd name="connsiteX4" fmla="*/ 123825 w 1548180"/>
+              <a:gd name="connsiteY4" fmla="*/ 1022351 h 1022351"/>
+              <a:gd name="connsiteX5" fmla="*/ 0 w 1548180"/>
+              <a:gd name="connsiteY5" fmla="*/ 1022351 h 1022351"/>
+              <a:gd name="connsiteX6" fmla="*/ 0 w 1548180"/>
+              <a:gd name="connsiteY6" fmla="*/ 61913 h 1022351"/>
+              <a:gd name="connsiteX7" fmla="*/ 61913 w 1548180"/>
+              <a:gd name="connsiteY7" fmla="*/ 0 h 1022351"/>
+            </a:gdLst>
+            <a:ahLst/>
+            <a:cxnLst>
+              <a:cxn ang="0">
+                <a:pos x="connsiteX0" y="connsiteY0"/>
+              </a:cxn>
+              <a:cxn ang="0">
+                <a:pos x="connsiteX1" y="connsiteY1"/>
+              </a:cxn>
+              <a:cxn ang="0">
+                <a:pos x="connsiteX2" y="connsiteY2"/>
+              </a:cxn>
+              <a:cxn ang="0">
+                <a:pos x="connsiteX3" y="connsiteY3"/>
+              </a:cxn>
+              <a:cxn ang="0">
+                <a:pos x="connsiteX4" y="connsiteY4"/>
+              </a:cxn>
+              <a:cxn ang="0">
+                <a:pos x="connsiteX5" y="connsiteY5"/>
+              </a:cxn>
+              <a:cxn ang="0">
+                <a:pos x="connsiteX6" y="connsiteY6"/>
+              </a:cxn>
+              <a:cxn ang="0">
+                <a:pos x="connsiteX7" y="connsiteY7"/>
+              </a:cxn>
+            </a:cxnLst>
+            <a:rect l="l" t="t" r="r" b="b"/>
+            <a:pathLst>
+              <a:path w="1548180" h="1022351">
+                <a:moveTo>
+                  <a:pt x="61913" y="0"/>
+                </a:moveTo>
+                <a:lnTo>
+                  <a:pt x="1548180" y="0"/>
+                </a:lnTo>
+                <a:lnTo>
+                  <a:pt x="1548180" y="123825"/>
+                </a:lnTo>
+                <a:lnTo>
+                  <a:pt x="123825" y="123825"/>
+                </a:lnTo>
+                <a:lnTo>
+                  <a:pt x="123825" y="1022351"/>
+                </a:lnTo>
+                <a:lnTo>
+                  <a:pt x="0" y="1022351"/>
+                </a:lnTo>
+                <a:lnTo>
+                  <a:pt x="0" y="61913"/>
+                </a:lnTo>
+                <a:cubicBezTo>
+                  <a:pt x="0" y="27719"/>
+                  <a:pt x="27719" y="0"/>
+                  <a:pt x="61913" y="0"/>
+                </a:cubicBezTo>
+                <a:close/>
+              </a:path>
+            </a:pathLst>
+          </a:custGeom>
+          <a:solidFill>
+            <a:schemeClr val="accent6"/>
+          </a:solidFill>
+          <a:ln w="9525" cap="flat">
+            <a:noFill/>
+            <a:prstDash val="solid"/>
+            <a:miter/>
+          </a:ln>
+        </p:spPr>
+        <p:txBody>
+          <a:bodyPr rtlCol="0" anchor="ctr"/>
+          <a:lstStyle/>
+          <a:p>
+            <a:endParaRPr lang="en-US"/>
+          </a:p>
+        </p:txBody>
+      </p:sp>
+      <p:sp>
+        <p:nvSpPr>
+          <p:cNvPr id="40" name="Freeform: Shape 39">
+            <a:extLst>
+              <a:ext uri="{FF2B5EF4-FFF2-40B4-BE49-F238E27FC236}">
+                <a16:creationId xmlns:a16="http://schemas.microsoft.com/office/drawing/2014/main" id="{2D2964BB-484D-45AE-AD66-D407D0629652}"/>
+              </a:ext>
+              <a:ext uri="{C183D7F6-B498-43B3-948B-1728B52AA6E4}">
+                <adec:decorative xmlns:adec="http://schemas.microsoft.com/office/drawing/2017/decorative" val="1"/>
+              </a:ext>
+            </a:extLst>
+          </p:cNvPr>
+          <p:cNvSpPr>
+            <a:spLocks noGrp="1" noRot="1" noChangeAspect="1" noMove="1" noResize="1" noEditPoints="1" noAdjustHandles="1" noChangeArrowheads="1" noChangeShapeType="1" noTextEdit="1"/>
+          </p:cNvSpPr>
+          <p:nvPr>
+            <p:extLst>
+              <p:ext uri="{386F3935-93C4-4BCD-93E2-E3B085C9AB24}">
+                <p16:designElem xmlns:p16="http://schemas.microsoft.com/office/powerpoint/2015/main" val="1"/>
+              </p:ext>
+            </p:extLst>
+          </p:nvPr>
+        </p:nvSpPr>
+        <p:spPr>
+          <a:xfrm flipH="1">
+            <a:off x="3405056" y="5717905"/>
+            <a:ext cx="1771609" cy="1140095"/>
+          </a:xfrm>
+          <a:custGeom>
+            <a:avLst/>
+            <a:gdLst>
+              <a:gd name="connsiteX0" fmla="*/ 1561721 w 1771609"/>
+              <a:gd name="connsiteY0" fmla="*/ 763041 h 1140095"/>
+              <a:gd name="connsiteX1" fmla="*/ 1623024 w 1771609"/>
+              <a:gd name="connsiteY1" fmla="*/ 792810 h 1140095"/>
+              <a:gd name="connsiteX2" fmla="*/ 1711735 w 1771609"/>
+              <a:gd name="connsiteY2" fmla="*/ 970132 h 1140095"/>
+              <a:gd name="connsiteX3" fmla="*/ 1771609 w 1771609"/>
+              <a:gd name="connsiteY3" fmla="*/ 1140095 h 1140095"/>
+              <a:gd name="connsiteX4" fmla="*/ 1637225 w 1771609"/>
+              <a:gd name="connsiteY4" fmla="*/ 1140095 h 1140095"/>
+              <a:gd name="connsiteX5" fmla="*/ 1594820 w 1771609"/>
+              <a:gd name="connsiteY5" fmla="*/ 1019711 h 1140095"/>
+              <a:gd name="connsiteX6" fmla="*/ 1513200 w 1771609"/>
+              <a:gd name="connsiteY6" fmla="*/ 856627 h 1140095"/>
+              <a:gd name="connsiteX7" fmla="*/ 1538499 w 1771609"/>
+              <a:gd name="connsiteY7" fmla="*/ 770415 h 1140095"/>
+              <a:gd name="connsiteX8" fmla="*/ 1561721 w 1771609"/>
+              <a:gd name="connsiteY8" fmla="*/ 763041 h 1140095"/>
+              <a:gd name="connsiteX9" fmla="*/ 933455 w 1771609"/>
+              <a:gd name="connsiteY9" fmla="*/ 161309 h 1140095"/>
+              <a:gd name="connsiteX10" fmla="*/ 957797 w 1771609"/>
+              <a:gd name="connsiteY10" fmla="*/ 167970 h 1140095"/>
+              <a:gd name="connsiteX11" fmla="*/ 1286982 w 1771609"/>
+              <a:gd name="connsiteY11" fmla="*/ 387616 h 1140095"/>
+              <a:gd name="connsiteX12" fmla="*/ 1293725 w 1771609"/>
+              <a:gd name="connsiteY12" fmla="*/ 477075 h 1140095"/>
+              <a:gd name="connsiteX13" fmla="*/ 1245453 w 1771609"/>
+              <a:gd name="connsiteY13" fmla="*/ 499154 h 1140095"/>
+              <a:gd name="connsiteX14" fmla="*/ 1245167 w 1771609"/>
+              <a:gd name="connsiteY14" fmla="*/ 499154 h 1140095"/>
+              <a:gd name="connsiteX15" fmla="*/ 1203638 w 1771609"/>
+              <a:gd name="connsiteY15" fmla="*/ 484104 h 1140095"/>
+              <a:gd name="connsiteX16" fmla="*/ 900647 w 1771609"/>
+              <a:gd name="connsiteY16" fmla="*/ 281508 h 1140095"/>
+              <a:gd name="connsiteX17" fmla="*/ 872454 w 1771609"/>
+              <a:gd name="connsiteY17" fmla="*/ 196164 h 1140095"/>
+              <a:gd name="connsiteX18" fmla="*/ 933455 w 1771609"/>
+              <a:gd name="connsiteY18" fmla="*/ 161309 h 1140095"/>
+              <a:gd name="connsiteX19" fmla="*/ 256260 w 1771609"/>
+              <a:gd name="connsiteY19" fmla="*/ 29 h 1140095"/>
+              <a:gd name="connsiteX20" fmla="*/ 454020 w 1771609"/>
+              <a:gd name="connsiteY20" fmla="*/ 13474 h 1140095"/>
+              <a:gd name="connsiteX21" fmla="*/ 509236 w 1771609"/>
+              <a:gd name="connsiteY21" fmla="*/ 84182 h 1140095"/>
+              <a:gd name="connsiteX22" fmla="*/ 445829 w 1771609"/>
+              <a:gd name="connsiteY22" fmla="*/ 139871 h 1140095"/>
+              <a:gd name="connsiteX23" fmla="*/ 437447 w 1771609"/>
+              <a:gd name="connsiteY23" fmla="*/ 139395 h 1140095"/>
+              <a:gd name="connsiteX24" fmla="*/ 73211 w 1771609"/>
+              <a:gd name="connsiteY24" fmla="*/ 137204 h 1140095"/>
+              <a:gd name="connsiteX25" fmla="*/ 749 w 1771609"/>
+              <a:gd name="connsiteY25" fmla="*/ 84082 h 1140095"/>
+              <a:gd name="connsiteX26" fmla="*/ 53871 w 1771609"/>
+              <a:gd name="connsiteY26" fmla="*/ 11621 h 1140095"/>
+              <a:gd name="connsiteX27" fmla="*/ 58352 w 1771609"/>
+              <a:gd name="connsiteY27" fmla="*/ 11093 h 1140095"/>
+              <a:gd name="connsiteX28" fmla="*/ 256260 w 1771609"/>
+              <a:gd name="connsiteY28" fmla="*/ 29 h 1140095"/>
+            </a:gdLst>
+            <a:ahLst/>
+            <a:cxnLst>
+              <a:cxn ang="0">
+                <a:pos x="connsiteX0" y="connsiteY0"/>
+              </a:cxn>
+              <a:cxn ang="0">
+                <a:pos x="connsiteX1" y="connsiteY1"/>
+              </a:cxn>
+              <a:cxn ang="0">
+                <a:pos x="connsiteX2" y="connsiteY2"/>
+              </a:cxn>
+              <a:cxn ang="0">
+                <a:pos x="connsiteX3" y="connsiteY3"/>
+              </a:cxn>
+              <a:cxn ang="0">
+                <a:pos x="connsiteX4" y="connsiteY4"/>
+              </a:cxn>
+              <a:cxn ang="0">
+                <a:pos x="connsiteX5" y="connsiteY5"/>
+              </a:cxn>
+              <a:cxn ang="0">
+                <a:pos x="connsiteX6" y="connsiteY6"/>
+              </a:cxn>
+              <a:cxn ang="0">
+                <a:pos x="connsiteX7" y="connsiteY7"/>
+              </a:cxn>
+              <a:cxn ang="0">
+                <a:pos x="connsiteX8" y="connsiteY8"/>
+              </a:cxn>
+              <a:cxn ang="0">
+                <a:pos x="connsiteX9" y="connsiteY9"/>
+              </a:cxn>
+              <a:cxn ang="0">
+                <a:pos x="connsiteX10" y="connsiteY10"/>
+              </a:cxn>
+              <a:cxn ang="0">
+                <a:pos x="connsiteX11" y="connsiteY11"/>
+              </a:cxn>
+              <a:cxn ang="0">
+                <a:pos x="connsiteX12" y="connsiteY12"/>
+              </a:cxn>
+              <a:cxn ang="0">
+                <a:pos x="connsiteX13" y="connsiteY13"/>
+              </a:cxn>
+              <a:cxn ang="0">
+                <a:pos x="connsiteX14" y="connsiteY14"/>
+              </a:cxn>
+              <a:cxn ang="0">
+                <a:pos x="connsiteX15" y="connsiteY15"/>
+              </a:cxn>
+              <a:cxn ang="0">
+                <a:pos x="connsiteX16" y="connsiteY16"/>
+              </a:cxn>
+              <a:cxn ang="0">
+                <a:pos x="connsiteX17" y="connsiteY17"/>
+              </a:cxn>
+              <a:cxn ang="0">
+                <a:pos x="connsiteX18" y="connsiteY18"/>
+              </a:cxn>
+              <a:cxn ang="0">
+                <a:pos x="connsiteX19" y="connsiteY19"/>
+              </a:cxn>
+              <a:cxn ang="0">
+                <a:pos x="connsiteX20" y="connsiteY20"/>
+              </a:cxn>
+              <a:cxn ang="0">
+                <a:pos x="connsiteX21" y="connsiteY21"/>
+              </a:cxn>
+              <a:cxn ang="0">
+                <a:pos x="connsiteX22" y="connsiteY22"/>
+              </a:cxn>
+              <a:cxn ang="0">
+                <a:pos x="connsiteX23" y="connsiteY23"/>
+              </a:cxn>
+              <a:cxn ang="0">
+                <a:pos x="connsiteX24" y="connsiteY24"/>
+              </a:cxn>
+              <a:cxn ang="0">
+                <a:pos x="connsiteX25" y="connsiteY25"/>
+              </a:cxn>
+              <a:cxn ang="0">
+                <a:pos x="connsiteX26" y="connsiteY26"/>
+              </a:cxn>
+              <a:cxn ang="0">
+                <a:pos x="connsiteX27" y="connsiteY27"/>
+              </a:cxn>
+              <a:cxn ang="0">
+                <a:pos x="connsiteX28" y="connsiteY28"/>
+              </a:cxn>
+            </a:cxnLst>
+            <a:rect l="l" t="t" r="r" b="b"/>
+            <a:pathLst>
+              <a:path w="1771609" h="1140095">
+                <a:moveTo>
+                  <a:pt x="1561721" y="763041"/>
+                </a:moveTo>
+                <a:cubicBezTo>
+                  <a:pt x="1585506" y="760324"/>
+                  <a:pt x="1609722" y="771249"/>
+                  <a:pt x="1623024" y="792810"/>
+                </a:cubicBezTo>
+                <a:cubicBezTo>
+                  <a:pt x="1656300" y="850065"/>
+                  <a:pt x="1685920" y="909291"/>
+                  <a:pt x="1711735" y="970132"/>
+                </a:cubicBezTo>
+                <a:lnTo>
+                  <a:pt x="1771609" y="1140095"/>
+                </a:lnTo>
+                <a:lnTo>
+                  <a:pt x="1637225" y="1140095"/>
+                </a:lnTo>
+                <a:lnTo>
+                  <a:pt x="1594820" y="1019711"/>
+                </a:lnTo>
+                <a:cubicBezTo>
+                  <a:pt x="1571072" y="963753"/>
+                  <a:pt x="1543818" y="909282"/>
+                  <a:pt x="1513200" y="856627"/>
+                </a:cubicBezTo>
+                <a:cubicBezTo>
+                  <a:pt x="1496379" y="825834"/>
+                  <a:pt x="1507704" y="787236"/>
+                  <a:pt x="1538499" y="770415"/>
+                </a:cubicBezTo>
+                <a:cubicBezTo>
+                  <a:pt x="1545912" y="766367"/>
+                  <a:pt x="1553792" y="763946"/>
+                  <a:pt x="1561721" y="763041"/>
+                </a:cubicBezTo>
+                <a:close/>
+                <a:moveTo>
+                  <a:pt x="933455" y="161309"/>
+                </a:moveTo>
+                <a:cubicBezTo>
+                  <a:pt x="941693" y="161855"/>
+                  <a:pt x="949959" y="164025"/>
+                  <a:pt x="957797" y="167970"/>
+                </a:cubicBezTo>
+                <a:cubicBezTo>
+                  <a:pt x="1076184" y="227289"/>
+                  <a:pt x="1186759" y="301068"/>
+                  <a:pt x="1286982" y="387616"/>
+                </a:cubicBezTo>
+                <a:cubicBezTo>
+                  <a:pt x="1313547" y="410457"/>
+                  <a:pt x="1316566" y="450510"/>
+                  <a:pt x="1293725" y="477075"/>
+                </a:cubicBezTo>
+                <a:cubicBezTo>
+                  <a:pt x="1281638" y="491137"/>
+                  <a:pt x="1263998" y="499204"/>
+                  <a:pt x="1245453" y="499154"/>
+                </a:cubicBezTo>
+                <a:lnTo>
+                  <a:pt x="1245167" y="499154"/>
+                </a:lnTo>
+                <a:cubicBezTo>
+                  <a:pt x="1229965" y="499301"/>
+                  <a:pt x="1215220" y="493956"/>
+                  <a:pt x="1203638" y="484104"/>
+                </a:cubicBezTo>
+                <a:cubicBezTo>
+                  <a:pt x="1111407" y="404300"/>
+                  <a:pt x="1009633" y="336248"/>
+                  <a:pt x="900647" y="281508"/>
+                </a:cubicBezTo>
+                <a:cubicBezTo>
+                  <a:pt x="869295" y="265726"/>
+                  <a:pt x="856672" y="227516"/>
+                  <a:pt x="872454" y="196164"/>
+                </a:cubicBezTo>
+                <a:cubicBezTo>
+                  <a:pt x="884290" y="172650"/>
+                  <a:pt x="908742" y="159670"/>
+                  <a:pt x="933455" y="161309"/>
+                </a:cubicBezTo>
+                <a:close/>
+                <a:moveTo>
+                  <a:pt x="256260" y="29"/>
+                </a:moveTo>
+                <a:cubicBezTo>
+                  <a:pt x="322331" y="427"/>
+                  <a:pt x="388378" y="4909"/>
+                  <a:pt x="454020" y="13474"/>
+                </a:cubicBezTo>
+                <a:cubicBezTo>
+                  <a:pt x="488793" y="17752"/>
+                  <a:pt x="513514" y="49409"/>
+                  <a:pt x="509236" y="84182"/>
+                </a:cubicBezTo>
+                <a:cubicBezTo>
+                  <a:pt x="505303" y="116151"/>
+                  <a:pt x="478038" y="140098"/>
+                  <a:pt x="445829" y="139871"/>
+                </a:cubicBezTo>
+                <a:cubicBezTo>
+                  <a:pt x="443027" y="139899"/>
+                  <a:pt x="440227" y="139740"/>
+                  <a:pt x="437447" y="139395"/>
+                </a:cubicBezTo>
+                <a:cubicBezTo>
+                  <a:pt x="316592" y="123615"/>
+                  <a:pt x="194247" y="122878"/>
+                  <a:pt x="73211" y="137204"/>
+                </a:cubicBezTo>
+                <a:cubicBezTo>
+                  <a:pt x="38532" y="142545"/>
+                  <a:pt x="6090" y="118762"/>
+                  <a:pt x="749" y="84082"/>
+                </a:cubicBezTo>
+                <a:cubicBezTo>
+                  <a:pt x="-4591" y="49403"/>
+                  <a:pt x="19192" y="16961"/>
+                  <a:pt x="53871" y="11621"/>
+                </a:cubicBezTo>
+                <a:cubicBezTo>
+                  <a:pt x="55358" y="11392"/>
+                  <a:pt x="56852" y="11216"/>
+                  <a:pt x="58352" y="11093"/>
+                </a:cubicBezTo>
+                <a:cubicBezTo>
+                  <a:pt x="124093" y="3319"/>
+                  <a:pt x="190189" y="-369"/>
+                  <a:pt x="256260" y="29"/>
+                </a:cubicBezTo>
+                <a:close/>
+              </a:path>
+            </a:pathLst>
+          </a:custGeom>
+          <a:solidFill>
+            <a:schemeClr val="accent4"/>
+          </a:solidFill>
+          <a:ln w="9525" cap="flat">
+            <a:noFill/>
+            <a:prstDash val="solid"/>
+            <a:miter/>
+          </a:ln>
+        </p:spPr>
+        <p:txBody>
+          <a:bodyPr rtlCol="0" anchor="ctr"/>
+          <a:lstStyle/>
+          <a:p>
+            <a:endParaRPr lang="en-US"/>
+          </a:p>
+        </p:txBody>
+      </p:sp>
+      <p:sp>
+        <p:nvSpPr>
+          <p:cNvPr id="42" name="Freeform: Shape 41">
+            <a:extLst>
+              <a:ext uri="{FF2B5EF4-FFF2-40B4-BE49-F238E27FC236}">
+                <a16:creationId xmlns:a16="http://schemas.microsoft.com/office/drawing/2014/main" id="{6691AC69-A76E-4DAB-B565-468B6B87ACF3}"/>
+              </a:ext>
+              <a:ext uri="{C183D7F6-B498-43B3-948B-1728B52AA6E4}">
+                <adec:decorative xmlns:adec="http://schemas.microsoft.com/office/drawing/2017/decorative" val="1"/>
+              </a:ext>
+            </a:extLst>
+          </p:cNvPr>
+          <p:cNvSpPr>
+            <a:spLocks noGrp="1" noRot="1" noChangeAspect="1" noMove="1" noResize="1" noEditPoints="1" noAdjustHandles="1" noChangeArrowheads="1" noChangeShapeType="1" noTextEdit="1"/>
+          </p:cNvSpPr>
+          <p:nvPr>
+            <p:extLst>
+              <p:ext uri="{386F3935-93C4-4BCD-93E2-E3B085C9AB24}">
+                <p16:designElem xmlns:p16="http://schemas.microsoft.com/office/powerpoint/2015/main" val="1"/>
+              </p:ext>
+            </p:extLst>
+          </p:nvPr>
+        </p:nvSpPr>
+        <p:spPr>
+          <a:xfrm flipH="1">
+            <a:off x="4132972" y="6258755"/>
+            <a:ext cx="1565940" cy="599245"/>
+          </a:xfrm>
+          <a:custGeom>
+            <a:avLst/>
+            <a:gdLst>
+              <a:gd name="connsiteX0" fmla="*/ 782970 w 1565940"/>
+              <a:gd name="connsiteY0" fmla="*/ 0 h 599245"/>
+              <a:gd name="connsiteX1" fmla="*/ 1528042 w 1565940"/>
+              <a:gd name="connsiteY1" fmla="*/ 480469 h 599245"/>
+              <a:gd name="connsiteX2" fmla="*/ 1565940 w 1565940"/>
+              <a:gd name="connsiteY2" fmla="*/ 599245 h 599245"/>
+              <a:gd name="connsiteX3" fmla="*/ 0 w 1565940"/>
+              <a:gd name="connsiteY3" fmla="*/ 599245 h 599245"/>
+              <a:gd name="connsiteX4" fmla="*/ 37898 w 1565940"/>
+              <a:gd name="connsiteY4" fmla="*/ 480469 h 599245"/>
+              <a:gd name="connsiteX5" fmla="*/ 782970 w 1565940"/>
+              <a:gd name="connsiteY5" fmla="*/ 0 h 599245"/>
+            </a:gdLst>
+            <a:ahLst/>
+            <a:cxnLst>
+              <a:cxn ang="0">
+                <a:pos x="connsiteX0" y="connsiteY0"/>
+              </a:cxn>
+              <a:cxn ang="0">
+                <a:pos x="connsiteX1" y="connsiteY1"/>
+              </a:cxn>
+              <a:cxn ang="0">
+                <a:pos x="connsiteX2" y="connsiteY2"/>
+              </a:cxn>
+              <a:cxn ang="0">
+                <a:pos x="connsiteX3" y="connsiteY3"/>
+              </a:cxn>
+              <a:cxn ang="0">
+                <a:pos x="connsiteX4" y="connsiteY4"/>
+              </a:cxn>
+              <a:cxn ang="0">
+                <a:pos x="connsiteX5" y="connsiteY5"/>
+              </a:cxn>
+            </a:cxnLst>
+            <a:rect l="l" t="t" r="r" b="b"/>
+            <a:pathLst>
+              <a:path w="1565940" h="599245">
+                <a:moveTo>
+                  <a:pt x="782970" y="0"/>
+                </a:moveTo>
+                <a:cubicBezTo>
+                  <a:pt x="1117910" y="0"/>
+                  <a:pt x="1405287" y="198118"/>
+                  <a:pt x="1528042" y="480469"/>
+                </a:cubicBezTo>
+                <a:lnTo>
+                  <a:pt x="1565940" y="599245"/>
+                </a:lnTo>
+                <a:lnTo>
+                  <a:pt x="0" y="599245"/>
+                </a:lnTo>
+                <a:lnTo>
+                  <a:pt x="37898" y="480469"/>
+                </a:lnTo>
+                <a:cubicBezTo>
+                  <a:pt x="160653" y="198118"/>
+                  <a:pt x="448030" y="0"/>
+                  <a:pt x="782970" y="0"/>
+                </a:cubicBezTo>
+                <a:close/>
+              </a:path>
+            </a:pathLst>
+          </a:custGeom>
+          <a:solidFill>
+            <a:schemeClr val="accent2"/>
+          </a:solidFill>
+          <a:ln>
+            <a:noFill/>
+          </a:ln>
+        </p:spPr>
+        <p:style>
+          <a:lnRef idx="2">
+            <a:schemeClr val="accent1">
+              <a:shade val="50000"/>
+            </a:schemeClr>
+          </a:lnRef>
+          <a:fillRef idx="1">
+            <a:schemeClr val="accent1"/>
+          </a:fillRef>
+          <a:effectRef idx="0">
+            <a:schemeClr val="accent1"/>
+          </a:effectRef>
+          <a:fontRef idx="minor">
+            <a:schemeClr val="lt1"/>
+          </a:fontRef>
+        </p:style>
+        <p:txBody>
+          <a:bodyPr wrap="square" rtlCol="0" anchor="ctr">
+            <a:noAutofit/>
+          </a:bodyPr>
+          <a:lstStyle/>
+          <a:p>
+            <a:pPr algn="ctr"/>
+            <a:endParaRPr lang="en-US" dirty="0"/>
+          </a:p>
+        </p:txBody>
+      </p:sp>
+    </p:spTree>
+    <p:extLst>
+      <p:ext uri="{BB962C8B-B14F-4D97-AF65-F5344CB8AC3E}">
+        <p14:creationId xmlns:p14="http://schemas.microsoft.com/office/powerpoint/2010/main" val="3392201423"/>
+      </p:ext>
+    </p:extLst>
+  </p:cSld>
+  <p:clrMapOvr>
+    <a:masterClrMapping/>
+  </p:clrMapOvr>
+  <p:transition spd="slow">
+    <p:push dir="u"/>
+  </p:transition>
+</p:sld>
+</file>
+
+<file path=ppt/slides/slide6.xml><?xml version="1.0" encoding="utf-8"?>
+<p:sld xmlns:a="http://schemas.openxmlformats.org/drawingml/2006/main" xmlns:r="http://schemas.openxmlformats.org/officeDocument/2006/relationships" xmlns:p="http://schemas.openxmlformats.org/presentationml/2006/main">
+  <p:cSld>
+    <p:bg>
+      <p:bgPr>
+        <a:solidFill>
+          <a:schemeClr val="bg1"/>
+        </a:solidFill>
+        <a:effectLst/>
+      </p:bgPr>
+    </p:bg>
+    <p:spTree>
+      <p:nvGrpSpPr>
+        <p:cNvPr id="1" name=""/>
+        <p:cNvGrpSpPr/>
+        <p:nvPr/>
+      </p:nvGrpSpPr>
+      <p:grpSpPr>
+        <a:xfrm>
+          <a:off x="0" y="0"/>
+          <a:ext cx="0" cy="0"/>
+          <a:chOff x="0" y="0"/>
+          <a:chExt cx="0" cy="0"/>
+        </a:xfrm>
+      </p:grpSpPr>
+      <p:sp useBgFill="1">
+        <p:nvSpPr>
+          <p:cNvPr id="8" name="Rectangle 7">
+            <a:extLst>
+              <a:ext uri="{FF2B5EF4-FFF2-40B4-BE49-F238E27FC236}">
+                <a16:creationId xmlns:a16="http://schemas.microsoft.com/office/drawing/2014/main" id="{907EF6B7-1338-4443-8C46-6A318D952DFD}"/>
+              </a:ext>
+              <a:ext uri="{C183D7F6-B498-43B3-948B-1728B52AA6E4}">
+                <adec:decorative xmlns:adec="http://schemas.microsoft.com/office/drawing/2017/decorative" val="1"/>
+              </a:ext>
+            </a:extLst>
+          </p:cNvPr>
+          <p:cNvSpPr>
+            <a:spLocks noGrp="1" noRot="1" noChangeAspect="1" noMove="1" noResize="1" noEditPoints="1" noAdjustHandles="1" noChangeArrowheads="1" noChangeShapeType="1" noTextEdit="1"/>
+          </p:cNvSpPr>
+          <p:nvPr>
+            <p:extLst>
+              <p:ext uri="{386F3935-93C4-4BCD-93E2-E3B085C9AB24}">
+                <p16:designElem xmlns:p16="http://schemas.microsoft.com/office/powerpoint/2015/main" val="1"/>
+              </p:ext>
+            </p:extLst>
+          </p:nvPr>
+        </p:nvSpPr>
+        <p:spPr>
+          <a:xfrm>
+            <a:off x="3048" y="0"/>
+            <a:ext cx="12188952" cy="6858000"/>
+          </a:xfrm>
+          <a:prstGeom prst="rect">
+            <a:avLst/>
+          </a:prstGeom>
+          <a:ln>
+            <a:noFill/>
+          </a:ln>
+        </p:spPr>
+        <p:style>
+          <a:lnRef idx="2">
+            <a:schemeClr val="accent1">
+              <a:shade val="50000"/>
+            </a:schemeClr>
+          </a:lnRef>
+          <a:fillRef idx="1">
+            <a:schemeClr val="accent1"/>
+          </a:fillRef>
+          <a:effectRef idx="0">
+            <a:schemeClr val="accent1"/>
+          </a:effectRef>
+          <a:fontRef idx="minor">
+            <a:schemeClr val="lt1"/>
+          </a:fontRef>
+        </p:style>
+        <p:txBody>
+          <a:bodyPr rtlCol="0" anchor="ctr"/>
+          <a:lstStyle/>
+          <a:p>
+            <a:pPr algn="ctr"/>
+            <a:endParaRPr lang="en-US"/>
+          </a:p>
+        </p:txBody>
+      </p:sp>
+      <p:sp>
+        <p:nvSpPr>
+          <p:cNvPr id="10" name="Freeform: Shape 9">
+            <a:extLst>
+              <a:ext uri="{FF2B5EF4-FFF2-40B4-BE49-F238E27FC236}">
+                <a16:creationId xmlns:a16="http://schemas.microsoft.com/office/drawing/2014/main" id="{DAAE4CDD-124C-4DCF-9584-B6033B545DD5}"/>
+              </a:ext>
+              <a:ext uri="{C183D7F6-B498-43B3-948B-1728B52AA6E4}">
+                <adec:decorative xmlns:adec="http://schemas.microsoft.com/office/drawing/2017/decorative" val="1"/>
+              </a:ext>
+            </a:extLst>
+          </p:cNvPr>
+          <p:cNvSpPr>
+            <a:spLocks noGrp="1" noRot="1" noChangeAspect="1" noMove="1" noResize="1" noEditPoints="1" noAdjustHandles="1" noChangeArrowheads="1" noChangeShapeType="1" noTextEdit="1"/>
+          </p:cNvSpPr>
+          <p:nvPr>
+            <p:extLst>
+              <p:ext uri="{386F3935-93C4-4BCD-93E2-E3B085C9AB24}">
+                <p16:designElem xmlns:p16="http://schemas.microsoft.com/office/powerpoint/2015/main" val="1"/>
+              </p:ext>
+            </p:extLst>
+          </p:nvPr>
+        </p:nvSpPr>
+        <p:spPr>
+          <a:xfrm>
+            <a:off x="1" y="0"/>
+            <a:ext cx="4167271" cy="6858000"/>
+          </a:xfrm>
+          <a:custGeom>
+            <a:avLst/>
+            <a:gdLst>
+              <a:gd name="connsiteX0" fmla="*/ 0 w 4167271"/>
+              <a:gd name="connsiteY0" fmla="*/ 0 h 6858000"/>
+              <a:gd name="connsiteX1" fmla="*/ 2259550 w 4167271"/>
+              <a:gd name="connsiteY1" fmla="*/ 0 h 6858000"/>
+              <a:gd name="connsiteX2" fmla="*/ 2387803 w 4167271"/>
+              <a:gd name="connsiteY2" fmla="*/ 82222 h 6858000"/>
+              <a:gd name="connsiteX3" fmla="*/ 4167271 w 4167271"/>
+              <a:gd name="connsiteY3" fmla="*/ 3429000 h 6858000"/>
+              <a:gd name="connsiteX4" fmla="*/ 2387803 w 4167271"/>
+              <a:gd name="connsiteY4" fmla="*/ 6775779 h 6858000"/>
+              <a:gd name="connsiteX5" fmla="*/ 2259550 w 4167271"/>
+              <a:gd name="connsiteY5" fmla="*/ 6858000 h 6858000"/>
+              <a:gd name="connsiteX6" fmla="*/ 0 w 4167271"/>
+              <a:gd name="connsiteY6" fmla="*/ 6858000 h 6858000"/>
+            </a:gdLst>
+            <a:ahLst/>
+            <a:cxnLst>
+              <a:cxn ang="0">
+                <a:pos x="connsiteX0" y="connsiteY0"/>
+              </a:cxn>
+              <a:cxn ang="0">
+                <a:pos x="connsiteX1" y="connsiteY1"/>
+              </a:cxn>
+              <a:cxn ang="0">
+                <a:pos x="connsiteX2" y="connsiteY2"/>
+              </a:cxn>
+              <a:cxn ang="0">
+                <a:pos x="connsiteX3" y="connsiteY3"/>
+              </a:cxn>
+              <a:cxn ang="0">
+                <a:pos x="connsiteX4" y="connsiteY4"/>
+              </a:cxn>
+              <a:cxn ang="0">
+                <a:pos x="connsiteX5" y="connsiteY5"/>
+              </a:cxn>
+              <a:cxn ang="0">
+                <a:pos x="connsiteX6" y="connsiteY6"/>
+              </a:cxn>
+            </a:cxnLst>
+            <a:rect l="l" t="t" r="r" b="b"/>
+            <a:pathLst>
+              <a:path w="4167271" h="6858000">
+                <a:moveTo>
+                  <a:pt x="0" y="0"/>
+                </a:moveTo>
+                <a:lnTo>
+                  <a:pt x="2259550" y="0"/>
+                </a:lnTo>
+                <a:lnTo>
+                  <a:pt x="2387803" y="82222"/>
+                </a:lnTo>
+                <a:cubicBezTo>
+                  <a:pt x="3461407" y="807534"/>
+                  <a:pt x="4167271" y="2035835"/>
+                  <a:pt x="4167271" y="3429000"/>
+                </a:cubicBezTo>
+                <a:cubicBezTo>
+                  <a:pt x="4167271" y="4822165"/>
+                  <a:pt x="3461407" y="6050467"/>
+                  <a:pt x="2387803" y="6775779"/>
+                </a:cubicBezTo>
+                <a:lnTo>
+                  <a:pt x="2259550" y="6858000"/>
+                </a:lnTo>
+                <a:lnTo>
+                  <a:pt x="0" y="6858000"/>
+                </a:lnTo>
+                <a:close/>
+              </a:path>
+            </a:pathLst>
+          </a:custGeom>
+          <a:solidFill>
+            <a:schemeClr val="accent2"/>
+          </a:solidFill>
+          <a:ln>
+            <a:noFill/>
+          </a:ln>
+        </p:spPr>
+        <p:style>
+          <a:lnRef idx="2">
+            <a:schemeClr val="accent1">
+              <a:shade val="50000"/>
+            </a:schemeClr>
+          </a:lnRef>
+          <a:fillRef idx="1">
+            <a:schemeClr val="accent1"/>
+          </a:fillRef>
+          <a:effectRef idx="0">
+            <a:schemeClr val="accent1"/>
+          </a:effectRef>
+          <a:fontRef idx="minor">
+            <a:schemeClr val="lt1"/>
+          </a:fontRef>
+        </p:style>
+        <p:txBody>
+          <a:bodyPr rtlCol="0" anchor="ctr"/>
+          <a:lstStyle/>
+          <a:p>
+            <a:pPr algn="ctr"/>
+            <a:endParaRPr lang="en-US"/>
+          </a:p>
+        </p:txBody>
+      </p:sp>
+      <p:sp>
+        <p:nvSpPr>
+          <p:cNvPr id="2" name="Nadpis 1">
+            <a:extLst>
+              <a:ext uri="{FF2B5EF4-FFF2-40B4-BE49-F238E27FC236}">
+                <a16:creationId xmlns:a16="http://schemas.microsoft.com/office/drawing/2014/main" id="{6CCD8BD7-89DC-D29D-4F24-617C77103C91}"/>
+              </a:ext>
+            </a:extLst>
+          </p:cNvPr>
+          <p:cNvSpPr>
+            <a:spLocks noGrp="1"/>
+          </p:cNvSpPr>
+          <p:nvPr>
+            <p:ph type="title"/>
+          </p:nvPr>
+        </p:nvSpPr>
+        <p:spPr>
+          <a:xfrm>
+            <a:off x="686834" y="1153572"/>
+            <a:ext cx="3200400" cy="4461163"/>
+          </a:xfrm>
+        </p:spPr>
+        <p:txBody>
+          <a:bodyPr>
+            <a:normAutofit/>
+          </a:bodyPr>
+          <a:lstStyle/>
+          <a:p>
+            <a:r>
+              <a:rPr lang="cs-CZ" dirty="0">
+                <a:solidFill>
+                  <a:srgbClr val="FFFFFF"/>
+                </a:solidFill>
+                <a:cs typeface="Calibri Light"/>
+              </a:rPr>
+              <a:t>exFAT</a:t>
+            </a:r>
+            <a:endParaRPr lang="cs-CZ" dirty="0">
+              <a:solidFill>
+                <a:srgbClr val="FFFFFF"/>
+              </a:solidFill>
+            </a:endParaRPr>
+          </a:p>
+        </p:txBody>
+      </p:sp>
+      <p:sp>
+        <p:nvSpPr>
+          <p:cNvPr id="12" name="Arc 11">
+            <a:extLst>
+              <a:ext uri="{FF2B5EF4-FFF2-40B4-BE49-F238E27FC236}">
+                <a16:creationId xmlns:a16="http://schemas.microsoft.com/office/drawing/2014/main" id="{081E4A58-353D-44AE-B2FC-2A74E2E400F7}"/>
+              </a:ext>
+              <a:ext uri="{C183D7F6-B498-43B3-948B-1728B52AA6E4}">
+                <adec:decorative xmlns:adec="http://schemas.microsoft.com/office/drawing/2017/decorative" val="1"/>
+              </a:ext>
+            </a:extLst>
+          </p:cNvPr>
+          <p:cNvSpPr>
+            <a:spLocks noGrp="1" noRot="1" noChangeAspect="1" noMove="1" noResize="1" noEditPoints="1" noAdjustHandles="1" noChangeArrowheads="1" noChangeShapeType="1" noTextEdit="1"/>
+          </p:cNvSpPr>
+          <p:nvPr>
+            <p:extLst>
+              <p:ext uri="{386F3935-93C4-4BCD-93E2-E3B085C9AB24}">
+                <p16:designElem xmlns:p16="http://schemas.microsoft.com/office/powerpoint/2015/main" val="1"/>
+              </p:ext>
+            </p:extLst>
+          </p:nvPr>
+        </p:nvSpPr>
+        <p:spPr>
+          <a:xfrm flipV="1">
+            <a:off x="7550402" y="2455479"/>
+            <a:ext cx="4083433" cy="4083433"/>
+          </a:xfrm>
+          <a:prstGeom prst="arc">
+            <a:avLst/>
+          </a:prstGeom>
+          <a:ln w="127000" cap="rnd">
+            <a:solidFill>
+              <a:schemeClr val="accent4"/>
+            </a:solidFill>
+            <a:prstDash val="dash"/>
+          </a:ln>
+        </p:spPr>
+        <p:style>
+          <a:lnRef idx="1">
+            <a:schemeClr val="accent1"/>
+          </a:lnRef>
+          <a:fillRef idx="0">
+            <a:schemeClr val="accent1"/>
+          </a:fillRef>
+          <a:effectRef idx="0">
+            <a:schemeClr val="accent1"/>
+          </a:effectRef>
+          <a:fontRef idx="minor">
+            <a:schemeClr val="tx1"/>
+          </a:fontRef>
+        </p:style>
+        <p:txBody>
+          <a:bodyPr rtlCol="0" anchor="ctr"/>
+          <a:lstStyle/>
+          <a:p>
+            <a:pPr algn="ctr"/>
+            <a:endParaRPr lang="en-US" dirty="0"/>
+          </a:p>
+        </p:txBody>
+      </p:sp>
+      <p:sp>
+        <p:nvSpPr>
+          <p:cNvPr id="3" name="Zástupný obsah 2">
+            <a:extLst>
+              <a:ext uri="{FF2B5EF4-FFF2-40B4-BE49-F238E27FC236}">
+                <a16:creationId xmlns:a16="http://schemas.microsoft.com/office/drawing/2014/main" id="{12638C84-A22F-260A-B63A-0E4B7444C05A}"/>
+              </a:ext>
+            </a:extLst>
+          </p:cNvPr>
+          <p:cNvSpPr>
+            <a:spLocks noGrp="1"/>
+          </p:cNvSpPr>
+          <p:nvPr>
+            <p:ph idx="1"/>
+          </p:nvPr>
+        </p:nvSpPr>
+        <p:spPr>
+          <a:xfrm>
+            <a:off x="4447308" y="591344"/>
+            <a:ext cx="6906491" cy="5585619"/>
+          </a:xfrm>
+        </p:spPr>
+        <p:txBody>
+          <a:bodyPr vert="horz" lIns="91440" tIns="45720" rIns="91440" bIns="45720" rtlCol="0" anchor="ctr">
+            <a:normAutofit/>
+          </a:bodyPr>
+          <a:lstStyle/>
+          <a:p>
+            <a:r>
+              <a:rPr lang="cs-CZ" dirty="0">
+                <a:cs typeface="Calibri"/>
+              </a:rPr>
+              <a:t>Vytvořen v roce 2006</a:t>
+            </a:r>
+          </a:p>
+          <a:p>
+            <a:r>
+              <a:rPr lang="cs-CZ" dirty="0">
+                <a:cs typeface="Calibri"/>
+              </a:rPr>
+              <a:t>Byl vytvořen hlavně pro přenosná zařízení (např. SD karty, </a:t>
+            </a:r>
+            <a:r>
+              <a:rPr lang="cs-CZ" dirty="0" err="1">
+                <a:cs typeface="Calibri"/>
+              </a:rPr>
+              <a:t>flash</a:t>
+            </a:r>
+            <a:r>
+              <a:rPr lang="cs-CZ" dirty="0">
+                <a:cs typeface="Calibri"/>
+              </a:rPr>
+              <a:t> disky...)</a:t>
+            </a:r>
+          </a:p>
+          <a:p>
+            <a:r>
+              <a:rPr lang="cs-CZ" dirty="0">
+                <a:cs typeface="Calibri"/>
+              </a:rPr>
+              <a:t>Unese teoreticky až 64 </a:t>
+            </a:r>
+            <a:r>
+              <a:rPr lang="cs-CZ" dirty="0" err="1">
+                <a:cs typeface="Calibri"/>
+              </a:rPr>
+              <a:t>ZiB</a:t>
+            </a:r>
+          </a:p>
+          <a:p>
+            <a:pPr marL="0" indent="0">
+              <a:buNone/>
+            </a:pPr>
+            <a:endParaRPr lang="cs-CZ" dirty="0">
+              <a:cs typeface="Calibri"/>
+            </a:endParaRPr>
+          </a:p>
+        </p:txBody>
+      </p:sp>
+    </p:spTree>
+    <p:extLst>
+      <p:ext uri="{BB962C8B-B14F-4D97-AF65-F5344CB8AC3E}">
+        <p14:creationId xmlns:p14="http://schemas.microsoft.com/office/powerpoint/2010/main" val="3518947364"/>
+      </p:ext>
+    </p:extLst>
+  </p:cSld>
+  <p:clrMapOvr>
+    <a:masterClrMapping/>
+  </p:clrMapOvr>
+  <p:transition spd="slow">
+    <p:push dir="u"/>
+  </p:transition>
+</p:sld>
+</file>
+
+<file path=ppt/slides/slide7.xml><?xml version="1.0" encoding="utf-8"?>
 <p:sld xmlns:a="http://schemas.openxmlformats.org/drawingml/2006/main" xmlns:r="http://schemas.openxmlformats.org/officeDocument/2006/relationships" xmlns:p="http://schemas.openxmlformats.org/presentationml/2006/main">
   <p:cSld>
     <p:spTree>
@@ -5002,12 +7473,12 @@
           <a:lstStyle/>
           <a:p>
             <a:r>
-              <a:rPr lang="cs-CZ" dirty="0">
+              <a:rPr lang="cs-CZ">
                 <a:cs typeface="Calibri Light"/>
               </a:rPr>
               <a:t>Zdroje</a:t>
             </a:r>
-            <a:endParaRPr lang="cs-CZ" dirty="0"/>
+            <a:endParaRPr lang="cs-CZ"/>
           </a:p>
         </p:txBody>
       </p:sp>
@@ -5168,23 +7639,307 @@
               </a:rPr>
               <a:t>https://www.techtarget.com/searchstorage/definition/file-system</a:t>
             </a:r>
-            <a:endParaRPr lang="cs-CZ" sz="1600" dirty="0">
+            <a:endParaRPr lang="cs-CZ" sz="1600">
               <a:cs typeface="Calibri"/>
             </a:endParaRPr>
           </a:p>
           <a:p>
-            <a:endParaRPr lang="cs-CZ" sz="1600" dirty="0">
-              <a:cs typeface="Calibri"/>
-            </a:endParaRPr>
-          </a:p>
-          <a:p>
+            <a:r>
+              <a:rPr lang="cs-CZ" sz="1600" dirty="0" err="1">
+                <a:ea typeface="+mn-lt"/>
+                <a:cs typeface="+mn-lt"/>
+              </a:rPr>
+              <a:t>What</a:t>
+            </a:r>
+            <a:r>
+              <a:rPr lang="cs-CZ" sz="1600" dirty="0">
+                <a:ea typeface="+mn-lt"/>
+                <a:cs typeface="+mn-lt"/>
+              </a:rPr>
+              <a:t> </a:t>
+            </a:r>
+            <a:r>
+              <a:rPr lang="cs-CZ" sz="1600" dirty="0" err="1">
+                <a:ea typeface="+mn-lt"/>
+                <a:cs typeface="+mn-lt"/>
+              </a:rPr>
+              <a:t>is</a:t>
+            </a:r>
+            <a:r>
+              <a:rPr lang="cs-CZ" sz="1600" dirty="0">
+                <a:ea typeface="+mn-lt"/>
+                <a:cs typeface="+mn-lt"/>
+              </a:rPr>
+              <a:t> </a:t>
+            </a:r>
+            <a:r>
+              <a:rPr lang="cs-CZ" sz="1600" dirty="0" err="1">
+                <a:ea typeface="+mn-lt"/>
+                <a:cs typeface="+mn-lt"/>
+              </a:rPr>
+              <a:t>File</a:t>
+            </a:r>
+            <a:r>
+              <a:rPr lang="cs-CZ" sz="1600" dirty="0">
+                <a:ea typeface="+mn-lt"/>
+                <a:cs typeface="+mn-lt"/>
+              </a:rPr>
+              <a:t> </a:t>
+            </a:r>
+            <a:r>
+              <a:rPr lang="cs-CZ" sz="1600" dirty="0" err="1">
+                <a:ea typeface="+mn-lt"/>
+                <a:cs typeface="+mn-lt"/>
+              </a:rPr>
+              <a:t>Allocation</a:t>
+            </a:r>
+            <a:r>
+              <a:rPr lang="cs-CZ" sz="1600" dirty="0">
+                <a:ea typeface="+mn-lt"/>
+                <a:cs typeface="+mn-lt"/>
+              </a:rPr>
+              <a:t> Table (FAT)?. </a:t>
+            </a:r>
+            <a:r>
+              <a:rPr lang="cs-CZ" sz="1600" i="1" dirty="0" err="1">
+                <a:ea typeface="+mn-lt"/>
+                <a:cs typeface="+mn-lt"/>
+              </a:rPr>
+              <a:t>Purchase</a:t>
+            </a:r>
+            <a:r>
+              <a:rPr lang="cs-CZ" sz="1600" i="1" dirty="0">
+                <a:ea typeface="+mn-lt"/>
+                <a:cs typeface="+mn-lt"/>
+              </a:rPr>
+              <a:t> </a:t>
+            </a:r>
+            <a:r>
+              <a:rPr lang="cs-CZ" sz="1600" i="1" dirty="0" err="1">
+                <a:ea typeface="+mn-lt"/>
+                <a:cs typeface="+mn-lt"/>
+              </a:rPr>
+              <a:t>Intent</a:t>
+            </a:r>
+            <a:r>
+              <a:rPr lang="cs-CZ" sz="1600" i="1" dirty="0">
+                <a:ea typeface="+mn-lt"/>
+                <a:cs typeface="+mn-lt"/>
+              </a:rPr>
+              <a:t> Data </a:t>
+            </a:r>
+            <a:r>
+              <a:rPr lang="cs-CZ" sz="1600" i="1" dirty="0" err="1">
+                <a:ea typeface="+mn-lt"/>
+                <a:cs typeface="+mn-lt"/>
+              </a:rPr>
+              <a:t>for</a:t>
+            </a:r>
+            <a:r>
+              <a:rPr lang="cs-CZ" sz="1600" i="1" dirty="0">
+                <a:ea typeface="+mn-lt"/>
+                <a:cs typeface="+mn-lt"/>
+              </a:rPr>
+              <a:t> </a:t>
+            </a:r>
+            <a:r>
+              <a:rPr lang="cs-CZ" sz="1600" i="1" dirty="0" err="1">
+                <a:ea typeface="+mn-lt"/>
+                <a:cs typeface="+mn-lt"/>
+              </a:rPr>
+              <a:t>Enterprise</a:t>
+            </a:r>
+            <a:r>
+              <a:rPr lang="cs-CZ" sz="1600" i="1" dirty="0">
+                <a:ea typeface="+mn-lt"/>
+                <a:cs typeface="+mn-lt"/>
+              </a:rPr>
+              <a:t> Tech Sales and Marketing - </a:t>
+            </a:r>
+            <a:r>
+              <a:rPr lang="cs-CZ" sz="1600" i="1" dirty="0" err="1">
+                <a:ea typeface="+mn-lt"/>
+                <a:cs typeface="+mn-lt"/>
+              </a:rPr>
+              <a:t>TechTarget</a:t>
+            </a:r>
+            <a:r>
+              <a:rPr lang="cs-CZ" sz="1600" dirty="0">
+                <a:ea typeface="+mn-lt"/>
+                <a:cs typeface="+mn-lt"/>
+              </a:rPr>
+              <a:t> [online]. Dostupné z: </a:t>
+            </a:r>
+            <a:r>
+              <a:rPr lang="cs-CZ" sz="1600" dirty="0">
+                <a:ea typeface="+mn-lt"/>
+                <a:cs typeface="+mn-lt"/>
+                <a:hlinkClick r:id="rId3"/>
+              </a:rPr>
+              <a:t>https://www.techtarget.com/whatis/definition/file-allocation-table-FAT</a:t>
+            </a:r>
             <a:endParaRPr lang="cs-CZ" sz="1600" dirty="0">
               <a:ea typeface="+mn-lt"/>
               <a:cs typeface="+mn-lt"/>
             </a:endParaRPr>
           </a:p>
           <a:p>
+            <a:r>
+              <a:rPr lang="cs-CZ" sz="1600" dirty="0" err="1">
+                <a:ea typeface="+mn-lt"/>
+                <a:cs typeface="+mn-lt"/>
+              </a:rPr>
+              <a:t>What</a:t>
+            </a:r>
+            <a:r>
+              <a:rPr lang="cs-CZ" sz="1600" dirty="0">
+                <a:ea typeface="+mn-lt"/>
+                <a:cs typeface="+mn-lt"/>
+              </a:rPr>
+              <a:t> </a:t>
+            </a:r>
+            <a:r>
+              <a:rPr lang="cs-CZ" sz="1600" dirty="0" err="1">
+                <a:ea typeface="+mn-lt"/>
+                <a:cs typeface="+mn-lt"/>
+              </a:rPr>
+              <a:t>Is</a:t>
+            </a:r>
+            <a:r>
+              <a:rPr lang="cs-CZ" sz="1600" dirty="0">
+                <a:ea typeface="+mn-lt"/>
+                <a:cs typeface="+mn-lt"/>
+              </a:rPr>
+              <a:t> </a:t>
+            </a:r>
+            <a:r>
+              <a:rPr lang="cs-CZ" sz="1600" dirty="0" err="1">
+                <a:ea typeface="+mn-lt"/>
+                <a:cs typeface="+mn-lt"/>
+              </a:rPr>
+              <a:t>File</a:t>
+            </a:r>
+            <a:r>
+              <a:rPr lang="cs-CZ" sz="1600" dirty="0">
+                <a:ea typeface="+mn-lt"/>
+                <a:cs typeface="+mn-lt"/>
+              </a:rPr>
+              <a:t> </a:t>
+            </a:r>
+            <a:r>
+              <a:rPr lang="cs-CZ" sz="1600" dirty="0" err="1">
+                <a:ea typeface="+mn-lt"/>
+                <a:cs typeface="+mn-lt"/>
+              </a:rPr>
+              <a:t>Allocation</a:t>
+            </a:r>
+            <a:r>
+              <a:rPr lang="cs-CZ" sz="1600" dirty="0">
+                <a:ea typeface="+mn-lt"/>
+                <a:cs typeface="+mn-lt"/>
+              </a:rPr>
+              <a:t> Table (FAT)?. </a:t>
+            </a:r>
+            <a:r>
+              <a:rPr lang="cs-CZ" sz="1600" i="1" dirty="0" err="1">
+                <a:ea typeface="+mn-lt"/>
+                <a:cs typeface="+mn-lt"/>
+              </a:rPr>
+              <a:t>Lifewire</a:t>
+            </a:r>
+            <a:r>
+              <a:rPr lang="cs-CZ" sz="1600" i="1" dirty="0">
+                <a:ea typeface="+mn-lt"/>
+                <a:cs typeface="+mn-lt"/>
+              </a:rPr>
+              <a:t>: Tech </a:t>
+            </a:r>
+            <a:r>
+              <a:rPr lang="cs-CZ" sz="1600" i="1" dirty="0" err="1">
+                <a:ea typeface="+mn-lt"/>
+                <a:cs typeface="+mn-lt"/>
+              </a:rPr>
+              <a:t>News</a:t>
+            </a:r>
+            <a:r>
+              <a:rPr lang="cs-CZ" sz="1600" i="1" dirty="0">
+                <a:ea typeface="+mn-lt"/>
+                <a:cs typeface="+mn-lt"/>
+              </a:rPr>
+              <a:t>, </a:t>
+            </a:r>
+            <a:r>
+              <a:rPr lang="cs-CZ" sz="1600" i="1" dirty="0" err="1">
+                <a:ea typeface="+mn-lt"/>
+                <a:cs typeface="+mn-lt"/>
+              </a:rPr>
+              <a:t>Reviews</a:t>
+            </a:r>
+            <a:r>
+              <a:rPr lang="cs-CZ" sz="1600" i="1" dirty="0">
+                <a:ea typeface="+mn-lt"/>
+                <a:cs typeface="+mn-lt"/>
+              </a:rPr>
+              <a:t>, </a:t>
+            </a:r>
+            <a:r>
+              <a:rPr lang="cs-CZ" sz="1600" i="1" dirty="0" err="1">
+                <a:ea typeface="+mn-lt"/>
+                <a:cs typeface="+mn-lt"/>
+              </a:rPr>
+              <a:t>Help</a:t>
+            </a:r>
+            <a:r>
+              <a:rPr lang="cs-CZ" sz="1600" i="1" dirty="0">
+                <a:ea typeface="+mn-lt"/>
+                <a:cs typeface="+mn-lt"/>
+              </a:rPr>
+              <a:t> &amp; </a:t>
+            </a:r>
+            <a:r>
+              <a:rPr lang="cs-CZ" sz="1600" i="1" dirty="0" err="1">
+                <a:ea typeface="+mn-lt"/>
+                <a:cs typeface="+mn-lt"/>
+              </a:rPr>
+              <a:t>How-Tos</a:t>
+            </a:r>
+            <a:r>
+              <a:rPr lang="cs-CZ" sz="1600" dirty="0">
+                <a:ea typeface="+mn-lt"/>
+                <a:cs typeface="+mn-lt"/>
+              </a:rPr>
+              <a:t> [online]. Dostupné z: </a:t>
+            </a:r>
+            <a:r>
+              <a:rPr lang="cs-CZ" sz="1600" dirty="0">
+                <a:ea typeface="+mn-lt"/>
+                <a:cs typeface="+mn-lt"/>
+                <a:hlinkClick r:id="rId4"/>
+              </a:rPr>
+              <a:t>https://www.lifewire.com/what-is-file-allocation-table-fat-2625877</a:t>
+            </a:r>
             <a:endParaRPr lang="cs-CZ" sz="1600" dirty="0">
+              <a:cs typeface="Calibri"/>
+            </a:endParaRPr>
+          </a:p>
+          <a:p>
+            <a:endParaRPr lang="cs-CZ" sz="1600" dirty="0">
+              <a:cs typeface="Calibri"/>
+            </a:endParaRPr>
+          </a:p>
+          <a:p>
+            <a:endParaRPr lang="cs-CZ" sz="1600">
+              <a:cs typeface="Calibri"/>
+            </a:endParaRPr>
+          </a:p>
+          <a:p>
+            <a:endParaRPr lang="cs-CZ" sz="1600">
+              <a:ea typeface="+mn-lt"/>
+              <a:cs typeface="+mn-lt"/>
+            </a:endParaRPr>
+          </a:p>
+          <a:p>
+            <a:endParaRPr lang="cs-CZ" sz="1600">
               <a:cs typeface="Calibri"/>
             </a:endParaRPr>
           </a:p>
@@ -5200,6 +7955,9 @@
   <p:clrMapOvr>
     <a:masterClrMapping/>
   </p:clrMapOvr>
+  <p:transition spd="slow">
+    <p:push dir="u"/>
+  </p:transition>
 </p:sld>
 </file>
 

--- a/horvath.pptx
+++ b/horvath.pptx
@@ -11,7 +11,9 @@
     <p:sldId id="261" r:id="rId5"/>
     <p:sldId id="262" r:id="rId6"/>
     <p:sldId id="263" r:id="rId7"/>
-    <p:sldId id="258" r:id="rId8"/>
+    <p:sldId id="264" r:id="rId8"/>
+    <p:sldId id="258" r:id="rId9"/>
+    <p:sldId id="265" r:id="rId10"/>
   </p:sldIdLst>
   <p:sldSz cx="12192000" cy="6858000"/>
   <p:notesSz cx="6858000" cy="9144000"/>
@@ -123,6 +125,7 @@
   <p1510:revLst>
     <p1510:client id="{3D9595F1-8E06-0E87-1AE6-B83E193FAD22}" v="130" dt="2023-01-09T18:03:36.874"/>
     <p1510:client id="{84ABAEFF-358B-2271-21FD-9D812A704519}" v="138" dt="2023-01-08T10:22:40.827"/>
+    <p1510:client id="{9DDDA8D4-C02F-BC48-4098-4D6B21335B58}" v="182" dt="2023-01-11T19:16:33.597"/>
     <p1510:client id="{DE90C6F3-66A9-BDF8-193E-E91FDD634819}" v="1" dt="2023-01-08T10:23:44.808"/>
     <p1510:client id="{FFE463EC-2E29-561E-B07C-75661D4B65A7}" v="445" dt="2023-01-09T17:50:49.036"/>
   </p1510:revLst>
@@ -258,7 +261,7 @@
           <a:p>
             <a:fld id="{8A3A43DF-04A3-4662-88CA-28FDED1CFC09}" type="datetimeFigureOut">
               <a:rPr lang="cs-CZ" smtClean="0"/>
-              <a:t>09.01.2023</a:t>
+              <a:t>11.01.2023</a:t>
             </a:fld>
             <a:endParaRPr lang="cs-CZ"/>
           </a:p>
@@ -426,7 +429,7 @@
           <a:p>
             <a:fld id="{8A3A43DF-04A3-4662-88CA-28FDED1CFC09}" type="datetimeFigureOut">
               <a:rPr lang="cs-CZ" smtClean="0"/>
-              <a:t>09.01.2023</a:t>
+              <a:t>11.01.2023</a:t>
             </a:fld>
             <a:endParaRPr lang="cs-CZ"/>
           </a:p>
@@ -604,7 +607,7 @@
           <a:p>
             <a:fld id="{8A3A43DF-04A3-4662-88CA-28FDED1CFC09}" type="datetimeFigureOut">
               <a:rPr lang="cs-CZ" smtClean="0"/>
-              <a:t>09.01.2023</a:t>
+              <a:t>11.01.2023</a:t>
             </a:fld>
             <a:endParaRPr lang="cs-CZ"/>
           </a:p>
@@ -772,7 +775,7 @@
           <a:p>
             <a:fld id="{8A3A43DF-04A3-4662-88CA-28FDED1CFC09}" type="datetimeFigureOut">
               <a:rPr lang="cs-CZ" smtClean="0"/>
-              <a:t>09.01.2023</a:t>
+              <a:t>11.01.2023</a:t>
             </a:fld>
             <a:endParaRPr lang="cs-CZ"/>
           </a:p>
@@ -1017,7 +1020,7 @@
           <a:p>
             <a:fld id="{8A3A43DF-04A3-4662-88CA-28FDED1CFC09}" type="datetimeFigureOut">
               <a:rPr lang="cs-CZ" smtClean="0"/>
-              <a:t>09.01.2023</a:t>
+              <a:t>11.01.2023</a:t>
             </a:fld>
             <a:endParaRPr lang="cs-CZ"/>
           </a:p>
@@ -1246,7 +1249,7 @@
           <a:p>
             <a:fld id="{8A3A43DF-04A3-4662-88CA-28FDED1CFC09}" type="datetimeFigureOut">
               <a:rPr lang="cs-CZ" smtClean="0"/>
-              <a:t>09.01.2023</a:t>
+              <a:t>11.01.2023</a:t>
             </a:fld>
             <a:endParaRPr lang="cs-CZ"/>
           </a:p>
@@ -1610,7 +1613,7 @@
           <a:p>
             <a:fld id="{8A3A43DF-04A3-4662-88CA-28FDED1CFC09}" type="datetimeFigureOut">
               <a:rPr lang="cs-CZ" smtClean="0"/>
-              <a:t>09.01.2023</a:t>
+              <a:t>11.01.2023</a:t>
             </a:fld>
             <a:endParaRPr lang="cs-CZ"/>
           </a:p>
@@ -1727,7 +1730,7 @@
           <a:p>
             <a:fld id="{8A3A43DF-04A3-4662-88CA-28FDED1CFC09}" type="datetimeFigureOut">
               <a:rPr lang="cs-CZ" smtClean="0"/>
-              <a:t>09.01.2023</a:t>
+              <a:t>11.01.2023</a:t>
             </a:fld>
             <a:endParaRPr lang="cs-CZ"/>
           </a:p>
@@ -1822,7 +1825,7 @@
           <a:p>
             <a:fld id="{8A3A43DF-04A3-4662-88CA-28FDED1CFC09}" type="datetimeFigureOut">
               <a:rPr lang="cs-CZ" smtClean="0"/>
-              <a:t>09.01.2023</a:t>
+              <a:t>11.01.2023</a:t>
             </a:fld>
             <a:endParaRPr lang="cs-CZ"/>
           </a:p>
@@ -2097,7 +2100,7 @@
           <a:p>
             <a:fld id="{8A3A43DF-04A3-4662-88CA-28FDED1CFC09}" type="datetimeFigureOut">
               <a:rPr lang="cs-CZ" smtClean="0"/>
-              <a:t>09.01.2023</a:t>
+              <a:t>11.01.2023</a:t>
             </a:fld>
             <a:endParaRPr lang="cs-CZ"/>
           </a:p>
@@ -2349,7 +2352,7 @@
           <a:p>
             <a:fld id="{8A3A43DF-04A3-4662-88CA-28FDED1CFC09}" type="datetimeFigureOut">
               <a:rPr lang="cs-CZ" smtClean="0"/>
-              <a:t>09.01.2023</a:t>
+              <a:t>11.01.2023</a:t>
             </a:fld>
             <a:endParaRPr lang="cs-CZ"/>
           </a:p>
@@ -2560,7 +2563,7 @@
           <a:p>
             <a:fld id="{8A3A43DF-04A3-4662-88CA-28FDED1CFC09}" type="datetimeFigureOut">
               <a:rPr lang="cs-CZ" smtClean="0"/>
-              <a:t>09.01.2023</a:t>
+              <a:t>11.01.2023</a:t>
             </a:fld>
             <a:endParaRPr lang="cs-CZ"/>
           </a:p>
@@ -3776,7 +3779,7 @@
           <a:p>
             <a:pPr algn="ctr"/>
             <a:r>
-              <a:rPr lang="cs-CZ" dirty="0">
+              <a:rPr lang="cs-CZ">
                 <a:solidFill>
                   <a:srgbClr val="FFFFFF"/>
                 </a:solidFill>
@@ -4183,12 +4186,12 @@
           <a:lstStyle/>
           <a:p>
             <a:r>
-              <a:rPr lang="cs-CZ" dirty="0">
+              <a:rPr lang="cs-CZ">
                 <a:cs typeface="Calibri"/>
               </a:rPr>
               <a:t>Jsou to způsoby organizace dat na disk v podobě souborů a složek</a:t>
             </a:r>
-            <a:endParaRPr lang="cs-CZ" dirty="0"/>
+            <a:endParaRPr lang="cs-CZ"/>
           </a:p>
         </p:txBody>
       </p:sp>
@@ -4795,98 +4798,6 @@
   <p:transition spd="slow">
     <p:push dir="u"/>
   </p:transition>
-  <p:timing>
-    <p:tnLst>
-      <p:par>
-        <p:cTn id="1" dur="indefinite" restart="never" nodeType="tmRoot">
-          <p:childTnLst>
-            <p:seq concurrent="1" nextAc="seek">
-              <p:cTn id="2" dur="indefinite" nodeType="mainSeq">
-                <p:childTnLst>
-                  <p:par>
-                    <p:cTn id="3" fill="hold">
-                      <p:stCondLst>
-                        <p:cond delay="indefinite"/>
-                        <p:cond evt="onBegin" delay="0">
-                          <p:tn val="2"/>
-                        </p:cond>
-                      </p:stCondLst>
-                      <p:childTnLst>
-                        <p:par>
-                          <p:cTn id="4" fill="hold">
-                            <p:stCondLst>
-                              <p:cond delay="0"/>
-                            </p:stCondLst>
-                            <p:childTnLst>
-                              <p:par>
-                                <p:cTn id="5" presetID="10" presetClass="entr" presetSubtype="0" fill="hold" grpId="0" nodeType="withEffect">
-                                  <p:stCondLst>
-                                    <p:cond delay="500"/>
-                                  </p:stCondLst>
-                                  <p:iterate type="wd">
-                                    <p:tmPct val="15000"/>
-                                  </p:iterate>
-                                  <p:childTnLst>
-                                    <p:set>
-                                      <p:cBhvr>
-                                        <p:cTn id="6" dur="1" fill="hold">
-                                          <p:stCondLst>
-                                            <p:cond delay="0"/>
-                                          </p:stCondLst>
-                                        </p:cTn>
-                                        <p:tgtEl>
-                                          <p:spTgt spid="2"/>
-                                        </p:tgtEl>
-                                        <p:attrNameLst>
-                                          <p:attrName>style.visibility</p:attrName>
-                                        </p:attrNameLst>
-                                      </p:cBhvr>
-                                      <p:to>
-                                        <p:strVal val="visible"/>
-                                      </p:to>
-                                    </p:set>
-                                    <p:animEffect transition="in" filter="fade">
-                                      <p:cBhvr>
-                                        <p:cTn id="7" dur="1000"/>
-                                        <p:tgtEl>
-                                          <p:spTgt spid="2"/>
-                                        </p:tgtEl>
-                                      </p:cBhvr>
-                                    </p:animEffect>
-                                  </p:childTnLst>
-                                </p:cTn>
-                              </p:par>
-                            </p:childTnLst>
-                          </p:cTn>
-                        </p:par>
-                      </p:childTnLst>
-                    </p:cTn>
-                  </p:par>
-                </p:childTnLst>
-              </p:cTn>
-              <p:prevCondLst>
-                <p:cond evt="onPrev" delay="0">
-                  <p:tgtEl>
-                    <p:sldTgt/>
-                  </p:tgtEl>
-                </p:cond>
-              </p:prevCondLst>
-              <p:nextCondLst>
-                <p:cond evt="onNext" delay="0">
-                  <p:tgtEl>
-                    <p:sldTgt/>
-                  </p:tgtEl>
-                </p:cond>
-              </p:nextCondLst>
-            </p:seq>
-          </p:childTnLst>
-        </p:cTn>
-      </p:par>
-    </p:tnLst>
-    <p:bldLst>
-      <p:bldP spid="2" grpId="0"/>
-    </p:bldLst>
-  </p:timing>
 </p:sld>
 </file>
 
@@ -5206,7 +5117,7 @@
           <a:lstStyle/>
           <a:p>
             <a:pPr algn="ctr"/>
-            <a:endParaRPr lang="en-US" dirty="0"/>
+            <a:endParaRPr lang="en-US"/>
           </a:p>
         </p:txBody>
       </p:sp>
@@ -5298,7 +5209,15 @@
               <a:rPr lang="cs-CZ" dirty="0">
                 <a:cs typeface="Calibri"/>
               </a:rPr>
-              <a:t>Je podporován každým operačním systémem</a:t>
+              <a:t>Žádný FAT nemá permise ani šifrování</a:t>
+            </a:r>
+          </a:p>
+          <a:p>
+            <a:r>
+              <a:rPr lang="cs-CZ" dirty="0">
+                <a:cs typeface="Calibri"/>
+              </a:rPr>
+              <a:t>Podporován skoro každým operačním systémem</a:t>
             </a:r>
           </a:p>
           <a:p>
@@ -5768,6 +5687,14 @@
               <a:t>Názvy souborů můžou mít pořád jenom 8 znaků, ale ve Windows 95 můžou mít až 255 znaků</a:t>
             </a:r>
           </a:p>
+          <a:p>
+            <a:r>
+              <a:rPr lang="cs-CZ" dirty="0">
+                <a:cs typeface="Calibri"/>
+              </a:rPr>
+              <a:t>Taky zastaralý</a:t>
+            </a:r>
+          </a:p>
         </p:txBody>
       </p:sp>
     </p:spTree>
@@ -6370,7 +6297,7 @@
           <a:lstStyle/>
           <a:p>
             <a:r>
-              <a:rPr lang="cs-CZ" dirty="0">
+              <a:rPr lang="cs-CZ">
                 <a:cs typeface="Calibri"/>
               </a:rPr>
               <a:t>Vytvořeno v roce 1996 pro Windows 95</a:t>
@@ -6378,16 +6305,16 @@
           </a:p>
           <a:p>
             <a:r>
-              <a:rPr lang="cs-CZ" dirty="0">
+              <a:rPr lang="cs-CZ">
                 <a:cs typeface="Calibri"/>
               </a:rPr>
               <a:t>Vylepšení FAT16</a:t>
             </a:r>
-            <a:endParaRPr lang="cs-CZ" dirty="0"/>
-          </a:p>
-          <a:p>
-            <a:r>
-              <a:rPr lang="cs-CZ" dirty="0">
+            <a:endParaRPr lang="cs-CZ"/>
+          </a:p>
+          <a:p>
+            <a:r>
+              <a:rPr lang="cs-CZ">
                 <a:cs typeface="Calibri"/>
               </a:rPr>
               <a:t>Může podporovat velikost disku až 16 TB</a:t>
@@ -6395,14 +6322,14 @@
           </a:p>
           <a:p>
             <a:r>
-              <a:rPr lang="cs-CZ" dirty="0">
+              <a:rPr lang="cs-CZ">
                 <a:cs typeface="Calibri"/>
               </a:rPr>
               <a:t>Maximální velikost souboru je pořád 4 GB</a:t>
             </a:r>
           </a:p>
           <a:p>
-            <a:endParaRPr lang="cs-CZ" dirty="0">
+            <a:endParaRPr lang="cs-CZ">
               <a:cs typeface="Calibri"/>
             </a:endParaRPr>
           </a:p>
@@ -6994,7 +6921,7 @@
           <a:lstStyle/>
           <a:p>
             <a:pPr algn="ctr"/>
-            <a:endParaRPr lang="en-US" dirty="0"/>
+            <a:endParaRPr lang="en-US"/>
           </a:p>
         </p:txBody>
       </p:sp>
@@ -7262,7 +7189,7 @@
           <a:lstStyle/>
           <a:p>
             <a:r>
-              <a:rPr lang="cs-CZ" dirty="0">
+              <a:rPr lang="cs-CZ">
                 <a:solidFill>
                   <a:srgbClr val="FFFFFF"/>
                 </a:solidFill>
@@ -7270,7 +7197,7 @@
               </a:rPr>
               <a:t>exFAT</a:t>
             </a:r>
-            <a:endParaRPr lang="cs-CZ" dirty="0">
+            <a:endParaRPr lang="cs-CZ">
               <a:solidFill>
                 <a:srgbClr val="FFFFFF"/>
               </a:solidFill>
@@ -7335,7 +7262,7 @@
           <a:lstStyle/>
           <a:p>
             <a:pPr algn="ctr"/>
-            <a:endParaRPr lang="en-US" dirty="0"/>
+            <a:endParaRPr lang="en-US"/>
           </a:p>
         </p:txBody>
       </p:sp>
@@ -7368,7 +7295,7 @@
           <a:lstStyle/>
           <a:p>
             <a:r>
-              <a:rPr lang="cs-CZ" dirty="0">
+              <a:rPr lang="cs-CZ">
                 <a:cs typeface="Calibri"/>
               </a:rPr>
               <a:t>Vytvořen v roce 2006</a:t>
@@ -7376,19 +7303,19 @@
           </a:p>
           <a:p>
             <a:r>
-              <a:rPr lang="cs-CZ" dirty="0">
+              <a:rPr lang="cs-CZ">
                 <a:cs typeface="Calibri"/>
               </a:rPr>
               <a:t>Byl vytvořen hlavně pro přenosná zařízení (např. SD karty, </a:t>
             </a:r>
             <a:r>
-              <a:rPr lang="cs-CZ" dirty="0" err="1">
+              <a:rPr lang="cs-CZ" err="1">
                 <a:cs typeface="Calibri"/>
               </a:rPr>
               <a:t>flash</a:t>
             </a:r>
             <a:r>
-              <a:rPr lang="cs-CZ" dirty="0">
+              <a:rPr lang="cs-CZ">
                 <a:cs typeface="Calibri"/>
               </a:rPr>
               <a:t> disky...)</a:t>
@@ -7396,13 +7323,13 @@
           </a:p>
           <a:p>
             <a:r>
-              <a:rPr lang="cs-CZ" dirty="0">
+              <a:rPr lang="cs-CZ">
                 <a:cs typeface="Calibri"/>
               </a:rPr>
               <a:t>Unese teoreticky až 64 </a:t>
             </a:r>
             <a:r>
-              <a:rPr lang="cs-CZ" dirty="0" err="1">
+              <a:rPr lang="cs-CZ" err="1">
                 <a:cs typeface="Calibri"/>
               </a:rPr>
               <a:t>ZiB</a:t>
@@ -7412,7 +7339,7 @@
             <a:pPr marL="0" indent="0">
               <a:buNone/>
             </a:pPr>
-            <a:endParaRPr lang="cs-CZ" dirty="0">
+            <a:endParaRPr lang="cs-CZ">
               <a:cs typeface="Calibri"/>
             </a:endParaRPr>
           </a:p>
@@ -7456,6 +7383,120 @@
           <p:cNvPr id="2" name="Nadpis 1">
             <a:extLst>
               <a:ext uri="{FF2B5EF4-FFF2-40B4-BE49-F238E27FC236}">
+                <a16:creationId xmlns:a16="http://schemas.microsoft.com/office/drawing/2014/main" id="{42E3BE34-D486-410F-13FB-2C571769E809}"/>
+              </a:ext>
+            </a:extLst>
+          </p:cNvPr>
+          <p:cNvSpPr>
+            <a:spLocks noGrp="1"/>
+          </p:cNvSpPr>
+          <p:nvPr>
+            <p:ph type="title"/>
+          </p:nvPr>
+        </p:nvSpPr>
+        <p:spPr/>
+        <p:txBody>
+          <a:bodyPr/>
+          <a:lstStyle/>
+          <a:p>
+            <a:r>
+              <a:rPr lang="cs-CZ" dirty="0">
+                <a:cs typeface="Calibri Light"/>
+              </a:rPr>
+              <a:t>NTFS</a:t>
+            </a:r>
+            <a:endParaRPr lang="cs-CZ" dirty="0"/>
+          </a:p>
+        </p:txBody>
+      </p:sp>
+      <p:sp>
+        <p:nvSpPr>
+          <p:cNvPr id="3" name="Zástupný obsah 2">
+            <a:extLst>
+              <a:ext uri="{FF2B5EF4-FFF2-40B4-BE49-F238E27FC236}">
+                <a16:creationId xmlns:a16="http://schemas.microsoft.com/office/drawing/2014/main" id="{4260EC26-F017-7052-B790-8778573427A3}"/>
+              </a:ext>
+            </a:extLst>
+          </p:cNvPr>
+          <p:cNvSpPr>
+            <a:spLocks noGrp="1"/>
+          </p:cNvSpPr>
+          <p:nvPr>
+            <p:ph idx="1"/>
+          </p:nvPr>
+        </p:nvSpPr>
+        <p:spPr/>
+        <p:txBody>
+          <a:bodyPr vert="horz" lIns="91440" tIns="45720" rIns="91440" bIns="45720" rtlCol="0" anchor="t">
+            <a:normAutofit/>
+          </a:bodyPr>
+          <a:lstStyle/>
+          <a:p>
+            <a:r>
+              <a:rPr lang="cs-CZ" dirty="0">
+                <a:cs typeface="Calibri" panose="020F0502020204030204"/>
+              </a:rPr>
+              <a:t>Vytvořen v roce 1993 pro Windows NT</a:t>
+            </a:r>
+          </a:p>
+          <a:p>
+            <a:r>
+              <a:rPr lang="cs-CZ" dirty="0">
+                <a:cs typeface="Calibri" panose="020F0502020204030204"/>
+              </a:rPr>
+              <a:t>Funguje hlavně na Windows, ale jde zprovoznit i na jiných OS</a:t>
+            </a:r>
+          </a:p>
+          <a:p>
+            <a:r>
+              <a:rPr lang="cs-CZ" dirty="0">
+                <a:cs typeface="Calibri" panose="020F0502020204030204"/>
+              </a:rPr>
+              <a:t>Podporuje permise, šifrování, kompresi </a:t>
+            </a:r>
+          </a:p>
+          <a:p>
+            <a:endParaRPr lang="cs-CZ" dirty="0">
+              <a:cs typeface="Calibri" panose="020F0502020204030204"/>
+            </a:endParaRPr>
+          </a:p>
+        </p:txBody>
+      </p:sp>
+    </p:spTree>
+    <p:extLst>
+      <p:ext uri="{BB962C8B-B14F-4D97-AF65-F5344CB8AC3E}">
+        <p14:creationId xmlns:p14="http://schemas.microsoft.com/office/powerpoint/2010/main" val="25997105"/>
+      </p:ext>
+    </p:extLst>
+  </p:cSld>
+  <p:clrMapOvr>
+    <a:masterClrMapping/>
+  </p:clrMapOvr>
+</p:sld>
+</file>
+
+<file path=ppt/slides/slide8.xml><?xml version="1.0" encoding="utf-8"?>
+<p:sld xmlns:a="http://schemas.openxmlformats.org/drawingml/2006/main" xmlns:r="http://schemas.openxmlformats.org/officeDocument/2006/relationships" xmlns:p="http://schemas.openxmlformats.org/presentationml/2006/main">
+  <p:cSld>
+    <p:spTree>
+      <p:nvGrpSpPr>
+        <p:cNvPr id="1" name=""/>
+        <p:cNvGrpSpPr/>
+        <p:nvPr/>
+      </p:nvGrpSpPr>
+      <p:grpSpPr>
+        <a:xfrm>
+          <a:off x="0" y="0"/>
+          <a:ext cx="0" cy="0"/>
+          <a:chOff x="0" y="0"/>
+          <a:chExt cx="0" cy="0"/>
+        </a:xfrm>
+      </p:grpSpPr>
+      <p:sp>
+        <p:nvSpPr>
+          <p:cNvPr id="2" name="Nadpis 1">
+            <a:extLst>
+              <a:ext uri="{FF2B5EF4-FFF2-40B4-BE49-F238E27FC236}">
                 <a16:creationId xmlns:a16="http://schemas.microsoft.com/office/drawing/2014/main" id="{BBD8027A-59C4-39E3-C4CF-6C97C679F569}"/>
               </a:ext>
             </a:extLst>
@@ -7639,7 +7680,7 @@
               </a:rPr>
               <a:t>https://www.techtarget.com/searchstorage/definition/file-system</a:t>
             </a:r>
-            <a:endParaRPr lang="cs-CZ" sz="1600">
+            <a:endParaRPr lang="cs-CZ" sz="1600" dirty="0">
               <a:cs typeface="Calibri"/>
             </a:endParaRPr>
           </a:p>
@@ -7923,24 +7964,310 @@
             </a:endParaRPr>
           </a:p>
           <a:p>
+            <a:r>
+              <a:rPr lang="cs-CZ" sz="1600" dirty="0" err="1">
+                <a:ea typeface="+mn-lt"/>
+                <a:cs typeface="+mn-lt"/>
+              </a:rPr>
+              <a:t>What</a:t>
+            </a:r>
+            <a:r>
+              <a:rPr lang="cs-CZ" sz="1600" dirty="0">
+                <a:ea typeface="+mn-lt"/>
+                <a:cs typeface="+mn-lt"/>
+              </a:rPr>
+              <a:t> </a:t>
+            </a:r>
+            <a:r>
+              <a:rPr lang="cs-CZ" sz="1600" dirty="0" err="1">
+                <a:ea typeface="+mn-lt"/>
+                <a:cs typeface="+mn-lt"/>
+              </a:rPr>
+              <a:t>Is</a:t>
+            </a:r>
+            <a:r>
+              <a:rPr lang="cs-CZ" sz="1600" dirty="0">
+                <a:ea typeface="+mn-lt"/>
+                <a:cs typeface="+mn-lt"/>
+              </a:rPr>
+              <a:t> NTFS and </a:t>
+            </a:r>
+            <a:r>
+              <a:rPr lang="cs-CZ" sz="1600" dirty="0" err="1">
+                <a:ea typeface="+mn-lt"/>
+                <a:cs typeface="+mn-lt"/>
+              </a:rPr>
+              <a:t>How</a:t>
+            </a:r>
+            <a:r>
+              <a:rPr lang="cs-CZ" sz="1600" dirty="0">
+                <a:ea typeface="+mn-lt"/>
+                <a:cs typeface="+mn-lt"/>
+              </a:rPr>
+              <a:t> </a:t>
+            </a:r>
+            <a:r>
+              <a:rPr lang="cs-CZ" sz="1600" dirty="0" err="1">
+                <a:ea typeface="+mn-lt"/>
+                <a:cs typeface="+mn-lt"/>
+              </a:rPr>
+              <a:t>Does</a:t>
+            </a:r>
+            <a:r>
+              <a:rPr lang="cs-CZ" sz="1600" dirty="0">
+                <a:ea typeface="+mn-lt"/>
+                <a:cs typeface="+mn-lt"/>
+              </a:rPr>
+              <a:t> It </a:t>
+            </a:r>
+            <a:r>
+              <a:rPr lang="cs-CZ" sz="1600" dirty="0" err="1">
+                <a:ea typeface="+mn-lt"/>
+                <a:cs typeface="+mn-lt"/>
+              </a:rPr>
+              <a:t>Work</a:t>
+            </a:r>
+            <a:r>
+              <a:rPr lang="cs-CZ" sz="1600" dirty="0">
+                <a:ea typeface="+mn-lt"/>
+                <a:cs typeface="+mn-lt"/>
+              </a:rPr>
+              <a:t>?. </a:t>
+            </a:r>
+            <a:r>
+              <a:rPr lang="cs-CZ" sz="1600" i="1" dirty="0" err="1">
+                <a:ea typeface="+mn-lt"/>
+                <a:cs typeface="+mn-lt"/>
+              </a:rPr>
+              <a:t>Datto</a:t>
+            </a:r>
+            <a:r>
+              <a:rPr lang="cs-CZ" sz="1600" i="1" dirty="0">
+                <a:ea typeface="+mn-lt"/>
+                <a:cs typeface="+mn-lt"/>
+              </a:rPr>
+              <a:t> | </a:t>
+            </a:r>
+            <a:r>
+              <a:rPr lang="cs-CZ" sz="1600" i="1" dirty="0" err="1">
+                <a:ea typeface="+mn-lt"/>
+                <a:cs typeface="+mn-lt"/>
+              </a:rPr>
+              <a:t>The</a:t>
+            </a:r>
+            <a:r>
+              <a:rPr lang="cs-CZ" sz="1600" i="1" dirty="0">
+                <a:ea typeface="+mn-lt"/>
+                <a:cs typeface="+mn-lt"/>
+              </a:rPr>
+              <a:t> </a:t>
+            </a:r>
+            <a:r>
+              <a:rPr lang="cs-CZ" sz="1600" i="1" dirty="0" err="1">
+                <a:ea typeface="+mn-lt"/>
+                <a:cs typeface="+mn-lt"/>
+              </a:rPr>
+              <a:t>Managed</a:t>
+            </a:r>
+            <a:r>
+              <a:rPr lang="cs-CZ" sz="1600" i="1" dirty="0">
+                <a:ea typeface="+mn-lt"/>
+                <a:cs typeface="+mn-lt"/>
+              </a:rPr>
+              <a:t> </a:t>
+            </a:r>
+            <a:r>
+              <a:rPr lang="cs-CZ" sz="1600" i="1" dirty="0" err="1">
+                <a:ea typeface="+mn-lt"/>
+                <a:cs typeface="+mn-lt"/>
+              </a:rPr>
+              <a:t>Service</a:t>
+            </a:r>
+            <a:r>
+              <a:rPr lang="cs-CZ" sz="1600" i="1" dirty="0">
+                <a:ea typeface="+mn-lt"/>
+                <a:cs typeface="+mn-lt"/>
+              </a:rPr>
+              <a:t> Provider Technology </a:t>
+            </a:r>
+            <a:r>
+              <a:rPr lang="cs-CZ" sz="1600" i="1" dirty="0" err="1">
+                <a:ea typeface="+mn-lt"/>
+                <a:cs typeface="+mn-lt"/>
+              </a:rPr>
+              <a:t>Company</a:t>
+            </a:r>
+            <a:r>
+              <a:rPr lang="cs-CZ" sz="1600" dirty="0">
+                <a:ea typeface="+mn-lt"/>
+                <a:cs typeface="+mn-lt"/>
+              </a:rPr>
+              <a:t> [online]. Dostupné z: </a:t>
+            </a:r>
+            <a:r>
+              <a:rPr lang="cs-CZ" sz="1600" dirty="0">
+                <a:ea typeface="+mn-lt"/>
+                <a:cs typeface="+mn-lt"/>
+                <a:hlinkClick r:id="rId5"/>
+              </a:rPr>
+              <a:t>https://www.datto.com/blog/what-is-ntfs-and-how-does-it-work</a:t>
+            </a:r>
             <a:endParaRPr lang="cs-CZ" sz="1600" dirty="0">
               <a:cs typeface="Calibri"/>
             </a:endParaRPr>
           </a:p>
           <a:p>
-            <a:endParaRPr lang="cs-CZ" sz="1600">
-              <a:cs typeface="Calibri"/>
-            </a:endParaRPr>
-          </a:p>
-          <a:p>
-            <a:endParaRPr lang="cs-CZ" sz="1600">
+            <a:r>
+              <a:rPr lang="cs-CZ" sz="1600" dirty="0" err="1">
+                <a:ea typeface="+mn-lt"/>
+                <a:cs typeface="+mn-lt"/>
+              </a:rPr>
+              <a:t>What</a:t>
+            </a:r>
+            <a:r>
+              <a:rPr lang="cs-CZ" sz="1600" dirty="0">
+                <a:ea typeface="+mn-lt"/>
+                <a:cs typeface="+mn-lt"/>
+              </a:rPr>
+              <a:t> </a:t>
+            </a:r>
+            <a:r>
+              <a:rPr lang="cs-CZ" sz="1600" dirty="0" err="1">
+                <a:ea typeface="+mn-lt"/>
+                <a:cs typeface="+mn-lt"/>
+              </a:rPr>
+              <a:t>Is</a:t>
+            </a:r>
+            <a:r>
+              <a:rPr lang="cs-CZ" sz="1600" dirty="0">
+                <a:ea typeface="+mn-lt"/>
+                <a:cs typeface="+mn-lt"/>
+              </a:rPr>
+              <a:t> NTFS And </a:t>
+            </a:r>
+            <a:r>
+              <a:rPr lang="cs-CZ" sz="1600" dirty="0" err="1">
+                <a:ea typeface="+mn-lt"/>
+                <a:cs typeface="+mn-lt"/>
+              </a:rPr>
+              <a:t>How</a:t>
+            </a:r>
+            <a:r>
+              <a:rPr lang="cs-CZ" sz="1600" dirty="0">
+                <a:ea typeface="+mn-lt"/>
+                <a:cs typeface="+mn-lt"/>
+              </a:rPr>
+              <a:t> </a:t>
+            </a:r>
+            <a:r>
+              <a:rPr lang="cs-CZ" sz="1600" dirty="0" err="1">
+                <a:ea typeface="+mn-lt"/>
+                <a:cs typeface="+mn-lt"/>
+              </a:rPr>
+              <a:t>Does</a:t>
+            </a:r>
+            <a:r>
+              <a:rPr lang="cs-CZ" sz="1600" dirty="0">
+                <a:ea typeface="+mn-lt"/>
+                <a:cs typeface="+mn-lt"/>
+              </a:rPr>
+              <a:t> It </a:t>
+            </a:r>
+            <a:r>
+              <a:rPr lang="cs-CZ" sz="1600" dirty="0" err="1">
+                <a:ea typeface="+mn-lt"/>
+                <a:cs typeface="+mn-lt"/>
+              </a:rPr>
+              <a:t>Work</a:t>
+            </a:r>
+            <a:r>
+              <a:rPr lang="cs-CZ" sz="1600" dirty="0">
+                <a:ea typeface="+mn-lt"/>
+                <a:cs typeface="+mn-lt"/>
+              </a:rPr>
+              <a:t>?. </a:t>
+            </a:r>
+            <a:r>
+              <a:rPr lang="cs-CZ" sz="1600" i="1" dirty="0" err="1">
+                <a:ea typeface="+mn-lt"/>
+                <a:cs typeface="+mn-lt"/>
+              </a:rPr>
+              <a:t>Purchase</a:t>
+            </a:r>
+            <a:r>
+              <a:rPr lang="cs-CZ" sz="1600" i="1" dirty="0">
+                <a:ea typeface="+mn-lt"/>
+                <a:cs typeface="+mn-lt"/>
+              </a:rPr>
+              <a:t> </a:t>
+            </a:r>
+            <a:r>
+              <a:rPr lang="cs-CZ" sz="1600" i="1" dirty="0" err="1">
+                <a:ea typeface="+mn-lt"/>
+                <a:cs typeface="+mn-lt"/>
+              </a:rPr>
+              <a:t>Intent</a:t>
+            </a:r>
+            <a:r>
+              <a:rPr lang="cs-CZ" sz="1600" i="1" dirty="0">
+                <a:ea typeface="+mn-lt"/>
+                <a:cs typeface="+mn-lt"/>
+              </a:rPr>
+              <a:t> Data </a:t>
+            </a:r>
+            <a:r>
+              <a:rPr lang="cs-CZ" sz="1600" i="1" dirty="0" err="1">
+                <a:ea typeface="+mn-lt"/>
+                <a:cs typeface="+mn-lt"/>
+              </a:rPr>
+              <a:t>for</a:t>
+            </a:r>
+            <a:r>
+              <a:rPr lang="cs-CZ" sz="1600" i="1" dirty="0">
+                <a:ea typeface="+mn-lt"/>
+                <a:cs typeface="+mn-lt"/>
+              </a:rPr>
+              <a:t> </a:t>
+            </a:r>
+            <a:r>
+              <a:rPr lang="cs-CZ" sz="1600" i="1" dirty="0" err="1">
+                <a:ea typeface="+mn-lt"/>
+                <a:cs typeface="+mn-lt"/>
+              </a:rPr>
+              <a:t>Enterprise</a:t>
+            </a:r>
+            <a:r>
+              <a:rPr lang="cs-CZ" sz="1600" i="1" dirty="0">
+                <a:ea typeface="+mn-lt"/>
+                <a:cs typeface="+mn-lt"/>
+              </a:rPr>
+              <a:t> Tech Sales and Marketing - </a:t>
+            </a:r>
+            <a:r>
+              <a:rPr lang="cs-CZ" sz="1600" i="1" dirty="0" err="1">
+                <a:ea typeface="+mn-lt"/>
+                <a:cs typeface="+mn-lt"/>
+              </a:rPr>
+              <a:t>TechTarget</a:t>
+            </a:r>
+            <a:r>
+              <a:rPr lang="cs-CZ" sz="1600" dirty="0">
+                <a:ea typeface="+mn-lt"/>
+                <a:cs typeface="+mn-lt"/>
+              </a:rPr>
+              <a:t> [online]. Dostupné z: </a:t>
+            </a:r>
+            <a:r>
+              <a:rPr lang="cs-CZ" sz="1600" dirty="0">
+                <a:ea typeface="+mn-lt"/>
+                <a:cs typeface="+mn-lt"/>
+                <a:hlinkClick r:id="rId6"/>
+              </a:rPr>
+              <a:t>https://www.techtarget.com/searchwindowsserver/definition/NTFS</a:t>
+            </a:r>
+            <a:endParaRPr lang="cs-CZ" sz="1600" dirty="0">
               <a:ea typeface="+mn-lt"/>
               <a:cs typeface="+mn-lt"/>
-            </a:endParaRPr>
-          </a:p>
-          <a:p>
-            <a:endParaRPr lang="cs-CZ" sz="1600">
-              <a:cs typeface="Calibri"/>
             </a:endParaRPr>
           </a:p>
         </p:txBody>
@@ -7958,6 +8285,101 @@
   <p:transition spd="slow">
     <p:push dir="u"/>
   </p:transition>
+</p:sld>
+</file>
+
+<file path=ppt/slides/slide9.xml><?xml version="1.0" encoding="utf-8"?>
+<p:sld xmlns:a="http://schemas.openxmlformats.org/drawingml/2006/main" xmlns:r="http://schemas.openxmlformats.org/officeDocument/2006/relationships" xmlns:p="http://schemas.openxmlformats.org/presentationml/2006/main">
+  <p:cSld>
+    <p:spTree>
+      <p:nvGrpSpPr>
+        <p:cNvPr id="1" name=""/>
+        <p:cNvGrpSpPr/>
+        <p:nvPr/>
+      </p:nvGrpSpPr>
+      <p:grpSpPr>
+        <a:xfrm>
+          <a:off x="0" y="0"/>
+          <a:ext cx="0" cy="0"/>
+          <a:chOff x="0" y="0"/>
+          <a:chExt cx="0" cy="0"/>
+        </a:xfrm>
+      </p:grpSpPr>
+      <p:sp>
+        <p:nvSpPr>
+          <p:cNvPr id="2" name="Nadpis 1">
+            <a:extLst>
+              <a:ext uri="{FF2B5EF4-FFF2-40B4-BE49-F238E27FC236}">
+                <a16:creationId xmlns:a16="http://schemas.microsoft.com/office/drawing/2014/main" id="{B8A1DF9E-67E4-E91F-902E-895F20E1B711}"/>
+              </a:ext>
+            </a:extLst>
+          </p:cNvPr>
+          <p:cNvSpPr>
+            <a:spLocks noGrp="1"/>
+          </p:cNvSpPr>
+          <p:nvPr>
+            <p:ph type="title"/>
+          </p:nvPr>
+        </p:nvSpPr>
+        <p:spPr/>
+        <p:txBody>
+          <a:bodyPr/>
+          <a:lstStyle/>
+          <a:p>
+            <a:r>
+              <a:rPr lang="cs-CZ" dirty="0" err="1">
+                <a:cs typeface="Calibri Light"/>
+              </a:rPr>
+              <a:t>Github</a:t>
+            </a:r>
+            <a:endParaRPr lang="cs-CZ" dirty="0" err="1"/>
+          </a:p>
+        </p:txBody>
+      </p:sp>
+      <p:sp>
+        <p:nvSpPr>
+          <p:cNvPr id="3" name="Zástupný obsah 2">
+            <a:extLst>
+              <a:ext uri="{FF2B5EF4-FFF2-40B4-BE49-F238E27FC236}">
+                <a16:creationId xmlns:a16="http://schemas.microsoft.com/office/drawing/2014/main" id="{6F1C2E8B-215C-5718-EB48-D4007CCE52E4}"/>
+              </a:ext>
+            </a:extLst>
+          </p:cNvPr>
+          <p:cNvSpPr>
+            <a:spLocks noGrp="1"/>
+          </p:cNvSpPr>
+          <p:nvPr>
+            <p:ph idx="1"/>
+          </p:nvPr>
+        </p:nvSpPr>
+        <p:spPr/>
+        <p:txBody>
+          <a:bodyPr vert="horz" lIns="91440" tIns="45720" rIns="91440" bIns="45720" rtlCol="0" anchor="t">
+            <a:normAutofit/>
+          </a:bodyPr>
+          <a:lstStyle/>
+          <a:p>
+            <a:r>
+              <a:rPr lang="cs-CZ" dirty="0">
+                <a:ea typeface="+mn-lt"/>
+                <a:cs typeface="+mn-lt"/>
+              </a:rPr>
+              <a:t>https://github.com/horvos/souborovesystemy</a:t>
+            </a:r>
+            <a:endParaRPr lang="cs-CZ"/>
+          </a:p>
+        </p:txBody>
+      </p:sp>
+    </p:spTree>
+    <p:extLst>
+      <p:ext uri="{BB962C8B-B14F-4D97-AF65-F5344CB8AC3E}">
+        <p14:creationId xmlns:p14="http://schemas.microsoft.com/office/powerpoint/2010/main" val="1668892830"/>
+      </p:ext>
+    </p:extLst>
+  </p:cSld>
+  <p:clrMapOvr>
+    <a:masterClrMapping/>
+  </p:clrMapOvr>
 </p:sld>
 </file>
 

--- a/horvath.pptx
+++ b/horvath.pptx
@@ -12,8 +12,9 @@
     <p:sldId id="262" r:id="rId6"/>
     <p:sldId id="263" r:id="rId7"/>
     <p:sldId id="264" r:id="rId8"/>
-    <p:sldId id="258" r:id="rId9"/>
-    <p:sldId id="265" r:id="rId10"/>
+    <p:sldId id="266" r:id="rId9"/>
+    <p:sldId id="258" r:id="rId10"/>
+    <p:sldId id="265" r:id="rId11"/>
   </p:sldIdLst>
   <p:sldSz cx="12192000" cy="6858000"/>
   <p:notesSz cx="6858000" cy="9144000"/>
@@ -124,9 +125,12 @@
 <p1510:revInfo xmlns:a="http://schemas.openxmlformats.org/drawingml/2006/main" xmlns:r="http://schemas.openxmlformats.org/officeDocument/2006/relationships" xmlns:p1510="http://schemas.microsoft.com/office/powerpoint/2015/10/main">
   <p1510:revLst>
     <p1510:client id="{3D9595F1-8E06-0E87-1AE6-B83E193FAD22}" v="130" dt="2023-01-09T18:03:36.874"/>
+    <p1510:client id="{45398B61-7F1E-237B-5C24-23A682D5EC68}" v="130" dt="2023-01-14T15:52:06.716"/>
     <p1510:client id="{84ABAEFF-358B-2271-21FD-9D812A704519}" v="138" dt="2023-01-08T10:22:40.827"/>
     <p1510:client id="{9DDDA8D4-C02F-BC48-4098-4D6B21335B58}" v="182" dt="2023-01-11T19:16:33.597"/>
+    <p1510:client id="{DD3E86D0-9318-CBE5-C52E-355F512D6693}" v="179" dt="2023-01-14T16:21:02.533"/>
     <p1510:client id="{DE90C6F3-66A9-BDF8-193E-E91FDD634819}" v="1" dt="2023-01-08T10:23:44.808"/>
+    <p1510:client id="{E05190BB-AD6A-DC0F-C6E3-D96BA3F8E8A9}" v="1" dt="2023-01-14T15:52:54.405"/>
     <p1510:client id="{FFE463EC-2E29-561E-B07C-75661D4B65A7}" v="445" dt="2023-01-09T17:50:49.036"/>
   </p1510:revLst>
 </p1510:revInfo>
@@ -261,7 +265,7 @@
           <a:p>
             <a:fld id="{8A3A43DF-04A3-4662-88CA-28FDED1CFC09}" type="datetimeFigureOut">
               <a:rPr lang="cs-CZ" smtClean="0"/>
-              <a:t>11.01.2023</a:t>
+              <a:t>14.01.2023</a:t>
             </a:fld>
             <a:endParaRPr lang="cs-CZ"/>
           </a:p>
@@ -429,7 +433,7 @@
           <a:p>
             <a:fld id="{8A3A43DF-04A3-4662-88CA-28FDED1CFC09}" type="datetimeFigureOut">
               <a:rPr lang="cs-CZ" smtClean="0"/>
-              <a:t>11.01.2023</a:t>
+              <a:t>14.01.2023</a:t>
             </a:fld>
             <a:endParaRPr lang="cs-CZ"/>
           </a:p>
@@ -607,7 +611,7 @@
           <a:p>
             <a:fld id="{8A3A43DF-04A3-4662-88CA-28FDED1CFC09}" type="datetimeFigureOut">
               <a:rPr lang="cs-CZ" smtClean="0"/>
-              <a:t>11.01.2023</a:t>
+              <a:t>14.01.2023</a:t>
             </a:fld>
             <a:endParaRPr lang="cs-CZ"/>
           </a:p>
@@ -775,7 +779,7 @@
           <a:p>
             <a:fld id="{8A3A43DF-04A3-4662-88CA-28FDED1CFC09}" type="datetimeFigureOut">
               <a:rPr lang="cs-CZ" smtClean="0"/>
-              <a:t>11.01.2023</a:t>
+              <a:t>14.01.2023</a:t>
             </a:fld>
             <a:endParaRPr lang="cs-CZ"/>
           </a:p>
@@ -1020,7 +1024,7 @@
           <a:p>
             <a:fld id="{8A3A43DF-04A3-4662-88CA-28FDED1CFC09}" type="datetimeFigureOut">
               <a:rPr lang="cs-CZ" smtClean="0"/>
-              <a:t>11.01.2023</a:t>
+              <a:t>14.01.2023</a:t>
             </a:fld>
             <a:endParaRPr lang="cs-CZ"/>
           </a:p>
@@ -1249,7 +1253,7 @@
           <a:p>
             <a:fld id="{8A3A43DF-04A3-4662-88CA-28FDED1CFC09}" type="datetimeFigureOut">
               <a:rPr lang="cs-CZ" smtClean="0"/>
-              <a:t>11.01.2023</a:t>
+              <a:t>14.01.2023</a:t>
             </a:fld>
             <a:endParaRPr lang="cs-CZ"/>
           </a:p>
@@ -1613,7 +1617,7 @@
           <a:p>
             <a:fld id="{8A3A43DF-04A3-4662-88CA-28FDED1CFC09}" type="datetimeFigureOut">
               <a:rPr lang="cs-CZ" smtClean="0"/>
-              <a:t>11.01.2023</a:t>
+              <a:t>14.01.2023</a:t>
             </a:fld>
             <a:endParaRPr lang="cs-CZ"/>
           </a:p>
@@ -1730,7 +1734,7 @@
           <a:p>
             <a:fld id="{8A3A43DF-04A3-4662-88CA-28FDED1CFC09}" type="datetimeFigureOut">
               <a:rPr lang="cs-CZ" smtClean="0"/>
-              <a:t>11.01.2023</a:t>
+              <a:t>14.01.2023</a:t>
             </a:fld>
             <a:endParaRPr lang="cs-CZ"/>
           </a:p>
@@ -1825,7 +1829,7 @@
           <a:p>
             <a:fld id="{8A3A43DF-04A3-4662-88CA-28FDED1CFC09}" type="datetimeFigureOut">
               <a:rPr lang="cs-CZ" smtClean="0"/>
-              <a:t>11.01.2023</a:t>
+              <a:t>14.01.2023</a:t>
             </a:fld>
             <a:endParaRPr lang="cs-CZ"/>
           </a:p>
@@ -2100,7 +2104,7 @@
           <a:p>
             <a:fld id="{8A3A43DF-04A3-4662-88CA-28FDED1CFC09}" type="datetimeFigureOut">
               <a:rPr lang="cs-CZ" smtClean="0"/>
-              <a:t>11.01.2023</a:t>
+              <a:t>14.01.2023</a:t>
             </a:fld>
             <a:endParaRPr lang="cs-CZ"/>
           </a:p>
@@ -2352,7 +2356,7 @@
           <a:p>
             <a:fld id="{8A3A43DF-04A3-4662-88CA-28FDED1CFC09}" type="datetimeFigureOut">
               <a:rPr lang="cs-CZ" smtClean="0"/>
-              <a:t>11.01.2023</a:t>
+              <a:t>14.01.2023</a:t>
             </a:fld>
             <a:endParaRPr lang="cs-CZ"/>
           </a:p>
@@ -2563,7 +2567,7 @@
           <a:p>
             <a:fld id="{8A3A43DF-04A3-4662-88CA-28FDED1CFC09}" type="datetimeFigureOut">
               <a:rPr lang="cs-CZ" smtClean="0"/>
-              <a:t>11.01.2023</a:t>
+              <a:t>14.01.2023</a:t>
             </a:fld>
             <a:endParaRPr lang="cs-CZ"/>
           </a:p>
@@ -3601,6 +3605,102 @@
 </p:sld>
 </file>
 
+<file path=ppt/slides/slide10.xml><?xml version="1.0" encoding="utf-8"?>
+<p:sld xmlns:a="http://schemas.openxmlformats.org/drawingml/2006/main" xmlns:r="http://schemas.openxmlformats.org/officeDocument/2006/relationships" xmlns:p="http://schemas.openxmlformats.org/presentationml/2006/main">
+  <p:cSld>
+    <p:spTree>
+      <p:nvGrpSpPr>
+        <p:cNvPr id="1" name=""/>
+        <p:cNvGrpSpPr/>
+        <p:nvPr/>
+      </p:nvGrpSpPr>
+      <p:grpSpPr>
+        <a:xfrm>
+          <a:off x="0" y="0"/>
+          <a:ext cx="0" cy="0"/>
+          <a:chOff x="0" y="0"/>
+          <a:chExt cx="0" cy="0"/>
+        </a:xfrm>
+      </p:grpSpPr>
+      <p:sp>
+        <p:nvSpPr>
+          <p:cNvPr id="2" name="Nadpis 1">
+            <a:extLst>
+              <a:ext uri="{FF2B5EF4-FFF2-40B4-BE49-F238E27FC236}">
+                <a16:creationId xmlns:a16="http://schemas.microsoft.com/office/drawing/2014/main" id="{B8A1DF9E-67E4-E91F-902E-895F20E1B711}"/>
+              </a:ext>
+            </a:extLst>
+          </p:cNvPr>
+          <p:cNvSpPr>
+            <a:spLocks noGrp="1"/>
+          </p:cNvSpPr>
+          <p:nvPr>
+            <p:ph type="title"/>
+          </p:nvPr>
+        </p:nvSpPr>
+        <p:spPr/>
+        <p:txBody>
+          <a:bodyPr/>
+          <a:lstStyle/>
+          <a:p>
+            <a:r>
+              <a:rPr lang="cs-CZ" err="1">
+                <a:cs typeface="Calibri Light"/>
+              </a:rPr>
+              <a:t>Github</a:t>
+            </a:r>
+            <a:endParaRPr lang="cs-CZ" err="1"/>
+          </a:p>
+        </p:txBody>
+      </p:sp>
+      <p:sp>
+        <p:nvSpPr>
+          <p:cNvPr id="3" name="Zástupný obsah 2">
+            <a:extLst>
+              <a:ext uri="{FF2B5EF4-FFF2-40B4-BE49-F238E27FC236}">
+                <a16:creationId xmlns:a16="http://schemas.microsoft.com/office/drawing/2014/main" id="{6F1C2E8B-215C-5718-EB48-D4007CCE52E4}"/>
+              </a:ext>
+            </a:extLst>
+          </p:cNvPr>
+          <p:cNvSpPr>
+            <a:spLocks noGrp="1"/>
+          </p:cNvSpPr>
+          <p:nvPr>
+            <p:ph idx="1"/>
+          </p:nvPr>
+        </p:nvSpPr>
+        <p:spPr/>
+        <p:txBody>
+          <a:bodyPr vert="horz" lIns="91440" tIns="45720" rIns="91440" bIns="45720" rtlCol="0" anchor="t">
+            <a:normAutofit/>
+          </a:bodyPr>
+          <a:lstStyle/>
+          <a:p>
+            <a:r>
+              <a:rPr lang="cs-CZ">
+                <a:ea typeface="+mn-lt"/>
+                <a:cs typeface="+mn-lt"/>
+                <a:hlinkClick r:id="rId2"/>
+              </a:rPr>
+              <a:t>https://github.com/horvos/souborovesystemy</a:t>
+            </a:r>
+            <a:endParaRPr lang="cs-CZ"/>
+          </a:p>
+        </p:txBody>
+      </p:sp>
+    </p:spTree>
+    <p:extLst>
+      <p:ext uri="{BB962C8B-B14F-4D97-AF65-F5344CB8AC3E}">
+        <p14:creationId xmlns:p14="http://schemas.microsoft.com/office/powerpoint/2010/main" val="1668892830"/>
+      </p:ext>
+    </p:extLst>
+  </p:cSld>
+  <p:clrMapOvr>
+    <a:masterClrMapping/>
+  </p:clrMapOvr>
+</p:sld>
+</file>
+
 <file path=ppt/slides/slide2.xml><?xml version="1.0" encoding="utf-8"?>
 <p:sld xmlns:a="http://schemas.openxmlformats.org/drawingml/2006/main" xmlns:r="http://schemas.openxmlformats.org/officeDocument/2006/relationships" xmlns:p="http://schemas.openxmlformats.org/presentationml/2006/main">
   <p:cSld>
@@ -4191,7 +4291,14 @@
               </a:rPr>
               <a:t>Jsou to způsoby organizace dat na disk v podobě souborů a složek</a:t>
             </a:r>
-            <a:endParaRPr lang="cs-CZ"/>
+          </a:p>
+          <a:p>
+            <a:r>
+              <a:rPr lang="cs-CZ">
+                <a:cs typeface="Calibri"/>
+              </a:rPr>
+              <a:t>Disky jsou rozděleny do clusterů, což jsou bloky dat kde může soubor být uložen</a:t>
+            </a:r>
           </a:p>
         </p:txBody>
       </p:sp>
@@ -5150,7 +5257,7 @@
           <a:lstStyle/>
           <a:p>
             <a:r>
-              <a:rPr lang="cs-CZ" dirty="0">
+              <a:rPr lang="cs-CZ">
                 <a:cs typeface="Calibri"/>
               </a:rPr>
               <a:t>Vytvořen v roce 1980 pro MS-DOS</a:t>
@@ -5158,31 +5265,31 @@
           </a:p>
           <a:p>
             <a:r>
-              <a:rPr lang="cs-CZ" dirty="0">
+              <a:rPr lang="cs-CZ">
                 <a:cs typeface="Calibri"/>
               </a:rPr>
               <a:t>Nazývá se FAT (</a:t>
             </a:r>
             <a:r>
-              <a:rPr lang="cs-CZ" dirty="0" err="1">
+              <a:rPr lang="cs-CZ" err="1">
                 <a:cs typeface="Calibri"/>
               </a:rPr>
               <a:t>File</a:t>
             </a:r>
             <a:r>
-              <a:rPr lang="cs-CZ" dirty="0">
+              <a:rPr lang="cs-CZ">
                 <a:cs typeface="Calibri"/>
               </a:rPr>
               <a:t> </a:t>
             </a:r>
             <a:r>
-              <a:rPr lang="cs-CZ" dirty="0" err="1">
+              <a:rPr lang="cs-CZ" err="1">
                 <a:cs typeface="Calibri"/>
               </a:rPr>
               <a:t>Allocation</a:t>
             </a:r>
             <a:r>
-              <a:rPr lang="cs-CZ" dirty="0">
+              <a:rPr lang="cs-CZ">
                 <a:cs typeface="Calibri"/>
               </a:rPr>
               <a:t> Table), protože používá tabulku, kde má uložený umístění souborů na disku</a:t>
@@ -5190,7 +5297,7 @@
           </a:p>
           <a:p>
             <a:r>
-              <a:rPr lang="cs-CZ" dirty="0">
+              <a:rPr lang="cs-CZ">
                 <a:cs typeface="Calibri"/>
               </a:rPr>
               <a:t>Maximální velikost disku je 32 MB</a:t>
@@ -5198,7 +5305,7 @@
           </a:p>
           <a:p>
             <a:r>
-              <a:rPr lang="cs-CZ" dirty="0">
+              <a:rPr lang="cs-CZ">
                 <a:cs typeface="Calibri"/>
               </a:rPr>
               <a:t>Názvy souborů můžou mít max. 8 znaků + 3 pro příponu</a:t>
@@ -5206,7 +5313,7 @@
           </a:p>
           <a:p>
             <a:r>
-              <a:rPr lang="cs-CZ" dirty="0">
+              <a:rPr lang="cs-CZ">
                 <a:cs typeface="Calibri"/>
               </a:rPr>
               <a:t>Žádný FAT nemá permise ani šifrování</a:t>
@@ -5214,7 +5321,7 @@
           </a:p>
           <a:p>
             <a:r>
-              <a:rPr lang="cs-CZ" dirty="0">
+              <a:rPr lang="cs-CZ">
                 <a:cs typeface="Calibri"/>
               </a:rPr>
               <a:t>Podporován skoro každým operačním systémem</a:t>
@@ -5222,7 +5329,7 @@
           </a:p>
           <a:p>
             <a:r>
-              <a:rPr lang="cs-CZ" dirty="0">
+              <a:rPr lang="cs-CZ">
                 <a:cs typeface="Calibri"/>
               </a:rPr>
               <a:t>Velice zastaralý, nepoužívá se</a:t>
@@ -5649,7 +5756,7 @@
           <a:lstStyle/>
           <a:p>
             <a:r>
-              <a:rPr lang="cs-CZ" dirty="0">
+              <a:rPr lang="cs-CZ">
                 <a:cs typeface="Calibri"/>
               </a:rPr>
               <a:t>Vytvořen v roce 1984 pro MS-DOS 3.0</a:t>
@@ -5657,7 +5764,7 @@
           </a:p>
           <a:p>
             <a:r>
-              <a:rPr lang="cs-CZ" dirty="0">
+              <a:rPr lang="cs-CZ">
                 <a:cs typeface="Calibri"/>
               </a:rPr>
               <a:t>Vylepšená verze FAT12</a:t>
@@ -5665,7 +5772,7 @@
           </a:p>
           <a:p>
             <a:r>
-              <a:rPr lang="cs-CZ" dirty="0">
+              <a:rPr lang="cs-CZ">
                 <a:cs typeface="Calibri"/>
               </a:rPr>
               <a:t>Velikost disku může být až 16 GB</a:t>
@@ -5673,7 +5780,7 @@
           </a:p>
           <a:p>
             <a:r>
-              <a:rPr lang="cs-CZ" dirty="0">
+              <a:rPr lang="cs-CZ">
                 <a:cs typeface="Calibri"/>
               </a:rPr>
               <a:t>Velikost souborů je maximálně 4 GB</a:t>
@@ -5681,7 +5788,7 @@
           </a:p>
           <a:p>
             <a:r>
-              <a:rPr lang="cs-CZ" dirty="0">
+              <a:rPr lang="cs-CZ">
                 <a:cs typeface="Calibri"/>
               </a:rPr>
               <a:t>Názvy souborů můžou mít pořád jenom 8 znaků, ale ve Windows 95 můžou mít až 255 znaků</a:t>
@@ -5689,7 +5796,7 @@
           </a:p>
           <a:p>
             <a:r>
-              <a:rPr lang="cs-CZ" dirty="0">
+              <a:rPr lang="cs-CZ">
                 <a:cs typeface="Calibri"/>
               </a:rPr>
               <a:t>Taky zastaralý</a:t>
@@ -7400,12 +7507,12 @@
           <a:lstStyle/>
           <a:p>
             <a:r>
-              <a:rPr lang="cs-CZ" dirty="0">
+              <a:rPr lang="cs-CZ">
                 <a:cs typeface="Calibri Light"/>
               </a:rPr>
               <a:t>NTFS</a:t>
             </a:r>
-            <a:endParaRPr lang="cs-CZ" dirty="0"/>
+            <a:endParaRPr lang="cs-CZ"/>
           </a:p>
         </p:txBody>
       </p:sp>
@@ -7433,7 +7540,7 @@
           <a:lstStyle/>
           <a:p>
             <a:r>
-              <a:rPr lang="cs-CZ" dirty="0">
+              <a:rPr lang="cs-CZ">
                 <a:cs typeface="Calibri" panose="020F0502020204030204"/>
               </a:rPr>
               <a:t>Vytvořen v roce 1993 pro Windows NT</a:t>
@@ -7441,7 +7548,7 @@
           </a:p>
           <a:p>
             <a:r>
-              <a:rPr lang="cs-CZ" dirty="0">
+              <a:rPr lang="cs-CZ">
                 <a:cs typeface="Calibri" panose="020F0502020204030204"/>
               </a:rPr>
               <a:t>Funguje hlavně na Windows, ale jde zprovoznit i na jiných OS</a:t>
@@ -7449,14 +7556,42 @@
           </a:p>
           <a:p>
             <a:r>
-              <a:rPr lang="cs-CZ" dirty="0">
+              <a:rPr lang="cs-CZ">
                 <a:cs typeface="Calibri" panose="020F0502020204030204"/>
               </a:rPr>
               <a:t>Podporuje permise, šifrování, kompresi </a:t>
             </a:r>
           </a:p>
           <a:p>
-            <a:endParaRPr lang="cs-CZ" dirty="0">
+            <a:r>
+              <a:rPr lang="cs-CZ">
+                <a:cs typeface="Calibri" panose="020F0502020204030204"/>
+              </a:rPr>
+              <a:t>Používá Master </a:t>
+            </a:r>
+            <a:r>
+              <a:rPr lang="cs-CZ" err="1">
+                <a:cs typeface="Calibri" panose="020F0502020204030204"/>
+              </a:rPr>
+              <a:t>File</a:t>
+            </a:r>
+            <a:r>
+              <a:rPr lang="cs-CZ">
+                <a:cs typeface="Calibri" panose="020F0502020204030204"/>
+              </a:rPr>
+              <a:t> Table, kde je uložené umístění souboru + metadata (autor, velikost, datum vzniku...)</a:t>
+            </a:r>
+          </a:p>
+          <a:p>
+            <a:r>
+              <a:rPr lang="cs-CZ">
+                <a:cs typeface="Calibri" panose="020F0502020204030204"/>
+              </a:rPr>
+              <a:t>Podporuje disky až 8 PB</a:t>
+            </a:r>
+          </a:p>
+          <a:p>
+            <a:endParaRPr lang="cs-CZ">
               <a:cs typeface="Calibri" panose="020F0502020204030204"/>
             </a:endParaRPr>
           </a:p>
@@ -7497,7 +7632,7 @@
           <p:cNvPr id="2" name="Nadpis 1">
             <a:extLst>
               <a:ext uri="{FF2B5EF4-FFF2-40B4-BE49-F238E27FC236}">
-                <a16:creationId xmlns:a16="http://schemas.microsoft.com/office/drawing/2014/main" id="{BBD8027A-59C4-39E3-C4CF-6C97C679F569}"/>
+                <a16:creationId xmlns:a16="http://schemas.microsoft.com/office/drawing/2014/main" id="{F46CFC74-ECB3-A44F-6AC2-A901D8768A18}"/>
               </a:ext>
             </a:extLst>
           </p:cNvPr>
@@ -7514,12 +7649,12 @@
           <a:lstStyle/>
           <a:p>
             <a:r>
-              <a:rPr lang="cs-CZ">
+              <a:rPr lang="cs-CZ" dirty="0" err="1">
                 <a:cs typeface="Calibri Light"/>
               </a:rPr>
-              <a:t>Zdroje</a:t>
-            </a:r>
-            <a:endParaRPr lang="cs-CZ"/>
+              <a:t>ReFS</a:t>
+            </a:r>
+            <a:endParaRPr lang="cs-CZ" dirty="0" err="1"/>
           </a:p>
         </p:txBody>
       </p:sp>
@@ -7528,7 +7663,7 @@
           <p:cNvPr id="3" name="Zástupný obsah 2">
             <a:extLst>
               <a:ext uri="{FF2B5EF4-FFF2-40B4-BE49-F238E27FC236}">
-                <a16:creationId xmlns:a16="http://schemas.microsoft.com/office/drawing/2014/main" id="{98181083-249A-E653-7E0C-04A418CE52D8}"/>
+                <a16:creationId xmlns:a16="http://schemas.microsoft.com/office/drawing/2014/main" id="{24C40590-7CEE-B135-5176-2DDD308ABE15}"/>
               </a:ext>
             </a:extLst>
           </p:cNvPr>
@@ -7547,727 +7682,45 @@
           <a:lstStyle/>
           <a:p>
             <a:r>
-              <a:rPr lang="cs-CZ" sz="1600" dirty="0" err="1">
-                <a:ea typeface="+mn-lt"/>
-                <a:cs typeface="+mn-lt"/>
-              </a:rPr>
-              <a:t>What</a:t>
-            </a:r>
-            <a:r>
-              <a:rPr lang="cs-CZ" sz="1600" dirty="0">
-                <a:ea typeface="+mn-lt"/>
-                <a:cs typeface="+mn-lt"/>
-              </a:rPr>
-              <a:t> </a:t>
-            </a:r>
-            <a:r>
-              <a:rPr lang="cs-CZ" sz="1600" dirty="0" err="1">
-                <a:ea typeface="+mn-lt"/>
-                <a:cs typeface="+mn-lt"/>
-              </a:rPr>
-              <a:t>is</a:t>
-            </a:r>
-            <a:r>
-              <a:rPr lang="cs-CZ" sz="1600" dirty="0">
-                <a:ea typeface="+mn-lt"/>
-                <a:cs typeface="+mn-lt"/>
-              </a:rPr>
-              <a:t> a </a:t>
-            </a:r>
-            <a:r>
-              <a:rPr lang="cs-CZ" sz="1600" dirty="0" err="1">
-                <a:ea typeface="+mn-lt"/>
-                <a:cs typeface="+mn-lt"/>
-              </a:rPr>
-              <a:t>File</a:t>
-            </a:r>
-            <a:r>
-              <a:rPr lang="cs-CZ" sz="1600" dirty="0">
-                <a:ea typeface="+mn-lt"/>
-                <a:cs typeface="+mn-lt"/>
-              </a:rPr>
-              <a:t> </a:t>
-            </a:r>
-            <a:r>
-              <a:rPr lang="cs-CZ" sz="1600" dirty="0" err="1">
-                <a:ea typeface="+mn-lt"/>
-                <a:cs typeface="+mn-lt"/>
-              </a:rPr>
-              <a:t>System</a:t>
-            </a:r>
-            <a:r>
-              <a:rPr lang="cs-CZ" sz="1600" dirty="0">
-                <a:ea typeface="+mn-lt"/>
-                <a:cs typeface="+mn-lt"/>
-              </a:rPr>
-              <a:t>?. </a:t>
-            </a:r>
-            <a:r>
-              <a:rPr lang="cs-CZ" sz="1600" i="1" dirty="0" err="1">
-                <a:ea typeface="+mn-lt"/>
-                <a:cs typeface="+mn-lt"/>
-              </a:rPr>
-              <a:t>Purchase</a:t>
-            </a:r>
-            <a:r>
-              <a:rPr lang="cs-CZ" sz="1600" i="1" dirty="0">
-                <a:ea typeface="+mn-lt"/>
-                <a:cs typeface="+mn-lt"/>
-              </a:rPr>
-              <a:t> </a:t>
-            </a:r>
-            <a:r>
-              <a:rPr lang="cs-CZ" sz="1600" i="1" dirty="0" err="1">
-                <a:ea typeface="+mn-lt"/>
-                <a:cs typeface="+mn-lt"/>
-              </a:rPr>
-              <a:t>Intent</a:t>
-            </a:r>
-            <a:r>
-              <a:rPr lang="cs-CZ" sz="1600" i="1" dirty="0">
-                <a:ea typeface="+mn-lt"/>
-                <a:cs typeface="+mn-lt"/>
-              </a:rPr>
-              <a:t> Data </a:t>
-            </a:r>
-            <a:r>
-              <a:rPr lang="cs-CZ" sz="1600" i="1" dirty="0" err="1">
-                <a:ea typeface="+mn-lt"/>
-                <a:cs typeface="+mn-lt"/>
-              </a:rPr>
-              <a:t>for</a:t>
-            </a:r>
-            <a:r>
-              <a:rPr lang="cs-CZ" sz="1600" i="1" dirty="0">
-                <a:ea typeface="+mn-lt"/>
-                <a:cs typeface="+mn-lt"/>
-              </a:rPr>
-              <a:t> </a:t>
-            </a:r>
-            <a:r>
-              <a:rPr lang="cs-CZ" sz="1600" i="1" dirty="0" err="1">
-                <a:ea typeface="+mn-lt"/>
-                <a:cs typeface="+mn-lt"/>
-              </a:rPr>
-              <a:t>Enterprise</a:t>
-            </a:r>
-            <a:r>
-              <a:rPr lang="cs-CZ" sz="1600" i="1" dirty="0">
-                <a:ea typeface="+mn-lt"/>
-                <a:cs typeface="+mn-lt"/>
-              </a:rPr>
-              <a:t> Tech Sales and Marketing - </a:t>
-            </a:r>
-            <a:r>
-              <a:rPr lang="cs-CZ" sz="1600" i="1" dirty="0" err="1">
-                <a:ea typeface="+mn-lt"/>
-                <a:cs typeface="+mn-lt"/>
-              </a:rPr>
-              <a:t>TechTarget</a:t>
-            </a:r>
-            <a:r>
-              <a:rPr lang="cs-CZ" sz="1600" dirty="0">
-                <a:ea typeface="+mn-lt"/>
-                <a:cs typeface="+mn-lt"/>
-              </a:rPr>
-              <a:t> [online]. Dostupné z: </a:t>
-            </a:r>
-            <a:r>
-              <a:rPr lang="cs-CZ" sz="1600" dirty="0">
-                <a:ea typeface="+mn-lt"/>
-                <a:cs typeface="+mn-lt"/>
-                <a:hlinkClick r:id="rId2"/>
-              </a:rPr>
-              <a:t>https://www.techtarget.com/searchstorage/definition/file-system</a:t>
-            </a:r>
-            <a:endParaRPr lang="cs-CZ" sz="1600" dirty="0">
+              <a:rPr lang="cs-CZ" dirty="0">
+                <a:cs typeface="Calibri"/>
+              </a:rPr>
+              <a:t>Vyšel v roce 2012 pro Windows Server</a:t>
+            </a:r>
+          </a:p>
+          <a:p>
+            <a:r>
+              <a:rPr lang="cs-CZ" dirty="0">
+                <a:cs typeface="Calibri"/>
+              </a:rPr>
+              <a:t>Podobný NTFS, ale má extra funkce pro detekci a opravu poškozených dat a zrychlení funkcí důležité pro servery</a:t>
+            </a:r>
+          </a:p>
+          <a:p>
+            <a:r>
+              <a:rPr lang="cs-CZ" dirty="0">
+                <a:cs typeface="Calibri"/>
+              </a:rPr>
+              <a:t>Chybí mu funkce, které má NTFS, např. nejde z něho spustit Windows, nemá kompresi a šifrování dat</a:t>
+            </a:r>
+            <a:endParaRPr lang="cs-CZ" dirty="0"/>
+          </a:p>
+          <a:p>
+            <a:r>
+              <a:rPr lang="cs-CZ" dirty="0">
+                <a:cs typeface="Calibri"/>
+              </a:rPr>
+              <a:t>Podporuje až 32 PB</a:t>
+            </a:r>
+          </a:p>
+          <a:p>
+            <a:endParaRPr lang="cs-CZ" dirty="0">
               <a:cs typeface="Calibri"/>
             </a:endParaRPr>
           </a:p>
           <a:p>
-            <a:r>
-              <a:rPr lang="cs-CZ" sz="1600" dirty="0" err="1">
-                <a:ea typeface="+mn-lt"/>
-                <a:cs typeface="+mn-lt"/>
-              </a:rPr>
-              <a:t>What</a:t>
-            </a:r>
-            <a:r>
-              <a:rPr lang="cs-CZ" sz="1600" dirty="0">
-                <a:ea typeface="+mn-lt"/>
-                <a:cs typeface="+mn-lt"/>
-              </a:rPr>
-              <a:t> </a:t>
-            </a:r>
-            <a:r>
-              <a:rPr lang="cs-CZ" sz="1600" dirty="0" err="1">
-                <a:ea typeface="+mn-lt"/>
-                <a:cs typeface="+mn-lt"/>
-              </a:rPr>
-              <a:t>is</a:t>
-            </a:r>
-            <a:r>
-              <a:rPr lang="cs-CZ" sz="1600" dirty="0">
-                <a:ea typeface="+mn-lt"/>
-                <a:cs typeface="+mn-lt"/>
-              </a:rPr>
-              <a:t> </a:t>
-            </a:r>
-            <a:r>
-              <a:rPr lang="cs-CZ" sz="1600" dirty="0" err="1">
-                <a:ea typeface="+mn-lt"/>
-                <a:cs typeface="+mn-lt"/>
-              </a:rPr>
-              <a:t>File</a:t>
-            </a:r>
-            <a:r>
-              <a:rPr lang="cs-CZ" sz="1600" dirty="0">
-                <a:ea typeface="+mn-lt"/>
-                <a:cs typeface="+mn-lt"/>
-              </a:rPr>
-              <a:t> </a:t>
-            </a:r>
-            <a:r>
-              <a:rPr lang="cs-CZ" sz="1600" dirty="0" err="1">
-                <a:ea typeface="+mn-lt"/>
-                <a:cs typeface="+mn-lt"/>
-              </a:rPr>
-              <a:t>Allocation</a:t>
-            </a:r>
-            <a:r>
-              <a:rPr lang="cs-CZ" sz="1600" dirty="0">
-                <a:ea typeface="+mn-lt"/>
-                <a:cs typeface="+mn-lt"/>
-              </a:rPr>
-              <a:t> Table (FAT)?. </a:t>
-            </a:r>
-            <a:r>
-              <a:rPr lang="cs-CZ" sz="1600" i="1" dirty="0" err="1">
-                <a:ea typeface="+mn-lt"/>
-                <a:cs typeface="+mn-lt"/>
-              </a:rPr>
-              <a:t>Purchase</a:t>
-            </a:r>
-            <a:r>
-              <a:rPr lang="cs-CZ" sz="1600" i="1" dirty="0">
-                <a:ea typeface="+mn-lt"/>
-                <a:cs typeface="+mn-lt"/>
-              </a:rPr>
-              <a:t> </a:t>
-            </a:r>
-            <a:r>
-              <a:rPr lang="cs-CZ" sz="1600" i="1" dirty="0" err="1">
-                <a:ea typeface="+mn-lt"/>
-                <a:cs typeface="+mn-lt"/>
-              </a:rPr>
-              <a:t>Intent</a:t>
-            </a:r>
-            <a:r>
-              <a:rPr lang="cs-CZ" sz="1600" i="1" dirty="0">
-                <a:ea typeface="+mn-lt"/>
-                <a:cs typeface="+mn-lt"/>
-              </a:rPr>
-              <a:t> Data </a:t>
-            </a:r>
-            <a:r>
-              <a:rPr lang="cs-CZ" sz="1600" i="1" dirty="0" err="1">
-                <a:ea typeface="+mn-lt"/>
-                <a:cs typeface="+mn-lt"/>
-              </a:rPr>
-              <a:t>for</a:t>
-            </a:r>
-            <a:r>
-              <a:rPr lang="cs-CZ" sz="1600" i="1" dirty="0">
-                <a:ea typeface="+mn-lt"/>
-                <a:cs typeface="+mn-lt"/>
-              </a:rPr>
-              <a:t> </a:t>
-            </a:r>
-            <a:r>
-              <a:rPr lang="cs-CZ" sz="1600" i="1" dirty="0" err="1">
-                <a:ea typeface="+mn-lt"/>
-                <a:cs typeface="+mn-lt"/>
-              </a:rPr>
-              <a:t>Enterprise</a:t>
-            </a:r>
-            <a:r>
-              <a:rPr lang="cs-CZ" sz="1600" i="1" dirty="0">
-                <a:ea typeface="+mn-lt"/>
-                <a:cs typeface="+mn-lt"/>
-              </a:rPr>
-              <a:t> Tech Sales and Marketing - </a:t>
-            </a:r>
-            <a:r>
-              <a:rPr lang="cs-CZ" sz="1600" i="1" dirty="0" err="1">
-                <a:ea typeface="+mn-lt"/>
-                <a:cs typeface="+mn-lt"/>
-              </a:rPr>
-              <a:t>TechTarget</a:t>
-            </a:r>
-            <a:r>
-              <a:rPr lang="cs-CZ" sz="1600" dirty="0">
-                <a:ea typeface="+mn-lt"/>
-                <a:cs typeface="+mn-lt"/>
-              </a:rPr>
-              <a:t> [online]. Dostupné z: </a:t>
-            </a:r>
-            <a:r>
-              <a:rPr lang="cs-CZ" sz="1600" dirty="0">
-                <a:ea typeface="+mn-lt"/>
-                <a:cs typeface="+mn-lt"/>
-                <a:hlinkClick r:id="rId3"/>
-              </a:rPr>
-              <a:t>https://www.techtarget.com/whatis/definition/file-allocation-table-FAT</a:t>
-            </a:r>
-            <a:endParaRPr lang="cs-CZ" sz="1600" dirty="0">
-              <a:ea typeface="+mn-lt"/>
-              <a:cs typeface="+mn-lt"/>
-            </a:endParaRPr>
-          </a:p>
-          <a:p>
-            <a:r>
-              <a:rPr lang="cs-CZ" sz="1600" dirty="0" err="1">
-                <a:ea typeface="+mn-lt"/>
-                <a:cs typeface="+mn-lt"/>
-              </a:rPr>
-              <a:t>What</a:t>
-            </a:r>
-            <a:r>
-              <a:rPr lang="cs-CZ" sz="1600" dirty="0">
-                <a:ea typeface="+mn-lt"/>
-                <a:cs typeface="+mn-lt"/>
-              </a:rPr>
-              <a:t> </a:t>
-            </a:r>
-            <a:r>
-              <a:rPr lang="cs-CZ" sz="1600" dirty="0" err="1">
-                <a:ea typeface="+mn-lt"/>
-                <a:cs typeface="+mn-lt"/>
-              </a:rPr>
-              <a:t>Is</a:t>
-            </a:r>
-            <a:r>
-              <a:rPr lang="cs-CZ" sz="1600" dirty="0">
-                <a:ea typeface="+mn-lt"/>
-                <a:cs typeface="+mn-lt"/>
-              </a:rPr>
-              <a:t> </a:t>
-            </a:r>
-            <a:r>
-              <a:rPr lang="cs-CZ" sz="1600" dirty="0" err="1">
-                <a:ea typeface="+mn-lt"/>
-                <a:cs typeface="+mn-lt"/>
-              </a:rPr>
-              <a:t>File</a:t>
-            </a:r>
-            <a:r>
-              <a:rPr lang="cs-CZ" sz="1600" dirty="0">
-                <a:ea typeface="+mn-lt"/>
-                <a:cs typeface="+mn-lt"/>
-              </a:rPr>
-              <a:t> </a:t>
-            </a:r>
-            <a:r>
-              <a:rPr lang="cs-CZ" sz="1600" dirty="0" err="1">
-                <a:ea typeface="+mn-lt"/>
-                <a:cs typeface="+mn-lt"/>
-              </a:rPr>
-              <a:t>Allocation</a:t>
-            </a:r>
-            <a:r>
-              <a:rPr lang="cs-CZ" sz="1600" dirty="0">
-                <a:ea typeface="+mn-lt"/>
-                <a:cs typeface="+mn-lt"/>
-              </a:rPr>
-              <a:t> Table (FAT)?. </a:t>
-            </a:r>
-            <a:r>
-              <a:rPr lang="cs-CZ" sz="1600" i="1" dirty="0" err="1">
-                <a:ea typeface="+mn-lt"/>
-                <a:cs typeface="+mn-lt"/>
-              </a:rPr>
-              <a:t>Lifewire</a:t>
-            </a:r>
-            <a:r>
-              <a:rPr lang="cs-CZ" sz="1600" i="1" dirty="0">
-                <a:ea typeface="+mn-lt"/>
-                <a:cs typeface="+mn-lt"/>
-              </a:rPr>
-              <a:t>: Tech </a:t>
-            </a:r>
-            <a:r>
-              <a:rPr lang="cs-CZ" sz="1600" i="1" dirty="0" err="1">
-                <a:ea typeface="+mn-lt"/>
-                <a:cs typeface="+mn-lt"/>
-              </a:rPr>
-              <a:t>News</a:t>
-            </a:r>
-            <a:r>
-              <a:rPr lang="cs-CZ" sz="1600" i="1" dirty="0">
-                <a:ea typeface="+mn-lt"/>
-                <a:cs typeface="+mn-lt"/>
-              </a:rPr>
-              <a:t>, </a:t>
-            </a:r>
-            <a:r>
-              <a:rPr lang="cs-CZ" sz="1600" i="1" dirty="0" err="1">
-                <a:ea typeface="+mn-lt"/>
-                <a:cs typeface="+mn-lt"/>
-              </a:rPr>
-              <a:t>Reviews</a:t>
-            </a:r>
-            <a:r>
-              <a:rPr lang="cs-CZ" sz="1600" i="1" dirty="0">
-                <a:ea typeface="+mn-lt"/>
-                <a:cs typeface="+mn-lt"/>
-              </a:rPr>
-              <a:t>, </a:t>
-            </a:r>
-            <a:r>
-              <a:rPr lang="cs-CZ" sz="1600" i="1" dirty="0" err="1">
-                <a:ea typeface="+mn-lt"/>
-                <a:cs typeface="+mn-lt"/>
-              </a:rPr>
-              <a:t>Help</a:t>
-            </a:r>
-            <a:r>
-              <a:rPr lang="cs-CZ" sz="1600" i="1" dirty="0">
-                <a:ea typeface="+mn-lt"/>
-                <a:cs typeface="+mn-lt"/>
-              </a:rPr>
-              <a:t> &amp; </a:t>
-            </a:r>
-            <a:r>
-              <a:rPr lang="cs-CZ" sz="1600" i="1" dirty="0" err="1">
-                <a:ea typeface="+mn-lt"/>
-                <a:cs typeface="+mn-lt"/>
-              </a:rPr>
-              <a:t>How-Tos</a:t>
-            </a:r>
-            <a:r>
-              <a:rPr lang="cs-CZ" sz="1600" dirty="0">
-                <a:ea typeface="+mn-lt"/>
-                <a:cs typeface="+mn-lt"/>
-              </a:rPr>
-              <a:t> [online]. Dostupné z: </a:t>
-            </a:r>
-            <a:r>
-              <a:rPr lang="cs-CZ" sz="1600" dirty="0">
-                <a:ea typeface="+mn-lt"/>
-                <a:cs typeface="+mn-lt"/>
-                <a:hlinkClick r:id="rId4"/>
-              </a:rPr>
-              <a:t>https://www.lifewire.com/what-is-file-allocation-table-fat-2625877</a:t>
-            </a:r>
-            <a:endParaRPr lang="cs-CZ" sz="1600" dirty="0">
+            <a:endParaRPr lang="cs-CZ" dirty="0">
               <a:cs typeface="Calibri"/>
-            </a:endParaRPr>
-          </a:p>
-          <a:p>
-            <a:r>
-              <a:rPr lang="cs-CZ" sz="1600" dirty="0" err="1">
-                <a:ea typeface="+mn-lt"/>
-                <a:cs typeface="+mn-lt"/>
-              </a:rPr>
-              <a:t>What</a:t>
-            </a:r>
-            <a:r>
-              <a:rPr lang="cs-CZ" sz="1600" dirty="0">
-                <a:ea typeface="+mn-lt"/>
-                <a:cs typeface="+mn-lt"/>
-              </a:rPr>
-              <a:t> </a:t>
-            </a:r>
-            <a:r>
-              <a:rPr lang="cs-CZ" sz="1600" dirty="0" err="1">
-                <a:ea typeface="+mn-lt"/>
-                <a:cs typeface="+mn-lt"/>
-              </a:rPr>
-              <a:t>Is</a:t>
-            </a:r>
-            <a:r>
-              <a:rPr lang="cs-CZ" sz="1600" dirty="0">
-                <a:ea typeface="+mn-lt"/>
-                <a:cs typeface="+mn-lt"/>
-              </a:rPr>
-              <a:t> NTFS and </a:t>
-            </a:r>
-            <a:r>
-              <a:rPr lang="cs-CZ" sz="1600" dirty="0" err="1">
-                <a:ea typeface="+mn-lt"/>
-                <a:cs typeface="+mn-lt"/>
-              </a:rPr>
-              <a:t>How</a:t>
-            </a:r>
-            <a:r>
-              <a:rPr lang="cs-CZ" sz="1600" dirty="0">
-                <a:ea typeface="+mn-lt"/>
-                <a:cs typeface="+mn-lt"/>
-              </a:rPr>
-              <a:t> </a:t>
-            </a:r>
-            <a:r>
-              <a:rPr lang="cs-CZ" sz="1600" dirty="0" err="1">
-                <a:ea typeface="+mn-lt"/>
-                <a:cs typeface="+mn-lt"/>
-              </a:rPr>
-              <a:t>Does</a:t>
-            </a:r>
-            <a:r>
-              <a:rPr lang="cs-CZ" sz="1600" dirty="0">
-                <a:ea typeface="+mn-lt"/>
-                <a:cs typeface="+mn-lt"/>
-              </a:rPr>
-              <a:t> It </a:t>
-            </a:r>
-            <a:r>
-              <a:rPr lang="cs-CZ" sz="1600" dirty="0" err="1">
-                <a:ea typeface="+mn-lt"/>
-                <a:cs typeface="+mn-lt"/>
-              </a:rPr>
-              <a:t>Work</a:t>
-            </a:r>
-            <a:r>
-              <a:rPr lang="cs-CZ" sz="1600" dirty="0">
-                <a:ea typeface="+mn-lt"/>
-                <a:cs typeface="+mn-lt"/>
-              </a:rPr>
-              <a:t>?. </a:t>
-            </a:r>
-            <a:r>
-              <a:rPr lang="cs-CZ" sz="1600" i="1" dirty="0" err="1">
-                <a:ea typeface="+mn-lt"/>
-                <a:cs typeface="+mn-lt"/>
-              </a:rPr>
-              <a:t>Datto</a:t>
-            </a:r>
-            <a:r>
-              <a:rPr lang="cs-CZ" sz="1600" i="1" dirty="0">
-                <a:ea typeface="+mn-lt"/>
-                <a:cs typeface="+mn-lt"/>
-              </a:rPr>
-              <a:t> | </a:t>
-            </a:r>
-            <a:r>
-              <a:rPr lang="cs-CZ" sz="1600" i="1" dirty="0" err="1">
-                <a:ea typeface="+mn-lt"/>
-                <a:cs typeface="+mn-lt"/>
-              </a:rPr>
-              <a:t>The</a:t>
-            </a:r>
-            <a:r>
-              <a:rPr lang="cs-CZ" sz="1600" i="1" dirty="0">
-                <a:ea typeface="+mn-lt"/>
-                <a:cs typeface="+mn-lt"/>
-              </a:rPr>
-              <a:t> </a:t>
-            </a:r>
-            <a:r>
-              <a:rPr lang="cs-CZ" sz="1600" i="1" dirty="0" err="1">
-                <a:ea typeface="+mn-lt"/>
-                <a:cs typeface="+mn-lt"/>
-              </a:rPr>
-              <a:t>Managed</a:t>
-            </a:r>
-            <a:r>
-              <a:rPr lang="cs-CZ" sz="1600" i="1" dirty="0">
-                <a:ea typeface="+mn-lt"/>
-                <a:cs typeface="+mn-lt"/>
-              </a:rPr>
-              <a:t> </a:t>
-            </a:r>
-            <a:r>
-              <a:rPr lang="cs-CZ" sz="1600" i="1" dirty="0" err="1">
-                <a:ea typeface="+mn-lt"/>
-                <a:cs typeface="+mn-lt"/>
-              </a:rPr>
-              <a:t>Service</a:t>
-            </a:r>
-            <a:r>
-              <a:rPr lang="cs-CZ" sz="1600" i="1" dirty="0">
-                <a:ea typeface="+mn-lt"/>
-                <a:cs typeface="+mn-lt"/>
-              </a:rPr>
-              <a:t> Provider Technology </a:t>
-            </a:r>
-            <a:r>
-              <a:rPr lang="cs-CZ" sz="1600" i="1" dirty="0" err="1">
-                <a:ea typeface="+mn-lt"/>
-                <a:cs typeface="+mn-lt"/>
-              </a:rPr>
-              <a:t>Company</a:t>
-            </a:r>
-            <a:r>
-              <a:rPr lang="cs-CZ" sz="1600" dirty="0">
-                <a:ea typeface="+mn-lt"/>
-                <a:cs typeface="+mn-lt"/>
-              </a:rPr>
-              <a:t> [online]. Dostupné z: </a:t>
-            </a:r>
-            <a:r>
-              <a:rPr lang="cs-CZ" sz="1600" dirty="0">
-                <a:ea typeface="+mn-lt"/>
-                <a:cs typeface="+mn-lt"/>
-                <a:hlinkClick r:id="rId5"/>
-              </a:rPr>
-              <a:t>https://www.datto.com/blog/what-is-ntfs-and-how-does-it-work</a:t>
-            </a:r>
-            <a:endParaRPr lang="cs-CZ" sz="1600" dirty="0">
-              <a:cs typeface="Calibri"/>
-            </a:endParaRPr>
-          </a:p>
-          <a:p>
-            <a:r>
-              <a:rPr lang="cs-CZ" sz="1600" dirty="0" err="1">
-                <a:ea typeface="+mn-lt"/>
-                <a:cs typeface="+mn-lt"/>
-              </a:rPr>
-              <a:t>What</a:t>
-            </a:r>
-            <a:r>
-              <a:rPr lang="cs-CZ" sz="1600" dirty="0">
-                <a:ea typeface="+mn-lt"/>
-                <a:cs typeface="+mn-lt"/>
-              </a:rPr>
-              <a:t> </a:t>
-            </a:r>
-            <a:r>
-              <a:rPr lang="cs-CZ" sz="1600" dirty="0" err="1">
-                <a:ea typeface="+mn-lt"/>
-                <a:cs typeface="+mn-lt"/>
-              </a:rPr>
-              <a:t>Is</a:t>
-            </a:r>
-            <a:r>
-              <a:rPr lang="cs-CZ" sz="1600" dirty="0">
-                <a:ea typeface="+mn-lt"/>
-                <a:cs typeface="+mn-lt"/>
-              </a:rPr>
-              <a:t> NTFS And </a:t>
-            </a:r>
-            <a:r>
-              <a:rPr lang="cs-CZ" sz="1600" dirty="0" err="1">
-                <a:ea typeface="+mn-lt"/>
-                <a:cs typeface="+mn-lt"/>
-              </a:rPr>
-              <a:t>How</a:t>
-            </a:r>
-            <a:r>
-              <a:rPr lang="cs-CZ" sz="1600" dirty="0">
-                <a:ea typeface="+mn-lt"/>
-                <a:cs typeface="+mn-lt"/>
-              </a:rPr>
-              <a:t> </a:t>
-            </a:r>
-            <a:r>
-              <a:rPr lang="cs-CZ" sz="1600" dirty="0" err="1">
-                <a:ea typeface="+mn-lt"/>
-                <a:cs typeface="+mn-lt"/>
-              </a:rPr>
-              <a:t>Does</a:t>
-            </a:r>
-            <a:r>
-              <a:rPr lang="cs-CZ" sz="1600" dirty="0">
-                <a:ea typeface="+mn-lt"/>
-                <a:cs typeface="+mn-lt"/>
-              </a:rPr>
-              <a:t> It </a:t>
-            </a:r>
-            <a:r>
-              <a:rPr lang="cs-CZ" sz="1600" dirty="0" err="1">
-                <a:ea typeface="+mn-lt"/>
-                <a:cs typeface="+mn-lt"/>
-              </a:rPr>
-              <a:t>Work</a:t>
-            </a:r>
-            <a:r>
-              <a:rPr lang="cs-CZ" sz="1600" dirty="0">
-                <a:ea typeface="+mn-lt"/>
-                <a:cs typeface="+mn-lt"/>
-              </a:rPr>
-              <a:t>?. </a:t>
-            </a:r>
-            <a:r>
-              <a:rPr lang="cs-CZ" sz="1600" i="1" dirty="0" err="1">
-                <a:ea typeface="+mn-lt"/>
-                <a:cs typeface="+mn-lt"/>
-              </a:rPr>
-              <a:t>Purchase</a:t>
-            </a:r>
-            <a:r>
-              <a:rPr lang="cs-CZ" sz="1600" i="1" dirty="0">
-                <a:ea typeface="+mn-lt"/>
-                <a:cs typeface="+mn-lt"/>
-              </a:rPr>
-              <a:t> </a:t>
-            </a:r>
-            <a:r>
-              <a:rPr lang="cs-CZ" sz="1600" i="1" dirty="0" err="1">
-                <a:ea typeface="+mn-lt"/>
-                <a:cs typeface="+mn-lt"/>
-              </a:rPr>
-              <a:t>Intent</a:t>
-            </a:r>
-            <a:r>
-              <a:rPr lang="cs-CZ" sz="1600" i="1" dirty="0">
-                <a:ea typeface="+mn-lt"/>
-                <a:cs typeface="+mn-lt"/>
-              </a:rPr>
-              <a:t> Data </a:t>
-            </a:r>
-            <a:r>
-              <a:rPr lang="cs-CZ" sz="1600" i="1" dirty="0" err="1">
-                <a:ea typeface="+mn-lt"/>
-                <a:cs typeface="+mn-lt"/>
-              </a:rPr>
-              <a:t>for</a:t>
-            </a:r>
-            <a:r>
-              <a:rPr lang="cs-CZ" sz="1600" i="1" dirty="0">
-                <a:ea typeface="+mn-lt"/>
-                <a:cs typeface="+mn-lt"/>
-              </a:rPr>
-              <a:t> </a:t>
-            </a:r>
-            <a:r>
-              <a:rPr lang="cs-CZ" sz="1600" i="1" dirty="0" err="1">
-                <a:ea typeface="+mn-lt"/>
-                <a:cs typeface="+mn-lt"/>
-              </a:rPr>
-              <a:t>Enterprise</a:t>
-            </a:r>
-            <a:r>
-              <a:rPr lang="cs-CZ" sz="1600" i="1" dirty="0">
-                <a:ea typeface="+mn-lt"/>
-                <a:cs typeface="+mn-lt"/>
-              </a:rPr>
-              <a:t> Tech Sales and Marketing - </a:t>
-            </a:r>
-            <a:r>
-              <a:rPr lang="cs-CZ" sz="1600" i="1" dirty="0" err="1">
-                <a:ea typeface="+mn-lt"/>
-                <a:cs typeface="+mn-lt"/>
-              </a:rPr>
-              <a:t>TechTarget</a:t>
-            </a:r>
-            <a:r>
-              <a:rPr lang="cs-CZ" sz="1600" dirty="0">
-                <a:ea typeface="+mn-lt"/>
-                <a:cs typeface="+mn-lt"/>
-              </a:rPr>
-              <a:t> [online]. Dostupné z: </a:t>
-            </a:r>
-            <a:r>
-              <a:rPr lang="cs-CZ" sz="1600" dirty="0">
-                <a:ea typeface="+mn-lt"/>
-                <a:cs typeface="+mn-lt"/>
-                <a:hlinkClick r:id="rId6"/>
-              </a:rPr>
-              <a:t>https://www.techtarget.com/searchwindowsserver/definition/NTFS</a:t>
-            </a:r>
-            <a:endParaRPr lang="cs-CZ" sz="1600" dirty="0">
-              <a:ea typeface="+mn-lt"/>
-              <a:cs typeface="+mn-lt"/>
             </a:endParaRPr>
           </a:p>
         </p:txBody>
@@ -8275,16 +7728,13 @@
     </p:spTree>
     <p:extLst>
       <p:ext uri="{BB962C8B-B14F-4D97-AF65-F5344CB8AC3E}">
-        <p14:creationId xmlns:p14="http://schemas.microsoft.com/office/powerpoint/2010/main" val="2811926269"/>
+        <p14:creationId xmlns:p14="http://schemas.microsoft.com/office/powerpoint/2010/main" val="992021739"/>
       </p:ext>
     </p:extLst>
   </p:cSld>
   <p:clrMapOvr>
     <a:masterClrMapping/>
   </p:clrMapOvr>
-  <p:transition spd="slow">
-    <p:push dir="u"/>
-  </p:transition>
 </p:sld>
 </file>
 
@@ -8310,7 +7760,7 @@
           <p:cNvPr id="2" name="Nadpis 1">
             <a:extLst>
               <a:ext uri="{FF2B5EF4-FFF2-40B4-BE49-F238E27FC236}">
-                <a16:creationId xmlns:a16="http://schemas.microsoft.com/office/drawing/2014/main" id="{B8A1DF9E-67E4-E91F-902E-895F20E1B711}"/>
+                <a16:creationId xmlns:a16="http://schemas.microsoft.com/office/drawing/2014/main" id="{BBD8027A-59C4-39E3-C4CF-6C97C679F569}"/>
               </a:ext>
             </a:extLst>
           </p:cNvPr>
@@ -8327,12 +7777,12 @@
           <a:lstStyle/>
           <a:p>
             <a:r>
-              <a:rPr lang="cs-CZ" dirty="0" err="1">
+              <a:rPr lang="cs-CZ">
                 <a:cs typeface="Calibri Light"/>
               </a:rPr>
-              <a:t>Github</a:t>
-            </a:r>
-            <a:endParaRPr lang="cs-CZ" dirty="0" err="1"/>
+              <a:t>Zdroje</a:t>
+            </a:r>
+            <a:endParaRPr lang="cs-CZ"/>
           </a:p>
         </p:txBody>
       </p:sp>
@@ -8341,7 +7791,7 @@
           <p:cNvPr id="3" name="Zástupný obsah 2">
             <a:extLst>
               <a:ext uri="{FF2B5EF4-FFF2-40B4-BE49-F238E27FC236}">
-                <a16:creationId xmlns:a16="http://schemas.microsoft.com/office/drawing/2014/main" id="{6F1C2E8B-215C-5718-EB48-D4007CCE52E4}"/>
+                <a16:creationId xmlns:a16="http://schemas.microsoft.com/office/drawing/2014/main" id="{98181083-249A-E653-7E0C-04A418CE52D8}"/>
               </a:ext>
             </a:extLst>
           </p:cNvPr>
@@ -8360,26 +7810,761 @@
           <a:lstStyle/>
           <a:p>
             <a:r>
-              <a:rPr lang="cs-CZ" dirty="0">
-                <a:ea typeface="+mn-lt"/>
-                <a:cs typeface="+mn-lt"/>
-              </a:rPr>
-              <a:t>https://github.com/horvos/souborovesystemy</a:t>
-            </a:r>
-            <a:endParaRPr lang="cs-CZ"/>
+              <a:rPr lang="cs-CZ" sz="1600" err="1">
+                <a:ea typeface="+mn-lt"/>
+                <a:cs typeface="+mn-lt"/>
+              </a:rPr>
+              <a:t>What</a:t>
+            </a:r>
+            <a:r>
+              <a:rPr lang="cs-CZ" sz="1600">
+                <a:ea typeface="+mn-lt"/>
+                <a:cs typeface="+mn-lt"/>
+              </a:rPr>
+              <a:t> </a:t>
+            </a:r>
+            <a:r>
+              <a:rPr lang="cs-CZ" sz="1600" err="1">
+                <a:ea typeface="+mn-lt"/>
+                <a:cs typeface="+mn-lt"/>
+              </a:rPr>
+              <a:t>is</a:t>
+            </a:r>
+            <a:r>
+              <a:rPr lang="cs-CZ" sz="1600">
+                <a:ea typeface="+mn-lt"/>
+                <a:cs typeface="+mn-lt"/>
+              </a:rPr>
+              <a:t> a </a:t>
+            </a:r>
+            <a:r>
+              <a:rPr lang="cs-CZ" sz="1600" err="1">
+                <a:ea typeface="+mn-lt"/>
+                <a:cs typeface="+mn-lt"/>
+              </a:rPr>
+              <a:t>File</a:t>
+            </a:r>
+            <a:r>
+              <a:rPr lang="cs-CZ" sz="1600">
+                <a:ea typeface="+mn-lt"/>
+                <a:cs typeface="+mn-lt"/>
+              </a:rPr>
+              <a:t> </a:t>
+            </a:r>
+            <a:r>
+              <a:rPr lang="cs-CZ" sz="1600" err="1">
+                <a:ea typeface="+mn-lt"/>
+                <a:cs typeface="+mn-lt"/>
+              </a:rPr>
+              <a:t>System</a:t>
+            </a:r>
+            <a:r>
+              <a:rPr lang="cs-CZ" sz="1600">
+                <a:ea typeface="+mn-lt"/>
+                <a:cs typeface="+mn-lt"/>
+              </a:rPr>
+              <a:t>?. </a:t>
+            </a:r>
+            <a:r>
+              <a:rPr lang="cs-CZ" sz="1600" i="1" err="1">
+                <a:ea typeface="+mn-lt"/>
+                <a:cs typeface="+mn-lt"/>
+              </a:rPr>
+              <a:t>Purchase</a:t>
+            </a:r>
+            <a:r>
+              <a:rPr lang="cs-CZ" sz="1600" i="1">
+                <a:ea typeface="+mn-lt"/>
+                <a:cs typeface="+mn-lt"/>
+              </a:rPr>
+              <a:t> </a:t>
+            </a:r>
+            <a:r>
+              <a:rPr lang="cs-CZ" sz="1600" i="1" err="1">
+                <a:ea typeface="+mn-lt"/>
+                <a:cs typeface="+mn-lt"/>
+              </a:rPr>
+              <a:t>Intent</a:t>
+            </a:r>
+            <a:r>
+              <a:rPr lang="cs-CZ" sz="1600" i="1">
+                <a:ea typeface="+mn-lt"/>
+                <a:cs typeface="+mn-lt"/>
+              </a:rPr>
+              <a:t> Data </a:t>
+            </a:r>
+            <a:r>
+              <a:rPr lang="cs-CZ" sz="1600" i="1" err="1">
+                <a:ea typeface="+mn-lt"/>
+                <a:cs typeface="+mn-lt"/>
+              </a:rPr>
+              <a:t>for</a:t>
+            </a:r>
+            <a:r>
+              <a:rPr lang="cs-CZ" sz="1600" i="1">
+                <a:ea typeface="+mn-lt"/>
+                <a:cs typeface="+mn-lt"/>
+              </a:rPr>
+              <a:t> </a:t>
+            </a:r>
+            <a:r>
+              <a:rPr lang="cs-CZ" sz="1600" i="1" err="1">
+                <a:ea typeface="+mn-lt"/>
+                <a:cs typeface="+mn-lt"/>
+              </a:rPr>
+              <a:t>Enterprise</a:t>
+            </a:r>
+            <a:r>
+              <a:rPr lang="cs-CZ" sz="1600" i="1">
+                <a:ea typeface="+mn-lt"/>
+                <a:cs typeface="+mn-lt"/>
+              </a:rPr>
+              <a:t> Tech Sales and Marketing - </a:t>
+            </a:r>
+            <a:r>
+              <a:rPr lang="cs-CZ" sz="1600" i="1" err="1">
+                <a:ea typeface="+mn-lt"/>
+                <a:cs typeface="+mn-lt"/>
+              </a:rPr>
+              <a:t>TechTarget</a:t>
+            </a:r>
+            <a:r>
+              <a:rPr lang="cs-CZ" sz="1600">
+                <a:ea typeface="+mn-lt"/>
+                <a:cs typeface="+mn-lt"/>
+              </a:rPr>
+              <a:t> [online]. Dostupné z: </a:t>
+            </a:r>
+            <a:r>
+              <a:rPr lang="cs-CZ" sz="1600">
+                <a:ea typeface="+mn-lt"/>
+                <a:cs typeface="+mn-lt"/>
+                <a:hlinkClick r:id="rId2"/>
+              </a:rPr>
+              <a:t>https://www.techtarget.com/searchstorage/definition/file-system</a:t>
+            </a:r>
+            <a:endParaRPr lang="cs-CZ" sz="1600">
+              <a:cs typeface="Calibri"/>
+            </a:endParaRPr>
+          </a:p>
+          <a:p>
+            <a:r>
+              <a:rPr lang="cs-CZ" sz="1600" err="1">
+                <a:ea typeface="+mn-lt"/>
+                <a:cs typeface="+mn-lt"/>
+              </a:rPr>
+              <a:t>What</a:t>
+            </a:r>
+            <a:r>
+              <a:rPr lang="cs-CZ" sz="1600">
+                <a:ea typeface="+mn-lt"/>
+                <a:cs typeface="+mn-lt"/>
+              </a:rPr>
+              <a:t> </a:t>
+            </a:r>
+            <a:r>
+              <a:rPr lang="cs-CZ" sz="1600" err="1">
+                <a:ea typeface="+mn-lt"/>
+                <a:cs typeface="+mn-lt"/>
+              </a:rPr>
+              <a:t>is</a:t>
+            </a:r>
+            <a:r>
+              <a:rPr lang="cs-CZ" sz="1600">
+                <a:ea typeface="+mn-lt"/>
+                <a:cs typeface="+mn-lt"/>
+              </a:rPr>
+              <a:t> </a:t>
+            </a:r>
+            <a:r>
+              <a:rPr lang="cs-CZ" sz="1600" err="1">
+                <a:ea typeface="+mn-lt"/>
+                <a:cs typeface="+mn-lt"/>
+              </a:rPr>
+              <a:t>File</a:t>
+            </a:r>
+            <a:r>
+              <a:rPr lang="cs-CZ" sz="1600">
+                <a:ea typeface="+mn-lt"/>
+                <a:cs typeface="+mn-lt"/>
+              </a:rPr>
+              <a:t> </a:t>
+            </a:r>
+            <a:r>
+              <a:rPr lang="cs-CZ" sz="1600" err="1">
+                <a:ea typeface="+mn-lt"/>
+                <a:cs typeface="+mn-lt"/>
+              </a:rPr>
+              <a:t>Allocation</a:t>
+            </a:r>
+            <a:r>
+              <a:rPr lang="cs-CZ" sz="1600">
+                <a:ea typeface="+mn-lt"/>
+                <a:cs typeface="+mn-lt"/>
+              </a:rPr>
+              <a:t> Table (FAT)?. </a:t>
+            </a:r>
+            <a:r>
+              <a:rPr lang="cs-CZ" sz="1600" i="1" err="1">
+                <a:ea typeface="+mn-lt"/>
+                <a:cs typeface="+mn-lt"/>
+              </a:rPr>
+              <a:t>Purchase</a:t>
+            </a:r>
+            <a:r>
+              <a:rPr lang="cs-CZ" sz="1600" i="1">
+                <a:ea typeface="+mn-lt"/>
+                <a:cs typeface="+mn-lt"/>
+              </a:rPr>
+              <a:t> </a:t>
+            </a:r>
+            <a:r>
+              <a:rPr lang="cs-CZ" sz="1600" i="1" err="1">
+                <a:ea typeface="+mn-lt"/>
+                <a:cs typeface="+mn-lt"/>
+              </a:rPr>
+              <a:t>Intent</a:t>
+            </a:r>
+            <a:r>
+              <a:rPr lang="cs-CZ" sz="1600" i="1">
+                <a:ea typeface="+mn-lt"/>
+                <a:cs typeface="+mn-lt"/>
+              </a:rPr>
+              <a:t> Data </a:t>
+            </a:r>
+            <a:r>
+              <a:rPr lang="cs-CZ" sz="1600" i="1" err="1">
+                <a:ea typeface="+mn-lt"/>
+                <a:cs typeface="+mn-lt"/>
+              </a:rPr>
+              <a:t>for</a:t>
+            </a:r>
+            <a:r>
+              <a:rPr lang="cs-CZ" sz="1600" i="1">
+                <a:ea typeface="+mn-lt"/>
+                <a:cs typeface="+mn-lt"/>
+              </a:rPr>
+              <a:t> </a:t>
+            </a:r>
+            <a:r>
+              <a:rPr lang="cs-CZ" sz="1600" i="1" err="1">
+                <a:ea typeface="+mn-lt"/>
+                <a:cs typeface="+mn-lt"/>
+              </a:rPr>
+              <a:t>Enterprise</a:t>
+            </a:r>
+            <a:r>
+              <a:rPr lang="cs-CZ" sz="1600" i="1">
+                <a:ea typeface="+mn-lt"/>
+                <a:cs typeface="+mn-lt"/>
+              </a:rPr>
+              <a:t> Tech Sales and Marketing - </a:t>
+            </a:r>
+            <a:r>
+              <a:rPr lang="cs-CZ" sz="1600" i="1" err="1">
+                <a:ea typeface="+mn-lt"/>
+                <a:cs typeface="+mn-lt"/>
+              </a:rPr>
+              <a:t>TechTarget</a:t>
+            </a:r>
+            <a:r>
+              <a:rPr lang="cs-CZ" sz="1600">
+                <a:ea typeface="+mn-lt"/>
+                <a:cs typeface="+mn-lt"/>
+              </a:rPr>
+              <a:t> [online]. Dostupné z: </a:t>
+            </a:r>
+            <a:r>
+              <a:rPr lang="cs-CZ" sz="1600">
+                <a:ea typeface="+mn-lt"/>
+                <a:cs typeface="+mn-lt"/>
+                <a:hlinkClick r:id="rId3"/>
+              </a:rPr>
+              <a:t>https://www.techtarget.com/whatis/definition/file-allocation-table-FAT</a:t>
+            </a:r>
+            <a:endParaRPr lang="cs-CZ" sz="1600">
+              <a:ea typeface="+mn-lt"/>
+              <a:cs typeface="+mn-lt"/>
+            </a:endParaRPr>
+          </a:p>
+          <a:p>
+            <a:r>
+              <a:rPr lang="cs-CZ" sz="1600" err="1">
+                <a:ea typeface="+mn-lt"/>
+                <a:cs typeface="+mn-lt"/>
+              </a:rPr>
+              <a:t>What</a:t>
+            </a:r>
+            <a:r>
+              <a:rPr lang="cs-CZ" sz="1600">
+                <a:ea typeface="+mn-lt"/>
+                <a:cs typeface="+mn-lt"/>
+              </a:rPr>
+              <a:t> </a:t>
+            </a:r>
+            <a:r>
+              <a:rPr lang="cs-CZ" sz="1600" err="1">
+                <a:ea typeface="+mn-lt"/>
+                <a:cs typeface="+mn-lt"/>
+              </a:rPr>
+              <a:t>Is</a:t>
+            </a:r>
+            <a:r>
+              <a:rPr lang="cs-CZ" sz="1600">
+                <a:ea typeface="+mn-lt"/>
+                <a:cs typeface="+mn-lt"/>
+              </a:rPr>
+              <a:t> </a:t>
+            </a:r>
+            <a:r>
+              <a:rPr lang="cs-CZ" sz="1600" err="1">
+                <a:ea typeface="+mn-lt"/>
+                <a:cs typeface="+mn-lt"/>
+              </a:rPr>
+              <a:t>File</a:t>
+            </a:r>
+            <a:r>
+              <a:rPr lang="cs-CZ" sz="1600">
+                <a:ea typeface="+mn-lt"/>
+                <a:cs typeface="+mn-lt"/>
+              </a:rPr>
+              <a:t> </a:t>
+            </a:r>
+            <a:r>
+              <a:rPr lang="cs-CZ" sz="1600" err="1">
+                <a:ea typeface="+mn-lt"/>
+                <a:cs typeface="+mn-lt"/>
+              </a:rPr>
+              <a:t>Allocation</a:t>
+            </a:r>
+            <a:r>
+              <a:rPr lang="cs-CZ" sz="1600">
+                <a:ea typeface="+mn-lt"/>
+                <a:cs typeface="+mn-lt"/>
+              </a:rPr>
+              <a:t> Table (FAT)?. </a:t>
+            </a:r>
+            <a:r>
+              <a:rPr lang="cs-CZ" sz="1600" i="1" err="1">
+                <a:ea typeface="+mn-lt"/>
+                <a:cs typeface="+mn-lt"/>
+              </a:rPr>
+              <a:t>Lifewire</a:t>
+            </a:r>
+            <a:r>
+              <a:rPr lang="cs-CZ" sz="1600" i="1">
+                <a:ea typeface="+mn-lt"/>
+                <a:cs typeface="+mn-lt"/>
+              </a:rPr>
+              <a:t>: Tech </a:t>
+            </a:r>
+            <a:r>
+              <a:rPr lang="cs-CZ" sz="1600" i="1" err="1">
+                <a:ea typeface="+mn-lt"/>
+                <a:cs typeface="+mn-lt"/>
+              </a:rPr>
+              <a:t>News</a:t>
+            </a:r>
+            <a:r>
+              <a:rPr lang="cs-CZ" sz="1600" i="1">
+                <a:ea typeface="+mn-lt"/>
+                <a:cs typeface="+mn-lt"/>
+              </a:rPr>
+              <a:t>, </a:t>
+            </a:r>
+            <a:r>
+              <a:rPr lang="cs-CZ" sz="1600" i="1" err="1">
+                <a:ea typeface="+mn-lt"/>
+                <a:cs typeface="+mn-lt"/>
+              </a:rPr>
+              <a:t>Reviews</a:t>
+            </a:r>
+            <a:r>
+              <a:rPr lang="cs-CZ" sz="1600" i="1">
+                <a:ea typeface="+mn-lt"/>
+                <a:cs typeface="+mn-lt"/>
+              </a:rPr>
+              <a:t>, </a:t>
+            </a:r>
+            <a:r>
+              <a:rPr lang="cs-CZ" sz="1600" i="1" err="1">
+                <a:ea typeface="+mn-lt"/>
+                <a:cs typeface="+mn-lt"/>
+              </a:rPr>
+              <a:t>Help</a:t>
+            </a:r>
+            <a:r>
+              <a:rPr lang="cs-CZ" sz="1600" i="1">
+                <a:ea typeface="+mn-lt"/>
+                <a:cs typeface="+mn-lt"/>
+              </a:rPr>
+              <a:t> &amp; </a:t>
+            </a:r>
+            <a:r>
+              <a:rPr lang="cs-CZ" sz="1600" i="1" err="1">
+                <a:ea typeface="+mn-lt"/>
+                <a:cs typeface="+mn-lt"/>
+              </a:rPr>
+              <a:t>How-Tos</a:t>
+            </a:r>
+            <a:r>
+              <a:rPr lang="cs-CZ" sz="1600">
+                <a:ea typeface="+mn-lt"/>
+                <a:cs typeface="+mn-lt"/>
+              </a:rPr>
+              <a:t> [online]. Dostupné z: </a:t>
+            </a:r>
+            <a:r>
+              <a:rPr lang="cs-CZ" sz="1600">
+                <a:ea typeface="+mn-lt"/>
+                <a:cs typeface="+mn-lt"/>
+                <a:hlinkClick r:id="rId4"/>
+              </a:rPr>
+              <a:t>https://www.lifewire.com/what-is-file-allocation-table-fat-2625877</a:t>
+            </a:r>
+            <a:endParaRPr lang="cs-CZ" sz="1600">
+              <a:cs typeface="Calibri"/>
+            </a:endParaRPr>
+          </a:p>
+          <a:p>
+            <a:r>
+              <a:rPr lang="cs-CZ" sz="1600" err="1">
+                <a:ea typeface="+mn-lt"/>
+                <a:cs typeface="+mn-lt"/>
+              </a:rPr>
+              <a:t>What</a:t>
+            </a:r>
+            <a:r>
+              <a:rPr lang="cs-CZ" sz="1600">
+                <a:ea typeface="+mn-lt"/>
+                <a:cs typeface="+mn-lt"/>
+              </a:rPr>
+              <a:t> </a:t>
+            </a:r>
+            <a:r>
+              <a:rPr lang="cs-CZ" sz="1600" err="1">
+                <a:ea typeface="+mn-lt"/>
+                <a:cs typeface="+mn-lt"/>
+              </a:rPr>
+              <a:t>Is</a:t>
+            </a:r>
+            <a:r>
+              <a:rPr lang="cs-CZ" sz="1600">
+                <a:ea typeface="+mn-lt"/>
+                <a:cs typeface="+mn-lt"/>
+              </a:rPr>
+              <a:t> NTFS and </a:t>
+            </a:r>
+            <a:r>
+              <a:rPr lang="cs-CZ" sz="1600" err="1">
+                <a:ea typeface="+mn-lt"/>
+                <a:cs typeface="+mn-lt"/>
+              </a:rPr>
+              <a:t>How</a:t>
+            </a:r>
+            <a:r>
+              <a:rPr lang="cs-CZ" sz="1600">
+                <a:ea typeface="+mn-lt"/>
+                <a:cs typeface="+mn-lt"/>
+              </a:rPr>
+              <a:t> </a:t>
+            </a:r>
+            <a:r>
+              <a:rPr lang="cs-CZ" sz="1600" err="1">
+                <a:ea typeface="+mn-lt"/>
+                <a:cs typeface="+mn-lt"/>
+              </a:rPr>
+              <a:t>Does</a:t>
+            </a:r>
+            <a:r>
+              <a:rPr lang="cs-CZ" sz="1600">
+                <a:ea typeface="+mn-lt"/>
+                <a:cs typeface="+mn-lt"/>
+              </a:rPr>
+              <a:t> It </a:t>
+            </a:r>
+            <a:r>
+              <a:rPr lang="cs-CZ" sz="1600" err="1">
+                <a:ea typeface="+mn-lt"/>
+                <a:cs typeface="+mn-lt"/>
+              </a:rPr>
+              <a:t>Work</a:t>
+            </a:r>
+            <a:r>
+              <a:rPr lang="cs-CZ" sz="1600">
+                <a:ea typeface="+mn-lt"/>
+                <a:cs typeface="+mn-lt"/>
+              </a:rPr>
+              <a:t>?. </a:t>
+            </a:r>
+            <a:r>
+              <a:rPr lang="cs-CZ" sz="1600" i="1" err="1">
+                <a:ea typeface="+mn-lt"/>
+                <a:cs typeface="+mn-lt"/>
+              </a:rPr>
+              <a:t>Datto</a:t>
+            </a:r>
+            <a:r>
+              <a:rPr lang="cs-CZ" sz="1600" i="1">
+                <a:ea typeface="+mn-lt"/>
+                <a:cs typeface="+mn-lt"/>
+              </a:rPr>
+              <a:t> | </a:t>
+            </a:r>
+            <a:r>
+              <a:rPr lang="cs-CZ" sz="1600" i="1" err="1">
+                <a:ea typeface="+mn-lt"/>
+                <a:cs typeface="+mn-lt"/>
+              </a:rPr>
+              <a:t>The</a:t>
+            </a:r>
+            <a:r>
+              <a:rPr lang="cs-CZ" sz="1600" i="1">
+                <a:ea typeface="+mn-lt"/>
+                <a:cs typeface="+mn-lt"/>
+              </a:rPr>
+              <a:t> </a:t>
+            </a:r>
+            <a:r>
+              <a:rPr lang="cs-CZ" sz="1600" i="1" err="1">
+                <a:ea typeface="+mn-lt"/>
+                <a:cs typeface="+mn-lt"/>
+              </a:rPr>
+              <a:t>Managed</a:t>
+            </a:r>
+            <a:r>
+              <a:rPr lang="cs-CZ" sz="1600" i="1">
+                <a:ea typeface="+mn-lt"/>
+                <a:cs typeface="+mn-lt"/>
+              </a:rPr>
+              <a:t> </a:t>
+            </a:r>
+            <a:r>
+              <a:rPr lang="cs-CZ" sz="1600" i="1" err="1">
+                <a:ea typeface="+mn-lt"/>
+                <a:cs typeface="+mn-lt"/>
+              </a:rPr>
+              <a:t>Service</a:t>
+            </a:r>
+            <a:r>
+              <a:rPr lang="cs-CZ" sz="1600" i="1">
+                <a:ea typeface="+mn-lt"/>
+                <a:cs typeface="+mn-lt"/>
+              </a:rPr>
+              <a:t> Provider Technology </a:t>
+            </a:r>
+            <a:r>
+              <a:rPr lang="cs-CZ" sz="1600" i="1" err="1">
+                <a:ea typeface="+mn-lt"/>
+                <a:cs typeface="+mn-lt"/>
+              </a:rPr>
+              <a:t>Company</a:t>
+            </a:r>
+            <a:r>
+              <a:rPr lang="cs-CZ" sz="1600">
+                <a:ea typeface="+mn-lt"/>
+                <a:cs typeface="+mn-lt"/>
+              </a:rPr>
+              <a:t> [online]. Dostupné z: </a:t>
+            </a:r>
+            <a:r>
+              <a:rPr lang="cs-CZ" sz="1600">
+                <a:ea typeface="+mn-lt"/>
+                <a:cs typeface="+mn-lt"/>
+                <a:hlinkClick r:id="rId5"/>
+              </a:rPr>
+              <a:t>https://www.datto.com/blog/what-is-ntfs-and-how-does-it-work</a:t>
+            </a:r>
+            <a:endParaRPr lang="cs-CZ" sz="1600">
+              <a:cs typeface="Calibri"/>
+            </a:endParaRPr>
+          </a:p>
+          <a:p>
+            <a:r>
+              <a:rPr lang="cs-CZ" sz="1600" err="1">
+                <a:ea typeface="+mn-lt"/>
+                <a:cs typeface="+mn-lt"/>
+              </a:rPr>
+              <a:t>What</a:t>
+            </a:r>
+            <a:r>
+              <a:rPr lang="cs-CZ" sz="1600">
+                <a:ea typeface="+mn-lt"/>
+                <a:cs typeface="+mn-lt"/>
+              </a:rPr>
+              <a:t> </a:t>
+            </a:r>
+            <a:r>
+              <a:rPr lang="cs-CZ" sz="1600" err="1">
+                <a:ea typeface="+mn-lt"/>
+                <a:cs typeface="+mn-lt"/>
+              </a:rPr>
+              <a:t>Is</a:t>
+            </a:r>
+            <a:r>
+              <a:rPr lang="cs-CZ" sz="1600">
+                <a:ea typeface="+mn-lt"/>
+                <a:cs typeface="+mn-lt"/>
+              </a:rPr>
+              <a:t> NTFS And </a:t>
+            </a:r>
+            <a:r>
+              <a:rPr lang="cs-CZ" sz="1600" err="1">
+                <a:ea typeface="+mn-lt"/>
+                <a:cs typeface="+mn-lt"/>
+              </a:rPr>
+              <a:t>How</a:t>
+            </a:r>
+            <a:r>
+              <a:rPr lang="cs-CZ" sz="1600">
+                <a:ea typeface="+mn-lt"/>
+                <a:cs typeface="+mn-lt"/>
+              </a:rPr>
+              <a:t> </a:t>
+            </a:r>
+            <a:r>
+              <a:rPr lang="cs-CZ" sz="1600" err="1">
+                <a:ea typeface="+mn-lt"/>
+                <a:cs typeface="+mn-lt"/>
+              </a:rPr>
+              <a:t>Does</a:t>
+            </a:r>
+            <a:r>
+              <a:rPr lang="cs-CZ" sz="1600">
+                <a:ea typeface="+mn-lt"/>
+                <a:cs typeface="+mn-lt"/>
+              </a:rPr>
+              <a:t> It </a:t>
+            </a:r>
+            <a:r>
+              <a:rPr lang="cs-CZ" sz="1600" err="1">
+                <a:ea typeface="+mn-lt"/>
+                <a:cs typeface="+mn-lt"/>
+              </a:rPr>
+              <a:t>Work</a:t>
+            </a:r>
+            <a:r>
+              <a:rPr lang="cs-CZ" sz="1600">
+                <a:ea typeface="+mn-lt"/>
+                <a:cs typeface="+mn-lt"/>
+              </a:rPr>
+              <a:t>?. </a:t>
+            </a:r>
+            <a:r>
+              <a:rPr lang="cs-CZ" sz="1600" i="1" err="1">
+                <a:ea typeface="+mn-lt"/>
+                <a:cs typeface="+mn-lt"/>
+              </a:rPr>
+              <a:t>Purchase</a:t>
+            </a:r>
+            <a:r>
+              <a:rPr lang="cs-CZ" sz="1600" i="1">
+                <a:ea typeface="+mn-lt"/>
+                <a:cs typeface="+mn-lt"/>
+              </a:rPr>
+              <a:t> </a:t>
+            </a:r>
+            <a:r>
+              <a:rPr lang="cs-CZ" sz="1600" i="1" err="1">
+                <a:ea typeface="+mn-lt"/>
+                <a:cs typeface="+mn-lt"/>
+              </a:rPr>
+              <a:t>Intent</a:t>
+            </a:r>
+            <a:r>
+              <a:rPr lang="cs-CZ" sz="1600" i="1">
+                <a:ea typeface="+mn-lt"/>
+                <a:cs typeface="+mn-lt"/>
+              </a:rPr>
+              <a:t> Data </a:t>
+            </a:r>
+            <a:r>
+              <a:rPr lang="cs-CZ" sz="1600" i="1" err="1">
+                <a:ea typeface="+mn-lt"/>
+                <a:cs typeface="+mn-lt"/>
+              </a:rPr>
+              <a:t>for</a:t>
+            </a:r>
+            <a:r>
+              <a:rPr lang="cs-CZ" sz="1600" i="1">
+                <a:ea typeface="+mn-lt"/>
+                <a:cs typeface="+mn-lt"/>
+              </a:rPr>
+              <a:t> </a:t>
+            </a:r>
+            <a:r>
+              <a:rPr lang="cs-CZ" sz="1600" i="1" err="1">
+                <a:ea typeface="+mn-lt"/>
+                <a:cs typeface="+mn-lt"/>
+              </a:rPr>
+              <a:t>Enterprise</a:t>
+            </a:r>
+            <a:r>
+              <a:rPr lang="cs-CZ" sz="1600" i="1">
+                <a:ea typeface="+mn-lt"/>
+                <a:cs typeface="+mn-lt"/>
+              </a:rPr>
+              <a:t> Tech Sales and Marketing - </a:t>
+            </a:r>
+            <a:r>
+              <a:rPr lang="cs-CZ" sz="1600" i="1" err="1">
+                <a:ea typeface="+mn-lt"/>
+                <a:cs typeface="+mn-lt"/>
+              </a:rPr>
+              <a:t>TechTarget</a:t>
+            </a:r>
+            <a:r>
+              <a:rPr lang="cs-CZ" sz="1600">
+                <a:ea typeface="+mn-lt"/>
+                <a:cs typeface="+mn-lt"/>
+              </a:rPr>
+              <a:t> [online]. Dostupné z: </a:t>
+            </a:r>
+            <a:r>
+              <a:rPr lang="cs-CZ" sz="1600">
+                <a:ea typeface="+mn-lt"/>
+                <a:cs typeface="+mn-lt"/>
+                <a:hlinkClick r:id="rId6"/>
+              </a:rPr>
+              <a:t>https://www.techtarget.com/searchwindowsserver/definition/NTFS</a:t>
+            </a:r>
+          </a:p>
+          <a:p>
+            <a:r>
+              <a:rPr lang="cs-CZ" sz="1600">
+                <a:ea typeface="+mn-lt"/>
+                <a:cs typeface="+mn-lt"/>
+              </a:rPr>
+              <a:t>Cluster (pevný disk) – Wikipedie. [online]. Dostupné z: </a:t>
+            </a:r>
+            <a:r>
+              <a:rPr lang="cs-CZ" sz="1600">
+                <a:ea typeface="+mn-lt"/>
+                <a:cs typeface="+mn-lt"/>
+                <a:hlinkClick r:id="rId7"/>
+              </a:rPr>
+              <a:t>https://cs.wikipedia.org/wiki/Cluster_(pevn%C3%BD_disk)</a:t>
+            </a:r>
+            <a:endParaRPr lang="cs-CZ" sz="1600">
+              <a:ea typeface="+mn-lt"/>
+              <a:cs typeface="+mn-lt"/>
+            </a:endParaRPr>
           </a:p>
         </p:txBody>
       </p:sp>
     </p:spTree>
     <p:extLst>
       <p:ext uri="{BB962C8B-B14F-4D97-AF65-F5344CB8AC3E}">
-        <p14:creationId xmlns:p14="http://schemas.microsoft.com/office/powerpoint/2010/main" val="1668892830"/>
+        <p14:creationId xmlns:p14="http://schemas.microsoft.com/office/powerpoint/2010/main" val="2811926269"/>
       </p:ext>
     </p:extLst>
   </p:cSld>
   <p:clrMapOvr>
     <a:masterClrMapping/>
   </p:clrMapOvr>
+  <p:transition spd="slow">
+    <p:push dir="u"/>
+  </p:transition>
 </p:sld>
 </file>
 

--- a/horvath.pptx
+++ b/horvath.pptx
@@ -13,8 +13,10 @@
     <p:sldId id="263" r:id="rId7"/>
     <p:sldId id="264" r:id="rId8"/>
     <p:sldId id="266" r:id="rId9"/>
-    <p:sldId id="258" r:id="rId10"/>
-    <p:sldId id="265" r:id="rId11"/>
+    <p:sldId id="267" r:id="rId10"/>
+    <p:sldId id="268" r:id="rId11"/>
+    <p:sldId id="258" r:id="rId12"/>
+    <p:sldId id="265" r:id="rId13"/>
   </p:sldIdLst>
   <p:sldSz cx="12192000" cy="6858000"/>
   <p:notesSz cx="6858000" cy="9144000"/>
@@ -124,11 +126,12 @@
 <file path=ppt/revisionInfo.xml><?xml version="1.0" encoding="utf-8"?>
 <p1510:revInfo xmlns:a="http://schemas.openxmlformats.org/drawingml/2006/main" xmlns:r="http://schemas.openxmlformats.org/officeDocument/2006/relationships" xmlns:p1510="http://schemas.microsoft.com/office/powerpoint/2015/10/main">
   <p1510:revLst>
+    <p1510:client id="{17B054D8-A26A-7BDB-B608-4F995BF67F96}" v="338" dt="2023-01-16T18:49:49.910"/>
     <p1510:client id="{3D9595F1-8E06-0E87-1AE6-B83E193FAD22}" v="130" dt="2023-01-09T18:03:36.874"/>
     <p1510:client id="{45398B61-7F1E-237B-5C24-23A682D5EC68}" v="130" dt="2023-01-14T15:52:06.716"/>
     <p1510:client id="{84ABAEFF-358B-2271-21FD-9D812A704519}" v="138" dt="2023-01-08T10:22:40.827"/>
     <p1510:client id="{9DDDA8D4-C02F-BC48-4098-4D6B21335B58}" v="182" dt="2023-01-11T19:16:33.597"/>
-    <p1510:client id="{DD3E86D0-9318-CBE5-C52E-355F512D6693}" v="179" dt="2023-01-14T16:21:02.533"/>
+    <p1510:client id="{DD3E86D0-9318-CBE5-C52E-355F512D6693}" v="182" dt="2023-01-14T16:23:46.553"/>
     <p1510:client id="{DE90C6F3-66A9-BDF8-193E-E91FDD634819}" v="1" dt="2023-01-08T10:23:44.808"/>
     <p1510:client id="{E05190BB-AD6A-DC0F-C6E3-D96BA3F8E8A9}" v="1" dt="2023-01-14T15:52:54.405"/>
     <p1510:client id="{FFE463EC-2E29-561E-B07C-75661D4B65A7}" v="445" dt="2023-01-09T17:50:49.036"/>
@@ -265,7 +268,7 @@
           <a:p>
             <a:fld id="{8A3A43DF-04A3-4662-88CA-28FDED1CFC09}" type="datetimeFigureOut">
               <a:rPr lang="cs-CZ" smtClean="0"/>
-              <a:t>14.01.2023</a:t>
+              <a:t>16.01.2023</a:t>
             </a:fld>
             <a:endParaRPr lang="cs-CZ"/>
           </a:p>
@@ -433,7 +436,7 @@
           <a:p>
             <a:fld id="{8A3A43DF-04A3-4662-88CA-28FDED1CFC09}" type="datetimeFigureOut">
               <a:rPr lang="cs-CZ" smtClean="0"/>
-              <a:t>14.01.2023</a:t>
+              <a:t>16.01.2023</a:t>
             </a:fld>
             <a:endParaRPr lang="cs-CZ"/>
           </a:p>
@@ -611,7 +614,7 @@
           <a:p>
             <a:fld id="{8A3A43DF-04A3-4662-88CA-28FDED1CFC09}" type="datetimeFigureOut">
               <a:rPr lang="cs-CZ" smtClean="0"/>
-              <a:t>14.01.2023</a:t>
+              <a:t>16.01.2023</a:t>
             </a:fld>
             <a:endParaRPr lang="cs-CZ"/>
           </a:p>
@@ -779,7 +782,7 @@
           <a:p>
             <a:fld id="{8A3A43DF-04A3-4662-88CA-28FDED1CFC09}" type="datetimeFigureOut">
               <a:rPr lang="cs-CZ" smtClean="0"/>
-              <a:t>14.01.2023</a:t>
+              <a:t>16.01.2023</a:t>
             </a:fld>
             <a:endParaRPr lang="cs-CZ"/>
           </a:p>
@@ -1024,7 +1027,7 @@
           <a:p>
             <a:fld id="{8A3A43DF-04A3-4662-88CA-28FDED1CFC09}" type="datetimeFigureOut">
               <a:rPr lang="cs-CZ" smtClean="0"/>
-              <a:t>14.01.2023</a:t>
+              <a:t>16.01.2023</a:t>
             </a:fld>
             <a:endParaRPr lang="cs-CZ"/>
           </a:p>
@@ -1253,7 +1256,7 @@
           <a:p>
             <a:fld id="{8A3A43DF-04A3-4662-88CA-28FDED1CFC09}" type="datetimeFigureOut">
               <a:rPr lang="cs-CZ" smtClean="0"/>
-              <a:t>14.01.2023</a:t>
+              <a:t>16.01.2023</a:t>
             </a:fld>
             <a:endParaRPr lang="cs-CZ"/>
           </a:p>
@@ -1617,7 +1620,7 @@
           <a:p>
             <a:fld id="{8A3A43DF-04A3-4662-88CA-28FDED1CFC09}" type="datetimeFigureOut">
               <a:rPr lang="cs-CZ" smtClean="0"/>
-              <a:t>14.01.2023</a:t>
+              <a:t>16.01.2023</a:t>
             </a:fld>
             <a:endParaRPr lang="cs-CZ"/>
           </a:p>
@@ -1734,7 +1737,7 @@
           <a:p>
             <a:fld id="{8A3A43DF-04A3-4662-88CA-28FDED1CFC09}" type="datetimeFigureOut">
               <a:rPr lang="cs-CZ" smtClean="0"/>
-              <a:t>14.01.2023</a:t>
+              <a:t>16.01.2023</a:t>
             </a:fld>
             <a:endParaRPr lang="cs-CZ"/>
           </a:p>
@@ -1829,7 +1832,7 @@
           <a:p>
             <a:fld id="{8A3A43DF-04A3-4662-88CA-28FDED1CFC09}" type="datetimeFigureOut">
               <a:rPr lang="cs-CZ" smtClean="0"/>
-              <a:t>14.01.2023</a:t>
+              <a:t>16.01.2023</a:t>
             </a:fld>
             <a:endParaRPr lang="cs-CZ"/>
           </a:p>
@@ -2104,7 +2107,7 @@
           <a:p>
             <a:fld id="{8A3A43DF-04A3-4662-88CA-28FDED1CFC09}" type="datetimeFigureOut">
               <a:rPr lang="cs-CZ" smtClean="0"/>
-              <a:t>14.01.2023</a:t>
+              <a:t>16.01.2023</a:t>
             </a:fld>
             <a:endParaRPr lang="cs-CZ"/>
           </a:p>
@@ -2356,7 +2359,7 @@
           <a:p>
             <a:fld id="{8A3A43DF-04A3-4662-88CA-28FDED1CFC09}" type="datetimeFigureOut">
               <a:rPr lang="cs-CZ" smtClean="0"/>
-              <a:t>14.01.2023</a:t>
+              <a:t>16.01.2023</a:t>
             </a:fld>
             <a:endParaRPr lang="cs-CZ"/>
           </a:p>
@@ -2567,7 +2570,7 @@
           <a:p>
             <a:fld id="{8A3A43DF-04A3-4662-88CA-28FDED1CFC09}" type="datetimeFigureOut">
               <a:rPr lang="cs-CZ" smtClean="0"/>
-              <a:t>14.01.2023</a:t>
+              <a:t>16.01.2023</a:t>
             </a:fld>
             <a:endParaRPr lang="cs-CZ"/>
           </a:p>
@@ -3608,6 +3611,2470 @@
 <file path=ppt/slides/slide10.xml><?xml version="1.0" encoding="utf-8"?>
 <p:sld xmlns:a="http://schemas.openxmlformats.org/drawingml/2006/main" xmlns:r="http://schemas.openxmlformats.org/officeDocument/2006/relationships" xmlns:p="http://schemas.openxmlformats.org/presentationml/2006/main">
   <p:cSld>
+    <p:bg>
+      <p:bgPr>
+        <a:solidFill>
+          <a:schemeClr val="bg1"/>
+        </a:solidFill>
+        <a:effectLst/>
+      </p:bgPr>
+    </p:bg>
+    <p:spTree>
+      <p:nvGrpSpPr>
+        <p:cNvPr id="1" name=""/>
+        <p:cNvGrpSpPr/>
+        <p:nvPr/>
+      </p:nvGrpSpPr>
+      <p:grpSpPr>
+        <a:xfrm>
+          <a:off x="0" y="0"/>
+          <a:ext cx="0" cy="0"/>
+          <a:chOff x="0" y="0"/>
+          <a:chExt cx="0" cy="0"/>
+        </a:xfrm>
+      </p:grpSpPr>
+      <p:sp useBgFill="1">
+        <p:nvSpPr>
+          <p:cNvPr id="27" name="Rectangle 26">
+            <a:extLst>
+              <a:ext uri="{FF2B5EF4-FFF2-40B4-BE49-F238E27FC236}">
+                <a16:creationId xmlns:a16="http://schemas.microsoft.com/office/drawing/2014/main" id="{1709F1D5-B0F1-4714-A239-E5B61C161915}"/>
+              </a:ext>
+              <a:ext uri="{C183D7F6-B498-43B3-948B-1728B52AA6E4}">
+                <adec:decorative xmlns:adec="http://schemas.microsoft.com/office/drawing/2017/decorative" val="1"/>
+              </a:ext>
+            </a:extLst>
+          </p:cNvPr>
+          <p:cNvSpPr>
+            <a:spLocks noGrp="1" noRot="1" noChangeAspect="1" noMove="1" noResize="1" noEditPoints="1" noAdjustHandles="1" noChangeArrowheads="1" noChangeShapeType="1" noTextEdit="1"/>
+          </p:cNvSpPr>
+          <p:nvPr>
+            <p:extLst>
+              <p:ext uri="{386F3935-93C4-4BCD-93E2-E3B085C9AB24}">
+                <p16:designElem xmlns:p16="http://schemas.microsoft.com/office/powerpoint/2015/main" val="1"/>
+              </p:ext>
+            </p:extLst>
+          </p:nvPr>
+        </p:nvSpPr>
+        <p:spPr>
+          <a:xfrm>
+            <a:off x="3048" y="0"/>
+            <a:ext cx="12188952" cy="6858000"/>
+          </a:xfrm>
+          <a:prstGeom prst="rect">
+            <a:avLst/>
+          </a:prstGeom>
+          <a:ln>
+            <a:noFill/>
+          </a:ln>
+        </p:spPr>
+        <p:style>
+          <a:lnRef idx="2">
+            <a:schemeClr val="accent1">
+              <a:shade val="50000"/>
+            </a:schemeClr>
+          </a:lnRef>
+          <a:fillRef idx="1">
+            <a:schemeClr val="accent1"/>
+          </a:fillRef>
+          <a:effectRef idx="0">
+            <a:schemeClr val="accent1"/>
+          </a:effectRef>
+          <a:fontRef idx="minor">
+            <a:schemeClr val="lt1"/>
+          </a:fontRef>
+        </p:style>
+        <p:txBody>
+          <a:bodyPr rtlCol="0" anchor="ctr"/>
+          <a:lstStyle/>
+          <a:p>
+            <a:pPr algn="ctr"/>
+            <a:endParaRPr lang="en-US"/>
+          </a:p>
+        </p:txBody>
+      </p:sp>
+      <p:sp>
+        <p:nvSpPr>
+          <p:cNvPr id="29" name="Rectangle: Rounded Corners 28">
+            <a:extLst>
+              <a:ext uri="{FF2B5EF4-FFF2-40B4-BE49-F238E27FC236}">
+                <a16:creationId xmlns:a16="http://schemas.microsoft.com/office/drawing/2014/main" id="{228FB460-D3FF-4440-A020-05982A09E517}"/>
+              </a:ext>
+              <a:ext uri="{C183D7F6-B498-43B3-948B-1728B52AA6E4}">
+                <adec:decorative xmlns:adec="http://schemas.microsoft.com/office/drawing/2017/decorative" val="1"/>
+              </a:ext>
+            </a:extLst>
+          </p:cNvPr>
+          <p:cNvSpPr>
+            <a:spLocks noGrp="1" noRot="1" noChangeAspect="1" noMove="1" noResize="1" noEditPoints="1" noAdjustHandles="1" noChangeArrowheads="1" noChangeShapeType="1" noTextEdit="1"/>
+          </p:cNvSpPr>
+          <p:nvPr>
+            <p:extLst>
+              <p:ext uri="{386F3935-93C4-4BCD-93E2-E3B085C9AB24}">
+                <p16:designElem xmlns:p16="http://schemas.microsoft.com/office/powerpoint/2015/main" val="1"/>
+              </p:ext>
+            </p:extLst>
+          </p:nvPr>
+        </p:nvSpPr>
+        <p:spPr>
+          <a:xfrm>
+            <a:off x="740546" y="1011045"/>
+            <a:ext cx="4369859" cy="4369859"/>
+          </a:xfrm>
+          <a:prstGeom prst="roundRect">
+            <a:avLst>
+              <a:gd name="adj" fmla="val 2757"/>
+            </a:avLst>
+          </a:prstGeom>
+          <a:solidFill>
+            <a:schemeClr val="accent2"/>
+          </a:solidFill>
+          <a:ln>
+            <a:noFill/>
+          </a:ln>
+        </p:spPr>
+        <p:style>
+          <a:lnRef idx="2">
+            <a:schemeClr val="accent1">
+              <a:shade val="50000"/>
+            </a:schemeClr>
+          </a:lnRef>
+          <a:fillRef idx="1">
+            <a:schemeClr val="accent1"/>
+          </a:fillRef>
+          <a:effectRef idx="0">
+            <a:schemeClr val="accent1"/>
+          </a:effectRef>
+          <a:fontRef idx="minor">
+            <a:schemeClr val="lt1"/>
+          </a:fontRef>
+        </p:style>
+        <p:txBody>
+          <a:bodyPr rtlCol="0" anchor="ctr"/>
+          <a:lstStyle/>
+          <a:p>
+            <a:pPr algn="ctr"/>
+            <a:endParaRPr lang="en-US"/>
+          </a:p>
+        </p:txBody>
+      </p:sp>
+      <p:sp>
+        <p:nvSpPr>
+          <p:cNvPr id="2" name="Nadpis 1">
+            <a:extLst>
+              <a:ext uri="{FF2B5EF4-FFF2-40B4-BE49-F238E27FC236}">
+                <a16:creationId xmlns:a16="http://schemas.microsoft.com/office/drawing/2014/main" id="{6BE4F17C-9189-EF37-9DD9-A41C9E6CC824}"/>
+              </a:ext>
+            </a:extLst>
+          </p:cNvPr>
+          <p:cNvSpPr>
+            <a:spLocks noGrp="1"/>
+          </p:cNvSpPr>
+          <p:nvPr>
+            <p:ph type="title"/>
+          </p:nvPr>
+        </p:nvSpPr>
+        <p:spPr>
+          <a:xfrm>
+            <a:off x="956826" y="1112969"/>
+            <a:ext cx="3937298" cy="4166010"/>
+          </a:xfrm>
+        </p:spPr>
+        <p:txBody>
+          <a:bodyPr>
+            <a:normAutofit/>
+          </a:bodyPr>
+          <a:lstStyle/>
+          <a:p>
+            <a:r>
+              <a:rPr lang="cs-CZ">
+                <a:solidFill>
+                  <a:srgbClr val="FFFFFF"/>
+                </a:solidFill>
+                <a:cs typeface="Calibri Light"/>
+              </a:rPr>
+              <a:t>UDF</a:t>
+            </a:r>
+            <a:endParaRPr lang="cs-CZ">
+              <a:solidFill>
+                <a:srgbClr val="FFFFFF"/>
+              </a:solidFill>
+            </a:endParaRPr>
+          </a:p>
+        </p:txBody>
+      </p:sp>
+      <p:sp>
+        <p:nvSpPr>
+          <p:cNvPr id="31" name="Freeform: Shape 30">
+            <a:extLst>
+              <a:ext uri="{FF2B5EF4-FFF2-40B4-BE49-F238E27FC236}">
+                <a16:creationId xmlns:a16="http://schemas.microsoft.com/office/drawing/2014/main" id="{14847E93-7DC1-4D4B-8829-B19AA7137C50}"/>
+              </a:ext>
+              <a:ext uri="{C183D7F6-B498-43B3-948B-1728B52AA6E4}">
+                <adec:decorative xmlns:adec="http://schemas.microsoft.com/office/drawing/2017/decorative" val="1"/>
+              </a:ext>
+            </a:extLst>
+          </p:cNvPr>
+          <p:cNvSpPr>
+            <a:spLocks noGrp="1" noRot="1" noChangeAspect="1" noMove="1" noResize="1" noEditPoints="1" noAdjustHandles="1" noChangeArrowheads="1" noChangeShapeType="1" noTextEdit="1"/>
+          </p:cNvSpPr>
+          <p:nvPr>
+            <p:extLst>
+              <p:ext uri="{386F3935-93C4-4BCD-93E2-E3B085C9AB24}">
+                <p16:designElem xmlns:p16="http://schemas.microsoft.com/office/powerpoint/2015/main" val="1"/>
+              </p:ext>
+            </p:extLst>
+          </p:nvPr>
+        </p:nvSpPr>
+        <p:spPr>
+          <a:xfrm flipH="1">
+            <a:off x="530529" y="0"/>
+            <a:ext cx="1155142" cy="591009"/>
+          </a:xfrm>
+          <a:custGeom>
+            <a:avLst/>
+            <a:gdLst>
+              <a:gd name="connsiteX0" fmla="*/ 1355 w 1155142"/>
+              <a:gd name="connsiteY0" fmla="*/ 0 h 591009"/>
+              <a:gd name="connsiteX1" fmla="*/ 1153787 w 1155142"/>
+              <a:gd name="connsiteY1" fmla="*/ 0 h 591009"/>
+              <a:gd name="connsiteX2" fmla="*/ 1155142 w 1155142"/>
+              <a:gd name="connsiteY2" fmla="*/ 13438 h 591009"/>
+              <a:gd name="connsiteX3" fmla="*/ 577571 w 1155142"/>
+              <a:gd name="connsiteY3" fmla="*/ 591009 h 591009"/>
+              <a:gd name="connsiteX4" fmla="*/ 0 w 1155142"/>
+              <a:gd name="connsiteY4" fmla="*/ 13438 h 591009"/>
+            </a:gdLst>
+            <a:ahLst/>
+            <a:cxnLst>
+              <a:cxn ang="0">
+                <a:pos x="connsiteX0" y="connsiteY0"/>
+              </a:cxn>
+              <a:cxn ang="0">
+                <a:pos x="connsiteX1" y="connsiteY1"/>
+              </a:cxn>
+              <a:cxn ang="0">
+                <a:pos x="connsiteX2" y="connsiteY2"/>
+              </a:cxn>
+              <a:cxn ang="0">
+                <a:pos x="connsiteX3" y="connsiteY3"/>
+              </a:cxn>
+              <a:cxn ang="0">
+                <a:pos x="connsiteX4" y="connsiteY4"/>
+              </a:cxn>
+            </a:cxnLst>
+            <a:rect l="l" t="t" r="r" b="b"/>
+            <a:pathLst>
+              <a:path w="1155142" h="591009">
+                <a:moveTo>
+                  <a:pt x="1355" y="0"/>
+                </a:moveTo>
+                <a:lnTo>
+                  <a:pt x="1153787" y="0"/>
+                </a:lnTo>
+                <a:lnTo>
+                  <a:pt x="1155142" y="13438"/>
+                </a:lnTo>
+                <a:cubicBezTo>
+                  <a:pt x="1155142" y="332422"/>
+                  <a:pt x="896555" y="591009"/>
+                  <a:pt x="577571" y="591009"/>
+                </a:cubicBezTo>
+                <a:cubicBezTo>
+                  <a:pt x="258587" y="591009"/>
+                  <a:pt x="0" y="332422"/>
+                  <a:pt x="0" y="13438"/>
+                </a:cubicBezTo>
+                <a:close/>
+              </a:path>
+            </a:pathLst>
+          </a:custGeom>
+          <a:solidFill>
+            <a:schemeClr val="accent5"/>
+          </a:solidFill>
+          <a:ln>
+            <a:noFill/>
+          </a:ln>
+        </p:spPr>
+        <p:style>
+          <a:lnRef idx="2">
+            <a:schemeClr val="accent1">
+              <a:shade val="50000"/>
+            </a:schemeClr>
+          </a:lnRef>
+          <a:fillRef idx="1">
+            <a:schemeClr val="accent1"/>
+          </a:fillRef>
+          <a:effectRef idx="0">
+            <a:schemeClr val="accent1"/>
+          </a:effectRef>
+          <a:fontRef idx="minor">
+            <a:schemeClr val="lt1"/>
+          </a:fontRef>
+        </p:style>
+        <p:txBody>
+          <a:bodyPr wrap="square" rtlCol="0" anchor="ctr">
+            <a:noAutofit/>
+          </a:bodyPr>
+          <a:lstStyle/>
+          <a:p>
+            <a:pPr algn="ctr"/>
+            <a:endParaRPr lang="en-US"/>
+          </a:p>
+        </p:txBody>
+      </p:sp>
+      <p:sp>
+        <p:nvSpPr>
+          <p:cNvPr id="33" name="Freeform: Shape 32">
+            <a:extLst>
+              <a:ext uri="{FF2B5EF4-FFF2-40B4-BE49-F238E27FC236}">
+                <a16:creationId xmlns:a16="http://schemas.microsoft.com/office/drawing/2014/main" id="{5566D6E1-03A1-4D73-A4E0-35D74D568A04}"/>
+              </a:ext>
+              <a:ext uri="{C183D7F6-B498-43B3-948B-1728B52AA6E4}">
+                <adec:decorative xmlns:adec="http://schemas.microsoft.com/office/drawing/2017/decorative" val="1"/>
+              </a:ext>
+            </a:extLst>
+          </p:cNvPr>
+          <p:cNvSpPr>
+            <a:spLocks noGrp="1" noRot="1" noChangeAspect="1" noMove="1" noResize="1" noEditPoints="1" noAdjustHandles="1" noChangeArrowheads="1" noChangeShapeType="1" noTextEdit="1"/>
+          </p:cNvSpPr>
+          <p:nvPr>
+            <p:extLst>
+              <p:ext uri="{386F3935-93C4-4BCD-93E2-E3B085C9AB24}">
+                <p16:designElem xmlns:p16="http://schemas.microsoft.com/office/powerpoint/2015/main" val="1"/>
+              </p:ext>
+            </p:extLst>
+          </p:nvPr>
+        </p:nvSpPr>
+        <p:spPr>
+          <a:xfrm flipH="1">
+            <a:off x="3961511" y="-1"/>
+            <a:ext cx="1737401" cy="959536"/>
+          </a:xfrm>
+          <a:custGeom>
+            <a:avLst/>
+            <a:gdLst>
+              <a:gd name="connsiteX0" fmla="*/ 0 w 1737401"/>
+              <a:gd name="connsiteY0" fmla="*/ 0 h 959536"/>
+              <a:gd name="connsiteX1" fmla="*/ 123825 w 1737401"/>
+              <a:gd name="connsiteY1" fmla="*/ 0 h 959536"/>
+              <a:gd name="connsiteX2" fmla="*/ 123825 w 1737401"/>
+              <a:gd name="connsiteY2" fmla="*/ 790277 h 959536"/>
+              <a:gd name="connsiteX3" fmla="*/ 1490095 w 1737401"/>
+              <a:gd name="connsiteY3" fmla="*/ 0 h 959536"/>
+              <a:gd name="connsiteX4" fmla="*/ 1737401 w 1737401"/>
+              <a:gd name="connsiteY4" fmla="*/ 0 h 959536"/>
+              <a:gd name="connsiteX5" fmla="*/ 92869 w 1737401"/>
+              <a:gd name="connsiteY5" fmla="*/ 951249 h 959536"/>
+              <a:gd name="connsiteX6" fmla="*/ 61913 w 1737401"/>
+              <a:gd name="connsiteY6" fmla="*/ 959536 h 959536"/>
+              <a:gd name="connsiteX7" fmla="*/ 0 w 1737401"/>
+              <a:gd name="connsiteY7" fmla="*/ 897624 h 959536"/>
+            </a:gdLst>
+            <a:ahLst/>
+            <a:cxnLst>
+              <a:cxn ang="0">
+                <a:pos x="connsiteX0" y="connsiteY0"/>
+              </a:cxn>
+              <a:cxn ang="0">
+                <a:pos x="connsiteX1" y="connsiteY1"/>
+              </a:cxn>
+              <a:cxn ang="0">
+                <a:pos x="connsiteX2" y="connsiteY2"/>
+              </a:cxn>
+              <a:cxn ang="0">
+                <a:pos x="connsiteX3" y="connsiteY3"/>
+              </a:cxn>
+              <a:cxn ang="0">
+                <a:pos x="connsiteX4" y="connsiteY4"/>
+              </a:cxn>
+              <a:cxn ang="0">
+                <a:pos x="connsiteX5" y="connsiteY5"/>
+              </a:cxn>
+              <a:cxn ang="0">
+                <a:pos x="connsiteX6" y="connsiteY6"/>
+              </a:cxn>
+              <a:cxn ang="0">
+                <a:pos x="connsiteX7" y="connsiteY7"/>
+              </a:cxn>
+            </a:cxnLst>
+            <a:rect l="l" t="t" r="r" b="b"/>
+            <a:pathLst>
+              <a:path w="1737401" h="959536">
+                <a:moveTo>
+                  <a:pt x="0" y="0"/>
+                </a:moveTo>
+                <a:lnTo>
+                  <a:pt x="123825" y="0"/>
+                </a:lnTo>
+                <a:lnTo>
+                  <a:pt x="123825" y="790277"/>
+                </a:lnTo>
+                <a:lnTo>
+                  <a:pt x="1490095" y="0"/>
+                </a:lnTo>
+                <a:lnTo>
+                  <a:pt x="1737401" y="0"/>
+                </a:lnTo>
+                <a:lnTo>
+                  <a:pt x="92869" y="951249"/>
+                </a:lnTo>
+                <a:cubicBezTo>
+                  <a:pt x="83458" y="956688"/>
+                  <a:pt x="72780" y="959546"/>
+                  <a:pt x="61913" y="959536"/>
+                </a:cubicBezTo>
+                <a:cubicBezTo>
+                  <a:pt x="27719" y="959536"/>
+                  <a:pt x="0" y="931818"/>
+                  <a:pt x="0" y="897624"/>
+                </a:cubicBezTo>
+                <a:close/>
+              </a:path>
+            </a:pathLst>
+          </a:custGeom>
+          <a:solidFill>
+            <a:schemeClr val="accent6"/>
+          </a:solidFill>
+          <a:ln w="9525" cap="flat">
+            <a:noFill/>
+            <a:prstDash val="solid"/>
+            <a:miter/>
+          </a:ln>
+        </p:spPr>
+        <p:txBody>
+          <a:bodyPr rtlCol="0" anchor="ctr"/>
+          <a:lstStyle/>
+          <a:p>
+            <a:endParaRPr lang="en-US"/>
+          </a:p>
+        </p:txBody>
+      </p:sp>
+      <p:sp>
+        <p:nvSpPr>
+          <p:cNvPr id="35" name="Freeform: Shape 34">
+            <a:extLst>
+              <a:ext uri="{FF2B5EF4-FFF2-40B4-BE49-F238E27FC236}">
+                <a16:creationId xmlns:a16="http://schemas.microsoft.com/office/drawing/2014/main" id="{9F835A99-04AC-494A-A572-AFE8413CC938}"/>
+              </a:ext>
+              <a:ext uri="{C183D7F6-B498-43B3-948B-1728B52AA6E4}">
+                <adec:decorative xmlns:adec="http://schemas.microsoft.com/office/drawing/2017/decorative" val="1"/>
+              </a:ext>
+            </a:extLst>
+          </p:cNvPr>
+          <p:cNvSpPr>
+            <a:spLocks noGrp="1" noRot="1" noChangeAspect="1" noMove="1" noResize="1" noEditPoints="1" noAdjustHandles="1" noChangeArrowheads="1" noChangeShapeType="1" noTextEdit="1"/>
+          </p:cNvSpPr>
+          <p:nvPr>
+            <p:extLst>
+              <p:ext uri="{386F3935-93C4-4BCD-93E2-E3B085C9AB24}">
+                <p16:designElem xmlns:p16="http://schemas.microsoft.com/office/powerpoint/2015/main" val="1"/>
+              </p:ext>
+            </p:extLst>
+          </p:nvPr>
+        </p:nvSpPr>
+        <p:spPr>
+          <a:xfrm flipH="1">
+            <a:off x="0" y="2936831"/>
+            <a:ext cx="159741" cy="552996"/>
+          </a:xfrm>
+          <a:custGeom>
+            <a:avLst/>
+            <a:gdLst>
+              <a:gd name="connsiteX0" fmla="*/ 159741 w 159741"/>
+              <a:gd name="connsiteY0" fmla="*/ 0 h 552996"/>
+              <a:gd name="connsiteX1" fmla="*/ 159741 w 159741"/>
+              <a:gd name="connsiteY1" fmla="*/ 552996 h 552996"/>
+              <a:gd name="connsiteX2" fmla="*/ 141849 w 159741"/>
+              <a:gd name="connsiteY2" fmla="*/ 543285 h 552996"/>
+              <a:gd name="connsiteX3" fmla="*/ 0 w 159741"/>
+              <a:gd name="connsiteY3" fmla="*/ 276498 h 552996"/>
+              <a:gd name="connsiteX4" fmla="*/ 141849 w 159741"/>
+              <a:gd name="connsiteY4" fmla="*/ 9711 h 552996"/>
+            </a:gdLst>
+            <a:ahLst/>
+            <a:cxnLst>
+              <a:cxn ang="0">
+                <a:pos x="connsiteX0" y="connsiteY0"/>
+              </a:cxn>
+              <a:cxn ang="0">
+                <a:pos x="connsiteX1" y="connsiteY1"/>
+              </a:cxn>
+              <a:cxn ang="0">
+                <a:pos x="connsiteX2" y="connsiteY2"/>
+              </a:cxn>
+              <a:cxn ang="0">
+                <a:pos x="connsiteX3" y="connsiteY3"/>
+              </a:cxn>
+              <a:cxn ang="0">
+                <a:pos x="connsiteX4" y="connsiteY4"/>
+              </a:cxn>
+            </a:cxnLst>
+            <a:rect l="l" t="t" r="r" b="b"/>
+            <a:pathLst>
+              <a:path w="159741" h="552996">
+                <a:moveTo>
+                  <a:pt x="159741" y="0"/>
+                </a:moveTo>
+                <a:lnTo>
+                  <a:pt x="159741" y="552996"/>
+                </a:lnTo>
+                <a:lnTo>
+                  <a:pt x="141849" y="543285"/>
+                </a:lnTo>
+                <a:cubicBezTo>
+                  <a:pt x="56268" y="485467"/>
+                  <a:pt x="0" y="387554"/>
+                  <a:pt x="0" y="276498"/>
+                </a:cubicBezTo>
+                <a:cubicBezTo>
+                  <a:pt x="0" y="165443"/>
+                  <a:pt x="56268" y="67529"/>
+                  <a:pt x="141849" y="9711"/>
+                </a:cubicBezTo>
+                <a:close/>
+              </a:path>
+            </a:pathLst>
+          </a:custGeom>
+          <a:solidFill>
+            <a:schemeClr val="accent4"/>
+          </a:solidFill>
+          <a:ln w="127000">
+            <a:noFill/>
+          </a:ln>
+        </p:spPr>
+        <p:style>
+          <a:lnRef idx="2">
+            <a:schemeClr val="accent1">
+              <a:shade val="50000"/>
+            </a:schemeClr>
+          </a:lnRef>
+          <a:fillRef idx="1">
+            <a:schemeClr val="accent1"/>
+          </a:fillRef>
+          <a:effectRef idx="0">
+            <a:schemeClr val="accent1"/>
+          </a:effectRef>
+          <a:fontRef idx="minor">
+            <a:schemeClr val="lt1"/>
+          </a:fontRef>
+        </p:style>
+        <p:txBody>
+          <a:bodyPr wrap="square" rtlCol="0" anchor="ctr">
+            <a:noAutofit/>
+          </a:bodyPr>
+          <a:lstStyle/>
+          <a:p>
+            <a:pPr algn="ctr"/>
+            <a:endParaRPr lang="en-US"/>
+          </a:p>
+        </p:txBody>
+      </p:sp>
+      <p:sp>
+        <p:nvSpPr>
+          <p:cNvPr id="3" name="Zástupný obsah 2">
+            <a:extLst>
+              <a:ext uri="{FF2B5EF4-FFF2-40B4-BE49-F238E27FC236}">
+                <a16:creationId xmlns:a16="http://schemas.microsoft.com/office/drawing/2014/main" id="{5356BAA6-65EF-8CDF-BCC9-5A984A881AEA}"/>
+              </a:ext>
+            </a:extLst>
+          </p:cNvPr>
+          <p:cNvSpPr>
+            <a:spLocks noGrp="1"/>
+          </p:cNvSpPr>
+          <p:nvPr>
+            <p:ph idx="1"/>
+          </p:nvPr>
+        </p:nvSpPr>
+        <p:spPr>
+          <a:xfrm>
+            <a:off x="6096000" y="820880"/>
+            <a:ext cx="5257799" cy="4889350"/>
+          </a:xfrm>
+        </p:spPr>
+        <p:txBody>
+          <a:bodyPr vert="horz" lIns="91440" tIns="45720" rIns="91440" bIns="45720" rtlCol="0" anchor="t">
+            <a:normAutofit/>
+          </a:bodyPr>
+          <a:lstStyle/>
+          <a:p>
+            <a:r>
+              <a:rPr lang="cs-CZ" dirty="0">
+                <a:cs typeface="Calibri"/>
+              </a:rPr>
+              <a:t>Používán na CD a DVD</a:t>
+            </a:r>
+          </a:p>
+          <a:p>
+            <a:r>
+              <a:rPr lang="cs-CZ" dirty="0">
+                <a:cs typeface="Calibri"/>
+              </a:rPr>
+              <a:t>Náhrada za CDFS</a:t>
+            </a:r>
+          </a:p>
+          <a:p>
+            <a:r>
+              <a:rPr lang="cs-CZ" dirty="0">
+                <a:cs typeface="Calibri"/>
+              </a:rPr>
+              <a:t>Podporuje dlouhá jména v Unicode</a:t>
+            </a:r>
+          </a:p>
+          <a:p>
+            <a:r>
+              <a:rPr lang="cs-CZ" dirty="0">
+                <a:cs typeface="Calibri"/>
+              </a:rPr>
+              <a:t>Podporuje psaní na disky po vypálení</a:t>
+            </a:r>
+          </a:p>
+          <a:p>
+            <a:endParaRPr lang="cs-CZ" dirty="0">
+              <a:cs typeface="Calibri"/>
+            </a:endParaRPr>
+          </a:p>
+        </p:txBody>
+      </p:sp>
+      <p:sp>
+        <p:nvSpPr>
+          <p:cNvPr id="37" name="Freeform: Shape 36">
+            <a:extLst>
+              <a:ext uri="{FF2B5EF4-FFF2-40B4-BE49-F238E27FC236}">
+                <a16:creationId xmlns:a16="http://schemas.microsoft.com/office/drawing/2014/main" id="{7B786209-1B0B-4CA9-9BDD-F7327066A84D}"/>
+              </a:ext>
+              <a:ext uri="{C183D7F6-B498-43B3-948B-1728B52AA6E4}">
+                <adec:decorative xmlns:adec="http://schemas.microsoft.com/office/drawing/2017/decorative" val="1"/>
+              </a:ext>
+            </a:extLst>
+          </p:cNvPr>
+          <p:cNvSpPr>
+            <a:spLocks noGrp="1" noRot="1" noChangeAspect="1" noMove="1" noResize="1" noEditPoints="1" noAdjustHandles="1" noChangeArrowheads="1" noChangeShapeType="1" noTextEdit="1"/>
+          </p:cNvSpPr>
+          <p:nvPr>
+            <p:extLst>
+              <p:ext uri="{386F3935-93C4-4BCD-93E2-E3B085C9AB24}">
+                <p16:designElem xmlns:p16="http://schemas.microsoft.com/office/powerpoint/2015/main" val="1"/>
+              </p:ext>
+            </p:extLst>
+          </p:nvPr>
+        </p:nvSpPr>
+        <p:spPr>
+          <a:xfrm flipH="1">
+            <a:off x="0" y="5835649"/>
+            <a:ext cx="1548180" cy="1022351"/>
+          </a:xfrm>
+          <a:custGeom>
+            <a:avLst/>
+            <a:gdLst>
+              <a:gd name="connsiteX0" fmla="*/ 61913 w 1548180"/>
+              <a:gd name="connsiteY0" fmla="*/ 0 h 1022351"/>
+              <a:gd name="connsiteX1" fmla="*/ 1548180 w 1548180"/>
+              <a:gd name="connsiteY1" fmla="*/ 0 h 1022351"/>
+              <a:gd name="connsiteX2" fmla="*/ 1548180 w 1548180"/>
+              <a:gd name="connsiteY2" fmla="*/ 123825 h 1022351"/>
+              <a:gd name="connsiteX3" fmla="*/ 123825 w 1548180"/>
+              <a:gd name="connsiteY3" fmla="*/ 123825 h 1022351"/>
+              <a:gd name="connsiteX4" fmla="*/ 123825 w 1548180"/>
+              <a:gd name="connsiteY4" fmla="*/ 1022351 h 1022351"/>
+              <a:gd name="connsiteX5" fmla="*/ 0 w 1548180"/>
+              <a:gd name="connsiteY5" fmla="*/ 1022351 h 1022351"/>
+              <a:gd name="connsiteX6" fmla="*/ 0 w 1548180"/>
+              <a:gd name="connsiteY6" fmla="*/ 61913 h 1022351"/>
+              <a:gd name="connsiteX7" fmla="*/ 61913 w 1548180"/>
+              <a:gd name="connsiteY7" fmla="*/ 0 h 1022351"/>
+            </a:gdLst>
+            <a:ahLst/>
+            <a:cxnLst>
+              <a:cxn ang="0">
+                <a:pos x="connsiteX0" y="connsiteY0"/>
+              </a:cxn>
+              <a:cxn ang="0">
+                <a:pos x="connsiteX1" y="connsiteY1"/>
+              </a:cxn>
+              <a:cxn ang="0">
+                <a:pos x="connsiteX2" y="connsiteY2"/>
+              </a:cxn>
+              <a:cxn ang="0">
+                <a:pos x="connsiteX3" y="connsiteY3"/>
+              </a:cxn>
+              <a:cxn ang="0">
+                <a:pos x="connsiteX4" y="connsiteY4"/>
+              </a:cxn>
+              <a:cxn ang="0">
+                <a:pos x="connsiteX5" y="connsiteY5"/>
+              </a:cxn>
+              <a:cxn ang="0">
+                <a:pos x="connsiteX6" y="connsiteY6"/>
+              </a:cxn>
+              <a:cxn ang="0">
+                <a:pos x="connsiteX7" y="connsiteY7"/>
+              </a:cxn>
+            </a:cxnLst>
+            <a:rect l="l" t="t" r="r" b="b"/>
+            <a:pathLst>
+              <a:path w="1548180" h="1022351">
+                <a:moveTo>
+                  <a:pt x="61913" y="0"/>
+                </a:moveTo>
+                <a:lnTo>
+                  <a:pt x="1548180" y="0"/>
+                </a:lnTo>
+                <a:lnTo>
+                  <a:pt x="1548180" y="123825"/>
+                </a:lnTo>
+                <a:lnTo>
+                  <a:pt x="123825" y="123825"/>
+                </a:lnTo>
+                <a:lnTo>
+                  <a:pt x="123825" y="1022351"/>
+                </a:lnTo>
+                <a:lnTo>
+                  <a:pt x="0" y="1022351"/>
+                </a:lnTo>
+                <a:lnTo>
+                  <a:pt x="0" y="61913"/>
+                </a:lnTo>
+                <a:cubicBezTo>
+                  <a:pt x="0" y="27719"/>
+                  <a:pt x="27719" y="0"/>
+                  <a:pt x="61913" y="0"/>
+                </a:cubicBezTo>
+                <a:close/>
+              </a:path>
+            </a:pathLst>
+          </a:custGeom>
+          <a:solidFill>
+            <a:schemeClr val="accent6"/>
+          </a:solidFill>
+          <a:ln w="9525" cap="flat">
+            <a:noFill/>
+            <a:prstDash val="solid"/>
+            <a:miter/>
+          </a:ln>
+        </p:spPr>
+        <p:txBody>
+          <a:bodyPr rtlCol="0" anchor="ctr"/>
+          <a:lstStyle/>
+          <a:p>
+            <a:endParaRPr lang="en-US"/>
+          </a:p>
+        </p:txBody>
+      </p:sp>
+      <p:sp>
+        <p:nvSpPr>
+          <p:cNvPr id="39" name="Freeform: Shape 38">
+            <a:extLst>
+              <a:ext uri="{FF2B5EF4-FFF2-40B4-BE49-F238E27FC236}">
+                <a16:creationId xmlns:a16="http://schemas.microsoft.com/office/drawing/2014/main" id="{2D2964BB-484D-45AE-AD66-D407D0629652}"/>
+              </a:ext>
+              <a:ext uri="{C183D7F6-B498-43B3-948B-1728B52AA6E4}">
+                <adec:decorative xmlns:adec="http://schemas.microsoft.com/office/drawing/2017/decorative" val="1"/>
+              </a:ext>
+            </a:extLst>
+          </p:cNvPr>
+          <p:cNvSpPr>
+            <a:spLocks noGrp="1" noRot="1" noChangeAspect="1" noMove="1" noResize="1" noEditPoints="1" noAdjustHandles="1" noChangeArrowheads="1" noChangeShapeType="1" noTextEdit="1"/>
+          </p:cNvSpPr>
+          <p:nvPr>
+            <p:extLst>
+              <p:ext uri="{386F3935-93C4-4BCD-93E2-E3B085C9AB24}">
+                <p16:designElem xmlns:p16="http://schemas.microsoft.com/office/powerpoint/2015/main" val="1"/>
+              </p:ext>
+            </p:extLst>
+          </p:nvPr>
+        </p:nvSpPr>
+        <p:spPr>
+          <a:xfrm flipH="1">
+            <a:off x="3418308" y="5717905"/>
+            <a:ext cx="1771609" cy="1140095"/>
+          </a:xfrm>
+          <a:custGeom>
+            <a:avLst/>
+            <a:gdLst>
+              <a:gd name="connsiteX0" fmla="*/ 1561721 w 1771609"/>
+              <a:gd name="connsiteY0" fmla="*/ 763041 h 1140095"/>
+              <a:gd name="connsiteX1" fmla="*/ 1623024 w 1771609"/>
+              <a:gd name="connsiteY1" fmla="*/ 792810 h 1140095"/>
+              <a:gd name="connsiteX2" fmla="*/ 1711735 w 1771609"/>
+              <a:gd name="connsiteY2" fmla="*/ 970132 h 1140095"/>
+              <a:gd name="connsiteX3" fmla="*/ 1771609 w 1771609"/>
+              <a:gd name="connsiteY3" fmla="*/ 1140095 h 1140095"/>
+              <a:gd name="connsiteX4" fmla="*/ 1637225 w 1771609"/>
+              <a:gd name="connsiteY4" fmla="*/ 1140095 h 1140095"/>
+              <a:gd name="connsiteX5" fmla="*/ 1594820 w 1771609"/>
+              <a:gd name="connsiteY5" fmla="*/ 1019711 h 1140095"/>
+              <a:gd name="connsiteX6" fmla="*/ 1513200 w 1771609"/>
+              <a:gd name="connsiteY6" fmla="*/ 856627 h 1140095"/>
+              <a:gd name="connsiteX7" fmla="*/ 1538499 w 1771609"/>
+              <a:gd name="connsiteY7" fmla="*/ 770415 h 1140095"/>
+              <a:gd name="connsiteX8" fmla="*/ 1561721 w 1771609"/>
+              <a:gd name="connsiteY8" fmla="*/ 763041 h 1140095"/>
+              <a:gd name="connsiteX9" fmla="*/ 933455 w 1771609"/>
+              <a:gd name="connsiteY9" fmla="*/ 161309 h 1140095"/>
+              <a:gd name="connsiteX10" fmla="*/ 957797 w 1771609"/>
+              <a:gd name="connsiteY10" fmla="*/ 167970 h 1140095"/>
+              <a:gd name="connsiteX11" fmla="*/ 1286982 w 1771609"/>
+              <a:gd name="connsiteY11" fmla="*/ 387616 h 1140095"/>
+              <a:gd name="connsiteX12" fmla="*/ 1293725 w 1771609"/>
+              <a:gd name="connsiteY12" fmla="*/ 477075 h 1140095"/>
+              <a:gd name="connsiteX13" fmla="*/ 1245453 w 1771609"/>
+              <a:gd name="connsiteY13" fmla="*/ 499154 h 1140095"/>
+              <a:gd name="connsiteX14" fmla="*/ 1245167 w 1771609"/>
+              <a:gd name="connsiteY14" fmla="*/ 499154 h 1140095"/>
+              <a:gd name="connsiteX15" fmla="*/ 1203638 w 1771609"/>
+              <a:gd name="connsiteY15" fmla="*/ 484104 h 1140095"/>
+              <a:gd name="connsiteX16" fmla="*/ 900647 w 1771609"/>
+              <a:gd name="connsiteY16" fmla="*/ 281508 h 1140095"/>
+              <a:gd name="connsiteX17" fmla="*/ 872454 w 1771609"/>
+              <a:gd name="connsiteY17" fmla="*/ 196164 h 1140095"/>
+              <a:gd name="connsiteX18" fmla="*/ 933455 w 1771609"/>
+              <a:gd name="connsiteY18" fmla="*/ 161309 h 1140095"/>
+              <a:gd name="connsiteX19" fmla="*/ 256260 w 1771609"/>
+              <a:gd name="connsiteY19" fmla="*/ 29 h 1140095"/>
+              <a:gd name="connsiteX20" fmla="*/ 454020 w 1771609"/>
+              <a:gd name="connsiteY20" fmla="*/ 13474 h 1140095"/>
+              <a:gd name="connsiteX21" fmla="*/ 509236 w 1771609"/>
+              <a:gd name="connsiteY21" fmla="*/ 84182 h 1140095"/>
+              <a:gd name="connsiteX22" fmla="*/ 445829 w 1771609"/>
+              <a:gd name="connsiteY22" fmla="*/ 139871 h 1140095"/>
+              <a:gd name="connsiteX23" fmla="*/ 437447 w 1771609"/>
+              <a:gd name="connsiteY23" fmla="*/ 139395 h 1140095"/>
+              <a:gd name="connsiteX24" fmla="*/ 73211 w 1771609"/>
+              <a:gd name="connsiteY24" fmla="*/ 137204 h 1140095"/>
+              <a:gd name="connsiteX25" fmla="*/ 749 w 1771609"/>
+              <a:gd name="connsiteY25" fmla="*/ 84082 h 1140095"/>
+              <a:gd name="connsiteX26" fmla="*/ 53871 w 1771609"/>
+              <a:gd name="connsiteY26" fmla="*/ 11621 h 1140095"/>
+              <a:gd name="connsiteX27" fmla="*/ 58352 w 1771609"/>
+              <a:gd name="connsiteY27" fmla="*/ 11093 h 1140095"/>
+              <a:gd name="connsiteX28" fmla="*/ 256260 w 1771609"/>
+              <a:gd name="connsiteY28" fmla="*/ 29 h 1140095"/>
+            </a:gdLst>
+            <a:ahLst/>
+            <a:cxnLst>
+              <a:cxn ang="0">
+                <a:pos x="connsiteX0" y="connsiteY0"/>
+              </a:cxn>
+              <a:cxn ang="0">
+                <a:pos x="connsiteX1" y="connsiteY1"/>
+              </a:cxn>
+              <a:cxn ang="0">
+                <a:pos x="connsiteX2" y="connsiteY2"/>
+              </a:cxn>
+              <a:cxn ang="0">
+                <a:pos x="connsiteX3" y="connsiteY3"/>
+              </a:cxn>
+              <a:cxn ang="0">
+                <a:pos x="connsiteX4" y="connsiteY4"/>
+              </a:cxn>
+              <a:cxn ang="0">
+                <a:pos x="connsiteX5" y="connsiteY5"/>
+              </a:cxn>
+              <a:cxn ang="0">
+                <a:pos x="connsiteX6" y="connsiteY6"/>
+              </a:cxn>
+              <a:cxn ang="0">
+                <a:pos x="connsiteX7" y="connsiteY7"/>
+              </a:cxn>
+              <a:cxn ang="0">
+                <a:pos x="connsiteX8" y="connsiteY8"/>
+              </a:cxn>
+              <a:cxn ang="0">
+                <a:pos x="connsiteX9" y="connsiteY9"/>
+              </a:cxn>
+              <a:cxn ang="0">
+                <a:pos x="connsiteX10" y="connsiteY10"/>
+              </a:cxn>
+              <a:cxn ang="0">
+                <a:pos x="connsiteX11" y="connsiteY11"/>
+              </a:cxn>
+              <a:cxn ang="0">
+                <a:pos x="connsiteX12" y="connsiteY12"/>
+              </a:cxn>
+              <a:cxn ang="0">
+                <a:pos x="connsiteX13" y="connsiteY13"/>
+              </a:cxn>
+              <a:cxn ang="0">
+                <a:pos x="connsiteX14" y="connsiteY14"/>
+              </a:cxn>
+              <a:cxn ang="0">
+                <a:pos x="connsiteX15" y="connsiteY15"/>
+              </a:cxn>
+              <a:cxn ang="0">
+                <a:pos x="connsiteX16" y="connsiteY16"/>
+              </a:cxn>
+              <a:cxn ang="0">
+                <a:pos x="connsiteX17" y="connsiteY17"/>
+              </a:cxn>
+              <a:cxn ang="0">
+                <a:pos x="connsiteX18" y="connsiteY18"/>
+              </a:cxn>
+              <a:cxn ang="0">
+                <a:pos x="connsiteX19" y="connsiteY19"/>
+              </a:cxn>
+              <a:cxn ang="0">
+                <a:pos x="connsiteX20" y="connsiteY20"/>
+              </a:cxn>
+              <a:cxn ang="0">
+                <a:pos x="connsiteX21" y="connsiteY21"/>
+              </a:cxn>
+              <a:cxn ang="0">
+                <a:pos x="connsiteX22" y="connsiteY22"/>
+              </a:cxn>
+              <a:cxn ang="0">
+                <a:pos x="connsiteX23" y="connsiteY23"/>
+              </a:cxn>
+              <a:cxn ang="0">
+                <a:pos x="connsiteX24" y="connsiteY24"/>
+              </a:cxn>
+              <a:cxn ang="0">
+                <a:pos x="connsiteX25" y="connsiteY25"/>
+              </a:cxn>
+              <a:cxn ang="0">
+                <a:pos x="connsiteX26" y="connsiteY26"/>
+              </a:cxn>
+              <a:cxn ang="0">
+                <a:pos x="connsiteX27" y="connsiteY27"/>
+              </a:cxn>
+              <a:cxn ang="0">
+                <a:pos x="connsiteX28" y="connsiteY28"/>
+              </a:cxn>
+            </a:cxnLst>
+            <a:rect l="l" t="t" r="r" b="b"/>
+            <a:pathLst>
+              <a:path w="1771609" h="1140095">
+                <a:moveTo>
+                  <a:pt x="1561721" y="763041"/>
+                </a:moveTo>
+                <a:cubicBezTo>
+                  <a:pt x="1585506" y="760324"/>
+                  <a:pt x="1609722" y="771249"/>
+                  <a:pt x="1623024" y="792810"/>
+                </a:cubicBezTo>
+                <a:cubicBezTo>
+                  <a:pt x="1656300" y="850065"/>
+                  <a:pt x="1685920" y="909291"/>
+                  <a:pt x="1711735" y="970132"/>
+                </a:cubicBezTo>
+                <a:lnTo>
+                  <a:pt x="1771609" y="1140095"/>
+                </a:lnTo>
+                <a:lnTo>
+                  <a:pt x="1637225" y="1140095"/>
+                </a:lnTo>
+                <a:lnTo>
+                  <a:pt x="1594820" y="1019711"/>
+                </a:lnTo>
+                <a:cubicBezTo>
+                  <a:pt x="1571072" y="963753"/>
+                  <a:pt x="1543818" y="909282"/>
+                  <a:pt x="1513200" y="856627"/>
+                </a:cubicBezTo>
+                <a:cubicBezTo>
+                  <a:pt x="1496379" y="825834"/>
+                  <a:pt x="1507704" y="787236"/>
+                  <a:pt x="1538499" y="770415"/>
+                </a:cubicBezTo>
+                <a:cubicBezTo>
+                  <a:pt x="1545912" y="766367"/>
+                  <a:pt x="1553792" y="763946"/>
+                  <a:pt x="1561721" y="763041"/>
+                </a:cubicBezTo>
+                <a:close/>
+                <a:moveTo>
+                  <a:pt x="933455" y="161309"/>
+                </a:moveTo>
+                <a:cubicBezTo>
+                  <a:pt x="941693" y="161855"/>
+                  <a:pt x="949959" y="164025"/>
+                  <a:pt x="957797" y="167970"/>
+                </a:cubicBezTo>
+                <a:cubicBezTo>
+                  <a:pt x="1076184" y="227289"/>
+                  <a:pt x="1186759" y="301068"/>
+                  <a:pt x="1286982" y="387616"/>
+                </a:cubicBezTo>
+                <a:cubicBezTo>
+                  <a:pt x="1313547" y="410457"/>
+                  <a:pt x="1316566" y="450510"/>
+                  <a:pt x="1293725" y="477075"/>
+                </a:cubicBezTo>
+                <a:cubicBezTo>
+                  <a:pt x="1281638" y="491137"/>
+                  <a:pt x="1263998" y="499204"/>
+                  <a:pt x="1245453" y="499154"/>
+                </a:cubicBezTo>
+                <a:lnTo>
+                  <a:pt x="1245167" y="499154"/>
+                </a:lnTo>
+                <a:cubicBezTo>
+                  <a:pt x="1229965" y="499301"/>
+                  <a:pt x="1215220" y="493956"/>
+                  <a:pt x="1203638" y="484104"/>
+                </a:cubicBezTo>
+                <a:cubicBezTo>
+                  <a:pt x="1111407" y="404300"/>
+                  <a:pt x="1009633" y="336248"/>
+                  <a:pt x="900647" y="281508"/>
+                </a:cubicBezTo>
+                <a:cubicBezTo>
+                  <a:pt x="869295" y="265726"/>
+                  <a:pt x="856672" y="227516"/>
+                  <a:pt x="872454" y="196164"/>
+                </a:cubicBezTo>
+                <a:cubicBezTo>
+                  <a:pt x="884290" y="172650"/>
+                  <a:pt x="908742" y="159670"/>
+                  <a:pt x="933455" y="161309"/>
+                </a:cubicBezTo>
+                <a:close/>
+                <a:moveTo>
+                  <a:pt x="256260" y="29"/>
+                </a:moveTo>
+                <a:cubicBezTo>
+                  <a:pt x="322331" y="427"/>
+                  <a:pt x="388378" y="4909"/>
+                  <a:pt x="454020" y="13474"/>
+                </a:cubicBezTo>
+                <a:cubicBezTo>
+                  <a:pt x="488793" y="17752"/>
+                  <a:pt x="513514" y="49409"/>
+                  <a:pt x="509236" y="84182"/>
+                </a:cubicBezTo>
+                <a:cubicBezTo>
+                  <a:pt x="505303" y="116151"/>
+                  <a:pt x="478038" y="140098"/>
+                  <a:pt x="445829" y="139871"/>
+                </a:cubicBezTo>
+                <a:cubicBezTo>
+                  <a:pt x="443027" y="139899"/>
+                  <a:pt x="440227" y="139740"/>
+                  <a:pt x="437447" y="139395"/>
+                </a:cubicBezTo>
+                <a:cubicBezTo>
+                  <a:pt x="316592" y="123615"/>
+                  <a:pt x="194247" y="122878"/>
+                  <a:pt x="73211" y="137204"/>
+                </a:cubicBezTo>
+                <a:cubicBezTo>
+                  <a:pt x="38532" y="142545"/>
+                  <a:pt x="6090" y="118762"/>
+                  <a:pt x="749" y="84082"/>
+                </a:cubicBezTo>
+                <a:cubicBezTo>
+                  <a:pt x="-4591" y="49403"/>
+                  <a:pt x="19192" y="16961"/>
+                  <a:pt x="53871" y="11621"/>
+                </a:cubicBezTo>
+                <a:cubicBezTo>
+                  <a:pt x="55358" y="11392"/>
+                  <a:pt x="56852" y="11216"/>
+                  <a:pt x="58352" y="11093"/>
+                </a:cubicBezTo>
+                <a:cubicBezTo>
+                  <a:pt x="124093" y="3319"/>
+                  <a:pt x="190189" y="-369"/>
+                  <a:pt x="256260" y="29"/>
+                </a:cubicBezTo>
+                <a:close/>
+              </a:path>
+            </a:pathLst>
+          </a:custGeom>
+          <a:solidFill>
+            <a:schemeClr val="accent4"/>
+          </a:solidFill>
+          <a:ln w="9525" cap="flat">
+            <a:noFill/>
+            <a:prstDash val="solid"/>
+            <a:miter/>
+          </a:ln>
+        </p:spPr>
+        <p:txBody>
+          <a:bodyPr rtlCol="0" anchor="ctr"/>
+          <a:lstStyle/>
+          <a:p>
+            <a:endParaRPr lang="en-US"/>
+          </a:p>
+        </p:txBody>
+      </p:sp>
+      <p:sp>
+        <p:nvSpPr>
+          <p:cNvPr id="41" name="Freeform: Shape 40">
+            <a:extLst>
+              <a:ext uri="{FF2B5EF4-FFF2-40B4-BE49-F238E27FC236}">
+                <a16:creationId xmlns:a16="http://schemas.microsoft.com/office/drawing/2014/main" id="{6691AC69-A76E-4DAB-B565-468B6B87ACF3}"/>
+              </a:ext>
+              <a:ext uri="{C183D7F6-B498-43B3-948B-1728B52AA6E4}">
+                <adec:decorative xmlns:adec="http://schemas.microsoft.com/office/drawing/2017/decorative" val="1"/>
+              </a:ext>
+            </a:extLst>
+          </p:cNvPr>
+          <p:cNvSpPr>
+            <a:spLocks noGrp="1" noRot="1" noChangeAspect="1" noMove="1" noResize="1" noEditPoints="1" noAdjustHandles="1" noChangeArrowheads="1" noChangeShapeType="1" noTextEdit="1"/>
+          </p:cNvSpPr>
+          <p:nvPr>
+            <p:extLst>
+              <p:ext uri="{386F3935-93C4-4BCD-93E2-E3B085C9AB24}">
+                <p16:designElem xmlns:p16="http://schemas.microsoft.com/office/powerpoint/2015/main" val="1"/>
+              </p:ext>
+            </p:extLst>
+          </p:nvPr>
+        </p:nvSpPr>
+        <p:spPr>
+          <a:xfrm flipH="1">
+            <a:off x="4132972" y="6258755"/>
+            <a:ext cx="1565940" cy="599245"/>
+          </a:xfrm>
+          <a:custGeom>
+            <a:avLst/>
+            <a:gdLst>
+              <a:gd name="connsiteX0" fmla="*/ 782970 w 1565940"/>
+              <a:gd name="connsiteY0" fmla="*/ 0 h 599245"/>
+              <a:gd name="connsiteX1" fmla="*/ 1528042 w 1565940"/>
+              <a:gd name="connsiteY1" fmla="*/ 480469 h 599245"/>
+              <a:gd name="connsiteX2" fmla="*/ 1565940 w 1565940"/>
+              <a:gd name="connsiteY2" fmla="*/ 599245 h 599245"/>
+              <a:gd name="connsiteX3" fmla="*/ 0 w 1565940"/>
+              <a:gd name="connsiteY3" fmla="*/ 599245 h 599245"/>
+              <a:gd name="connsiteX4" fmla="*/ 37898 w 1565940"/>
+              <a:gd name="connsiteY4" fmla="*/ 480469 h 599245"/>
+              <a:gd name="connsiteX5" fmla="*/ 782970 w 1565940"/>
+              <a:gd name="connsiteY5" fmla="*/ 0 h 599245"/>
+            </a:gdLst>
+            <a:ahLst/>
+            <a:cxnLst>
+              <a:cxn ang="0">
+                <a:pos x="connsiteX0" y="connsiteY0"/>
+              </a:cxn>
+              <a:cxn ang="0">
+                <a:pos x="connsiteX1" y="connsiteY1"/>
+              </a:cxn>
+              <a:cxn ang="0">
+                <a:pos x="connsiteX2" y="connsiteY2"/>
+              </a:cxn>
+              <a:cxn ang="0">
+                <a:pos x="connsiteX3" y="connsiteY3"/>
+              </a:cxn>
+              <a:cxn ang="0">
+                <a:pos x="connsiteX4" y="connsiteY4"/>
+              </a:cxn>
+              <a:cxn ang="0">
+                <a:pos x="connsiteX5" y="connsiteY5"/>
+              </a:cxn>
+            </a:cxnLst>
+            <a:rect l="l" t="t" r="r" b="b"/>
+            <a:pathLst>
+              <a:path w="1565940" h="599245">
+                <a:moveTo>
+                  <a:pt x="782970" y="0"/>
+                </a:moveTo>
+                <a:cubicBezTo>
+                  <a:pt x="1117910" y="0"/>
+                  <a:pt x="1405287" y="198118"/>
+                  <a:pt x="1528042" y="480469"/>
+                </a:cubicBezTo>
+                <a:lnTo>
+                  <a:pt x="1565940" y="599245"/>
+                </a:lnTo>
+                <a:lnTo>
+                  <a:pt x="0" y="599245"/>
+                </a:lnTo>
+                <a:lnTo>
+                  <a:pt x="37898" y="480469"/>
+                </a:lnTo>
+                <a:cubicBezTo>
+                  <a:pt x="160653" y="198118"/>
+                  <a:pt x="448030" y="0"/>
+                  <a:pt x="782970" y="0"/>
+                </a:cubicBezTo>
+                <a:close/>
+              </a:path>
+            </a:pathLst>
+          </a:custGeom>
+          <a:solidFill>
+            <a:schemeClr val="accent2"/>
+          </a:solidFill>
+          <a:ln>
+            <a:noFill/>
+          </a:ln>
+        </p:spPr>
+        <p:style>
+          <a:lnRef idx="2">
+            <a:schemeClr val="accent1">
+              <a:shade val="50000"/>
+            </a:schemeClr>
+          </a:lnRef>
+          <a:fillRef idx="1">
+            <a:schemeClr val="accent1"/>
+          </a:fillRef>
+          <a:effectRef idx="0">
+            <a:schemeClr val="accent1"/>
+          </a:effectRef>
+          <a:fontRef idx="minor">
+            <a:schemeClr val="lt1"/>
+          </a:fontRef>
+        </p:style>
+        <p:txBody>
+          <a:bodyPr wrap="square" rtlCol="0" anchor="ctr">
+            <a:noAutofit/>
+          </a:bodyPr>
+          <a:lstStyle/>
+          <a:p>
+            <a:pPr algn="ctr"/>
+            <a:endParaRPr lang="en-US" dirty="0"/>
+          </a:p>
+        </p:txBody>
+      </p:sp>
+    </p:spTree>
+    <p:extLst>
+      <p:ext uri="{BB962C8B-B14F-4D97-AF65-F5344CB8AC3E}">
+        <p14:creationId xmlns:p14="http://schemas.microsoft.com/office/powerpoint/2010/main" val="2089750412"/>
+      </p:ext>
+    </p:extLst>
+  </p:cSld>
+  <p:clrMapOvr>
+    <a:masterClrMapping/>
+  </p:clrMapOvr>
+</p:sld>
+</file>
+
+<file path=ppt/slides/slide11.xml><?xml version="1.0" encoding="utf-8"?>
+<p:sld xmlns:a="http://schemas.openxmlformats.org/drawingml/2006/main" xmlns:r="http://schemas.openxmlformats.org/officeDocument/2006/relationships" xmlns:p="http://schemas.openxmlformats.org/presentationml/2006/main">
+  <p:cSld>
+    <p:spTree>
+      <p:nvGrpSpPr>
+        <p:cNvPr id="1" name=""/>
+        <p:cNvGrpSpPr/>
+        <p:nvPr/>
+      </p:nvGrpSpPr>
+      <p:grpSpPr>
+        <a:xfrm>
+          <a:off x="0" y="0"/>
+          <a:ext cx="0" cy="0"/>
+          <a:chOff x="0" y="0"/>
+          <a:chExt cx="0" cy="0"/>
+        </a:xfrm>
+      </p:grpSpPr>
+      <p:sp>
+        <p:nvSpPr>
+          <p:cNvPr id="2" name="Nadpis 1">
+            <a:extLst>
+              <a:ext uri="{FF2B5EF4-FFF2-40B4-BE49-F238E27FC236}">
+                <a16:creationId xmlns:a16="http://schemas.microsoft.com/office/drawing/2014/main" id="{BBD8027A-59C4-39E3-C4CF-6C97C679F569}"/>
+              </a:ext>
+            </a:extLst>
+          </p:cNvPr>
+          <p:cNvSpPr>
+            <a:spLocks noGrp="1"/>
+          </p:cNvSpPr>
+          <p:nvPr>
+            <p:ph type="title"/>
+          </p:nvPr>
+        </p:nvSpPr>
+        <p:spPr/>
+        <p:txBody>
+          <a:bodyPr/>
+          <a:lstStyle/>
+          <a:p>
+            <a:r>
+              <a:rPr lang="cs-CZ">
+                <a:cs typeface="Calibri Light"/>
+              </a:rPr>
+              <a:t>Zdroje</a:t>
+            </a:r>
+            <a:endParaRPr lang="cs-CZ"/>
+          </a:p>
+        </p:txBody>
+      </p:sp>
+      <p:sp>
+        <p:nvSpPr>
+          <p:cNvPr id="3" name="Zástupný obsah 2">
+            <a:extLst>
+              <a:ext uri="{FF2B5EF4-FFF2-40B4-BE49-F238E27FC236}">
+                <a16:creationId xmlns:a16="http://schemas.microsoft.com/office/drawing/2014/main" id="{98181083-249A-E653-7E0C-04A418CE52D8}"/>
+              </a:ext>
+            </a:extLst>
+          </p:cNvPr>
+          <p:cNvSpPr>
+            <a:spLocks noGrp="1"/>
+          </p:cNvSpPr>
+          <p:nvPr>
+            <p:ph idx="1"/>
+          </p:nvPr>
+        </p:nvSpPr>
+        <p:spPr/>
+        <p:txBody>
+          <a:bodyPr vert="horz" lIns="91440" tIns="45720" rIns="91440" bIns="45720" rtlCol="0" anchor="t">
+            <a:normAutofit fontScale="92500" lnSpcReduction="10000"/>
+          </a:bodyPr>
+          <a:lstStyle/>
+          <a:p>
+            <a:r>
+              <a:rPr lang="cs-CZ" sz="1600" dirty="0" err="1">
+                <a:ea typeface="+mn-lt"/>
+                <a:cs typeface="+mn-lt"/>
+              </a:rPr>
+              <a:t>What</a:t>
+            </a:r>
+            <a:r>
+              <a:rPr lang="cs-CZ" sz="1600" dirty="0">
+                <a:ea typeface="+mn-lt"/>
+                <a:cs typeface="+mn-lt"/>
+              </a:rPr>
+              <a:t> </a:t>
+            </a:r>
+            <a:r>
+              <a:rPr lang="cs-CZ" sz="1600" dirty="0" err="1">
+                <a:ea typeface="+mn-lt"/>
+                <a:cs typeface="+mn-lt"/>
+              </a:rPr>
+              <a:t>is</a:t>
+            </a:r>
+            <a:r>
+              <a:rPr lang="cs-CZ" sz="1600" dirty="0">
+                <a:ea typeface="+mn-lt"/>
+                <a:cs typeface="+mn-lt"/>
+              </a:rPr>
+              <a:t> a </a:t>
+            </a:r>
+            <a:r>
+              <a:rPr lang="cs-CZ" sz="1600" dirty="0" err="1">
+                <a:ea typeface="+mn-lt"/>
+                <a:cs typeface="+mn-lt"/>
+              </a:rPr>
+              <a:t>File</a:t>
+            </a:r>
+            <a:r>
+              <a:rPr lang="cs-CZ" sz="1600" dirty="0">
+                <a:ea typeface="+mn-lt"/>
+                <a:cs typeface="+mn-lt"/>
+              </a:rPr>
+              <a:t> </a:t>
+            </a:r>
+            <a:r>
+              <a:rPr lang="cs-CZ" sz="1600" dirty="0" err="1">
+                <a:ea typeface="+mn-lt"/>
+                <a:cs typeface="+mn-lt"/>
+              </a:rPr>
+              <a:t>System</a:t>
+            </a:r>
+            <a:r>
+              <a:rPr lang="cs-CZ" sz="1600" dirty="0">
+                <a:ea typeface="+mn-lt"/>
+                <a:cs typeface="+mn-lt"/>
+              </a:rPr>
+              <a:t>?. </a:t>
+            </a:r>
+            <a:r>
+              <a:rPr lang="cs-CZ" sz="1600" i="1" dirty="0" err="1">
+                <a:ea typeface="+mn-lt"/>
+                <a:cs typeface="+mn-lt"/>
+              </a:rPr>
+              <a:t>Purchase</a:t>
+            </a:r>
+            <a:r>
+              <a:rPr lang="cs-CZ" sz="1600" i="1" dirty="0">
+                <a:ea typeface="+mn-lt"/>
+                <a:cs typeface="+mn-lt"/>
+              </a:rPr>
+              <a:t> </a:t>
+            </a:r>
+            <a:r>
+              <a:rPr lang="cs-CZ" sz="1600" i="1" dirty="0" err="1">
+                <a:ea typeface="+mn-lt"/>
+                <a:cs typeface="+mn-lt"/>
+              </a:rPr>
+              <a:t>Intent</a:t>
+            </a:r>
+            <a:r>
+              <a:rPr lang="cs-CZ" sz="1600" i="1" dirty="0">
+                <a:ea typeface="+mn-lt"/>
+                <a:cs typeface="+mn-lt"/>
+              </a:rPr>
+              <a:t> Data </a:t>
+            </a:r>
+            <a:r>
+              <a:rPr lang="cs-CZ" sz="1600" i="1" dirty="0" err="1">
+                <a:ea typeface="+mn-lt"/>
+                <a:cs typeface="+mn-lt"/>
+              </a:rPr>
+              <a:t>for</a:t>
+            </a:r>
+            <a:r>
+              <a:rPr lang="cs-CZ" sz="1600" i="1" dirty="0">
+                <a:ea typeface="+mn-lt"/>
+                <a:cs typeface="+mn-lt"/>
+              </a:rPr>
+              <a:t> </a:t>
+            </a:r>
+            <a:r>
+              <a:rPr lang="cs-CZ" sz="1600" i="1" dirty="0" err="1">
+                <a:ea typeface="+mn-lt"/>
+                <a:cs typeface="+mn-lt"/>
+              </a:rPr>
+              <a:t>Enterprise</a:t>
+            </a:r>
+            <a:r>
+              <a:rPr lang="cs-CZ" sz="1600" i="1" dirty="0">
+                <a:ea typeface="+mn-lt"/>
+                <a:cs typeface="+mn-lt"/>
+              </a:rPr>
+              <a:t> Tech Sales and Marketing - </a:t>
+            </a:r>
+            <a:r>
+              <a:rPr lang="cs-CZ" sz="1600" i="1" dirty="0" err="1">
+                <a:ea typeface="+mn-lt"/>
+                <a:cs typeface="+mn-lt"/>
+              </a:rPr>
+              <a:t>TechTarget</a:t>
+            </a:r>
+            <a:r>
+              <a:rPr lang="cs-CZ" sz="1600" dirty="0">
+                <a:ea typeface="+mn-lt"/>
+                <a:cs typeface="+mn-lt"/>
+              </a:rPr>
+              <a:t> [online]. Dostupné z: </a:t>
+            </a:r>
+            <a:r>
+              <a:rPr lang="cs-CZ" sz="1600" dirty="0">
+                <a:ea typeface="+mn-lt"/>
+                <a:cs typeface="+mn-lt"/>
+                <a:hlinkClick r:id="rId2"/>
+              </a:rPr>
+              <a:t>https://www.techtarget.com/searchstorage/definition/file-system</a:t>
+            </a:r>
+            <a:endParaRPr lang="cs-CZ" sz="1600" dirty="0">
+              <a:cs typeface="Calibri"/>
+            </a:endParaRPr>
+          </a:p>
+          <a:p>
+            <a:r>
+              <a:rPr lang="cs-CZ" sz="1600" dirty="0" err="1">
+                <a:ea typeface="+mn-lt"/>
+                <a:cs typeface="+mn-lt"/>
+              </a:rPr>
+              <a:t>What</a:t>
+            </a:r>
+            <a:r>
+              <a:rPr lang="cs-CZ" sz="1600" dirty="0">
+                <a:ea typeface="+mn-lt"/>
+                <a:cs typeface="+mn-lt"/>
+              </a:rPr>
+              <a:t> </a:t>
+            </a:r>
+            <a:r>
+              <a:rPr lang="cs-CZ" sz="1600" dirty="0" err="1">
+                <a:ea typeface="+mn-lt"/>
+                <a:cs typeface="+mn-lt"/>
+              </a:rPr>
+              <a:t>is</a:t>
+            </a:r>
+            <a:r>
+              <a:rPr lang="cs-CZ" sz="1600" dirty="0">
+                <a:ea typeface="+mn-lt"/>
+                <a:cs typeface="+mn-lt"/>
+              </a:rPr>
+              <a:t> </a:t>
+            </a:r>
+            <a:r>
+              <a:rPr lang="cs-CZ" sz="1600" dirty="0" err="1">
+                <a:ea typeface="+mn-lt"/>
+                <a:cs typeface="+mn-lt"/>
+              </a:rPr>
+              <a:t>File</a:t>
+            </a:r>
+            <a:r>
+              <a:rPr lang="cs-CZ" sz="1600" dirty="0">
+                <a:ea typeface="+mn-lt"/>
+                <a:cs typeface="+mn-lt"/>
+              </a:rPr>
+              <a:t> </a:t>
+            </a:r>
+            <a:r>
+              <a:rPr lang="cs-CZ" sz="1600" dirty="0" err="1">
+                <a:ea typeface="+mn-lt"/>
+                <a:cs typeface="+mn-lt"/>
+              </a:rPr>
+              <a:t>Allocation</a:t>
+            </a:r>
+            <a:r>
+              <a:rPr lang="cs-CZ" sz="1600" dirty="0">
+                <a:ea typeface="+mn-lt"/>
+                <a:cs typeface="+mn-lt"/>
+              </a:rPr>
+              <a:t> Table (FAT)?. </a:t>
+            </a:r>
+            <a:r>
+              <a:rPr lang="cs-CZ" sz="1600" i="1" dirty="0" err="1">
+                <a:ea typeface="+mn-lt"/>
+                <a:cs typeface="+mn-lt"/>
+              </a:rPr>
+              <a:t>Purchase</a:t>
+            </a:r>
+            <a:r>
+              <a:rPr lang="cs-CZ" sz="1600" i="1" dirty="0">
+                <a:ea typeface="+mn-lt"/>
+                <a:cs typeface="+mn-lt"/>
+              </a:rPr>
+              <a:t> </a:t>
+            </a:r>
+            <a:r>
+              <a:rPr lang="cs-CZ" sz="1600" i="1" dirty="0" err="1">
+                <a:ea typeface="+mn-lt"/>
+                <a:cs typeface="+mn-lt"/>
+              </a:rPr>
+              <a:t>Intent</a:t>
+            </a:r>
+            <a:r>
+              <a:rPr lang="cs-CZ" sz="1600" i="1" dirty="0">
+                <a:ea typeface="+mn-lt"/>
+                <a:cs typeface="+mn-lt"/>
+              </a:rPr>
+              <a:t> Data </a:t>
+            </a:r>
+            <a:r>
+              <a:rPr lang="cs-CZ" sz="1600" i="1" dirty="0" err="1">
+                <a:ea typeface="+mn-lt"/>
+                <a:cs typeface="+mn-lt"/>
+              </a:rPr>
+              <a:t>for</a:t>
+            </a:r>
+            <a:r>
+              <a:rPr lang="cs-CZ" sz="1600" i="1" dirty="0">
+                <a:ea typeface="+mn-lt"/>
+                <a:cs typeface="+mn-lt"/>
+              </a:rPr>
+              <a:t> </a:t>
+            </a:r>
+            <a:r>
+              <a:rPr lang="cs-CZ" sz="1600" i="1" dirty="0" err="1">
+                <a:ea typeface="+mn-lt"/>
+                <a:cs typeface="+mn-lt"/>
+              </a:rPr>
+              <a:t>Enterprise</a:t>
+            </a:r>
+            <a:r>
+              <a:rPr lang="cs-CZ" sz="1600" i="1" dirty="0">
+                <a:ea typeface="+mn-lt"/>
+                <a:cs typeface="+mn-lt"/>
+              </a:rPr>
+              <a:t> Tech Sales and Marketing - </a:t>
+            </a:r>
+            <a:r>
+              <a:rPr lang="cs-CZ" sz="1600" i="1" dirty="0" err="1">
+                <a:ea typeface="+mn-lt"/>
+                <a:cs typeface="+mn-lt"/>
+              </a:rPr>
+              <a:t>TechTarget</a:t>
+            </a:r>
+            <a:r>
+              <a:rPr lang="cs-CZ" sz="1600" dirty="0">
+                <a:ea typeface="+mn-lt"/>
+                <a:cs typeface="+mn-lt"/>
+              </a:rPr>
+              <a:t> [online]. Dostupné z: </a:t>
+            </a:r>
+            <a:r>
+              <a:rPr lang="cs-CZ" sz="1600" dirty="0">
+                <a:ea typeface="+mn-lt"/>
+                <a:cs typeface="+mn-lt"/>
+                <a:hlinkClick r:id="rId3"/>
+              </a:rPr>
+              <a:t>https://www.techtarget.com/whatis/definition/file-allocation-table-FAT</a:t>
+            </a:r>
+            <a:endParaRPr lang="cs-CZ" sz="1600" dirty="0">
+              <a:ea typeface="+mn-lt"/>
+              <a:cs typeface="+mn-lt"/>
+            </a:endParaRPr>
+          </a:p>
+          <a:p>
+            <a:r>
+              <a:rPr lang="cs-CZ" sz="1600" dirty="0" err="1">
+                <a:ea typeface="+mn-lt"/>
+                <a:cs typeface="+mn-lt"/>
+              </a:rPr>
+              <a:t>What</a:t>
+            </a:r>
+            <a:r>
+              <a:rPr lang="cs-CZ" sz="1600" dirty="0">
+                <a:ea typeface="+mn-lt"/>
+                <a:cs typeface="+mn-lt"/>
+              </a:rPr>
+              <a:t> </a:t>
+            </a:r>
+            <a:r>
+              <a:rPr lang="cs-CZ" sz="1600" dirty="0" err="1">
+                <a:ea typeface="+mn-lt"/>
+                <a:cs typeface="+mn-lt"/>
+              </a:rPr>
+              <a:t>Is</a:t>
+            </a:r>
+            <a:r>
+              <a:rPr lang="cs-CZ" sz="1600" dirty="0">
+                <a:ea typeface="+mn-lt"/>
+                <a:cs typeface="+mn-lt"/>
+              </a:rPr>
+              <a:t> </a:t>
+            </a:r>
+            <a:r>
+              <a:rPr lang="cs-CZ" sz="1600" dirty="0" err="1">
+                <a:ea typeface="+mn-lt"/>
+                <a:cs typeface="+mn-lt"/>
+              </a:rPr>
+              <a:t>File</a:t>
+            </a:r>
+            <a:r>
+              <a:rPr lang="cs-CZ" sz="1600" dirty="0">
+                <a:ea typeface="+mn-lt"/>
+                <a:cs typeface="+mn-lt"/>
+              </a:rPr>
+              <a:t> </a:t>
+            </a:r>
+            <a:r>
+              <a:rPr lang="cs-CZ" sz="1600" dirty="0" err="1">
+                <a:ea typeface="+mn-lt"/>
+                <a:cs typeface="+mn-lt"/>
+              </a:rPr>
+              <a:t>Allocation</a:t>
+            </a:r>
+            <a:r>
+              <a:rPr lang="cs-CZ" sz="1600" dirty="0">
+                <a:ea typeface="+mn-lt"/>
+                <a:cs typeface="+mn-lt"/>
+              </a:rPr>
+              <a:t> Table (FAT)?. </a:t>
+            </a:r>
+            <a:r>
+              <a:rPr lang="cs-CZ" sz="1600" i="1" dirty="0" err="1">
+                <a:ea typeface="+mn-lt"/>
+                <a:cs typeface="+mn-lt"/>
+              </a:rPr>
+              <a:t>Lifewire</a:t>
+            </a:r>
+            <a:r>
+              <a:rPr lang="cs-CZ" sz="1600" i="1" dirty="0">
+                <a:ea typeface="+mn-lt"/>
+                <a:cs typeface="+mn-lt"/>
+              </a:rPr>
+              <a:t>: Tech </a:t>
+            </a:r>
+            <a:r>
+              <a:rPr lang="cs-CZ" sz="1600" i="1" dirty="0" err="1">
+                <a:ea typeface="+mn-lt"/>
+                <a:cs typeface="+mn-lt"/>
+              </a:rPr>
+              <a:t>News</a:t>
+            </a:r>
+            <a:r>
+              <a:rPr lang="cs-CZ" sz="1600" i="1" dirty="0">
+                <a:ea typeface="+mn-lt"/>
+                <a:cs typeface="+mn-lt"/>
+              </a:rPr>
+              <a:t>, </a:t>
+            </a:r>
+            <a:r>
+              <a:rPr lang="cs-CZ" sz="1600" i="1" dirty="0" err="1">
+                <a:ea typeface="+mn-lt"/>
+                <a:cs typeface="+mn-lt"/>
+              </a:rPr>
+              <a:t>Reviews</a:t>
+            </a:r>
+            <a:r>
+              <a:rPr lang="cs-CZ" sz="1600" i="1" dirty="0">
+                <a:ea typeface="+mn-lt"/>
+                <a:cs typeface="+mn-lt"/>
+              </a:rPr>
+              <a:t>, </a:t>
+            </a:r>
+            <a:r>
+              <a:rPr lang="cs-CZ" sz="1600" i="1" dirty="0" err="1">
+                <a:ea typeface="+mn-lt"/>
+                <a:cs typeface="+mn-lt"/>
+              </a:rPr>
+              <a:t>Help</a:t>
+            </a:r>
+            <a:r>
+              <a:rPr lang="cs-CZ" sz="1600" i="1" dirty="0">
+                <a:ea typeface="+mn-lt"/>
+                <a:cs typeface="+mn-lt"/>
+              </a:rPr>
+              <a:t> &amp; </a:t>
+            </a:r>
+            <a:r>
+              <a:rPr lang="cs-CZ" sz="1600" i="1" dirty="0" err="1">
+                <a:ea typeface="+mn-lt"/>
+                <a:cs typeface="+mn-lt"/>
+              </a:rPr>
+              <a:t>How-Tos</a:t>
+            </a:r>
+            <a:r>
+              <a:rPr lang="cs-CZ" sz="1600" dirty="0">
+                <a:ea typeface="+mn-lt"/>
+                <a:cs typeface="+mn-lt"/>
+              </a:rPr>
+              <a:t> [online]. Dostupné z: </a:t>
+            </a:r>
+            <a:r>
+              <a:rPr lang="cs-CZ" sz="1600" dirty="0">
+                <a:ea typeface="+mn-lt"/>
+                <a:cs typeface="+mn-lt"/>
+                <a:hlinkClick r:id="rId4"/>
+              </a:rPr>
+              <a:t>https://www.lifewire.com/what-is-file-allocation-table-fat-2625877</a:t>
+            </a:r>
+            <a:endParaRPr lang="cs-CZ" sz="1600" dirty="0">
+              <a:cs typeface="Calibri"/>
+            </a:endParaRPr>
+          </a:p>
+          <a:p>
+            <a:r>
+              <a:rPr lang="cs-CZ" sz="1600" dirty="0" err="1">
+                <a:ea typeface="+mn-lt"/>
+                <a:cs typeface="+mn-lt"/>
+              </a:rPr>
+              <a:t>What</a:t>
+            </a:r>
+            <a:r>
+              <a:rPr lang="cs-CZ" sz="1600" dirty="0">
+                <a:ea typeface="+mn-lt"/>
+                <a:cs typeface="+mn-lt"/>
+              </a:rPr>
+              <a:t> </a:t>
+            </a:r>
+            <a:r>
+              <a:rPr lang="cs-CZ" sz="1600" dirty="0" err="1">
+                <a:ea typeface="+mn-lt"/>
+                <a:cs typeface="+mn-lt"/>
+              </a:rPr>
+              <a:t>Is</a:t>
+            </a:r>
+            <a:r>
+              <a:rPr lang="cs-CZ" sz="1600" dirty="0">
+                <a:ea typeface="+mn-lt"/>
+                <a:cs typeface="+mn-lt"/>
+              </a:rPr>
+              <a:t> NTFS and </a:t>
+            </a:r>
+            <a:r>
+              <a:rPr lang="cs-CZ" sz="1600" dirty="0" err="1">
+                <a:ea typeface="+mn-lt"/>
+                <a:cs typeface="+mn-lt"/>
+              </a:rPr>
+              <a:t>How</a:t>
+            </a:r>
+            <a:r>
+              <a:rPr lang="cs-CZ" sz="1600" dirty="0">
+                <a:ea typeface="+mn-lt"/>
+                <a:cs typeface="+mn-lt"/>
+              </a:rPr>
+              <a:t> </a:t>
+            </a:r>
+            <a:r>
+              <a:rPr lang="cs-CZ" sz="1600" dirty="0" err="1">
+                <a:ea typeface="+mn-lt"/>
+                <a:cs typeface="+mn-lt"/>
+              </a:rPr>
+              <a:t>Does</a:t>
+            </a:r>
+            <a:r>
+              <a:rPr lang="cs-CZ" sz="1600" dirty="0">
+                <a:ea typeface="+mn-lt"/>
+                <a:cs typeface="+mn-lt"/>
+              </a:rPr>
+              <a:t> It </a:t>
+            </a:r>
+            <a:r>
+              <a:rPr lang="cs-CZ" sz="1600" dirty="0" err="1">
+                <a:ea typeface="+mn-lt"/>
+                <a:cs typeface="+mn-lt"/>
+              </a:rPr>
+              <a:t>Work</a:t>
+            </a:r>
+            <a:r>
+              <a:rPr lang="cs-CZ" sz="1600" dirty="0">
+                <a:ea typeface="+mn-lt"/>
+                <a:cs typeface="+mn-lt"/>
+              </a:rPr>
+              <a:t>?. </a:t>
+            </a:r>
+            <a:r>
+              <a:rPr lang="cs-CZ" sz="1600" i="1" dirty="0" err="1">
+                <a:ea typeface="+mn-lt"/>
+                <a:cs typeface="+mn-lt"/>
+              </a:rPr>
+              <a:t>Datto</a:t>
+            </a:r>
+            <a:r>
+              <a:rPr lang="cs-CZ" sz="1600" i="1" dirty="0">
+                <a:ea typeface="+mn-lt"/>
+                <a:cs typeface="+mn-lt"/>
+              </a:rPr>
+              <a:t> | </a:t>
+            </a:r>
+            <a:r>
+              <a:rPr lang="cs-CZ" sz="1600" i="1" dirty="0" err="1">
+                <a:ea typeface="+mn-lt"/>
+                <a:cs typeface="+mn-lt"/>
+              </a:rPr>
+              <a:t>The</a:t>
+            </a:r>
+            <a:r>
+              <a:rPr lang="cs-CZ" sz="1600" i="1" dirty="0">
+                <a:ea typeface="+mn-lt"/>
+                <a:cs typeface="+mn-lt"/>
+              </a:rPr>
+              <a:t> </a:t>
+            </a:r>
+            <a:r>
+              <a:rPr lang="cs-CZ" sz="1600" i="1" dirty="0" err="1">
+                <a:ea typeface="+mn-lt"/>
+                <a:cs typeface="+mn-lt"/>
+              </a:rPr>
+              <a:t>Managed</a:t>
+            </a:r>
+            <a:r>
+              <a:rPr lang="cs-CZ" sz="1600" i="1" dirty="0">
+                <a:ea typeface="+mn-lt"/>
+                <a:cs typeface="+mn-lt"/>
+              </a:rPr>
+              <a:t> </a:t>
+            </a:r>
+            <a:r>
+              <a:rPr lang="cs-CZ" sz="1600" i="1" dirty="0" err="1">
+                <a:ea typeface="+mn-lt"/>
+                <a:cs typeface="+mn-lt"/>
+              </a:rPr>
+              <a:t>Service</a:t>
+            </a:r>
+            <a:r>
+              <a:rPr lang="cs-CZ" sz="1600" i="1" dirty="0">
+                <a:ea typeface="+mn-lt"/>
+                <a:cs typeface="+mn-lt"/>
+              </a:rPr>
+              <a:t> Provider Technology </a:t>
+            </a:r>
+            <a:r>
+              <a:rPr lang="cs-CZ" sz="1600" i="1" dirty="0" err="1">
+                <a:ea typeface="+mn-lt"/>
+                <a:cs typeface="+mn-lt"/>
+              </a:rPr>
+              <a:t>Company</a:t>
+            </a:r>
+            <a:r>
+              <a:rPr lang="cs-CZ" sz="1600" dirty="0">
+                <a:ea typeface="+mn-lt"/>
+                <a:cs typeface="+mn-lt"/>
+              </a:rPr>
+              <a:t> [online]. Dostupné z: </a:t>
+            </a:r>
+            <a:r>
+              <a:rPr lang="cs-CZ" sz="1600" dirty="0">
+                <a:ea typeface="+mn-lt"/>
+                <a:cs typeface="+mn-lt"/>
+                <a:hlinkClick r:id="rId5"/>
+              </a:rPr>
+              <a:t>https://www.datto.com/blog/what-is-ntfs-and-how-does-it-work</a:t>
+            </a:r>
+            <a:endParaRPr lang="cs-CZ" sz="1600" dirty="0">
+              <a:cs typeface="Calibri"/>
+            </a:endParaRPr>
+          </a:p>
+          <a:p>
+            <a:r>
+              <a:rPr lang="cs-CZ" sz="1600" dirty="0" err="1">
+                <a:ea typeface="+mn-lt"/>
+                <a:cs typeface="+mn-lt"/>
+              </a:rPr>
+              <a:t>What</a:t>
+            </a:r>
+            <a:r>
+              <a:rPr lang="cs-CZ" sz="1600" dirty="0">
+                <a:ea typeface="+mn-lt"/>
+                <a:cs typeface="+mn-lt"/>
+              </a:rPr>
+              <a:t> </a:t>
+            </a:r>
+            <a:r>
+              <a:rPr lang="cs-CZ" sz="1600" dirty="0" err="1">
+                <a:ea typeface="+mn-lt"/>
+                <a:cs typeface="+mn-lt"/>
+              </a:rPr>
+              <a:t>Is</a:t>
+            </a:r>
+            <a:r>
+              <a:rPr lang="cs-CZ" sz="1600" dirty="0">
+                <a:ea typeface="+mn-lt"/>
+                <a:cs typeface="+mn-lt"/>
+              </a:rPr>
+              <a:t> NTFS And </a:t>
+            </a:r>
+            <a:r>
+              <a:rPr lang="cs-CZ" sz="1600" dirty="0" err="1">
+                <a:ea typeface="+mn-lt"/>
+                <a:cs typeface="+mn-lt"/>
+              </a:rPr>
+              <a:t>How</a:t>
+            </a:r>
+            <a:r>
+              <a:rPr lang="cs-CZ" sz="1600" dirty="0">
+                <a:ea typeface="+mn-lt"/>
+                <a:cs typeface="+mn-lt"/>
+              </a:rPr>
+              <a:t> </a:t>
+            </a:r>
+            <a:r>
+              <a:rPr lang="cs-CZ" sz="1600" dirty="0" err="1">
+                <a:ea typeface="+mn-lt"/>
+                <a:cs typeface="+mn-lt"/>
+              </a:rPr>
+              <a:t>Does</a:t>
+            </a:r>
+            <a:r>
+              <a:rPr lang="cs-CZ" sz="1600" dirty="0">
+                <a:ea typeface="+mn-lt"/>
+                <a:cs typeface="+mn-lt"/>
+              </a:rPr>
+              <a:t> It </a:t>
+            </a:r>
+            <a:r>
+              <a:rPr lang="cs-CZ" sz="1600" dirty="0" err="1">
+                <a:ea typeface="+mn-lt"/>
+                <a:cs typeface="+mn-lt"/>
+              </a:rPr>
+              <a:t>Work</a:t>
+            </a:r>
+            <a:r>
+              <a:rPr lang="cs-CZ" sz="1600" dirty="0">
+                <a:ea typeface="+mn-lt"/>
+                <a:cs typeface="+mn-lt"/>
+              </a:rPr>
+              <a:t>?. </a:t>
+            </a:r>
+            <a:r>
+              <a:rPr lang="cs-CZ" sz="1600" i="1" dirty="0" err="1">
+                <a:ea typeface="+mn-lt"/>
+                <a:cs typeface="+mn-lt"/>
+              </a:rPr>
+              <a:t>Purchase</a:t>
+            </a:r>
+            <a:r>
+              <a:rPr lang="cs-CZ" sz="1600" i="1" dirty="0">
+                <a:ea typeface="+mn-lt"/>
+                <a:cs typeface="+mn-lt"/>
+              </a:rPr>
+              <a:t> </a:t>
+            </a:r>
+            <a:r>
+              <a:rPr lang="cs-CZ" sz="1600" i="1" dirty="0" err="1">
+                <a:ea typeface="+mn-lt"/>
+                <a:cs typeface="+mn-lt"/>
+              </a:rPr>
+              <a:t>Intent</a:t>
+            </a:r>
+            <a:r>
+              <a:rPr lang="cs-CZ" sz="1600" i="1" dirty="0">
+                <a:ea typeface="+mn-lt"/>
+                <a:cs typeface="+mn-lt"/>
+              </a:rPr>
+              <a:t> Data </a:t>
+            </a:r>
+            <a:r>
+              <a:rPr lang="cs-CZ" sz="1600" i="1" dirty="0" err="1">
+                <a:ea typeface="+mn-lt"/>
+                <a:cs typeface="+mn-lt"/>
+              </a:rPr>
+              <a:t>for</a:t>
+            </a:r>
+            <a:r>
+              <a:rPr lang="cs-CZ" sz="1600" i="1" dirty="0">
+                <a:ea typeface="+mn-lt"/>
+                <a:cs typeface="+mn-lt"/>
+              </a:rPr>
+              <a:t> </a:t>
+            </a:r>
+            <a:r>
+              <a:rPr lang="cs-CZ" sz="1600" i="1" dirty="0" err="1">
+                <a:ea typeface="+mn-lt"/>
+                <a:cs typeface="+mn-lt"/>
+              </a:rPr>
+              <a:t>Enterprise</a:t>
+            </a:r>
+            <a:r>
+              <a:rPr lang="cs-CZ" sz="1600" i="1" dirty="0">
+                <a:ea typeface="+mn-lt"/>
+                <a:cs typeface="+mn-lt"/>
+              </a:rPr>
+              <a:t> Tech Sales and Marketing - </a:t>
+            </a:r>
+            <a:r>
+              <a:rPr lang="cs-CZ" sz="1600" i="1" dirty="0" err="1">
+                <a:ea typeface="+mn-lt"/>
+                <a:cs typeface="+mn-lt"/>
+              </a:rPr>
+              <a:t>TechTarget</a:t>
+            </a:r>
+            <a:r>
+              <a:rPr lang="cs-CZ" sz="1600" dirty="0">
+                <a:ea typeface="+mn-lt"/>
+                <a:cs typeface="+mn-lt"/>
+              </a:rPr>
+              <a:t> [online]. Dostupné z: </a:t>
+            </a:r>
+            <a:r>
+              <a:rPr lang="cs-CZ" sz="1600" dirty="0">
+                <a:ea typeface="+mn-lt"/>
+                <a:cs typeface="+mn-lt"/>
+                <a:hlinkClick r:id="rId6"/>
+              </a:rPr>
+              <a:t>https://www.techtarget.com/searchwindowsserver/definition/NTFS</a:t>
+            </a:r>
+          </a:p>
+          <a:p>
+            <a:r>
+              <a:rPr lang="cs-CZ" sz="1600" dirty="0">
+                <a:ea typeface="+mn-lt"/>
+                <a:cs typeface="+mn-lt"/>
+              </a:rPr>
+              <a:t>Cluster (pevný disk) – Wikipedie. [online]. Dostupné z: </a:t>
+            </a:r>
+            <a:r>
+              <a:rPr lang="cs-CZ" sz="1600" dirty="0">
+                <a:ea typeface="+mn-lt"/>
+                <a:cs typeface="+mn-lt"/>
+                <a:hlinkClick r:id="rId7"/>
+              </a:rPr>
+              <a:t>https://cs.wikipedia.org/wiki/Cluster_(pevn%C3%BD_disk)</a:t>
+            </a:r>
+          </a:p>
+          <a:p>
+            <a:r>
+              <a:rPr lang="cs-CZ" sz="1600" dirty="0" err="1">
+                <a:ea typeface="+mn-lt"/>
+                <a:cs typeface="+mn-lt"/>
+              </a:rPr>
+              <a:t>Resilient</a:t>
+            </a:r>
+            <a:r>
+              <a:rPr lang="cs-CZ" sz="1600" dirty="0">
+                <a:ea typeface="+mn-lt"/>
+                <a:cs typeface="+mn-lt"/>
+              </a:rPr>
+              <a:t> </a:t>
+            </a:r>
+            <a:r>
+              <a:rPr lang="cs-CZ" sz="1600" dirty="0" err="1">
+                <a:ea typeface="+mn-lt"/>
+                <a:cs typeface="+mn-lt"/>
+              </a:rPr>
+              <a:t>File</a:t>
+            </a:r>
+            <a:r>
+              <a:rPr lang="cs-CZ" sz="1600" dirty="0">
+                <a:ea typeface="+mn-lt"/>
+                <a:cs typeface="+mn-lt"/>
+              </a:rPr>
+              <a:t> </a:t>
+            </a:r>
+            <a:r>
+              <a:rPr lang="cs-CZ" sz="1600" dirty="0" err="1">
+                <a:ea typeface="+mn-lt"/>
+                <a:cs typeface="+mn-lt"/>
+              </a:rPr>
+              <a:t>System</a:t>
+            </a:r>
+            <a:r>
+              <a:rPr lang="cs-CZ" sz="1600" dirty="0">
+                <a:ea typeface="+mn-lt"/>
+                <a:cs typeface="+mn-lt"/>
+              </a:rPr>
+              <a:t> (</a:t>
+            </a:r>
+            <a:r>
+              <a:rPr lang="cs-CZ" sz="1600" dirty="0" err="1">
+                <a:ea typeface="+mn-lt"/>
+                <a:cs typeface="+mn-lt"/>
+              </a:rPr>
+              <a:t>ReFS</a:t>
+            </a:r>
+            <a:r>
+              <a:rPr lang="cs-CZ" sz="1600" dirty="0">
+                <a:ea typeface="+mn-lt"/>
+                <a:cs typeface="+mn-lt"/>
+              </a:rPr>
+              <a:t>) - </a:t>
+            </a:r>
+            <a:r>
+              <a:rPr lang="cs-CZ" sz="1600" dirty="0" err="1">
+                <a:ea typeface="+mn-lt"/>
+                <a:cs typeface="+mn-lt"/>
+              </a:rPr>
+              <a:t>Everything</a:t>
+            </a:r>
+            <a:r>
+              <a:rPr lang="cs-CZ" sz="1600" dirty="0">
+                <a:ea typeface="+mn-lt"/>
+                <a:cs typeface="+mn-lt"/>
+              </a:rPr>
+              <a:t> </a:t>
+            </a:r>
+            <a:r>
+              <a:rPr lang="cs-CZ" sz="1600" dirty="0" err="1">
+                <a:ea typeface="+mn-lt"/>
+                <a:cs typeface="+mn-lt"/>
+              </a:rPr>
+              <a:t>You</a:t>
+            </a:r>
+            <a:r>
+              <a:rPr lang="cs-CZ" sz="1600" dirty="0">
+                <a:ea typeface="+mn-lt"/>
+                <a:cs typeface="+mn-lt"/>
+              </a:rPr>
+              <a:t> </a:t>
+            </a:r>
+            <a:r>
+              <a:rPr lang="cs-CZ" sz="1600" dirty="0" err="1">
+                <a:ea typeface="+mn-lt"/>
+                <a:cs typeface="+mn-lt"/>
+              </a:rPr>
+              <a:t>Need</a:t>
+            </a:r>
+            <a:r>
+              <a:rPr lang="cs-CZ" sz="1600" dirty="0">
+                <a:ea typeface="+mn-lt"/>
+                <a:cs typeface="+mn-lt"/>
+              </a:rPr>
+              <a:t> to </a:t>
+            </a:r>
+            <a:r>
+              <a:rPr lang="cs-CZ" sz="1600" dirty="0" err="1">
+                <a:ea typeface="+mn-lt"/>
+                <a:cs typeface="+mn-lt"/>
+              </a:rPr>
+              <a:t>Know</a:t>
+            </a:r>
+            <a:r>
+              <a:rPr lang="cs-CZ" sz="1600" dirty="0">
+                <a:ea typeface="+mn-lt"/>
+                <a:cs typeface="+mn-lt"/>
+              </a:rPr>
+              <a:t> So Far. </a:t>
+            </a:r>
+            <a:r>
+              <a:rPr lang="cs-CZ" sz="1600" i="1" dirty="0">
+                <a:ea typeface="+mn-lt"/>
+                <a:cs typeface="+mn-lt"/>
+              </a:rPr>
+              <a:t>[</a:t>
+            </a:r>
+            <a:r>
+              <a:rPr lang="cs-CZ" sz="1600" i="1" dirty="0" err="1">
+                <a:ea typeface="+mn-lt"/>
+                <a:cs typeface="+mn-lt"/>
+              </a:rPr>
+              <a:t>Official</a:t>
+            </a:r>
+            <a:r>
+              <a:rPr lang="cs-CZ" sz="1600" i="1" dirty="0">
+                <a:ea typeface="+mn-lt"/>
+                <a:cs typeface="+mn-lt"/>
+              </a:rPr>
+              <a:t>] </a:t>
+            </a:r>
+            <a:r>
+              <a:rPr lang="cs-CZ" sz="1600" i="1" dirty="0" err="1">
+                <a:ea typeface="+mn-lt"/>
+                <a:cs typeface="+mn-lt"/>
+              </a:rPr>
+              <a:t>Recoverit</a:t>
+            </a:r>
+            <a:r>
+              <a:rPr lang="cs-CZ" sz="1600" i="1" dirty="0">
+                <a:ea typeface="+mn-lt"/>
+                <a:cs typeface="+mn-lt"/>
+              </a:rPr>
+              <a:t> - </a:t>
+            </a:r>
+            <a:r>
+              <a:rPr lang="cs-CZ" sz="1600" i="1" dirty="0" err="1">
+                <a:ea typeface="+mn-lt"/>
+                <a:cs typeface="+mn-lt"/>
+              </a:rPr>
+              <a:t>Ultimate</a:t>
+            </a:r>
+            <a:r>
+              <a:rPr lang="cs-CZ" sz="1600" i="1" dirty="0">
+                <a:ea typeface="+mn-lt"/>
+                <a:cs typeface="+mn-lt"/>
+              </a:rPr>
+              <a:t> Data </a:t>
+            </a:r>
+            <a:r>
+              <a:rPr lang="cs-CZ" sz="1600" i="1" dirty="0" err="1">
+                <a:ea typeface="+mn-lt"/>
+                <a:cs typeface="+mn-lt"/>
+              </a:rPr>
+              <a:t>Recovery</a:t>
+            </a:r>
+            <a:r>
+              <a:rPr lang="cs-CZ" sz="1600" i="1" dirty="0">
+                <a:ea typeface="+mn-lt"/>
+                <a:cs typeface="+mn-lt"/>
+              </a:rPr>
+              <a:t> </a:t>
+            </a:r>
+            <a:r>
+              <a:rPr lang="cs-CZ" sz="1600" i="1" dirty="0" err="1">
+                <a:ea typeface="+mn-lt"/>
+                <a:cs typeface="+mn-lt"/>
+              </a:rPr>
+              <a:t>Solutions</a:t>
+            </a:r>
+            <a:r>
+              <a:rPr lang="cs-CZ" sz="1600" i="1" dirty="0">
+                <a:ea typeface="+mn-lt"/>
+                <a:cs typeface="+mn-lt"/>
+              </a:rPr>
+              <a:t> </a:t>
+            </a:r>
+            <a:r>
+              <a:rPr lang="cs-CZ" sz="1600" i="1" dirty="0" err="1">
+                <a:ea typeface="+mn-lt"/>
+                <a:cs typeface="+mn-lt"/>
+              </a:rPr>
+              <a:t>for</a:t>
+            </a:r>
+            <a:r>
+              <a:rPr lang="cs-CZ" sz="1600" i="1" dirty="0">
+                <a:ea typeface="+mn-lt"/>
+                <a:cs typeface="+mn-lt"/>
+              </a:rPr>
+              <a:t> Windows/Mac</a:t>
+            </a:r>
+            <a:r>
+              <a:rPr lang="cs-CZ" sz="1600" dirty="0">
+                <a:ea typeface="+mn-lt"/>
+                <a:cs typeface="+mn-lt"/>
+              </a:rPr>
+              <a:t> [online]. Copyright © [cit. 14.01.2023]. Dostupné z: </a:t>
+            </a:r>
+            <a:r>
+              <a:rPr lang="cs-CZ" sz="1600" dirty="0">
+                <a:ea typeface="+mn-lt"/>
+                <a:cs typeface="+mn-lt"/>
+                <a:hlinkClick r:id="rId8"/>
+              </a:rPr>
+              <a:t>https://recoverit.wondershare.com/file-system/refs-file-system.html</a:t>
+            </a:r>
+          </a:p>
+          <a:p>
+            <a:r>
+              <a:rPr lang="cs-CZ" sz="1600" dirty="0">
+                <a:ea typeface="+mn-lt"/>
+                <a:cs typeface="+mn-lt"/>
+              </a:rPr>
+              <a:t>ISO 9660 – Wikipedie. [online]. Dostupné z: </a:t>
+            </a:r>
+            <a:r>
+              <a:rPr lang="cs-CZ" sz="1600" dirty="0">
+                <a:ea typeface="+mn-lt"/>
+                <a:cs typeface="+mn-lt"/>
+                <a:hlinkClick r:id="rId9"/>
+              </a:rPr>
+              <a:t>https://cs.wikipedia.org/wiki/ISO_9660</a:t>
+            </a:r>
+            <a:endParaRPr lang="cs-CZ" sz="1600" dirty="0">
+              <a:ea typeface="+mn-lt"/>
+              <a:cs typeface="+mn-lt"/>
+            </a:endParaRPr>
+          </a:p>
+          <a:p>
+            <a:r>
+              <a:rPr lang="cs-CZ" sz="1600" dirty="0" err="1">
+                <a:ea typeface="+mn-lt"/>
+                <a:cs typeface="+mn-lt"/>
+              </a:rPr>
+              <a:t>What</a:t>
+            </a:r>
+            <a:r>
+              <a:rPr lang="cs-CZ" sz="1600" dirty="0">
+                <a:ea typeface="+mn-lt"/>
+                <a:cs typeface="+mn-lt"/>
+              </a:rPr>
+              <a:t> </a:t>
+            </a:r>
+            <a:r>
+              <a:rPr lang="cs-CZ" sz="1600" dirty="0" err="1">
+                <a:ea typeface="+mn-lt"/>
+                <a:cs typeface="+mn-lt"/>
+              </a:rPr>
+              <a:t>Is</a:t>
+            </a:r>
+            <a:r>
+              <a:rPr lang="cs-CZ" sz="1600" dirty="0">
+                <a:ea typeface="+mn-lt"/>
+                <a:cs typeface="+mn-lt"/>
+              </a:rPr>
+              <a:t> A Universal Disk </a:t>
+            </a:r>
+            <a:r>
+              <a:rPr lang="cs-CZ" sz="1600" dirty="0" err="1">
+                <a:ea typeface="+mn-lt"/>
+                <a:cs typeface="+mn-lt"/>
+              </a:rPr>
+              <a:t>Format</a:t>
+            </a:r>
+            <a:r>
+              <a:rPr lang="cs-CZ" sz="1600" dirty="0">
+                <a:ea typeface="+mn-lt"/>
+                <a:cs typeface="+mn-lt"/>
+              </a:rPr>
+              <a:t> (UDF) – </a:t>
+            </a:r>
+            <a:r>
+              <a:rPr lang="cs-CZ" sz="1600" dirty="0" err="1">
+                <a:ea typeface="+mn-lt"/>
+                <a:cs typeface="+mn-lt"/>
+              </a:rPr>
+              <a:t>Indicative</a:t>
+            </a:r>
+            <a:r>
+              <a:rPr lang="cs-CZ" sz="1600" dirty="0">
+                <a:ea typeface="+mn-lt"/>
+                <a:cs typeface="+mn-lt"/>
+              </a:rPr>
+              <a:t>. </a:t>
+            </a:r>
+            <a:r>
+              <a:rPr lang="cs-CZ" sz="1600" i="1" dirty="0" err="1">
+                <a:ea typeface="+mn-lt"/>
+                <a:cs typeface="+mn-lt"/>
+              </a:rPr>
+              <a:t>Indicative</a:t>
+            </a:r>
+            <a:r>
+              <a:rPr lang="cs-CZ" sz="1600" i="1" dirty="0">
+                <a:ea typeface="+mn-lt"/>
+                <a:cs typeface="+mn-lt"/>
+              </a:rPr>
+              <a:t> | </a:t>
+            </a:r>
+            <a:r>
+              <a:rPr lang="cs-CZ" sz="1600" i="1" dirty="0" err="1">
+                <a:ea typeface="+mn-lt"/>
+                <a:cs typeface="+mn-lt"/>
+              </a:rPr>
+              <a:t>Product</a:t>
+            </a:r>
+            <a:r>
+              <a:rPr lang="cs-CZ" sz="1600" i="1" dirty="0">
+                <a:ea typeface="+mn-lt"/>
+                <a:cs typeface="+mn-lt"/>
+              </a:rPr>
+              <a:t> </a:t>
+            </a:r>
+            <a:r>
+              <a:rPr lang="cs-CZ" sz="1600" i="1" dirty="0" err="1">
+                <a:ea typeface="+mn-lt"/>
+                <a:cs typeface="+mn-lt"/>
+              </a:rPr>
+              <a:t>Analytics</a:t>
+            </a:r>
+            <a:r>
+              <a:rPr lang="cs-CZ" sz="1600" i="1" dirty="0">
+                <a:ea typeface="+mn-lt"/>
+                <a:cs typeface="+mn-lt"/>
+              </a:rPr>
+              <a:t> </a:t>
+            </a:r>
+            <a:r>
+              <a:rPr lang="cs-CZ" sz="1600" i="1" dirty="0" err="1">
+                <a:ea typeface="+mn-lt"/>
+                <a:cs typeface="+mn-lt"/>
+              </a:rPr>
+              <a:t>for</a:t>
+            </a:r>
+            <a:r>
+              <a:rPr lang="cs-CZ" sz="1600" i="1" dirty="0">
+                <a:ea typeface="+mn-lt"/>
+                <a:cs typeface="+mn-lt"/>
+              </a:rPr>
+              <a:t> </a:t>
+            </a:r>
+            <a:r>
+              <a:rPr lang="cs-CZ" sz="1600" i="1" dirty="0" err="1">
+                <a:ea typeface="+mn-lt"/>
+                <a:cs typeface="+mn-lt"/>
+              </a:rPr>
+              <a:t>Your</a:t>
+            </a:r>
+            <a:r>
+              <a:rPr lang="cs-CZ" sz="1600" i="1" dirty="0">
+                <a:ea typeface="+mn-lt"/>
+                <a:cs typeface="+mn-lt"/>
+              </a:rPr>
+              <a:t> Data </a:t>
+            </a:r>
+            <a:r>
+              <a:rPr lang="cs-CZ" sz="1600" i="1" dirty="0" err="1">
+                <a:ea typeface="+mn-lt"/>
+                <a:cs typeface="+mn-lt"/>
+              </a:rPr>
+              <a:t>Warehouse</a:t>
+            </a:r>
+            <a:r>
+              <a:rPr lang="cs-CZ" sz="1600" dirty="0">
+                <a:ea typeface="+mn-lt"/>
+                <a:cs typeface="+mn-lt"/>
+              </a:rPr>
+              <a:t> [online]. Copyright © [cit. 16.01.2023]. Dostupné z: </a:t>
+            </a:r>
+            <a:r>
+              <a:rPr lang="cs-CZ" sz="1600" dirty="0">
+                <a:ea typeface="+mn-lt"/>
+                <a:cs typeface="+mn-lt"/>
+                <a:hlinkClick r:id="rId10"/>
+              </a:rPr>
+              <a:t>https://www.indicative.com/resource/universal-disk-format-udf/</a:t>
+            </a:r>
+            <a:endParaRPr lang="cs-CZ" sz="1600" dirty="0">
+              <a:ea typeface="+mn-lt"/>
+              <a:cs typeface="+mn-lt"/>
+            </a:endParaRPr>
+          </a:p>
+          <a:p>
+            <a:endParaRPr lang="cs-CZ" sz="1600" dirty="0">
+              <a:ea typeface="+mn-lt"/>
+              <a:cs typeface="+mn-lt"/>
+            </a:endParaRPr>
+          </a:p>
+          <a:p>
+            <a:endParaRPr lang="cs-CZ" sz="1600" dirty="0">
+              <a:ea typeface="+mn-lt"/>
+              <a:cs typeface="+mn-lt"/>
+            </a:endParaRPr>
+          </a:p>
+        </p:txBody>
+      </p:sp>
+    </p:spTree>
+    <p:extLst>
+      <p:ext uri="{BB962C8B-B14F-4D97-AF65-F5344CB8AC3E}">
+        <p14:creationId xmlns:p14="http://schemas.microsoft.com/office/powerpoint/2010/main" val="2811926269"/>
+      </p:ext>
+    </p:extLst>
+  </p:cSld>
+  <p:clrMapOvr>
+    <a:masterClrMapping/>
+  </p:clrMapOvr>
+  <p:transition spd="slow">
+    <p:push dir="u"/>
+  </p:transition>
+</p:sld>
+</file>
+
+<file path=ppt/slides/slide12.xml><?xml version="1.0" encoding="utf-8"?>
+<p:sld xmlns:a="http://schemas.openxmlformats.org/drawingml/2006/main" xmlns:r="http://schemas.openxmlformats.org/officeDocument/2006/relationships" xmlns:p="http://schemas.openxmlformats.org/presentationml/2006/main">
+  <p:cSld>
     <p:spTree>
       <p:nvGrpSpPr>
         <p:cNvPr id="1" name=""/>
@@ -7075,10 +9542,10 @@
       </p:grpSpPr>
       <p:sp useBgFill="1">
         <p:nvSpPr>
-          <p:cNvPr id="8" name="Rectangle 7">
+          <p:cNvPr id="17" name="Rectangle 16">
             <a:extLst>
               <a:ext uri="{FF2B5EF4-FFF2-40B4-BE49-F238E27FC236}">
-                <a16:creationId xmlns:a16="http://schemas.microsoft.com/office/drawing/2014/main" id="{907EF6B7-1338-4443-8C46-6A318D952DFD}"/>
+                <a16:creationId xmlns:a16="http://schemas.microsoft.com/office/drawing/2014/main" id="{1709F1D5-B0F1-4714-A239-E5B61C161915}"/>
               </a:ext>
               <a:ext uri="{C183D7F6-B498-43B3-948B-1728B52AA6E4}">
                 <adec:decorative xmlns:adec="http://schemas.microsoft.com/office/drawing/2017/decorative" val="1"/>
@@ -7135,7 +9602,1254 @@
       </p:sp>
       <p:sp>
         <p:nvSpPr>
-          <p:cNvPr id="10" name="Freeform: Shape 9">
+          <p:cNvPr id="19" name="Rectangle: Rounded Corners 18">
+            <a:extLst>
+              <a:ext uri="{FF2B5EF4-FFF2-40B4-BE49-F238E27FC236}">
+                <a16:creationId xmlns:a16="http://schemas.microsoft.com/office/drawing/2014/main" id="{228FB460-D3FF-4440-A020-05982A09E517}"/>
+              </a:ext>
+              <a:ext uri="{C183D7F6-B498-43B3-948B-1728B52AA6E4}">
+                <adec:decorative xmlns:adec="http://schemas.microsoft.com/office/drawing/2017/decorative" val="1"/>
+              </a:ext>
+            </a:extLst>
+          </p:cNvPr>
+          <p:cNvSpPr>
+            <a:spLocks noGrp="1" noRot="1" noChangeAspect="1" noMove="1" noResize="1" noEditPoints="1" noAdjustHandles="1" noChangeArrowheads="1" noChangeShapeType="1" noTextEdit="1"/>
+          </p:cNvSpPr>
+          <p:nvPr>
+            <p:extLst>
+              <p:ext uri="{386F3935-93C4-4BCD-93E2-E3B085C9AB24}">
+                <p16:designElem xmlns:p16="http://schemas.microsoft.com/office/powerpoint/2015/main" val="1"/>
+              </p:ext>
+            </p:extLst>
+          </p:nvPr>
+        </p:nvSpPr>
+        <p:spPr>
+          <a:xfrm>
+            <a:off x="740546" y="1011045"/>
+            <a:ext cx="4369859" cy="4369859"/>
+          </a:xfrm>
+          <a:prstGeom prst="roundRect">
+            <a:avLst>
+              <a:gd name="adj" fmla="val 2757"/>
+            </a:avLst>
+          </a:prstGeom>
+          <a:solidFill>
+            <a:schemeClr val="accent2"/>
+          </a:solidFill>
+          <a:ln>
+            <a:noFill/>
+          </a:ln>
+        </p:spPr>
+        <p:style>
+          <a:lnRef idx="2">
+            <a:schemeClr val="accent1">
+              <a:shade val="50000"/>
+            </a:schemeClr>
+          </a:lnRef>
+          <a:fillRef idx="1">
+            <a:schemeClr val="accent1"/>
+          </a:fillRef>
+          <a:effectRef idx="0">
+            <a:schemeClr val="accent1"/>
+          </a:effectRef>
+          <a:fontRef idx="minor">
+            <a:schemeClr val="lt1"/>
+          </a:fontRef>
+        </p:style>
+        <p:txBody>
+          <a:bodyPr rtlCol="0" anchor="ctr"/>
+          <a:lstStyle/>
+          <a:p>
+            <a:pPr algn="ctr"/>
+            <a:endParaRPr lang="en-US"/>
+          </a:p>
+        </p:txBody>
+      </p:sp>
+      <p:sp>
+        <p:nvSpPr>
+          <p:cNvPr id="2" name="Nadpis 1">
+            <a:extLst>
+              <a:ext uri="{FF2B5EF4-FFF2-40B4-BE49-F238E27FC236}">
+                <a16:creationId xmlns:a16="http://schemas.microsoft.com/office/drawing/2014/main" id="{6CCD8BD7-89DC-D29D-4F24-617C77103C91}"/>
+              </a:ext>
+            </a:extLst>
+          </p:cNvPr>
+          <p:cNvSpPr>
+            <a:spLocks noGrp="1"/>
+          </p:cNvSpPr>
+          <p:nvPr>
+            <p:ph type="title"/>
+          </p:nvPr>
+        </p:nvSpPr>
+        <p:spPr>
+          <a:xfrm>
+            <a:off x="956826" y="1112969"/>
+            <a:ext cx="3937298" cy="4166010"/>
+          </a:xfrm>
+        </p:spPr>
+        <p:txBody>
+          <a:bodyPr>
+            <a:normAutofit/>
+          </a:bodyPr>
+          <a:lstStyle/>
+          <a:p>
+            <a:r>
+              <a:rPr lang="cs-CZ">
+                <a:solidFill>
+                  <a:srgbClr val="FFFFFF"/>
+                </a:solidFill>
+                <a:cs typeface="Calibri Light"/>
+              </a:rPr>
+              <a:t>exFAT</a:t>
+            </a:r>
+            <a:endParaRPr lang="cs-CZ">
+              <a:solidFill>
+                <a:srgbClr val="FFFFFF"/>
+              </a:solidFill>
+            </a:endParaRPr>
+          </a:p>
+        </p:txBody>
+      </p:sp>
+      <p:sp>
+        <p:nvSpPr>
+          <p:cNvPr id="21" name="Freeform: Shape 20">
+            <a:extLst>
+              <a:ext uri="{FF2B5EF4-FFF2-40B4-BE49-F238E27FC236}">
+                <a16:creationId xmlns:a16="http://schemas.microsoft.com/office/drawing/2014/main" id="{14847E93-7DC1-4D4B-8829-B19AA7137C50}"/>
+              </a:ext>
+              <a:ext uri="{C183D7F6-B498-43B3-948B-1728B52AA6E4}">
+                <adec:decorative xmlns:adec="http://schemas.microsoft.com/office/drawing/2017/decorative" val="1"/>
+              </a:ext>
+            </a:extLst>
+          </p:cNvPr>
+          <p:cNvSpPr>
+            <a:spLocks noGrp="1" noRot="1" noChangeAspect="1" noMove="1" noResize="1" noEditPoints="1" noAdjustHandles="1" noChangeArrowheads="1" noChangeShapeType="1" noTextEdit="1"/>
+          </p:cNvSpPr>
+          <p:nvPr>
+            <p:extLst>
+              <p:ext uri="{386F3935-93C4-4BCD-93E2-E3B085C9AB24}">
+                <p16:designElem xmlns:p16="http://schemas.microsoft.com/office/powerpoint/2015/main" val="1"/>
+              </p:ext>
+            </p:extLst>
+          </p:nvPr>
+        </p:nvSpPr>
+        <p:spPr>
+          <a:xfrm flipH="1">
+            <a:off x="530529" y="0"/>
+            <a:ext cx="1155142" cy="591009"/>
+          </a:xfrm>
+          <a:custGeom>
+            <a:avLst/>
+            <a:gdLst>
+              <a:gd name="connsiteX0" fmla="*/ 1355 w 1155142"/>
+              <a:gd name="connsiteY0" fmla="*/ 0 h 591009"/>
+              <a:gd name="connsiteX1" fmla="*/ 1153787 w 1155142"/>
+              <a:gd name="connsiteY1" fmla="*/ 0 h 591009"/>
+              <a:gd name="connsiteX2" fmla="*/ 1155142 w 1155142"/>
+              <a:gd name="connsiteY2" fmla="*/ 13438 h 591009"/>
+              <a:gd name="connsiteX3" fmla="*/ 577571 w 1155142"/>
+              <a:gd name="connsiteY3" fmla="*/ 591009 h 591009"/>
+              <a:gd name="connsiteX4" fmla="*/ 0 w 1155142"/>
+              <a:gd name="connsiteY4" fmla="*/ 13438 h 591009"/>
+            </a:gdLst>
+            <a:ahLst/>
+            <a:cxnLst>
+              <a:cxn ang="0">
+                <a:pos x="connsiteX0" y="connsiteY0"/>
+              </a:cxn>
+              <a:cxn ang="0">
+                <a:pos x="connsiteX1" y="connsiteY1"/>
+              </a:cxn>
+              <a:cxn ang="0">
+                <a:pos x="connsiteX2" y="connsiteY2"/>
+              </a:cxn>
+              <a:cxn ang="0">
+                <a:pos x="connsiteX3" y="connsiteY3"/>
+              </a:cxn>
+              <a:cxn ang="0">
+                <a:pos x="connsiteX4" y="connsiteY4"/>
+              </a:cxn>
+            </a:cxnLst>
+            <a:rect l="l" t="t" r="r" b="b"/>
+            <a:pathLst>
+              <a:path w="1155142" h="591009">
+                <a:moveTo>
+                  <a:pt x="1355" y="0"/>
+                </a:moveTo>
+                <a:lnTo>
+                  <a:pt x="1153787" y="0"/>
+                </a:lnTo>
+                <a:lnTo>
+                  <a:pt x="1155142" y="13438"/>
+                </a:lnTo>
+                <a:cubicBezTo>
+                  <a:pt x="1155142" y="332422"/>
+                  <a:pt x="896555" y="591009"/>
+                  <a:pt x="577571" y="591009"/>
+                </a:cubicBezTo>
+                <a:cubicBezTo>
+                  <a:pt x="258587" y="591009"/>
+                  <a:pt x="0" y="332422"/>
+                  <a:pt x="0" y="13438"/>
+                </a:cubicBezTo>
+                <a:close/>
+              </a:path>
+            </a:pathLst>
+          </a:custGeom>
+          <a:solidFill>
+            <a:schemeClr val="accent5"/>
+          </a:solidFill>
+          <a:ln>
+            <a:noFill/>
+          </a:ln>
+        </p:spPr>
+        <p:style>
+          <a:lnRef idx="2">
+            <a:schemeClr val="accent1">
+              <a:shade val="50000"/>
+            </a:schemeClr>
+          </a:lnRef>
+          <a:fillRef idx="1">
+            <a:schemeClr val="accent1"/>
+          </a:fillRef>
+          <a:effectRef idx="0">
+            <a:schemeClr val="accent1"/>
+          </a:effectRef>
+          <a:fontRef idx="minor">
+            <a:schemeClr val="lt1"/>
+          </a:fontRef>
+        </p:style>
+        <p:txBody>
+          <a:bodyPr wrap="square" rtlCol="0" anchor="ctr">
+            <a:noAutofit/>
+          </a:bodyPr>
+          <a:lstStyle/>
+          <a:p>
+            <a:pPr algn="ctr"/>
+            <a:endParaRPr lang="en-US"/>
+          </a:p>
+        </p:txBody>
+      </p:sp>
+      <p:sp>
+        <p:nvSpPr>
+          <p:cNvPr id="23" name="Freeform: Shape 22">
+            <a:extLst>
+              <a:ext uri="{FF2B5EF4-FFF2-40B4-BE49-F238E27FC236}">
+                <a16:creationId xmlns:a16="http://schemas.microsoft.com/office/drawing/2014/main" id="{5566D6E1-03A1-4D73-A4E0-35D74D568A04}"/>
+              </a:ext>
+              <a:ext uri="{C183D7F6-B498-43B3-948B-1728B52AA6E4}">
+                <adec:decorative xmlns:adec="http://schemas.microsoft.com/office/drawing/2017/decorative" val="1"/>
+              </a:ext>
+            </a:extLst>
+          </p:cNvPr>
+          <p:cNvSpPr>
+            <a:spLocks noGrp="1" noRot="1" noChangeAspect="1" noMove="1" noResize="1" noEditPoints="1" noAdjustHandles="1" noChangeArrowheads="1" noChangeShapeType="1" noTextEdit="1"/>
+          </p:cNvSpPr>
+          <p:nvPr>
+            <p:extLst>
+              <p:ext uri="{386F3935-93C4-4BCD-93E2-E3B085C9AB24}">
+                <p16:designElem xmlns:p16="http://schemas.microsoft.com/office/powerpoint/2015/main" val="1"/>
+              </p:ext>
+            </p:extLst>
+          </p:nvPr>
+        </p:nvSpPr>
+        <p:spPr>
+          <a:xfrm flipH="1">
+            <a:off x="3961511" y="-1"/>
+            <a:ext cx="1737401" cy="959536"/>
+          </a:xfrm>
+          <a:custGeom>
+            <a:avLst/>
+            <a:gdLst>
+              <a:gd name="connsiteX0" fmla="*/ 0 w 1737401"/>
+              <a:gd name="connsiteY0" fmla="*/ 0 h 959536"/>
+              <a:gd name="connsiteX1" fmla="*/ 123825 w 1737401"/>
+              <a:gd name="connsiteY1" fmla="*/ 0 h 959536"/>
+              <a:gd name="connsiteX2" fmla="*/ 123825 w 1737401"/>
+              <a:gd name="connsiteY2" fmla="*/ 790277 h 959536"/>
+              <a:gd name="connsiteX3" fmla="*/ 1490095 w 1737401"/>
+              <a:gd name="connsiteY3" fmla="*/ 0 h 959536"/>
+              <a:gd name="connsiteX4" fmla="*/ 1737401 w 1737401"/>
+              <a:gd name="connsiteY4" fmla="*/ 0 h 959536"/>
+              <a:gd name="connsiteX5" fmla="*/ 92869 w 1737401"/>
+              <a:gd name="connsiteY5" fmla="*/ 951249 h 959536"/>
+              <a:gd name="connsiteX6" fmla="*/ 61913 w 1737401"/>
+              <a:gd name="connsiteY6" fmla="*/ 959536 h 959536"/>
+              <a:gd name="connsiteX7" fmla="*/ 0 w 1737401"/>
+              <a:gd name="connsiteY7" fmla="*/ 897624 h 959536"/>
+            </a:gdLst>
+            <a:ahLst/>
+            <a:cxnLst>
+              <a:cxn ang="0">
+                <a:pos x="connsiteX0" y="connsiteY0"/>
+              </a:cxn>
+              <a:cxn ang="0">
+                <a:pos x="connsiteX1" y="connsiteY1"/>
+              </a:cxn>
+              <a:cxn ang="0">
+                <a:pos x="connsiteX2" y="connsiteY2"/>
+              </a:cxn>
+              <a:cxn ang="0">
+                <a:pos x="connsiteX3" y="connsiteY3"/>
+              </a:cxn>
+              <a:cxn ang="0">
+                <a:pos x="connsiteX4" y="connsiteY4"/>
+              </a:cxn>
+              <a:cxn ang="0">
+                <a:pos x="connsiteX5" y="connsiteY5"/>
+              </a:cxn>
+              <a:cxn ang="0">
+                <a:pos x="connsiteX6" y="connsiteY6"/>
+              </a:cxn>
+              <a:cxn ang="0">
+                <a:pos x="connsiteX7" y="connsiteY7"/>
+              </a:cxn>
+            </a:cxnLst>
+            <a:rect l="l" t="t" r="r" b="b"/>
+            <a:pathLst>
+              <a:path w="1737401" h="959536">
+                <a:moveTo>
+                  <a:pt x="0" y="0"/>
+                </a:moveTo>
+                <a:lnTo>
+                  <a:pt x="123825" y="0"/>
+                </a:lnTo>
+                <a:lnTo>
+                  <a:pt x="123825" y="790277"/>
+                </a:lnTo>
+                <a:lnTo>
+                  <a:pt x="1490095" y="0"/>
+                </a:lnTo>
+                <a:lnTo>
+                  <a:pt x="1737401" y="0"/>
+                </a:lnTo>
+                <a:lnTo>
+                  <a:pt x="92869" y="951249"/>
+                </a:lnTo>
+                <a:cubicBezTo>
+                  <a:pt x="83458" y="956688"/>
+                  <a:pt x="72780" y="959546"/>
+                  <a:pt x="61913" y="959536"/>
+                </a:cubicBezTo>
+                <a:cubicBezTo>
+                  <a:pt x="27719" y="959536"/>
+                  <a:pt x="0" y="931818"/>
+                  <a:pt x="0" y="897624"/>
+                </a:cubicBezTo>
+                <a:close/>
+              </a:path>
+            </a:pathLst>
+          </a:custGeom>
+          <a:solidFill>
+            <a:schemeClr val="accent6"/>
+          </a:solidFill>
+          <a:ln w="9525" cap="flat">
+            <a:noFill/>
+            <a:prstDash val="solid"/>
+            <a:miter/>
+          </a:ln>
+        </p:spPr>
+        <p:txBody>
+          <a:bodyPr rtlCol="0" anchor="ctr"/>
+          <a:lstStyle/>
+          <a:p>
+            <a:endParaRPr lang="en-US"/>
+          </a:p>
+        </p:txBody>
+      </p:sp>
+      <p:sp>
+        <p:nvSpPr>
+          <p:cNvPr id="25" name="Freeform: Shape 24">
+            <a:extLst>
+              <a:ext uri="{FF2B5EF4-FFF2-40B4-BE49-F238E27FC236}">
+                <a16:creationId xmlns:a16="http://schemas.microsoft.com/office/drawing/2014/main" id="{9F835A99-04AC-494A-A572-AFE8413CC938}"/>
+              </a:ext>
+              <a:ext uri="{C183D7F6-B498-43B3-948B-1728B52AA6E4}">
+                <adec:decorative xmlns:adec="http://schemas.microsoft.com/office/drawing/2017/decorative" val="1"/>
+              </a:ext>
+            </a:extLst>
+          </p:cNvPr>
+          <p:cNvSpPr>
+            <a:spLocks noGrp="1" noRot="1" noChangeAspect="1" noMove="1" noResize="1" noEditPoints="1" noAdjustHandles="1" noChangeArrowheads="1" noChangeShapeType="1" noTextEdit="1"/>
+          </p:cNvSpPr>
+          <p:nvPr>
+            <p:extLst>
+              <p:ext uri="{386F3935-93C4-4BCD-93E2-E3B085C9AB24}">
+                <p16:designElem xmlns:p16="http://schemas.microsoft.com/office/powerpoint/2015/main" val="1"/>
+              </p:ext>
+            </p:extLst>
+          </p:nvPr>
+        </p:nvSpPr>
+        <p:spPr>
+          <a:xfrm flipH="1">
+            <a:off x="0" y="2936831"/>
+            <a:ext cx="159741" cy="552996"/>
+          </a:xfrm>
+          <a:custGeom>
+            <a:avLst/>
+            <a:gdLst>
+              <a:gd name="connsiteX0" fmla="*/ 159741 w 159741"/>
+              <a:gd name="connsiteY0" fmla="*/ 0 h 552996"/>
+              <a:gd name="connsiteX1" fmla="*/ 159741 w 159741"/>
+              <a:gd name="connsiteY1" fmla="*/ 552996 h 552996"/>
+              <a:gd name="connsiteX2" fmla="*/ 141849 w 159741"/>
+              <a:gd name="connsiteY2" fmla="*/ 543285 h 552996"/>
+              <a:gd name="connsiteX3" fmla="*/ 0 w 159741"/>
+              <a:gd name="connsiteY3" fmla="*/ 276498 h 552996"/>
+              <a:gd name="connsiteX4" fmla="*/ 141849 w 159741"/>
+              <a:gd name="connsiteY4" fmla="*/ 9711 h 552996"/>
+            </a:gdLst>
+            <a:ahLst/>
+            <a:cxnLst>
+              <a:cxn ang="0">
+                <a:pos x="connsiteX0" y="connsiteY0"/>
+              </a:cxn>
+              <a:cxn ang="0">
+                <a:pos x="connsiteX1" y="connsiteY1"/>
+              </a:cxn>
+              <a:cxn ang="0">
+                <a:pos x="connsiteX2" y="connsiteY2"/>
+              </a:cxn>
+              <a:cxn ang="0">
+                <a:pos x="connsiteX3" y="connsiteY3"/>
+              </a:cxn>
+              <a:cxn ang="0">
+                <a:pos x="connsiteX4" y="connsiteY4"/>
+              </a:cxn>
+            </a:cxnLst>
+            <a:rect l="l" t="t" r="r" b="b"/>
+            <a:pathLst>
+              <a:path w="159741" h="552996">
+                <a:moveTo>
+                  <a:pt x="159741" y="0"/>
+                </a:moveTo>
+                <a:lnTo>
+                  <a:pt x="159741" y="552996"/>
+                </a:lnTo>
+                <a:lnTo>
+                  <a:pt x="141849" y="543285"/>
+                </a:lnTo>
+                <a:cubicBezTo>
+                  <a:pt x="56268" y="485467"/>
+                  <a:pt x="0" y="387554"/>
+                  <a:pt x="0" y="276498"/>
+                </a:cubicBezTo>
+                <a:cubicBezTo>
+                  <a:pt x="0" y="165443"/>
+                  <a:pt x="56268" y="67529"/>
+                  <a:pt x="141849" y="9711"/>
+                </a:cubicBezTo>
+                <a:close/>
+              </a:path>
+            </a:pathLst>
+          </a:custGeom>
+          <a:solidFill>
+            <a:schemeClr val="accent4"/>
+          </a:solidFill>
+          <a:ln w="127000">
+            <a:noFill/>
+          </a:ln>
+        </p:spPr>
+        <p:style>
+          <a:lnRef idx="2">
+            <a:schemeClr val="accent1">
+              <a:shade val="50000"/>
+            </a:schemeClr>
+          </a:lnRef>
+          <a:fillRef idx="1">
+            <a:schemeClr val="accent1"/>
+          </a:fillRef>
+          <a:effectRef idx="0">
+            <a:schemeClr val="accent1"/>
+          </a:effectRef>
+          <a:fontRef idx="minor">
+            <a:schemeClr val="lt1"/>
+          </a:fontRef>
+        </p:style>
+        <p:txBody>
+          <a:bodyPr wrap="square" rtlCol="0" anchor="ctr">
+            <a:noAutofit/>
+          </a:bodyPr>
+          <a:lstStyle/>
+          <a:p>
+            <a:pPr algn="ctr"/>
+            <a:endParaRPr lang="en-US"/>
+          </a:p>
+        </p:txBody>
+      </p:sp>
+      <p:sp>
+        <p:nvSpPr>
+          <p:cNvPr id="3" name="Zástupný obsah 2">
+            <a:extLst>
+              <a:ext uri="{FF2B5EF4-FFF2-40B4-BE49-F238E27FC236}">
+                <a16:creationId xmlns:a16="http://schemas.microsoft.com/office/drawing/2014/main" id="{12638C84-A22F-260A-B63A-0E4B7444C05A}"/>
+              </a:ext>
+            </a:extLst>
+          </p:cNvPr>
+          <p:cNvSpPr>
+            <a:spLocks noGrp="1"/>
+          </p:cNvSpPr>
+          <p:nvPr>
+            <p:ph idx="1"/>
+          </p:nvPr>
+        </p:nvSpPr>
+        <p:spPr>
+          <a:xfrm>
+            <a:off x="6096000" y="820880"/>
+            <a:ext cx="5257799" cy="4889350"/>
+          </a:xfrm>
+        </p:spPr>
+        <p:txBody>
+          <a:bodyPr vert="horz" lIns="91440" tIns="45720" rIns="91440" bIns="45720" rtlCol="0" anchor="t">
+            <a:normAutofit/>
+          </a:bodyPr>
+          <a:lstStyle/>
+          <a:p>
+            <a:r>
+              <a:rPr lang="cs-CZ">
+                <a:cs typeface="Calibri"/>
+              </a:rPr>
+              <a:t>Vytvořen v roce 2006</a:t>
+            </a:r>
+          </a:p>
+          <a:p>
+            <a:r>
+              <a:rPr lang="cs-CZ">
+                <a:cs typeface="Calibri"/>
+              </a:rPr>
+              <a:t>Byl vytvořen hlavně pro přenosná zařízení (např. SD karty, </a:t>
+            </a:r>
+            <a:r>
+              <a:rPr lang="cs-CZ" err="1">
+                <a:cs typeface="Calibri"/>
+              </a:rPr>
+              <a:t>flash</a:t>
+            </a:r>
+            <a:r>
+              <a:rPr lang="cs-CZ">
+                <a:cs typeface="Calibri"/>
+              </a:rPr>
+              <a:t> disky...)</a:t>
+            </a:r>
+          </a:p>
+          <a:p>
+            <a:r>
+              <a:rPr lang="cs-CZ">
+                <a:cs typeface="Calibri"/>
+              </a:rPr>
+              <a:t>Unese teoreticky až 64 </a:t>
+            </a:r>
+            <a:r>
+              <a:rPr lang="cs-CZ" err="1">
+                <a:cs typeface="Calibri"/>
+              </a:rPr>
+              <a:t>ZiB</a:t>
+            </a:r>
+          </a:p>
+          <a:p>
+            <a:pPr marL="0" indent="0">
+              <a:buNone/>
+            </a:pPr>
+            <a:endParaRPr lang="cs-CZ">
+              <a:cs typeface="Calibri"/>
+            </a:endParaRPr>
+          </a:p>
+        </p:txBody>
+      </p:sp>
+      <p:sp>
+        <p:nvSpPr>
+          <p:cNvPr id="27" name="Freeform: Shape 26">
+            <a:extLst>
+              <a:ext uri="{FF2B5EF4-FFF2-40B4-BE49-F238E27FC236}">
+                <a16:creationId xmlns:a16="http://schemas.microsoft.com/office/drawing/2014/main" id="{7B786209-1B0B-4CA9-9BDD-F7327066A84D}"/>
+              </a:ext>
+              <a:ext uri="{C183D7F6-B498-43B3-948B-1728B52AA6E4}">
+                <adec:decorative xmlns:adec="http://schemas.microsoft.com/office/drawing/2017/decorative" val="1"/>
+              </a:ext>
+            </a:extLst>
+          </p:cNvPr>
+          <p:cNvSpPr>
+            <a:spLocks noGrp="1" noRot="1" noChangeAspect="1" noMove="1" noResize="1" noEditPoints="1" noAdjustHandles="1" noChangeArrowheads="1" noChangeShapeType="1" noTextEdit="1"/>
+          </p:cNvSpPr>
+          <p:nvPr>
+            <p:extLst>
+              <p:ext uri="{386F3935-93C4-4BCD-93E2-E3B085C9AB24}">
+                <p16:designElem xmlns:p16="http://schemas.microsoft.com/office/powerpoint/2015/main" val="1"/>
+              </p:ext>
+            </p:extLst>
+          </p:nvPr>
+        </p:nvSpPr>
+        <p:spPr>
+          <a:xfrm flipH="1">
+            <a:off x="0" y="5835649"/>
+            <a:ext cx="1548180" cy="1022351"/>
+          </a:xfrm>
+          <a:custGeom>
+            <a:avLst/>
+            <a:gdLst>
+              <a:gd name="connsiteX0" fmla="*/ 61913 w 1548180"/>
+              <a:gd name="connsiteY0" fmla="*/ 0 h 1022351"/>
+              <a:gd name="connsiteX1" fmla="*/ 1548180 w 1548180"/>
+              <a:gd name="connsiteY1" fmla="*/ 0 h 1022351"/>
+              <a:gd name="connsiteX2" fmla="*/ 1548180 w 1548180"/>
+              <a:gd name="connsiteY2" fmla="*/ 123825 h 1022351"/>
+              <a:gd name="connsiteX3" fmla="*/ 123825 w 1548180"/>
+              <a:gd name="connsiteY3" fmla="*/ 123825 h 1022351"/>
+              <a:gd name="connsiteX4" fmla="*/ 123825 w 1548180"/>
+              <a:gd name="connsiteY4" fmla="*/ 1022351 h 1022351"/>
+              <a:gd name="connsiteX5" fmla="*/ 0 w 1548180"/>
+              <a:gd name="connsiteY5" fmla="*/ 1022351 h 1022351"/>
+              <a:gd name="connsiteX6" fmla="*/ 0 w 1548180"/>
+              <a:gd name="connsiteY6" fmla="*/ 61913 h 1022351"/>
+              <a:gd name="connsiteX7" fmla="*/ 61913 w 1548180"/>
+              <a:gd name="connsiteY7" fmla="*/ 0 h 1022351"/>
+            </a:gdLst>
+            <a:ahLst/>
+            <a:cxnLst>
+              <a:cxn ang="0">
+                <a:pos x="connsiteX0" y="connsiteY0"/>
+              </a:cxn>
+              <a:cxn ang="0">
+                <a:pos x="connsiteX1" y="connsiteY1"/>
+              </a:cxn>
+              <a:cxn ang="0">
+                <a:pos x="connsiteX2" y="connsiteY2"/>
+              </a:cxn>
+              <a:cxn ang="0">
+                <a:pos x="connsiteX3" y="connsiteY3"/>
+              </a:cxn>
+              <a:cxn ang="0">
+                <a:pos x="connsiteX4" y="connsiteY4"/>
+              </a:cxn>
+              <a:cxn ang="0">
+                <a:pos x="connsiteX5" y="connsiteY5"/>
+              </a:cxn>
+              <a:cxn ang="0">
+                <a:pos x="connsiteX6" y="connsiteY6"/>
+              </a:cxn>
+              <a:cxn ang="0">
+                <a:pos x="connsiteX7" y="connsiteY7"/>
+              </a:cxn>
+            </a:cxnLst>
+            <a:rect l="l" t="t" r="r" b="b"/>
+            <a:pathLst>
+              <a:path w="1548180" h="1022351">
+                <a:moveTo>
+                  <a:pt x="61913" y="0"/>
+                </a:moveTo>
+                <a:lnTo>
+                  <a:pt x="1548180" y="0"/>
+                </a:lnTo>
+                <a:lnTo>
+                  <a:pt x="1548180" y="123825"/>
+                </a:lnTo>
+                <a:lnTo>
+                  <a:pt x="123825" y="123825"/>
+                </a:lnTo>
+                <a:lnTo>
+                  <a:pt x="123825" y="1022351"/>
+                </a:lnTo>
+                <a:lnTo>
+                  <a:pt x="0" y="1022351"/>
+                </a:lnTo>
+                <a:lnTo>
+                  <a:pt x="0" y="61913"/>
+                </a:lnTo>
+                <a:cubicBezTo>
+                  <a:pt x="0" y="27719"/>
+                  <a:pt x="27719" y="0"/>
+                  <a:pt x="61913" y="0"/>
+                </a:cubicBezTo>
+                <a:close/>
+              </a:path>
+            </a:pathLst>
+          </a:custGeom>
+          <a:solidFill>
+            <a:schemeClr val="accent6"/>
+          </a:solidFill>
+          <a:ln w="9525" cap="flat">
+            <a:noFill/>
+            <a:prstDash val="solid"/>
+            <a:miter/>
+          </a:ln>
+        </p:spPr>
+        <p:txBody>
+          <a:bodyPr rtlCol="0" anchor="ctr"/>
+          <a:lstStyle/>
+          <a:p>
+            <a:endParaRPr lang="en-US"/>
+          </a:p>
+        </p:txBody>
+      </p:sp>
+      <p:sp>
+        <p:nvSpPr>
+          <p:cNvPr id="29" name="Freeform: Shape 28">
+            <a:extLst>
+              <a:ext uri="{FF2B5EF4-FFF2-40B4-BE49-F238E27FC236}">
+                <a16:creationId xmlns:a16="http://schemas.microsoft.com/office/drawing/2014/main" id="{2D2964BB-484D-45AE-AD66-D407D0629652}"/>
+              </a:ext>
+              <a:ext uri="{C183D7F6-B498-43B3-948B-1728B52AA6E4}">
+                <adec:decorative xmlns:adec="http://schemas.microsoft.com/office/drawing/2017/decorative" val="1"/>
+              </a:ext>
+            </a:extLst>
+          </p:cNvPr>
+          <p:cNvSpPr>
+            <a:spLocks noGrp="1" noRot="1" noChangeAspect="1" noMove="1" noResize="1" noEditPoints="1" noAdjustHandles="1" noChangeArrowheads="1" noChangeShapeType="1" noTextEdit="1"/>
+          </p:cNvSpPr>
+          <p:nvPr>
+            <p:extLst>
+              <p:ext uri="{386F3935-93C4-4BCD-93E2-E3B085C9AB24}">
+                <p16:designElem xmlns:p16="http://schemas.microsoft.com/office/powerpoint/2015/main" val="1"/>
+              </p:ext>
+            </p:extLst>
+          </p:nvPr>
+        </p:nvSpPr>
+        <p:spPr>
+          <a:xfrm flipH="1">
+            <a:off x="3418308" y="5717905"/>
+            <a:ext cx="1771609" cy="1140095"/>
+          </a:xfrm>
+          <a:custGeom>
+            <a:avLst/>
+            <a:gdLst>
+              <a:gd name="connsiteX0" fmla="*/ 1561721 w 1771609"/>
+              <a:gd name="connsiteY0" fmla="*/ 763041 h 1140095"/>
+              <a:gd name="connsiteX1" fmla="*/ 1623024 w 1771609"/>
+              <a:gd name="connsiteY1" fmla="*/ 792810 h 1140095"/>
+              <a:gd name="connsiteX2" fmla="*/ 1711735 w 1771609"/>
+              <a:gd name="connsiteY2" fmla="*/ 970132 h 1140095"/>
+              <a:gd name="connsiteX3" fmla="*/ 1771609 w 1771609"/>
+              <a:gd name="connsiteY3" fmla="*/ 1140095 h 1140095"/>
+              <a:gd name="connsiteX4" fmla="*/ 1637225 w 1771609"/>
+              <a:gd name="connsiteY4" fmla="*/ 1140095 h 1140095"/>
+              <a:gd name="connsiteX5" fmla="*/ 1594820 w 1771609"/>
+              <a:gd name="connsiteY5" fmla="*/ 1019711 h 1140095"/>
+              <a:gd name="connsiteX6" fmla="*/ 1513200 w 1771609"/>
+              <a:gd name="connsiteY6" fmla="*/ 856627 h 1140095"/>
+              <a:gd name="connsiteX7" fmla="*/ 1538499 w 1771609"/>
+              <a:gd name="connsiteY7" fmla="*/ 770415 h 1140095"/>
+              <a:gd name="connsiteX8" fmla="*/ 1561721 w 1771609"/>
+              <a:gd name="connsiteY8" fmla="*/ 763041 h 1140095"/>
+              <a:gd name="connsiteX9" fmla="*/ 933455 w 1771609"/>
+              <a:gd name="connsiteY9" fmla="*/ 161309 h 1140095"/>
+              <a:gd name="connsiteX10" fmla="*/ 957797 w 1771609"/>
+              <a:gd name="connsiteY10" fmla="*/ 167970 h 1140095"/>
+              <a:gd name="connsiteX11" fmla="*/ 1286982 w 1771609"/>
+              <a:gd name="connsiteY11" fmla="*/ 387616 h 1140095"/>
+              <a:gd name="connsiteX12" fmla="*/ 1293725 w 1771609"/>
+              <a:gd name="connsiteY12" fmla="*/ 477075 h 1140095"/>
+              <a:gd name="connsiteX13" fmla="*/ 1245453 w 1771609"/>
+              <a:gd name="connsiteY13" fmla="*/ 499154 h 1140095"/>
+              <a:gd name="connsiteX14" fmla="*/ 1245167 w 1771609"/>
+              <a:gd name="connsiteY14" fmla="*/ 499154 h 1140095"/>
+              <a:gd name="connsiteX15" fmla="*/ 1203638 w 1771609"/>
+              <a:gd name="connsiteY15" fmla="*/ 484104 h 1140095"/>
+              <a:gd name="connsiteX16" fmla="*/ 900647 w 1771609"/>
+              <a:gd name="connsiteY16" fmla="*/ 281508 h 1140095"/>
+              <a:gd name="connsiteX17" fmla="*/ 872454 w 1771609"/>
+              <a:gd name="connsiteY17" fmla="*/ 196164 h 1140095"/>
+              <a:gd name="connsiteX18" fmla="*/ 933455 w 1771609"/>
+              <a:gd name="connsiteY18" fmla="*/ 161309 h 1140095"/>
+              <a:gd name="connsiteX19" fmla="*/ 256260 w 1771609"/>
+              <a:gd name="connsiteY19" fmla="*/ 29 h 1140095"/>
+              <a:gd name="connsiteX20" fmla="*/ 454020 w 1771609"/>
+              <a:gd name="connsiteY20" fmla="*/ 13474 h 1140095"/>
+              <a:gd name="connsiteX21" fmla="*/ 509236 w 1771609"/>
+              <a:gd name="connsiteY21" fmla="*/ 84182 h 1140095"/>
+              <a:gd name="connsiteX22" fmla="*/ 445829 w 1771609"/>
+              <a:gd name="connsiteY22" fmla="*/ 139871 h 1140095"/>
+              <a:gd name="connsiteX23" fmla="*/ 437447 w 1771609"/>
+              <a:gd name="connsiteY23" fmla="*/ 139395 h 1140095"/>
+              <a:gd name="connsiteX24" fmla="*/ 73211 w 1771609"/>
+              <a:gd name="connsiteY24" fmla="*/ 137204 h 1140095"/>
+              <a:gd name="connsiteX25" fmla="*/ 749 w 1771609"/>
+              <a:gd name="connsiteY25" fmla="*/ 84082 h 1140095"/>
+              <a:gd name="connsiteX26" fmla="*/ 53871 w 1771609"/>
+              <a:gd name="connsiteY26" fmla="*/ 11621 h 1140095"/>
+              <a:gd name="connsiteX27" fmla="*/ 58352 w 1771609"/>
+              <a:gd name="connsiteY27" fmla="*/ 11093 h 1140095"/>
+              <a:gd name="connsiteX28" fmla="*/ 256260 w 1771609"/>
+              <a:gd name="connsiteY28" fmla="*/ 29 h 1140095"/>
+            </a:gdLst>
+            <a:ahLst/>
+            <a:cxnLst>
+              <a:cxn ang="0">
+                <a:pos x="connsiteX0" y="connsiteY0"/>
+              </a:cxn>
+              <a:cxn ang="0">
+                <a:pos x="connsiteX1" y="connsiteY1"/>
+              </a:cxn>
+              <a:cxn ang="0">
+                <a:pos x="connsiteX2" y="connsiteY2"/>
+              </a:cxn>
+              <a:cxn ang="0">
+                <a:pos x="connsiteX3" y="connsiteY3"/>
+              </a:cxn>
+              <a:cxn ang="0">
+                <a:pos x="connsiteX4" y="connsiteY4"/>
+              </a:cxn>
+              <a:cxn ang="0">
+                <a:pos x="connsiteX5" y="connsiteY5"/>
+              </a:cxn>
+              <a:cxn ang="0">
+                <a:pos x="connsiteX6" y="connsiteY6"/>
+              </a:cxn>
+              <a:cxn ang="0">
+                <a:pos x="connsiteX7" y="connsiteY7"/>
+              </a:cxn>
+              <a:cxn ang="0">
+                <a:pos x="connsiteX8" y="connsiteY8"/>
+              </a:cxn>
+              <a:cxn ang="0">
+                <a:pos x="connsiteX9" y="connsiteY9"/>
+              </a:cxn>
+              <a:cxn ang="0">
+                <a:pos x="connsiteX10" y="connsiteY10"/>
+              </a:cxn>
+              <a:cxn ang="0">
+                <a:pos x="connsiteX11" y="connsiteY11"/>
+              </a:cxn>
+              <a:cxn ang="0">
+                <a:pos x="connsiteX12" y="connsiteY12"/>
+              </a:cxn>
+              <a:cxn ang="0">
+                <a:pos x="connsiteX13" y="connsiteY13"/>
+              </a:cxn>
+              <a:cxn ang="0">
+                <a:pos x="connsiteX14" y="connsiteY14"/>
+              </a:cxn>
+              <a:cxn ang="0">
+                <a:pos x="connsiteX15" y="connsiteY15"/>
+              </a:cxn>
+              <a:cxn ang="0">
+                <a:pos x="connsiteX16" y="connsiteY16"/>
+              </a:cxn>
+              <a:cxn ang="0">
+                <a:pos x="connsiteX17" y="connsiteY17"/>
+              </a:cxn>
+              <a:cxn ang="0">
+                <a:pos x="connsiteX18" y="connsiteY18"/>
+              </a:cxn>
+              <a:cxn ang="0">
+                <a:pos x="connsiteX19" y="connsiteY19"/>
+              </a:cxn>
+              <a:cxn ang="0">
+                <a:pos x="connsiteX20" y="connsiteY20"/>
+              </a:cxn>
+              <a:cxn ang="0">
+                <a:pos x="connsiteX21" y="connsiteY21"/>
+              </a:cxn>
+              <a:cxn ang="0">
+                <a:pos x="connsiteX22" y="connsiteY22"/>
+              </a:cxn>
+              <a:cxn ang="0">
+                <a:pos x="connsiteX23" y="connsiteY23"/>
+              </a:cxn>
+              <a:cxn ang="0">
+                <a:pos x="connsiteX24" y="connsiteY24"/>
+              </a:cxn>
+              <a:cxn ang="0">
+                <a:pos x="connsiteX25" y="connsiteY25"/>
+              </a:cxn>
+              <a:cxn ang="0">
+                <a:pos x="connsiteX26" y="connsiteY26"/>
+              </a:cxn>
+              <a:cxn ang="0">
+                <a:pos x="connsiteX27" y="connsiteY27"/>
+              </a:cxn>
+              <a:cxn ang="0">
+                <a:pos x="connsiteX28" y="connsiteY28"/>
+              </a:cxn>
+            </a:cxnLst>
+            <a:rect l="l" t="t" r="r" b="b"/>
+            <a:pathLst>
+              <a:path w="1771609" h="1140095">
+                <a:moveTo>
+                  <a:pt x="1561721" y="763041"/>
+                </a:moveTo>
+                <a:cubicBezTo>
+                  <a:pt x="1585506" y="760324"/>
+                  <a:pt x="1609722" y="771249"/>
+                  <a:pt x="1623024" y="792810"/>
+                </a:cubicBezTo>
+                <a:cubicBezTo>
+                  <a:pt x="1656300" y="850065"/>
+                  <a:pt x="1685920" y="909291"/>
+                  <a:pt x="1711735" y="970132"/>
+                </a:cubicBezTo>
+                <a:lnTo>
+                  <a:pt x="1771609" y="1140095"/>
+                </a:lnTo>
+                <a:lnTo>
+                  <a:pt x="1637225" y="1140095"/>
+                </a:lnTo>
+                <a:lnTo>
+                  <a:pt x="1594820" y="1019711"/>
+                </a:lnTo>
+                <a:cubicBezTo>
+                  <a:pt x="1571072" y="963753"/>
+                  <a:pt x="1543818" y="909282"/>
+                  <a:pt x="1513200" y="856627"/>
+                </a:cubicBezTo>
+                <a:cubicBezTo>
+                  <a:pt x="1496379" y="825834"/>
+                  <a:pt x="1507704" y="787236"/>
+                  <a:pt x="1538499" y="770415"/>
+                </a:cubicBezTo>
+                <a:cubicBezTo>
+                  <a:pt x="1545912" y="766367"/>
+                  <a:pt x="1553792" y="763946"/>
+                  <a:pt x="1561721" y="763041"/>
+                </a:cubicBezTo>
+                <a:close/>
+                <a:moveTo>
+                  <a:pt x="933455" y="161309"/>
+                </a:moveTo>
+                <a:cubicBezTo>
+                  <a:pt x="941693" y="161855"/>
+                  <a:pt x="949959" y="164025"/>
+                  <a:pt x="957797" y="167970"/>
+                </a:cubicBezTo>
+                <a:cubicBezTo>
+                  <a:pt x="1076184" y="227289"/>
+                  <a:pt x="1186759" y="301068"/>
+                  <a:pt x="1286982" y="387616"/>
+                </a:cubicBezTo>
+                <a:cubicBezTo>
+                  <a:pt x="1313547" y="410457"/>
+                  <a:pt x="1316566" y="450510"/>
+                  <a:pt x="1293725" y="477075"/>
+                </a:cubicBezTo>
+                <a:cubicBezTo>
+                  <a:pt x="1281638" y="491137"/>
+                  <a:pt x="1263998" y="499204"/>
+                  <a:pt x="1245453" y="499154"/>
+                </a:cubicBezTo>
+                <a:lnTo>
+                  <a:pt x="1245167" y="499154"/>
+                </a:lnTo>
+                <a:cubicBezTo>
+                  <a:pt x="1229965" y="499301"/>
+                  <a:pt x="1215220" y="493956"/>
+                  <a:pt x="1203638" y="484104"/>
+                </a:cubicBezTo>
+                <a:cubicBezTo>
+                  <a:pt x="1111407" y="404300"/>
+                  <a:pt x="1009633" y="336248"/>
+                  <a:pt x="900647" y="281508"/>
+                </a:cubicBezTo>
+                <a:cubicBezTo>
+                  <a:pt x="869295" y="265726"/>
+                  <a:pt x="856672" y="227516"/>
+                  <a:pt x="872454" y="196164"/>
+                </a:cubicBezTo>
+                <a:cubicBezTo>
+                  <a:pt x="884290" y="172650"/>
+                  <a:pt x="908742" y="159670"/>
+                  <a:pt x="933455" y="161309"/>
+                </a:cubicBezTo>
+                <a:close/>
+                <a:moveTo>
+                  <a:pt x="256260" y="29"/>
+                </a:moveTo>
+                <a:cubicBezTo>
+                  <a:pt x="322331" y="427"/>
+                  <a:pt x="388378" y="4909"/>
+                  <a:pt x="454020" y="13474"/>
+                </a:cubicBezTo>
+                <a:cubicBezTo>
+                  <a:pt x="488793" y="17752"/>
+                  <a:pt x="513514" y="49409"/>
+                  <a:pt x="509236" y="84182"/>
+                </a:cubicBezTo>
+                <a:cubicBezTo>
+                  <a:pt x="505303" y="116151"/>
+                  <a:pt x="478038" y="140098"/>
+                  <a:pt x="445829" y="139871"/>
+                </a:cubicBezTo>
+                <a:cubicBezTo>
+                  <a:pt x="443027" y="139899"/>
+                  <a:pt x="440227" y="139740"/>
+                  <a:pt x="437447" y="139395"/>
+                </a:cubicBezTo>
+                <a:cubicBezTo>
+                  <a:pt x="316592" y="123615"/>
+                  <a:pt x="194247" y="122878"/>
+                  <a:pt x="73211" y="137204"/>
+                </a:cubicBezTo>
+                <a:cubicBezTo>
+                  <a:pt x="38532" y="142545"/>
+                  <a:pt x="6090" y="118762"/>
+                  <a:pt x="749" y="84082"/>
+                </a:cubicBezTo>
+                <a:cubicBezTo>
+                  <a:pt x="-4591" y="49403"/>
+                  <a:pt x="19192" y="16961"/>
+                  <a:pt x="53871" y="11621"/>
+                </a:cubicBezTo>
+                <a:cubicBezTo>
+                  <a:pt x="55358" y="11392"/>
+                  <a:pt x="56852" y="11216"/>
+                  <a:pt x="58352" y="11093"/>
+                </a:cubicBezTo>
+                <a:cubicBezTo>
+                  <a:pt x="124093" y="3319"/>
+                  <a:pt x="190189" y="-369"/>
+                  <a:pt x="256260" y="29"/>
+                </a:cubicBezTo>
+                <a:close/>
+              </a:path>
+            </a:pathLst>
+          </a:custGeom>
+          <a:solidFill>
+            <a:schemeClr val="accent4"/>
+          </a:solidFill>
+          <a:ln w="9525" cap="flat">
+            <a:noFill/>
+            <a:prstDash val="solid"/>
+            <a:miter/>
+          </a:ln>
+        </p:spPr>
+        <p:txBody>
+          <a:bodyPr rtlCol="0" anchor="ctr"/>
+          <a:lstStyle/>
+          <a:p>
+            <a:endParaRPr lang="en-US"/>
+          </a:p>
+        </p:txBody>
+      </p:sp>
+      <p:sp>
+        <p:nvSpPr>
+          <p:cNvPr id="31" name="Freeform: Shape 30">
+            <a:extLst>
+              <a:ext uri="{FF2B5EF4-FFF2-40B4-BE49-F238E27FC236}">
+                <a16:creationId xmlns:a16="http://schemas.microsoft.com/office/drawing/2014/main" id="{6691AC69-A76E-4DAB-B565-468B6B87ACF3}"/>
+              </a:ext>
+              <a:ext uri="{C183D7F6-B498-43B3-948B-1728B52AA6E4}">
+                <adec:decorative xmlns:adec="http://schemas.microsoft.com/office/drawing/2017/decorative" val="1"/>
+              </a:ext>
+            </a:extLst>
+          </p:cNvPr>
+          <p:cNvSpPr>
+            <a:spLocks noGrp="1" noRot="1" noChangeAspect="1" noMove="1" noResize="1" noEditPoints="1" noAdjustHandles="1" noChangeArrowheads="1" noChangeShapeType="1" noTextEdit="1"/>
+          </p:cNvSpPr>
+          <p:nvPr>
+            <p:extLst>
+              <p:ext uri="{386F3935-93C4-4BCD-93E2-E3B085C9AB24}">
+                <p16:designElem xmlns:p16="http://schemas.microsoft.com/office/powerpoint/2015/main" val="1"/>
+              </p:ext>
+            </p:extLst>
+          </p:nvPr>
+        </p:nvSpPr>
+        <p:spPr>
+          <a:xfrm flipH="1">
+            <a:off x="4132972" y="6258755"/>
+            <a:ext cx="1565940" cy="599245"/>
+          </a:xfrm>
+          <a:custGeom>
+            <a:avLst/>
+            <a:gdLst>
+              <a:gd name="connsiteX0" fmla="*/ 782970 w 1565940"/>
+              <a:gd name="connsiteY0" fmla="*/ 0 h 599245"/>
+              <a:gd name="connsiteX1" fmla="*/ 1528042 w 1565940"/>
+              <a:gd name="connsiteY1" fmla="*/ 480469 h 599245"/>
+              <a:gd name="connsiteX2" fmla="*/ 1565940 w 1565940"/>
+              <a:gd name="connsiteY2" fmla="*/ 599245 h 599245"/>
+              <a:gd name="connsiteX3" fmla="*/ 0 w 1565940"/>
+              <a:gd name="connsiteY3" fmla="*/ 599245 h 599245"/>
+              <a:gd name="connsiteX4" fmla="*/ 37898 w 1565940"/>
+              <a:gd name="connsiteY4" fmla="*/ 480469 h 599245"/>
+              <a:gd name="connsiteX5" fmla="*/ 782970 w 1565940"/>
+              <a:gd name="connsiteY5" fmla="*/ 0 h 599245"/>
+            </a:gdLst>
+            <a:ahLst/>
+            <a:cxnLst>
+              <a:cxn ang="0">
+                <a:pos x="connsiteX0" y="connsiteY0"/>
+              </a:cxn>
+              <a:cxn ang="0">
+                <a:pos x="connsiteX1" y="connsiteY1"/>
+              </a:cxn>
+              <a:cxn ang="0">
+                <a:pos x="connsiteX2" y="connsiteY2"/>
+              </a:cxn>
+              <a:cxn ang="0">
+                <a:pos x="connsiteX3" y="connsiteY3"/>
+              </a:cxn>
+              <a:cxn ang="0">
+                <a:pos x="connsiteX4" y="connsiteY4"/>
+              </a:cxn>
+              <a:cxn ang="0">
+                <a:pos x="connsiteX5" y="connsiteY5"/>
+              </a:cxn>
+            </a:cxnLst>
+            <a:rect l="l" t="t" r="r" b="b"/>
+            <a:pathLst>
+              <a:path w="1565940" h="599245">
+                <a:moveTo>
+                  <a:pt x="782970" y="0"/>
+                </a:moveTo>
+                <a:cubicBezTo>
+                  <a:pt x="1117910" y="0"/>
+                  <a:pt x="1405287" y="198118"/>
+                  <a:pt x="1528042" y="480469"/>
+                </a:cubicBezTo>
+                <a:lnTo>
+                  <a:pt x="1565940" y="599245"/>
+                </a:lnTo>
+                <a:lnTo>
+                  <a:pt x="0" y="599245"/>
+                </a:lnTo>
+                <a:lnTo>
+                  <a:pt x="37898" y="480469"/>
+                </a:lnTo>
+                <a:cubicBezTo>
+                  <a:pt x="160653" y="198118"/>
+                  <a:pt x="448030" y="0"/>
+                  <a:pt x="782970" y="0"/>
+                </a:cubicBezTo>
+                <a:close/>
+              </a:path>
+            </a:pathLst>
+          </a:custGeom>
+          <a:solidFill>
+            <a:schemeClr val="accent2"/>
+          </a:solidFill>
+          <a:ln>
+            <a:noFill/>
+          </a:ln>
+        </p:spPr>
+        <p:style>
+          <a:lnRef idx="2">
+            <a:schemeClr val="accent1">
+              <a:shade val="50000"/>
+            </a:schemeClr>
+          </a:lnRef>
+          <a:fillRef idx="1">
+            <a:schemeClr val="accent1"/>
+          </a:fillRef>
+          <a:effectRef idx="0">
+            <a:schemeClr val="accent1"/>
+          </a:effectRef>
+          <a:fontRef idx="minor">
+            <a:schemeClr val="lt1"/>
+          </a:fontRef>
+        </p:style>
+        <p:txBody>
+          <a:bodyPr wrap="square" rtlCol="0" anchor="ctr">
+            <a:noAutofit/>
+          </a:bodyPr>
+          <a:lstStyle/>
+          <a:p>
+            <a:pPr algn="ctr"/>
+            <a:endParaRPr lang="en-US" dirty="0"/>
+          </a:p>
+        </p:txBody>
+      </p:sp>
+    </p:spTree>
+    <p:extLst>
+      <p:ext uri="{BB962C8B-B14F-4D97-AF65-F5344CB8AC3E}">
+        <p14:creationId xmlns:p14="http://schemas.microsoft.com/office/powerpoint/2010/main" val="3518947364"/>
+      </p:ext>
+    </p:extLst>
+  </p:cSld>
+  <p:clrMapOvr>
+    <a:masterClrMapping/>
+  </p:clrMapOvr>
+  <p:transition spd="slow">
+    <p:push dir="u"/>
+  </p:transition>
+</p:sld>
+</file>
+
+<file path=ppt/slides/slide7.xml><?xml version="1.0" encoding="utf-8"?>
+<p:sld xmlns:a="http://schemas.openxmlformats.org/drawingml/2006/main" xmlns:r="http://schemas.openxmlformats.org/officeDocument/2006/relationships" xmlns:p="http://schemas.openxmlformats.org/presentationml/2006/main">
+  <p:cSld>
+    <p:bg>
+      <p:bgPr>
+        <a:solidFill>
+          <a:schemeClr val="bg1"/>
+        </a:solidFill>
+        <a:effectLst/>
+      </p:bgPr>
+    </p:bg>
+    <p:spTree>
+      <p:nvGrpSpPr>
+        <p:cNvPr id="1" name=""/>
+        <p:cNvGrpSpPr/>
+        <p:nvPr/>
+      </p:nvGrpSpPr>
+      <p:grpSpPr>
+        <a:xfrm>
+          <a:off x="0" y="0"/>
+          <a:ext cx="0" cy="0"/>
+          <a:chOff x="0" y="0"/>
+          <a:chExt cx="0" cy="0"/>
+        </a:xfrm>
+      </p:grpSpPr>
+      <p:sp useBgFill="1">
+        <p:nvSpPr>
+          <p:cNvPr id="28" name="Rectangle 27">
+            <a:extLst>
+              <a:ext uri="{FF2B5EF4-FFF2-40B4-BE49-F238E27FC236}">
+                <a16:creationId xmlns:a16="http://schemas.microsoft.com/office/drawing/2014/main" id="{907EF6B7-1338-4443-8C46-6A318D952DFD}"/>
+              </a:ext>
+              <a:ext uri="{C183D7F6-B498-43B3-948B-1728B52AA6E4}">
+                <adec:decorative xmlns:adec="http://schemas.microsoft.com/office/drawing/2017/decorative" val="1"/>
+              </a:ext>
+            </a:extLst>
+          </p:cNvPr>
+          <p:cNvSpPr>
+            <a:spLocks noGrp="1" noRot="1" noChangeAspect="1" noMove="1" noResize="1" noEditPoints="1" noAdjustHandles="1" noChangeArrowheads="1" noChangeShapeType="1" noTextEdit="1"/>
+          </p:cNvSpPr>
+          <p:nvPr>
+            <p:extLst>
+              <p:ext uri="{386F3935-93C4-4BCD-93E2-E3B085C9AB24}">
+                <p16:designElem xmlns:p16="http://schemas.microsoft.com/office/powerpoint/2015/main" val="1"/>
+              </p:ext>
+            </p:extLst>
+          </p:nvPr>
+        </p:nvSpPr>
+        <p:spPr>
+          <a:xfrm>
+            <a:off x="3048" y="0"/>
+            <a:ext cx="12188952" cy="6858000"/>
+          </a:xfrm>
+          <a:prstGeom prst="rect">
+            <a:avLst/>
+          </a:prstGeom>
+          <a:ln>
+            <a:noFill/>
+          </a:ln>
+        </p:spPr>
+        <p:style>
+          <a:lnRef idx="2">
+            <a:schemeClr val="accent1">
+              <a:shade val="50000"/>
+            </a:schemeClr>
+          </a:lnRef>
+          <a:fillRef idx="1">
+            <a:schemeClr val="accent1"/>
+          </a:fillRef>
+          <a:effectRef idx="0">
+            <a:schemeClr val="accent1"/>
+          </a:effectRef>
+          <a:fontRef idx="minor">
+            <a:schemeClr val="lt1"/>
+          </a:fontRef>
+        </p:style>
+        <p:txBody>
+          <a:bodyPr rtlCol="0" anchor="ctr"/>
+          <a:lstStyle/>
+          <a:p>
+            <a:pPr algn="ctr"/>
+            <a:endParaRPr lang="en-US"/>
+          </a:p>
+        </p:txBody>
+      </p:sp>
+      <p:sp>
+        <p:nvSpPr>
+          <p:cNvPr id="30" name="Freeform: Shape 29">
             <a:extLst>
               <a:ext uri="{FF2B5EF4-FFF2-40B4-BE49-F238E27FC236}">
                 <a16:creationId xmlns:a16="http://schemas.microsoft.com/office/drawing/2014/main" id="{DAAE4CDD-124C-4DCF-9584-B6033B545DD5}"/>
@@ -7272,7 +10986,7 @@
           <p:cNvPr id="2" name="Nadpis 1">
             <a:extLst>
               <a:ext uri="{FF2B5EF4-FFF2-40B4-BE49-F238E27FC236}">
-                <a16:creationId xmlns:a16="http://schemas.microsoft.com/office/drawing/2014/main" id="{6CCD8BD7-89DC-D29D-4F24-617C77103C91}"/>
+                <a16:creationId xmlns:a16="http://schemas.microsoft.com/office/drawing/2014/main" id="{42E3BE34-D486-410F-13FB-2C571769E809}"/>
               </a:ext>
             </a:extLst>
           </p:cNvPr>
@@ -7302,7 +11016,7 @@
                 </a:solidFill>
                 <a:cs typeface="Calibri Light"/>
               </a:rPr>
-              <a:t>exFAT</a:t>
+              <a:t>NTFS</a:t>
             </a:r>
             <a:endParaRPr lang="cs-CZ">
               <a:solidFill>
@@ -7314,7 +11028,7 @@
       </p:sp>
       <p:sp>
         <p:nvSpPr>
-          <p:cNvPr id="12" name="Arc 11">
+          <p:cNvPr id="32" name="Arc 31">
             <a:extLst>
               <a:ext uri="{FF2B5EF4-FFF2-40B4-BE49-F238E27FC236}">
                 <a16:creationId xmlns:a16="http://schemas.microsoft.com/office/drawing/2014/main" id="{081E4A58-353D-44AE-B2FC-2A74E2E400F7}"/>
@@ -7369,7 +11083,7 @@
           <a:lstStyle/>
           <a:p>
             <a:pPr algn="ctr"/>
-            <a:endParaRPr lang="en-US"/>
+            <a:endParaRPr lang="en-US" dirty="0"/>
           </a:p>
         </p:txBody>
       </p:sp>
@@ -7378,7 +11092,7 @@
           <p:cNvPr id="3" name="Zástupný obsah 2">
             <a:extLst>
               <a:ext uri="{FF2B5EF4-FFF2-40B4-BE49-F238E27FC236}">
-                <a16:creationId xmlns:a16="http://schemas.microsoft.com/office/drawing/2014/main" id="{12638C84-A22F-260A-B63A-0E4B7444C05A}"/>
+                <a16:creationId xmlns:a16="http://schemas.microsoft.com/office/drawing/2014/main" id="{4260EC26-F017-7052-B790-8778573427A3}"/>
               </a:ext>
             </a:extLst>
           </p:cNvPr>
@@ -7397,144 +11111,6 @@
         </p:spPr>
         <p:txBody>
           <a:bodyPr vert="horz" lIns="91440" tIns="45720" rIns="91440" bIns="45720" rtlCol="0" anchor="ctr">
-            <a:normAutofit/>
-          </a:bodyPr>
-          <a:lstStyle/>
-          <a:p>
-            <a:r>
-              <a:rPr lang="cs-CZ">
-                <a:cs typeface="Calibri"/>
-              </a:rPr>
-              <a:t>Vytvořen v roce 2006</a:t>
-            </a:r>
-          </a:p>
-          <a:p>
-            <a:r>
-              <a:rPr lang="cs-CZ">
-                <a:cs typeface="Calibri"/>
-              </a:rPr>
-              <a:t>Byl vytvořen hlavně pro přenosná zařízení (např. SD karty, </a:t>
-            </a:r>
-            <a:r>
-              <a:rPr lang="cs-CZ" err="1">
-                <a:cs typeface="Calibri"/>
-              </a:rPr>
-              <a:t>flash</a:t>
-            </a:r>
-            <a:r>
-              <a:rPr lang="cs-CZ">
-                <a:cs typeface="Calibri"/>
-              </a:rPr>
-              <a:t> disky...)</a:t>
-            </a:r>
-          </a:p>
-          <a:p>
-            <a:r>
-              <a:rPr lang="cs-CZ">
-                <a:cs typeface="Calibri"/>
-              </a:rPr>
-              <a:t>Unese teoreticky až 64 </a:t>
-            </a:r>
-            <a:r>
-              <a:rPr lang="cs-CZ" err="1">
-                <a:cs typeface="Calibri"/>
-              </a:rPr>
-              <a:t>ZiB</a:t>
-            </a:r>
-          </a:p>
-          <a:p>
-            <a:pPr marL="0" indent="0">
-              <a:buNone/>
-            </a:pPr>
-            <a:endParaRPr lang="cs-CZ">
-              <a:cs typeface="Calibri"/>
-            </a:endParaRPr>
-          </a:p>
-        </p:txBody>
-      </p:sp>
-    </p:spTree>
-    <p:extLst>
-      <p:ext uri="{BB962C8B-B14F-4D97-AF65-F5344CB8AC3E}">
-        <p14:creationId xmlns:p14="http://schemas.microsoft.com/office/powerpoint/2010/main" val="3518947364"/>
-      </p:ext>
-    </p:extLst>
-  </p:cSld>
-  <p:clrMapOvr>
-    <a:masterClrMapping/>
-  </p:clrMapOvr>
-  <p:transition spd="slow">
-    <p:push dir="u"/>
-  </p:transition>
-</p:sld>
-</file>
-
-<file path=ppt/slides/slide7.xml><?xml version="1.0" encoding="utf-8"?>
-<p:sld xmlns:a="http://schemas.openxmlformats.org/drawingml/2006/main" xmlns:r="http://schemas.openxmlformats.org/officeDocument/2006/relationships" xmlns:p="http://schemas.openxmlformats.org/presentationml/2006/main">
-  <p:cSld>
-    <p:spTree>
-      <p:nvGrpSpPr>
-        <p:cNvPr id="1" name=""/>
-        <p:cNvGrpSpPr/>
-        <p:nvPr/>
-      </p:nvGrpSpPr>
-      <p:grpSpPr>
-        <a:xfrm>
-          <a:off x="0" y="0"/>
-          <a:ext cx="0" cy="0"/>
-          <a:chOff x="0" y="0"/>
-          <a:chExt cx="0" cy="0"/>
-        </a:xfrm>
-      </p:grpSpPr>
-      <p:sp>
-        <p:nvSpPr>
-          <p:cNvPr id="2" name="Nadpis 1">
-            <a:extLst>
-              <a:ext uri="{FF2B5EF4-FFF2-40B4-BE49-F238E27FC236}">
-                <a16:creationId xmlns:a16="http://schemas.microsoft.com/office/drawing/2014/main" id="{42E3BE34-D486-410F-13FB-2C571769E809}"/>
-              </a:ext>
-            </a:extLst>
-          </p:cNvPr>
-          <p:cNvSpPr>
-            <a:spLocks noGrp="1"/>
-          </p:cNvSpPr>
-          <p:nvPr>
-            <p:ph type="title"/>
-          </p:nvPr>
-        </p:nvSpPr>
-        <p:spPr/>
-        <p:txBody>
-          <a:bodyPr/>
-          <a:lstStyle/>
-          <a:p>
-            <a:r>
-              <a:rPr lang="cs-CZ">
-                <a:cs typeface="Calibri Light"/>
-              </a:rPr>
-              <a:t>NTFS</a:t>
-            </a:r>
-            <a:endParaRPr lang="cs-CZ"/>
-          </a:p>
-        </p:txBody>
-      </p:sp>
-      <p:sp>
-        <p:nvSpPr>
-          <p:cNvPr id="3" name="Zástupný obsah 2">
-            <a:extLst>
-              <a:ext uri="{FF2B5EF4-FFF2-40B4-BE49-F238E27FC236}">
-                <a16:creationId xmlns:a16="http://schemas.microsoft.com/office/drawing/2014/main" id="{4260EC26-F017-7052-B790-8778573427A3}"/>
-              </a:ext>
-            </a:extLst>
-          </p:cNvPr>
-          <p:cNvSpPr>
-            <a:spLocks noGrp="1"/>
-          </p:cNvSpPr>
-          <p:nvPr>
-            <p:ph idx="1"/>
-          </p:nvPr>
-        </p:nvSpPr>
-        <p:spPr/>
-        <p:txBody>
-          <a:bodyPr vert="horz" lIns="91440" tIns="45720" rIns="91440" bIns="45720" rtlCol="0" anchor="t">
             <a:normAutofit/>
           </a:bodyPr>
           <a:lstStyle/>
@@ -7613,6 +11189,14 @@
 <file path=ppt/slides/slide8.xml><?xml version="1.0" encoding="utf-8"?>
 <p:sld xmlns:a="http://schemas.openxmlformats.org/drawingml/2006/main" xmlns:r="http://schemas.openxmlformats.org/officeDocument/2006/relationships" xmlns:p="http://schemas.openxmlformats.org/presentationml/2006/main">
   <p:cSld>
+    <p:bg>
+      <p:bgPr>
+        <a:solidFill>
+          <a:schemeClr val="bg1"/>
+        </a:solidFill>
+        <a:effectLst/>
+      </p:bgPr>
+    </p:bg>
     <p:spTree>
       <p:nvGrpSpPr>
         <p:cNvPr id="1" name=""/>
@@ -7627,6 +11211,129 @@
           <a:chExt cx="0" cy="0"/>
         </a:xfrm>
       </p:grpSpPr>
+      <p:sp useBgFill="1">
+        <p:nvSpPr>
+          <p:cNvPr id="47" name="Rectangle 38">
+            <a:extLst>
+              <a:ext uri="{FF2B5EF4-FFF2-40B4-BE49-F238E27FC236}">
+                <a16:creationId xmlns:a16="http://schemas.microsoft.com/office/drawing/2014/main" id="{C2554CA6-288E-4202-BC52-2E5A8F0C0AED}"/>
+              </a:ext>
+              <a:ext uri="{C183D7F6-B498-43B3-948B-1728B52AA6E4}">
+                <adec:decorative xmlns:adec="http://schemas.microsoft.com/office/drawing/2017/decorative" val="1"/>
+              </a:ext>
+            </a:extLst>
+          </p:cNvPr>
+          <p:cNvSpPr>
+            <a:spLocks noGrp="1" noRot="1" noChangeAspect="1" noMove="1" noResize="1" noEditPoints="1" noAdjustHandles="1" noChangeArrowheads="1" noChangeShapeType="1" noTextEdit="1"/>
+          </p:cNvSpPr>
+          <p:nvPr>
+            <p:extLst>
+              <p:ext uri="{386F3935-93C4-4BCD-93E2-E3B085C9AB24}">
+                <p16:designElem xmlns:p16="http://schemas.microsoft.com/office/powerpoint/2015/main" val="1"/>
+              </p:ext>
+            </p:extLst>
+          </p:nvPr>
+        </p:nvSpPr>
+        <p:spPr>
+          <a:xfrm>
+            <a:off x="3048" y="0"/>
+            <a:ext cx="12188952" cy="6858000"/>
+          </a:xfrm>
+          <a:prstGeom prst="rect">
+            <a:avLst/>
+          </a:prstGeom>
+          <a:ln>
+            <a:noFill/>
+          </a:ln>
+        </p:spPr>
+        <p:style>
+          <a:lnRef idx="2">
+            <a:schemeClr val="accent1">
+              <a:shade val="50000"/>
+            </a:schemeClr>
+          </a:lnRef>
+          <a:fillRef idx="1">
+            <a:schemeClr val="accent1"/>
+          </a:fillRef>
+          <a:effectRef idx="0">
+            <a:schemeClr val="accent1"/>
+          </a:effectRef>
+          <a:fontRef idx="minor">
+            <a:schemeClr val="lt1"/>
+          </a:fontRef>
+        </p:style>
+        <p:txBody>
+          <a:bodyPr rtlCol="0" anchor="ctr"/>
+          <a:lstStyle/>
+          <a:p>
+            <a:pPr algn="ctr"/>
+            <a:endParaRPr lang="en-US"/>
+          </a:p>
+        </p:txBody>
+      </p:sp>
+      <p:sp>
+        <p:nvSpPr>
+          <p:cNvPr id="48" name="Oval 40">
+            <a:extLst>
+              <a:ext uri="{FF2B5EF4-FFF2-40B4-BE49-F238E27FC236}">
+                <a16:creationId xmlns:a16="http://schemas.microsoft.com/office/drawing/2014/main" id="{B10BB131-AC8E-4A8E-A5D1-36260F720C3B}"/>
+              </a:ext>
+              <a:ext uri="{C183D7F6-B498-43B3-948B-1728B52AA6E4}">
+                <adec:decorative xmlns:adec="http://schemas.microsoft.com/office/drawing/2017/decorative" val="1"/>
+              </a:ext>
+            </a:extLst>
+          </p:cNvPr>
+          <p:cNvSpPr>
+            <a:spLocks noGrp="1" noRot="1" noChangeAspect="1" noMove="1" noResize="1" noEditPoints="1" noAdjustHandles="1" noChangeArrowheads="1" noChangeShapeType="1" noTextEdit="1"/>
+          </p:cNvSpPr>
+          <p:nvPr>
+            <p:extLst>
+              <p:ext uri="{386F3935-93C4-4BCD-93E2-E3B085C9AB24}">
+                <p16:designElem xmlns:p16="http://schemas.microsoft.com/office/powerpoint/2015/main" val="1"/>
+              </p:ext>
+            </p:extLst>
+          </p:nvPr>
+        </p:nvSpPr>
+        <p:spPr>
+          <a:xfrm>
+            <a:off x="489189" y="1119031"/>
+            <a:ext cx="4619938" cy="4619938"/>
+          </a:xfrm>
+          <a:prstGeom prst="ellipse">
+            <a:avLst/>
+          </a:prstGeom>
+          <a:solidFill>
+            <a:schemeClr val="accent2"/>
+          </a:solidFill>
+          <a:ln>
+            <a:noFill/>
+          </a:ln>
+        </p:spPr>
+        <p:style>
+          <a:lnRef idx="2">
+            <a:schemeClr val="accent1">
+              <a:shade val="50000"/>
+            </a:schemeClr>
+          </a:lnRef>
+          <a:fillRef idx="1">
+            <a:schemeClr val="accent1"/>
+          </a:fillRef>
+          <a:effectRef idx="0">
+            <a:schemeClr val="accent1"/>
+          </a:effectRef>
+          <a:fontRef idx="minor">
+            <a:schemeClr val="lt1"/>
+          </a:fontRef>
+        </p:style>
+        <p:txBody>
+          <a:bodyPr rtlCol="0" anchor="ctr"/>
+          <a:lstStyle/>
+          <a:p>
+            <a:pPr algn="ctr"/>
+            <a:endParaRPr lang="en-US"/>
+          </a:p>
+        </p:txBody>
+      </p:sp>
       <p:sp>
         <p:nvSpPr>
           <p:cNvPr id="2" name="Nadpis 1">
@@ -7643,18 +11350,218 @@
             <p:ph type="title"/>
           </p:nvPr>
         </p:nvSpPr>
-        <p:spPr/>
-        <p:txBody>
-          <a:bodyPr/>
+        <p:spPr>
+          <a:xfrm>
+            <a:off x="1171074" y="1396686"/>
+            <a:ext cx="3240506" cy="4064628"/>
+          </a:xfrm>
+        </p:spPr>
+        <p:txBody>
+          <a:bodyPr>
+            <a:normAutofit/>
+          </a:bodyPr>
           <a:lstStyle/>
           <a:p>
             <a:r>
-              <a:rPr lang="cs-CZ" dirty="0" err="1">
+              <a:rPr lang="cs-CZ">
+                <a:solidFill>
+                  <a:srgbClr val="FFFFFF"/>
+                </a:solidFill>
                 <a:cs typeface="Calibri Light"/>
               </a:rPr>
               <a:t>ReFS</a:t>
             </a:r>
-            <a:endParaRPr lang="cs-CZ" dirty="0" err="1"/>
+            <a:endParaRPr lang="cs-CZ">
+              <a:solidFill>
+                <a:srgbClr val="FFFFFF"/>
+              </a:solidFill>
+            </a:endParaRPr>
+          </a:p>
+        </p:txBody>
+      </p:sp>
+      <p:sp>
+        <p:nvSpPr>
+          <p:cNvPr id="49" name="Arc 42">
+            <a:extLst>
+              <a:ext uri="{FF2B5EF4-FFF2-40B4-BE49-F238E27FC236}">
+                <a16:creationId xmlns:a16="http://schemas.microsoft.com/office/drawing/2014/main" id="{5B7778FC-632E-4DCA-A7CB-0D7731CCF970}"/>
+              </a:ext>
+              <a:ext uri="{C183D7F6-B498-43B3-948B-1728B52AA6E4}">
+                <adec:decorative xmlns:adec="http://schemas.microsoft.com/office/drawing/2017/decorative" val="1"/>
+              </a:ext>
+            </a:extLst>
+          </p:cNvPr>
+          <p:cNvSpPr>
+            <a:spLocks noGrp="1" noRot="1" noChangeAspect="1" noMove="1" noResize="1" noEditPoints="1" noAdjustHandles="1" noChangeArrowheads="1" noChangeShapeType="1" noTextEdit="1"/>
+          </p:cNvSpPr>
+          <p:nvPr>
+            <p:extLst>
+              <p:ext uri="{386F3935-93C4-4BCD-93E2-E3B085C9AB24}">
+                <p16:designElem xmlns:p16="http://schemas.microsoft.com/office/powerpoint/2015/main" val="1"/>
+              </p:ext>
+            </p:extLst>
+          </p:nvPr>
+        </p:nvSpPr>
+        <p:spPr>
+          <a:xfrm rot="19809111">
+            <a:off x="8683720" y="941148"/>
+            <a:ext cx="2987899" cy="2987899"/>
+          </a:xfrm>
+          <a:prstGeom prst="arc">
+            <a:avLst>
+              <a:gd name="adj1" fmla="val 15817365"/>
+              <a:gd name="adj2" fmla="val 1781380"/>
+            </a:avLst>
+          </a:prstGeom>
+          <a:ln w="127000" cap="rnd">
+            <a:solidFill>
+              <a:schemeClr val="accent4"/>
+            </a:solidFill>
+            <a:prstDash val="dash"/>
+            <a:miter lim="800000"/>
+          </a:ln>
+        </p:spPr>
+        <p:style>
+          <a:lnRef idx="1">
+            <a:schemeClr val="accent1"/>
+          </a:lnRef>
+          <a:fillRef idx="0">
+            <a:schemeClr val="accent1"/>
+          </a:fillRef>
+          <a:effectRef idx="0">
+            <a:schemeClr val="accent1"/>
+          </a:effectRef>
+          <a:fontRef idx="minor">
+            <a:schemeClr val="tx1"/>
+          </a:fontRef>
+        </p:style>
+        <p:txBody>
+          <a:bodyPr rtlCol="0" anchor="ctr"/>
+          <a:lstStyle/>
+          <a:p>
+            <a:pPr marL="0" marR="0" lvl="0" indent="0" algn="ctr" defTabSz="914400" rtl="0" eaLnBrk="1" fontAlgn="auto" latinLnBrk="0" hangingPunct="1">
+              <a:lnSpc>
+                <a:spcPct val="100000"/>
+              </a:lnSpc>
+              <a:spcBef>
+                <a:spcPts val="0"/>
+              </a:spcBef>
+              <a:spcAft>
+                <a:spcPts val="0"/>
+              </a:spcAft>
+              <a:buClrTx/>
+              <a:buSzTx/>
+              <a:buFontTx/>
+              <a:buNone/>
+              <a:tabLst/>
+              <a:defRPr/>
+            </a:pPr>
+            <a:endParaRPr kumimoji="0" lang="en-US" sz="1800" b="0" i="0" u="none" strike="noStrike" kern="1200" cap="none" spc="0" normalizeH="0" baseline="0" noProof="0">
+              <a:ln>
+                <a:noFill/>
+              </a:ln>
+              <a:solidFill>
+                <a:srgbClr val="000000"/>
+              </a:solidFill>
+              <a:effectLst/>
+              <a:uLnTx/>
+              <a:uFillTx/>
+              <a:latin typeface="Calibri" panose="020F0502020204030204"/>
+              <a:ea typeface="+mn-ea"/>
+              <a:cs typeface="+mn-cs"/>
+            </a:endParaRPr>
+          </a:p>
+        </p:txBody>
+      </p:sp>
+      <p:sp>
+        <p:nvSpPr>
+          <p:cNvPr id="50" name="Oval 44">
+            <a:extLst>
+              <a:ext uri="{FF2B5EF4-FFF2-40B4-BE49-F238E27FC236}">
+                <a16:creationId xmlns:a16="http://schemas.microsoft.com/office/drawing/2014/main" id="{FA23A907-97FB-4A8F-880A-DD77401C4296}"/>
+              </a:ext>
+              <a:ext uri="{C183D7F6-B498-43B3-948B-1728B52AA6E4}">
+                <adec:decorative xmlns:adec="http://schemas.microsoft.com/office/drawing/2017/decorative" val="1"/>
+              </a:ext>
+            </a:extLst>
+          </p:cNvPr>
+          <p:cNvSpPr>
+            <a:spLocks noGrp="1" noRot="1" noChangeAspect="1" noMove="1" noResize="1" noEditPoints="1" noAdjustHandles="1" noChangeArrowheads="1" noChangeShapeType="1" noTextEdit="1"/>
+          </p:cNvSpPr>
+          <p:nvPr>
+            <p:extLst>
+              <p:ext uri="{386F3935-93C4-4BCD-93E2-E3B085C9AB24}">
+                <p16:designElem xmlns:p16="http://schemas.microsoft.com/office/powerpoint/2015/main" val="1"/>
+              </p:ext>
+            </p:extLst>
+          </p:nvPr>
+        </p:nvSpPr>
+        <p:spPr>
+          <a:xfrm>
+            <a:off x="910048" y="4780992"/>
+            <a:ext cx="546100" cy="546100"/>
+          </a:xfrm>
+          <a:prstGeom prst="ellipse">
+            <a:avLst/>
+          </a:prstGeom>
+          <a:solidFill>
+            <a:schemeClr val="accent5"/>
+          </a:solidFill>
+          <a:ln>
+            <a:noFill/>
+          </a:ln>
+        </p:spPr>
+        <p:style>
+          <a:lnRef idx="2">
+            <a:schemeClr val="accent1">
+              <a:shade val="50000"/>
+            </a:schemeClr>
+          </a:lnRef>
+          <a:fillRef idx="1">
+            <a:schemeClr val="accent1"/>
+          </a:fillRef>
+          <a:effectRef idx="0">
+            <a:schemeClr val="accent1"/>
+          </a:effectRef>
+          <a:fontRef idx="minor">
+            <a:schemeClr val="lt1"/>
+          </a:fontRef>
+        </p:style>
+        <p:txBody>
+          <a:bodyPr rtlCol="0" anchor="ctr"/>
+          <a:lstStyle/>
+          <a:p>
+            <a:pPr marL="0" marR="0" lvl="0" indent="0" algn="ctr" defTabSz="914400" rtl="0" eaLnBrk="1" fontAlgn="auto" latinLnBrk="0" hangingPunct="1">
+              <a:lnSpc>
+                <a:spcPct val="100000"/>
+              </a:lnSpc>
+              <a:spcBef>
+                <a:spcPts val="0"/>
+              </a:spcBef>
+              <a:spcAft>
+                <a:spcPts val="0"/>
+              </a:spcAft>
+              <a:buClrTx/>
+              <a:buSzTx/>
+              <a:buFontTx/>
+              <a:buNone/>
+              <a:tabLst/>
+              <a:defRPr/>
+            </a:pPr>
+            <a:endParaRPr kumimoji="0" lang="en-US" sz="1800" b="0" i="0" u="none" strike="noStrike" kern="1200" cap="none" spc="0" normalizeH="0" baseline="0" noProof="0">
+              <a:ln>
+                <a:noFill/>
+              </a:ln>
+              <a:solidFill>
+                <a:srgbClr val="FFFFFF"/>
+              </a:solidFill>
+              <a:effectLst/>
+              <a:uLnTx/>
+              <a:uFillTx/>
+              <a:latin typeface="Calibri" panose="020F0502020204030204"/>
+              <a:ea typeface="+mn-ea"/>
+              <a:cs typeface="+mn-cs"/>
+            </a:endParaRPr>
           </a:p>
         </p:txBody>
       </p:sp>
@@ -7674,15 +11581,20 @@
             <p:ph idx="1"/>
           </p:nvPr>
         </p:nvSpPr>
-        <p:spPr/>
-        <p:txBody>
-          <a:bodyPr vert="horz" lIns="91440" tIns="45720" rIns="91440" bIns="45720" rtlCol="0" anchor="t">
+        <p:spPr>
+          <a:xfrm>
+            <a:off x="5370153" y="1526033"/>
+            <a:ext cx="5536397" cy="3935281"/>
+          </a:xfrm>
+        </p:spPr>
+        <p:txBody>
+          <a:bodyPr vert="horz" lIns="91440" tIns="45720" rIns="91440" bIns="45720" rtlCol="0">
             <a:normAutofit/>
           </a:bodyPr>
           <a:lstStyle/>
           <a:p>
             <a:r>
-              <a:rPr lang="cs-CZ" dirty="0">
+              <a:rPr lang="cs-CZ" sz="2600">
                 <a:cs typeface="Calibri"/>
               </a:rPr>
               <a:t>Vyšel v roce 2012 pro Windows Server</a:t>
@@ -7690,7 +11602,7 @@
           </a:p>
           <a:p>
             <a:r>
-              <a:rPr lang="cs-CZ" dirty="0">
+              <a:rPr lang="cs-CZ" sz="2600">
                 <a:cs typeface="Calibri"/>
               </a:rPr>
               <a:t>Podobný NTFS, ale má extra funkce pro detekci a opravu poškozených dat a zrychlení funkcí důležité pro servery</a:t>
@@ -7698,28 +11610,28 @@
           </a:p>
           <a:p>
             <a:r>
-              <a:rPr lang="cs-CZ" dirty="0">
+              <a:rPr lang="cs-CZ" sz="2600">
                 <a:cs typeface="Calibri"/>
               </a:rPr>
               <a:t>Chybí mu funkce, které má NTFS, např. nejde z něho spustit Windows, nemá kompresi a šifrování dat</a:t>
             </a:r>
-            <a:endParaRPr lang="cs-CZ" dirty="0"/>
-          </a:p>
-          <a:p>
-            <a:r>
-              <a:rPr lang="cs-CZ" dirty="0">
+            <a:endParaRPr lang="cs-CZ" sz="2600"/>
+          </a:p>
+          <a:p>
+            <a:r>
+              <a:rPr lang="cs-CZ" sz="2600">
                 <a:cs typeface="Calibri"/>
               </a:rPr>
               <a:t>Podporuje až 32 PB</a:t>
             </a:r>
           </a:p>
           <a:p>
-            <a:endParaRPr lang="cs-CZ" dirty="0">
+            <a:endParaRPr lang="cs-CZ" sz="2600">
               <a:cs typeface="Calibri"/>
             </a:endParaRPr>
           </a:p>
           <a:p>
-            <a:endParaRPr lang="cs-CZ" dirty="0">
+            <a:endParaRPr lang="cs-CZ" sz="2600">
               <a:cs typeface="Calibri"/>
             </a:endParaRPr>
           </a:p>
@@ -7741,6 +11653,14 @@
 <file path=ppt/slides/slide9.xml><?xml version="1.0" encoding="utf-8"?>
 <p:sld xmlns:a="http://schemas.openxmlformats.org/drawingml/2006/main" xmlns:r="http://schemas.openxmlformats.org/officeDocument/2006/relationships" xmlns:p="http://schemas.openxmlformats.org/presentationml/2006/main">
   <p:cSld>
+    <p:bg>
+      <p:bgPr>
+        <a:solidFill>
+          <a:schemeClr val="bg1"/>
+        </a:solidFill>
+        <a:effectLst/>
+      </p:bgPr>
+    </p:bg>
     <p:spTree>
       <p:nvGrpSpPr>
         <p:cNvPr id="1" name=""/>
@@ -7755,12 +11675,135 @@
           <a:chExt cx="0" cy="0"/>
         </a:xfrm>
       </p:grpSpPr>
+      <p:sp useBgFill="1">
+        <p:nvSpPr>
+          <p:cNvPr id="17" name="Rectangle 7">
+            <a:extLst>
+              <a:ext uri="{FF2B5EF4-FFF2-40B4-BE49-F238E27FC236}">
+                <a16:creationId xmlns:a16="http://schemas.microsoft.com/office/drawing/2014/main" id="{E92FEB64-6EEA-4759-B4A4-BD2C1E660BA8}"/>
+              </a:ext>
+              <a:ext uri="{C183D7F6-B498-43B3-948B-1728B52AA6E4}">
+                <adec:decorative xmlns:adec="http://schemas.microsoft.com/office/drawing/2017/decorative" val="1"/>
+              </a:ext>
+            </a:extLst>
+          </p:cNvPr>
+          <p:cNvSpPr>
+            <a:spLocks noGrp="1" noRot="1" noChangeAspect="1" noMove="1" noResize="1" noEditPoints="1" noAdjustHandles="1" noChangeArrowheads="1" noChangeShapeType="1" noTextEdit="1"/>
+          </p:cNvSpPr>
+          <p:nvPr>
+            <p:extLst>
+              <p:ext uri="{386F3935-93C4-4BCD-93E2-E3B085C9AB24}">
+                <p16:designElem xmlns:p16="http://schemas.microsoft.com/office/powerpoint/2015/main" val="1"/>
+              </p:ext>
+            </p:extLst>
+          </p:nvPr>
+        </p:nvSpPr>
+        <p:spPr>
+          <a:xfrm>
+            <a:off x="3048" y="0"/>
+            <a:ext cx="12188952" cy="6858000"/>
+          </a:xfrm>
+          <a:prstGeom prst="rect">
+            <a:avLst/>
+          </a:prstGeom>
+          <a:ln>
+            <a:noFill/>
+          </a:ln>
+        </p:spPr>
+        <p:style>
+          <a:lnRef idx="2">
+            <a:schemeClr val="accent1">
+              <a:shade val="50000"/>
+            </a:schemeClr>
+          </a:lnRef>
+          <a:fillRef idx="1">
+            <a:schemeClr val="accent1"/>
+          </a:fillRef>
+          <a:effectRef idx="0">
+            <a:schemeClr val="accent1"/>
+          </a:effectRef>
+          <a:fontRef idx="minor">
+            <a:schemeClr val="lt1"/>
+          </a:fontRef>
+        </p:style>
+        <p:txBody>
+          <a:bodyPr rtlCol="0" anchor="ctr"/>
+          <a:lstStyle/>
+          <a:p>
+            <a:pPr algn="ctr"/>
+            <a:endParaRPr lang="en-US"/>
+          </a:p>
+        </p:txBody>
+      </p:sp>
+      <p:sp>
+        <p:nvSpPr>
+          <p:cNvPr id="19" name="Oval 9">
+            <a:extLst>
+              <a:ext uri="{FF2B5EF4-FFF2-40B4-BE49-F238E27FC236}">
+                <a16:creationId xmlns:a16="http://schemas.microsoft.com/office/drawing/2014/main" id="{B10BB131-AC8E-4A8E-A5D1-36260F720C3B}"/>
+              </a:ext>
+              <a:ext uri="{C183D7F6-B498-43B3-948B-1728B52AA6E4}">
+                <adec:decorative xmlns:adec="http://schemas.microsoft.com/office/drawing/2017/decorative" val="1"/>
+              </a:ext>
+            </a:extLst>
+          </p:cNvPr>
+          <p:cNvSpPr>
+            <a:spLocks noGrp="1" noRot="1" noChangeAspect="1" noMove="1" noResize="1" noEditPoints="1" noAdjustHandles="1" noChangeArrowheads="1" noChangeShapeType="1" noTextEdit="1"/>
+          </p:cNvSpPr>
+          <p:nvPr>
+            <p:extLst>
+              <p:ext uri="{386F3935-93C4-4BCD-93E2-E3B085C9AB24}">
+                <p16:designElem xmlns:p16="http://schemas.microsoft.com/office/powerpoint/2015/main" val="1"/>
+              </p:ext>
+            </p:extLst>
+          </p:nvPr>
+        </p:nvSpPr>
+        <p:spPr>
+          <a:xfrm>
+            <a:off x="707393" y="847600"/>
+            <a:ext cx="4619938" cy="4619938"/>
+          </a:xfrm>
+          <a:prstGeom prst="ellipse">
+            <a:avLst/>
+          </a:prstGeom>
+          <a:solidFill>
+            <a:schemeClr val="accent2"/>
+          </a:solidFill>
+          <a:ln>
+            <a:noFill/>
+          </a:ln>
+        </p:spPr>
+        <p:style>
+          <a:lnRef idx="2">
+            <a:schemeClr val="accent1">
+              <a:shade val="50000"/>
+            </a:schemeClr>
+          </a:lnRef>
+          <a:fillRef idx="1">
+            <a:schemeClr val="accent1"/>
+          </a:fillRef>
+          <a:effectRef idx="0">
+            <a:schemeClr val="accent1"/>
+          </a:effectRef>
+          <a:fontRef idx="minor">
+            <a:schemeClr val="lt1"/>
+          </a:fontRef>
+        </p:style>
+        <p:txBody>
+          <a:bodyPr rtlCol="0" anchor="ctr"/>
+          <a:lstStyle/>
+          <a:p>
+            <a:pPr algn="ctr"/>
+            <a:endParaRPr lang="en-US"/>
+          </a:p>
+        </p:txBody>
+      </p:sp>
       <p:sp>
         <p:nvSpPr>
           <p:cNvPr id="2" name="Nadpis 1">
             <a:extLst>
               <a:ext uri="{FF2B5EF4-FFF2-40B4-BE49-F238E27FC236}">
-                <a16:creationId xmlns:a16="http://schemas.microsoft.com/office/drawing/2014/main" id="{BBD8027A-59C4-39E3-C4CF-6C97C679F569}"/>
+                <a16:creationId xmlns:a16="http://schemas.microsoft.com/office/drawing/2014/main" id="{71CB8FAF-1CF8-CCD1-A17C-4F6BA3D8288D}"/>
               </a:ext>
             </a:extLst>
           </p:cNvPr>
@@ -7771,18 +11814,399 @@
             <p:ph type="title"/>
           </p:nvPr>
         </p:nvSpPr>
-        <p:spPr/>
-        <p:txBody>
-          <a:bodyPr/>
+        <p:spPr>
+          <a:xfrm>
+            <a:off x="1389278" y="1233241"/>
+            <a:ext cx="3240506" cy="4064628"/>
+          </a:xfrm>
+        </p:spPr>
+        <p:txBody>
+          <a:bodyPr>
+            <a:normAutofit/>
+          </a:bodyPr>
           <a:lstStyle/>
           <a:p>
             <a:r>
               <a:rPr lang="cs-CZ">
+                <a:solidFill>
+                  <a:srgbClr val="FFFFFF"/>
+                </a:solidFill>
                 <a:cs typeface="Calibri Light"/>
               </a:rPr>
-              <a:t>Zdroje</a:t>
-            </a:r>
-            <a:endParaRPr lang="cs-CZ"/>
+              <a:t>CDFS</a:t>
+            </a:r>
+            <a:endParaRPr lang="cs-CZ">
+              <a:solidFill>
+                <a:srgbClr val="FFFFFF"/>
+              </a:solidFill>
+            </a:endParaRPr>
+          </a:p>
+        </p:txBody>
+      </p:sp>
+      <p:sp>
+        <p:nvSpPr>
+          <p:cNvPr id="21" name="Freeform: Shape 11">
+            <a:extLst>
+              <a:ext uri="{FF2B5EF4-FFF2-40B4-BE49-F238E27FC236}">
+                <a16:creationId xmlns:a16="http://schemas.microsoft.com/office/drawing/2014/main" id="{14847E93-7DC1-4D4B-8829-B19AA7137C50}"/>
+              </a:ext>
+              <a:ext uri="{C183D7F6-B498-43B3-948B-1728B52AA6E4}">
+                <adec:decorative xmlns:adec="http://schemas.microsoft.com/office/drawing/2017/decorative" val="1"/>
+              </a:ext>
+            </a:extLst>
+          </p:cNvPr>
+          <p:cNvSpPr>
+            <a:spLocks noGrp="1" noRot="1" noChangeAspect="1" noMove="1" noResize="1" noEditPoints="1" noAdjustHandles="1" noChangeArrowheads="1" noChangeShapeType="1" noTextEdit="1"/>
+          </p:cNvSpPr>
+          <p:nvPr>
+            <p:extLst>
+              <p:ext uri="{386F3935-93C4-4BCD-93E2-E3B085C9AB24}">
+                <p16:designElem xmlns:p16="http://schemas.microsoft.com/office/powerpoint/2015/main" val="1"/>
+              </p:ext>
+            </p:extLst>
+          </p:nvPr>
+        </p:nvSpPr>
+        <p:spPr>
+          <a:xfrm flipH="1">
+            <a:off x="530529" y="0"/>
+            <a:ext cx="1155142" cy="591009"/>
+          </a:xfrm>
+          <a:custGeom>
+            <a:avLst/>
+            <a:gdLst>
+              <a:gd name="connsiteX0" fmla="*/ 1355 w 1155142"/>
+              <a:gd name="connsiteY0" fmla="*/ 0 h 591009"/>
+              <a:gd name="connsiteX1" fmla="*/ 1153787 w 1155142"/>
+              <a:gd name="connsiteY1" fmla="*/ 0 h 591009"/>
+              <a:gd name="connsiteX2" fmla="*/ 1155142 w 1155142"/>
+              <a:gd name="connsiteY2" fmla="*/ 13438 h 591009"/>
+              <a:gd name="connsiteX3" fmla="*/ 577571 w 1155142"/>
+              <a:gd name="connsiteY3" fmla="*/ 591009 h 591009"/>
+              <a:gd name="connsiteX4" fmla="*/ 0 w 1155142"/>
+              <a:gd name="connsiteY4" fmla="*/ 13438 h 591009"/>
+            </a:gdLst>
+            <a:ahLst/>
+            <a:cxnLst>
+              <a:cxn ang="0">
+                <a:pos x="connsiteX0" y="connsiteY0"/>
+              </a:cxn>
+              <a:cxn ang="0">
+                <a:pos x="connsiteX1" y="connsiteY1"/>
+              </a:cxn>
+              <a:cxn ang="0">
+                <a:pos x="connsiteX2" y="connsiteY2"/>
+              </a:cxn>
+              <a:cxn ang="0">
+                <a:pos x="connsiteX3" y="connsiteY3"/>
+              </a:cxn>
+              <a:cxn ang="0">
+                <a:pos x="connsiteX4" y="connsiteY4"/>
+              </a:cxn>
+            </a:cxnLst>
+            <a:rect l="l" t="t" r="r" b="b"/>
+            <a:pathLst>
+              <a:path w="1155142" h="591009">
+                <a:moveTo>
+                  <a:pt x="1355" y="0"/>
+                </a:moveTo>
+                <a:lnTo>
+                  <a:pt x="1153787" y="0"/>
+                </a:lnTo>
+                <a:lnTo>
+                  <a:pt x="1155142" y="13438"/>
+                </a:lnTo>
+                <a:cubicBezTo>
+                  <a:pt x="1155142" y="332422"/>
+                  <a:pt x="896555" y="591009"/>
+                  <a:pt x="577571" y="591009"/>
+                </a:cubicBezTo>
+                <a:cubicBezTo>
+                  <a:pt x="258587" y="591009"/>
+                  <a:pt x="0" y="332422"/>
+                  <a:pt x="0" y="13438"/>
+                </a:cubicBezTo>
+                <a:close/>
+              </a:path>
+            </a:pathLst>
+          </a:custGeom>
+          <a:solidFill>
+            <a:schemeClr val="accent5"/>
+          </a:solidFill>
+          <a:ln>
+            <a:noFill/>
+          </a:ln>
+        </p:spPr>
+        <p:style>
+          <a:lnRef idx="2">
+            <a:schemeClr val="accent1">
+              <a:shade val="50000"/>
+            </a:schemeClr>
+          </a:lnRef>
+          <a:fillRef idx="1">
+            <a:schemeClr val="accent1"/>
+          </a:fillRef>
+          <a:effectRef idx="0">
+            <a:schemeClr val="accent1"/>
+          </a:effectRef>
+          <a:fontRef idx="minor">
+            <a:schemeClr val="lt1"/>
+          </a:fontRef>
+        </p:style>
+        <p:txBody>
+          <a:bodyPr wrap="square" rtlCol="0" anchor="ctr">
+            <a:noAutofit/>
+          </a:bodyPr>
+          <a:lstStyle/>
+          <a:p>
+            <a:pPr algn="ctr"/>
+            <a:endParaRPr lang="en-US"/>
+          </a:p>
+        </p:txBody>
+      </p:sp>
+      <p:sp>
+        <p:nvSpPr>
+          <p:cNvPr id="23" name="Freeform: Shape 13">
+            <a:extLst>
+              <a:ext uri="{FF2B5EF4-FFF2-40B4-BE49-F238E27FC236}">
+                <a16:creationId xmlns:a16="http://schemas.microsoft.com/office/drawing/2014/main" id="{5566D6E1-03A1-4D73-A4E0-35D74D568A04}"/>
+              </a:ext>
+              <a:ext uri="{C183D7F6-B498-43B3-948B-1728B52AA6E4}">
+                <adec:decorative xmlns:adec="http://schemas.microsoft.com/office/drawing/2017/decorative" val="1"/>
+              </a:ext>
+            </a:extLst>
+          </p:cNvPr>
+          <p:cNvSpPr>
+            <a:spLocks noGrp="1" noRot="1" noChangeAspect="1" noMove="1" noResize="1" noEditPoints="1" noAdjustHandles="1" noChangeArrowheads="1" noChangeShapeType="1" noTextEdit="1"/>
+          </p:cNvSpPr>
+          <p:nvPr>
+            <p:extLst>
+              <p:ext uri="{386F3935-93C4-4BCD-93E2-E3B085C9AB24}">
+                <p16:designElem xmlns:p16="http://schemas.microsoft.com/office/powerpoint/2015/main" val="1"/>
+              </p:ext>
+            </p:extLst>
+          </p:nvPr>
+        </p:nvSpPr>
+        <p:spPr>
+          <a:xfrm flipH="1">
+            <a:off x="3961511" y="-1"/>
+            <a:ext cx="1737401" cy="959536"/>
+          </a:xfrm>
+          <a:custGeom>
+            <a:avLst/>
+            <a:gdLst>
+              <a:gd name="connsiteX0" fmla="*/ 0 w 1737401"/>
+              <a:gd name="connsiteY0" fmla="*/ 0 h 959536"/>
+              <a:gd name="connsiteX1" fmla="*/ 123825 w 1737401"/>
+              <a:gd name="connsiteY1" fmla="*/ 0 h 959536"/>
+              <a:gd name="connsiteX2" fmla="*/ 123825 w 1737401"/>
+              <a:gd name="connsiteY2" fmla="*/ 790277 h 959536"/>
+              <a:gd name="connsiteX3" fmla="*/ 1490095 w 1737401"/>
+              <a:gd name="connsiteY3" fmla="*/ 0 h 959536"/>
+              <a:gd name="connsiteX4" fmla="*/ 1737401 w 1737401"/>
+              <a:gd name="connsiteY4" fmla="*/ 0 h 959536"/>
+              <a:gd name="connsiteX5" fmla="*/ 92869 w 1737401"/>
+              <a:gd name="connsiteY5" fmla="*/ 951249 h 959536"/>
+              <a:gd name="connsiteX6" fmla="*/ 61913 w 1737401"/>
+              <a:gd name="connsiteY6" fmla="*/ 959536 h 959536"/>
+              <a:gd name="connsiteX7" fmla="*/ 0 w 1737401"/>
+              <a:gd name="connsiteY7" fmla="*/ 897624 h 959536"/>
+            </a:gdLst>
+            <a:ahLst/>
+            <a:cxnLst>
+              <a:cxn ang="0">
+                <a:pos x="connsiteX0" y="connsiteY0"/>
+              </a:cxn>
+              <a:cxn ang="0">
+                <a:pos x="connsiteX1" y="connsiteY1"/>
+              </a:cxn>
+              <a:cxn ang="0">
+                <a:pos x="connsiteX2" y="connsiteY2"/>
+              </a:cxn>
+              <a:cxn ang="0">
+                <a:pos x="connsiteX3" y="connsiteY3"/>
+              </a:cxn>
+              <a:cxn ang="0">
+                <a:pos x="connsiteX4" y="connsiteY4"/>
+              </a:cxn>
+              <a:cxn ang="0">
+                <a:pos x="connsiteX5" y="connsiteY5"/>
+              </a:cxn>
+              <a:cxn ang="0">
+                <a:pos x="connsiteX6" y="connsiteY6"/>
+              </a:cxn>
+              <a:cxn ang="0">
+                <a:pos x="connsiteX7" y="connsiteY7"/>
+              </a:cxn>
+            </a:cxnLst>
+            <a:rect l="l" t="t" r="r" b="b"/>
+            <a:pathLst>
+              <a:path w="1737401" h="959536">
+                <a:moveTo>
+                  <a:pt x="0" y="0"/>
+                </a:moveTo>
+                <a:lnTo>
+                  <a:pt x="123825" y="0"/>
+                </a:lnTo>
+                <a:lnTo>
+                  <a:pt x="123825" y="790277"/>
+                </a:lnTo>
+                <a:lnTo>
+                  <a:pt x="1490095" y="0"/>
+                </a:lnTo>
+                <a:lnTo>
+                  <a:pt x="1737401" y="0"/>
+                </a:lnTo>
+                <a:lnTo>
+                  <a:pt x="92869" y="951249"/>
+                </a:lnTo>
+                <a:cubicBezTo>
+                  <a:pt x="83458" y="956688"/>
+                  <a:pt x="72780" y="959546"/>
+                  <a:pt x="61913" y="959536"/>
+                </a:cubicBezTo>
+                <a:cubicBezTo>
+                  <a:pt x="27719" y="959536"/>
+                  <a:pt x="0" y="931818"/>
+                  <a:pt x="0" y="897624"/>
+                </a:cubicBezTo>
+                <a:close/>
+              </a:path>
+            </a:pathLst>
+          </a:custGeom>
+          <a:solidFill>
+            <a:schemeClr val="accent6"/>
+          </a:solidFill>
+          <a:ln w="9525" cap="flat">
+            <a:noFill/>
+            <a:prstDash val="solid"/>
+            <a:miter/>
+          </a:ln>
+        </p:spPr>
+        <p:txBody>
+          <a:bodyPr rtlCol="0" anchor="ctr"/>
+          <a:lstStyle/>
+          <a:p>
+            <a:endParaRPr lang="en-US"/>
+          </a:p>
+        </p:txBody>
+      </p:sp>
+      <p:sp>
+        <p:nvSpPr>
+          <p:cNvPr id="16" name="Freeform: Shape 15">
+            <a:extLst>
+              <a:ext uri="{FF2B5EF4-FFF2-40B4-BE49-F238E27FC236}">
+                <a16:creationId xmlns:a16="http://schemas.microsoft.com/office/drawing/2014/main" id="{9F835A99-04AC-494A-A572-AFE8413CC938}"/>
+              </a:ext>
+              <a:ext uri="{C183D7F6-B498-43B3-948B-1728B52AA6E4}">
+                <adec:decorative xmlns:adec="http://schemas.microsoft.com/office/drawing/2017/decorative" val="1"/>
+              </a:ext>
+            </a:extLst>
+          </p:cNvPr>
+          <p:cNvSpPr>
+            <a:spLocks noGrp="1" noRot="1" noChangeAspect="1" noMove="1" noResize="1" noEditPoints="1" noAdjustHandles="1" noChangeArrowheads="1" noChangeShapeType="1" noTextEdit="1"/>
+          </p:cNvSpPr>
+          <p:nvPr>
+            <p:extLst>
+              <p:ext uri="{386F3935-93C4-4BCD-93E2-E3B085C9AB24}">
+                <p16:designElem xmlns:p16="http://schemas.microsoft.com/office/powerpoint/2015/main" val="1"/>
+              </p:ext>
+            </p:extLst>
+          </p:nvPr>
+        </p:nvSpPr>
+        <p:spPr>
+          <a:xfrm flipH="1">
+            <a:off x="0" y="2936831"/>
+            <a:ext cx="159741" cy="552996"/>
+          </a:xfrm>
+          <a:custGeom>
+            <a:avLst/>
+            <a:gdLst>
+              <a:gd name="connsiteX0" fmla="*/ 159741 w 159741"/>
+              <a:gd name="connsiteY0" fmla="*/ 0 h 552996"/>
+              <a:gd name="connsiteX1" fmla="*/ 159741 w 159741"/>
+              <a:gd name="connsiteY1" fmla="*/ 552996 h 552996"/>
+              <a:gd name="connsiteX2" fmla="*/ 141849 w 159741"/>
+              <a:gd name="connsiteY2" fmla="*/ 543285 h 552996"/>
+              <a:gd name="connsiteX3" fmla="*/ 0 w 159741"/>
+              <a:gd name="connsiteY3" fmla="*/ 276498 h 552996"/>
+              <a:gd name="connsiteX4" fmla="*/ 141849 w 159741"/>
+              <a:gd name="connsiteY4" fmla="*/ 9711 h 552996"/>
+            </a:gdLst>
+            <a:ahLst/>
+            <a:cxnLst>
+              <a:cxn ang="0">
+                <a:pos x="connsiteX0" y="connsiteY0"/>
+              </a:cxn>
+              <a:cxn ang="0">
+                <a:pos x="connsiteX1" y="connsiteY1"/>
+              </a:cxn>
+              <a:cxn ang="0">
+                <a:pos x="connsiteX2" y="connsiteY2"/>
+              </a:cxn>
+              <a:cxn ang="0">
+                <a:pos x="connsiteX3" y="connsiteY3"/>
+              </a:cxn>
+              <a:cxn ang="0">
+                <a:pos x="connsiteX4" y="connsiteY4"/>
+              </a:cxn>
+            </a:cxnLst>
+            <a:rect l="l" t="t" r="r" b="b"/>
+            <a:pathLst>
+              <a:path w="159741" h="552996">
+                <a:moveTo>
+                  <a:pt x="159741" y="0"/>
+                </a:moveTo>
+                <a:lnTo>
+                  <a:pt x="159741" y="552996"/>
+                </a:lnTo>
+                <a:lnTo>
+                  <a:pt x="141849" y="543285"/>
+                </a:lnTo>
+                <a:cubicBezTo>
+                  <a:pt x="56268" y="485467"/>
+                  <a:pt x="0" y="387554"/>
+                  <a:pt x="0" y="276498"/>
+                </a:cubicBezTo>
+                <a:cubicBezTo>
+                  <a:pt x="0" y="165443"/>
+                  <a:pt x="56268" y="67529"/>
+                  <a:pt x="141849" y="9711"/>
+                </a:cubicBezTo>
+                <a:close/>
+              </a:path>
+            </a:pathLst>
+          </a:custGeom>
+          <a:solidFill>
+            <a:schemeClr val="accent4"/>
+          </a:solidFill>
+          <a:ln w="127000">
+            <a:noFill/>
+          </a:ln>
+        </p:spPr>
+        <p:style>
+          <a:lnRef idx="2">
+            <a:schemeClr val="accent1">
+              <a:shade val="50000"/>
+            </a:schemeClr>
+          </a:lnRef>
+          <a:fillRef idx="1">
+            <a:schemeClr val="accent1"/>
+          </a:fillRef>
+          <a:effectRef idx="0">
+            <a:schemeClr val="accent1"/>
+          </a:effectRef>
+          <a:fontRef idx="minor">
+            <a:schemeClr val="lt1"/>
+          </a:fontRef>
+        </p:style>
+        <p:txBody>
+          <a:bodyPr wrap="square" rtlCol="0" anchor="ctr">
+            <a:noAutofit/>
+          </a:bodyPr>
+          <a:lstStyle/>
+          <a:p>
+            <a:pPr algn="ctr"/>
+            <a:endParaRPr lang="en-US"/>
           </a:p>
         </p:txBody>
       </p:sp>
@@ -7791,7 +12215,7 @@
           <p:cNvPr id="3" name="Zástupný obsah 2">
             <a:extLst>
               <a:ext uri="{FF2B5EF4-FFF2-40B4-BE49-F238E27FC236}">
-                <a16:creationId xmlns:a16="http://schemas.microsoft.com/office/drawing/2014/main" id="{98181083-249A-E653-7E0C-04A418CE52D8}"/>
+                <a16:creationId xmlns:a16="http://schemas.microsoft.com/office/drawing/2014/main" id="{944B21DE-5E2C-4B98-D66A-D6FFEB03FFC0}"/>
               </a:ext>
             </a:extLst>
           </p:cNvPr>
@@ -7802,7 +12226,12 @@
             <p:ph idx="1"/>
           </p:nvPr>
         </p:nvSpPr>
-        <p:spPr/>
+        <p:spPr>
+          <a:xfrm>
+            <a:off x="6096000" y="820880"/>
+            <a:ext cx="5257799" cy="4889350"/>
+          </a:xfrm>
+        </p:spPr>
         <p:txBody>
           <a:bodyPr vert="horz" lIns="91440" tIns="45720" rIns="91440" bIns="45720" rtlCol="0" anchor="t">
             <a:normAutofit/>
@@ -7810,761 +12239,687 @@
           <a:lstStyle/>
           <a:p>
             <a:r>
-              <a:rPr lang="cs-CZ" sz="1600" err="1">
-                <a:ea typeface="+mn-lt"/>
-                <a:cs typeface="+mn-lt"/>
-              </a:rPr>
-              <a:t>What</a:t>
-            </a:r>
-            <a:r>
-              <a:rPr lang="cs-CZ" sz="1600">
-                <a:ea typeface="+mn-lt"/>
-                <a:cs typeface="+mn-lt"/>
-              </a:rPr>
-              <a:t> </a:t>
-            </a:r>
-            <a:r>
-              <a:rPr lang="cs-CZ" sz="1600" err="1">
-                <a:ea typeface="+mn-lt"/>
-                <a:cs typeface="+mn-lt"/>
-              </a:rPr>
-              <a:t>is</a:t>
-            </a:r>
-            <a:r>
-              <a:rPr lang="cs-CZ" sz="1600">
-                <a:ea typeface="+mn-lt"/>
-                <a:cs typeface="+mn-lt"/>
-              </a:rPr>
-              <a:t> a </a:t>
-            </a:r>
-            <a:r>
-              <a:rPr lang="cs-CZ" sz="1600" err="1">
-                <a:ea typeface="+mn-lt"/>
-                <a:cs typeface="+mn-lt"/>
-              </a:rPr>
-              <a:t>File</a:t>
-            </a:r>
-            <a:r>
-              <a:rPr lang="cs-CZ" sz="1600">
-                <a:ea typeface="+mn-lt"/>
-                <a:cs typeface="+mn-lt"/>
-              </a:rPr>
-              <a:t> </a:t>
-            </a:r>
-            <a:r>
-              <a:rPr lang="cs-CZ" sz="1600" err="1">
-                <a:ea typeface="+mn-lt"/>
-                <a:cs typeface="+mn-lt"/>
-              </a:rPr>
-              <a:t>System</a:t>
-            </a:r>
-            <a:r>
-              <a:rPr lang="cs-CZ" sz="1600">
-                <a:ea typeface="+mn-lt"/>
-                <a:cs typeface="+mn-lt"/>
-              </a:rPr>
-              <a:t>?. </a:t>
-            </a:r>
-            <a:r>
-              <a:rPr lang="cs-CZ" sz="1600" i="1" err="1">
-                <a:ea typeface="+mn-lt"/>
-                <a:cs typeface="+mn-lt"/>
-              </a:rPr>
-              <a:t>Purchase</a:t>
-            </a:r>
-            <a:r>
-              <a:rPr lang="cs-CZ" sz="1600" i="1">
-                <a:ea typeface="+mn-lt"/>
-                <a:cs typeface="+mn-lt"/>
-              </a:rPr>
-              <a:t> </a:t>
-            </a:r>
-            <a:r>
-              <a:rPr lang="cs-CZ" sz="1600" i="1" err="1">
-                <a:ea typeface="+mn-lt"/>
-                <a:cs typeface="+mn-lt"/>
-              </a:rPr>
-              <a:t>Intent</a:t>
-            </a:r>
-            <a:r>
-              <a:rPr lang="cs-CZ" sz="1600" i="1">
-                <a:ea typeface="+mn-lt"/>
-                <a:cs typeface="+mn-lt"/>
-              </a:rPr>
-              <a:t> Data </a:t>
-            </a:r>
-            <a:r>
-              <a:rPr lang="cs-CZ" sz="1600" i="1" err="1">
-                <a:ea typeface="+mn-lt"/>
-                <a:cs typeface="+mn-lt"/>
-              </a:rPr>
-              <a:t>for</a:t>
-            </a:r>
-            <a:r>
-              <a:rPr lang="cs-CZ" sz="1600" i="1">
-                <a:ea typeface="+mn-lt"/>
-                <a:cs typeface="+mn-lt"/>
-              </a:rPr>
-              <a:t> </a:t>
-            </a:r>
-            <a:r>
-              <a:rPr lang="cs-CZ" sz="1600" i="1" err="1">
-                <a:ea typeface="+mn-lt"/>
-                <a:cs typeface="+mn-lt"/>
-              </a:rPr>
-              <a:t>Enterprise</a:t>
-            </a:r>
-            <a:r>
-              <a:rPr lang="cs-CZ" sz="1600" i="1">
-                <a:ea typeface="+mn-lt"/>
-                <a:cs typeface="+mn-lt"/>
-              </a:rPr>
-              <a:t> Tech Sales and Marketing - </a:t>
-            </a:r>
-            <a:r>
-              <a:rPr lang="cs-CZ" sz="1600" i="1" err="1">
-                <a:ea typeface="+mn-lt"/>
-                <a:cs typeface="+mn-lt"/>
-              </a:rPr>
-              <a:t>TechTarget</a:t>
-            </a:r>
-            <a:r>
-              <a:rPr lang="cs-CZ" sz="1600">
-                <a:ea typeface="+mn-lt"/>
-                <a:cs typeface="+mn-lt"/>
-              </a:rPr>
-              <a:t> [online]. Dostupné z: </a:t>
-            </a:r>
-            <a:r>
-              <a:rPr lang="cs-CZ" sz="1600">
-                <a:ea typeface="+mn-lt"/>
-                <a:cs typeface="+mn-lt"/>
-                <a:hlinkClick r:id="rId2"/>
-              </a:rPr>
-              <a:t>https://www.techtarget.com/searchstorage/definition/file-system</a:t>
-            </a:r>
-            <a:endParaRPr lang="cs-CZ" sz="1600">
+              <a:rPr lang="cs-CZ" dirty="0">
+                <a:cs typeface="Calibri"/>
+              </a:rPr>
+              <a:t>Taky </a:t>
+            </a:r>
+            <a:r>
+              <a:rPr lang="cs-CZ" dirty="0" err="1">
+                <a:cs typeface="Calibri"/>
+              </a:rPr>
+              <a:t>nazíván</a:t>
+            </a:r>
+            <a:r>
+              <a:rPr lang="cs-CZ" dirty="0">
+                <a:cs typeface="Calibri"/>
+              </a:rPr>
+              <a:t> ISO 9660</a:t>
+            </a:r>
+          </a:p>
+          <a:p>
+            <a:r>
+              <a:rPr lang="cs-CZ" dirty="0">
+                <a:cs typeface="Calibri"/>
+              </a:rPr>
+              <a:t>Používán na CD a DVD discích</a:t>
+            </a:r>
+          </a:p>
+          <a:p>
+            <a:r>
+              <a:rPr lang="cs-CZ" dirty="0">
+                <a:cs typeface="Calibri"/>
+              </a:rPr>
+              <a:t>Je </a:t>
+            </a:r>
+            <a:r>
+              <a:rPr lang="cs-CZ" dirty="0" err="1">
+                <a:cs typeface="Calibri"/>
+              </a:rPr>
+              <a:t>read-only</a:t>
+            </a:r>
+            <a:r>
+              <a:rPr lang="cs-CZ" dirty="0">
+                <a:cs typeface="Calibri"/>
+              </a:rPr>
+              <a:t>, nemůžou tam být přidány soubory po vypálení</a:t>
+            </a:r>
+          </a:p>
+          <a:p>
+            <a:r>
+              <a:rPr lang="cs-CZ" dirty="0">
+                <a:cs typeface="Calibri"/>
+              </a:rPr>
+              <a:t>Může z něj číst každý OS</a:t>
+            </a:r>
+          </a:p>
+          <a:p>
+            <a:r>
+              <a:rPr lang="cs-CZ" dirty="0">
+                <a:cs typeface="Calibri"/>
+              </a:rPr>
+              <a:t>Max délka jmen souborů je 31 znaků v ASCII, ale OS mají rozšíření </a:t>
+            </a:r>
+            <a:r>
+              <a:rPr lang="cs-CZ" dirty="0" err="1">
+                <a:cs typeface="Calibri"/>
+              </a:rPr>
+              <a:t>Joliet</a:t>
+            </a:r>
+            <a:r>
+              <a:rPr lang="cs-CZ" dirty="0">
+                <a:cs typeface="Calibri"/>
+              </a:rPr>
+              <a:t>, které umožňuje delší jména v Unicode</a:t>
+            </a:r>
+          </a:p>
+          <a:p>
+            <a:endParaRPr lang="cs-CZ" dirty="0">
               <a:cs typeface="Calibri"/>
             </a:endParaRPr>
           </a:p>
-          <a:p>
-            <a:r>
-              <a:rPr lang="cs-CZ" sz="1600" err="1">
-                <a:ea typeface="+mn-lt"/>
-                <a:cs typeface="+mn-lt"/>
-              </a:rPr>
-              <a:t>What</a:t>
-            </a:r>
-            <a:r>
-              <a:rPr lang="cs-CZ" sz="1600">
-                <a:ea typeface="+mn-lt"/>
-                <a:cs typeface="+mn-lt"/>
-              </a:rPr>
-              <a:t> </a:t>
-            </a:r>
-            <a:r>
-              <a:rPr lang="cs-CZ" sz="1600" err="1">
-                <a:ea typeface="+mn-lt"/>
-                <a:cs typeface="+mn-lt"/>
-              </a:rPr>
-              <a:t>is</a:t>
-            </a:r>
-            <a:r>
-              <a:rPr lang="cs-CZ" sz="1600">
-                <a:ea typeface="+mn-lt"/>
-                <a:cs typeface="+mn-lt"/>
-              </a:rPr>
-              <a:t> </a:t>
-            </a:r>
-            <a:r>
-              <a:rPr lang="cs-CZ" sz="1600" err="1">
-                <a:ea typeface="+mn-lt"/>
-                <a:cs typeface="+mn-lt"/>
-              </a:rPr>
-              <a:t>File</a:t>
-            </a:r>
-            <a:r>
-              <a:rPr lang="cs-CZ" sz="1600">
-                <a:ea typeface="+mn-lt"/>
-                <a:cs typeface="+mn-lt"/>
-              </a:rPr>
-              <a:t> </a:t>
-            </a:r>
-            <a:r>
-              <a:rPr lang="cs-CZ" sz="1600" err="1">
-                <a:ea typeface="+mn-lt"/>
-                <a:cs typeface="+mn-lt"/>
-              </a:rPr>
-              <a:t>Allocation</a:t>
-            </a:r>
-            <a:r>
-              <a:rPr lang="cs-CZ" sz="1600">
-                <a:ea typeface="+mn-lt"/>
-                <a:cs typeface="+mn-lt"/>
-              </a:rPr>
-              <a:t> Table (FAT)?. </a:t>
-            </a:r>
-            <a:r>
-              <a:rPr lang="cs-CZ" sz="1600" i="1" err="1">
-                <a:ea typeface="+mn-lt"/>
-                <a:cs typeface="+mn-lt"/>
-              </a:rPr>
-              <a:t>Purchase</a:t>
-            </a:r>
-            <a:r>
-              <a:rPr lang="cs-CZ" sz="1600" i="1">
-                <a:ea typeface="+mn-lt"/>
-                <a:cs typeface="+mn-lt"/>
-              </a:rPr>
-              <a:t> </a:t>
-            </a:r>
-            <a:r>
-              <a:rPr lang="cs-CZ" sz="1600" i="1" err="1">
-                <a:ea typeface="+mn-lt"/>
-                <a:cs typeface="+mn-lt"/>
-              </a:rPr>
-              <a:t>Intent</a:t>
-            </a:r>
-            <a:r>
-              <a:rPr lang="cs-CZ" sz="1600" i="1">
-                <a:ea typeface="+mn-lt"/>
-                <a:cs typeface="+mn-lt"/>
-              </a:rPr>
-              <a:t> Data </a:t>
-            </a:r>
-            <a:r>
-              <a:rPr lang="cs-CZ" sz="1600" i="1" err="1">
-                <a:ea typeface="+mn-lt"/>
-                <a:cs typeface="+mn-lt"/>
-              </a:rPr>
-              <a:t>for</a:t>
-            </a:r>
-            <a:r>
-              <a:rPr lang="cs-CZ" sz="1600" i="1">
-                <a:ea typeface="+mn-lt"/>
-                <a:cs typeface="+mn-lt"/>
-              </a:rPr>
-              <a:t> </a:t>
-            </a:r>
-            <a:r>
-              <a:rPr lang="cs-CZ" sz="1600" i="1" err="1">
-                <a:ea typeface="+mn-lt"/>
-                <a:cs typeface="+mn-lt"/>
-              </a:rPr>
-              <a:t>Enterprise</a:t>
-            </a:r>
-            <a:r>
-              <a:rPr lang="cs-CZ" sz="1600" i="1">
-                <a:ea typeface="+mn-lt"/>
-                <a:cs typeface="+mn-lt"/>
-              </a:rPr>
-              <a:t> Tech Sales and Marketing - </a:t>
-            </a:r>
-            <a:r>
-              <a:rPr lang="cs-CZ" sz="1600" i="1" err="1">
-                <a:ea typeface="+mn-lt"/>
-                <a:cs typeface="+mn-lt"/>
-              </a:rPr>
-              <a:t>TechTarget</a:t>
-            </a:r>
-            <a:r>
-              <a:rPr lang="cs-CZ" sz="1600">
-                <a:ea typeface="+mn-lt"/>
-                <a:cs typeface="+mn-lt"/>
-              </a:rPr>
-              <a:t> [online]. Dostupné z: </a:t>
-            </a:r>
-            <a:r>
-              <a:rPr lang="cs-CZ" sz="1600">
-                <a:ea typeface="+mn-lt"/>
-                <a:cs typeface="+mn-lt"/>
-                <a:hlinkClick r:id="rId3"/>
-              </a:rPr>
-              <a:t>https://www.techtarget.com/whatis/definition/file-allocation-table-FAT</a:t>
-            </a:r>
-            <a:endParaRPr lang="cs-CZ" sz="1600">
-              <a:ea typeface="+mn-lt"/>
-              <a:cs typeface="+mn-lt"/>
-            </a:endParaRPr>
-          </a:p>
-          <a:p>
-            <a:r>
-              <a:rPr lang="cs-CZ" sz="1600" err="1">
-                <a:ea typeface="+mn-lt"/>
-                <a:cs typeface="+mn-lt"/>
-              </a:rPr>
-              <a:t>What</a:t>
-            </a:r>
-            <a:r>
-              <a:rPr lang="cs-CZ" sz="1600">
-                <a:ea typeface="+mn-lt"/>
-                <a:cs typeface="+mn-lt"/>
-              </a:rPr>
-              <a:t> </a:t>
-            </a:r>
-            <a:r>
-              <a:rPr lang="cs-CZ" sz="1600" err="1">
-                <a:ea typeface="+mn-lt"/>
-                <a:cs typeface="+mn-lt"/>
-              </a:rPr>
-              <a:t>Is</a:t>
-            </a:r>
-            <a:r>
-              <a:rPr lang="cs-CZ" sz="1600">
-                <a:ea typeface="+mn-lt"/>
-                <a:cs typeface="+mn-lt"/>
-              </a:rPr>
-              <a:t> </a:t>
-            </a:r>
-            <a:r>
-              <a:rPr lang="cs-CZ" sz="1600" err="1">
-                <a:ea typeface="+mn-lt"/>
-                <a:cs typeface="+mn-lt"/>
-              </a:rPr>
-              <a:t>File</a:t>
-            </a:r>
-            <a:r>
-              <a:rPr lang="cs-CZ" sz="1600">
-                <a:ea typeface="+mn-lt"/>
-                <a:cs typeface="+mn-lt"/>
-              </a:rPr>
-              <a:t> </a:t>
-            </a:r>
-            <a:r>
-              <a:rPr lang="cs-CZ" sz="1600" err="1">
-                <a:ea typeface="+mn-lt"/>
-                <a:cs typeface="+mn-lt"/>
-              </a:rPr>
-              <a:t>Allocation</a:t>
-            </a:r>
-            <a:r>
-              <a:rPr lang="cs-CZ" sz="1600">
-                <a:ea typeface="+mn-lt"/>
-                <a:cs typeface="+mn-lt"/>
-              </a:rPr>
-              <a:t> Table (FAT)?. </a:t>
-            </a:r>
-            <a:r>
-              <a:rPr lang="cs-CZ" sz="1600" i="1" err="1">
-                <a:ea typeface="+mn-lt"/>
-                <a:cs typeface="+mn-lt"/>
-              </a:rPr>
-              <a:t>Lifewire</a:t>
-            </a:r>
-            <a:r>
-              <a:rPr lang="cs-CZ" sz="1600" i="1">
-                <a:ea typeface="+mn-lt"/>
-                <a:cs typeface="+mn-lt"/>
-              </a:rPr>
-              <a:t>: Tech </a:t>
-            </a:r>
-            <a:r>
-              <a:rPr lang="cs-CZ" sz="1600" i="1" err="1">
-                <a:ea typeface="+mn-lt"/>
-                <a:cs typeface="+mn-lt"/>
-              </a:rPr>
-              <a:t>News</a:t>
-            </a:r>
-            <a:r>
-              <a:rPr lang="cs-CZ" sz="1600" i="1">
-                <a:ea typeface="+mn-lt"/>
-                <a:cs typeface="+mn-lt"/>
-              </a:rPr>
-              <a:t>, </a:t>
-            </a:r>
-            <a:r>
-              <a:rPr lang="cs-CZ" sz="1600" i="1" err="1">
-                <a:ea typeface="+mn-lt"/>
-                <a:cs typeface="+mn-lt"/>
-              </a:rPr>
-              <a:t>Reviews</a:t>
-            </a:r>
-            <a:r>
-              <a:rPr lang="cs-CZ" sz="1600" i="1">
-                <a:ea typeface="+mn-lt"/>
-                <a:cs typeface="+mn-lt"/>
-              </a:rPr>
-              <a:t>, </a:t>
-            </a:r>
-            <a:r>
-              <a:rPr lang="cs-CZ" sz="1600" i="1" err="1">
-                <a:ea typeface="+mn-lt"/>
-                <a:cs typeface="+mn-lt"/>
-              </a:rPr>
-              <a:t>Help</a:t>
-            </a:r>
-            <a:r>
-              <a:rPr lang="cs-CZ" sz="1600" i="1">
-                <a:ea typeface="+mn-lt"/>
-                <a:cs typeface="+mn-lt"/>
-              </a:rPr>
-              <a:t> &amp; </a:t>
-            </a:r>
-            <a:r>
-              <a:rPr lang="cs-CZ" sz="1600" i="1" err="1">
-                <a:ea typeface="+mn-lt"/>
-                <a:cs typeface="+mn-lt"/>
-              </a:rPr>
-              <a:t>How-Tos</a:t>
-            </a:r>
-            <a:r>
-              <a:rPr lang="cs-CZ" sz="1600">
-                <a:ea typeface="+mn-lt"/>
-                <a:cs typeface="+mn-lt"/>
-              </a:rPr>
-              <a:t> [online]. Dostupné z: </a:t>
-            </a:r>
-            <a:r>
-              <a:rPr lang="cs-CZ" sz="1600">
-                <a:ea typeface="+mn-lt"/>
-                <a:cs typeface="+mn-lt"/>
-                <a:hlinkClick r:id="rId4"/>
-              </a:rPr>
-              <a:t>https://www.lifewire.com/what-is-file-allocation-table-fat-2625877</a:t>
-            </a:r>
-            <a:endParaRPr lang="cs-CZ" sz="1600">
-              <a:cs typeface="Calibri"/>
-            </a:endParaRPr>
-          </a:p>
-          <a:p>
-            <a:r>
-              <a:rPr lang="cs-CZ" sz="1600" err="1">
-                <a:ea typeface="+mn-lt"/>
-                <a:cs typeface="+mn-lt"/>
-              </a:rPr>
-              <a:t>What</a:t>
-            </a:r>
-            <a:r>
-              <a:rPr lang="cs-CZ" sz="1600">
-                <a:ea typeface="+mn-lt"/>
-                <a:cs typeface="+mn-lt"/>
-              </a:rPr>
-              <a:t> </a:t>
-            </a:r>
-            <a:r>
-              <a:rPr lang="cs-CZ" sz="1600" err="1">
-                <a:ea typeface="+mn-lt"/>
-                <a:cs typeface="+mn-lt"/>
-              </a:rPr>
-              <a:t>Is</a:t>
-            </a:r>
-            <a:r>
-              <a:rPr lang="cs-CZ" sz="1600">
-                <a:ea typeface="+mn-lt"/>
-                <a:cs typeface="+mn-lt"/>
-              </a:rPr>
-              <a:t> NTFS and </a:t>
-            </a:r>
-            <a:r>
-              <a:rPr lang="cs-CZ" sz="1600" err="1">
-                <a:ea typeface="+mn-lt"/>
-                <a:cs typeface="+mn-lt"/>
-              </a:rPr>
-              <a:t>How</a:t>
-            </a:r>
-            <a:r>
-              <a:rPr lang="cs-CZ" sz="1600">
-                <a:ea typeface="+mn-lt"/>
-                <a:cs typeface="+mn-lt"/>
-              </a:rPr>
-              <a:t> </a:t>
-            </a:r>
-            <a:r>
-              <a:rPr lang="cs-CZ" sz="1600" err="1">
-                <a:ea typeface="+mn-lt"/>
-                <a:cs typeface="+mn-lt"/>
-              </a:rPr>
-              <a:t>Does</a:t>
-            </a:r>
-            <a:r>
-              <a:rPr lang="cs-CZ" sz="1600">
-                <a:ea typeface="+mn-lt"/>
-                <a:cs typeface="+mn-lt"/>
-              </a:rPr>
-              <a:t> It </a:t>
-            </a:r>
-            <a:r>
-              <a:rPr lang="cs-CZ" sz="1600" err="1">
-                <a:ea typeface="+mn-lt"/>
-                <a:cs typeface="+mn-lt"/>
-              </a:rPr>
-              <a:t>Work</a:t>
-            </a:r>
-            <a:r>
-              <a:rPr lang="cs-CZ" sz="1600">
-                <a:ea typeface="+mn-lt"/>
-                <a:cs typeface="+mn-lt"/>
-              </a:rPr>
-              <a:t>?. </a:t>
-            </a:r>
-            <a:r>
-              <a:rPr lang="cs-CZ" sz="1600" i="1" err="1">
-                <a:ea typeface="+mn-lt"/>
-                <a:cs typeface="+mn-lt"/>
-              </a:rPr>
-              <a:t>Datto</a:t>
-            </a:r>
-            <a:r>
-              <a:rPr lang="cs-CZ" sz="1600" i="1">
-                <a:ea typeface="+mn-lt"/>
-                <a:cs typeface="+mn-lt"/>
-              </a:rPr>
-              <a:t> | </a:t>
-            </a:r>
-            <a:r>
-              <a:rPr lang="cs-CZ" sz="1600" i="1" err="1">
-                <a:ea typeface="+mn-lt"/>
-                <a:cs typeface="+mn-lt"/>
-              </a:rPr>
-              <a:t>The</a:t>
-            </a:r>
-            <a:r>
-              <a:rPr lang="cs-CZ" sz="1600" i="1">
-                <a:ea typeface="+mn-lt"/>
-                <a:cs typeface="+mn-lt"/>
-              </a:rPr>
-              <a:t> </a:t>
-            </a:r>
-            <a:r>
-              <a:rPr lang="cs-CZ" sz="1600" i="1" err="1">
-                <a:ea typeface="+mn-lt"/>
-                <a:cs typeface="+mn-lt"/>
-              </a:rPr>
-              <a:t>Managed</a:t>
-            </a:r>
-            <a:r>
-              <a:rPr lang="cs-CZ" sz="1600" i="1">
-                <a:ea typeface="+mn-lt"/>
-                <a:cs typeface="+mn-lt"/>
-              </a:rPr>
-              <a:t> </a:t>
-            </a:r>
-            <a:r>
-              <a:rPr lang="cs-CZ" sz="1600" i="1" err="1">
-                <a:ea typeface="+mn-lt"/>
-                <a:cs typeface="+mn-lt"/>
-              </a:rPr>
-              <a:t>Service</a:t>
-            </a:r>
-            <a:r>
-              <a:rPr lang="cs-CZ" sz="1600" i="1">
-                <a:ea typeface="+mn-lt"/>
-                <a:cs typeface="+mn-lt"/>
-              </a:rPr>
-              <a:t> Provider Technology </a:t>
-            </a:r>
-            <a:r>
-              <a:rPr lang="cs-CZ" sz="1600" i="1" err="1">
-                <a:ea typeface="+mn-lt"/>
-                <a:cs typeface="+mn-lt"/>
-              </a:rPr>
-              <a:t>Company</a:t>
-            </a:r>
-            <a:r>
-              <a:rPr lang="cs-CZ" sz="1600">
-                <a:ea typeface="+mn-lt"/>
-                <a:cs typeface="+mn-lt"/>
-              </a:rPr>
-              <a:t> [online]. Dostupné z: </a:t>
-            </a:r>
-            <a:r>
-              <a:rPr lang="cs-CZ" sz="1600">
-                <a:ea typeface="+mn-lt"/>
-                <a:cs typeface="+mn-lt"/>
-                <a:hlinkClick r:id="rId5"/>
-              </a:rPr>
-              <a:t>https://www.datto.com/blog/what-is-ntfs-and-how-does-it-work</a:t>
-            </a:r>
-            <a:endParaRPr lang="cs-CZ" sz="1600">
-              <a:cs typeface="Calibri"/>
-            </a:endParaRPr>
-          </a:p>
-          <a:p>
-            <a:r>
-              <a:rPr lang="cs-CZ" sz="1600" err="1">
-                <a:ea typeface="+mn-lt"/>
-                <a:cs typeface="+mn-lt"/>
-              </a:rPr>
-              <a:t>What</a:t>
-            </a:r>
-            <a:r>
-              <a:rPr lang="cs-CZ" sz="1600">
-                <a:ea typeface="+mn-lt"/>
-                <a:cs typeface="+mn-lt"/>
-              </a:rPr>
-              <a:t> </a:t>
-            </a:r>
-            <a:r>
-              <a:rPr lang="cs-CZ" sz="1600" err="1">
-                <a:ea typeface="+mn-lt"/>
-                <a:cs typeface="+mn-lt"/>
-              </a:rPr>
-              <a:t>Is</a:t>
-            </a:r>
-            <a:r>
-              <a:rPr lang="cs-CZ" sz="1600">
-                <a:ea typeface="+mn-lt"/>
-                <a:cs typeface="+mn-lt"/>
-              </a:rPr>
-              <a:t> NTFS And </a:t>
-            </a:r>
-            <a:r>
-              <a:rPr lang="cs-CZ" sz="1600" err="1">
-                <a:ea typeface="+mn-lt"/>
-                <a:cs typeface="+mn-lt"/>
-              </a:rPr>
-              <a:t>How</a:t>
-            </a:r>
-            <a:r>
-              <a:rPr lang="cs-CZ" sz="1600">
-                <a:ea typeface="+mn-lt"/>
-                <a:cs typeface="+mn-lt"/>
-              </a:rPr>
-              <a:t> </a:t>
-            </a:r>
-            <a:r>
-              <a:rPr lang="cs-CZ" sz="1600" err="1">
-                <a:ea typeface="+mn-lt"/>
-                <a:cs typeface="+mn-lt"/>
-              </a:rPr>
-              <a:t>Does</a:t>
-            </a:r>
-            <a:r>
-              <a:rPr lang="cs-CZ" sz="1600">
-                <a:ea typeface="+mn-lt"/>
-                <a:cs typeface="+mn-lt"/>
-              </a:rPr>
-              <a:t> It </a:t>
-            </a:r>
-            <a:r>
-              <a:rPr lang="cs-CZ" sz="1600" err="1">
-                <a:ea typeface="+mn-lt"/>
-                <a:cs typeface="+mn-lt"/>
-              </a:rPr>
-              <a:t>Work</a:t>
-            </a:r>
-            <a:r>
-              <a:rPr lang="cs-CZ" sz="1600">
-                <a:ea typeface="+mn-lt"/>
-                <a:cs typeface="+mn-lt"/>
-              </a:rPr>
-              <a:t>?. </a:t>
-            </a:r>
-            <a:r>
-              <a:rPr lang="cs-CZ" sz="1600" i="1" err="1">
-                <a:ea typeface="+mn-lt"/>
-                <a:cs typeface="+mn-lt"/>
-              </a:rPr>
-              <a:t>Purchase</a:t>
-            </a:r>
-            <a:r>
-              <a:rPr lang="cs-CZ" sz="1600" i="1">
-                <a:ea typeface="+mn-lt"/>
-                <a:cs typeface="+mn-lt"/>
-              </a:rPr>
-              <a:t> </a:t>
-            </a:r>
-            <a:r>
-              <a:rPr lang="cs-CZ" sz="1600" i="1" err="1">
-                <a:ea typeface="+mn-lt"/>
-                <a:cs typeface="+mn-lt"/>
-              </a:rPr>
-              <a:t>Intent</a:t>
-            </a:r>
-            <a:r>
-              <a:rPr lang="cs-CZ" sz="1600" i="1">
-                <a:ea typeface="+mn-lt"/>
-                <a:cs typeface="+mn-lt"/>
-              </a:rPr>
-              <a:t> Data </a:t>
-            </a:r>
-            <a:r>
-              <a:rPr lang="cs-CZ" sz="1600" i="1" err="1">
-                <a:ea typeface="+mn-lt"/>
-                <a:cs typeface="+mn-lt"/>
-              </a:rPr>
-              <a:t>for</a:t>
-            </a:r>
-            <a:r>
-              <a:rPr lang="cs-CZ" sz="1600" i="1">
-                <a:ea typeface="+mn-lt"/>
-                <a:cs typeface="+mn-lt"/>
-              </a:rPr>
-              <a:t> </a:t>
-            </a:r>
-            <a:r>
-              <a:rPr lang="cs-CZ" sz="1600" i="1" err="1">
-                <a:ea typeface="+mn-lt"/>
-                <a:cs typeface="+mn-lt"/>
-              </a:rPr>
-              <a:t>Enterprise</a:t>
-            </a:r>
-            <a:r>
-              <a:rPr lang="cs-CZ" sz="1600" i="1">
-                <a:ea typeface="+mn-lt"/>
-                <a:cs typeface="+mn-lt"/>
-              </a:rPr>
-              <a:t> Tech Sales and Marketing - </a:t>
-            </a:r>
-            <a:r>
-              <a:rPr lang="cs-CZ" sz="1600" i="1" err="1">
-                <a:ea typeface="+mn-lt"/>
-                <a:cs typeface="+mn-lt"/>
-              </a:rPr>
-              <a:t>TechTarget</a:t>
-            </a:r>
-            <a:r>
-              <a:rPr lang="cs-CZ" sz="1600">
-                <a:ea typeface="+mn-lt"/>
-                <a:cs typeface="+mn-lt"/>
-              </a:rPr>
-              <a:t> [online]. Dostupné z: </a:t>
-            </a:r>
-            <a:r>
-              <a:rPr lang="cs-CZ" sz="1600">
-                <a:ea typeface="+mn-lt"/>
-                <a:cs typeface="+mn-lt"/>
-                <a:hlinkClick r:id="rId6"/>
-              </a:rPr>
-              <a:t>https://www.techtarget.com/searchwindowsserver/definition/NTFS</a:t>
-            </a:r>
-          </a:p>
-          <a:p>
-            <a:r>
-              <a:rPr lang="cs-CZ" sz="1600">
-                <a:ea typeface="+mn-lt"/>
-                <a:cs typeface="+mn-lt"/>
-              </a:rPr>
-              <a:t>Cluster (pevný disk) – Wikipedie. [online]. Dostupné z: </a:t>
-            </a:r>
-            <a:r>
-              <a:rPr lang="cs-CZ" sz="1600">
-                <a:ea typeface="+mn-lt"/>
-                <a:cs typeface="+mn-lt"/>
-                <a:hlinkClick r:id="rId7"/>
-              </a:rPr>
-              <a:t>https://cs.wikipedia.org/wiki/Cluster_(pevn%C3%BD_disk)</a:t>
-            </a:r>
-            <a:endParaRPr lang="cs-CZ" sz="1600">
-              <a:ea typeface="+mn-lt"/>
-              <a:cs typeface="+mn-lt"/>
-            </a:endParaRPr>
+        </p:txBody>
+      </p:sp>
+      <p:sp>
+        <p:nvSpPr>
+          <p:cNvPr id="18" name="Freeform: Shape 17">
+            <a:extLst>
+              <a:ext uri="{FF2B5EF4-FFF2-40B4-BE49-F238E27FC236}">
+                <a16:creationId xmlns:a16="http://schemas.microsoft.com/office/drawing/2014/main" id="{7B786209-1B0B-4CA9-9BDD-F7327066A84D}"/>
+              </a:ext>
+              <a:ext uri="{C183D7F6-B498-43B3-948B-1728B52AA6E4}">
+                <adec:decorative xmlns:adec="http://schemas.microsoft.com/office/drawing/2017/decorative" val="1"/>
+              </a:ext>
+            </a:extLst>
+          </p:cNvPr>
+          <p:cNvSpPr>
+            <a:spLocks noGrp="1" noRot="1" noChangeAspect="1" noMove="1" noResize="1" noEditPoints="1" noAdjustHandles="1" noChangeArrowheads="1" noChangeShapeType="1" noTextEdit="1"/>
+          </p:cNvSpPr>
+          <p:nvPr>
+            <p:extLst>
+              <p:ext uri="{386F3935-93C4-4BCD-93E2-E3B085C9AB24}">
+                <p16:designElem xmlns:p16="http://schemas.microsoft.com/office/powerpoint/2015/main" val="1"/>
+              </p:ext>
+            </p:extLst>
+          </p:nvPr>
+        </p:nvSpPr>
+        <p:spPr>
+          <a:xfrm flipH="1">
+            <a:off x="0" y="5835649"/>
+            <a:ext cx="1548180" cy="1022351"/>
+          </a:xfrm>
+          <a:custGeom>
+            <a:avLst/>
+            <a:gdLst>
+              <a:gd name="connsiteX0" fmla="*/ 61913 w 1548180"/>
+              <a:gd name="connsiteY0" fmla="*/ 0 h 1022351"/>
+              <a:gd name="connsiteX1" fmla="*/ 1548180 w 1548180"/>
+              <a:gd name="connsiteY1" fmla="*/ 0 h 1022351"/>
+              <a:gd name="connsiteX2" fmla="*/ 1548180 w 1548180"/>
+              <a:gd name="connsiteY2" fmla="*/ 123825 h 1022351"/>
+              <a:gd name="connsiteX3" fmla="*/ 123825 w 1548180"/>
+              <a:gd name="connsiteY3" fmla="*/ 123825 h 1022351"/>
+              <a:gd name="connsiteX4" fmla="*/ 123825 w 1548180"/>
+              <a:gd name="connsiteY4" fmla="*/ 1022351 h 1022351"/>
+              <a:gd name="connsiteX5" fmla="*/ 0 w 1548180"/>
+              <a:gd name="connsiteY5" fmla="*/ 1022351 h 1022351"/>
+              <a:gd name="connsiteX6" fmla="*/ 0 w 1548180"/>
+              <a:gd name="connsiteY6" fmla="*/ 61913 h 1022351"/>
+              <a:gd name="connsiteX7" fmla="*/ 61913 w 1548180"/>
+              <a:gd name="connsiteY7" fmla="*/ 0 h 1022351"/>
+            </a:gdLst>
+            <a:ahLst/>
+            <a:cxnLst>
+              <a:cxn ang="0">
+                <a:pos x="connsiteX0" y="connsiteY0"/>
+              </a:cxn>
+              <a:cxn ang="0">
+                <a:pos x="connsiteX1" y="connsiteY1"/>
+              </a:cxn>
+              <a:cxn ang="0">
+                <a:pos x="connsiteX2" y="connsiteY2"/>
+              </a:cxn>
+              <a:cxn ang="0">
+                <a:pos x="connsiteX3" y="connsiteY3"/>
+              </a:cxn>
+              <a:cxn ang="0">
+                <a:pos x="connsiteX4" y="connsiteY4"/>
+              </a:cxn>
+              <a:cxn ang="0">
+                <a:pos x="connsiteX5" y="connsiteY5"/>
+              </a:cxn>
+              <a:cxn ang="0">
+                <a:pos x="connsiteX6" y="connsiteY6"/>
+              </a:cxn>
+              <a:cxn ang="0">
+                <a:pos x="connsiteX7" y="connsiteY7"/>
+              </a:cxn>
+            </a:cxnLst>
+            <a:rect l="l" t="t" r="r" b="b"/>
+            <a:pathLst>
+              <a:path w="1548180" h="1022351">
+                <a:moveTo>
+                  <a:pt x="61913" y="0"/>
+                </a:moveTo>
+                <a:lnTo>
+                  <a:pt x="1548180" y="0"/>
+                </a:lnTo>
+                <a:lnTo>
+                  <a:pt x="1548180" y="123825"/>
+                </a:lnTo>
+                <a:lnTo>
+                  <a:pt x="123825" y="123825"/>
+                </a:lnTo>
+                <a:lnTo>
+                  <a:pt x="123825" y="1022351"/>
+                </a:lnTo>
+                <a:lnTo>
+                  <a:pt x="0" y="1022351"/>
+                </a:lnTo>
+                <a:lnTo>
+                  <a:pt x="0" y="61913"/>
+                </a:lnTo>
+                <a:cubicBezTo>
+                  <a:pt x="0" y="27719"/>
+                  <a:pt x="27719" y="0"/>
+                  <a:pt x="61913" y="0"/>
+                </a:cubicBezTo>
+                <a:close/>
+              </a:path>
+            </a:pathLst>
+          </a:custGeom>
+          <a:solidFill>
+            <a:schemeClr val="accent6"/>
+          </a:solidFill>
+          <a:ln w="9525" cap="flat">
+            <a:noFill/>
+            <a:prstDash val="solid"/>
+            <a:miter/>
+          </a:ln>
+        </p:spPr>
+        <p:txBody>
+          <a:bodyPr rtlCol="0" anchor="ctr"/>
+          <a:lstStyle/>
+          <a:p>
+            <a:endParaRPr lang="en-US"/>
+          </a:p>
+        </p:txBody>
+      </p:sp>
+      <p:sp>
+        <p:nvSpPr>
+          <p:cNvPr id="20" name="Freeform: Shape 19">
+            <a:extLst>
+              <a:ext uri="{FF2B5EF4-FFF2-40B4-BE49-F238E27FC236}">
+                <a16:creationId xmlns:a16="http://schemas.microsoft.com/office/drawing/2014/main" id="{2D2964BB-484D-45AE-AD66-D407D0629652}"/>
+              </a:ext>
+              <a:ext uri="{C183D7F6-B498-43B3-948B-1728B52AA6E4}">
+                <adec:decorative xmlns:adec="http://schemas.microsoft.com/office/drawing/2017/decorative" val="1"/>
+              </a:ext>
+            </a:extLst>
+          </p:cNvPr>
+          <p:cNvSpPr>
+            <a:spLocks noGrp="1" noRot="1" noChangeAspect="1" noMove="1" noResize="1" noEditPoints="1" noAdjustHandles="1" noChangeArrowheads="1" noChangeShapeType="1" noTextEdit="1"/>
+          </p:cNvSpPr>
+          <p:nvPr>
+            <p:extLst>
+              <p:ext uri="{386F3935-93C4-4BCD-93E2-E3B085C9AB24}">
+                <p16:designElem xmlns:p16="http://schemas.microsoft.com/office/powerpoint/2015/main" val="1"/>
+              </p:ext>
+            </p:extLst>
+          </p:nvPr>
+        </p:nvSpPr>
+        <p:spPr>
+          <a:xfrm flipH="1">
+            <a:off x="3405056" y="5717905"/>
+            <a:ext cx="1771609" cy="1140095"/>
+          </a:xfrm>
+          <a:custGeom>
+            <a:avLst/>
+            <a:gdLst>
+              <a:gd name="connsiteX0" fmla="*/ 1561721 w 1771609"/>
+              <a:gd name="connsiteY0" fmla="*/ 763041 h 1140095"/>
+              <a:gd name="connsiteX1" fmla="*/ 1623024 w 1771609"/>
+              <a:gd name="connsiteY1" fmla="*/ 792810 h 1140095"/>
+              <a:gd name="connsiteX2" fmla="*/ 1711735 w 1771609"/>
+              <a:gd name="connsiteY2" fmla="*/ 970132 h 1140095"/>
+              <a:gd name="connsiteX3" fmla="*/ 1771609 w 1771609"/>
+              <a:gd name="connsiteY3" fmla="*/ 1140095 h 1140095"/>
+              <a:gd name="connsiteX4" fmla="*/ 1637225 w 1771609"/>
+              <a:gd name="connsiteY4" fmla="*/ 1140095 h 1140095"/>
+              <a:gd name="connsiteX5" fmla="*/ 1594820 w 1771609"/>
+              <a:gd name="connsiteY5" fmla="*/ 1019711 h 1140095"/>
+              <a:gd name="connsiteX6" fmla="*/ 1513200 w 1771609"/>
+              <a:gd name="connsiteY6" fmla="*/ 856627 h 1140095"/>
+              <a:gd name="connsiteX7" fmla="*/ 1538499 w 1771609"/>
+              <a:gd name="connsiteY7" fmla="*/ 770415 h 1140095"/>
+              <a:gd name="connsiteX8" fmla="*/ 1561721 w 1771609"/>
+              <a:gd name="connsiteY8" fmla="*/ 763041 h 1140095"/>
+              <a:gd name="connsiteX9" fmla="*/ 933455 w 1771609"/>
+              <a:gd name="connsiteY9" fmla="*/ 161309 h 1140095"/>
+              <a:gd name="connsiteX10" fmla="*/ 957797 w 1771609"/>
+              <a:gd name="connsiteY10" fmla="*/ 167970 h 1140095"/>
+              <a:gd name="connsiteX11" fmla="*/ 1286982 w 1771609"/>
+              <a:gd name="connsiteY11" fmla="*/ 387616 h 1140095"/>
+              <a:gd name="connsiteX12" fmla="*/ 1293725 w 1771609"/>
+              <a:gd name="connsiteY12" fmla="*/ 477075 h 1140095"/>
+              <a:gd name="connsiteX13" fmla="*/ 1245453 w 1771609"/>
+              <a:gd name="connsiteY13" fmla="*/ 499154 h 1140095"/>
+              <a:gd name="connsiteX14" fmla="*/ 1245167 w 1771609"/>
+              <a:gd name="connsiteY14" fmla="*/ 499154 h 1140095"/>
+              <a:gd name="connsiteX15" fmla="*/ 1203638 w 1771609"/>
+              <a:gd name="connsiteY15" fmla="*/ 484104 h 1140095"/>
+              <a:gd name="connsiteX16" fmla="*/ 900647 w 1771609"/>
+              <a:gd name="connsiteY16" fmla="*/ 281508 h 1140095"/>
+              <a:gd name="connsiteX17" fmla="*/ 872454 w 1771609"/>
+              <a:gd name="connsiteY17" fmla="*/ 196164 h 1140095"/>
+              <a:gd name="connsiteX18" fmla="*/ 933455 w 1771609"/>
+              <a:gd name="connsiteY18" fmla="*/ 161309 h 1140095"/>
+              <a:gd name="connsiteX19" fmla="*/ 256260 w 1771609"/>
+              <a:gd name="connsiteY19" fmla="*/ 29 h 1140095"/>
+              <a:gd name="connsiteX20" fmla="*/ 454020 w 1771609"/>
+              <a:gd name="connsiteY20" fmla="*/ 13474 h 1140095"/>
+              <a:gd name="connsiteX21" fmla="*/ 509236 w 1771609"/>
+              <a:gd name="connsiteY21" fmla="*/ 84182 h 1140095"/>
+              <a:gd name="connsiteX22" fmla="*/ 445829 w 1771609"/>
+              <a:gd name="connsiteY22" fmla="*/ 139871 h 1140095"/>
+              <a:gd name="connsiteX23" fmla="*/ 437447 w 1771609"/>
+              <a:gd name="connsiteY23" fmla="*/ 139395 h 1140095"/>
+              <a:gd name="connsiteX24" fmla="*/ 73211 w 1771609"/>
+              <a:gd name="connsiteY24" fmla="*/ 137204 h 1140095"/>
+              <a:gd name="connsiteX25" fmla="*/ 749 w 1771609"/>
+              <a:gd name="connsiteY25" fmla="*/ 84082 h 1140095"/>
+              <a:gd name="connsiteX26" fmla="*/ 53871 w 1771609"/>
+              <a:gd name="connsiteY26" fmla="*/ 11621 h 1140095"/>
+              <a:gd name="connsiteX27" fmla="*/ 58352 w 1771609"/>
+              <a:gd name="connsiteY27" fmla="*/ 11093 h 1140095"/>
+              <a:gd name="connsiteX28" fmla="*/ 256260 w 1771609"/>
+              <a:gd name="connsiteY28" fmla="*/ 29 h 1140095"/>
+            </a:gdLst>
+            <a:ahLst/>
+            <a:cxnLst>
+              <a:cxn ang="0">
+                <a:pos x="connsiteX0" y="connsiteY0"/>
+              </a:cxn>
+              <a:cxn ang="0">
+                <a:pos x="connsiteX1" y="connsiteY1"/>
+              </a:cxn>
+              <a:cxn ang="0">
+                <a:pos x="connsiteX2" y="connsiteY2"/>
+              </a:cxn>
+              <a:cxn ang="0">
+                <a:pos x="connsiteX3" y="connsiteY3"/>
+              </a:cxn>
+              <a:cxn ang="0">
+                <a:pos x="connsiteX4" y="connsiteY4"/>
+              </a:cxn>
+              <a:cxn ang="0">
+                <a:pos x="connsiteX5" y="connsiteY5"/>
+              </a:cxn>
+              <a:cxn ang="0">
+                <a:pos x="connsiteX6" y="connsiteY6"/>
+              </a:cxn>
+              <a:cxn ang="0">
+                <a:pos x="connsiteX7" y="connsiteY7"/>
+              </a:cxn>
+              <a:cxn ang="0">
+                <a:pos x="connsiteX8" y="connsiteY8"/>
+              </a:cxn>
+              <a:cxn ang="0">
+                <a:pos x="connsiteX9" y="connsiteY9"/>
+              </a:cxn>
+              <a:cxn ang="0">
+                <a:pos x="connsiteX10" y="connsiteY10"/>
+              </a:cxn>
+              <a:cxn ang="0">
+                <a:pos x="connsiteX11" y="connsiteY11"/>
+              </a:cxn>
+              <a:cxn ang="0">
+                <a:pos x="connsiteX12" y="connsiteY12"/>
+              </a:cxn>
+              <a:cxn ang="0">
+                <a:pos x="connsiteX13" y="connsiteY13"/>
+              </a:cxn>
+              <a:cxn ang="0">
+                <a:pos x="connsiteX14" y="connsiteY14"/>
+              </a:cxn>
+              <a:cxn ang="0">
+                <a:pos x="connsiteX15" y="connsiteY15"/>
+              </a:cxn>
+              <a:cxn ang="0">
+                <a:pos x="connsiteX16" y="connsiteY16"/>
+              </a:cxn>
+              <a:cxn ang="0">
+                <a:pos x="connsiteX17" y="connsiteY17"/>
+              </a:cxn>
+              <a:cxn ang="0">
+                <a:pos x="connsiteX18" y="connsiteY18"/>
+              </a:cxn>
+              <a:cxn ang="0">
+                <a:pos x="connsiteX19" y="connsiteY19"/>
+              </a:cxn>
+              <a:cxn ang="0">
+                <a:pos x="connsiteX20" y="connsiteY20"/>
+              </a:cxn>
+              <a:cxn ang="0">
+                <a:pos x="connsiteX21" y="connsiteY21"/>
+              </a:cxn>
+              <a:cxn ang="0">
+                <a:pos x="connsiteX22" y="connsiteY22"/>
+              </a:cxn>
+              <a:cxn ang="0">
+                <a:pos x="connsiteX23" y="connsiteY23"/>
+              </a:cxn>
+              <a:cxn ang="0">
+                <a:pos x="connsiteX24" y="connsiteY24"/>
+              </a:cxn>
+              <a:cxn ang="0">
+                <a:pos x="connsiteX25" y="connsiteY25"/>
+              </a:cxn>
+              <a:cxn ang="0">
+                <a:pos x="connsiteX26" y="connsiteY26"/>
+              </a:cxn>
+              <a:cxn ang="0">
+                <a:pos x="connsiteX27" y="connsiteY27"/>
+              </a:cxn>
+              <a:cxn ang="0">
+                <a:pos x="connsiteX28" y="connsiteY28"/>
+              </a:cxn>
+            </a:cxnLst>
+            <a:rect l="l" t="t" r="r" b="b"/>
+            <a:pathLst>
+              <a:path w="1771609" h="1140095">
+                <a:moveTo>
+                  <a:pt x="1561721" y="763041"/>
+                </a:moveTo>
+                <a:cubicBezTo>
+                  <a:pt x="1585506" y="760324"/>
+                  <a:pt x="1609722" y="771249"/>
+                  <a:pt x="1623024" y="792810"/>
+                </a:cubicBezTo>
+                <a:cubicBezTo>
+                  <a:pt x="1656300" y="850065"/>
+                  <a:pt x="1685920" y="909291"/>
+                  <a:pt x="1711735" y="970132"/>
+                </a:cubicBezTo>
+                <a:lnTo>
+                  <a:pt x="1771609" y="1140095"/>
+                </a:lnTo>
+                <a:lnTo>
+                  <a:pt x="1637225" y="1140095"/>
+                </a:lnTo>
+                <a:lnTo>
+                  <a:pt x="1594820" y="1019711"/>
+                </a:lnTo>
+                <a:cubicBezTo>
+                  <a:pt x="1571072" y="963753"/>
+                  <a:pt x="1543818" y="909282"/>
+                  <a:pt x="1513200" y="856627"/>
+                </a:cubicBezTo>
+                <a:cubicBezTo>
+                  <a:pt x="1496379" y="825834"/>
+                  <a:pt x="1507704" y="787236"/>
+                  <a:pt x="1538499" y="770415"/>
+                </a:cubicBezTo>
+                <a:cubicBezTo>
+                  <a:pt x="1545912" y="766367"/>
+                  <a:pt x="1553792" y="763946"/>
+                  <a:pt x="1561721" y="763041"/>
+                </a:cubicBezTo>
+                <a:close/>
+                <a:moveTo>
+                  <a:pt x="933455" y="161309"/>
+                </a:moveTo>
+                <a:cubicBezTo>
+                  <a:pt x="941693" y="161855"/>
+                  <a:pt x="949959" y="164025"/>
+                  <a:pt x="957797" y="167970"/>
+                </a:cubicBezTo>
+                <a:cubicBezTo>
+                  <a:pt x="1076184" y="227289"/>
+                  <a:pt x="1186759" y="301068"/>
+                  <a:pt x="1286982" y="387616"/>
+                </a:cubicBezTo>
+                <a:cubicBezTo>
+                  <a:pt x="1313547" y="410457"/>
+                  <a:pt x="1316566" y="450510"/>
+                  <a:pt x="1293725" y="477075"/>
+                </a:cubicBezTo>
+                <a:cubicBezTo>
+                  <a:pt x="1281638" y="491137"/>
+                  <a:pt x="1263998" y="499204"/>
+                  <a:pt x="1245453" y="499154"/>
+                </a:cubicBezTo>
+                <a:lnTo>
+                  <a:pt x="1245167" y="499154"/>
+                </a:lnTo>
+                <a:cubicBezTo>
+                  <a:pt x="1229965" y="499301"/>
+                  <a:pt x="1215220" y="493956"/>
+                  <a:pt x="1203638" y="484104"/>
+                </a:cubicBezTo>
+                <a:cubicBezTo>
+                  <a:pt x="1111407" y="404300"/>
+                  <a:pt x="1009633" y="336248"/>
+                  <a:pt x="900647" y="281508"/>
+                </a:cubicBezTo>
+                <a:cubicBezTo>
+                  <a:pt x="869295" y="265726"/>
+                  <a:pt x="856672" y="227516"/>
+                  <a:pt x="872454" y="196164"/>
+                </a:cubicBezTo>
+                <a:cubicBezTo>
+                  <a:pt x="884290" y="172650"/>
+                  <a:pt x="908742" y="159670"/>
+                  <a:pt x="933455" y="161309"/>
+                </a:cubicBezTo>
+                <a:close/>
+                <a:moveTo>
+                  <a:pt x="256260" y="29"/>
+                </a:moveTo>
+                <a:cubicBezTo>
+                  <a:pt x="322331" y="427"/>
+                  <a:pt x="388378" y="4909"/>
+                  <a:pt x="454020" y="13474"/>
+                </a:cubicBezTo>
+                <a:cubicBezTo>
+                  <a:pt x="488793" y="17752"/>
+                  <a:pt x="513514" y="49409"/>
+                  <a:pt x="509236" y="84182"/>
+                </a:cubicBezTo>
+                <a:cubicBezTo>
+                  <a:pt x="505303" y="116151"/>
+                  <a:pt x="478038" y="140098"/>
+                  <a:pt x="445829" y="139871"/>
+                </a:cubicBezTo>
+                <a:cubicBezTo>
+                  <a:pt x="443027" y="139899"/>
+                  <a:pt x="440227" y="139740"/>
+                  <a:pt x="437447" y="139395"/>
+                </a:cubicBezTo>
+                <a:cubicBezTo>
+                  <a:pt x="316592" y="123615"/>
+                  <a:pt x="194247" y="122878"/>
+                  <a:pt x="73211" y="137204"/>
+                </a:cubicBezTo>
+                <a:cubicBezTo>
+                  <a:pt x="38532" y="142545"/>
+                  <a:pt x="6090" y="118762"/>
+                  <a:pt x="749" y="84082"/>
+                </a:cubicBezTo>
+                <a:cubicBezTo>
+                  <a:pt x="-4591" y="49403"/>
+                  <a:pt x="19192" y="16961"/>
+                  <a:pt x="53871" y="11621"/>
+                </a:cubicBezTo>
+                <a:cubicBezTo>
+                  <a:pt x="55358" y="11392"/>
+                  <a:pt x="56852" y="11216"/>
+                  <a:pt x="58352" y="11093"/>
+                </a:cubicBezTo>
+                <a:cubicBezTo>
+                  <a:pt x="124093" y="3319"/>
+                  <a:pt x="190189" y="-369"/>
+                  <a:pt x="256260" y="29"/>
+                </a:cubicBezTo>
+                <a:close/>
+              </a:path>
+            </a:pathLst>
+          </a:custGeom>
+          <a:solidFill>
+            <a:schemeClr val="accent4"/>
+          </a:solidFill>
+          <a:ln w="9525" cap="flat">
+            <a:noFill/>
+            <a:prstDash val="solid"/>
+            <a:miter/>
+          </a:ln>
+        </p:spPr>
+        <p:txBody>
+          <a:bodyPr rtlCol="0" anchor="ctr"/>
+          <a:lstStyle/>
+          <a:p>
+            <a:endParaRPr lang="en-US"/>
+          </a:p>
+        </p:txBody>
+      </p:sp>
+      <p:sp>
+        <p:nvSpPr>
+          <p:cNvPr id="22" name="Freeform: Shape 21">
+            <a:extLst>
+              <a:ext uri="{FF2B5EF4-FFF2-40B4-BE49-F238E27FC236}">
+                <a16:creationId xmlns:a16="http://schemas.microsoft.com/office/drawing/2014/main" id="{6691AC69-A76E-4DAB-B565-468B6B87ACF3}"/>
+              </a:ext>
+              <a:ext uri="{C183D7F6-B498-43B3-948B-1728B52AA6E4}">
+                <adec:decorative xmlns:adec="http://schemas.microsoft.com/office/drawing/2017/decorative" val="1"/>
+              </a:ext>
+            </a:extLst>
+          </p:cNvPr>
+          <p:cNvSpPr>
+            <a:spLocks noGrp="1" noRot="1" noChangeAspect="1" noMove="1" noResize="1" noEditPoints="1" noAdjustHandles="1" noChangeArrowheads="1" noChangeShapeType="1" noTextEdit="1"/>
+          </p:cNvSpPr>
+          <p:nvPr>
+            <p:extLst>
+              <p:ext uri="{386F3935-93C4-4BCD-93E2-E3B085C9AB24}">
+                <p16:designElem xmlns:p16="http://schemas.microsoft.com/office/powerpoint/2015/main" val="1"/>
+              </p:ext>
+            </p:extLst>
+          </p:nvPr>
+        </p:nvSpPr>
+        <p:spPr>
+          <a:xfrm flipH="1">
+            <a:off x="4132972" y="6258755"/>
+            <a:ext cx="1565940" cy="599245"/>
+          </a:xfrm>
+          <a:custGeom>
+            <a:avLst/>
+            <a:gdLst>
+              <a:gd name="connsiteX0" fmla="*/ 782970 w 1565940"/>
+              <a:gd name="connsiteY0" fmla="*/ 0 h 599245"/>
+              <a:gd name="connsiteX1" fmla="*/ 1528042 w 1565940"/>
+              <a:gd name="connsiteY1" fmla="*/ 480469 h 599245"/>
+              <a:gd name="connsiteX2" fmla="*/ 1565940 w 1565940"/>
+              <a:gd name="connsiteY2" fmla="*/ 599245 h 599245"/>
+              <a:gd name="connsiteX3" fmla="*/ 0 w 1565940"/>
+              <a:gd name="connsiteY3" fmla="*/ 599245 h 599245"/>
+              <a:gd name="connsiteX4" fmla="*/ 37898 w 1565940"/>
+              <a:gd name="connsiteY4" fmla="*/ 480469 h 599245"/>
+              <a:gd name="connsiteX5" fmla="*/ 782970 w 1565940"/>
+              <a:gd name="connsiteY5" fmla="*/ 0 h 599245"/>
+            </a:gdLst>
+            <a:ahLst/>
+            <a:cxnLst>
+              <a:cxn ang="0">
+                <a:pos x="connsiteX0" y="connsiteY0"/>
+              </a:cxn>
+              <a:cxn ang="0">
+                <a:pos x="connsiteX1" y="connsiteY1"/>
+              </a:cxn>
+              <a:cxn ang="0">
+                <a:pos x="connsiteX2" y="connsiteY2"/>
+              </a:cxn>
+              <a:cxn ang="0">
+                <a:pos x="connsiteX3" y="connsiteY3"/>
+              </a:cxn>
+              <a:cxn ang="0">
+                <a:pos x="connsiteX4" y="connsiteY4"/>
+              </a:cxn>
+              <a:cxn ang="0">
+                <a:pos x="connsiteX5" y="connsiteY5"/>
+              </a:cxn>
+            </a:cxnLst>
+            <a:rect l="l" t="t" r="r" b="b"/>
+            <a:pathLst>
+              <a:path w="1565940" h="599245">
+                <a:moveTo>
+                  <a:pt x="782970" y="0"/>
+                </a:moveTo>
+                <a:cubicBezTo>
+                  <a:pt x="1117910" y="0"/>
+                  <a:pt x="1405287" y="198118"/>
+                  <a:pt x="1528042" y="480469"/>
+                </a:cubicBezTo>
+                <a:lnTo>
+                  <a:pt x="1565940" y="599245"/>
+                </a:lnTo>
+                <a:lnTo>
+                  <a:pt x="0" y="599245"/>
+                </a:lnTo>
+                <a:lnTo>
+                  <a:pt x="37898" y="480469"/>
+                </a:lnTo>
+                <a:cubicBezTo>
+                  <a:pt x="160653" y="198118"/>
+                  <a:pt x="448030" y="0"/>
+                  <a:pt x="782970" y="0"/>
+                </a:cubicBezTo>
+                <a:close/>
+              </a:path>
+            </a:pathLst>
+          </a:custGeom>
+          <a:solidFill>
+            <a:schemeClr val="accent2"/>
+          </a:solidFill>
+          <a:ln>
+            <a:noFill/>
+          </a:ln>
+        </p:spPr>
+        <p:style>
+          <a:lnRef idx="2">
+            <a:schemeClr val="accent1">
+              <a:shade val="50000"/>
+            </a:schemeClr>
+          </a:lnRef>
+          <a:fillRef idx="1">
+            <a:schemeClr val="accent1"/>
+          </a:fillRef>
+          <a:effectRef idx="0">
+            <a:schemeClr val="accent1"/>
+          </a:effectRef>
+          <a:fontRef idx="minor">
+            <a:schemeClr val="lt1"/>
+          </a:fontRef>
+        </p:style>
+        <p:txBody>
+          <a:bodyPr wrap="square" rtlCol="0" anchor="ctr">
+            <a:noAutofit/>
+          </a:bodyPr>
+          <a:lstStyle/>
+          <a:p>
+            <a:pPr algn="ctr"/>
+            <a:endParaRPr lang="en-US" dirty="0"/>
           </a:p>
         </p:txBody>
       </p:sp>
     </p:spTree>
     <p:extLst>
       <p:ext uri="{BB962C8B-B14F-4D97-AF65-F5344CB8AC3E}">
-        <p14:creationId xmlns:p14="http://schemas.microsoft.com/office/powerpoint/2010/main" val="2811926269"/>
+        <p14:creationId xmlns:p14="http://schemas.microsoft.com/office/powerpoint/2010/main" val="2343270399"/>
       </p:ext>
     </p:extLst>
   </p:cSld>
   <p:clrMapOvr>
     <a:masterClrMapping/>
   </p:clrMapOvr>
-  <p:transition spd="slow">
-    <p:push dir="u"/>
-  </p:transition>
 </p:sld>
 </file>
 

--- a/horvath.pptx
+++ b/horvath.pptx
@@ -15,8 +15,12 @@
     <p:sldId id="266" r:id="rId9"/>
     <p:sldId id="267" r:id="rId10"/>
     <p:sldId id="268" r:id="rId11"/>
-    <p:sldId id="258" r:id="rId12"/>
-    <p:sldId id="265" r:id="rId13"/>
+    <p:sldId id="269" r:id="rId12"/>
+    <p:sldId id="270" r:id="rId13"/>
+    <p:sldId id="271" r:id="rId14"/>
+    <p:sldId id="272" r:id="rId15"/>
+    <p:sldId id="258" r:id="rId16"/>
+    <p:sldId id="265" r:id="rId17"/>
   </p:sldIdLst>
   <p:sldSz cx="12192000" cy="6858000"/>
   <p:notesSz cx="6858000" cy="9144000"/>
@@ -127,6 +131,7 @@
 <p1510:revInfo xmlns:a="http://schemas.openxmlformats.org/drawingml/2006/main" xmlns:r="http://schemas.openxmlformats.org/officeDocument/2006/relationships" xmlns:p1510="http://schemas.microsoft.com/office/powerpoint/2015/10/main">
   <p1510:revLst>
     <p1510:client id="{17B054D8-A26A-7BDB-B608-4F995BF67F96}" v="338" dt="2023-01-16T18:49:49.910"/>
+    <p1510:client id="{2F94DA43-D29A-2044-91F7-EA64A333DABB}" v="545" dt="2023-01-17T18:04:10.394"/>
     <p1510:client id="{3D9595F1-8E06-0E87-1AE6-B83E193FAD22}" v="130" dt="2023-01-09T18:03:36.874"/>
     <p1510:client id="{45398B61-7F1E-237B-5C24-23A682D5EC68}" v="130" dt="2023-01-14T15:52:06.716"/>
     <p1510:client id="{84ABAEFF-358B-2271-21FD-9D812A704519}" v="138" dt="2023-01-08T10:22:40.827"/>
@@ -268,7 +273,7 @@
           <a:p>
             <a:fld id="{8A3A43DF-04A3-4662-88CA-28FDED1CFC09}" type="datetimeFigureOut">
               <a:rPr lang="cs-CZ" smtClean="0"/>
-              <a:t>16.01.2023</a:t>
+              <a:t>17.01.2023</a:t>
             </a:fld>
             <a:endParaRPr lang="cs-CZ"/>
           </a:p>
@@ -436,7 +441,7 @@
           <a:p>
             <a:fld id="{8A3A43DF-04A3-4662-88CA-28FDED1CFC09}" type="datetimeFigureOut">
               <a:rPr lang="cs-CZ" smtClean="0"/>
-              <a:t>16.01.2023</a:t>
+              <a:t>17.01.2023</a:t>
             </a:fld>
             <a:endParaRPr lang="cs-CZ"/>
           </a:p>
@@ -614,7 +619,7 @@
           <a:p>
             <a:fld id="{8A3A43DF-04A3-4662-88CA-28FDED1CFC09}" type="datetimeFigureOut">
               <a:rPr lang="cs-CZ" smtClean="0"/>
-              <a:t>16.01.2023</a:t>
+              <a:t>17.01.2023</a:t>
             </a:fld>
             <a:endParaRPr lang="cs-CZ"/>
           </a:p>
@@ -782,7 +787,7 @@
           <a:p>
             <a:fld id="{8A3A43DF-04A3-4662-88CA-28FDED1CFC09}" type="datetimeFigureOut">
               <a:rPr lang="cs-CZ" smtClean="0"/>
-              <a:t>16.01.2023</a:t>
+              <a:t>17.01.2023</a:t>
             </a:fld>
             <a:endParaRPr lang="cs-CZ"/>
           </a:p>
@@ -1027,7 +1032,7 @@
           <a:p>
             <a:fld id="{8A3A43DF-04A3-4662-88CA-28FDED1CFC09}" type="datetimeFigureOut">
               <a:rPr lang="cs-CZ" smtClean="0"/>
-              <a:t>16.01.2023</a:t>
+              <a:t>17.01.2023</a:t>
             </a:fld>
             <a:endParaRPr lang="cs-CZ"/>
           </a:p>
@@ -1256,7 +1261,7 @@
           <a:p>
             <a:fld id="{8A3A43DF-04A3-4662-88CA-28FDED1CFC09}" type="datetimeFigureOut">
               <a:rPr lang="cs-CZ" smtClean="0"/>
-              <a:t>16.01.2023</a:t>
+              <a:t>17.01.2023</a:t>
             </a:fld>
             <a:endParaRPr lang="cs-CZ"/>
           </a:p>
@@ -1620,7 +1625,7 @@
           <a:p>
             <a:fld id="{8A3A43DF-04A3-4662-88CA-28FDED1CFC09}" type="datetimeFigureOut">
               <a:rPr lang="cs-CZ" smtClean="0"/>
-              <a:t>16.01.2023</a:t>
+              <a:t>17.01.2023</a:t>
             </a:fld>
             <a:endParaRPr lang="cs-CZ"/>
           </a:p>
@@ -1737,7 +1742,7 @@
           <a:p>
             <a:fld id="{8A3A43DF-04A3-4662-88CA-28FDED1CFC09}" type="datetimeFigureOut">
               <a:rPr lang="cs-CZ" smtClean="0"/>
-              <a:t>16.01.2023</a:t>
+              <a:t>17.01.2023</a:t>
             </a:fld>
             <a:endParaRPr lang="cs-CZ"/>
           </a:p>
@@ -1832,7 +1837,7 @@
           <a:p>
             <a:fld id="{8A3A43DF-04A3-4662-88CA-28FDED1CFC09}" type="datetimeFigureOut">
               <a:rPr lang="cs-CZ" smtClean="0"/>
-              <a:t>16.01.2023</a:t>
+              <a:t>17.01.2023</a:t>
             </a:fld>
             <a:endParaRPr lang="cs-CZ"/>
           </a:p>
@@ -2107,7 +2112,7 @@
           <a:p>
             <a:fld id="{8A3A43DF-04A3-4662-88CA-28FDED1CFC09}" type="datetimeFigureOut">
               <a:rPr lang="cs-CZ" smtClean="0"/>
-              <a:t>16.01.2023</a:t>
+              <a:t>17.01.2023</a:t>
             </a:fld>
             <a:endParaRPr lang="cs-CZ"/>
           </a:p>
@@ -2359,7 +2364,7 @@
           <a:p>
             <a:fld id="{8A3A43DF-04A3-4662-88CA-28FDED1CFC09}" type="datetimeFigureOut">
               <a:rPr lang="cs-CZ" smtClean="0"/>
-              <a:t>16.01.2023</a:t>
+              <a:t>17.01.2023</a:t>
             </a:fld>
             <a:endParaRPr lang="cs-CZ"/>
           </a:p>
@@ -2570,7 +2575,7 @@
           <a:p>
             <a:fld id="{8A3A43DF-04A3-4662-88CA-28FDED1CFC09}" type="datetimeFigureOut">
               <a:rPr lang="cs-CZ" smtClean="0"/>
-              <a:t>16.01.2023</a:t>
+              <a:t>17.01.2023</a:t>
             </a:fld>
             <a:endParaRPr lang="cs-CZ"/>
           </a:p>
@@ -4842,6 +4847,14 @@
 <file path=ppt/slides/slide11.xml><?xml version="1.0" encoding="utf-8"?>
 <p:sld xmlns:a="http://schemas.openxmlformats.org/drawingml/2006/main" xmlns:r="http://schemas.openxmlformats.org/officeDocument/2006/relationships" xmlns:p="http://schemas.openxmlformats.org/presentationml/2006/main">
   <p:cSld>
+    <p:bg>
+      <p:bgPr>
+        <a:solidFill>
+          <a:schemeClr val="bg1"/>
+        </a:solidFill>
+        <a:effectLst/>
+      </p:bgPr>
+    </p:bg>
     <p:spTree>
       <p:nvGrpSpPr>
         <p:cNvPr id="1" name=""/>
@@ -4856,6 +4869,3578 @@
           <a:chExt cx="0" cy="0"/>
         </a:xfrm>
       </p:grpSpPr>
+      <p:sp useBgFill="1">
+        <p:nvSpPr>
+          <p:cNvPr id="24" name="Rectangle 7">
+            <a:extLst>
+              <a:ext uri="{FF2B5EF4-FFF2-40B4-BE49-F238E27FC236}">
+                <a16:creationId xmlns:a16="http://schemas.microsoft.com/office/drawing/2014/main" id="{907EF6B7-1338-4443-8C46-6A318D952DFD}"/>
+              </a:ext>
+              <a:ext uri="{C183D7F6-B498-43B3-948B-1728B52AA6E4}">
+                <adec:decorative xmlns:adec="http://schemas.microsoft.com/office/drawing/2017/decorative" val="1"/>
+              </a:ext>
+            </a:extLst>
+          </p:cNvPr>
+          <p:cNvSpPr>
+            <a:spLocks noGrp="1" noRot="1" noChangeAspect="1" noMove="1" noResize="1" noEditPoints="1" noAdjustHandles="1" noChangeArrowheads="1" noChangeShapeType="1" noTextEdit="1"/>
+          </p:cNvSpPr>
+          <p:nvPr>
+            <p:extLst>
+              <p:ext uri="{386F3935-93C4-4BCD-93E2-E3B085C9AB24}">
+                <p16:designElem xmlns:p16="http://schemas.microsoft.com/office/powerpoint/2015/main" val="1"/>
+              </p:ext>
+            </p:extLst>
+          </p:nvPr>
+        </p:nvSpPr>
+        <p:spPr>
+          <a:xfrm>
+            <a:off x="3048" y="0"/>
+            <a:ext cx="12188952" cy="6858000"/>
+          </a:xfrm>
+          <a:prstGeom prst="rect">
+            <a:avLst/>
+          </a:prstGeom>
+          <a:ln>
+            <a:noFill/>
+          </a:ln>
+        </p:spPr>
+        <p:style>
+          <a:lnRef idx="2">
+            <a:schemeClr val="accent1">
+              <a:shade val="50000"/>
+            </a:schemeClr>
+          </a:lnRef>
+          <a:fillRef idx="1">
+            <a:schemeClr val="accent1"/>
+          </a:fillRef>
+          <a:effectRef idx="0">
+            <a:schemeClr val="accent1"/>
+          </a:effectRef>
+          <a:fontRef idx="minor">
+            <a:schemeClr val="lt1"/>
+          </a:fontRef>
+        </p:style>
+        <p:txBody>
+          <a:bodyPr rtlCol="0" anchor="ctr"/>
+          <a:lstStyle/>
+          <a:p>
+            <a:pPr algn="ctr"/>
+            <a:endParaRPr lang="en-US"/>
+          </a:p>
+        </p:txBody>
+      </p:sp>
+      <p:sp>
+        <p:nvSpPr>
+          <p:cNvPr id="25" name="Freeform: Shape 9">
+            <a:extLst>
+              <a:ext uri="{FF2B5EF4-FFF2-40B4-BE49-F238E27FC236}">
+                <a16:creationId xmlns:a16="http://schemas.microsoft.com/office/drawing/2014/main" id="{DAAE4CDD-124C-4DCF-9584-B6033B545DD5}"/>
+              </a:ext>
+              <a:ext uri="{C183D7F6-B498-43B3-948B-1728B52AA6E4}">
+                <adec:decorative xmlns:adec="http://schemas.microsoft.com/office/drawing/2017/decorative" val="1"/>
+              </a:ext>
+            </a:extLst>
+          </p:cNvPr>
+          <p:cNvSpPr>
+            <a:spLocks noGrp="1" noRot="1" noChangeAspect="1" noMove="1" noResize="1" noEditPoints="1" noAdjustHandles="1" noChangeArrowheads="1" noChangeShapeType="1" noTextEdit="1"/>
+          </p:cNvSpPr>
+          <p:nvPr>
+            <p:extLst>
+              <p:ext uri="{386F3935-93C4-4BCD-93E2-E3B085C9AB24}">
+                <p16:designElem xmlns:p16="http://schemas.microsoft.com/office/powerpoint/2015/main" val="1"/>
+              </p:ext>
+            </p:extLst>
+          </p:nvPr>
+        </p:nvSpPr>
+        <p:spPr>
+          <a:xfrm>
+            <a:off x="1" y="0"/>
+            <a:ext cx="4167271" cy="6858000"/>
+          </a:xfrm>
+          <a:custGeom>
+            <a:avLst/>
+            <a:gdLst>
+              <a:gd name="connsiteX0" fmla="*/ 0 w 4167271"/>
+              <a:gd name="connsiteY0" fmla="*/ 0 h 6858000"/>
+              <a:gd name="connsiteX1" fmla="*/ 2259550 w 4167271"/>
+              <a:gd name="connsiteY1" fmla="*/ 0 h 6858000"/>
+              <a:gd name="connsiteX2" fmla="*/ 2387803 w 4167271"/>
+              <a:gd name="connsiteY2" fmla="*/ 82222 h 6858000"/>
+              <a:gd name="connsiteX3" fmla="*/ 4167271 w 4167271"/>
+              <a:gd name="connsiteY3" fmla="*/ 3429000 h 6858000"/>
+              <a:gd name="connsiteX4" fmla="*/ 2387803 w 4167271"/>
+              <a:gd name="connsiteY4" fmla="*/ 6775779 h 6858000"/>
+              <a:gd name="connsiteX5" fmla="*/ 2259550 w 4167271"/>
+              <a:gd name="connsiteY5" fmla="*/ 6858000 h 6858000"/>
+              <a:gd name="connsiteX6" fmla="*/ 0 w 4167271"/>
+              <a:gd name="connsiteY6" fmla="*/ 6858000 h 6858000"/>
+            </a:gdLst>
+            <a:ahLst/>
+            <a:cxnLst>
+              <a:cxn ang="0">
+                <a:pos x="connsiteX0" y="connsiteY0"/>
+              </a:cxn>
+              <a:cxn ang="0">
+                <a:pos x="connsiteX1" y="connsiteY1"/>
+              </a:cxn>
+              <a:cxn ang="0">
+                <a:pos x="connsiteX2" y="connsiteY2"/>
+              </a:cxn>
+              <a:cxn ang="0">
+                <a:pos x="connsiteX3" y="connsiteY3"/>
+              </a:cxn>
+              <a:cxn ang="0">
+                <a:pos x="connsiteX4" y="connsiteY4"/>
+              </a:cxn>
+              <a:cxn ang="0">
+                <a:pos x="connsiteX5" y="connsiteY5"/>
+              </a:cxn>
+              <a:cxn ang="0">
+                <a:pos x="connsiteX6" y="connsiteY6"/>
+              </a:cxn>
+            </a:cxnLst>
+            <a:rect l="l" t="t" r="r" b="b"/>
+            <a:pathLst>
+              <a:path w="4167271" h="6858000">
+                <a:moveTo>
+                  <a:pt x="0" y="0"/>
+                </a:moveTo>
+                <a:lnTo>
+                  <a:pt x="2259550" y="0"/>
+                </a:lnTo>
+                <a:lnTo>
+                  <a:pt x="2387803" y="82222"/>
+                </a:lnTo>
+                <a:cubicBezTo>
+                  <a:pt x="3461407" y="807534"/>
+                  <a:pt x="4167271" y="2035835"/>
+                  <a:pt x="4167271" y="3429000"/>
+                </a:cubicBezTo>
+                <a:cubicBezTo>
+                  <a:pt x="4167271" y="4822165"/>
+                  <a:pt x="3461407" y="6050467"/>
+                  <a:pt x="2387803" y="6775779"/>
+                </a:cubicBezTo>
+                <a:lnTo>
+                  <a:pt x="2259550" y="6858000"/>
+                </a:lnTo>
+                <a:lnTo>
+                  <a:pt x="0" y="6858000"/>
+                </a:lnTo>
+                <a:close/>
+              </a:path>
+            </a:pathLst>
+          </a:custGeom>
+          <a:solidFill>
+            <a:schemeClr val="accent2"/>
+          </a:solidFill>
+          <a:ln>
+            <a:noFill/>
+          </a:ln>
+        </p:spPr>
+        <p:style>
+          <a:lnRef idx="2">
+            <a:schemeClr val="accent1">
+              <a:shade val="50000"/>
+            </a:schemeClr>
+          </a:lnRef>
+          <a:fillRef idx="1">
+            <a:schemeClr val="accent1"/>
+          </a:fillRef>
+          <a:effectRef idx="0">
+            <a:schemeClr val="accent1"/>
+          </a:effectRef>
+          <a:fontRef idx="minor">
+            <a:schemeClr val="lt1"/>
+          </a:fontRef>
+        </p:style>
+        <p:txBody>
+          <a:bodyPr rtlCol="0" anchor="ctr"/>
+          <a:lstStyle/>
+          <a:p>
+            <a:pPr algn="ctr"/>
+            <a:endParaRPr lang="en-US"/>
+          </a:p>
+        </p:txBody>
+      </p:sp>
+      <p:sp>
+        <p:nvSpPr>
+          <p:cNvPr id="2" name="Nadpis 1">
+            <a:extLst>
+              <a:ext uri="{FF2B5EF4-FFF2-40B4-BE49-F238E27FC236}">
+                <a16:creationId xmlns:a16="http://schemas.microsoft.com/office/drawing/2014/main" id="{EFA15AB6-733F-4018-F6EE-4489618E1470}"/>
+              </a:ext>
+            </a:extLst>
+          </p:cNvPr>
+          <p:cNvSpPr>
+            <a:spLocks noGrp="1"/>
+          </p:cNvSpPr>
+          <p:nvPr>
+            <p:ph type="title"/>
+          </p:nvPr>
+        </p:nvSpPr>
+        <p:spPr>
+          <a:xfrm>
+            <a:off x="686834" y="1153572"/>
+            <a:ext cx="3200400" cy="4461163"/>
+          </a:xfrm>
+        </p:spPr>
+        <p:txBody>
+          <a:bodyPr>
+            <a:normAutofit/>
+          </a:bodyPr>
+          <a:lstStyle/>
+          <a:p>
+            <a:r>
+              <a:rPr lang="cs-CZ">
+                <a:solidFill>
+                  <a:srgbClr val="FFFFFF"/>
+                </a:solidFill>
+                <a:cs typeface="Calibri Light"/>
+              </a:rPr>
+              <a:t>EXT</a:t>
+            </a:r>
+            <a:endParaRPr lang="cs-CZ">
+              <a:solidFill>
+                <a:srgbClr val="FFFFFF"/>
+              </a:solidFill>
+            </a:endParaRPr>
+          </a:p>
+        </p:txBody>
+      </p:sp>
+      <p:sp>
+        <p:nvSpPr>
+          <p:cNvPr id="26" name="Arc 11">
+            <a:extLst>
+              <a:ext uri="{FF2B5EF4-FFF2-40B4-BE49-F238E27FC236}">
+                <a16:creationId xmlns:a16="http://schemas.microsoft.com/office/drawing/2014/main" id="{081E4A58-353D-44AE-B2FC-2A74E2E400F7}"/>
+              </a:ext>
+              <a:ext uri="{C183D7F6-B498-43B3-948B-1728B52AA6E4}">
+                <adec:decorative xmlns:adec="http://schemas.microsoft.com/office/drawing/2017/decorative" val="1"/>
+              </a:ext>
+            </a:extLst>
+          </p:cNvPr>
+          <p:cNvSpPr>
+            <a:spLocks noGrp="1" noRot="1" noChangeAspect="1" noMove="1" noResize="1" noEditPoints="1" noAdjustHandles="1" noChangeArrowheads="1" noChangeShapeType="1" noTextEdit="1"/>
+          </p:cNvSpPr>
+          <p:nvPr>
+            <p:extLst>
+              <p:ext uri="{386F3935-93C4-4BCD-93E2-E3B085C9AB24}">
+                <p16:designElem xmlns:p16="http://schemas.microsoft.com/office/powerpoint/2015/main" val="1"/>
+              </p:ext>
+            </p:extLst>
+          </p:nvPr>
+        </p:nvSpPr>
+        <p:spPr>
+          <a:xfrm flipV="1">
+            <a:off x="7550402" y="2455479"/>
+            <a:ext cx="4083433" cy="4083433"/>
+          </a:xfrm>
+          <a:prstGeom prst="arc">
+            <a:avLst/>
+          </a:prstGeom>
+          <a:ln w="127000" cap="rnd">
+            <a:solidFill>
+              <a:schemeClr val="accent4"/>
+            </a:solidFill>
+            <a:prstDash val="dash"/>
+          </a:ln>
+        </p:spPr>
+        <p:style>
+          <a:lnRef idx="1">
+            <a:schemeClr val="accent1"/>
+          </a:lnRef>
+          <a:fillRef idx="0">
+            <a:schemeClr val="accent1"/>
+          </a:fillRef>
+          <a:effectRef idx="0">
+            <a:schemeClr val="accent1"/>
+          </a:effectRef>
+          <a:fontRef idx="minor">
+            <a:schemeClr val="tx1"/>
+          </a:fontRef>
+        </p:style>
+        <p:txBody>
+          <a:bodyPr rtlCol="0" anchor="ctr"/>
+          <a:lstStyle/>
+          <a:p>
+            <a:pPr algn="ctr"/>
+            <a:endParaRPr lang="en-US" dirty="0"/>
+          </a:p>
+        </p:txBody>
+      </p:sp>
+      <p:sp>
+        <p:nvSpPr>
+          <p:cNvPr id="3" name="Zástupný obsah 2">
+            <a:extLst>
+              <a:ext uri="{FF2B5EF4-FFF2-40B4-BE49-F238E27FC236}">
+                <a16:creationId xmlns:a16="http://schemas.microsoft.com/office/drawing/2014/main" id="{A7BE0FB4-FE56-102F-AF8F-15BDD7332338}"/>
+              </a:ext>
+            </a:extLst>
+          </p:cNvPr>
+          <p:cNvSpPr>
+            <a:spLocks noGrp="1"/>
+          </p:cNvSpPr>
+          <p:nvPr>
+            <p:ph idx="1"/>
+          </p:nvPr>
+        </p:nvSpPr>
+        <p:spPr>
+          <a:xfrm>
+            <a:off x="4447308" y="591344"/>
+            <a:ext cx="6906491" cy="5585619"/>
+          </a:xfrm>
+        </p:spPr>
+        <p:txBody>
+          <a:bodyPr vert="horz" lIns="91440" tIns="45720" rIns="91440" bIns="45720" rtlCol="0" anchor="ctr">
+            <a:normAutofit/>
+          </a:bodyPr>
+          <a:lstStyle/>
+          <a:p>
+            <a:r>
+              <a:rPr lang="cs-CZ" dirty="0">
+                <a:cs typeface="Calibri"/>
+              </a:rPr>
+              <a:t>Vytvořen v roce 1992 pro Linux</a:t>
+            </a:r>
+          </a:p>
+          <a:p>
+            <a:r>
+              <a:rPr lang="cs-CZ" dirty="0">
+                <a:cs typeface="Calibri"/>
+              </a:rPr>
+              <a:t>Dělí disk na bloky</a:t>
+            </a:r>
+          </a:p>
+          <a:p>
+            <a:r>
+              <a:rPr lang="cs-CZ" dirty="0">
+                <a:cs typeface="Calibri"/>
+              </a:rPr>
+              <a:t>Používá </a:t>
+            </a:r>
+            <a:r>
+              <a:rPr lang="cs-CZ" dirty="0" err="1">
+                <a:cs typeface="Calibri"/>
+              </a:rPr>
+              <a:t>inody</a:t>
+            </a:r>
+            <a:r>
+              <a:rPr lang="cs-CZ" dirty="0">
+                <a:cs typeface="Calibri"/>
+              </a:rPr>
+              <a:t>, které ukládají metadata a umístnění souborů v blocích na disku</a:t>
+            </a:r>
+          </a:p>
+          <a:p>
+            <a:r>
+              <a:rPr lang="cs-CZ" dirty="0" err="1">
+                <a:cs typeface="Calibri"/>
+              </a:rPr>
+              <a:t>Inody</a:t>
+            </a:r>
+            <a:r>
+              <a:rPr lang="cs-CZ" dirty="0">
+                <a:cs typeface="Calibri"/>
+              </a:rPr>
+              <a:t> jsou uložené v tabulce</a:t>
+            </a:r>
+          </a:p>
+          <a:p>
+            <a:r>
+              <a:rPr lang="cs-CZ" dirty="0">
+                <a:cs typeface="Calibri"/>
+              </a:rPr>
+              <a:t>Max velikost disku je 2GB</a:t>
+            </a:r>
+          </a:p>
+          <a:p>
+            <a:endParaRPr lang="cs-CZ" dirty="0">
+              <a:cs typeface="Calibri"/>
+            </a:endParaRPr>
+          </a:p>
+        </p:txBody>
+      </p:sp>
+    </p:spTree>
+    <p:extLst>
+      <p:ext uri="{BB962C8B-B14F-4D97-AF65-F5344CB8AC3E}">
+        <p14:creationId xmlns:p14="http://schemas.microsoft.com/office/powerpoint/2010/main" val="574112604"/>
+      </p:ext>
+    </p:extLst>
+  </p:cSld>
+  <p:clrMapOvr>
+    <a:masterClrMapping/>
+  </p:clrMapOvr>
+</p:sld>
+</file>
+
+<file path=ppt/slides/slide12.xml><?xml version="1.0" encoding="utf-8"?>
+<p:sld xmlns:a="http://schemas.openxmlformats.org/drawingml/2006/main" xmlns:r="http://schemas.openxmlformats.org/officeDocument/2006/relationships" xmlns:p="http://schemas.openxmlformats.org/presentationml/2006/main">
+  <p:cSld>
+    <p:bg>
+      <p:bgPr>
+        <a:solidFill>
+          <a:schemeClr val="bg1"/>
+        </a:solidFill>
+        <a:effectLst/>
+      </p:bgPr>
+    </p:bg>
+    <p:spTree>
+      <p:nvGrpSpPr>
+        <p:cNvPr id="1" name=""/>
+        <p:cNvGrpSpPr/>
+        <p:nvPr/>
+      </p:nvGrpSpPr>
+      <p:grpSpPr>
+        <a:xfrm>
+          <a:off x="0" y="0"/>
+          <a:ext cx="0" cy="0"/>
+          <a:chOff x="0" y="0"/>
+          <a:chExt cx="0" cy="0"/>
+        </a:xfrm>
+      </p:grpSpPr>
+      <p:sp useBgFill="1">
+        <p:nvSpPr>
+          <p:cNvPr id="28" name="Rectangle 27">
+            <a:extLst>
+              <a:ext uri="{FF2B5EF4-FFF2-40B4-BE49-F238E27FC236}">
+                <a16:creationId xmlns:a16="http://schemas.microsoft.com/office/drawing/2014/main" id="{C2554CA6-288E-4202-BC52-2E5A8F0C0AED}"/>
+              </a:ext>
+              <a:ext uri="{C183D7F6-B498-43B3-948B-1728B52AA6E4}">
+                <adec:decorative xmlns:adec="http://schemas.microsoft.com/office/drawing/2017/decorative" val="1"/>
+              </a:ext>
+            </a:extLst>
+          </p:cNvPr>
+          <p:cNvSpPr>
+            <a:spLocks noGrp="1" noRot="1" noChangeAspect="1" noMove="1" noResize="1" noEditPoints="1" noAdjustHandles="1" noChangeArrowheads="1" noChangeShapeType="1" noTextEdit="1"/>
+          </p:cNvSpPr>
+          <p:nvPr>
+            <p:extLst>
+              <p:ext uri="{386F3935-93C4-4BCD-93E2-E3B085C9AB24}">
+                <p16:designElem xmlns:p16="http://schemas.microsoft.com/office/powerpoint/2015/main" val="1"/>
+              </p:ext>
+            </p:extLst>
+          </p:nvPr>
+        </p:nvSpPr>
+        <p:spPr>
+          <a:xfrm>
+            <a:off x="3048" y="0"/>
+            <a:ext cx="12188952" cy="6858000"/>
+          </a:xfrm>
+          <a:prstGeom prst="rect">
+            <a:avLst/>
+          </a:prstGeom>
+          <a:ln>
+            <a:noFill/>
+          </a:ln>
+        </p:spPr>
+        <p:style>
+          <a:lnRef idx="2">
+            <a:schemeClr val="accent1">
+              <a:shade val="50000"/>
+            </a:schemeClr>
+          </a:lnRef>
+          <a:fillRef idx="1">
+            <a:schemeClr val="accent1"/>
+          </a:fillRef>
+          <a:effectRef idx="0">
+            <a:schemeClr val="accent1"/>
+          </a:effectRef>
+          <a:fontRef idx="minor">
+            <a:schemeClr val="lt1"/>
+          </a:fontRef>
+        </p:style>
+        <p:txBody>
+          <a:bodyPr rtlCol="0" anchor="ctr"/>
+          <a:lstStyle/>
+          <a:p>
+            <a:pPr algn="ctr"/>
+            <a:endParaRPr lang="en-US"/>
+          </a:p>
+        </p:txBody>
+      </p:sp>
+      <p:sp>
+        <p:nvSpPr>
+          <p:cNvPr id="30" name="Oval 29">
+            <a:extLst>
+              <a:ext uri="{FF2B5EF4-FFF2-40B4-BE49-F238E27FC236}">
+                <a16:creationId xmlns:a16="http://schemas.microsoft.com/office/drawing/2014/main" id="{B10BB131-AC8E-4A8E-A5D1-36260F720C3B}"/>
+              </a:ext>
+              <a:ext uri="{C183D7F6-B498-43B3-948B-1728B52AA6E4}">
+                <adec:decorative xmlns:adec="http://schemas.microsoft.com/office/drawing/2017/decorative" val="1"/>
+              </a:ext>
+            </a:extLst>
+          </p:cNvPr>
+          <p:cNvSpPr>
+            <a:spLocks noGrp="1" noRot="1" noChangeAspect="1" noMove="1" noResize="1" noEditPoints="1" noAdjustHandles="1" noChangeArrowheads="1" noChangeShapeType="1" noTextEdit="1"/>
+          </p:cNvSpPr>
+          <p:nvPr>
+            <p:extLst>
+              <p:ext uri="{386F3935-93C4-4BCD-93E2-E3B085C9AB24}">
+                <p16:designElem xmlns:p16="http://schemas.microsoft.com/office/powerpoint/2015/main" val="1"/>
+              </p:ext>
+            </p:extLst>
+          </p:nvPr>
+        </p:nvSpPr>
+        <p:spPr>
+          <a:xfrm>
+            <a:off x="489189" y="1119031"/>
+            <a:ext cx="4619938" cy="4619938"/>
+          </a:xfrm>
+          <a:prstGeom prst="ellipse">
+            <a:avLst/>
+          </a:prstGeom>
+          <a:solidFill>
+            <a:schemeClr val="accent2"/>
+          </a:solidFill>
+          <a:ln>
+            <a:noFill/>
+          </a:ln>
+        </p:spPr>
+        <p:style>
+          <a:lnRef idx="2">
+            <a:schemeClr val="accent1">
+              <a:shade val="50000"/>
+            </a:schemeClr>
+          </a:lnRef>
+          <a:fillRef idx="1">
+            <a:schemeClr val="accent1"/>
+          </a:fillRef>
+          <a:effectRef idx="0">
+            <a:schemeClr val="accent1"/>
+          </a:effectRef>
+          <a:fontRef idx="minor">
+            <a:schemeClr val="lt1"/>
+          </a:fontRef>
+        </p:style>
+        <p:txBody>
+          <a:bodyPr rtlCol="0" anchor="ctr"/>
+          <a:lstStyle/>
+          <a:p>
+            <a:pPr algn="ctr"/>
+            <a:endParaRPr lang="en-US"/>
+          </a:p>
+        </p:txBody>
+      </p:sp>
+      <p:sp>
+        <p:nvSpPr>
+          <p:cNvPr id="2" name="Nadpis 1">
+            <a:extLst>
+              <a:ext uri="{FF2B5EF4-FFF2-40B4-BE49-F238E27FC236}">
+                <a16:creationId xmlns:a16="http://schemas.microsoft.com/office/drawing/2014/main" id="{6FD1797F-6304-B9A6-F001-3356486FC8DE}"/>
+              </a:ext>
+            </a:extLst>
+          </p:cNvPr>
+          <p:cNvSpPr>
+            <a:spLocks noGrp="1"/>
+          </p:cNvSpPr>
+          <p:nvPr>
+            <p:ph type="title"/>
+          </p:nvPr>
+        </p:nvSpPr>
+        <p:spPr>
+          <a:xfrm>
+            <a:off x="1171074" y="1396686"/>
+            <a:ext cx="3240506" cy="4064628"/>
+          </a:xfrm>
+        </p:spPr>
+        <p:txBody>
+          <a:bodyPr>
+            <a:normAutofit/>
+          </a:bodyPr>
+          <a:lstStyle/>
+          <a:p>
+            <a:r>
+              <a:rPr lang="cs-CZ">
+                <a:solidFill>
+                  <a:srgbClr val="FFFFFF"/>
+                </a:solidFill>
+                <a:cs typeface="Calibri Light"/>
+              </a:rPr>
+              <a:t>EXT2</a:t>
+            </a:r>
+            <a:endParaRPr lang="cs-CZ">
+              <a:solidFill>
+                <a:srgbClr val="FFFFFF"/>
+              </a:solidFill>
+            </a:endParaRPr>
+          </a:p>
+        </p:txBody>
+      </p:sp>
+      <p:sp>
+        <p:nvSpPr>
+          <p:cNvPr id="32" name="Arc 31">
+            <a:extLst>
+              <a:ext uri="{FF2B5EF4-FFF2-40B4-BE49-F238E27FC236}">
+                <a16:creationId xmlns:a16="http://schemas.microsoft.com/office/drawing/2014/main" id="{5B7778FC-632E-4DCA-A7CB-0D7731CCF970}"/>
+              </a:ext>
+              <a:ext uri="{C183D7F6-B498-43B3-948B-1728B52AA6E4}">
+                <adec:decorative xmlns:adec="http://schemas.microsoft.com/office/drawing/2017/decorative" val="1"/>
+              </a:ext>
+            </a:extLst>
+          </p:cNvPr>
+          <p:cNvSpPr>
+            <a:spLocks noGrp="1" noRot="1" noChangeAspect="1" noMove="1" noResize="1" noEditPoints="1" noAdjustHandles="1" noChangeArrowheads="1" noChangeShapeType="1" noTextEdit="1"/>
+          </p:cNvSpPr>
+          <p:nvPr>
+            <p:extLst>
+              <p:ext uri="{386F3935-93C4-4BCD-93E2-E3B085C9AB24}">
+                <p16:designElem xmlns:p16="http://schemas.microsoft.com/office/powerpoint/2015/main" val="1"/>
+              </p:ext>
+            </p:extLst>
+          </p:nvPr>
+        </p:nvSpPr>
+        <p:spPr>
+          <a:xfrm rot="19809111">
+            <a:off x="8683720" y="941148"/>
+            <a:ext cx="2987899" cy="2987899"/>
+          </a:xfrm>
+          <a:prstGeom prst="arc">
+            <a:avLst>
+              <a:gd name="adj1" fmla="val 15817365"/>
+              <a:gd name="adj2" fmla="val 1781380"/>
+            </a:avLst>
+          </a:prstGeom>
+          <a:ln w="127000" cap="rnd">
+            <a:solidFill>
+              <a:schemeClr val="accent4"/>
+            </a:solidFill>
+            <a:prstDash val="dash"/>
+            <a:miter lim="800000"/>
+          </a:ln>
+        </p:spPr>
+        <p:style>
+          <a:lnRef idx="1">
+            <a:schemeClr val="accent1"/>
+          </a:lnRef>
+          <a:fillRef idx="0">
+            <a:schemeClr val="accent1"/>
+          </a:fillRef>
+          <a:effectRef idx="0">
+            <a:schemeClr val="accent1"/>
+          </a:effectRef>
+          <a:fontRef idx="minor">
+            <a:schemeClr val="tx1"/>
+          </a:fontRef>
+        </p:style>
+        <p:txBody>
+          <a:bodyPr rtlCol="0" anchor="ctr"/>
+          <a:lstStyle/>
+          <a:p>
+            <a:pPr marL="0" marR="0" lvl="0" indent="0" algn="ctr" defTabSz="914400" rtl="0" eaLnBrk="1" fontAlgn="auto" latinLnBrk="0" hangingPunct="1">
+              <a:lnSpc>
+                <a:spcPct val="100000"/>
+              </a:lnSpc>
+              <a:spcBef>
+                <a:spcPts val="0"/>
+              </a:spcBef>
+              <a:spcAft>
+                <a:spcPts val="0"/>
+              </a:spcAft>
+              <a:buClrTx/>
+              <a:buSzTx/>
+              <a:buFontTx/>
+              <a:buNone/>
+              <a:tabLst/>
+              <a:defRPr/>
+            </a:pPr>
+            <a:endParaRPr kumimoji="0" lang="en-US" sz="1800" b="0" i="0" u="none" strike="noStrike" kern="1200" cap="none" spc="0" normalizeH="0" baseline="0" noProof="0">
+              <a:ln>
+                <a:noFill/>
+              </a:ln>
+              <a:solidFill>
+                <a:srgbClr val="000000"/>
+              </a:solidFill>
+              <a:effectLst/>
+              <a:uLnTx/>
+              <a:uFillTx/>
+              <a:latin typeface="Calibri" panose="020F0502020204030204"/>
+              <a:ea typeface="+mn-ea"/>
+              <a:cs typeface="+mn-cs"/>
+            </a:endParaRPr>
+          </a:p>
+        </p:txBody>
+      </p:sp>
+      <p:sp>
+        <p:nvSpPr>
+          <p:cNvPr id="34" name="Oval 33">
+            <a:extLst>
+              <a:ext uri="{FF2B5EF4-FFF2-40B4-BE49-F238E27FC236}">
+                <a16:creationId xmlns:a16="http://schemas.microsoft.com/office/drawing/2014/main" id="{FA23A907-97FB-4A8F-880A-DD77401C4296}"/>
+              </a:ext>
+              <a:ext uri="{C183D7F6-B498-43B3-948B-1728B52AA6E4}">
+                <adec:decorative xmlns:adec="http://schemas.microsoft.com/office/drawing/2017/decorative" val="1"/>
+              </a:ext>
+            </a:extLst>
+          </p:cNvPr>
+          <p:cNvSpPr>
+            <a:spLocks noGrp="1" noRot="1" noChangeAspect="1" noMove="1" noResize="1" noEditPoints="1" noAdjustHandles="1" noChangeArrowheads="1" noChangeShapeType="1" noTextEdit="1"/>
+          </p:cNvSpPr>
+          <p:nvPr>
+            <p:extLst>
+              <p:ext uri="{386F3935-93C4-4BCD-93E2-E3B085C9AB24}">
+                <p16:designElem xmlns:p16="http://schemas.microsoft.com/office/powerpoint/2015/main" val="1"/>
+              </p:ext>
+            </p:extLst>
+          </p:nvPr>
+        </p:nvSpPr>
+        <p:spPr>
+          <a:xfrm>
+            <a:off x="910048" y="4780992"/>
+            <a:ext cx="546100" cy="546100"/>
+          </a:xfrm>
+          <a:prstGeom prst="ellipse">
+            <a:avLst/>
+          </a:prstGeom>
+          <a:solidFill>
+            <a:schemeClr val="accent5"/>
+          </a:solidFill>
+          <a:ln>
+            <a:noFill/>
+          </a:ln>
+        </p:spPr>
+        <p:style>
+          <a:lnRef idx="2">
+            <a:schemeClr val="accent1">
+              <a:shade val="50000"/>
+            </a:schemeClr>
+          </a:lnRef>
+          <a:fillRef idx="1">
+            <a:schemeClr val="accent1"/>
+          </a:fillRef>
+          <a:effectRef idx="0">
+            <a:schemeClr val="accent1"/>
+          </a:effectRef>
+          <a:fontRef idx="minor">
+            <a:schemeClr val="lt1"/>
+          </a:fontRef>
+        </p:style>
+        <p:txBody>
+          <a:bodyPr rtlCol="0" anchor="ctr"/>
+          <a:lstStyle/>
+          <a:p>
+            <a:pPr marL="0" marR="0" lvl="0" indent="0" algn="ctr" defTabSz="914400" rtl="0" eaLnBrk="1" fontAlgn="auto" latinLnBrk="0" hangingPunct="1">
+              <a:lnSpc>
+                <a:spcPct val="100000"/>
+              </a:lnSpc>
+              <a:spcBef>
+                <a:spcPts val="0"/>
+              </a:spcBef>
+              <a:spcAft>
+                <a:spcPts val="0"/>
+              </a:spcAft>
+              <a:buClrTx/>
+              <a:buSzTx/>
+              <a:buFontTx/>
+              <a:buNone/>
+              <a:tabLst/>
+              <a:defRPr/>
+            </a:pPr>
+            <a:endParaRPr kumimoji="0" lang="en-US" sz="1800" b="0" i="0" u="none" strike="noStrike" kern="1200" cap="none" spc="0" normalizeH="0" baseline="0" noProof="0">
+              <a:ln>
+                <a:noFill/>
+              </a:ln>
+              <a:solidFill>
+                <a:srgbClr val="FFFFFF"/>
+              </a:solidFill>
+              <a:effectLst/>
+              <a:uLnTx/>
+              <a:uFillTx/>
+              <a:latin typeface="Calibri" panose="020F0502020204030204"/>
+              <a:ea typeface="+mn-ea"/>
+              <a:cs typeface="+mn-cs"/>
+            </a:endParaRPr>
+          </a:p>
+        </p:txBody>
+      </p:sp>
+      <p:sp>
+        <p:nvSpPr>
+          <p:cNvPr id="3" name="Zástupný obsah 2">
+            <a:extLst>
+              <a:ext uri="{FF2B5EF4-FFF2-40B4-BE49-F238E27FC236}">
+                <a16:creationId xmlns:a16="http://schemas.microsoft.com/office/drawing/2014/main" id="{C2D18174-EE47-2A6B-E561-D98DD77A6A2A}"/>
+              </a:ext>
+            </a:extLst>
+          </p:cNvPr>
+          <p:cNvSpPr>
+            <a:spLocks noGrp="1"/>
+          </p:cNvSpPr>
+          <p:nvPr>
+            <p:ph idx="1"/>
+          </p:nvPr>
+        </p:nvSpPr>
+        <p:spPr>
+          <a:xfrm>
+            <a:off x="5370153" y="1526033"/>
+            <a:ext cx="5536397" cy="3935281"/>
+          </a:xfrm>
+        </p:spPr>
+        <p:txBody>
+          <a:bodyPr vert="horz" lIns="91440" tIns="45720" rIns="91440" bIns="45720" rtlCol="0" anchor="t">
+            <a:normAutofit/>
+          </a:bodyPr>
+          <a:lstStyle/>
+          <a:p>
+            <a:r>
+              <a:rPr lang="cs-CZ" dirty="0">
+                <a:cs typeface="Calibri"/>
+              </a:rPr>
+              <a:t>Vylepšení EXT</a:t>
+            </a:r>
+          </a:p>
+          <a:p>
+            <a:r>
+              <a:rPr lang="cs-CZ" dirty="0">
+                <a:cs typeface="Calibri"/>
+              </a:rPr>
+              <a:t>Více metadat (datum vytvoření, datum úpravy...)</a:t>
+            </a:r>
+          </a:p>
+          <a:p>
+            <a:r>
+              <a:rPr lang="cs-CZ" dirty="0">
+                <a:cs typeface="Calibri"/>
+              </a:rPr>
+              <a:t>Max velikost disku 2TB (v pozdějších verzích 32TB)</a:t>
+            </a:r>
+          </a:p>
+          <a:p>
+            <a:r>
+              <a:rPr lang="cs-CZ" dirty="0">
+                <a:cs typeface="Calibri"/>
+              </a:rPr>
+              <a:t>Soubory se ukládají ve skupinách bloků okolo sebe, snižuje fragmentaci</a:t>
+            </a:r>
+          </a:p>
+        </p:txBody>
+      </p:sp>
+    </p:spTree>
+    <p:extLst>
+      <p:ext uri="{BB962C8B-B14F-4D97-AF65-F5344CB8AC3E}">
+        <p14:creationId xmlns:p14="http://schemas.microsoft.com/office/powerpoint/2010/main" val="3902934988"/>
+      </p:ext>
+    </p:extLst>
+  </p:cSld>
+  <p:clrMapOvr>
+    <a:masterClrMapping/>
+  </p:clrMapOvr>
+</p:sld>
+</file>
+
+<file path=ppt/slides/slide13.xml><?xml version="1.0" encoding="utf-8"?>
+<p:sld xmlns:a="http://schemas.openxmlformats.org/drawingml/2006/main" xmlns:r="http://schemas.openxmlformats.org/officeDocument/2006/relationships" xmlns:p="http://schemas.openxmlformats.org/presentationml/2006/main">
+  <p:cSld>
+    <p:bg>
+      <p:bgPr>
+        <a:solidFill>
+          <a:schemeClr val="bg1"/>
+        </a:solidFill>
+        <a:effectLst/>
+      </p:bgPr>
+    </p:bg>
+    <p:spTree>
+      <p:nvGrpSpPr>
+        <p:cNvPr id="1" name=""/>
+        <p:cNvGrpSpPr/>
+        <p:nvPr/>
+      </p:nvGrpSpPr>
+      <p:grpSpPr>
+        <a:xfrm>
+          <a:off x="0" y="0"/>
+          <a:ext cx="0" cy="0"/>
+          <a:chOff x="0" y="0"/>
+          <a:chExt cx="0" cy="0"/>
+        </a:xfrm>
+      </p:grpSpPr>
+      <p:sp useBgFill="1">
+        <p:nvSpPr>
+          <p:cNvPr id="8" name="Rectangle 7">
+            <a:extLst>
+              <a:ext uri="{FF2B5EF4-FFF2-40B4-BE49-F238E27FC236}">
+                <a16:creationId xmlns:a16="http://schemas.microsoft.com/office/drawing/2014/main" id="{E92FEB64-6EEA-4759-B4A4-BD2C1E660BA8}"/>
+              </a:ext>
+              <a:ext uri="{C183D7F6-B498-43B3-948B-1728B52AA6E4}">
+                <adec:decorative xmlns:adec="http://schemas.microsoft.com/office/drawing/2017/decorative" val="1"/>
+              </a:ext>
+            </a:extLst>
+          </p:cNvPr>
+          <p:cNvSpPr>
+            <a:spLocks noGrp="1" noRot="1" noChangeAspect="1" noMove="1" noResize="1" noEditPoints="1" noAdjustHandles="1" noChangeArrowheads="1" noChangeShapeType="1" noTextEdit="1"/>
+          </p:cNvSpPr>
+          <p:nvPr>
+            <p:extLst>
+              <p:ext uri="{386F3935-93C4-4BCD-93E2-E3B085C9AB24}">
+                <p16:designElem xmlns:p16="http://schemas.microsoft.com/office/powerpoint/2015/main" val="1"/>
+              </p:ext>
+            </p:extLst>
+          </p:nvPr>
+        </p:nvSpPr>
+        <p:spPr>
+          <a:xfrm>
+            <a:off x="3048" y="0"/>
+            <a:ext cx="12188952" cy="6858000"/>
+          </a:xfrm>
+          <a:prstGeom prst="rect">
+            <a:avLst/>
+          </a:prstGeom>
+          <a:ln>
+            <a:noFill/>
+          </a:ln>
+        </p:spPr>
+        <p:style>
+          <a:lnRef idx="2">
+            <a:schemeClr val="accent1">
+              <a:shade val="50000"/>
+            </a:schemeClr>
+          </a:lnRef>
+          <a:fillRef idx="1">
+            <a:schemeClr val="accent1"/>
+          </a:fillRef>
+          <a:effectRef idx="0">
+            <a:schemeClr val="accent1"/>
+          </a:effectRef>
+          <a:fontRef idx="minor">
+            <a:schemeClr val="lt1"/>
+          </a:fontRef>
+        </p:style>
+        <p:txBody>
+          <a:bodyPr rtlCol="0" anchor="ctr"/>
+          <a:lstStyle/>
+          <a:p>
+            <a:pPr algn="ctr"/>
+            <a:endParaRPr lang="en-US"/>
+          </a:p>
+        </p:txBody>
+      </p:sp>
+      <p:sp>
+        <p:nvSpPr>
+          <p:cNvPr id="10" name="Oval 9">
+            <a:extLst>
+              <a:ext uri="{FF2B5EF4-FFF2-40B4-BE49-F238E27FC236}">
+                <a16:creationId xmlns:a16="http://schemas.microsoft.com/office/drawing/2014/main" id="{B10BB131-AC8E-4A8E-A5D1-36260F720C3B}"/>
+              </a:ext>
+              <a:ext uri="{C183D7F6-B498-43B3-948B-1728B52AA6E4}">
+                <adec:decorative xmlns:adec="http://schemas.microsoft.com/office/drawing/2017/decorative" val="1"/>
+              </a:ext>
+            </a:extLst>
+          </p:cNvPr>
+          <p:cNvSpPr>
+            <a:spLocks noGrp="1" noRot="1" noChangeAspect="1" noMove="1" noResize="1" noEditPoints="1" noAdjustHandles="1" noChangeArrowheads="1" noChangeShapeType="1" noTextEdit="1"/>
+          </p:cNvSpPr>
+          <p:nvPr>
+            <p:extLst>
+              <p:ext uri="{386F3935-93C4-4BCD-93E2-E3B085C9AB24}">
+                <p16:designElem xmlns:p16="http://schemas.microsoft.com/office/powerpoint/2015/main" val="1"/>
+              </p:ext>
+            </p:extLst>
+          </p:nvPr>
+        </p:nvSpPr>
+        <p:spPr>
+          <a:xfrm>
+            <a:off x="707393" y="847600"/>
+            <a:ext cx="4619938" cy="4619938"/>
+          </a:xfrm>
+          <a:prstGeom prst="ellipse">
+            <a:avLst/>
+          </a:prstGeom>
+          <a:solidFill>
+            <a:schemeClr val="accent2"/>
+          </a:solidFill>
+          <a:ln>
+            <a:noFill/>
+          </a:ln>
+        </p:spPr>
+        <p:style>
+          <a:lnRef idx="2">
+            <a:schemeClr val="accent1">
+              <a:shade val="50000"/>
+            </a:schemeClr>
+          </a:lnRef>
+          <a:fillRef idx="1">
+            <a:schemeClr val="accent1"/>
+          </a:fillRef>
+          <a:effectRef idx="0">
+            <a:schemeClr val="accent1"/>
+          </a:effectRef>
+          <a:fontRef idx="minor">
+            <a:schemeClr val="lt1"/>
+          </a:fontRef>
+        </p:style>
+        <p:txBody>
+          <a:bodyPr rtlCol="0" anchor="ctr"/>
+          <a:lstStyle/>
+          <a:p>
+            <a:pPr algn="ctr"/>
+            <a:endParaRPr lang="en-US"/>
+          </a:p>
+        </p:txBody>
+      </p:sp>
+      <p:sp>
+        <p:nvSpPr>
+          <p:cNvPr id="2" name="Nadpis 1">
+            <a:extLst>
+              <a:ext uri="{FF2B5EF4-FFF2-40B4-BE49-F238E27FC236}">
+                <a16:creationId xmlns:a16="http://schemas.microsoft.com/office/drawing/2014/main" id="{4155D667-05E6-73D8-984E-7A72BFAF8A6E}"/>
+              </a:ext>
+            </a:extLst>
+          </p:cNvPr>
+          <p:cNvSpPr>
+            <a:spLocks noGrp="1"/>
+          </p:cNvSpPr>
+          <p:nvPr>
+            <p:ph type="title"/>
+          </p:nvPr>
+        </p:nvSpPr>
+        <p:spPr>
+          <a:xfrm>
+            <a:off x="1389278" y="1233241"/>
+            <a:ext cx="3240506" cy="4064628"/>
+          </a:xfrm>
+        </p:spPr>
+        <p:txBody>
+          <a:bodyPr>
+            <a:normAutofit/>
+          </a:bodyPr>
+          <a:lstStyle/>
+          <a:p>
+            <a:r>
+              <a:rPr lang="cs-CZ">
+                <a:solidFill>
+                  <a:srgbClr val="FFFFFF"/>
+                </a:solidFill>
+                <a:cs typeface="Calibri Light"/>
+              </a:rPr>
+              <a:t>EXT3</a:t>
+            </a:r>
+          </a:p>
+        </p:txBody>
+      </p:sp>
+      <p:sp>
+        <p:nvSpPr>
+          <p:cNvPr id="12" name="Freeform: Shape 11">
+            <a:extLst>
+              <a:ext uri="{FF2B5EF4-FFF2-40B4-BE49-F238E27FC236}">
+                <a16:creationId xmlns:a16="http://schemas.microsoft.com/office/drawing/2014/main" id="{14847E93-7DC1-4D4B-8829-B19AA7137C50}"/>
+              </a:ext>
+              <a:ext uri="{C183D7F6-B498-43B3-948B-1728B52AA6E4}">
+                <adec:decorative xmlns:adec="http://schemas.microsoft.com/office/drawing/2017/decorative" val="1"/>
+              </a:ext>
+            </a:extLst>
+          </p:cNvPr>
+          <p:cNvSpPr>
+            <a:spLocks noGrp="1" noRot="1" noChangeAspect="1" noMove="1" noResize="1" noEditPoints="1" noAdjustHandles="1" noChangeArrowheads="1" noChangeShapeType="1" noTextEdit="1"/>
+          </p:cNvSpPr>
+          <p:nvPr>
+            <p:extLst>
+              <p:ext uri="{386F3935-93C4-4BCD-93E2-E3B085C9AB24}">
+                <p16:designElem xmlns:p16="http://schemas.microsoft.com/office/powerpoint/2015/main" val="1"/>
+              </p:ext>
+            </p:extLst>
+          </p:nvPr>
+        </p:nvSpPr>
+        <p:spPr>
+          <a:xfrm flipH="1">
+            <a:off x="530529" y="0"/>
+            <a:ext cx="1155142" cy="591009"/>
+          </a:xfrm>
+          <a:custGeom>
+            <a:avLst/>
+            <a:gdLst>
+              <a:gd name="connsiteX0" fmla="*/ 1355 w 1155142"/>
+              <a:gd name="connsiteY0" fmla="*/ 0 h 591009"/>
+              <a:gd name="connsiteX1" fmla="*/ 1153787 w 1155142"/>
+              <a:gd name="connsiteY1" fmla="*/ 0 h 591009"/>
+              <a:gd name="connsiteX2" fmla="*/ 1155142 w 1155142"/>
+              <a:gd name="connsiteY2" fmla="*/ 13438 h 591009"/>
+              <a:gd name="connsiteX3" fmla="*/ 577571 w 1155142"/>
+              <a:gd name="connsiteY3" fmla="*/ 591009 h 591009"/>
+              <a:gd name="connsiteX4" fmla="*/ 0 w 1155142"/>
+              <a:gd name="connsiteY4" fmla="*/ 13438 h 591009"/>
+            </a:gdLst>
+            <a:ahLst/>
+            <a:cxnLst>
+              <a:cxn ang="0">
+                <a:pos x="connsiteX0" y="connsiteY0"/>
+              </a:cxn>
+              <a:cxn ang="0">
+                <a:pos x="connsiteX1" y="connsiteY1"/>
+              </a:cxn>
+              <a:cxn ang="0">
+                <a:pos x="connsiteX2" y="connsiteY2"/>
+              </a:cxn>
+              <a:cxn ang="0">
+                <a:pos x="connsiteX3" y="connsiteY3"/>
+              </a:cxn>
+              <a:cxn ang="0">
+                <a:pos x="connsiteX4" y="connsiteY4"/>
+              </a:cxn>
+            </a:cxnLst>
+            <a:rect l="l" t="t" r="r" b="b"/>
+            <a:pathLst>
+              <a:path w="1155142" h="591009">
+                <a:moveTo>
+                  <a:pt x="1355" y="0"/>
+                </a:moveTo>
+                <a:lnTo>
+                  <a:pt x="1153787" y="0"/>
+                </a:lnTo>
+                <a:lnTo>
+                  <a:pt x="1155142" y="13438"/>
+                </a:lnTo>
+                <a:cubicBezTo>
+                  <a:pt x="1155142" y="332422"/>
+                  <a:pt x="896555" y="591009"/>
+                  <a:pt x="577571" y="591009"/>
+                </a:cubicBezTo>
+                <a:cubicBezTo>
+                  <a:pt x="258587" y="591009"/>
+                  <a:pt x="0" y="332422"/>
+                  <a:pt x="0" y="13438"/>
+                </a:cubicBezTo>
+                <a:close/>
+              </a:path>
+            </a:pathLst>
+          </a:custGeom>
+          <a:solidFill>
+            <a:schemeClr val="accent5"/>
+          </a:solidFill>
+          <a:ln>
+            <a:noFill/>
+          </a:ln>
+        </p:spPr>
+        <p:style>
+          <a:lnRef idx="2">
+            <a:schemeClr val="accent1">
+              <a:shade val="50000"/>
+            </a:schemeClr>
+          </a:lnRef>
+          <a:fillRef idx="1">
+            <a:schemeClr val="accent1"/>
+          </a:fillRef>
+          <a:effectRef idx="0">
+            <a:schemeClr val="accent1"/>
+          </a:effectRef>
+          <a:fontRef idx="minor">
+            <a:schemeClr val="lt1"/>
+          </a:fontRef>
+        </p:style>
+        <p:txBody>
+          <a:bodyPr wrap="square" rtlCol="0" anchor="ctr">
+            <a:noAutofit/>
+          </a:bodyPr>
+          <a:lstStyle/>
+          <a:p>
+            <a:pPr algn="ctr"/>
+            <a:endParaRPr lang="en-US"/>
+          </a:p>
+        </p:txBody>
+      </p:sp>
+      <p:sp>
+        <p:nvSpPr>
+          <p:cNvPr id="14" name="Freeform: Shape 13">
+            <a:extLst>
+              <a:ext uri="{FF2B5EF4-FFF2-40B4-BE49-F238E27FC236}">
+                <a16:creationId xmlns:a16="http://schemas.microsoft.com/office/drawing/2014/main" id="{5566D6E1-03A1-4D73-A4E0-35D74D568A04}"/>
+              </a:ext>
+              <a:ext uri="{C183D7F6-B498-43B3-948B-1728B52AA6E4}">
+                <adec:decorative xmlns:adec="http://schemas.microsoft.com/office/drawing/2017/decorative" val="1"/>
+              </a:ext>
+            </a:extLst>
+          </p:cNvPr>
+          <p:cNvSpPr>
+            <a:spLocks noGrp="1" noRot="1" noChangeAspect="1" noMove="1" noResize="1" noEditPoints="1" noAdjustHandles="1" noChangeArrowheads="1" noChangeShapeType="1" noTextEdit="1"/>
+          </p:cNvSpPr>
+          <p:nvPr>
+            <p:extLst>
+              <p:ext uri="{386F3935-93C4-4BCD-93E2-E3B085C9AB24}">
+                <p16:designElem xmlns:p16="http://schemas.microsoft.com/office/powerpoint/2015/main" val="1"/>
+              </p:ext>
+            </p:extLst>
+          </p:nvPr>
+        </p:nvSpPr>
+        <p:spPr>
+          <a:xfrm flipH="1">
+            <a:off x="3961511" y="-1"/>
+            <a:ext cx="1737401" cy="959536"/>
+          </a:xfrm>
+          <a:custGeom>
+            <a:avLst/>
+            <a:gdLst>
+              <a:gd name="connsiteX0" fmla="*/ 0 w 1737401"/>
+              <a:gd name="connsiteY0" fmla="*/ 0 h 959536"/>
+              <a:gd name="connsiteX1" fmla="*/ 123825 w 1737401"/>
+              <a:gd name="connsiteY1" fmla="*/ 0 h 959536"/>
+              <a:gd name="connsiteX2" fmla="*/ 123825 w 1737401"/>
+              <a:gd name="connsiteY2" fmla="*/ 790277 h 959536"/>
+              <a:gd name="connsiteX3" fmla="*/ 1490095 w 1737401"/>
+              <a:gd name="connsiteY3" fmla="*/ 0 h 959536"/>
+              <a:gd name="connsiteX4" fmla="*/ 1737401 w 1737401"/>
+              <a:gd name="connsiteY4" fmla="*/ 0 h 959536"/>
+              <a:gd name="connsiteX5" fmla="*/ 92869 w 1737401"/>
+              <a:gd name="connsiteY5" fmla="*/ 951249 h 959536"/>
+              <a:gd name="connsiteX6" fmla="*/ 61913 w 1737401"/>
+              <a:gd name="connsiteY6" fmla="*/ 959536 h 959536"/>
+              <a:gd name="connsiteX7" fmla="*/ 0 w 1737401"/>
+              <a:gd name="connsiteY7" fmla="*/ 897624 h 959536"/>
+            </a:gdLst>
+            <a:ahLst/>
+            <a:cxnLst>
+              <a:cxn ang="0">
+                <a:pos x="connsiteX0" y="connsiteY0"/>
+              </a:cxn>
+              <a:cxn ang="0">
+                <a:pos x="connsiteX1" y="connsiteY1"/>
+              </a:cxn>
+              <a:cxn ang="0">
+                <a:pos x="connsiteX2" y="connsiteY2"/>
+              </a:cxn>
+              <a:cxn ang="0">
+                <a:pos x="connsiteX3" y="connsiteY3"/>
+              </a:cxn>
+              <a:cxn ang="0">
+                <a:pos x="connsiteX4" y="connsiteY4"/>
+              </a:cxn>
+              <a:cxn ang="0">
+                <a:pos x="connsiteX5" y="connsiteY5"/>
+              </a:cxn>
+              <a:cxn ang="0">
+                <a:pos x="connsiteX6" y="connsiteY6"/>
+              </a:cxn>
+              <a:cxn ang="0">
+                <a:pos x="connsiteX7" y="connsiteY7"/>
+              </a:cxn>
+            </a:cxnLst>
+            <a:rect l="l" t="t" r="r" b="b"/>
+            <a:pathLst>
+              <a:path w="1737401" h="959536">
+                <a:moveTo>
+                  <a:pt x="0" y="0"/>
+                </a:moveTo>
+                <a:lnTo>
+                  <a:pt x="123825" y="0"/>
+                </a:lnTo>
+                <a:lnTo>
+                  <a:pt x="123825" y="790277"/>
+                </a:lnTo>
+                <a:lnTo>
+                  <a:pt x="1490095" y="0"/>
+                </a:lnTo>
+                <a:lnTo>
+                  <a:pt x="1737401" y="0"/>
+                </a:lnTo>
+                <a:lnTo>
+                  <a:pt x="92869" y="951249"/>
+                </a:lnTo>
+                <a:cubicBezTo>
+                  <a:pt x="83458" y="956688"/>
+                  <a:pt x="72780" y="959546"/>
+                  <a:pt x="61913" y="959536"/>
+                </a:cubicBezTo>
+                <a:cubicBezTo>
+                  <a:pt x="27719" y="959536"/>
+                  <a:pt x="0" y="931818"/>
+                  <a:pt x="0" y="897624"/>
+                </a:cubicBezTo>
+                <a:close/>
+              </a:path>
+            </a:pathLst>
+          </a:custGeom>
+          <a:solidFill>
+            <a:schemeClr val="accent6"/>
+          </a:solidFill>
+          <a:ln w="9525" cap="flat">
+            <a:noFill/>
+            <a:prstDash val="solid"/>
+            <a:miter/>
+          </a:ln>
+        </p:spPr>
+        <p:txBody>
+          <a:bodyPr rtlCol="0" anchor="ctr"/>
+          <a:lstStyle/>
+          <a:p>
+            <a:endParaRPr lang="en-US"/>
+          </a:p>
+        </p:txBody>
+      </p:sp>
+      <p:sp>
+        <p:nvSpPr>
+          <p:cNvPr id="16" name="Freeform: Shape 15">
+            <a:extLst>
+              <a:ext uri="{FF2B5EF4-FFF2-40B4-BE49-F238E27FC236}">
+                <a16:creationId xmlns:a16="http://schemas.microsoft.com/office/drawing/2014/main" id="{9F835A99-04AC-494A-A572-AFE8413CC938}"/>
+              </a:ext>
+              <a:ext uri="{C183D7F6-B498-43B3-948B-1728B52AA6E4}">
+                <adec:decorative xmlns:adec="http://schemas.microsoft.com/office/drawing/2017/decorative" val="1"/>
+              </a:ext>
+            </a:extLst>
+          </p:cNvPr>
+          <p:cNvSpPr>
+            <a:spLocks noGrp="1" noRot="1" noChangeAspect="1" noMove="1" noResize="1" noEditPoints="1" noAdjustHandles="1" noChangeArrowheads="1" noChangeShapeType="1" noTextEdit="1"/>
+          </p:cNvSpPr>
+          <p:nvPr>
+            <p:extLst>
+              <p:ext uri="{386F3935-93C4-4BCD-93E2-E3B085C9AB24}">
+                <p16:designElem xmlns:p16="http://schemas.microsoft.com/office/powerpoint/2015/main" val="1"/>
+              </p:ext>
+            </p:extLst>
+          </p:nvPr>
+        </p:nvSpPr>
+        <p:spPr>
+          <a:xfrm flipH="1">
+            <a:off x="0" y="2936831"/>
+            <a:ext cx="159741" cy="552996"/>
+          </a:xfrm>
+          <a:custGeom>
+            <a:avLst/>
+            <a:gdLst>
+              <a:gd name="connsiteX0" fmla="*/ 159741 w 159741"/>
+              <a:gd name="connsiteY0" fmla="*/ 0 h 552996"/>
+              <a:gd name="connsiteX1" fmla="*/ 159741 w 159741"/>
+              <a:gd name="connsiteY1" fmla="*/ 552996 h 552996"/>
+              <a:gd name="connsiteX2" fmla="*/ 141849 w 159741"/>
+              <a:gd name="connsiteY2" fmla="*/ 543285 h 552996"/>
+              <a:gd name="connsiteX3" fmla="*/ 0 w 159741"/>
+              <a:gd name="connsiteY3" fmla="*/ 276498 h 552996"/>
+              <a:gd name="connsiteX4" fmla="*/ 141849 w 159741"/>
+              <a:gd name="connsiteY4" fmla="*/ 9711 h 552996"/>
+            </a:gdLst>
+            <a:ahLst/>
+            <a:cxnLst>
+              <a:cxn ang="0">
+                <a:pos x="connsiteX0" y="connsiteY0"/>
+              </a:cxn>
+              <a:cxn ang="0">
+                <a:pos x="connsiteX1" y="connsiteY1"/>
+              </a:cxn>
+              <a:cxn ang="0">
+                <a:pos x="connsiteX2" y="connsiteY2"/>
+              </a:cxn>
+              <a:cxn ang="0">
+                <a:pos x="connsiteX3" y="connsiteY3"/>
+              </a:cxn>
+              <a:cxn ang="0">
+                <a:pos x="connsiteX4" y="connsiteY4"/>
+              </a:cxn>
+            </a:cxnLst>
+            <a:rect l="l" t="t" r="r" b="b"/>
+            <a:pathLst>
+              <a:path w="159741" h="552996">
+                <a:moveTo>
+                  <a:pt x="159741" y="0"/>
+                </a:moveTo>
+                <a:lnTo>
+                  <a:pt x="159741" y="552996"/>
+                </a:lnTo>
+                <a:lnTo>
+                  <a:pt x="141849" y="543285"/>
+                </a:lnTo>
+                <a:cubicBezTo>
+                  <a:pt x="56268" y="485467"/>
+                  <a:pt x="0" y="387554"/>
+                  <a:pt x="0" y="276498"/>
+                </a:cubicBezTo>
+                <a:cubicBezTo>
+                  <a:pt x="0" y="165443"/>
+                  <a:pt x="56268" y="67529"/>
+                  <a:pt x="141849" y="9711"/>
+                </a:cubicBezTo>
+                <a:close/>
+              </a:path>
+            </a:pathLst>
+          </a:custGeom>
+          <a:solidFill>
+            <a:schemeClr val="accent4"/>
+          </a:solidFill>
+          <a:ln w="127000">
+            <a:noFill/>
+          </a:ln>
+        </p:spPr>
+        <p:style>
+          <a:lnRef idx="2">
+            <a:schemeClr val="accent1">
+              <a:shade val="50000"/>
+            </a:schemeClr>
+          </a:lnRef>
+          <a:fillRef idx="1">
+            <a:schemeClr val="accent1"/>
+          </a:fillRef>
+          <a:effectRef idx="0">
+            <a:schemeClr val="accent1"/>
+          </a:effectRef>
+          <a:fontRef idx="minor">
+            <a:schemeClr val="lt1"/>
+          </a:fontRef>
+        </p:style>
+        <p:txBody>
+          <a:bodyPr wrap="square" rtlCol="0" anchor="ctr">
+            <a:noAutofit/>
+          </a:bodyPr>
+          <a:lstStyle/>
+          <a:p>
+            <a:pPr algn="ctr"/>
+            <a:endParaRPr lang="en-US"/>
+          </a:p>
+        </p:txBody>
+      </p:sp>
+      <p:sp>
+        <p:nvSpPr>
+          <p:cNvPr id="3" name="Zástupný obsah 2">
+            <a:extLst>
+              <a:ext uri="{FF2B5EF4-FFF2-40B4-BE49-F238E27FC236}">
+                <a16:creationId xmlns:a16="http://schemas.microsoft.com/office/drawing/2014/main" id="{D93D2414-9DA6-DDFF-4758-A5828B93BC82}"/>
+              </a:ext>
+            </a:extLst>
+          </p:cNvPr>
+          <p:cNvSpPr>
+            <a:spLocks noGrp="1"/>
+          </p:cNvSpPr>
+          <p:nvPr>
+            <p:ph idx="1"/>
+          </p:nvPr>
+        </p:nvSpPr>
+        <p:spPr>
+          <a:xfrm>
+            <a:off x="6096000" y="820880"/>
+            <a:ext cx="5257799" cy="4889350"/>
+          </a:xfrm>
+        </p:spPr>
+        <p:txBody>
+          <a:bodyPr vert="horz" lIns="91440" tIns="45720" rIns="91440" bIns="45720" rtlCol="0" anchor="t">
+            <a:normAutofit/>
+          </a:bodyPr>
+          <a:lstStyle/>
+          <a:p>
+            <a:r>
+              <a:rPr lang="cs-CZ" dirty="0">
+                <a:cs typeface="Calibri"/>
+              </a:rPr>
+              <a:t>Vylepšení EXT2</a:t>
+            </a:r>
+          </a:p>
+          <a:p>
+            <a:r>
+              <a:rPr lang="cs-CZ" dirty="0" err="1">
+                <a:cs typeface="Calibri"/>
+              </a:rPr>
+              <a:t>Žurnálovací</a:t>
+            </a:r>
+            <a:r>
+              <a:rPr lang="cs-CZ" dirty="0">
+                <a:cs typeface="Calibri"/>
+              </a:rPr>
+              <a:t> systém - nejdříve zapíše obsah </a:t>
+            </a:r>
+            <a:r>
+              <a:rPr lang="cs-CZ" dirty="0" err="1">
+                <a:cs typeface="Calibri"/>
+              </a:rPr>
+              <a:t>inody</a:t>
+            </a:r>
+            <a:r>
+              <a:rPr lang="cs-CZ" dirty="0">
+                <a:cs typeface="Calibri"/>
+              </a:rPr>
+              <a:t> do žurnálu, potom až zapíše soubor, žurnál je potom smazán</a:t>
+            </a:r>
+          </a:p>
+          <a:p>
+            <a:r>
+              <a:rPr lang="cs-CZ" dirty="0">
+                <a:cs typeface="Calibri"/>
+              </a:rPr>
+              <a:t>Max velikost disku je 32TB</a:t>
+            </a:r>
+          </a:p>
+          <a:p>
+            <a:r>
+              <a:rPr lang="cs-CZ" dirty="0">
+                <a:cs typeface="Calibri"/>
+              </a:rPr>
+              <a:t>Zpětně kompatibilní s EXT 2</a:t>
+            </a:r>
+          </a:p>
+          <a:p>
+            <a:endParaRPr lang="cs-CZ" dirty="0">
+              <a:cs typeface="Calibri"/>
+            </a:endParaRPr>
+          </a:p>
+        </p:txBody>
+      </p:sp>
+      <p:sp>
+        <p:nvSpPr>
+          <p:cNvPr id="18" name="Freeform: Shape 17">
+            <a:extLst>
+              <a:ext uri="{FF2B5EF4-FFF2-40B4-BE49-F238E27FC236}">
+                <a16:creationId xmlns:a16="http://schemas.microsoft.com/office/drawing/2014/main" id="{7B786209-1B0B-4CA9-9BDD-F7327066A84D}"/>
+              </a:ext>
+              <a:ext uri="{C183D7F6-B498-43B3-948B-1728B52AA6E4}">
+                <adec:decorative xmlns:adec="http://schemas.microsoft.com/office/drawing/2017/decorative" val="1"/>
+              </a:ext>
+            </a:extLst>
+          </p:cNvPr>
+          <p:cNvSpPr>
+            <a:spLocks noGrp="1" noRot="1" noChangeAspect="1" noMove="1" noResize="1" noEditPoints="1" noAdjustHandles="1" noChangeArrowheads="1" noChangeShapeType="1" noTextEdit="1"/>
+          </p:cNvSpPr>
+          <p:nvPr>
+            <p:extLst>
+              <p:ext uri="{386F3935-93C4-4BCD-93E2-E3B085C9AB24}">
+                <p16:designElem xmlns:p16="http://schemas.microsoft.com/office/powerpoint/2015/main" val="1"/>
+              </p:ext>
+            </p:extLst>
+          </p:nvPr>
+        </p:nvSpPr>
+        <p:spPr>
+          <a:xfrm flipH="1">
+            <a:off x="0" y="5835649"/>
+            <a:ext cx="1548180" cy="1022351"/>
+          </a:xfrm>
+          <a:custGeom>
+            <a:avLst/>
+            <a:gdLst>
+              <a:gd name="connsiteX0" fmla="*/ 61913 w 1548180"/>
+              <a:gd name="connsiteY0" fmla="*/ 0 h 1022351"/>
+              <a:gd name="connsiteX1" fmla="*/ 1548180 w 1548180"/>
+              <a:gd name="connsiteY1" fmla="*/ 0 h 1022351"/>
+              <a:gd name="connsiteX2" fmla="*/ 1548180 w 1548180"/>
+              <a:gd name="connsiteY2" fmla="*/ 123825 h 1022351"/>
+              <a:gd name="connsiteX3" fmla="*/ 123825 w 1548180"/>
+              <a:gd name="connsiteY3" fmla="*/ 123825 h 1022351"/>
+              <a:gd name="connsiteX4" fmla="*/ 123825 w 1548180"/>
+              <a:gd name="connsiteY4" fmla="*/ 1022351 h 1022351"/>
+              <a:gd name="connsiteX5" fmla="*/ 0 w 1548180"/>
+              <a:gd name="connsiteY5" fmla="*/ 1022351 h 1022351"/>
+              <a:gd name="connsiteX6" fmla="*/ 0 w 1548180"/>
+              <a:gd name="connsiteY6" fmla="*/ 61913 h 1022351"/>
+              <a:gd name="connsiteX7" fmla="*/ 61913 w 1548180"/>
+              <a:gd name="connsiteY7" fmla="*/ 0 h 1022351"/>
+            </a:gdLst>
+            <a:ahLst/>
+            <a:cxnLst>
+              <a:cxn ang="0">
+                <a:pos x="connsiteX0" y="connsiteY0"/>
+              </a:cxn>
+              <a:cxn ang="0">
+                <a:pos x="connsiteX1" y="connsiteY1"/>
+              </a:cxn>
+              <a:cxn ang="0">
+                <a:pos x="connsiteX2" y="connsiteY2"/>
+              </a:cxn>
+              <a:cxn ang="0">
+                <a:pos x="connsiteX3" y="connsiteY3"/>
+              </a:cxn>
+              <a:cxn ang="0">
+                <a:pos x="connsiteX4" y="connsiteY4"/>
+              </a:cxn>
+              <a:cxn ang="0">
+                <a:pos x="connsiteX5" y="connsiteY5"/>
+              </a:cxn>
+              <a:cxn ang="0">
+                <a:pos x="connsiteX6" y="connsiteY6"/>
+              </a:cxn>
+              <a:cxn ang="0">
+                <a:pos x="connsiteX7" y="connsiteY7"/>
+              </a:cxn>
+            </a:cxnLst>
+            <a:rect l="l" t="t" r="r" b="b"/>
+            <a:pathLst>
+              <a:path w="1548180" h="1022351">
+                <a:moveTo>
+                  <a:pt x="61913" y="0"/>
+                </a:moveTo>
+                <a:lnTo>
+                  <a:pt x="1548180" y="0"/>
+                </a:lnTo>
+                <a:lnTo>
+                  <a:pt x="1548180" y="123825"/>
+                </a:lnTo>
+                <a:lnTo>
+                  <a:pt x="123825" y="123825"/>
+                </a:lnTo>
+                <a:lnTo>
+                  <a:pt x="123825" y="1022351"/>
+                </a:lnTo>
+                <a:lnTo>
+                  <a:pt x="0" y="1022351"/>
+                </a:lnTo>
+                <a:lnTo>
+                  <a:pt x="0" y="61913"/>
+                </a:lnTo>
+                <a:cubicBezTo>
+                  <a:pt x="0" y="27719"/>
+                  <a:pt x="27719" y="0"/>
+                  <a:pt x="61913" y="0"/>
+                </a:cubicBezTo>
+                <a:close/>
+              </a:path>
+            </a:pathLst>
+          </a:custGeom>
+          <a:solidFill>
+            <a:schemeClr val="accent6"/>
+          </a:solidFill>
+          <a:ln w="9525" cap="flat">
+            <a:noFill/>
+            <a:prstDash val="solid"/>
+            <a:miter/>
+          </a:ln>
+        </p:spPr>
+        <p:txBody>
+          <a:bodyPr rtlCol="0" anchor="ctr"/>
+          <a:lstStyle/>
+          <a:p>
+            <a:endParaRPr lang="en-US"/>
+          </a:p>
+        </p:txBody>
+      </p:sp>
+      <p:sp>
+        <p:nvSpPr>
+          <p:cNvPr id="20" name="Freeform: Shape 19">
+            <a:extLst>
+              <a:ext uri="{FF2B5EF4-FFF2-40B4-BE49-F238E27FC236}">
+                <a16:creationId xmlns:a16="http://schemas.microsoft.com/office/drawing/2014/main" id="{2D2964BB-484D-45AE-AD66-D407D0629652}"/>
+              </a:ext>
+              <a:ext uri="{C183D7F6-B498-43B3-948B-1728B52AA6E4}">
+                <adec:decorative xmlns:adec="http://schemas.microsoft.com/office/drawing/2017/decorative" val="1"/>
+              </a:ext>
+            </a:extLst>
+          </p:cNvPr>
+          <p:cNvSpPr>
+            <a:spLocks noGrp="1" noRot="1" noChangeAspect="1" noMove="1" noResize="1" noEditPoints="1" noAdjustHandles="1" noChangeArrowheads="1" noChangeShapeType="1" noTextEdit="1"/>
+          </p:cNvSpPr>
+          <p:nvPr>
+            <p:extLst>
+              <p:ext uri="{386F3935-93C4-4BCD-93E2-E3B085C9AB24}">
+                <p16:designElem xmlns:p16="http://schemas.microsoft.com/office/powerpoint/2015/main" val="1"/>
+              </p:ext>
+            </p:extLst>
+          </p:nvPr>
+        </p:nvSpPr>
+        <p:spPr>
+          <a:xfrm flipH="1">
+            <a:off x="3405056" y="5717905"/>
+            <a:ext cx="1771609" cy="1140095"/>
+          </a:xfrm>
+          <a:custGeom>
+            <a:avLst/>
+            <a:gdLst>
+              <a:gd name="connsiteX0" fmla="*/ 1561721 w 1771609"/>
+              <a:gd name="connsiteY0" fmla="*/ 763041 h 1140095"/>
+              <a:gd name="connsiteX1" fmla="*/ 1623024 w 1771609"/>
+              <a:gd name="connsiteY1" fmla="*/ 792810 h 1140095"/>
+              <a:gd name="connsiteX2" fmla="*/ 1711735 w 1771609"/>
+              <a:gd name="connsiteY2" fmla="*/ 970132 h 1140095"/>
+              <a:gd name="connsiteX3" fmla="*/ 1771609 w 1771609"/>
+              <a:gd name="connsiteY3" fmla="*/ 1140095 h 1140095"/>
+              <a:gd name="connsiteX4" fmla="*/ 1637225 w 1771609"/>
+              <a:gd name="connsiteY4" fmla="*/ 1140095 h 1140095"/>
+              <a:gd name="connsiteX5" fmla="*/ 1594820 w 1771609"/>
+              <a:gd name="connsiteY5" fmla="*/ 1019711 h 1140095"/>
+              <a:gd name="connsiteX6" fmla="*/ 1513200 w 1771609"/>
+              <a:gd name="connsiteY6" fmla="*/ 856627 h 1140095"/>
+              <a:gd name="connsiteX7" fmla="*/ 1538499 w 1771609"/>
+              <a:gd name="connsiteY7" fmla="*/ 770415 h 1140095"/>
+              <a:gd name="connsiteX8" fmla="*/ 1561721 w 1771609"/>
+              <a:gd name="connsiteY8" fmla="*/ 763041 h 1140095"/>
+              <a:gd name="connsiteX9" fmla="*/ 933455 w 1771609"/>
+              <a:gd name="connsiteY9" fmla="*/ 161309 h 1140095"/>
+              <a:gd name="connsiteX10" fmla="*/ 957797 w 1771609"/>
+              <a:gd name="connsiteY10" fmla="*/ 167970 h 1140095"/>
+              <a:gd name="connsiteX11" fmla="*/ 1286982 w 1771609"/>
+              <a:gd name="connsiteY11" fmla="*/ 387616 h 1140095"/>
+              <a:gd name="connsiteX12" fmla="*/ 1293725 w 1771609"/>
+              <a:gd name="connsiteY12" fmla="*/ 477075 h 1140095"/>
+              <a:gd name="connsiteX13" fmla="*/ 1245453 w 1771609"/>
+              <a:gd name="connsiteY13" fmla="*/ 499154 h 1140095"/>
+              <a:gd name="connsiteX14" fmla="*/ 1245167 w 1771609"/>
+              <a:gd name="connsiteY14" fmla="*/ 499154 h 1140095"/>
+              <a:gd name="connsiteX15" fmla="*/ 1203638 w 1771609"/>
+              <a:gd name="connsiteY15" fmla="*/ 484104 h 1140095"/>
+              <a:gd name="connsiteX16" fmla="*/ 900647 w 1771609"/>
+              <a:gd name="connsiteY16" fmla="*/ 281508 h 1140095"/>
+              <a:gd name="connsiteX17" fmla="*/ 872454 w 1771609"/>
+              <a:gd name="connsiteY17" fmla="*/ 196164 h 1140095"/>
+              <a:gd name="connsiteX18" fmla="*/ 933455 w 1771609"/>
+              <a:gd name="connsiteY18" fmla="*/ 161309 h 1140095"/>
+              <a:gd name="connsiteX19" fmla="*/ 256260 w 1771609"/>
+              <a:gd name="connsiteY19" fmla="*/ 29 h 1140095"/>
+              <a:gd name="connsiteX20" fmla="*/ 454020 w 1771609"/>
+              <a:gd name="connsiteY20" fmla="*/ 13474 h 1140095"/>
+              <a:gd name="connsiteX21" fmla="*/ 509236 w 1771609"/>
+              <a:gd name="connsiteY21" fmla="*/ 84182 h 1140095"/>
+              <a:gd name="connsiteX22" fmla="*/ 445829 w 1771609"/>
+              <a:gd name="connsiteY22" fmla="*/ 139871 h 1140095"/>
+              <a:gd name="connsiteX23" fmla="*/ 437447 w 1771609"/>
+              <a:gd name="connsiteY23" fmla="*/ 139395 h 1140095"/>
+              <a:gd name="connsiteX24" fmla="*/ 73211 w 1771609"/>
+              <a:gd name="connsiteY24" fmla="*/ 137204 h 1140095"/>
+              <a:gd name="connsiteX25" fmla="*/ 749 w 1771609"/>
+              <a:gd name="connsiteY25" fmla="*/ 84082 h 1140095"/>
+              <a:gd name="connsiteX26" fmla="*/ 53871 w 1771609"/>
+              <a:gd name="connsiteY26" fmla="*/ 11621 h 1140095"/>
+              <a:gd name="connsiteX27" fmla="*/ 58352 w 1771609"/>
+              <a:gd name="connsiteY27" fmla="*/ 11093 h 1140095"/>
+              <a:gd name="connsiteX28" fmla="*/ 256260 w 1771609"/>
+              <a:gd name="connsiteY28" fmla="*/ 29 h 1140095"/>
+            </a:gdLst>
+            <a:ahLst/>
+            <a:cxnLst>
+              <a:cxn ang="0">
+                <a:pos x="connsiteX0" y="connsiteY0"/>
+              </a:cxn>
+              <a:cxn ang="0">
+                <a:pos x="connsiteX1" y="connsiteY1"/>
+              </a:cxn>
+              <a:cxn ang="0">
+                <a:pos x="connsiteX2" y="connsiteY2"/>
+              </a:cxn>
+              <a:cxn ang="0">
+                <a:pos x="connsiteX3" y="connsiteY3"/>
+              </a:cxn>
+              <a:cxn ang="0">
+                <a:pos x="connsiteX4" y="connsiteY4"/>
+              </a:cxn>
+              <a:cxn ang="0">
+                <a:pos x="connsiteX5" y="connsiteY5"/>
+              </a:cxn>
+              <a:cxn ang="0">
+                <a:pos x="connsiteX6" y="connsiteY6"/>
+              </a:cxn>
+              <a:cxn ang="0">
+                <a:pos x="connsiteX7" y="connsiteY7"/>
+              </a:cxn>
+              <a:cxn ang="0">
+                <a:pos x="connsiteX8" y="connsiteY8"/>
+              </a:cxn>
+              <a:cxn ang="0">
+                <a:pos x="connsiteX9" y="connsiteY9"/>
+              </a:cxn>
+              <a:cxn ang="0">
+                <a:pos x="connsiteX10" y="connsiteY10"/>
+              </a:cxn>
+              <a:cxn ang="0">
+                <a:pos x="connsiteX11" y="connsiteY11"/>
+              </a:cxn>
+              <a:cxn ang="0">
+                <a:pos x="connsiteX12" y="connsiteY12"/>
+              </a:cxn>
+              <a:cxn ang="0">
+                <a:pos x="connsiteX13" y="connsiteY13"/>
+              </a:cxn>
+              <a:cxn ang="0">
+                <a:pos x="connsiteX14" y="connsiteY14"/>
+              </a:cxn>
+              <a:cxn ang="0">
+                <a:pos x="connsiteX15" y="connsiteY15"/>
+              </a:cxn>
+              <a:cxn ang="0">
+                <a:pos x="connsiteX16" y="connsiteY16"/>
+              </a:cxn>
+              <a:cxn ang="0">
+                <a:pos x="connsiteX17" y="connsiteY17"/>
+              </a:cxn>
+              <a:cxn ang="0">
+                <a:pos x="connsiteX18" y="connsiteY18"/>
+              </a:cxn>
+              <a:cxn ang="0">
+                <a:pos x="connsiteX19" y="connsiteY19"/>
+              </a:cxn>
+              <a:cxn ang="0">
+                <a:pos x="connsiteX20" y="connsiteY20"/>
+              </a:cxn>
+              <a:cxn ang="0">
+                <a:pos x="connsiteX21" y="connsiteY21"/>
+              </a:cxn>
+              <a:cxn ang="0">
+                <a:pos x="connsiteX22" y="connsiteY22"/>
+              </a:cxn>
+              <a:cxn ang="0">
+                <a:pos x="connsiteX23" y="connsiteY23"/>
+              </a:cxn>
+              <a:cxn ang="0">
+                <a:pos x="connsiteX24" y="connsiteY24"/>
+              </a:cxn>
+              <a:cxn ang="0">
+                <a:pos x="connsiteX25" y="connsiteY25"/>
+              </a:cxn>
+              <a:cxn ang="0">
+                <a:pos x="connsiteX26" y="connsiteY26"/>
+              </a:cxn>
+              <a:cxn ang="0">
+                <a:pos x="connsiteX27" y="connsiteY27"/>
+              </a:cxn>
+              <a:cxn ang="0">
+                <a:pos x="connsiteX28" y="connsiteY28"/>
+              </a:cxn>
+            </a:cxnLst>
+            <a:rect l="l" t="t" r="r" b="b"/>
+            <a:pathLst>
+              <a:path w="1771609" h="1140095">
+                <a:moveTo>
+                  <a:pt x="1561721" y="763041"/>
+                </a:moveTo>
+                <a:cubicBezTo>
+                  <a:pt x="1585506" y="760324"/>
+                  <a:pt x="1609722" y="771249"/>
+                  <a:pt x="1623024" y="792810"/>
+                </a:cubicBezTo>
+                <a:cubicBezTo>
+                  <a:pt x="1656300" y="850065"/>
+                  <a:pt x="1685920" y="909291"/>
+                  <a:pt x="1711735" y="970132"/>
+                </a:cubicBezTo>
+                <a:lnTo>
+                  <a:pt x="1771609" y="1140095"/>
+                </a:lnTo>
+                <a:lnTo>
+                  <a:pt x="1637225" y="1140095"/>
+                </a:lnTo>
+                <a:lnTo>
+                  <a:pt x="1594820" y="1019711"/>
+                </a:lnTo>
+                <a:cubicBezTo>
+                  <a:pt x="1571072" y="963753"/>
+                  <a:pt x="1543818" y="909282"/>
+                  <a:pt x="1513200" y="856627"/>
+                </a:cubicBezTo>
+                <a:cubicBezTo>
+                  <a:pt x="1496379" y="825834"/>
+                  <a:pt x="1507704" y="787236"/>
+                  <a:pt x="1538499" y="770415"/>
+                </a:cubicBezTo>
+                <a:cubicBezTo>
+                  <a:pt x="1545912" y="766367"/>
+                  <a:pt x="1553792" y="763946"/>
+                  <a:pt x="1561721" y="763041"/>
+                </a:cubicBezTo>
+                <a:close/>
+                <a:moveTo>
+                  <a:pt x="933455" y="161309"/>
+                </a:moveTo>
+                <a:cubicBezTo>
+                  <a:pt x="941693" y="161855"/>
+                  <a:pt x="949959" y="164025"/>
+                  <a:pt x="957797" y="167970"/>
+                </a:cubicBezTo>
+                <a:cubicBezTo>
+                  <a:pt x="1076184" y="227289"/>
+                  <a:pt x="1186759" y="301068"/>
+                  <a:pt x="1286982" y="387616"/>
+                </a:cubicBezTo>
+                <a:cubicBezTo>
+                  <a:pt x="1313547" y="410457"/>
+                  <a:pt x="1316566" y="450510"/>
+                  <a:pt x="1293725" y="477075"/>
+                </a:cubicBezTo>
+                <a:cubicBezTo>
+                  <a:pt x="1281638" y="491137"/>
+                  <a:pt x="1263998" y="499204"/>
+                  <a:pt x="1245453" y="499154"/>
+                </a:cubicBezTo>
+                <a:lnTo>
+                  <a:pt x="1245167" y="499154"/>
+                </a:lnTo>
+                <a:cubicBezTo>
+                  <a:pt x="1229965" y="499301"/>
+                  <a:pt x="1215220" y="493956"/>
+                  <a:pt x="1203638" y="484104"/>
+                </a:cubicBezTo>
+                <a:cubicBezTo>
+                  <a:pt x="1111407" y="404300"/>
+                  <a:pt x="1009633" y="336248"/>
+                  <a:pt x="900647" y="281508"/>
+                </a:cubicBezTo>
+                <a:cubicBezTo>
+                  <a:pt x="869295" y="265726"/>
+                  <a:pt x="856672" y="227516"/>
+                  <a:pt x="872454" y="196164"/>
+                </a:cubicBezTo>
+                <a:cubicBezTo>
+                  <a:pt x="884290" y="172650"/>
+                  <a:pt x="908742" y="159670"/>
+                  <a:pt x="933455" y="161309"/>
+                </a:cubicBezTo>
+                <a:close/>
+                <a:moveTo>
+                  <a:pt x="256260" y="29"/>
+                </a:moveTo>
+                <a:cubicBezTo>
+                  <a:pt x="322331" y="427"/>
+                  <a:pt x="388378" y="4909"/>
+                  <a:pt x="454020" y="13474"/>
+                </a:cubicBezTo>
+                <a:cubicBezTo>
+                  <a:pt x="488793" y="17752"/>
+                  <a:pt x="513514" y="49409"/>
+                  <a:pt x="509236" y="84182"/>
+                </a:cubicBezTo>
+                <a:cubicBezTo>
+                  <a:pt x="505303" y="116151"/>
+                  <a:pt x="478038" y="140098"/>
+                  <a:pt x="445829" y="139871"/>
+                </a:cubicBezTo>
+                <a:cubicBezTo>
+                  <a:pt x="443027" y="139899"/>
+                  <a:pt x="440227" y="139740"/>
+                  <a:pt x="437447" y="139395"/>
+                </a:cubicBezTo>
+                <a:cubicBezTo>
+                  <a:pt x="316592" y="123615"/>
+                  <a:pt x="194247" y="122878"/>
+                  <a:pt x="73211" y="137204"/>
+                </a:cubicBezTo>
+                <a:cubicBezTo>
+                  <a:pt x="38532" y="142545"/>
+                  <a:pt x="6090" y="118762"/>
+                  <a:pt x="749" y="84082"/>
+                </a:cubicBezTo>
+                <a:cubicBezTo>
+                  <a:pt x="-4591" y="49403"/>
+                  <a:pt x="19192" y="16961"/>
+                  <a:pt x="53871" y="11621"/>
+                </a:cubicBezTo>
+                <a:cubicBezTo>
+                  <a:pt x="55358" y="11392"/>
+                  <a:pt x="56852" y="11216"/>
+                  <a:pt x="58352" y="11093"/>
+                </a:cubicBezTo>
+                <a:cubicBezTo>
+                  <a:pt x="124093" y="3319"/>
+                  <a:pt x="190189" y="-369"/>
+                  <a:pt x="256260" y="29"/>
+                </a:cubicBezTo>
+                <a:close/>
+              </a:path>
+            </a:pathLst>
+          </a:custGeom>
+          <a:solidFill>
+            <a:schemeClr val="accent4"/>
+          </a:solidFill>
+          <a:ln w="9525" cap="flat">
+            <a:noFill/>
+            <a:prstDash val="solid"/>
+            <a:miter/>
+          </a:ln>
+        </p:spPr>
+        <p:txBody>
+          <a:bodyPr rtlCol="0" anchor="ctr"/>
+          <a:lstStyle/>
+          <a:p>
+            <a:endParaRPr lang="en-US"/>
+          </a:p>
+        </p:txBody>
+      </p:sp>
+      <p:sp>
+        <p:nvSpPr>
+          <p:cNvPr id="22" name="Freeform: Shape 21">
+            <a:extLst>
+              <a:ext uri="{FF2B5EF4-FFF2-40B4-BE49-F238E27FC236}">
+                <a16:creationId xmlns:a16="http://schemas.microsoft.com/office/drawing/2014/main" id="{6691AC69-A76E-4DAB-B565-468B6B87ACF3}"/>
+              </a:ext>
+              <a:ext uri="{C183D7F6-B498-43B3-948B-1728B52AA6E4}">
+                <adec:decorative xmlns:adec="http://schemas.microsoft.com/office/drawing/2017/decorative" val="1"/>
+              </a:ext>
+            </a:extLst>
+          </p:cNvPr>
+          <p:cNvSpPr>
+            <a:spLocks noGrp="1" noRot="1" noChangeAspect="1" noMove="1" noResize="1" noEditPoints="1" noAdjustHandles="1" noChangeArrowheads="1" noChangeShapeType="1" noTextEdit="1"/>
+          </p:cNvSpPr>
+          <p:nvPr>
+            <p:extLst>
+              <p:ext uri="{386F3935-93C4-4BCD-93E2-E3B085C9AB24}">
+                <p16:designElem xmlns:p16="http://schemas.microsoft.com/office/powerpoint/2015/main" val="1"/>
+              </p:ext>
+            </p:extLst>
+          </p:nvPr>
+        </p:nvSpPr>
+        <p:spPr>
+          <a:xfrm flipH="1">
+            <a:off x="4132972" y="6258755"/>
+            <a:ext cx="1565940" cy="599245"/>
+          </a:xfrm>
+          <a:custGeom>
+            <a:avLst/>
+            <a:gdLst>
+              <a:gd name="connsiteX0" fmla="*/ 782970 w 1565940"/>
+              <a:gd name="connsiteY0" fmla="*/ 0 h 599245"/>
+              <a:gd name="connsiteX1" fmla="*/ 1528042 w 1565940"/>
+              <a:gd name="connsiteY1" fmla="*/ 480469 h 599245"/>
+              <a:gd name="connsiteX2" fmla="*/ 1565940 w 1565940"/>
+              <a:gd name="connsiteY2" fmla="*/ 599245 h 599245"/>
+              <a:gd name="connsiteX3" fmla="*/ 0 w 1565940"/>
+              <a:gd name="connsiteY3" fmla="*/ 599245 h 599245"/>
+              <a:gd name="connsiteX4" fmla="*/ 37898 w 1565940"/>
+              <a:gd name="connsiteY4" fmla="*/ 480469 h 599245"/>
+              <a:gd name="connsiteX5" fmla="*/ 782970 w 1565940"/>
+              <a:gd name="connsiteY5" fmla="*/ 0 h 599245"/>
+            </a:gdLst>
+            <a:ahLst/>
+            <a:cxnLst>
+              <a:cxn ang="0">
+                <a:pos x="connsiteX0" y="connsiteY0"/>
+              </a:cxn>
+              <a:cxn ang="0">
+                <a:pos x="connsiteX1" y="connsiteY1"/>
+              </a:cxn>
+              <a:cxn ang="0">
+                <a:pos x="connsiteX2" y="connsiteY2"/>
+              </a:cxn>
+              <a:cxn ang="0">
+                <a:pos x="connsiteX3" y="connsiteY3"/>
+              </a:cxn>
+              <a:cxn ang="0">
+                <a:pos x="connsiteX4" y="connsiteY4"/>
+              </a:cxn>
+              <a:cxn ang="0">
+                <a:pos x="connsiteX5" y="connsiteY5"/>
+              </a:cxn>
+            </a:cxnLst>
+            <a:rect l="l" t="t" r="r" b="b"/>
+            <a:pathLst>
+              <a:path w="1565940" h="599245">
+                <a:moveTo>
+                  <a:pt x="782970" y="0"/>
+                </a:moveTo>
+                <a:cubicBezTo>
+                  <a:pt x="1117910" y="0"/>
+                  <a:pt x="1405287" y="198118"/>
+                  <a:pt x="1528042" y="480469"/>
+                </a:cubicBezTo>
+                <a:lnTo>
+                  <a:pt x="1565940" y="599245"/>
+                </a:lnTo>
+                <a:lnTo>
+                  <a:pt x="0" y="599245"/>
+                </a:lnTo>
+                <a:lnTo>
+                  <a:pt x="37898" y="480469"/>
+                </a:lnTo>
+                <a:cubicBezTo>
+                  <a:pt x="160653" y="198118"/>
+                  <a:pt x="448030" y="0"/>
+                  <a:pt x="782970" y="0"/>
+                </a:cubicBezTo>
+                <a:close/>
+              </a:path>
+            </a:pathLst>
+          </a:custGeom>
+          <a:solidFill>
+            <a:schemeClr val="accent2"/>
+          </a:solidFill>
+          <a:ln>
+            <a:noFill/>
+          </a:ln>
+        </p:spPr>
+        <p:style>
+          <a:lnRef idx="2">
+            <a:schemeClr val="accent1">
+              <a:shade val="50000"/>
+            </a:schemeClr>
+          </a:lnRef>
+          <a:fillRef idx="1">
+            <a:schemeClr val="accent1"/>
+          </a:fillRef>
+          <a:effectRef idx="0">
+            <a:schemeClr val="accent1"/>
+          </a:effectRef>
+          <a:fontRef idx="minor">
+            <a:schemeClr val="lt1"/>
+          </a:fontRef>
+        </p:style>
+        <p:txBody>
+          <a:bodyPr wrap="square" rtlCol="0" anchor="ctr">
+            <a:noAutofit/>
+          </a:bodyPr>
+          <a:lstStyle/>
+          <a:p>
+            <a:pPr algn="ctr"/>
+            <a:endParaRPr lang="en-US" dirty="0"/>
+          </a:p>
+        </p:txBody>
+      </p:sp>
+    </p:spTree>
+    <p:extLst>
+      <p:ext uri="{BB962C8B-B14F-4D97-AF65-F5344CB8AC3E}">
+        <p14:creationId xmlns:p14="http://schemas.microsoft.com/office/powerpoint/2010/main" val="1781476271"/>
+      </p:ext>
+    </p:extLst>
+  </p:cSld>
+  <p:clrMapOvr>
+    <a:masterClrMapping/>
+  </p:clrMapOvr>
+</p:sld>
+</file>
+
+<file path=ppt/slides/slide14.xml><?xml version="1.0" encoding="utf-8"?>
+<p:sld xmlns:a="http://schemas.openxmlformats.org/drawingml/2006/main" xmlns:r="http://schemas.openxmlformats.org/officeDocument/2006/relationships" xmlns:p="http://schemas.openxmlformats.org/presentationml/2006/main">
+  <p:cSld>
+    <p:bg>
+      <p:bgPr>
+        <a:solidFill>
+          <a:schemeClr val="bg1"/>
+        </a:solidFill>
+        <a:effectLst/>
+      </p:bgPr>
+    </p:bg>
+    <p:spTree>
+      <p:nvGrpSpPr>
+        <p:cNvPr id="1" name=""/>
+        <p:cNvGrpSpPr/>
+        <p:nvPr/>
+      </p:nvGrpSpPr>
+      <p:grpSpPr>
+        <a:xfrm>
+          <a:off x="0" y="0"/>
+          <a:ext cx="0" cy="0"/>
+          <a:chOff x="0" y="0"/>
+          <a:chExt cx="0" cy="0"/>
+        </a:xfrm>
+      </p:grpSpPr>
+      <p:sp useBgFill="1">
+        <p:nvSpPr>
+          <p:cNvPr id="28" name="Rectangle 27">
+            <a:extLst>
+              <a:ext uri="{FF2B5EF4-FFF2-40B4-BE49-F238E27FC236}">
+                <a16:creationId xmlns:a16="http://schemas.microsoft.com/office/drawing/2014/main" id="{1709F1D5-B0F1-4714-A239-E5B61C161915}"/>
+              </a:ext>
+              <a:ext uri="{C183D7F6-B498-43B3-948B-1728B52AA6E4}">
+                <adec:decorative xmlns:adec="http://schemas.microsoft.com/office/drawing/2017/decorative" val="1"/>
+              </a:ext>
+            </a:extLst>
+          </p:cNvPr>
+          <p:cNvSpPr>
+            <a:spLocks noGrp="1" noRot="1" noChangeAspect="1" noMove="1" noResize="1" noEditPoints="1" noAdjustHandles="1" noChangeArrowheads="1" noChangeShapeType="1" noTextEdit="1"/>
+          </p:cNvSpPr>
+          <p:nvPr>
+            <p:extLst>
+              <p:ext uri="{386F3935-93C4-4BCD-93E2-E3B085C9AB24}">
+                <p16:designElem xmlns:p16="http://schemas.microsoft.com/office/powerpoint/2015/main" val="1"/>
+              </p:ext>
+            </p:extLst>
+          </p:nvPr>
+        </p:nvSpPr>
+        <p:spPr>
+          <a:xfrm>
+            <a:off x="3048" y="0"/>
+            <a:ext cx="12188952" cy="6858000"/>
+          </a:xfrm>
+          <a:prstGeom prst="rect">
+            <a:avLst/>
+          </a:prstGeom>
+          <a:ln>
+            <a:noFill/>
+          </a:ln>
+        </p:spPr>
+        <p:style>
+          <a:lnRef idx="2">
+            <a:schemeClr val="accent1">
+              <a:shade val="50000"/>
+            </a:schemeClr>
+          </a:lnRef>
+          <a:fillRef idx="1">
+            <a:schemeClr val="accent1"/>
+          </a:fillRef>
+          <a:effectRef idx="0">
+            <a:schemeClr val="accent1"/>
+          </a:effectRef>
+          <a:fontRef idx="minor">
+            <a:schemeClr val="lt1"/>
+          </a:fontRef>
+        </p:style>
+        <p:txBody>
+          <a:bodyPr rtlCol="0" anchor="ctr"/>
+          <a:lstStyle/>
+          <a:p>
+            <a:pPr algn="ctr"/>
+            <a:endParaRPr lang="en-US"/>
+          </a:p>
+        </p:txBody>
+      </p:sp>
+      <p:sp>
+        <p:nvSpPr>
+          <p:cNvPr id="30" name="Rectangle: Rounded Corners 29">
+            <a:extLst>
+              <a:ext uri="{FF2B5EF4-FFF2-40B4-BE49-F238E27FC236}">
+                <a16:creationId xmlns:a16="http://schemas.microsoft.com/office/drawing/2014/main" id="{228FB460-D3FF-4440-A020-05982A09E517}"/>
+              </a:ext>
+              <a:ext uri="{C183D7F6-B498-43B3-948B-1728B52AA6E4}">
+                <adec:decorative xmlns:adec="http://schemas.microsoft.com/office/drawing/2017/decorative" val="1"/>
+              </a:ext>
+            </a:extLst>
+          </p:cNvPr>
+          <p:cNvSpPr>
+            <a:spLocks noGrp="1" noRot="1" noChangeAspect="1" noMove="1" noResize="1" noEditPoints="1" noAdjustHandles="1" noChangeArrowheads="1" noChangeShapeType="1" noTextEdit="1"/>
+          </p:cNvSpPr>
+          <p:nvPr>
+            <p:extLst>
+              <p:ext uri="{386F3935-93C4-4BCD-93E2-E3B085C9AB24}">
+                <p16:designElem xmlns:p16="http://schemas.microsoft.com/office/powerpoint/2015/main" val="1"/>
+              </p:ext>
+            </p:extLst>
+          </p:nvPr>
+        </p:nvSpPr>
+        <p:spPr>
+          <a:xfrm>
+            <a:off x="740546" y="1011045"/>
+            <a:ext cx="4369859" cy="4369859"/>
+          </a:xfrm>
+          <a:prstGeom prst="roundRect">
+            <a:avLst>
+              <a:gd name="adj" fmla="val 2757"/>
+            </a:avLst>
+          </a:prstGeom>
+          <a:solidFill>
+            <a:schemeClr val="accent2"/>
+          </a:solidFill>
+          <a:ln>
+            <a:noFill/>
+          </a:ln>
+        </p:spPr>
+        <p:style>
+          <a:lnRef idx="2">
+            <a:schemeClr val="accent1">
+              <a:shade val="50000"/>
+            </a:schemeClr>
+          </a:lnRef>
+          <a:fillRef idx="1">
+            <a:schemeClr val="accent1"/>
+          </a:fillRef>
+          <a:effectRef idx="0">
+            <a:schemeClr val="accent1"/>
+          </a:effectRef>
+          <a:fontRef idx="minor">
+            <a:schemeClr val="lt1"/>
+          </a:fontRef>
+        </p:style>
+        <p:txBody>
+          <a:bodyPr rtlCol="0" anchor="ctr"/>
+          <a:lstStyle/>
+          <a:p>
+            <a:pPr algn="ctr"/>
+            <a:endParaRPr lang="en-US"/>
+          </a:p>
+        </p:txBody>
+      </p:sp>
+      <p:sp>
+        <p:nvSpPr>
+          <p:cNvPr id="2" name="Nadpis 1">
+            <a:extLst>
+              <a:ext uri="{FF2B5EF4-FFF2-40B4-BE49-F238E27FC236}">
+                <a16:creationId xmlns:a16="http://schemas.microsoft.com/office/drawing/2014/main" id="{5A19A215-D8AF-055F-FD9A-0D145E960B75}"/>
+              </a:ext>
+            </a:extLst>
+          </p:cNvPr>
+          <p:cNvSpPr>
+            <a:spLocks noGrp="1"/>
+          </p:cNvSpPr>
+          <p:nvPr>
+            <p:ph type="title"/>
+          </p:nvPr>
+        </p:nvSpPr>
+        <p:spPr>
+          <a:xfrm>
+            <a:off x="956826" y="1112969"/>
+            <a:ext cx="3937298" cy="4166010"/>
+          </a:xfrm>
+        </p:spPr>
+        <p:txBody>
+          <a:bodyPr>
+            <a:normAutofit/>
+          </a:bodyPr>
+          <a:lstStyle/>
+          <a:p>
+            <a:r>
+              <a:rPr lang="cs-CZ">
+                <a:solidFill>
+                  <a:srgbClr val="FFFFFF"/>
+                </a:solidFill>
+                <a:cs typeface="Calibri Light"/>
+              </a:rPr>
+              <a:t>EXT4</a:t>
+            </a:r>
+            <a:endParaRPr lang="cs-CZ">
+              <a:solidFill>
+                <a:srgbClr val="FFFFFF"/>
+              </a:solidFill>
+            </a:endParaRPr>
+          </a:p>
+        </p:txBody>
+      </p:sp>
+      <p:sp>
+        <p:nvSpPr>
+          <p:cNvPr id="32" name="Freeform: Shape 31">
+            <a:extLst>
+              <a:ext uri="{FF2B5EF4-FFF2-40B4-BE49-F238E27FC236}">
+                <a16:creationId xmlns:a16="http://schemas.microsoft.com/office/drawing/2014/main" id="{14847E93-7DC1-4D4B-8829-B19AA7137C50}"/>
+              </a:ext>
+              <a:ext uri="{C183D7F6-B498-43B3-948B-1728B52AA6E4}">
+                <adec:decorative xmlns:adec="http://schemas.microsoft.com/office/drawing/2017/decorative" val="1"/>
+              </a:ext>
+            </a:extLst>
+          </p:cNvPr>
+          <p:cNvSpPr>
+            <a:spLocks noGrp="1" noRot="1" noChangeAspect="1" noMove="1" noResize="1" noEditPoints="1" noAdjustHandles="1" noChangeArrowheads="1" noChangeShapeType="1" noTextEdit="1"/>
+          </p:cNvSpPr>
+          <p:nvPr>
+            <p:extLst>
+              <p:ext uri="{386F3935-93C4-4BCD-93E2-E3B085C9AB24}">
+                <p16:designElem xmlns:p16="http://schemas.microsoft.com/office/powerpoint/2015/main" val="1"/>
+              </p:ext>
+            </p:extLst>
+          </p:nvPr>
+        </p:nvSpPr>
+        <p:spPr>
+          <a:xfrm flipH="1">
+            <a:off x="530529" y="0"/>
+            <a:ext cx="1155142" cy="591009"/>
+          </a:xfrm>
+          <a:custGeom>
+            <a:avLst/>
+            <a:gdLst>
+              <a:gd name="connsiteX0" fmla="*/ 1355 w 1155142"/>
+              <a:gd name="connsiteY0" fmla="*/ 0 h 591009"/>
+              <a:gd name="connsiteX1" fmla="*/ 1153787 w 1155142"/>
+              <a:gd name="connsiteY1" fmla="*/ 0 h 591009"/>
+              <a:gd name="connsiteX2" fmla="*/ 1155142 w 1155142"/>
+              <a:gd name="connsiteY2" fmla="*/ 13438 h 591009"/>
+              <a:gd name="connsiteX3" fmla="*/ 577571 w 1155142"/>
+              <a:gd name="connsiteY3" fmla="*/ 591009 h 591009"/>
+              <a:gd name="connsiteX4" fmla="*/ 0 w 1155142"/>
+              <a:gd name="connsiteY4" fmla="*/ 13438 h 591009"/>
+            </a:gdLst>
+            <a:ahLst/>
+            <a:cxnLst>
+              <a:cxn ang="0">
+                <a:pos x="connsiteX0" y="connsiteY0"/>
+              </a:cxn>
+              <a:cxn ang="0">
+                <a:pos x="connsiteX1" y="connsiteY1"/>
+              </a:cxn>
+              <a:cxn ang="0">
+                <a:pos x="connsiteX2" y="connsiteY2"/>
+              </a:cxn>
+              <a:cxn ang="0">
+                <a:pos x="connsiteX3" y="connsiteY3"/>
+              </a:cxn>
+              <a:cxn ang="0">
+                <a:pos x="connsiteX4" y="connsiteY4"/>
+              </a:cxn>
+            </a:cxnLst>
+            <a:rect l="l" t="t" r="r" b="b"/>
+            <a:pathLst>
+              <a:path w="1155142" h="591009">
+                <a:moveTo>
+                  <a:pt x="1355" y="0"/>
+                </a:moveTo>
+                <a:lnTo>
+                  <a:pt x="1153787" y="0"/>
+                </a:lnTo>
+                <a:lnTo>
+                  <a:pt x="1155142" y="13438"/>
+                </a:lnTo>
+                <a:cubicBezTo>
+                  <a:pt x="1155142" y="332422"/>
+                  <a:pt x="896555" y="591009"/>
+                  <a:pt x="577571" y="591009"/>
+                </a:cubicBezTo>
+                <a:cubicBezTo>
+                  <a:pt x="258587" y="591009"/>
+                  <a:pt x="0" y="332422"/>
+                  <a:pt x="0" y="13438"/>
+                </a:cubicBezTo>
+                <a:close/>
+              </a:path>
+            </a:pathLst>
+          </a:custGeom>
+          <a:solidFill>
+            <a:schemeClr val="accent5"/>
+          </a:solidFill>
+          <a:ln>
+            <a:noFill/>
+          </a:ln>
+        </p:spPr>
+        <p:style>
+          <a:lnRef idx="2">
+            <a:schemeClr val="accent1">
+              <a:shade val="50000"/>
+            </a:schemeClr>
+          </a:lnRef>
+          <a:fillRef idx="1">
+            <a:schemeClr val="accent1"/>
+          </a:fillRef>
+          <a:effectRef idx="0">
+            <a:schemeClr val="accent1"/>
+          </a:effectRef>
+          <a:fontRef idx="minor">
+            <a:schemeClr val="lt1"/>
+          </a:fontRef>
+        </p:style>
+        <p:txBody>
+          <a:bodyPr wrap="square" rtlCol="0" anchor="ctr">
+            <a:noAutofit/>
+          </a:bodyPr>
+          <a:lstStyle/>
+          <a:p>
+            <a:pPr algn="ctr"/>
+            <a:endParaRPr lang="en-US"/>
+          </a:p>
+        </p:txBody>
+      </p:sp>
+      <p:sp>
+        <p:nvSpPr>
+          <p:cNvPr id="34" name="Freeform: Shape 33">
+            <a:extLst>
+              <a:ext uri="{FF2B5EF4-FFF2-40B4-BE49-F238E27FC236}">
+                <a16:creationId xmlns:a16="http://schemas.microsoft.com/office/drawing/2014/main" id="{5566D6E1-03A1-4D73-A4E0-35D74D568A04}"/>
+              </a:ext>
+              <a:ext uri="{C183D7F6-B498-43B3-948B-1728B52AA6E4}">
+                <adec:decorative xmlns:adec="http://schemas.microsoft.com/office/drawing/2017/decorative" val="1"/>
+              </a:ext>
+            </a:extLst>
+          </p:cNvPr>
+          <p:cNvSpPr>
+            <a:spLocks noGrp="1" noRot="1" noChangeAspect="1" noMove="1" noResize="1" noEditPoints="1" noAdjustHandles="1" noChangeArrowheads="1" noChangeShapeType="1" noTextEdit="1"/>
+          </p:cNvSpPr>
+          <p:nvPr>
+            <p:extLst>
+              <p:ext uri="{386F3935-93C4-4BCD-93E2-E3B085C9AB24}">
+                <p16:designElem xmlns:p16="http://schemas.microsoft.com/office/powerpoint/2015/main" val="1"/>
+              </p:ext>
+            </p:extLst>
+          </p:nvPr>
+        </p:nvSpPr>
+        <p:spPr>
+          <a:xfrm flipH="1">
+            <a:off x="3961511" y="-1"/>
+            <a:ext cx="1737401" cy="959536"/>
+          </a:xfrm>
+          <a:custGeom>
+            <a:avLst/>
+            <a:gdLst>
+              <a:gd name="connsiteX0" fmla="*/ 0 w 1737401"/>
+              <a:gd name="connsiteY0" fmla="*/ 0 h 959536"/>
+              <a:gd name="connsiteX1" fmla="*/ 123825 w 1737401"/>
+              <a:gd name="connsiteY1" fmla="*/ 0 h 959536"/>
+              <a:gd name="connsiteX2" fmla="*/ 123825 w 1737401"/>
+              <a:gd name="connsiteY2" fmla="*/ 790277 h 959536"/>
+              <a:gd name="connsiteX3" fmla="*/ 1490095 w 1737401"/>
+              <a:gd name="connsiteY3" fmla="*/ 0 h 959536"/>
+              <a:gd name="connsiteX4" fmla="*/ 1737401 w 1737401"/>
+              <a:gd name="connsiteY4" fmla="*/ 0 h 959536"/>
+              <a:gd name="connsiteX5" fmla="*/ 92869 w 1737401"/>
+              <a:gd name="connsiteY5" fmla="*/ 951249 h 959536"/>
+              <a:gd name="connsiteX6" fmla="*/ 61913 w 1737401"/>
+              <a:gd name="connsiteY6" fmla="*/ 959536 h 959536"/>
+              <a:gd name="connsiteX7" fmla="*/ 0 w 1737401"/>
+              <a:gd name="connsiteY7" fmla="*/ 897624 h 959536"/>
+            </a:gdLst>
+            <a:ahLst/>
+            <a:cxnLst>
+              <a:cxn ang="0">
+                <a:pos x="connsiteX0" y="connsiteY0"/>
+              </a:cxn>
+              <a:cxn ang="0">
+                <a:pos x="connsiteX1" y="connsiteY1"/>
+              </a:cxn>
+              <a:cxn ang="0">
+                <a:pos x="connsiteX2" y="connsiteY2"/>
+              </a:cxn>
+              <a:cxn ang="0">
+                <a:pos x="connsiteX3" y="connsiteY3"/>
+              </a:cxn>
+              <a:cxn ang="0">
+                <a:pos x="connsiteX4" y="connsiteY4"/>
+              </a:cxn>
+              <a:cxn ang="0">
+                <a:pos x="connsiteX5" y="connsiteY5"/>
+              </a:cxn>
+              <a:cxn ang="0">
+                <a:pos x="connsiteX6" y="connsiteY6"/>
+              </a:cxn>
+              <a:cxn ang="0">
+                <a:pos x="connsiteX7" y="connsiteY7"/>
+              </a:cxn>
+            </a:cxnLst>
+            <a:rect l="l" t="t" r="r" b="b"/>
+            <a:pathLst>
+              <a:path w="1737401" h="959536">
+                <a:moveTo>
+                  <a:pt x="0" y="0"/>
+                </a:moveTo>
+                <a:lnTo>
+                  <a:pt x="123825" y="0"/>
+                </a:lnTo>
+                <a:lnTo>
+                  <a:pt x="123825" y="790277"/>
+                </a:lnTo>
+                <a:lnTo>
+                  <a:pt x="1490095" y="0"/>
+                </a:lnTo>
+                <a:lnTo>
+                  <a:pt x="1737401" y="0"/>
+                </a:lnTo>
+                <a:lnTo>
+                  <a:pt x="92869" y="951249"/>
+                </a:lnTo>
+                <a:cubicBezTo>
+                  <a:pt x="83458" y="956688"/>
+                  <a:pt x="72780" y="959546"/>
+                  <a:pt x="61913" y="959536"/>
+                </a:cubicBezTo>
+                <a:cubicBezTo>
+                  <a:pt x="27719" y="959536"/>
+                  <a:pt x="0" y="931818"/>
+                  <a:pt x="0" y="897624"/>
+                </a:cubicBezTo>
+                <a:close/>
+              </a:path>
+            </a:pathLst>
+          </a:custGeom>
+          <a:solidFill>
+            <a:schemeClr val="accent6"/>
+          </a:solidFill>
+          <a:ln w="9525" cap="flat">
+            <a:noFill/>
+            <a:prstDash val="solid"/>
+            <a:miter/>
+          </a:ln>
+        </p:spPr>
+        <p:txBody>
+          <a:bodyPr rtlCol="0" anchor="ctr"/>
+          <a:lstStyle/>
+          <a:p>
+            <a:endParaRPr lang="en-US"/>
+          </a:p>
+        </p:txBody>
+      </p:sp>
+      <p:sp>
+        <p:nvSpPr>
+          <p:cNvPr id="36" name="Freeform: Shape 35">
+            <a:extLst>
+              <a:ext uri="{FF2B5EF4-FFF2-40B4-BE49-F238E27FC236}">
+                <a16:creationId xmlns:a16="http://schemas.microsoft.com/office/drawing/2014/main" id="{9F835A99-04AC-494A-A572-AFE8413CC938}"/>
+              </a:ext>
+              <a:ext uri="{C183D7F6-B498-43B3-948B-1728B52AA6E4}">
+                <adec:decorative xmlns:adec="http://schemas.microsoft.com/office/drawing/2017/decorative" val="1"/>
+              </a:ext>
+            </a:extLst>
+          </p:cNvPr>
+          <p:cNvSpPr>
+            <a:spLocks noGrp="1" noRot="1" noChangeAspect="1" noMove="1" noResize="1" noEditPoints="1" noAdjustHandles="1" noChangeArrowheads="1" noChangeShapeType="1" noTextEdit="1"/>
+          </p:cNvSpPr>
+          <p:nvPr>
+            <p:extLst>
+              <p:ext uri="{386F3935-93C4-4BCD-93E2-E3B085C9AB24}">
+                <p16:designElem xmlns:p16="http://schemas.microsoft.com/office/powerpoint/2015/main" val="1"/>
+              </p:ext>
+            </p:extLst>
+          </p:nvPr>
+        </p:nvSpPr>
+        <p:spPr>
+          <a:xfrm flipH="1">
+            <a:off x="0" y="2936831"/>
+            <a:ext cx="159741" cy="552996"/>
+          </a:xfrm>
+          <a:custGeom>
+            <a:avLst/>
+            <a:gdLst>
+              <a:gd name="connsiteX0" fmla="*/ 159741 w 159741"/>
+              <a:gd name="connsiteY0" fmla="*/ 0 h 552996"/>
+              <a:gd name="connsiteX1" fmla="*/ 159741 w 159741"/>
+              <a:gd name="connsiteY1" fmla="*/ 552996 h 552996"/>
+              <a:gd name="connsiteX2" fmla="*/ 141849 w 159741"/>
+              <a:gd name="connsiteY2" fmla="*/ 543285 h 552996"/>
+              <a:gd name="connsiteX3" fmla="*/ 0 w 159741"/>
+              <a:gd name="connsiteY3" fmla="*/ 276498 h 552996"/>
+              <a:gd name="connsiteX4" fmla="*/ 141849 w 159741"/>
+              <a:gd name="connsiteY4" fmla="*/ 9711 h 552996"/>
+            </a:gdLst>
+            <a:ahLst/>
+            <a:cxnLst>
+              <a:cxn ang="0">
+                <a:pos x="connsiteX0" y="connsiteY0"/>
+              </a:cxn>
+              <a:cxn ang="0">
+                <a:pos x="connsiteX1" y="connsiteY1"/>
+              </a:cxn>
+              <a:cxn ang="0">
+                <a:pos x="connsiteX2" y="connsiteY2"/>
+              </a:cxn>
+              <a:cxn ang="0">
+                <a:pos x="connsiteX3" y="connsiteY3"/>
+              </a:cxn>
+              <a:cxn ang="0">
+                <a:pos x="connsiteX4" y="connsiteY4"/>
+              </a:cxn>
+            </a:cxnLst>
+            <a:rect l="l" t="t" r="r" b="b"/>
+            <a:pathLst>
+              <a:path w="159741" h="552996">
+                <a:moveTo>
+                  <a:pt x="159741" y="0"/>
+                </a:moveTo>
+                <a:lnTo>
+                  <a:pt x="159741" y="552996"/>
+                </a:lnTo>
+                <a:lnTo>
+                  <a:pt x="141849" y="543285"/>
+                </a:lnTo>
+                <a:cubicBezTo>
+                  <a:pt x="56268" y="485467"/>
+                  <a:pt x="0" y="387554"/>
+                  <a:pt x="0" y="276498"/>
+                </a:cubicBezTo>
+                <a:cubicBezTo>
+                  <a:pt x="0" y="165443"/>
+                  <a:pt x="56268" y="67529"/>
+                  <a:pt x="141849" y="9711"/>
+                </a:cubicBezTo>
+                <a:close/>
+              </a:path>
+            </a:pathLst>
+          </a:custGeom>
+          <a:solidFill>
+            <a:schemeClr val="accent4"/>
+          </a:solidFill>
+          <a:ln w="127000">
+            <a:noFill/>
+          </a:ln>
+        </p:spPr>
+        <p:style>
+          <a:lnRef idx="2">
+            <a:schemeClr val="accent1">
+              <a:shade val="50000"/>
+            </a:schemeClr>
+          </a:lnRef>
+          <a:fillRef idx="1">
+            <a:schemeClr val="accent1"/>
+          </a:fillRef>
+          <a:effectRef idx="0">
+            <a:schemeClr val="accent1"/>
+          </a:effectRef>
+          <a:fontRef idx="minor">
+            <a:schemeClr val="lt1"/>
+          </a:fontRef>
+        </p:style>
+        <p:txBody>
+          <a:bodyPr wrap="square" rtlCol="0" anchor="ctr">
+            <a:noAutofit/>
+          </a:bodyPr>
+          <a:lstStyle/>
+          <a:p>
+            <a:pPr algn="ctr"/>
+            <a:endParaRPr lang="en-US"/>
+          </a:p>
+        </p:txBody>
+      </p:sp>
+      <p:sp>
+        <p:nvSpPr>
+          <p:cNvPr id="3" name="Zástupný obsah 2">
+            <a:extLst>
+              <a:ext uri="{FF2B5EF4-FFF2-40B4-BE49-F238E27FC236}">
+                <a16:creationId xmlns:a16="http://schemas.microsoft.com/office/drawing/2014/main" id="{65AF6073-E52F-4592-3607-ACD6FBE0B6D2}"/>
+              </a:ext>
+            </a:extLst>
+          </p:cNvPr>
+          <p:cNvSpPr>
+            <a:spLocks noGrp="1"/>
+          </p:cNvSpPr>
+          <p:nvPr>
+            <p:ph idx="1"/>
+          </p:nvPr>
+        </p:nvSpPr>
+        <p:spPr>
+          <a:xfrm>
+            <a:off x="6096000" y="820880"/>
+            <a:ext cx="5257799" cy="4889350"/>
+          </a:xfrm>
+        </p:spPr>
+        <p:txBody>
+          <a:bodyPr vert="horz" lIns="91440" tIns="45720" rIns="91440" bIns="45720" rtlCol="0" anchor="t">
+            <a:normAutofit/>
+          </a:bodyPr>
+          <a:lstStyle/>
+          <a:p>
+            <a:r>
+              <a:rPr lang="cs-CZ" dirty="0">
+                <a:cs typeface="Calibri"/>
+              </a:rPr>
+              <a:t>Vylepšení EXT3</a:t>
+            </a:r>
+          </a:p>
+          <a:p>
+            <a:r>
+              <a:rPr lang="cs-CZ" dirty="0" err="1">
+                <a:cs typeface="Calibri"/>
+              </a:rPr>
+              <a:t>Extenty</a:t>
+            </a:r>
+            <a:r>
+              <a:rPr lang="cs-CZ" dirty="0">
+                <a:cs typeface="Calibri"/>
+              </a:rPr>
+              <a:t> – </a:t>
+            </a:r>
+            <a:r>
+              <a:rPr lang="cs-CZ" dirty="0" err="1">
+                <a:cs typeface="Calibri"/>
+              </a:rPr>
+              <a:t>inody</a:t>
+            </a:r>
+            <a:r>
+              <a:rPr lang="cs-CZ" dirty="0">
+                <a:cs typeface="Calibri"/>
+              </a:rPr>
+              <a:t> nezapisují každý blok ve kterým je soubor, ale jenom ten 1., ty ostatní jsou za ním</a:t>
+            </a:r>
+          </a:p>
+          <a:p>
+            <a:r>
+              <a:rPr lang="cs-CZ" dirty="0" err="1">
+                <a:cs typeface="Calibri"/>
+              </a:rPr>
+              <a:t>Prealokace</a:t>
+            </a:r>
+            <a:r>
+              <a:rPr lang="cs-CZ" dirty="0">
+                <a:cs typeface="Calibri"/>
+              </a:rPr>
+              <a:t> bloků - rezervuje bloky u souboru který bude růst</a:t>
+            </a:r>
+          </a:p>
+          <a:p>
+            <a:r>
+              <a:rPr lang="cs-CZ" dirty="0">
+                <a:ea typeface="+mn-lt"/>
+                <a:cs typeface="+mn-lt"/>
+              </a:rPr>
+              <a:t>Max velikost disku je 1EB</a:t>
+            </a:r>
+            <a:endParaRPr lang="cs-CZ" dirty="0">
+              <a:cs typeface="Calibri"/>
+            </a:endParaRPr>
+          </a:p>
+          <a:p>
+            <a:r>
+              <a:rPr lang="cs-CZ" dirty="0">
+                <a:cs typeface="Calibri"/>
+              </a:rPr>
+              <a:t>Zpětně kompatibilní s EXT2 a EXT3</a:t>
+            </a:r>
+          </a:p>
+          <a:p>
+            <a:endParaRPr lang="cs-CZ" dirty="0">
+              <a:cs typeface="Calibri"/>
+            </a:endParaRPr>
+          </a:p>
+        </p:txBody>
+      </p:sp>
+      <p:sp>
+        <p:nvSpPr>
+          <p:cNvPr id="38" name="Freeform: Shape 37">
+            <a:extLst>
+              <a:ext uri="{FF2B5EF4-FFF2-40B4-BE49-F238E27FC236}">
+                <a16:creationId xmlns:a16="http://schemas.microsoft.com/office/drawing/2014/main" id="{7B786209-1B0B-4CA9-9BDD-F7327066A84D}"/>
+              </a:ext>
+              <a:ext uri="{C183D7F6-B498-43B3-948B-1728B52AA6E4}">
+                <adec:decorative xmlns:adec="http://schemas.microsoft.com/office/drawing/2017/decorative" val="1"/>
+              </a:ext>
+            </a:extLst>
+          </p:cNvPr>
+          <p:cNvSpPr>
+            <a:spLocks noGrp="1" noRot="1" noChangeAspect="1" noMove="1" noResize="1" noEditPoints="1" noAdjustHandles="1" noChangeArrowheads="1" noChangeShapeType="1" noTextEdit="1"/>
+          </p:cNvSpPr>
+          <p:nvPr>
+            <p:extLst>
+              <p:ext uri="{386F3935-93C4-4BCD-93E2-E3B085C9AB24}">
+                <p16:designElem xmlns:p16="http://schemas.microsoft.com/office/powerpoint/2015/main" val="1"/>
+              </p:ext>
+            </p:extLst>
+          </p:nvPr>
+        </p:nvSpPr>
+        <p:spPr>
+          <a:xfrm flipH="1">
+            <a:off x="0" y="5835649"/>
+            <a:ext cx="1548180" cy="1022351"/>
+          </a:xfrm>
+          <a:custGeom>
+            <a:avLst/>
+            <a:gdLst>
+              <a:gd name="connsiteX0" fmla="*/ 61913 w 1548180"/>
+              <a:gd name="connsiteY0" fmla="*/ 0 h 1022351"/>
+              <a:gd name="connsiteX1" fmla="*/ 1548180 w 1548180"/>
+              <a:gd name="connsiteY1" fmla="*/ 0 h 1022351"/>
+              <a:gd name="connsiteX2" fmla="*/ 1548180 w 1548180"/>
+              <a:gd name="connsiteY2" fmla="*/ 123825 h 1022351"/>
+              <a:gd name="connsiteX3" fmla="*/ 123825 w 1548180"/>
+              <a:gd name="connsiteY3" fmla="*/ 123825 h 1022351"/>
+              <a:gd name="connsiteX4" fmla="*/ 123825 w 1548180"/>
+              <a:gd name="connsiteY4" fmla="*/ 1022351 h 1022351"/>
+              <a:gd name="connsiteX5" fmla="*/ 0 w 1548180"/>
+              <a:gd name="connsiteY5" fmla="*/ 1022351 h 1022351"/>
+              <a:gd name="connsiteX6" fmla="*/ 0 w 1548180"/>
+              <a:gd name="connsiteY6" fmla="*/ 61913 h 1022351"/>
+              <a:gd name="connsiteX7" fmla="*/ 61913 w 1548180"/>
+              <a:gd name="connsiteY7" fmla="*/ 0 h 1022351"/>
+            </a:gdLst>
+            <a:ahLst/>
+            <a:cxnLst>
+              <a:cxn ang="0">
+                <a:pos x="connsiteX0" y="connsiteY0"/>
+              </a:cxn>
+              <a:cxn ang="0">
+                <a:pos x="connsiteX1" y="connsiteY1"/>
+              </a:cxn>
+              <a:cxn ang="0">
+                <a:pos x="connsiteX2" y="connsiteY2"/>
+              </a:cxn>
+              <a:cxn ang="0">
+                <a:pos x="connsiteX3" y="connsiteY3"/>
+              </a:cxn>
+              <a:cxn ang="0">
+                <a:pos x="connsiteX4" y="connsiteY4"/>
+              </a:cxn>
+              <a:cxn ang="0">
+                <a:pos x="connsiteX5" y="connsiteY5"/>
+              </a:cxn>
+              <a:cxn ang="0">
+                <a:pos x="connsiteX6" y="connsiteY6"/>
+              </a:cxn>
+              <a:cxn ang="0">
+                <a:pos x="connsiteX7" y="connsiteY7"/>
+              </a:cxn>
+            </a:cxnLst>
+            <a:rect l="l" t="t" r="r" b="b"/>
+            <a:pathLst>
+              <a:path w="1548180" h="1022351">
+                <a:moveTo>
+                  <a:pt x="61913" y="0"/>
+                </a:moveTo>
+                <a:lnTo>
+                  <a:pt x="1548180" y="0"/>
+                </a:lnTo>
+                <a:lnTo>
+                  <a:pt x="1548180" y="123825"/>
+                </a:lnTo>
+                <a:lnTo>
+                  <a:pt x="123825" y="123825"/>
+                </a:lnTo>
+                <a:lnTo>
+                  <a:pt x="123825" y="1022351"/>
+                </a:lnTo>
+                <a:lnTo>
+                  <a:pt x="0" y="1022351"/>
+                </a:lnTo>
+                <a:lnTo>
+                  <a:pt x="0" y="61913"/>
+                </a:lnTo>
+                <a:cubicBezTo>
+                  <a:pt x="0" y="27719"/>
+                  <a:pt x="27719" y="0"/>
+                  <a:pt x="61913" y="0"/>
+                </a:cubicBezTo>
+                <a:close/>
+              </a:path>
+            </a:pathLst>
+          </a:custGeom>
+          <a:solidFill>
+            <a:schemeClr val="accent6"/>
+          </a:solidFill>
+          <a:ln w="9525" cap="flat">
+            <a:noFill/>
+            <a:prstDash val="solid"/>
+            <a:miter/>
+          </a:ln>
+        </p:spPr>
+        <p:txBody>
+          <a:bodyPr rtlCol="0" anchor="ctr"/>
+          <a:lstStyle/>
+          <a:p>
+            <a:endParaRPr lang="en-US"/>
+          </a:p>
+        </p:txBody>
+      </p:sp>
+      <p:sp>
+        <p:nvSpPr>
+          <p:cNvPr id="40" name="Freeform: Shape 39">
+            <a:extLst>
+              <a:ext uri="{FF2B5EF4-FFF2-40B4-BE49-F238E27FC236}">
+                <a16:creationId xmlns:a16="http://schemas.microsoft.com/office/drawing/2014/main" id="{2D2964BB-484D-45AE-AD66-D407D0629652}"/>
+              </a:ext>
+              <a:ext uri="{C183D7F6-B498-43B3-948B-1728B52AA6E4}">
+                <adec:decorative xmlns:adec="http://schemas.microsoft.com/office/drawing/2017/decorative" val="1"/>
+              </a:ext>
+            </a:extLst>
+          </p:cNvPr>
+          <p:cNvSpPr>
+            <a:spLocks noGrp="1" noRot="1" noChangeAspect="1" noMove="1" noResize="1" noEditPoints="1" noAdjustHandles="1" noChangeArrowheads="1" noChangeShapeType="1" noTextEdit="1"/>
+          </p:cNvSpPr>
+          <p:nvPr>
+            <p:extLst>
+              <p:ext uri="{386F3935-93C4-4BCD-93E2-E3B085C9AB24}">
+                <p16:designElem xmlns:p16="http://schemas.microsoft.com/office/powerpoint/2015/main" val="1"/>
+              </p:ext>
+            </p:extLst>
+          </p:nvPr>
+        </p:nvSpPr>
+        <p:spPr>
+          <a:xfrm flipH="1">
+            <a:off x="3418308" y="5717905"/>
+            <a:ext cx="1771609" cy="1140095"/>
+          </a:xfrm>
+          <a:custGeom>
+            <a:avLst/>
+            <a:gdLst>
+              <a:gd name="connsiteX0" fmla="*/ 1561721 w 1771609"/>
+              <a:gd name="connsiteY0" fmla="*/ 763041 h 1140095"/>
+              <a:gd name="connsiteX1" fmla="*/ 1623024 w 1771609"/>
+              <a:gd name="connsiteY1" fmla="*/ 792810 h 1140095"/>
+              <a:gd name="connsiteX2" fmla="*/ 1711735 w 1771609"/>
+              <a:gd name="connsiteY2" fmla="*/ 970132 h 1140095"/>
+              <a:gd name="connsiteX3" fmla="*/ 1771609 w 1771609"/>
+              <a:gd name="connsiteY3" fmla="*/ 1140095 h 1140095"/>
+              <a:gd name="connsiteX4" fmla="*/ 1637225 w 1771609"/>
+              <a:gd name="connsiteY4" fmla="*/ 1140095 h 1140095"/>
+              <a:gd name="connsiteX5" fmla="*/ 1594820 w 1771609"/>
+              <a:gd name="connsiteY5" fmla="*/ 1019711 h 1140095"/>
+              <a:gd name="connsiteX6" fmla="*/ 1513200 w 1771609"/>
+              <a:gd name="connsiteY6" fmla="*/ 856627 h 1140095"/>
+              <a:gd name="connsiteX7" fmla="*/ 1538499 w 1771609"/>
+              <a:gd name="connsiteY7" fmla="*/ 770415 h 1140095"/>
+              <a:gd name="connsiteX8" fmla="*/ 1561721 w 1771609"/>
+              <a:gd name="connsiteY8" fmla="*/ 763041 h 1140095"/>
+              <a:gd name="connsiteX9" fmla="*/ 933455 w 1771609"/>
+              <a:gd name="connsiteY9" fmla="*/ 161309 h 1140095"/>
+              <a:gd name="connsiteX10" fmla="*/ 957797 w 1771609"/>
+              <a:gd name="connsiteY10" fmla="*/ 167970 h 1140095"/>
+              <a:gd name="connsiteX11" fmla="*/ 1286982 w 1771609"/>
+              <a:gd name="connsiteY11" fmla="*/ 387616 h 1140095"/>
+              <a:gd name="connsiteX12" fmla="*/ 1293725 w 1771609"/>
+              <a:gd name="connsiteY12" fmla="*/ 477075 h 1140095"/>
+              <a:gd name="connsiteX13" fmla="*/ 1245453 w 1771609"/>
+              <a:gd name="connsiteY13" fmla="*/ 499154 h 1140095"/>
+              <a:gd name="connsiteX14" fmla="*/ 1245167 w 1771609"/>
+              <a:gd name="connsiteY14" fmla="*/ 499154 h 1140095"/>
+              <a:gd name="connsiteX15" fmla="*/ 1203638 w 1771609"/>
+              <a:gd name="connsiteY15" fmla="*/ 484104 h 1140095"/>
+              <a:gd name="connsiteX16" fmla="*/ 900647 w 1771609"/>
+              <a:gd name="connsiteY16" fmla="*/ 281508 h 1140095"/>
+              <a:gd name="connsiteX17" fmla="*/ 872454 w 1771609"/>
+              <a:gd name="connsiteY17" fmla="*/ 196164 h 1140095"/>
+              <a:gd name="connsiteX18" fmla="*/ 933455 w 1771609"/>
+              <a:gd name="connsiteY18" fmla="*/ 161309 h 1140095"/>
+              <a:gd name="connsiteX19" fmla="*/ 256260 w 1771609"/>
+              <a:gd name="connsiteY19" fmla="*/ 29 h 1140095"/>
+              <a:gd name="connsiteX20" fmla="*/ 454020 w 1771609"/>
+              <a:gd name="connsiteY20" fmla="*/ 13474 h 1140095"/>
+              <a:gd name="connsiteX21" fmla="*/ 509236 w 1771609"/>
+              <a:gd name="connsiteY21" fmla="*/ 84182 h 1140095"/>
+              <a:gd name="connsiteX22" fmla="*/ 445829 w 1771609"/>
+              <a:gd name="connsiteY22" fmla="*/ 139871 h 1140095"/>
+              <a:gd name="connsiteX23" fmla="*/ 437447 w 1771609"/>
+              <a:gd name="connsiteY23" fmla="*/ 139395 h 1140095"/>
+              <a:gd name="connsiteX24" fmla="*/ 73211 w 1771609"/>
+              <a:gd name="connsiteY24" fmla="*/ 137204 h 1140095"/>
+              <a:gd name="connsiteX25" fmla="*/ 749 w 1771609"/>
+              <a:gd name="connsiteY25" fmla="*/ 84082 h 1140095"/>
+              <a:gd name="connsiteX26" fmla="*/ 53871 w 1771609"/>
+              <a:gd name="connsiteY26" fmla="*/ 11621 h 1140095"/>
+              <a:gd name="connsiteX27" fmla="*/ 58352 w 1771609"/>
+              <a:gd name="connsiteY27" fmla="*/ 11093 h 1140095"/>
+              <a:gd name="connsiteX28" fmla="*/ 256260 w 1771609"/>
+              <a:gd name="connsiteY28" fmla="*/ 29 h 1140095"/>
+            </a:gdLst>
+            <a:ahLst/>
+            <a:cxnLst>
+              <a:cxn ang="0">
+                <a:pos x="connsiteX0" y="connsiteY0"/>
+              </a:cxn>
+              <a:cxn ang="0">
+                <a:pos x="connsiteX1" y="connsiteY1"/>
+              </a:cxn>
+              <a:cxn ang="0">
+                <a:pos x="connsiteX2" y="connsiteY2"/>
+              </a:cxn>
+              <a:cxn ang="0">
+                <a:pos x="connsiteX3" y="connsiteY3"/>
+              </a:cxn>
+              <a:cxn ang="0">
+                <a:pos x="connsiteX4" y="connsiteY4"/>
+              </a:cxn>
+              <a:cxn ang="0">
+                <a:pos x="connsiteX5" y="connsiteY5"/>
+              </a:cxn>
+              <a:cxn ang="0">
+                <a:pos x="connsiteX6" y="connsiteY6"/>
+              </a:cxn>
+              <a:cxn ang="0">
+                <a:pos x="connsiteX7" y="connsiteY7"/>
+              </a:cxn>
+              <a:cxn ang="0">
+                <a:pos x="connsiteX8" y="connsiteY8"/>
+              </a:cxn>
+              <a:cxn ang="0">
+                <a:pos x="connsiteX9" y="connsiteY9"/>
+              </a:cxn>
+              <a:cxn ang="0">
+                <a:pos x="connsiteX10" y="connsiteY10"/>
+              </a:cxn>
+              <a:cxn ang="0">
+                <a:pos x="connsiteX11" y="connsiteY11"/>
+              </a:cxn>
+              <a:cxn ang="0">
+                <a:pos x="connsiteX12" y="connsiteY12"/>
+              </a:cxn>
+              <a:cxn ang="0">
+                <a:pos x="connsiteX13" y="connsiteY13"/>
+              </a:cxn>
+              <a:cxn ang="0">
+                <a:pos x="connsiteX14" y="connsiteY14"/>
+              </a:cxn>
+              <a:cxn ang="0">
+                <a:pos x="connsiteX15" y="connsiteY15"/>
+              </a:cxn>
+              <a:cxn ang="0">
+                <a:pos x="connsiteX16" y="connsiteY16"/>
+              </a:cxn>
+              <a:cxn ang="0">
+                <a:pos x="connsiteX17" y="connsiteY17"/>
+              </a:cxn>
+              <a:cxn ang="0">
+                <a:pos x="connsiteX18" y="connsiteY18"/>
+              </a:cxn>
+              <a:cxn ang="0">
+                <a:pos x="connsiteX19" y="connsiteY19"/>
+              </a:cxn>
+              <a:cxn ang="0">
+                <a:pos x="connsiteX20" y="connsiteY20"/>
+              </a:cxn>
+              <a:cxn ang="0">
+                <a:pos x="connsiteX21" y="connsiteY21"/>
+              </a:cxn>
+              <a:cxn ang="0">
+                <a:pos x="connsiteX22" y="connsiteY22"/>
+              </a:cxn>
+              <a:cxn ang="0">
+                <a:pos x="connsiteX23" y="connsiteY23"/>
+              </a:cxn>
+              <a:cxn ang="0">
+                <a:pos x="connsiteX24" y="connsiteY24"/>
+              </a:cxn>
+              <a:cxn ang="0">
+                <a:pos x="connsiteX25" y="connsiteY25"/>
+              </a:cxn>
+              <a:cxn ang="0">
+                <a:pos x="connsiteX26" y="connsiteY26"/>
+              </a:cxn>
+              <a:cxn ang="0">
+                <a:pos x="connsiteX27" y="connsiteY27"/>
+              </a:cxn>
+              <a:cxn ang="0">
+                <a:pos x="connsiteX28" y="connsiteY28"/>
+              </a:cxn>
+            </a:cxnLst>
+            <a:rect l="l" t="t" r="r" b="b"/>
+            <a:pathLst>
+              <a:path w="1771609" h="1140095">
+                <a:moveTo>
+                  <a:pt x="1561721" y="763041"/>
+                </a:moveTo>
+                <a:cubicBezTo>
+                  <a:pt x="1585506" y="760324"/>
+                  <a:pt x="1609722" y="771249"/>
+                  <a:pt x="1623024" y="792810"/>
+                </a:cubicBezTo>
+                <a:cubicBezTo>
+                  <a:pt x="1656300" y="850065"/>
+                  <a:pt x="1685920" y="909291"/>
+                  <a:pt x="1711735" y="970132"/>
+                </a:cubicBezTo>
+                <a:lnTo>
+                  <a:pt x="1771609" y="1140095"/>
+                </a:lnTo>
+                <a:lnTo>
+                  <a:pt x="1637225" y="1140095"/>
+                </a:lnTo>
+                <a:lnTo>
+                  <a:pt x="1594820" y="1019711"/>
+                </a:lnTo>
+                <a:cubicBezTo>
+                  <a:pt x="1571072" y="963753"/>
+                  <a:pt x="1543818" y="909282"/>
+                  <a:pt x="1513200" y="856627"/>
+                </a:cubicBezTo>
+                <a:cubicBezTo>
+                  <a:pt x="1496379" y="825834"/>
+                  <a:pt x="1507704" y="787236"/>
+                  <a:pt x="1538499" y="770415"/>
+                </a:cubicBezTo>
+                <a:cubicBezTo>
+                  <a:pt x="1545912" y="766367"/>
+                  <a:pt x="1553792" y="763946"/>
+                  <a:pt x="1561721" y="763041"/>
+                </a:cubicBezTo>
+                <a:close/>
+                <a:moveTo>
+                  <a:pt x="933455" y="161309"/>
+                </a:moveTo>
+                <a:cubicBezTo>
+                  <a:pt x="941693" y="161855"/>
+                  <a:pt x="949959" y="164025"/>
+                  <a:pt x="957797" y="167970"/>
+                </a:cubicBezTo>
+                <a:cubicBezTo>
+                  <a:pt x="1076184" y="227289"/>
+                  <a:pt x="1186759" y="301068"/>
+                  <a:pt x="1286982" y="387616"/>
+                </a:cubicBezTo>
+                <a:cubicBezTo>
+                  <a:pt x="1313547" y="410457"/>
+                  <a:pt x="1316566" y="450510"/>
+                  <a:pt x="1293725" y="477075"/>
+                </a:cubicBezTo>
+                <a:cubicBezTo>
+                  <a:pt x="1281638" y="491137"/>
+                  <a:pt x="1263998" y="499204"/>
+                  <a:pt x="1245453" y="499154"/>
+                </a:cubicBezTo>
+                <a:lnTo>
+                  <a:pt x="1245167" y="499154"/>
+                </a:lnTo>
+                <a:cubicBezTo>
+                  <a:pt x="1229965" y="499301"/>
+                  <a:pt x="1215220" y="493956"/>
+                  <a:pt x="1203638" y="484104"/>
+                </a:cubicBezTo>
+                <a:cubicBezTo>
+                  <a:pt x="1111407" y="404300"/>
+                  <a:pt x="1009633" y="336248"/>
+                  <a:pt x="900647" y="281508"/>
+                </a:cubicBezTo>
+                <a:cubicBezTo>
+                  <a:pt x="869295" y="265726"/>
+                  <a:pt x="856672" y="227516"/>
+                  <a:pt x="872454" y="196164"/>
+                </a:cubicBezTo>
+                <a:cubicBezTo>
+                  <a:pt x="884290" y="172650"/>
+                  <a:pt x="908742" y="159670"/>
+                  <a:pt x="933455" y="161309"/>
+                </a:cubicBezTo>
+                <a:close/>
+                <a:moveTo>
+                  <a:pt x="256260" y="29"/>
+                </a:moveTo>
+                <a:cubicBezTo>
+                  <a:pt x="322331" y="427"/>
+                  <a:pt x="388378" y="4909"/>
+                  <a:pt x="454020" y="13474"/>
+                </a:cubicBezTo>
+                <a:cubicBezTo>
+                  <a:pt x="488793" y="17752"/>
+                  <a:pt x="513514" y="49409"/>
+                  <a:pt x="509236" y="84182"/>
+                </a:cubicBezTo>
+                <a:cubicBezTo>
+                  <a:pt x="505303" y="116151"/>
+                  <a:pt x="478038" y="140098"/>
+                  <a:pt x="445829" y="139871"/>
+                </a:cubicBezTo>
+                <a:cubicBezTo>
+                  <a:pt x="443027" y="139899"/>
+                  <a:pt x="440227" y="139740"/>
+                  <a:pt x="437447" y="139395"/>
+                </a:cubicBezTo>
+                <a:cubicBezTo>
+                  <a:pt x="316592" y="123615"/>
+                  <a:pt x="194247" y="122878"/>
+                  <a:pt x="73211" y="137204"/>
+                </a:cubicBezTo>
+                <a:cubicBezTo>
+                  <a:pt x="38532" y="142545"/>
+                  <a:pt x="6090" y="118762"/>
+                  <a:pt x="749" y="84082"/>
+                </a:cubicBezTo>
+                <a:cubicBezTo>
+                  <a:pt x="-4591" y="49403"/>
+                  <a:pt x="19192" y="16961"/>
+                  <a:pt x="53871" y="11621"/>
+                </a:cubicBezTo>
+                <a:cubicBezTo>
+                  <a:pt x="55358" y="11392"/>
+                  <a:pt x="56852" y="11216"/>
+                  <a:pt x="58352" y="11093"/>
+                </a:cubicBezTo>
+                <a:cubicBezTo>
+                  <a:pt x="124093" y="3319"/>
+                  <a:pt x="190189" y="-369"/>
+                  <a:pt x="256260" y="29"/>
+                </a:cubicBezTo>
+                <a:close/>
+              </a:path>
+            </a:pathLst>
+          </a:custGeom>
+          <a:solidFill>
+            <a:schemeClr val="accent4"/>
+          </a:solidFill>
+          <a:ln w="9525" cap="flat">
+            <a:noFill/>
+            <a:prstDash val="solid"/>
+            <a:miter/>
+          </a:ln>
+        </p:spPr>
+        <p:txBody>
+          <a:bodyPr rtlCol="0" anchor="ctr"/>
+          <a:lstStyle/>
+          <a:p>
+            <a:endParaRPr lang="en-US"/>
+          </a:p>
+        </p:txBody>
+      </p:sp>
+      <p:sp>
+        <p:nvSpPr>
+          <p:cNvPr id="42" name="Freeform: Shape 41">
+            <a:extLst>
+              <a:ext uri="{FF2B5EF4-FFF2-40B4-BE49-F238E27FC236}">
+                <a16:creationId xmlns:a16="http://schemas.microsoft.com/office/drawing/2014/main" id="{6691AC69-A76E-4DAB-B565-468B6B87ACF3}"/>
+              </a:ext>
+              <a:ext uri="{C183D7F6-B498-43B3-948B-1728B52AA6E4}">
+                <adec:decorative xmlns:adec="http://schemas.microsoft.com/office/drawing/2017/decorative" val="1"/>
+              </a:ext>
+            </a:extLst>
+          </p:cNvPr>
+          <p:cNvSpPr>
+            <a:spLocks noGrp="1" noRot="1" noChangeAspect="1" noMove="1" noResize="1" noEditPoints="1" noAdjustHandles="1" noChangeArrowheads="1" noChangeShapeType="1" noTextEdit="1"/>
+          </p:cNvSpPr>
+          <p:nvPr>
+            <p:extLst>
+              <p:ext uri="{386F3935-93C4-4BCD-93E2-E3B085C9AB24}">
+                <p16:designElem xmlns:p16="http://schemas.microsoft.com/office/powerpoint/2015/main" val="1"/>
+              </p:ext>
+            </p:extLst>
+          </p:nvPr>
+        </p:nvSpPr>
+        <p:spPr>
+          <a:xfrm flipH="1">
+            <a:off x="4132972" y="6258755"/>
+            <a:ext cx="1565940" cy="599245"/>
+          </a:xfrm>
+          <a:custGeom>
+            <a:avLst/>
+            <a:gdLst>
+              <a:gd name="connsiteX0" fmla="*/ 782970 w 1565940"/>
+              <a:gd name="connsiteY0" fmla="*/ 0 h 599245"/>
+              <a:gd name="connsiteX1" fmla="*/ 1528042 w 1565940"/>
+              <a:gd name="connsiteY1" fmla="*/ 480469 h 599245"/>
+              <a:gd name="connsiteX2" fmla="*/ 1565940 w 1565940"/>
+              <a:gd name="connsiteY2" fmla="*/ 599245 h 599245"/>
+              <a:gd name="connsiteX3" fmla="*/ 0 w 1565940"/>
+              <a:gd name="connsiteY3" fmla="*/ 599245 h 599245"/>
+              <a:gd name="connsiteX4" fmla="*/ 37898 w 1565940"/>
+              <a:gd name="connsiteY4" fmla="*/ 480469 h 599245"/>
+              <a:gd name="connsiteX5" fmla="*/ 782970 w 1565940"/>
+              <a:gd name="connsiteY5" fmla="*/ 0 h 599245"/>
+            </a:gdLst>
+            <a:ahLst/>
+            <a:cxnLst>
+              <a:cxn ang="0">
+                <a:pos x="connsiteX0" y="connsiteY0"/>
+              </a:cxn>
+              <a:cxn ang="0">
+                <a:pos x="connsiteX1" y="connsiteY1"/>
+              </a:cxn>
+              <a:cxn ang="0">
+                <a:pos x="connsiteX2" y="connsiteY2"/>
+              </a:cxn>
+              <a:cxn ang="0">
+                <a:pos x="connsiteX3" y="connsiteY3"/>
+              </a:cxn>
+              <a:cxn ang="0">
+                <a:pos x="connsiteX4" y="connsiteY4"/>
+              </a:cxn>
+              <a:cxn ang="0">
+                <a:pos x="connsiteX5" y="connsiteY5"/>
+              </a:cxn>
+            </a:cxnLst>
+            <a:rect l="l" t="t" r="r" b="b"/>
+            <a:pathLst>
+              <a:path w="1565940" h="599245">
+                <a:moveTo>
+                  <a:pt x="782970" y="0"/>
+                </a:moveTo>
+                <a:cubicBezTo>
+                  <a:pt x="1117910" y="0"/>
+                  <a:pt x="1405287" y="198118"/>
+                  <a:pt x="1528042" y="480469"/>
+                </a:cubicBezTo>
+                <a:lnTo>
+                  <a:pt x="1565940" y="599245"/>
+                </a:lnTo>
+                <a:lnTo>
+                  <a:pt x="0" y="599245"/>
+                </a:lnTo>
+                <a:lnTo>
+                  <a:pt x="37898" y="480469"/>
+                </a:lnTo>
+                <a:cubicBezTo>
+                  <a:pt x="160653" y="198118"/>
+                  <a:pt x="448030" y="0"/>
+                  <a:pt x="782970" y="0"/>
+                </a:cubicBezTo>
+                <a:close/>
+              </a:path>
+            </a:pathLst>
+          </a:custGeom>
+          <a:solidFill>
+            <a:schemeClr val="accent2"/>
+          </a:solidFill>
+          <a:ln>
+            <a:noFill/>
+          </a:ln>
+        </p:spPr>
+        <p:style>
+          <a:lnRef idx="2">
+            <a:schemeClr val="accent1">
+              <a:shade val="50000"/>
+            </a:schemeClr>
+          </a:lnRef>
+          <a:fillRef idx="1">
+            <a:schemeClr val="accent1"/>
+          </a:fillRef>
+          <a:effectRef idx="0">
+            <a:schemeClr val="accent1"/>
+          </a:effectRef>
+          <a:fontRef idx="minor">
+            <a:schemeClr val="lt1"/>
+          </a:fontRef>
+        </p:style>
+        <p:txBody>
+          <a:bodyPr wrap="square" rtlCol="0" anchor="ctr">
+            <a:noAutofit/>
+          </a:bodyPr>
+          <a:lstStyle/>
+          <a:p>
+            <a:pPr algn="ctr"/>
+            <a:endParaRPr lang="en-US" dirty="0"/>
+          </a:p>
+        </p:txBody>
+      </p:sp>
+    </p:spTree>
+    <p:extLst>
+      <p:ext uri="{BB962C8B-B14F-4D97-AF65-F5344CB8AC3E}">
+        <p14:creationId xmlns:p14="http://schemas.microsoft.com/office/powerpoint/2010/main" val="988768958"/>
+      </p:ext>
+    </p:extLst>
+  </p:cSld>
+  <p:clrMapOvr>
+    <a:masterClrMapping/>
+  </p:clrMapOvr>
+</p:sld>
+</file>
+
+<file path=ppt/slides/slide15.xml><?xml version="1.0" encoding="utf-8"?>
+<p:sld xmlns:a="http://schemas.openxmlformats.org/drawingml/2006/main" xmlns:r="http://schemas.openxmlformats.org/officeDocument/2006/relationships" xmlns:p="http://schemas.openxmlformats.org/presentationml/2006/main">
+  <p:cSld>
+    <p:bg>
+      <p:bgPr>
+        <a:solidFill>
+          <a:schemeClr val="bg1"/>
+        </a:solidFill>
+        <a:effectLst/>
+      </p:bgPr>
+    </p:bg>
+    <p:spTree>
+      <p:nvGrpSpPr>
+        <p:cNvPr id="1" name=""/>
+        <p:cNvGrpSpPr/>
+        <p:nvPr/>
+      </p:nvGrpSpPr>
+      <p:grpSpPr>
+        <a:xfrm>
+          <a:off x="0" y="0"/>
+          <a:ext cx="0" cy="0"/>
+          <a:chOff x="0" y="0"/>
+          <a:chExt cx="0" cy="0"/>
+        </a:xfrm>
+      </p:grpSpPr>
+      <p:sp useBgFill="1">
+        <p:nvSpPr>
+          <p:cNvPr id="8" name="Rectangle 7">
+            <a:extLst>
+              <a:ext uri="{FF2B5EF4-FFF2-40B4-BE49-F238E27FC236}">
+                <a16:creationId xmlns:a16="http://schemas.microsoft.com/office/drawing/2014/main" id="{1BB867FF-FC45-48F7-8104-F89BE54909F1}"/>
+              </a:ext>
+              <a:ext uri="{C183D7F6-B498-43B3-948B-1728B52AA6E4}">
+                <adec:decorative xmlns:adec="http://schemas.microsoft.com/office/drawing/2017/decorative" val="1"/>
+              </a:ext>
+            </a:extLst>
+          </p:cNvPr>
+          <p:cNvSpPr>
+            <a:spLocks noGrp="1" noRot="1" noChangeAspect="1" noMove="1" noResize="1" noEditPoints="1" noAdjustHandles="1" noChangeArrowheads="1" noChangeShapeType="1" noTextEdit="1"/>
+          </p:cNvSpPr>
+          <p:nvPr>
+            <p:extLst>
+              <p:ext uri="{386F3935-93C4-4BCD-93E2-E3B085C9AB24}">
+                <p16:designElem xmlns:p16="http://schemas.microsoft.com/office/powerpoint/2015/main" val="1"/>
+              </p:ext>
+            </p:extLst>
+          </p:nvPr>
+        </p:nvSpPr>
+        <p:spPr>
+          <a:xfrm>
+            <a:off x="3048" y="0"/>
+            <a:ext cx="12188952" cy="6858000"/>
+          </a:xfrm>
+          <a:prstGeom prst="rect">
+            <a:avLst/>
+          </a:prstGeom>
+          <a:ln>
+            <a:noFill/>
+          </a:ln>
+        </p:spPr>
+        <p:style>
+          <a:lnRef idx="2">
+            <a:schemeClr val="accent1">
+              <a:shade val="50000"/>
+            </a:schemeClr>
+          </a:lnRef>
+          <a:fillRef idx="1">
+            <a:schemeClr val="accent1"/>
+          </a:fillRef>
+          <a:effectRef idx="0">
+            <a:schemeClr val="accent1"/>
+          </a:effectRef>
+          <a:fontRef idx="minor">
+            <a:schemeClr val="lt1"/>
+          </a:fontRef>
+        </p:style>
+        <p:txBody>
+          <a:bodyPr rtlCol="0" anchor="ctr"/>
+          <a:lstStyle/>
+          <a:p>
+            <a:pPr algn="ctr"/>
+            <a:endParaRPr lang="en-US"/>
+          </a:p>
+        </p:txBody>
+      </p:sp>
+      <p:sp>
+        <p:nvSpPr>
+          <p:cNvPr id="10" name="Freeform: Shape 9">
+            <a:extLst>
+              <a:ext uri="{FF2B5EF4-FFF2-40B4-BE49-F238E27FC236}">
+                <a16:creationId xmlns:a16="http://schemas.microsoft.com/office/drawing/2014/main" id="{8BB56887-D0D5-4F0C-9E19-7247EB83C8B7}"/>
+              </a:ext>
+              <a:ext uri="{C183D7F6-B498-43B3-948B-1728B52AA6E4}">
+                <adec:decorative xmlns:adec="http://schemas.microsoft.com/office/drawing/2017/decorative" val="1"/>
+              </a:ext>
+            </a:extLst>
+          </p:cNvPr>
+          <p:cNvSpPr>
+            <a:spLocks noGrp="1" noRot="1" noChangeAspect="1" noMove="1" noResize="1" noEditPoints="1" noAdjustHandles="1" noChangeArrowheads="1" noChangeShapeType="1" noTextEdit="1"/>
+          </p:cNvSpPr>
+          <p:nvPr>
+            <p:extLst>
+              <p:ext uri="{386F3935-93C4-4BCD-93E2-E3B085C9AB24}">
+                <p16:designElem xmlns:p16="http://schemas.microsoft.com/office/powerpoint/2015/main" val="1"/>
+              </p:ext>
+            </p:extLst>
+          </p:nvPr>
+        </p:nvSpPr>
+        <p:spPr>
+          <a:xfrm>
+            <a:off x="10208695" y="1"/>
+            <a:ext cx="1135066" cy="477997"/>
+          </a:xfrm>
+          <a:custGeom>
+            <a:avLst/>
+            <a:gdLst>
+              <a:gd name="connsiteX0" fmla="*/ 0 w 1135066"/>
+              <a:gd name="connsiteY0" fmla="*/ 0 h 477997"/>
+              <a:gd name="connsiteX1" fmla="*/ 1135066 w 1135066"/>
+              <a:gd name="connsiteY1" fmla="*/ 0 h 477997"/>
+              <a:gd name="connsiteX2" fmla="*/ 1133370 w 1135066"/>
+              <a:gd name="connsiteY2" fmla="*/ 16827 h 477997"/>
+              <a:gd name="connsiteX3" fmla="*/ 567533 w 1135066"/>
+              <a:gd name="connsiteY3" fmla="*/ 477997 h 477997"/>
+              <a:gd name="connsiteX4" fmla="*/ 1696 w 1135066"/>
+              <a:gd name="connsiteY4" fmla="*/ 16827 h 477997"/>
+            </a:gdLst>
+            <a:ahLst/>
+            <a:cxnLst>
+              <a:cxn ang="0">
+                <a:pos x="connsiteX0" y="connsiteY0"/>
+              </a:cxn>
+              <a:cxn ang="0">
+                <a:pos x="connsiteX1" y="connsiteY1"/>
+              </a:cxn>
+              <a:cxn ang="0">
+                <a:pos x="connsiteX2" y="connsiteY2"/>
+              </a:cxn>
+              <a:cxn ang="0">
+                <a:pos x="connsiteX3" y="connsiteY3"/>
+              </a:cxn>
+              <a:cxn ang="0">
+                <a:pos x="connsiteX4" y="connsiteY4"/>
+              </a:cxn>
+            </a:cxnLst>
+            <a:rect l="l" t="t" r="r" b="b"/>
+            <a:pathLst>
+              <a:path w="1135066" h="477997">
+                <a:moveTo>
+                  <a:pt x="0" y="0"/>
+                </a:moveTo>
+                <a:lnTo>
+                  <a:pt x="1135066" y="0"/>
+                </a:lnTo>
+                <a:lnTo>
+                  <a:pt x="1133370" y="16827"/>
+                </a:lnTo>
+                <a:cubicBezTo>
+                  <a:pt x="1079514" y="280016"/>
+                  <a:pt x="846644" y="477997"/>
+                  <a:pt x="567533" y="477997"/>
+                </a:cubicBezTo>
+                <a:cubicBezTo>
+                  <a:pt x="288422" y="477997"/>
+                  <a:pt x="55552" y="280016"/>
+                  <a:pt x="1696" y="16827"/>
+                </a:cubicBezTo>
+                <a:close/>
+              </a:path>
+            </a:pathLst>
+          </a:custGeom>
+          <a:solidFill>
+            <a:schemeClr val="accent4"/>
+          </a:solidFill>
+          <a:ln>
+            <a:noFill/>
+          </a:ln>
+        </p:spPr>
+        <p:style>
+          <a:lnRef idx="2">
+            <a:schemeClr val="accent1">
+              <a:shade val="50000"/>
+            </a:schemeClr>
+          </a:lnRef>
+          <a:fillRef idx="1">
+            <a:schemeClr val="accent1"/>
+          </a:fillRef>
+          <a:effectRef idx="0">
+            <a:schemeClr val="accent1"/>
+          </a:effectRef>
+          <a:fontRef idx="minor">
+            <a:schemeClr val="lt1"/>
+          </a:fontRef>
+        </p:style>
+        <p:txBody>
+          <a:bodyPr wrap="square" rtlCol="0" anchor="ctr">
+            <a:noAutofit/>
+          </a:bodyPr>
+          <a:lstStyle/>
+          <a:p>
+            <a:pPr algn="ctr"/>
+            <a:endParaRPr lang="en-US"/>
+          </a:p>
+        </p:txBody>
+      </p:sp>
       <p:sp>
         <p:nvSpPr>
           <p:cNvPr id="2" name="Nadpis 1">
@@ -4872,9 +8457,16 @@
             <p:ph type="title"/>
           </p:nvPr>
         </p:nvSpPr>
-        <p:spPr/>
-        <p:txBody>
-          <a:bodyPr/>
+        <p:spPr>
+          <a:xfrm>
+            <a:off x="838200" y="365125"/>
+            <a:ext cx="10515600" cy="1325563"/>
+          </a:xfrm>
+        </p:spPr>
+        <p:txBody>
+          <a:bodyPr>
+            <a:normAutofit/>
+          </a:bodyPr>
           <a:lstStyle/>
           <a:p>
             <a:r>
@@ -4884,6 +8476,67 @@
               <a:t>Zdroje</a:t>
             </a:r>
             <a:endParaRPr lang="cs-CZ"/>
+          </a:p>
+        </p:txBody>
+      </p:sp>
+      <p:sp>
+        <p:nvSpPr>
+          <p:cNvPr id="12" name="Arc 11">
+            <a:extLst>
+              <a:ext uri="{FF2B5EF4-FFF2-40B4-BE49-F238E27FC236}">
+                <a16:creationId xmlns:a16="http://schemas.microsoft.com/office/drawing/2014/main" id="{081E4A58-353D-44AE-B2FC-2A74E2E400F7}"/>
+              </a:ext>
+              <a:ext uri="{C183D7F6-B498-43B3-948B-1728B52AA6E4}">
+                <adec:decorative xmlns:adec="http://schemas.microsoft.com/office/drawing/2017/decorative" val="1"/>
+              </a:ext>
+            </a:extLst>
+          </p:cNvPr>
+          <p:cNvSpPr>
+            <a:spLocks noGrp="1" noRot="1" noChangeAspect="1" noMove="1" noResize="1" noEditPoints="1" noAdjustHandles="1" noChangeArrowheads="1" noChangeShapeType="1" noTextEdit="1"/>
+          </p:cNvSpPr>
+          <p:nvPr>
+            <p:extLst>
+              <p:ext uri="{386F3935-93C4-4BCD-93E2-E3B085C9AB24}">
+                <p16:designElem xmlns:p16="http://schemas.microsoft.com/office/powerpoint/2015/main" val="1"/>
+              </p:ext>
+            </p:extLst>
+          </p:nvPr>
+        </p:nvSpPr>
+        <p:spPr>
+          <a:xfrm rot="5400000" flipV="1">
+            <a:off x="555710" y="2183223"/>
+            <a:ext cx="4083433" cy="4083433"/>
+          </a:xfrm>
+          <a:prstGeom prst="arc">
+            <a:avLst/>
+          </a:prstGeom>
+          <a:ln w="127000" cap="rnd">
+            <a:solidFill>
+              <a:schemeClr val="accent4"/>
+            </a:solidFill>
+            <a:prstDash val="dash"/>
+          </a:ln>
+        </p:spPr>
+        <p:style>
+          <a:lnRef idx="1">
+            <a:schemeClr val="accent1"/>
+          </a:lnRef>
+          <a:fillRef idx="0">
+            <a:schemeClr val="accent1"/>
+          </a:fillRef>
+          <a:effectRef idx="0">
+            <a:schemeClr val="accent1"/>
+          </a:effectRef>
+          <a:fontRef idx="minor">
+            <a:schemeClr val="tx1"/>
+          </a:fontRef>
+        </p:style>
+        <p:txBody>
+          <a:bodyPr rtlCol="0" anchor="ctr"/>
+          <a:lstStyle/>
+          <a:p>
+            <a:pPr algn="ctr"/>
+            <a:endParaRPr lang="en-US" dirty="0"/>
           </a:p>
         </p:txBody>
       </p:sp>
@@ -4903,1153 +8556,1458 @@
             <p:ph idx="1"/>
           </p:nvPr>
         </p:nvSpPr>
-        <p:spPr/>
+        <p:spPr>
+          <a:xfrm>
+            <a:off x="838200" y="1825625"/>
+            <a:ext cx="10515600" cy="4351338"/>
+          </a:xfrm>
+        </p:spPr>
         <p:txBody>
           <a:bodyPr vert="horz" lIns="91440" tIns="45720" rIns="91440" bIns="45720" rtlCol="0" anchor="t">
-            <a:normAutofit fontScale="92500" lnSpcReduction="10000"/>
+            <a:normAutofit/>
           </a:bodyPr>
           <a:lstStyle/>
           <a:p>
-            <a:r>
-              <a:rPr lang="cs-CZ" sz="1600" dirty="0" err="1">
+            <a:pPr>
+              <a:spcBef>
+                <a:spcPts val="700"/>
+              </a:spcBef>
+            </a:pPr>
+            <a:r>
+              <a:rPr lang="cs-CZ" sz="1100" err="1">
                 <a:ea typeface="+mn-lt"/>
                 <a:cs typeface="+mn-lt"/>
               </a:rPr>
               <a:t>What</a:t>
             </a:r>
             <a:r>
-              <a:rPr lang="cs-CZ" sz="1600" dirty="0">
+              <a:rPr lang="cs-CZ" sz="1100" dirty="0">
                 <a:ea typeface="+mn-lt"/>
                 <a:cs typeface="+mn-lt"/>
               </a:rPr>
               <a:t> </a:t>
             </a:r>
             <a:r>
-              <a:rPr lang="cs-CZ" sz="1600" dirty="0" err="1">
+              <a:rPr lang="cs-CZ" sz="1100" err="1">
                 <a:ea typeface="+mn-lt"/>
                 <a:cs typeface="+mn-lt"/>
               </a:rPr>
               <a:t>is</a:t>
             </a:r>
             <a:r>
-              <a:rPr lang="cs-CZ" sz="1600" dirty="0">
+              <a:rPr lang="cs-CZ" sz="1100" dirty="0">
                 <a:ea typeface="+mn-lt"/>
                 <a:cs typeface="+mn-lt"/>
               </a:rPr>
               <a:t> a </a:t>
             </a:r>
             <a:r>
-              <a:rPr lang="cs-CZ" sz="1600" dirty="0" err="1">
+              <a:rPr lang="cs-CZ" sz="1100" err="1">
                 <a:ea typeface="+mn-lt"/>
                 <a:cs typeface="+mn-lt"/>
               </a:rPr>
               <a:t>File</a:t>
             </a:r>
             <a:r>
-              <a:rPr lang="cs-CZ" sz="1600" dirty="0">
+              <a:rPr lang="cs-CZ" sz="1100" dirty="0">
                 <a:ea typeface="+mn-lt"/>
                 <a:cs typeface="+mn-lt"/>
               </a:rPr>
               <a:t> </a:t>
             </a:r>
             <a:r>
-              <a:rPr lang="cs-CZ" sz="1600" dirty="0" err="1">
+              <a:rPr lang="cs-CZ" sz="1100" err="1">
                 <a:ea typeface="+mn-lt"/>
                 <a:cs typeface="+mn-lt"/>
               </a:rPr>
               <a:t>System</a:t>
             </a:r>
             <a:r>
-              <a:rPr lang="cs-CZ" sz="1600" dirty="0">
+              <a:rPr lang="cs-CZ" sz="1100" dirty="0">
                 <a:ea typeface="+mn-lt"/>
                 <a:cs typeface="+mn-lt"/>
               </a:rPr>
               <a:t>?. </a:t>
             </a:r>
             <a:r>
-              <a:rPr lang="cs-CZ" sz="1600" i="1" dirty="0" err="1">
+              <a:rPr lang="cs-CZ" sz="1100" i="1" err="1">
                 <a:ea typeface="+mn-lt"/>
                 <a:cs typeface="+mn-lt"/>
               </a:rPr>
               <a:t>Purchase</a:t>
             </a:r>
             <a:r>
-              <a:rPr lang="cs-CZ" sz="1600" i="1" dirty="0">
+              <a:rPr lang="cs-CZ" sz="1100" i="1" dirty="0">
                 <a:ea typeface="+mn-lt"/>
                 <a:cs typeface="+mn-lt"/>
               </a:rPr>
               <a:t> </a:t>
             </a:r>
             <a:r>
-              <a:rPr lang="cs-CZ" sz="1600" i="1" dirty="0" err="1">
+              <a:rPr lang="cs-CZ" sz="1100" i="1" err="1">
                 <a:ea typeface="+mn-lt"/>
                 <a:cs typeface="+mn-lt"/>
               </a:rPr>
               <a:t>Intent</a:t>
             </a:r>
             <a:r>
-              <a:rPr lang="cs-CZ" sz="1600" i="1" dirty="0">
+              <a:rPr lang="cs-CZ" sz="1100" i="1" dirty="0">
                 <a:ea typeface="+mn-lt"/>
                 <a:cs typeface="+mn-lt"/>
               </a:rPr>
               <a:t> Data </a:t>
             </a:r>
             <a:r>
-              <a:rPr lang="cs-CZ" sz="1600" i="1" dirty="0" err="1">
+              <a:rPr lang="cs-CZ" sz="1100" i="1" err="1">
                 <a:ea typeface="+mn-lt"/>
                 <a:cs typeface="+mn-lt"/>
               </a:rPr>
               <a:t>for</a:t>
             </a:r>
             <a:r>
-              <a:rPr lang="cs-CZ" sz="1600" i="1" dirty="0">
+              <a:rPr lang="cs-CZ" sz="1100" i="1" dirty="0">
                 <a:ea typeface="+mn-lt"/>
                 <a:cs typeface="+mn-lt"/>
               </a:rPr>
               <a:t> </a:t>
             </a:r>
             <a:r>
-              <a:rPr lang="cs-CZ" sz="1600" i="1" dirty="0" err="1">
+              <a:rPr lang="cs-CZ" sz="1100" i="1" err="1">
                 <a:ea typeface="+mn-lt"/>
                 <a:cs typeface="+mn-lt"/>
               </a:rPr>
               <a:t>Enterprise</a:t>
             </a:r>
             <a:r>
-              <a:rPr lang="cs-CZ" sz="1600" i="1" dirty="0">
+              <a:rPr lang="cs-CZ" sz="1100" i="1" dirty="0">
                 <a:ea typeface="+mn-lt"/>
                 <a:cs typeface="+mn-lt"/>
               </a:rPr>
               <a:t> Tech Sales and Marketing - </a:t>
             </a:r>
             <a:r>
-              <a:rPr lang="cs-CZ" sz="1600" i="1" dirty="0" err="1">
+              <a:rPr lang="cs-CZ" sz="1100" i="1" err="1">
                 <a:ea typeface="+mn-lt"/>
                 <a:cs typeface="+mn-lt"/>
               </a:rPr>
               <a:t>TechTarget</a:t>
             </a:r>
             <a:r>
-              <a:rPr lang="cs-CZ" sz="1600" dirty="0">
+              <a:rPr lang="cs-CZ" sz="1100" dirty="0">
                 <a:ea typeface="+mn-lt"/>
                 <a:cs typeface="+mn-lt"/>
               </a:rPr>
               <a:t> [online]. Dostupné z: </a:t>
             </a:r>
             <a:r>
-              <a:rPr lang="cs-CZ" sz="1600" dirty="0">
+              <a:rPr lang="cs-CZ" sz="1100" dirty="0">
                 <a:ea typeface="+mn-lt"/>
                 <a:cs typeface="+mn-lt"/>
                 <a:hlinkClick r:id="rId2"/>
               </a:rPr>
               <a:t>https://www.techtarget.com/searchstorage/definition/file-system</a:t>
             </a:r>
-            <a:endParaRPr lang="cs-CZ" sz="1600" dirty="0">
+            <a:endParaRPr lang="cs-CZ" sz="1100">
               <a:cs typeface="Calibri"/>
             </a:endParaRPr>
           </a:p>
           <a:p>
-            <a:r>
-              <a:rPr lang="cs-CZ" sz="1600" dirty="0" err="1">
+            <a:pPr>
+              <a:spcBef>
+                <a:spcPts val="700"/>
+              </a:spcBef>
+            </a:pPr>
+            <a:r>
+              <a:rPr lang="cs-CZ" sz="1100" err="1">
                 <a:ea typeface="+mn-lt"/>
                 <a:cs typeface="+mn-lt"/>
               </a:rPr>
               <a:t>What</a:t>
             </a:r>
             <a:r>
-              <a:rPr lang="cs-CZ" sz="1600" dirty="0">
+              <a:rPr lang="cs-CZ" sz="1100" dirty="0">
                 <a:ea typeface="+mn-lt"/>
                 <a:cs typeface="+mn-lt"/>
               </a:rPr>
               <a:t> </a:t>
             </a:r>
             <a:r>
-              <a:rPr lang="cs-CZ" sz="1600" dirty="0" err="1">
+              <a:rPr lang="cs-CZ" sz="1100" err="1">
                 <a:ea typeface="+mn-lt"/>
                 <a:cs typeface="+mn-lt"/>
               </a:rPr>
               <a:t>is</a:t>
             </a:r>
             <a:r>
-              <a:rPr lang="cs-CZ" sz="1600" dirty="0">
+              <a:rPr lang="cs-CZ" sz="1100" dirty="0">
                 <a:ea typeface="+mn-lt"/>
                 <a:cs typeface="+mn-lt"/>
               </a:rPr>
               <a:t> </a:t>
             </a:r>
             <a:r>
-              <a:rPr lang="cs-CZ" sz="1600" dirty="0" err="1">
+              <a:rPr lang="cs-CZ" sz="1100" err="1">
                 <a:ea typeface="+mn-lt"/>
                 <a:cs typeface="+mn-lt"/>
               </a:rPr>
               <a:t>File</a:t>
             </a:r>
             <a:r>
-              <a:rPr lang="cs-CZ" sz="1600" dirty="0">
+              <a:rPr lang="cs-CZ" sz="1100" dirty="0">
                 <a:ea typeface="+mn-lt"/>
                 <a:cs typeface="+mn-lt"/>
               </a:rPr>
               <a:t> </a:t>
             </a:r>
             <a:r>
-              <a:rPr lang="cs-CZ" sz="1600" dirty="0" err="1">
+              <a:rPr lang="cs-CZ" sz="1100" err="1">
                 <a:ea typeface="+mn-lt"/>
                 <a:cs typeface="+mn-lt"/>
               </a:rPr>
               <a:t>Allocation</a:t>
             </a:r>
             <a:r>
-              <a:rPr lang="cs-CZ" sz="1600" dirty="0">
+              <a:rPr lang="cs-CZ" sz="1100" dirty="0">
                 <a:ea typeface="+mn-lt"/>
                 <a:cs typeface="+mn-lt"/>
               </a:rPr>
               <a:t> Table (FAT)?. </a:t>
             </a:r>
             <a:r>
-              <a:rPr lang="cs-CZ" sz="1600" i="1" dirty="0" err="1">
+              <a:rPr lang="cs-CZ" sz="1100" i="1" err="1">
                 <a:ea typeface="+mn-lt"/>
                 <a:cs typeface="+mn-lt"/>
               </a:rPr>
               <a:t>Purchase</a:t>
             </a:r>
             <a:r>
-              <a:rPr lang="cs-CZ" sz="1600" i="1" dirty="0">
+              <a:rPr lang="cs-CZ" sz="1100" i="1" dirty="0">
                 <a:ea typeface="+mn-lt"/>
                 <a:cs typeface="+mn-lt"/>
               </a:rPr>
               <a:t> </a:t>
             </a:r>
             <a:r>
-              <a:rPr lang="cs-CZ" sz="1600" i="1" dirty="0" err="1">
+              <a:rPr lang="cs-CZ" sz="1100" i="1" err="1">
                 <a:ea typeface="+mn-lt"/>
                 <a:cs typeface="+mn-lt"/>
               </a:rPr>
               <a:t>Intent</a:t>
             </a:r>
             <a:r>
-              <a:rPr lang="cs-CZ" sz="1600" i="1" dirty="0">
+              <a:rPr lang="cs-CZ" sz="1100" i="1" dirty="0">
                 <a:ea typeface="+mn-lt"/>
                 <a:cs typeface="+mn-lt"/>
               </a:rPr>
               <a:t> Data </a:t>
             </a:r>
             <a:r>
-              <a:rPr lang="cs-CZ" sz="1600" i="1" dirty="0" err="1">
+              <a:rPr lang="cs-CZ" sz="1100" i="1" err="1">
                 <a:ea typeface="+mn-lt"/>
                 <a:cs typeface="+mn-lt"/>
               </a:rPr>
               <a:t>for</a:t>
             </a:r>
             <a:r>
-              <a:rPr lang="cs-CZ" sz="1600" i="1" dirty="0">
+              <a:rPr lang="cs-CZ" sz="1100" i="1" dirty="0">
                 <a:ea typeface="+mn-lt"/>
                 <a:cs typeface="+mn-lt"/>
               </a:rPr>
               <a:t> </a:t>
             </a:r>
             <a:r>
-              <a:rPr lang="cs-CZ" sz="1600" i="1" dirty="0" err="1">
+              <a:rPr lang="cs-CZ" sz="1100" i="1" err="1">
                 <a:ea typeface="+mn-lt"/>
                 <a:cs typeface="+mn-lt"/>
               </a:rPr>
               <a:t>Enterprise</a:t>
             </a:r>
             <a:r>
-              <a:rPr lang="cs-CZ" sz="1600" i="1" dirty="0">
+              <a:rPr lang="cs-CZ" sz="1100" i="1" dirty="0">
                 <a:ea typeface="+mn-lt"/>
                 <a:cs typeface="+mn-lt"/>
               </a:rPr>
               <a:t> Tech Sales and Marketing - </a:t>
             </a:r>
             <a:r>
-              <a:rPr lang="cs-CZ" sz="1600" i="1" dirty="0" err="1">
+              <a:rPr lang="cs-CZ" sz="1100" i="1" err="1">
                 <a:ea typeface="+mn-lt"/>
                 <a:cs typeface="+mn-lt"/>
               </a:rPr>
               <a:t>TechTarget</a:t>
             </a:r>
             <a:r>
-              <a:rPr lang="cs-CZ" sz="1600" dirty="0">
+              <a:rPr lang="cs-CZ" sz="1100" dirty="0">
                 <a:ea typeface="+mn-lt"/>
                 <a:cs typeface="+mn-lt"/>
               </a:rPr>
               <a:t> [online]. Dostupné z: </a:t>
             </a:r>
             <a:r>
-              <a:rPr lang="cs-CZ" sz="1600" dirty="0">
+              <a:rPr lang="cs-CZ" sz="1100" dirty="0">
                 <a:ea typeface="+mn-lt"/>
                 <a:cs typeface="+mn-lt"/>
                 <a:hlinkClick r:id="rId3"/>
               </a:rPr>
               <a:t>https://www.techtarget.com/whatis/definition/file-allocation-table-FAT</a:t>
             </a:r>
-            <a:endParaRPr lang="cs-CZ" sz="1600" dirty="0">
+            <a:endParaRPr lang="cs-CZ" sz="1100" dirty="0">
               <a:ea typeface="+mn-lt"/>
               <a:cs typeface="+mn-lt"/>
             </a:endParaRPr>
           </a:p>
           <a:p>
-            <a:r>
-              <a:rPr lang="cs-CZ" sz="1600" dirty="0" err="1">
+            <a:pPr>
+              <a:spcBef>
+                <a:spcPts val="700"/>
+              </a:spcBef>
+            </a:pPr>
+            <a:r>
+              <a:rPr lang="cs-CZ" sz="1100" err="1">
                 <a:ea typeface="+mn-lt"/>
                 <a:cs typeface="+mn-lt"/>
               </a:rPr>
               <a:t>What</a:t>
             </a:r>
             <a:r>
-              <a:rPr lang="cs-CZ" sz="1600" dirty="0">
+              <a:rPr lang="cs-CZ" sz="1100" dirty="0">
                 <a:ea typeface="+mn-lt"/>
                 <a:cs typeface="+mn-lt"/>
               </a:rPr>
               <a:t> </a:t>
             </a:r>
             <a:r>
-              <a:rPr lang="cs-CZ" sz="1600" dirty="0" err="1">
+              <a:rPr lang="cs-CZ" sz="1100" err="1">
                 <a:ea typeface="+mn-lt"/>
                 <a:cs typeface="+mn-lt"/>
               </a:rPr>
               <a:t>Is</a:t>
             </a:r>
             <a:r>
-              <a:rPr lang="cs-CZ" sz="1600" dirty="0">
+              <a:rPr lang="cs-CZ" sz="1100" dirty="0">
                 <a:ea typeface="+mn-lt"/>
                 <a:cs typeface="+mn-lt"/>
               </a:rPr>
               <a:t> </a:t>
             </a:r>
             <a:r>
-              <a:rPr lang="cs-CZ" sz="1600" dirty="0" err="1">
+              <a:rPr lang="cs-CZ" sz="1100" err="1">
                 <a:ea typeface="+mn-lt"/>
                 <a:cs typeface="+mn-lt"/>
               </a:rPr>
               <a:t>File</a:t>
             </a:r>
             <a:r>
-              <a:rPr lang="cs-CZ" sz="1600" dirty="0">
+              <a:rPr lang="cs-CZ" sz="1100" dirty="0">
                 <a:ea typeface="+mn-lt"/>
                 <a:cs typeface="+mn-lt"/>
               </a:rPr>
               <a:t> </a:t>
             </a:r>
             <a:r>
-              <a:rPr lang="cs-CZ" sz="1600" dirty="0" err="1">
+              <a:rPr lang="cs-CZ" sz="1100" err="1">
                 <a:ea typeface="+mn-lt"/>
                 <a:cs typeface="+mn-lt"/>
               </a:rPr>
               <a:t>Allocation</a:t>
             </a:r>
             <a:r>
-              <a:rPr lang="cs-CZ" sz="1600" dirty="0">
+              <a:rPr lang="cs-CZ" sz="1100" dirty="0">
                 <a:ea typeface="+mn-lt"/>
                 <a:cs typeface="+mn-lt"/>
               </a:rPr>
               <a:t> Table (FAT)?. </a:t>
             </a:r>
             <a:r>
-              <a:rPr lang="cs-CZ" sz="1600" i="1" dirty="0" err="1">
+              <a:rPr lang="cs-CZ" sz="1100" i="1" err="1">
                 <a:ea typeface="+mn-lt"/>
                 <a:cs typeface="+mn-lt"/>
               </a:rPr>
               <a:t>Lifewire</a:t>
             </a:r>
             <a:r>
-              <a:rPr lang="cs-CZ" sz="1600" i="1" dirty="0">
+              <a:rPr lang="cs-CZ" sz="1100" i="1" dirty="0">
                 <a:ea typeface="+mn-lt"/>
                 <a:cs typeface="+mn-lt"/>
               </a:rPr>
               <a:t>: Tech </a:t>
             </a:r>
             <a:r>
-              <a:rPr lang="cs-CZ" sz="1600" i="1" dirty="0" err="1">
+              <a:rPr lang="cs-CZ" sz="1100" i="1" err="1">
                 <a:ea typeface="+mn-lt"/>
                 <a:cs typeface="+mn-lt"/>
               </a:rPr>
               <a:t>News</a:t>
             </a:r>
             <a:r>
-              <a:rPr lang="cs-CZ" sz="1600" i="1" dirty="0">
+              <a:rPr lang="cs-CZ" sz="1100" i="1" dirty="0">
                 <a:ea typeface="+mn-lt"/>
                 <a:cs typeface="+mn-lt"/>
               </a:rPr>
               <a:t>, </a:t>
             </a:r>
             <a:r>
-              <a:rPr lang="cs-CZ" sz="1600" i="1" dirty="0" err="1">
+              <a:rPr lang="cs-CZ" sz="1100" i="1" err="1">
                 <a:ea typeface="+mn-lt"/>
                 <a:cs typeface="+mn-lt"/>
               </a:rPr>
               <a:t>Reviews</a:t>
             </a:r>
             <a:r>
-              <a:rPr lang="cs-CZ" sz="1600" i="1" dirty="0">
+              <a:rPr lang="cs-CZ" sz="1100" i="1" dirty="0">
                 <a:ea typeface="+mn-lt"/>
                 <a:cs typeface="+mn-lt"/>
               </a:rPr>
               <a:t>, </a:t>
             </a:r>
             <a:r>
-              <a:rPr lang="cs-CZ" sz="1600" i="1" dirty="0" err="1">
+              <a:rPr lang="cs-CZ" sz="1100" i="1" err="1">
                 <a:ea typeface="+mn-lt"/>
                 <a:cs typeface="+mn-lt"/>
               </a:rPr>
               <a:t>Help</a:t>
             </a:r>
             <a:r>
-              <a:rPr lang="cs-CZ" sz="1600" i="1" dirty="0">
+              <a:rPr lang="cs-CZ" sz="1100" i="1" dirty="0">
                 <a:ea typeface="+mn-lt"/>
                 <a:cs typeface="+mn-lt"/>
               </a:rPr>
               <a:t> &amp; </a:t>
             </a:r>
             <a:r>
-              <a:rPr lang="cs-CZ" sz="1600" i="1" dirty="0" err="1">
+              <a:rPr lang="cs-CZ" sz="1100" i="1" err="1">
                 <a:ea typeface="+mn-lt"/>
                 <a:cs typeface="+mn-lt"/>
               </a:rPr>
               <a:t>How-Tos</a:t>
             </a:r>
             <a:r>
-              <a:rPr lang="cs-CZ" sz="1600" dirty="0">
+              <a:rPr lang="cs-CZ" sz="1100" dirty="0">
                 <a:ea typeface="+mn-lt"/>
                 <a:cs typeface="+mn-lt"/>
               </a:rPr>
               <a:t> [online]. Dostupné z: </a:t>
             </a:r>
             <a:r>
-              <a:rPr lang="cs-CZ" sz="1600" dirty="0">
+              <a:rPr lang="cs-CZ" sz="1100" dirty="0">
                 <a:ea typeface="+mn-lt"/>
                 <a:cs typeface="+mn-lt"/>
                 <a:hlinkClick r:id="rId4"/>
               </a:rPr>
               <a:t>https://www.lifewire.com/what-is-file-allocation-table-fat-2625877</a:t>
             </a:r>
-            <a:endParaRPr lang="cs-CZ" sz="1600" dirty="0">
+            <a:endParaRPr lang="cs-CZ" sz="1100">
               <a:cs typeface="Calibri"/>
             </a:endParaRPr>
           </a:p>
           <a:p>
-            <a:r>
-              <a:rPr lang="cs-CZ" sz="1600" dirty="0" err="1">
+            <a:pPr>
+              <a:spcBef>
+                <a:spcPts val="700"/>
+              </a:spcBef>
+            </a:pPr>
+            <a:r>
+              <a:rPr lang="cs-CZ" sz="1100" err="1">
                 <a:ea typeface="+mn-lt"/>
                 <a:cs typeface="+mn-lt"/>
               </a:rPr>
               <a:t>What</a:t>
             </a:r>
             <a:r>
-              <a:rPr lang="cs-CZ" sz="1600" dirty="0">
+              <a:rPr lang="cs-CZ" sz="1100" dirty="0">
                 <a:ea typeface="+mn-lt"/>
                 <a:cs typeface="+mn-lt"/>
               </a:rPr>
               <a:t> </a:t>
             </a:r>
             <a:r>
-              <a:rPr lang="cs-CZ" sz="1600" dirty="0" err="1">
+              <a:rPr lang="cs-CZ" sz="1100" err="1">
                 <a:ea typeface="+mn-lt"/>
                 <a:cs typeface="+mn-lt"/>
               </a:rPr>
               <a:t>Is</a:t>
             </a:r>
             <a:r>
-              <a:rPr lang="cs-CZ" sz="1600" dirty="0">
+              <a:rPr lang="cs-CZ" sz="1100" dirty="0">
                 <a:ea typeface="+mn-lt"/>
                 <a:cs typeface="+mn-lt"/>
               </a:rPr>
               <a:t> NTFS and </a:t>
             </a:r>
             <a:r>
-              <a:rPr lang="cs-CZ" sz="1600" dirty="0" err="1">
+              <a:rPr lang="cs-CZ" sz="1100" err="1">
                 <a:ea typeface="+mn-lt"/>
                 <a:cs typeface="+mn-lt"/>
               </a:rPr>
               <a:t>How</a:t>
             </a:r>
             <a:r>
-              <a:rPr lang="cs-CZ" sz="1600" dirty="0">
+              <a:rPr lang="cs-CZ" sz="1100" dirty="0">
                 <a:ea typeface="+mn-lt"/>
                 <a:cs typeface="+mn-lt"/>
               </a:rPr>
               <a:t> </a:t>
             </a:r>
             <a:r>
-              <a:rPr lang="cs-CZ" sz="1600" dirty="0" err="1">
+              <a:rPr lang="cs-CZ" sz="1100" err="1">
                 <a:ea typeface="+mn-lt"/>
                 <a:cs typeface="+mn-lt"/>
               </a:rPr>
               <a:t>Does</a:t>
             </a:r>
             <a:r>
-              <a:rPr lang="cs-CZ" sz="1600" dirty="0">
+              <a:rPr lang="cs-CZ" sz="1100" dirty="0">
                 <a:ea typeface="+mn-lt"/>
                 <a:cs typeface="+mn-lt"/>
               </a:rPr>
               <a:t> It </a:t>
             </a:r>
             <a:r>
-              <a:rPr lang="cs-CZ" sz="1600" dirty="0" err="1">
+              <a:rPr lang="cs-CZ" sz="1100" err="1">
                 <a:ea typeface="+mn-lt"/>
                 <a:cs typeface="+mn-lt"/>
               </a:rPr>
               <a:t>Work</a:t>
             </a:r>
             <a:r>
-              <a:rPr lang="cs-CZ" sz="1600" dirty="0">
+              <a:rPr lang="cs-CZ" sz="1100" dirty="0">
                 <a:ea typeface="+mn-lt"/>
                 <a:cs typeface="+mn-lt"/>
               </a:rPr>
               <a:t>?. </a:t>
             </a:r>
             <a:r>
-              <a:rPr lang="cs-CZ" sz="1600" i="1" dirty="0" err="1">
+              <a:rPr lang="cs-CZ" sz="1100" i="1" err="1">
                 <a:ea typeface="+mn-lt"/>
                 <a:cs typeface="+mn-lt"/>
               </a:rPr>
               <a:t>Datto</a:t>
             </a:r>
             <a:r>
-              <a:rPr lang="cs-CZ" sz="1600" i="1" dirty="0">
+              <a:rPr lang="cs-CZ" sz="1100" i="1" dirty="0">
                 <a:ea typeface="+mn-lt"/>
                 <a:cs typeface="+mn-lt"/>
               </a:rPr>
               <a:t> | </a:t>
             </a:r>
             <a:r>
-              <a:rPr lang="cs-CZ" sz="1600" i="1" dirty="0" err="1">
+              <a:rPr lang="cs-CZ" sz="1100" i="1" err="1">
                 <a:ea typeface="+mn-lt"/>
                 <a:cs typeface="+mn-lt"/>
               </a:rPr>
               <a:t>The</a:t>
             </a:r>
             <a:r>
-              <a:rPr lang="cs-CZ" sz="1600" i="1" dirty="0">
+              <a:rPr lang="cs-CZ" sz="1100" i="1" dirty="0">
                 <a:ea typeface="+mn-lt"/>
                 <a:cs typeface="+mn-lt"/>
               </a:rPr>
               <a:t> </a:t>
             </a:r>
             <a:r>
-              <a:rPr lang="cs-CZ" sz="1600" i="1" dirty="0" err="1">
+              <a:rPr lang="cs-CZ" sz="1100" i="1" err="1">
                 <a:ea typeface="+mn-lt"/>
                 <a:cs typeface="+mn-lt"/>
               </a:rPr>
               <a:t>Managed</a:t>
             </a:r>
             <a:r>
-              <a:rPr lang="cs-CZ" sz="1600" i="1" dirty="0">
+              <a:rPr lang="cs-CZ" sz="1100" i="1" dirty="0">
                 <a:ea typeface="+mn-lt"/>
                 <a:cs typeface="+mn-lt"/>
               </a:rPr>
               <a:t> </a:t>
             </a:r>
             <a:r>
-              <a:rPr lang="cs-CZ" sz="1600" i="1" dirty="0" err="1">
+              <a:rPr lang="cs-CZ" sz="1100" i="1" err="1">
                 <a:ea typeface="+mn-lt"/>
                 <a:cs typeface="+mn-lt"/>
               </a:rPr>
               <a:t>Service</a:t>
             </a:r>
             <a:r>
-              <a:rPr lang="cs-CZ" sz="1600" i="1" dirty="0">
+              <a:rPr lang="cs-CZ" sz="1100" i="1" dirty="0">
                 <a:ea typeface="+mn-lt"/>
                 <a:cs typeface="+mn-lt"/>
               </a:rPr>
               <a:t> Provider Technology </a:t>
             </a:r>
             <a:r>
-              <a:rPr lang="cs-CZ" sz="1600" i="1" dirty="0" err="1">
+              <a:rPr lang="cs-CZ" sz="1100" i="1" err="1">
                 <a:ea typeface="+mn-lt"/>
                 <a:cs typeface="+mn-lt"/>
               </a:rPr>
               <a:t>Company</a:t>
             </a:r>
             <a:r>
-              <a:rPr lang="cs-CZ" sz="1600" dirty="0">
+              <a:rPr lang="cs-CZ" sz="1100" dirty="0">
                 <a:ea typeface="+mn-lt"/>
                 <a:cs typeface="+mn-lt"/>
               </a:rPr>
               <a:t> [online]. Dostupné z: </a:t>
             </a:r>
             <a:r>
-              <a:rPr lang="cs-CZ" sz="1600" dirty="0">
+              <a:rPr lang="cs-CZ" sz="1100" dirty="0">
                 <a:ea typeface="+mn-lt"/>
                 <a:cs typeface="+mn-lt"/>
                 <a:hlinkClick r:id="rId5"/>
               </a:rPr>
               <a:t>https://www.datto.com/blog/what-is-ntfs-and-how-does-it-work</a:t>
             </a:r>
-            <a:endParaRPr lang="cs-CZ" sz="1600" dirty="0">
+            <a:endParaRPr lang="cs-CZ" sz="1100">
               <a:cs typeface="Calibri"/>
             </a:endParaRPr>
           </a:p>
           <a:p>
-            <a:r>
-              <a:rPr lang="cs-CZ" sz="1600" dirty="0" err="1">
+            <a:pPr>
+              <a:spcBef>
+                <a:spcPts val="700"/>
+              </a:spcBef>
+            </a:pPr>
+            <a:r>
+              <a:rPr lang="cs-CZ" sz="1100" err="1">
                 <a:ea typeface="+mn-lt"/>
                 <a:cs typeface="+mn-lt"/>
               </a:rPr>
               <a:t>What</a:t>
             </a:r>
             <a:r>
-              <a:rPr lang="cs-CZ" sz="1600" dirty="0">
+              <a:rPr lang="cs-CZ" sz="1100" dirty="0">
                 <a:ea typeface="+mn-lt"/>
                 <a:cs typeface="+mn-lt"/>
               </a:rPr>
               <a:t> </a:t>
             </a:r>
             <a:r>
-              <a:rPr lang="cs-CZ" sz="1600" dirty="0" err="1">
+              <a:rPr lang="cs-CZ" sz="1100" err="1">
                 <a:ea typeface="+mn-lt"/>
                 <a:cs typeface="+mn-lt"/>
               </a:rPr>
               <a:t>Is</a:t>
             </a:r>
             <a:r>
-              <a:rPr lang="cs-CZ" sz="1600" dirty="0">
+              <a:rPr lang="cs-CZ" sz="1100" dirty="0">
                 <a:ea typeface="+mn-lt"/>
                 <a:cs typeface="+mn-lt"/>
               </a:rPr>
               <a:t> NTFS And </a:t>
             </a:r>
             <a:r>
-              <a:rPr lang="cs-CZ" sz="1600" dirty="0" err="1">
+              <a:rPr lang="cs-CZ" sz="1100" err="1">
                 <a:ea typeface="+mn-lt"/>
                 <a:cs typeface="+mn-lt"/>
               </a:rPr>
               <a:t>How</a:t>
             </a:r>
             <a:r>
-              <a:rPr lang="cs-CZ" sz="1600" dirty="0">
+              <a:rPr lang="cs-CZ" sz="1100" dirty="0">
                 <a:ea typeface="+mn-lt"/>
                 <a:cs typeface="+mn-lt"/>
               </a:rPr>
               <a:t> </a:t>
             </a:r>
             <a:r>
-              <a:rPr lang="cs-CZ" sz="1600" dirty="0" err="1">
+              <a:rPr lang="cs-CZ" sz="1100" err="1">
                 <a:ea typeface="+mn-lt"/>
                 <a:cs typeface="+mn-lt"/>
               </a:rPr>
               <a:t>Does</a:t>
             </a:r>
             <a:r>
-              <a:rPr lang="cs-CZ" sz="1600" dirty="0">
+              <a:rPr lang="cs-CZ" sz="1100" dirty="0">
                 <a:ea typeface="+mn-lt"/>
                 <a:cs typeface="+mn-lt"/>
               </a:rPr>
               <a:t> It </a:t>
             </a:r>
             <a:r>
-              <a:rPr lang="cs-CZ" sz="1600" dirty="0" err="1">
+              <a:rPr lang="cs-CZ" sz="1100" err="1">
                 <a:ea typeface="+mn-lt"/>
                 <a:cs typeface="+mn-lt"/>
               </a:rPr>
               <a:t>Work</a:t>
             </a:r>
             <a:r>
-              <a:rPr lang="cs-CZ" sz="1600" dirty="0">
+              <a:rPr lang="cs-CZ" sz="1100" dirty="0">
                 <a:ea typeface="+mn-lt"/>
                 <a:cs typeface="+mn-lt"/>
               </a:rPr>
               <a:t>?. </a:t>
             </a:r>
             <a:r>
-              <a:rPr lang="cs-CZ" sz="1600" i="1" dirty="0" err="1">
+              <a:rPr lang="cs-CZ" sz="1100" i="1" err="1">
                 <a:ea typeface="+mn-lt"/>
                 <a:cs typeface="+mn-lt"/>
               </a:rPr>
               <a:t>Purchase</a:t>
             </a:r>
             <a:r>
-              <a:rPr lang="cs-CZ" sz="1600" i="1" dirty="0">
+              <a:rPr lang="cs-CZ" sz="1100" i="1" dirty="0">
                 <a:ea typeface="+mn-lt"/>
                 <a:cs typeface="+mn-lt"/>
               </a:rPr>
               <a:t> </a:t>
             </a:r>
             <a:r>
-              <a:rPr lang="cs-CZ" sz="1600" i="1" dirty="0" err="1">
+              <a:rPr lang="cs-CZ" sz="1100" i="1" err="1">
                 <a:ea typeface="+mn-lt"/>
                 <a:cs typeface="+mn-lt"/>
               </a:rPr>
               <a:t>Intent</a:t>
             </a:r>
             <a:r>
-              <a:rPr lang="cs-CZ" sz="1600" i="1" dirty="0">
+              <a:rPr lang="cs-CZ" sz="1100" i="1" dirty="0">
                 <a:ea typeface="+mn-lt"/>
                 <a:cs typeface="+mn-lt"/>
               </a:rPr>
               <a:t> Data </a:t>
             </a:r>
             <a:r>
-              <a:rPr lang="cs-CZ" sz="1600" i="1" dirty="0" err="1">
+              <a:rPr lang="cs-CZ" sz="1100" i="1" err="1">
                 <a:ea typeface="+mn-lt"/>
                 <a:cs typeface="+mn-lt"/>
               </a:rPr>
               <a:t>for</a:t>
             </a:r>
             <a:r>
-              <a:rPr lang="cs-CZ" sz="1600" i="1" dirty="0">
+              <a:rPr lang="cs-CZ" sz="1100" i="1" dirty="0">
                 <a:ea typeface="+mn-lt"/>
                 <a:cs typeface="+mn-lt"/>
               </a:rPr>
               <a:t> </a:t>
             </a:r>
             <a:r>
-              <a:rPr lang="cs-CZ" sz="1600" i="1" dirty="0" err="1">
+              <a:rPr lang="cs-CZ" sz="1100" i="1" err="1">
                 <a:ea typeface="+mn-lt"/>
                 <a:cs typeface="+mn-lt"/>
               </a:rPr>
               <a:t>Enterprise</a:t>
             </a:r>
             <a:r>
-              <a:rPr lang="cs-CZ" sz="1600" i="1" dirty="0">
+              <a:rPr lang="cs-CZ" sz="1100" i="1" dirty="0">
                 <a:ea typeface="+mn-lt"/>
                 <a:cs typeface="+mn-lt"/>
               </a:rPr>
               <a:t> Tech Sales and Marketing - </a:t>
             </a:r>
             <a:r>
-              <a:rPr lang="cs-CZ" sz="1600" i="1" dirty="0" err="1">
+              <a:rPr lang="cs-CZ" sz="1100" i="1" err="1">
                 <a:ea typeface="+mn-lt"/>
                 <a:cs typeface="+mn-lt"/>
               </a:rPr>
               <a:t>TechTarget</a:t>
             </a:r>
             <a:r>
-              <a:rPr lang="cs-CZ" sz="1600" dirty="0">
+              <a:rPr lang="cs-CZ" sz="1100" dirty="0">
                 <a:ea typeface="+mn-lt"/>
                 <a:cs typeface="+mn-lt"/>
               </a:rPr>
               <a:t> [online]. Dostupné z: </a:t>
             </a:r>
             <a:r>
-              <a:rPr lang="cs-CZ" sz="1600" dirty="0">
+              <a:rPr lang="cs-CZ" sz="1100" dirty="0">
                 <a:ea typeface="+mn-lt"/>
                 <a:cs typeface="+mn-lt"/>
                 <a:hlinkClick r:id="rId6"/>
               </a:rPr>
               <a:t>https://www.techtarget.com/searchwindowsserver/definition/NTFS</a:t>
             </a:r>
-          </a:p>
-          <a:p>
-            <a:r>
-              <a:rPr lang="cs-CZ" sz="1600" dirty="0">
-                <a:ea typeface="+mn-lt"/>
-                <a:cs typeface="+mn-lt"/>
-              </a:rPr>
-              <a:t>Cluster (pevný disk) – Wikipedie. [online]. Dostupné z: </a:t>
-            </a:r>
-            <a:r>
-              <a:rPr lang="cs-CZ" sz="1600" dirty="0">
-                <a:ea typeface="+mn-lt"/>
-                <a:cs typeface="+mn-lt"/>
-                <a:hlinkClick r:id="rId7"/>
-              </a:rPr>
-              <a:t>https://cs.wikipedia.org/wiki/Cluster_(pevn%C3%BD_disk)</a:t>
-            </a:r>
-          </a:p>
-          <a:p>
-            <a:r>
-              <a:rPr lang="cs-CZ" sz="1600" dirty="0" err="1">
-                <a:ea typeface="+mn-lt"/>
-                <a:cs typeface="+mn-lt"/>
-              </a:rPr>
-              <a:t>Resilient</a:t>
-            </a:r>
-            <a:r>
-              <a:rPr lang="cs-CZ" sz="1600" dirty="0">
-                <a:ea typeface="+mn-lt"/>
-                <a:cs typeface="+mn-lt"/>
-              </a:rPr>
-              <a:t> </a:t>
-            </a:r>
-            <a:r>
-              <a:rPr lang="cs-CZ" sz="1600" dirty="0" err="1">
-                <a:ea typeface="+mn-lt"/>
-                <a:cs typeface="+mn-lt"/>
-              </a:rPr>
-              <a:t>File</a:t>
-            </a:r>
-            <a:r>
-              <a:rPr lang="cs-CZ" sz="1600" dirty="0">
-                <a:ea typeface="+mn-lt"/>
-                <a:cs typeface="+mn-lt"/>
-              </a:rPr>
-              <a:t> </a:t>
-            </a:r>
-            <a:r>
-              <a:rPr lang="cs-CZ" sz="1600" dirty="0" err="1">
-                <a:ea typeface="+mn-lt"/>
-                <a:cs typeface="+mn-lt"/>
-              </a:rPr>
-              <a:t>System</a:t>
-            </a:r>
-            <a:r>
-              <a:rPr lang="cs-CZ" sz="1600" dirty="0">
-                <a:ea typeface="+mn-lt"/>
-                <a:cs typeface="+mn-lt"/>
-              </a:rPr>
-              <a:t> (</a:t>
-            </a:r>
-            <a:r>
-              <a:rPr lang="cs-CZ" sz="1600" dirty="0" err="1">
-                <a:ea typeface="+mn-lt"/>
-                <a:cs typeface="+mn-lt"/>
-              </a:rPr>
-              <a:t>ReFS</a:t>
-            </a:r>
-            <a:r>
-              <a:rPr lang="cs-CZ" sz="1600" dirty="0">
-                <a:ea typeface="+mn-lt"/>
-                <a:cs typeface="+mn-lt"/>
-              </a:rPr>
-              <a:t>) - </a:t>
-            </a:r>
-            <a:r>
-              <a:rPr lang="cs-CZ" sz="1600" dirty="0" err="1">
-                <a:ea typeface="+mn-lt"/>
-                <a:cs typeface="+mn-lt"/>
-              </a:rPr>
-              <a:t>Everything</a:t>
-            </a:r>
-            <a:r>
-              <a:rPr lang="cs-CZ" sz="1600" dirty="0">
-                <a:ea typeface="+mn-lt"/>
-                <a:cs typeface="+mn-lt"/>
-              </a:rPr>
-              <a:t> </a:t>
-            </a:r>
-            <a:r>
-              <a:rPr lang="cs-CZ" sz="1600" dirty="0" err="1">
-                <a:ea typeface="+mn-lt"/>
-                <a:cs typeface="+mn-lt"/>
-              </a:rPr>
-              <a:t>You</a:t>
-            </a:r>
-            <a:r>
-              <a:rPr lang="cs-CZ" sz="1600" dirty="0">
-                <a:ea typeface="+mn-lt"/>
-                <a:cs typeface="+mn-lt"/>
-              </a:rPr>
-              <a:t> </a:t>
-            </a:r>
-            <a:r>
-              <a:rPr lang="cs-CZ" sz="1600" dirty="0" err="1">
-                <a:ea typeface="+mn-lt"/>
-                <a:cs typeface="+mn-lt"/>
-              </a:rPr>
-              <a:t>Need</a:t>
-            </a:r>
-            <a:r>
-              <a:rPr lang="cs-CZ" sz="1600" dirty="0">
-                <a:ea typeface="+mn-lt"/>
-                <a:cs typeface="+mn-lt"/>
-              </a:rPr>
-              <a:t> to </a:t>
-            </a:r>
-            <a:r>
-              <a:rPr lang="cs-CZ" sz="1600" dirty="0" err="1">
-                <a:ea typeface="+mn-lt"/>
-                <a:cs typeface="+mn-lt"/>
-              </a:rPr>
-              <a:t>Know</a:t>
-            </a:r>
-            <a:r>
-              <a:rPr lang="cs-CZ" sz="1600" dirty="0">
-                <a:ea typeface="+mn-lt"/>
-                <a:cs typeface="+mn-lt"/>
-              </a:rPr>
-              <a:t> So Far. </a:t>
-            </a:r>
-            <a:r>
-              <a:rPr lang="cs-CZ" sz="1600" i="1" dirty="0">
-                <a:ea typeface="+mn-lt"/>
-                <a:cs typeface="+mn-lt"/>
-              </a:rPr>
-              <a:t>[</a:t>
-            </a:r>
-            <a:r>
-              <a:rPr lang="cs-CZ" sz="1600" i="1" dirty="0" err="1">
-                <a:ea typeface="+mn-lt"/>
-                <a:cs typeface="+mn-lt"/>
-              </a:rPr>
-              <a:t>Official</a:t>
-            </a:r>
-            <a:r>
-              <a:rPr lang="cs-CZ" sz="1600" i="1" dirty="0">
-                <a:ea typeface="+mn-lt"/>
-                <a:cs typeface="+mn-lt"/>
-              </a:rPr>
-              <a:t>] </a:t>
-            </a:r>
-            <a:r>
-              <a:rPr lang="cs-CZ" sz="1600" i="1" dirty="0" err="1">
-                <a:ea typeface="+mn-lt"/>
-                <a:cs typeface="+mn-lt"/>
-              </a:rPr>
-              <a:t>Recoverit</a:t>
-            </a:r>
-            <a:r>
-              <a:rPr lang="cs-CZ" sz="1600" i="1" dirty="0">
-                <a:ea typeface="+mn-lt"/>
-                <a:cs typeface="+mn-lt"/>
-              </a:rPr>
-              <a:t> - </a:t>
-            </a:r>
-            <a:r>
-              <a:rPr lang="cs-CZ" sz="1600" i="1" dirty="0" err="1">
-                <a:ea typeface="+mn-lt"/>
-                <a:cs typeface="+mn-lt"/>
-              </a:rPr>
-              <a:t>Ultimate</a:t>
-            </a:r>
-            <a:r>
-              <a:rPr lang="cs-CZ" sz="1600" i="1" dirty="0">
-                <a:ea typeface="+mn-lt"/>
-                <a:cs typeface="+mn-lt"/>
-              </a:rPr>
-              <a:t> Data </a:t>
-            </a:r>
-            <a:r>
-              <a:rPr lang="cs-CZ" sz="1600" i="1" dirty="0" err="1">
-                <a:ea typeface="+mn-lt"/>
-                <a:cs typeface="+mn-lt"/>
-              </a:rPr>
-              <a:t>Recovery</a:t>
-            </a:r>
-            <a:r>
-              <a:rPr lang="cs-CZ" sz="1600" i="1" dirty="0">
-                <a:ea typeface="+mn-lt"/>
-                <a:cs typeface="+mn-lt"/>
-              </a:rPr>
-              <a:t> </a:t>
-            </a:r>
-            <a:r>
-              <a:rPr lang="cs-CZ" sz="1600" i="1" dirty="0" err="1">
-                <a:ea typeface="+mn-lt"/>
-                <a:cs typeface="+mn-lt"/>
-              </a:rPr>
-              <a:t>Solutions</a:t>
-            </a:r>
-            <a:r>
-              <a:rPr lang="cs-CZ" sz="1600" i="1" dirty="0">
-                <a:ea typeface="+mn-lt"/>
-                <a:cs typeface="+mn-lt"/>
-              </a:rPr>
-              <a:t> </a:t>
-            </a:r>
-            <a:r>
-              <a:rPr lang="cs-CZ" sz="1600" i="1" dirty="0" err="1">
-                <a:ea typeface="+mn-lt"/>
-                <a:cs typeface="+mn-lt"/>
-              </a:rPr>
-              <a:t>for</a:t>
-            </a:r>
-            <a:r>
-              <a:rPr lang="cs-CZ" sz="1600" i="1" dirty="0">
-                <a:ea typeface="+mn-lt"/>
-                <a:cs typeface="+mn-lt"/>
-              </a:rPr>
-              <a:t> Windows/Mac</a:t>
-            </a:r>
-            <a:r>
-              <a:rPr lang="cs-CZ" sz="1600" dirty="0">
-                <a:ea typeface="+mn-lt"/>
-                <a:cs typeface="+mn-lt"/>
-              </a:rPr>
-              <a:t> [online]. Copyright © [cit. 14.01.2023]. Dostupné z: </a:t>
-            </a:r>
-            <a:r>
-              <a:rPr lang="cs-CZ" sz="1600" dirty="0">
-                <a:ea typeface="+mn-lt"/>
-                <a:cs typeface="+mn-lt"/>
-                <a:hlinkClick r:id="rId8"/>
-              </a:rPr>
-              <a:t>https://recoverit.wondershare.com/file-system/refs-file-system.html</a:t>
-            </a:r>
-          </a:p>
-          <a:p>
-            <a:r>
-              <a:rPr lang="cs-CZ" sz="1600" dirty="0">
-                <a:ea typeface="+mn-lt"/>
-                <a:cs typeface="+mn-lt"/>
-              </a:rPr>
-              <a:t>ISO 9660 – Wikipedie. [online]. Dostupné z: </a:t>
-            </a:r>
-            <a:r>
-              <a:rPr lang="cs-CZ" sz="1600" dirty="0">
-                <a:ea typeface="+mn-lt"/>
-                <a:cs typeface="+mn-lt"/>
-                <a:hlinkClick r:id="rId9"/>
-              </a:rPr>
-              <a:t>https://cs.wikipedia.org/wiki/ISO_9660</a:t>
-            </a:r>
-            <a:endParaRPr lang="cs-CZ" sz="1600" dirty="0">
+            <a:endParaRPr lang="cs-CZ" sz="1100">
               <a:ea typeface="+mn-lt"/>
               <a:cs typeface="+mn-lt"/>
             </a:endParaRPr>
           </a:p>
           <a:p>
-            <a:r>
-              <a:rPr lang="cs-CZ" sz="1600" dirty="0" err="1">
-                <a:ea typeface="+mn-lt"/>
-                <a:cs typeface="+mn-lt"/>
-              </a:rPr>
-              <a:t>What</a:t>
-            </a:r>
-            <a:r>
-              <a:rPr lang="cs-CZ" sz="1600" dirty="0">
-                <a:ea typeface="+mn-lt"/>
-                <a:cs typeface="+mn-lt"/>
-              </a:rPr>
-              <a:t> </a:t>
-            </a:r>
-            <a:r>
-              <a:rPr lang="cs-CZ" sz="1600" dirty="0" err="1">
-                <a:ea typeface="+mn-lt"/>
-                <a:cs typeface="+mn-lt"/>
-              </a:rPr>
-              <a:t>Is</a:t>
-            </a:r>
-            <a:r>
-              <a:rPr lang="cs-CZ" sz="1600" dirty="0">
-                <a:ea typeface="+mn-lt"/>
-                <a:cs typeface="+mn-lt"/>
-              </a:rPr>
-              <a:t> A Universal Disk </a:t>
-            </a:r>
-            <a:r>
-              <a:rPr lang="cs-CZ" sz="1600" dirty="0" err="1">
-                <a:ea typeface="+mn-lt"/>
-                <a:cs typeface="+mn-lt"/>
-              </a:rPr>
-              <a:t>Format</a:t>
-            </a:r>
-            <a:r>
-              <a:rPr lang="cs-CZ" sz="1600" dirty="0">
-                <a:ea typeface="+mn-lt"/>
-                <a:cs typeface="+mn-lt"/>
-              </a:rPr>
-              <a:t> (UDF) – </a:t>
-            </a:r>
-            <a:r>
-              <a:rPr lang="cs-CZ" sz="1600" dirty="0" err="1">
-                <a:ea typeface="+mn-lt"/>
-                <a:cs typeface="+mn-lt"/>
-              </a:rPr>
-              <a:t>Indicative</a:t>
-            </a:r>
-            <a:r>
-              <a:rPr lang="cs-CZ" sz="1600" dirty="0">
-                <a:ea typeface="+mn-lt"/>
-                <a:cs typeface="+mn-lt"/>
-              </a:rPr>
-              <a:t>. </a:t>
-            </a:r>
-            <a:r>
-              <a:rPr lang="cs-CZ" sz="1600" i="1" dirty="0" err="1">
-                <a:ea typeface="+mn-lt"/>
-                <a:cs typeface="+mn-lt"/>
-              </a:rPr>
-              <a:t>Indicative</a:t>
-            </a:r>
-            <a:r>
-              <a:rPr lang="cs-CZ" sz="1600" i="1" dirty="0">
-                <a:ea typeface="+mn-lt"/>
-                <a:cs typeface="+mn-lt"/>
-              </a:rPr>
-              <a:t> | </a:t>
-            </a:r>
-            <a:r>
-              <a:rPr lang="cs-CZ" sz="1600" i="1" dirty="0" err="1">
-                <a:ea typeface="+mn-lt"/>
-                <a:cs typeface="+mn-lt"/>
-              </a:rPr>
-              <a:t>Product</a:t>
-            </a:r>
-            <a:r>
-              <a:rPr lang="cs-CZ" sz="1600" i="1" dirty="0">
-                <a:ea typeface="+mn-lt"/>
-                <a:cs typeface="+mn-lt"/>
-              </a:rPr>
-              <a:t> </a:t>
-            </a:r>
-            <a:r>
-              <a:rPr lang="cs-CZ" sz="1600" i="1" dirty="0" err="1">
-                <a:ea typeface="+mn-lt"/>
-                <a:cs typeface="+mn-lt"/>
-              </a:rPr>
-              <a:t>Analytics</a:t>
-            </a:r>
-            <a:r>
-              <a:rPr lang="cs-CZ" sz="1600" i="1" dirty="0">
-                <a:ea typeface="+mn-lt"/>
-                <a:cs typeface="+mn-lt"/>
-              </a:rPr>
-              <a:t> </a:t>
-            </a:r>
-            <a:r>
-              <a:rPr lang="cs-CZ" sz="1600" i="1" dirty="0" err="1">
-                <a:ea typeface="+mn-lt"/>
-                <a:cs typeface="+mn-lt"/>
-              </a:rPr>
-              <a:t>for</a:t>
-            </a:r>
-            <a:r>
-              <a:rPr lang="cs-CZ" sz="1600" i="1" dirty="0">
-                <a:ea typeface="+mn-lt"/>
-                <a:cs typeface="+mn-lt"/>
-              </a:rPr>
-              <a:t> </a:t>
-            </a:r>
-            <a:r>
-              <a:rPr lang="cs-CZ" sz="1600" i="1" dirty="0" err="1">
-                <a:ea typeface="+mn-lt"/>
-                <a:cs typeface="+mn-lt"/>
-              </a:rPr>
-              <a:t>Your</a:t>
-            </a:r>
-            <a:r>
-              <a:rPr lang="cs-CZ" sz="1600" i="1" dirty="0">
-                <a:ea typeface="+mn-lt"/>
-                <a:cs typeface="+mn-lt"/>
-              </a:rPr>
-              <a:t> Data </a:t>
-            </a:r>
-            <a:r>
-              <a:rPr lang="cs-CZ" sz="1600" i="1" dirty="0" err="1">
-                <a:ea typeface="+mn-lt"/>
-                <a:cs typeface="+mn-lt"/>
-              </a:rPr>
-              <a:t>Warehouse</a:t>
-            </a:r>
-            <a:r>
-              <a:rPr lang="cs-CZ" sz="1600" dirty="0">
-                <a:ea typeface="+mn-lt"/>
-                <a:cs typeface="+mn-lt"/>
-              </a:rPr>
-              <a:t> [online]. Copyright © [cit. 16.01.2023]. Dostupné z: </a:t>
-            </a:r>
-            <a:r>
-              <a:rPr lang="cs-CZ" sz="1600" dirty="0">
-                <a:ea typeface="+mn-lt"/>
-                <a:cs typeface="+mn-lt"/>
-                <a:hlinkClick r:id="rId10"/>
-              </a:rPr>
-              <a:t>https://www.indicative.com/resource/universal-disk-format-udf/</a:t>
-            </a:r>
-            <a:endParaRPr lang="cs-CZ" sz="1600" dirty="0">
+            <a:pPr>
+              <a:spcBef>
+                <a:spcPts val="700"/>
+              </a:spcBef>
+            </a:pPr>
+            <a:r>
+              <a:rPr lang="cs-CZ" sz="1100" dirty="0">
+                <a:ea typeface="+mn-lt"/>
+                <a:cs typeface="+mn-lt"/>
+              </a:rPr>
+              <a:t>Cluster (pevný disk) – Wikipedie. [online]. Dostupné z: </a:t>
+            </a:r>
+            <a:r>
+              <a:rPr lang="cs-CZ" sz="1100" dirty="0">
+                <a:ea typeface="+mn-lt"/>
+                <a:cs typeface="+mn-lt"/>
+                <a:hlinkClick r:id="rId7"/>
+              </a:rPr>
+              <a:t>https://cs.wikipedia.org/wiki/Cluster_(pevn%C3%BD_disk)</a:t>
+            </a:r>
+            <a:endParaRPr lang="cs-CZ" sz="1100">
               <a:ea typeface="+mn-lt"/>
               <a:cs typeface="+mn-lt"/>
             </a:endParaRPr>
           </a:p>
           <a:p>
-            <a:endParaRPr lang="cs-CZ" sz="1600" dirty="0">
+            <a:pPr>
+              <a:spcBef>
+                <a:spcPts val="700"/>
+              </a:spcBef>
+            </a:pPr>
+            <a:r>
+              <a:rPr lang="cs-CZ" sz="1100" err="1">
+                <a:ea typeface="+mn-lt"/>
+                <a:cs typeface="+mn-lt"/>
+              </a:rPr>
+              <a:t>Resilient</a:t>
+            </a:r>
+            <a:r>
+              <a:rPr lang="cs-CZ" sz="1100" dirty="0">
+                <a:ea typeface="+mn-lt"/>
+                <a:cs typeface="+mn-lt"/>
+              </a:rPr>
+              <a:t> </a:t>
+            </a:r>
+            <a:r>
+              <a:rPr lang="cs-CZ" sz="1100" err="1">
+                <a:ea typeface="+mn-lt"/>
+                <a:cs typeface="+mn-lt"/>
+              </a:rPr>
+              <a:t>File</a:t>
+            </a:r>
+            <a:r>
+              <a:rPr lang="cs-CZ" sz="1100" dirty="0">
+                <a:ea typeface="+mn-lt"/>
+                <a:cs typeface="+mn-lt"/>
+              </a:rPr>
+              <a:t> </a:t>
+            </a:r>
+            <a:r>
+              <a:rPr lang="cs-CZ" sz="1100" err="1">
+                <a:ea typeface="+mn-lt"/>
+                <a:cs typeface="+mn-lt"/>
+              </a:rPr>
+              <a:t>System</a:t>
+            </a:r>
+            <a:r>
+              <a:rPr lang="cs-CZ" sz="1100" dirty="0">
+                <a:ea typeface="+mn-lt"/>
+                <a:cs typeface="+mn-lt"/>
+              </a:rPr>
+              <a:t> (</a:t>
+            </a:r>
+            <a:r>
+              <a:rPr lang="cs-CZ" sz="1100" err="1">
+                <a:ea typeface="+mn-lt"/>
+                <a:cs typeface="+mn-lt"/>
+              </a:rPr>
+              <a:t>ReFS</a:t>
+            </a:r>
+            <a:r>
+              <a:rPr lang="cs-CZ" sz="1100" dirty="0">
+                <a:ea typeface="+mn-lt"/>
+                <a:cs typeface="+mn-lt"/>
+              </a:rPr>
+              <a:t>) - </a:t>
+            </a:r>
+            <a:r>
+              <a:rPr lang="cs-CZ" sz="1100" err="1">
+                <a:ea typeface="+mn-lt"/>
+                <a:cs typeface="+mn-lt"/>
+              </a:rPr>
+              <a:t>Everything</a:t>
+            </a:r>
+            <a:r>
+              <a:rPr lang="cs-CZ" sz="1100" dirty="0">
+                <a:ea typeface="+mn-lt"/>
+                <a:cs typeface="+mn-lt"/>
+              </a:rPr>
+              <a:t> </a:t>
+            </a:r>
+            <a:r>
+              <a:rPr lang="cs-CZ" sz="1100" err="1">
+                <a:ea typeface="+mn-lt"/>
+                <a:cs typeface="+mn-lt"/>
+              </a:rPr>
+              <a:t>You</a:t>
+            </a:r>
+            <a:r>
+              <a:rPr lang="cs-CZ" sz="1100" dirty="0">
+                <a:ea typeface="+mn-lt"/>
+                <a:cs typeface="+mn-lt"/>
+              </a:rPr>
+              <a:t> </a:t>
+            </a:r>
+            <a:r>
+              <a:rPr lang="cs-CZ" sz="1100" err="1">
+                <a:ea typeface="+mn-lt"/>
+                <a:cs typeface="+mn-lt"/>
+              </a:rPr>
+              <a:t>Need</a:t>
+            </a:r>
+            <a:r>
+              <a:rPr lang="cs-CZ" sz="1100" dirty="0">
+                <a:ea typeface="+mn-lt"/>
+                <a:cs typeface="+mn-lt"/>
+              </a:rPr>
+              <a:t> to </a:t>
+            </a:r>
+            <a:r>
+              <a:rPr lang="cs-CZ" sz="1100" err="1">
+                <a:ea typeface="+mn-lt"/>
+                <a:cs typeface="+mn-lt"/>
+              </a:rPr>
+              <a:t>Know</a:t>
+            </a:r>
+            <a:r>
+              <a:rPr lang="cs-CZ" sz="1100" dirty="0">
+                <a:ea typeface="+mn-lt"/>
+                <a:cs typeface="+mn-lt"/>
+              </a:rPr>
+              <a:t> So Far. </a:t>
+            </a:r>
+            <a:r>
+              <a:rPr lang="cs-CZ" sz="1100" i="1" dirty="0">
+                <a:ea typeface="+mn-lt"/>
+                <a:cs typeface="+mn-lt"/>
+              </a:rPr>
+              <a:t>[</a:t>
+            </a:r>
+            <a:r>
+              <a:rPr lang="cs-CZ" sz="1100" i="1" err="1">
+                <a:ea typeface="+mn-lt"/>
+                <a:cs typeface="+mn-lt"/>
+              </a:rPr>
+              <a:t>Official</a:t>
+            </a:r>
+            <a:r>
+              <a:rPr lang="cs-CZ" sz="1100" i="1" dirty="0">
+                <a:ea typeface="+mn-lt"/>
+                <a:cs typeface="+mn-lt"/>
+              </a:rPr>
+              <a:t>] </a:t>
+            </a:r>
+            <a:r>
+              <a:rPr lang="cs-CZ" sz="1100" i="1" err="1">
+                <a:ea typeface="+mn-lt"/>
+                <a:cs typeface="+mn-lt"/>
+              </a:rPr>
+              <a:t>Recoverit</a:t>
+            </a:r>
+            <a:r>
+              <a:rPr lang="cs-CZ" sz="1100" i="1" dirty="0">
+                <a:ea typeface="+mn-lt"/>
+                <a:cs typeface="+mn-lt"/>
+              </a:rPr>
+              <a:t> - </a:t>
+            </a:r>
+            <a:r>
+              <a:rPr lang="cs-CZ" sz="1100" i="1" err="1">
+                <a:ea typeface="+mn-lt"/>
+                <a:cs typeface="+mn-lt"/>
+              </a:rPr>
+              <a:t>Ultimate</a:t>
+            </a:r>
+            <a:r>
+              <a:rPr lang="cs-CZ" sz="1100" i="1" dirty="0">
+                <a:ea typeface="+mn-lt"/>
+                <a:cs typeface="+mn-lt"/>
+              </a:rPr>
+              <a:t> Data </a:t>
+            </a:r>
+            <a:r>
+              <a:rPr lang="cs-CZ" sz="1100" i="1" err="1">
+                <a:ea typeface="+mn-lt"/>
+                <a:cs typeface="+mn-lt"/>
+              </a:rPr>
+              <a:t>Recovery</a:t>
+            </a:r>
+            <a:r>
+              <a:rPr lang="cs-CZ" sz="1100" i="1" dirty="0">
+                <a:ea typeface="+mn-lt"/>
+                <a:cs typeface="+mn-lt"/>
+              </a:rPr>
+              <a:t> </a:t>
+            </a:r>
+            <a:r>
+              <a:rPr lang="cs-CZ" sz="1100" i="1" err="1">
+                <a:ea typeface="+mn-lt"/>
+                <a:cs typeface="+mn-lt"/>
+              </a:rPr>
+              <a:t>Solutions</a:t>
+            </a:r>
+            <a:r>
+              <a:rPr lang="cs-CZ" sz="1100" i="1" dirty="0">
+                <a:ea typeface="+mn-lt"/>
+                <a:cs typeface="+mn-lt"/>
+              </a:rPr>
+              <a:t> </a:t>
+            </a:r>
+            <a:r>
+              <a:rPr lang="cs-CZ" sz="1100" i="1" err="1">
+                <a:ea typeface="+mn-lt"/>
+                <a:cs typeface="+mn-lt"/>
+              </a:rPr>
+              <a:t>for</a:t>
+            </a:r>
+            <a:r>
+              <a:rPr lang="cs-CZ" sz="1100" i="1" dirty="0">
+                <a:ea typeface="+mn-lt"/>
+                <a:cs typeface="+mn-lt"/>
+              </a:rPr>
+              <a:t> Windows/Mac</a:t>
+            </a:r>
+            <a:r>
+              <a:rPr lang="cs-CZ" sz="1100" dirty="0">
+                <a:ea typeface="+mn-lt"/>
+                <a:cs typeface="+mn-lt"/>
+              </a:rPr>
+              <a:t> [online]. Copyright © [cit. 14.01.2023]. Dostupné z: </a:t>
+            </a:r>
+            <a:r>
+              <a:rPr lang="cs-CZ" sz="1100" dirty="0">
+                <a:ea typeface="+mn-lt"/>
+                <a:cs typeface="+mn-lt"/>
+                <a:hlinkClick r:id="rId8"/>
+              </a:rPr>
+              <a:t>https://recoverit.wondershare.com/file-system/refs-file-system.html</a:t>
+            </a:r>
+            <a:endParaRPr lang="cs-CZ" sz="1100">
               <a:ea typeface="+mn-lt"/>
               <a:cs typeface="+mn-lt"/>
             </a:endParaRPr>
           </a:p>
           <a:p>
-            <a:endParaRPr lang="cs-CZ" sz="1600" dirty="0">
+            <a:pPr>
+              <a:spcBef>
+                <a:spcPts val="700"/>
+              </a:spcBef>
+            </a:pPr>
+            <a:r>
+              <a:rPr lang="cs-CZ" sz="1100" dirty="0">
+                <a:ea typeface="+mn-lt"/>
+                <a:cs typeface="+mn-lt"/>
+              </a:rPr>
+              <a:t>ISO 9660 – Wikipedie. [online]. Dostupné z: </a:t>
+            </a:r>
+            <a:r>
+              <a:rPr lang="cs-CZ" sz="1100" dirty="0">
+                <a:ea typeface="+mn-lt"/>
+                <a:cs typeface="+mn-lt"/>
+                <a:hlinkClick r:id="rId9"/>
+              </a:rPr>
+              <a:t>https://cs.wikipedia.org/wiki/ISO_9660</a:t>
+            </a:r>
+            <a:endParaRPr lang="cs-CZ" sz="1100" dirty="0">
+              <a:ea typeface="+mn-lt"/>
+              <a:cs typeface="+mn-lt"/>
+            </a:endParaRPr>
+          </a:p>
+          <a:p>
+            <a:pPr>
+              <a:spcBef>
+                <a:spcPts val="700"/>
+              </a:spcBef>
+            </a:pPr>
+            <a:r>
+              <a:rPr lang="cs-CZ" sz="1100" err="1">
+                <a:ea typeface="+mn-lt"/>
+                <a:cs typeface="+mn-lt"/>
+              </a:rPr>
+              <a:t>What</a:t>
+            </a:r>
+            <a:r>
+              <a:rPr lang="cs-CZ" sz="1100" dirty="0">
+                <a:ea typeface="+mn-lt"/>
+                <a:cs typeface="+mn-lt"/>
+              </a:rPr>
+              <a:t> </a:t>
+            </a:r>
+            <a:r>
+              <a:rPr lang="cs-CZ" sz="1100" err="1">
+                <a:ea typeface="+mn-lt"/>
+                <a:cs typeface="+mn-lt"/>
+              </a:rPr>
+              <a:t>Is</a:t>
+            </a:r>
+            <a:r>
+              <a:rPr lang="cs-CZ" sz="1100" dirty="0">
+                <a:ea typeface="+mn-lt"/>
+                <a:cs typeface="+mn-lt"/>
+              </a:rPr>
+              <a:t> A Universal Disk </a:t>
+            </a:r>
+            <a:r>
+              <a:rPr lang="cs-CZ" sz="1100" err="1">
+                <a:ea typeface="+mn-lt"/>
+                <a:cs typeface="+mn-lt"/>
+              </a:rPr>
+              <a:t>Format</a:t>
+            </a:r>
+            <a:r>
+              <a:rPr lang="cs-CZ" sz="1100" dirty="0">
+                <a:ea typeface="+mn-lt"/>
+                <a:cs typeface="+mn-lt"/>
+              </a:rPr>
+              <a:t> (UDF) – </a:t>
+            </a:r>
+            <a:r>
+              <a:rPr lang="cs-CZ" sz="1100" err="1">
+                <a:ea typeface="+mn-lt"/>
+                <a:cs typeface="+mn-lt"/>
+              </a:rPr>
+              <a:t>Indicative</a:t>
+            </a:r>
+            <a:r>
+              <a:rPr lang="cs-CZ" sz="1100" dirty="0">
+                <a:ea typeface="+mn-lt"/>
+                <a:cs typeface="+mn-lt"/>
+              </a:rPr>
+              <a:t>. </a:t>
+            </a:r>
+            <a:r>
+              <a:rPr lang="cs-CZ" sz="1100" i="1" err="1">
+                <a:ea typeface="+mn-lt"/>
+                <a:cs typeface="+mn-lt"/>
+              </a:rPr>
+              <a:t>Indicative</a:t>
+            </a:r>
+            <a:r>
+              <a:rPr lang="cs-CZ" sz="1100" i="1" dirty="0">
+                <a:ea typeface="+mn-lt"/>
+                <a:cs typeface="+mn-lt"/>
+              </a:rPr>
+              <a:t> | </a:t>
+            </a:r>
+            <a:r>
+              <a:rPr lang="cs-CZ" sz="1100" i="1" err="1">
+                <a:ea typeface="+mn-lt"/>
+                <a:cs typeface="+mn-lt"/>
+              </a:rPr>
+              <a:t>Product</a:t>
+            </a:r>
+            <a:r>
+              <a:rPr lang="cs-CZ" sz="1100" i="1" dirty="0">
+                <a:ea typeface="+mn-lt"/>
+                <a:cs typeface="+mn-lt"/>
+              </a:rPr>
+              <a:t> </a:t>
+            </a:r>
+            <a:r>
+              <a:rPr lang="cs-CZ" sz="1100" i="1" err="1">
+                <a:ea typeface="+mn-lt"/>
+                <a:cs typeface="+mn-lt"/>
+              </a:rPr>
+              <a:t>Analytics</a:t>
+            </a:r>
+            <a:r>
+              <a:rPr lang="cs-CZ" sz="1100" i="1" dirty="0">
+                <a:ea typeface="+mn-lt"/>
+                <a:cs typeface="+mn-lt"/>
+              </a:rPr>
+              <a:t> </a:t>
+            </a:r>
+            <a:r>
+              <a:rPr lang="cs-CZ" sz="1100" i="1" err="1">
+                <a:ea typeface="+mn-lt"/>
+                <a:cs typeface="+mn-lt"/>
+              </a:rPr>
+              <a:t>for</a:t>
+            </a:r>
+            <a:r>
+              <a:rPr lang="cs-CZ" sz="1100" i="1" dirty="0">
+                <a:ea typeface="+mn-lt"/>
+                <a:cs typeface="+mn-lt"/>
+              </a:rPr>
+              <a:t> </a:t>
+            </a:r>
+            <a:r>
+              <a:rPr lang="cs-CZ" sz="1100" i="1" err="1">
+                <a:ea typeface="+mn-lt"/>
+                <a:cs typeface="+mn-lt"/>
+              </a:rPr>
+              <a:t>Your</a:t>
+            </a:r>
+            <a:r>
+              <a:rPr lang="cs-CZ" sz="1100" i="1" dirty="0">
+                <a:ea typeface="+mn-lt"/>
+                <a:cs typeface="+mn-lt"/>
+              </a:rPr>
+              <a:t> Data </a:t>
+            </a:r>
+            <a:r>
+              <a:rPr lang="cs-CZ" sz="1100" i="1" err="1">
+                <a:ea typeface="+mn-lt"/>
+                <a:cs typeface="+mn-lt"/>
+              </a:rPr>
+              <a:t>Warehouse</a:t>
+            </a:r>
+            <a:r>
+              <a:rPr lang="cs-CZ" sz="1100" dirty="0">
+                <a:ea typeface="+mn-lt"/>
+                <a:cs typeface="+mn-lt"/>
+              </a:rPr>
+              <a:t> [online]. Copyright © [cit. 16.01.2023]. Dostupné z: </a:t>
+            </a:r>
+            <a:r>
+              <a:rPr lang="cs-CZ" sz="1100" dirty="0">
+                <a:ea typeface="+mn-lt"/>
+                <a:cs typeface="+mn-lt"/>
+                <a:hlinkClick r:id="rId10"/>
+              </a:rPr>
+              <a:t>https://www.indicative.com/resource/universal-disk-format-udf/</a:t>
+            </a:r>
+            <a:endParaRPr lang="cs-CZ" sz="1100" dirty="0">
+              <a:ea typeface="+mn-lt"/>
+              <a:cs typeface="+mn-lt"/>
+            </a:endParaRPr>
+          </a:p>
+          <a:p>
+            <a:pPr>
+              <a:spcBef>
+                <a:spcPts val="700"/>
+              </a:spcBef>
+            </a:pPr>
+            <a:r>
+              <a:rPr lang="cs-CZ" sz="1100" dirty="0">
+                <a:ea typeface="+mn-lt"/>
+                <a:cs typeface="+mn-lt"/>
+              </a:rPr>
+              <a:t>Basic Linux </a:t>
+            </a:r>
+            <a:r>
+              <a:rPr lang="cs-CZ" sz="1100" err="1">
+                <a:ea typeface="+mn-lt"/>
+                <a:cs typeface="+mn-lt"/>
+              </a:rPr>
+              <a:t>File</a:t>
+            </a:r>
+            <a:r>
+              <a:rPr lang="cs-CZ" sz="1100" dirty="0">
+                <a:ea typeface="+mn-lt"/>
+                <a:cs typeface="+mn-lt"/>
+              </a:rPr>
+              <a:t> </a:t>
+            </a:r>
+            <a:r>
+              <a:rPr lang="cs-CZ" sz="1100" err="1">
+                <a:ea typeface="+mn-lt"/>
+                <a:cs typeface="+mn-lt"/>
+              </a:rPr>
+              <a:t>system</a:t>
+            </a:r>
+            <a:r>
+              <a:rPr lang="cs-CZ" sz="1100" dirty="0">
+                <a:ea typeface="+mn-lt"/>
+                <a:cs typeface="+mn-lt"/>
+              </a:rPr>
+              <a:t> </a:t>
+            </a:r>
+            <a:r>
+              <a:rPr lang="cs-CZ" sz="1100" err="1">
+                <a:ea typeface="+mn-lt"/>
+                <a:cs typeface="+mn-lt"/>
+              </a:rPr>
+              <a:t>tutorial</a:t>
+            </a:r>
+            <a:r>
+              <a:rPr lang="cs-CZ" sz="1100" dirty="0">
+                <a:ea typeface="+mn-lt"/>
+                <a:cs typeface="+mn-lt"/>
+              </a:rPr>
+              <a:t> – ext2, ext3, ext4, JFS and XFS – </a:t>
+            </a:r>
+            <a:r>
+              <a:rPr lang="cs-CZ" sz="1100" err="1">
+                <a:ea typeface="+mn-lt"/>
+                <a:cs typeface="+mn-lt"/>
+              </a:rPr>
+              <a:t>The</a:t>
+            </a:r>
+            <a:r>
+              <a:rPr lang="cs-CZ" sz="1100" dirty="0">
+                <a:ea typeface="+mn-lt"/>
+                <a:cs typeface="+mn-lt"/>
+              </a:rPr>
+              <a:t> Geek </a:t>
+            </a:r>
+            <a:r>
+              <a:rPr lang="cs-CZ" sz="1100" err="1">
+                <a:ea typeface="+mn-lt"/>
+                <a:cs typeface="+mn-lt"/>
+              </a:rPr>
+              <a:t>Diary</a:t>
+            </a:r>
+            <a:r>
+              <a:rPr lang="cs-CZ" sz="1100" dirty="0">
+                <a:ea typeface="+mn-lt"/>
+                <a:cs typeface="+mn-lt"/>
+              </a:rPr>
+              <a:t>. </a:t>
+            </a:r>
+            <a:r>
+              <a:rPr lang="cs-CZ" sz="1100" i="1" err="1">
+                <a:ea typeface="+mn-lt"/>
+                <a:cs typeface="+mn-lt"/>
+              </a:rPr>
+              <a:t>The</a:t>
+            </a:r>
+            <a:r>
+              <a:rPr lang="cs-CZ" sz="1100" i="1" dirty="0">
+                <a:ea typeface="+mn-lt"/>
+                <a:cs typeface="+mn-lt"/>
+              </a:rPr>
+              <a:t> Geek </a:t>
+            </a:r>
+            <a:r>
+              <a:rPr lang="cs-CZ" sz="1100" i="1" err="1">
+                <a:ea typeface="+mn-lt"/>
+                <a:cs typeface="+mn-lt"/>
+              </a:rPr>
+              <a:t>Diary</a:t>
+            </a:r>
+            <a:r>
+              <a:rPr lang="cs-CZ" sz="1100" dirty="0">
+                <a:ea typeface="+mn-lt"/>
+                <a:cs typeface="+mn-lt"/>
+              </a:rPr>
+              <a:t> [online]. Dostupné z: </a:t>
+            </a:r>
+            <a:r>
+              <a:rPr lang="cs-CZ" sz="1100" dirty="0">
+                <a:ea typeface="+mn-lt"/>
+                <a:cs typeface="+mn-lt"/>
+                <a:hlinkClick r:id="rId11"/>
+              </a:rPr>
+              <a:t>https://www.thegeekdiary.com/basic-linux-file-system-tutorial-ext2-ext3-ext4-jfs-and-xfs/</a:t>
+            </a:r>
+            <a:endParaRPr lang="cs-CZ" sz="1100" dirty="0">
+              <a:ea typeface="+mn-lt"/>
+              <a:cs typeface="+mn-lt"/>
+            </a:endParaRPr>
+          </a:p>
+          <a:p>
+            <a:pPr>
+              <a:spcBef>
+                <a:spcPts val="700"/>
+              </a:spcBef>
+            </a:pPr>
+            <a:r>
+              <a:rPr lang="cs-CZ" sz="1100" err="1">
+                <a:ea typeface="+mn-lt"/>
+                <a:cs typeface="+mn-lt"/>
+              </a:rPr>
+              <a:t>Extended</a:t>
+            </a:r>
+            <a:r>
+              <a:rPr lang="cs-CZ" sz="1100" dirty="0">
+                <a:ea typeface="+mn-lt"/>
+                <a:cs typeface="+mn-lt"/>
+              </a:rPr>
+              <a:t> </a:t>
+            </a:r>
+            <a:r>
+              <a:rPr lang="cs-CZ" sz="1100" err="1">
+                <a:ea typeface="+mn-lt"/>
+                <a:cs typeface="+mn-lt"/>
+              </a:rPr>
+              <a:t>file</a:t>
+            </a:r>
+            <a:r>
+              <a:rPr lang="cs-CZ" sz="1100" dirty="0">
+                <a:ea typeface="+mn-lt"/>
+                <a:cs typeface="+mn-lt"/>
+              </a:rPr>
+              <a:t> </a:t>
+            </a:r>
+            <a:r>
+              <a:rPr lang="cs-CZ" sz="1100" err="1">
+                <a:ea typeface="+mn-lt"/>
+                <a:cs typeface="+mn-lt"/>
+              </a:rPr>
+              <a:t>system</a:t>
+            </a:r>
+            <a:r>
+              <a:rPr lang="cs-CZ" sz="1100" dirty="0">
+                <a:ea typeface="+mn-lt"/>
+                <a:cs typeface="+mn-lt"/>
+              </a:rPr>
+              <a:t> - Wikipedia. [online]. Dostupné z: </a:t>
+            </a:r>
+            <a:r>
+              <a:rPr lang="cs-CZ" sz="1100" dirty="0">
+                <a:ea typeface="+mn-lt"/>
+                <a:cs typeface="+mn-lt"/>
+                <a:hlinkClick r:id="rId12"/>
+              </a:rPr>
+              <a:t>https://en.wikipedia.org/wiki/Extended_file_system</a:t>
+            </a:r>
+            <a:endParaRPr lang="cs-CZ" sz="1100" dirty="0">
+              <a:ea typeface="+mn-lt"/>
+              <a:cs typeface="+mn-lt"/>
+            </a:endParaRPr>
+          </a:p>
+          <a:p>
+            <a:pPr>
+              <a:spcBef>
+                <a:spcPts val="700"/>
+              </a:spcBef>
+            </a:pPr>
+            <a:r>
+              <a:rPr lang="cs-CZ" sz="1100" dirty="0">
+                <a:ea typeface="+mn-lt"/>
+                <a:cs typeface="+mn-lt"/>
+              </a:rPr>
+              <a:t>ext3 – Wikipedie. [online]. Dostupné z: </a:t>
+            </a:r>
+            <a:r>
+              <a:rPr lang="cs-CZ" sz="1100" dirty="0">
+                <a:ea typeface="+mn-lt"/>
+                <a:cs typeface="+mn-lt"/>
+                <a:hlinkClick r:id="rId13"/>
+              </a:rPr>
+              <a:t>https://cs.wikipedia.org/wiki/Ext3</a:t>
+            </a:r>
+            <a:endParaRPr lang="cs-CZ" sz="1100" dirty="0">
+              <a:ea typeface="+mn-lt"/>
+              <a:cs typeface="+mn-lt"/>
+            </a:endParaRPr>
+          </a:p>
+          <a:p>
+            <a:pPr>
+              <a:spcBef>
+                <a:spcPts val="700"/>
+              </a:spcBef>
+            </a:pPr>
+            <a:r>
+              <a:rPr lang="cs-CZ" sz="1100" dirty="0">
+                <a:ea typeface="+mn-lt"/>
+                <a:cs typeface="+mn-lt"/>
+              </a:rPr>
+              <a:t>ext4 – Wikipedie. [online]. Dostupné z: </a:t>
+            </a:r>
+            <a:r>
+              <a:rPr lang="cs-CZ" sz="1100" dirty="0">
+                <a:ea typeface="+mn-lt"/>
+                <a:cs typeface="+mn-lt"/>
+                <a:hlinkClick r:id="rId14"/>
+              </a:rPr>
+              <a:t>https://cs.wikipedia.org/wiki/Ext4</a:t>
+            </a:r>
+            <a:endParaRPr lang="cs-CZ" sz="1100" dirty="0">
+              <a:ea typeface="+mn-lt"/>
+              <a:cs typeface="+mn-lt"/>
+            </a:endParaRPr>
+          </a:p>
+          <a:p>
+            <a:endParaRPr lang="cs-CZ" sz="900">
+              <a:ea typeface="+mn-lt"/>
+              <a:cs typeface="+mn-lt"/>
+            </a:endParaRPr>
+          </a:p>
+          <a:p>
+            <a:endParaRPr lang="cs-CZ" sz="900">
+              <a:ea typeface="+mn-lt"/>
+              <a:cs typeface="+mn-lt"/>
+            </a:endParaRPr>
+          </a:p>
+          <a:p>
+            <a:endParaRPr lang="cs-CZ" sz="900">
               <a:ea typeface="+mn-lt"/>
               <a:cs typeface="+mn-lt"/>
             </a:endParaRPr>
@@ -6072,9 +10030,17 @@
 </p:sld>
 </file>
 
-<file path=ppt/slides/slide12.xml><?xml version="1.0" encoding="utf-8"?>
+<file path=ppt/slides/slide16.xml><?xml version="1.0" encoding="utf-8"?>
 <p:sld xmlns:a="http://schemas.openxmlformats.org/drawingml/2006/main" xmlns:r="http://schemas.openxmlformats.org/officeDocument/2006/relationships" xmlns:p="http://schemas.openxmlformats.org/presentationml/2006/main">
   <p:cSld>
+    <p:bg>
+      <p:bgPr>
+        <a:solidFill>
+          <a:schemeClr val="bg1"/>
+        </a:solidFill>
+        <a:effectLst/>
+      </p:bgPr>
+    </p:bg>
     <p:spTree>
       <p:nvGrpSpPr>
         <p:cNvPr id="1" name=""/>
@@ -6089,6 +10055,261 @@
           <a:chExt cx="0" cy="0"/>
         </a:xfrm>
       </p:grpSpPr>
+      <p:sp useBgFill="1">
+        <p:nvSpPr>
+          <p:cNvPr id="8" name="Rectangle 7">
+            <a:extLst>
+              <a:ext uri="{FF2B5EF4-FFF2-40B4-BE49-F238E27FC236}">
+                <a16:creationId xmlns:a16="http://schemas.microsoft.com/office/drawing/2014/main" id="{D278ADA9-6383-4BDD-80D2-8899A402687B}"/>
+              </a:ext>
+              <a:ext uri="{C183D7F6-B498-43B3-948B-1728B52AA6E4}">
+                <adec:decorative xmlns:adec="http://schemas.microsoft.com/office/drawing/2017/decorative" val="1"/>
+              </a:ext>
+            </a:extLst>
+          </p:cNvPr>
+          <p:cNvSpPr>
+            <a:spLocks noGrp="1" noRot="1" noChangeAspect="1" noMove="1" noResize="1" noEditPoints="1" noAdjustHandles="1" noChangeArrowheads="1" noChangeShapeType="1" noTextEdit="1"/>
+          </p:cNvSpPr>
+          <p:nvPr>
+            <p:extLst>
+              <p:ext uri="{386F3935-93C4-4BCD-93E2-E3B085C9AB24}">
+                <p16:designElem xmlns:p16="http://schemas.microsoft.com/office/powerpoint/2015/main" val="1"/>
+              </p:ext>
+            </p:extLst>
+          </p:nvPr>
+        </p:nvSpPr>
+        <p:spPr>
+          <a:xfrm>
+            <a:off x="3048" y="0"/>
+            <a:ext cx="12188952" cy="6858000"/>
+          </a:xfrm>
+          <a:prstGeom prst="rect">
+            <a:avLst/>
+          </a:prstGeom>
+          <a:ln>
+            <a:noFill/>
+          </a:ln>
+        </p:spPr>
+        <p:style>
+          <a:lnRef idx="2">
+            <a:schemeClr val="accent1">
+              <a:shade val="50000"/>
+            </a:schemeClr>
+          </a:lnRef>
+          <a:fillRef idx="1">
+            <a:schemeClr val="accent1"/>
+          </a:fillRef>
+          <a:effectRef idx="0">
+            <a:schemeClr val="accent1"/>
+          </a:effectRef>
+          <a:fontRef idx="minor">
+            <a:schemeClr val="lt1"/>
+          </a:fontRef>
+        </p:style>
+        <p:txBody>
+          <a:bodyPr rtlCol="0" anchor="ctr"/>
+          <a:lstStyle/>
+          <a:p>
+            <a:pPr algn="ctr"/>
+            <a:endParaRPr lang="en-US"/>
+          </a:p>
+        </p:txBody>
+      </p:sp>
+      <p:sp>
+        <p:nvSpPr>
+          <p:cNvPr id="10" name="Rectangle 9">
+            <a:extLst>
+              <a:ext uri="{FF2B5EF4-FFF2-40B4-BE49-F238E27FC236}">
+                <a16:creationId xmlns:a16="http://schemas.microsoft.com/office/drawing/2014/main" id="{484B7147-B0F6-40ED-B5A2-FF72BC8198B6}"/>
+              </a:ext>
+              <a:ext uri="{C183D7F6-B498-43B3-948B-1728B52AA6E4}">
+                <adec:decorative xmlns:adec="http://schemas.microsoft.com/office/drawing/2017/decorative" val="1"/>
+              </a:ext>
+            </a:extLst>
+          </p:cNvPr>
+          <p:cNvSpPr>
+            <a:spLocks noGrp="1" noRot="1" noChangeAspect="1" noMove="1" noResize="1" noEditPoints="1" noAdjustHandles="1" noChangeArrowheads="1" noChangeShapeType="1" noTextEdit="1"/>
+          </p:cNvSpPr>
+          <p:nvPr>
+            <p:extLst>
+              <p:ext uri="{386F3935-93C4-4BCD-93E2-E3B085C9AB24}">
+                <p16:designElem xmlns:p16="http://schemas.microsoft.com/office/powerpoint/2015/main" val="1"/>
+              </p:ext>
+            </p:extLst>
+          </p:nvPr>
+        </p:nvSpPr>
+        <p:spPr>
+          <a:xfrm>
+            <a:off x="0" y="0"/>
+            <a:ext cx="12192000" cy="6858000"/>
+          </a:xfrm>
+          <a:prstGeom prst="rect">
+            <a:avLst/>
+          </a:prstGeom>
+          <a:solidFill>
+            <a:schemeClr val="accent2"/>
+          </a:solidFill>
+          <a:ln>
+            <a:noFill/>
+          </a:ln>
+        </p:spPr>
+        <p:style>
+          <a:lnRef idx="2">
+            <a:schemeClr val="accent1">
+              <a:shade val="50000"/>
+            </a:schemeClr>
+          </a:lnRef>
+          <a:fillRef idx="1">
+            <a:schemeClr val="accent1"/>
+          </a:fillRef>
+          <a:effectRef idx="0">
+            <a:schemeClr val="accent1"/>
+          </a:effectRef>
+          <a:fontRef idx="minor">
+            <a:schemeClr val="lt1"/>
+          </a:fontRef>
+        </p:style>
+        <p:txBody>
+          <a:bodyPr rtlCol="0" anchor="ctr"/>
+          <a:lstStyle/>
+          <a:p>
+            <a:pPr algn="ctr"/>
+            <a:endParaRPr lang="en-US">
+              <a:solidFill>
+                <a:schemeClr val="tx1"/>
+              </a:solidFill>
+            </a:endParaRPr>
+          </a:p>
+        </p:txBody>
+      </p:sp>
+      <p:sp>
+        <p:nvSpPr>
+          <p:cNvPr id="12" name="Rectangle 11">
+            <a:extLst>
+              <a:ext uri="{FF2B5EF4-FFF2-40B4-BE49-F238E27FC236}">
+                <a16:creationId xmlns:a16="http://schemas.microsoft.com/office/drawing/2014/main" id="{B36D2DE0-0628-4A9A-A59D-7BA8B5EB3022}"/>
+              </a:ext>
+              <a:ext uri="{C183D7F6-B498-43B3-948B-1728B52AA6E4}">
+                <adec:decorative xmlns:adec="http://schemas.microsoft.com/office/drawing/2017/decorative" val="1"/>
+              </a:ext>
+            </a:extLst>
+          </p:cNvPr>
+          <p:cNvSpPr>
+            <a:spLocks noGrp="1" noRot="1" noChangeAspect="1" noMove="1" noResize="1" noEditPoints="1" noAdjustHandles="1" noChangeArrowheads="1" noChangeShapeType="1" noTextEdit="1"/>
+          </p:cNvSpPr>
+          <p:nvPr>
+            <p:extLst>
+              <p:ext uri="{386F3935-93C4-4BCD-93E2-E3B085C9AB24}">
+                <p16:designElem xmlns:p16="http://schemas.microsoft.com/office/powerpoint/2015/main" val="1"/>
+              </p:ext>
+            </p:extLst>
+          </p:nvPr>
+        </p:nvSpPr>
+        <p:spPr>
+          <a:xfrm>
+            <a:off x="0" y="0"/>
+            <a:ext cx="12192000" cy="6858000"/>
+          </a:xfrm>
+          <a:prstGeom prst="rect">
+            <a:avLst/>
+          </a:prstGeom>
+          <a:noFill/>
+          <a:ln>
+            <a:noFill/>
+          </a:ln>
+        </p:spPr>
+        <p:style>
+          <a:lnRef idx="2">
+            <a:schemeClr val="accent1">
+              <a:shade val="50000"/>
+            </a:schemeClr>
+          </a:lnRef>
+          <a:fillRef idx="1">
+            <a:schemeClr val="accent1"/>
+          </a:fillRef>
+          <a:effectRef idx="0">
+            <a:schemeClr val="accent1"/>
+          </a:effectRef>
+          <a:fontRef idx="minor">
+            <a:schemeClr val="lt1"/>
+          </a:fontRef>
+        </p:style>
+        <p:txBody>
+          <a:bodyPr rtlCol="0" anchor="ctr"/>
+          <a:lstStyle/>
+          <a:p>
+            <a:pPr algn="ctr"/>
+            <a:endParaRPr lang="en-US"/>
+          </a:p>
+        </p:txBody>
+      </p:sp>
+      <p:sp>
+        <p:nvSpPr>
+          <p:cNvPr id="14" name="Oval 13">
+            <a:extLst>
+              <a:ext uri="{FF2B5EF4-FFF2-40B4-BE49-F238E27FC236}">
+                <a16:creationId xmlns:a16="http://schemas.microsoft.com/office/drawing/2014/main" id="{48E405C9-94BE-41DA-928C-DEC9A8550E9F}"/>
+              </a:ext>
+              <a:ext uri="{C183D7F6-B498-43B3-948B-1728B52AA6E4}">
+                <adec:decorative xmlns:adec="http://schemas.microsoft.com/office/drawing/2017/decorative" val="1"/>
+              </a:ext>
+            </a:extLst>
+          </p:cNvPr>
+          <p:cNvSpPr>
+            <a:spLocks noGrp="1" noRot="1" noChangeAspect="1" noMove="1" noResize="1" noEditPoints="1" noAdjustHandles="1" noChangeArrowheads="1" noChangeShapeType="1" noTextEdit="1"/>
+          </p:cNvSpPr>
+          <p:nvPr>
+            <p:extLst>
+              <p:ext uri="{386F3935-93C4-4BCD-93E2-E3B085C9AB24}">
+                <p16:designElem xmlns:p16="http://schemas.microsoft.com/office/powerpoint/2015/main" val="1"/>
+              </p:ext>
+            </p:extLst>
+          </p:nvPr>
+        </p:nvSpPr>
+        <p:spPr>
+          <a:xfrm>
+            <a:off x="2815929" y="148929"/>
+            <a:ext cx="6560142" cy="6560142"/>
+          </a:xfrm>
+          <a:prstGeom prst="ellipse">
+            <a:avLst/>
+          </a:prstGeom>
+          <a:solidFill>
+            <a:schemeClr val="bg1"/>
+          </a:solidFill>
+          <a:ln>
+            <a:noFill/>
+          </a:ln>
+        </p:spPr>
+        <p:style>
+          <a:lnRef idx="2">
+            <a:schemeClr val="accent1">
+              <a:shade val="50000"/>
+            </a:schemeClr>
+          </a:lnRef>
+          <a:fillRef idx="1">
+            <a:schemeClr val="accent1"/>
+          </a:fillRef>
+          <a:effectRef idx="0">
+            <a:schemeClr val="accent1"/>
+          </a:effectRef>
+          <a:fontRef idx="minor">
+            <a:schemeClr val="lt1"/>
+          </a:fontRef>
+        </p:style>
+        <p:txBody>
+          <a:bodyPr rtlCol="0" anchor="ctr"/>
+          <a:lstStyle/>
+          <a:p>
+            <a:pPr algn="ctr"/>
+            <a:endParaRPr lang="en-US">
+              <a:solidFill>
+                <a:schemeClr val="bg1"/>
+              </a:solidFill>
+            </a:endParaRPr>
+          </a:p>
+        </p:txBody>
+      </p:sp>
       <p:sp>
         <p:nvSpPr>
           <p:cNvPr id="2" name="Nadpis 1">
@@ -6105,18 +10326,30 @@
             <p:ph type="title"/>
           </p:nvPr>
         </p:nvSpPr>
-        <p:spPr/>
-        <p:txBody>
-          <a:bodyPr/>
+        <p:spPr>
+          <a:xfrm>
+            <a:off x="3315031" y="1380754"/>
+            <a:ext cx="5561938" cy="2513516"/>
+          </a:xfrm>
+        </p:spPr>
+        <p:txBody>
+          <a:bodyPr vert="horz" lIns="91440" tIns="45720" rIns="91440" bIns="45720" rtlCol="0" anchor="b">
+            <a:normAutofit/>
+          </a:bodyPr>
           <a:lstStyle/>
           <a:p>
-            <a:r>
-              <a:rPr lang="cs-CZ" err="1">
-                <a:cs typeface="Calibri Light"/>
+            <a:pPr algn="ctr"/>
+            <a:r>
+              <a:rPr lang="en-US" sz="6000" kern="1200">
+                <a:solidFill>
+                  <a:schemeClr val="tx1"/>
+                </a:solidFill>
+                <a:latin typeface="+mj-lt"/>
+                <a:ea typeface="+mj-ea"/>
+                <a:cs typeface="+mj-cs"/>
               </a:rPr>
               <a:t>Github</a:t>
             </a:r>
-            <a:endParaRPr lang="cs-CZ" err="1"/>
           </a:p>
         </p:txBody>
       </p:sp>
@@ -6136,22 +10369,168 @@
             <p:ph idx="1"/>
           </p:nvPr>
         </p:nvSpPr>
-        <p:spPr/>
-        <p:txBody>
-          <a:bodyPr vert="horz" lIns="91440" tIns="45720" rIns="91440" bIns="45720" rtlCol="0" anchor="t">
+        <p:spPr>
+          <a:xfrm>
+            <a:off x="2810609" y="4076802"/>
+            <a:ext cx="6570782" cy="1534587"/>
+          </a:xfrm>
+        </p:spPr>
+        <p:txBody>
+          <a:bodyPr vert="horz" lIns="91440" tIns="45720" rIns="91440" bIns="45720" rtlCol="0">
             <a:normAutofit/>
           </a:bodyPr>
           <a:lstStyle/>
           <a:p>
-            <a:r>
-              <a:rPr lang="cs-CZ">
-                <a:ea typeface="+mn-lt"/>
-                <a:cs typeface="+mn-lt"/>
-                <a:hlinkClick r:id="rId2"/>
+            <a:pPr marL="0" indent="0" algn="ctr">
+              <a:buNone/>
+            </a:pPr>
+            <a:r>
+              <a:rPr lang="en-US" sz="2600" kern="1200">
+                <a:latin typeface="+mn-lt"/>
+                <a:ea typeface="+mn-ea"/>
+                <a:cs typeface="+mn-cs"/>
+                <a:hlinkClick r:id="rId2">
+                  <a:extLst>
+                    <a:ext uri="{A12FA001-AC4F-418D-AE19-62706E023703}">
+                      <ahyp:hlinkClr xmlns:ahyp="http://schemas.microsoft.com/office/drawing/2018/hyperlinkcolor" val="tx"/>
+                    </a:ext>
+                  </a:extLst>
+                </a:hlinkClick>
               </a:rPr>
               <a:t>https://github.com/horvos/souborovesystemy</a:t>
             </a:r>
-            <a:endParaRPr lang="cs-CZ"/>
+            <a:endParaRPr lang="en-US" sz="2600" kern="1200">
+              <a:latin typeface="+mn-lt"/>
+            </a:endParaRPr>
+          </a:p>
+        </p:txBody>
+      </p:sp>
+      <p:sp>
+        <p:nvSpPr>
+          <p:cNvPr id="16" name="Arc 15">
+            <a:extLst>
+              <a:ext uri="{FF2B5EF4-FFF2-40B4-BE49-F238E27FC236}">
+                <a16:creationId xmlns:a16="http://schemas.microsoft.com/office/drawing/2014/main" id="{D2091A72-D5BB-42AC-8FD3-F7747D90861E}"/>
+              </a:ext>
+              <a:ext uri="{C183D7F6-B498-43B3-948B-1728B52AA6E4}">
+                <adec:decorative xmlns:adec="http://schemas.microsoft.com/office/drawing/2017/decorative" val="1"/>
+              </a:ext>
+            </a:extLst>
+          </p:cNvPr>
+          <p:cNvSpPr>
+            <a:spLocks noGrp="1" noRot="1" noChangeAspect="1" noMove="1" noResize="1" noEditPoints="1" noAdjustHandles="1" noChangeArrowheads="1" noChangeShapeType="1" noTextEdit="1"/>
+          </p:cNvSpPr>
+          <p:nvPr>
+            <p:extLst>
+              <p:ext uri="{386F3935-93C4-4BCD-93E2-E3B085C9AB24}">
+                <p16:designElem xmlns:p16="http://schemas.microsoft.com/office/powerpoint/2015/main" val="1"/>
+              </p:ext>
+            </p:extLst>
+          </p:nvPr>
+        </p:nvSpPr>
+        <p:spPr>
+          <a:xfrm rot="9222429" flipV="1">
+            <a:off x="2494119" y="6170"/>
+            <a:ext cx="6816262" cy="6816262"/>
+          </a:xfrm>
+          <a:prstGeom prst="arc">
+            <a:avLst>
+              <a:gd name="adj1" fmla="val 16200000"/>
+              <a:gd name="adj2" fmla="val 20093138"/>
+            </a:avLst>
+          </a:prstGeom>
+          <a:ln w="127000" cap="rnd">
+            <a:solidFill>
+              <a:schemeClr val="accent4">
+                <a:alpha val="95000"/>
+              </a:schemeClr>
+            </a:solidFill>
+            <a:prstDash val="dash"/>
+          </a:ln>
+        </p:spPr>
+        <p:style>
+          <a:lnRef idx="1">
+            <a:schemeClr val="accent1"/>
+          </a:lnRef>
+          <a:fillRef idx="0">
+            <a:schemeClr val="accent1"/>
+          </a:fillRef>
+          <a:effectRef idx="0">
+            <a:schemeClr val="accent1"/>
+          </a:effectRef>
+          <a:fontRef idx="minor">
+            <a:schemeClr val="tx1"/>
+          </a:fontRef>
+        </p:style>
+        <p:txBody>
+          <a:bodyPr rtlCol="0" anchor="ctr"/>
+          <a:lstStyle/>
+          <a:p>
+            <a:pPr algn="ctr"/>
+            <a:endParaRPr lang="en-US" dirty="0"/>
+          </a:p>
+        </p:txBody>
+      </p:sp>
+      <p:sp>
+        <p:nvSpPr>
+          <p:cNvPr id="18" name="Oval 17">
+            <a:extLst>
+              <a:ext uri="{FF2B5EF4-FFF2-40B4-BE49-F238E27FC236}">
+                <a16:creationId xmlns:a16="http://schemas.microsoft.com/office/drawing/2014/main" id="{6ED12BFC-A737-46AF-8411-481112D54B0C}"/>
+              </a:ext>
+              <a:ext uri="{C183D7F6-B498-43B3-948B-1728B52AA6E4}">
+                <adec:decorative xmlns:adec="http://schemas.microsoft.com/office/drawing/2017/decorative" val="1"/>
+              </a:ext>
+            </a:extLst>
+          </p:cNvPr>
+          <p:cNvSpPr>
+            <a:spLocks noGrp="1" noRot="1" noChangeAspect="1" noMove="1" noResize="1" noEditPoints="1" noAdjustHandles="1" noChangeArrowheads="1" noChangeShapeType="1" noTextEdit="1"/>
+          </p:cNvSpPr>
+          <p:nvPr>
+            <p:extLst>
+              <p:ext uri="{386F3935-93C4-4BCD-93E2-E3B085C9AB24}">
+                <p16:designElem xmlns:p16="http://schemas.microsoft.com/office/powerpoint/2015/main" val="1"/>
+              </p:ext>
+            </p:extLst>
+          </p:nvPr>
+        </p:nvSpPr>
+        <p:spPr>
+          <a:xfrm>
+            <a:off x="8200995" y="5310973"/>
+            <a:ext cx="705948" cy="686798"/>
+          </a:xfrm>
+          <a:prstGeom prst="ellipse">
+            <a:avLst/>
+          </a:prstGeom>
+          <a:solidFill>
+            <a:schemeClr val="accent5"/>
+          </a:solidFill>
+          <a:ln>
+            <a:noFill/>
+          </a:ln>
+        </p:spPr>
+        <p:style>
+          <a:lnRef idx="2">
+            <a:schemeClr val="accent1">
+              <a:shade val="50000"/>
+            </a:schemeClr>
+          </a:lnRef>
+          <a:fillRef idx="1">
+            <a:schemeClr val="accent1"/>
+          </a:fillRef>
+          <a:effectRef idx="0">
+            <a:schemeClr val="accent1"/>
+          </a:effectRef>
+          <a:fontRef idx="minor">
+            <a:schemeClr val="lt1"/>
+          </a:fontRef>
+        </p:style>
+        <p:txBody>
+          <a:bodyPr rtlCol="0" anchor="ctr"/>
+          <a:lstStyle/>
+          <a:p>
+            <a:pPr algn="ctr"/>
+            <a:endParaRPr lang="en-US"/>
           </a:p>
         </p:txBody>
       </p:sp>

--- a/horvath.pptx
+++ b/horvath.pptx
@@ -130,18 +130,230 @@
 <file path=ppt/revisionInfo.xml><?xml version="1.0" encoding="utf-8"?>
 <p1510:revInfo xmlns:a="http://schemas.openxmlformats.org/drawingml/2006/main" xmlns:r="http://schemas.openxmlformats.org/officeDocument/2006/relationships" xmlns:p1510="http://schemas.microsoft.com/office/powerpoint/2015/10/main">
   <p1510:revLst>
-    <p1510:client id="{17B054D8-A26A-7BDB-B608-4F995BF67F96}" v="338" dt="2023-01-16T18:49:49.910"/>
-    <p1510:client id="{2F94DA43-D29A-2044-91F7-EA64A333DABB}" v="545" dt="2023-01-17T18:04:10.394"/>
-    <p1510:client id="{3D9595F1-8E06-0E87-1AE6-B83E193FAD22}" v="130" dt="2023-01-09T18:03:36.874"/>
-    <p1510:client id="{45398B61-7F1E-237B-5C24-23A682D5EC68}" v="130" dt="2023-01-14T15:52:06.716"/>
-    <p1510:client id="{84ABAEFF-358B-2271-21FD-9D812A704519}" v="138" dt="2023-01-08T10:22:40.827"/>
-    <p1510:client id="{9DDDA8D4-C02F-BC48-4098-4D6B21335B58}" v="182" dt="2023-01-11T19:16:33.597"/>
-    <p1510:client id="{DD3E86D0-9318-CBE5-C52E-355F512D6693}" v="182" dt="2023-01-14T16:23:46.553"/>
-    <p1510:client id="{DE90C6F3-66A9-BDF8-193E-E91FDD634819}" v="1" dt="2023-01-08T10:23:44.808"/>
-    <p1510:client id="{E05190BB-AD6A-DC0F-C6E3-D96BA3F8E8A9}" v="1" dt="2023-01-14T15:52:54.405"/>
-    <p1510:client id="{FFE463EC-2E29-561E-B07C-75661D4B65A7}" v="445" dt="2023-01-09T17:50:49.036"/>
+    <p1510:client id="{BD17A7A3-1D0F-4647-8DCE-E7FD05DAE448}" v="19" dt="2023-01-19T18:15:45.030"/>
   </p1510:revLst>
 </p1510:revInfo>
+</file>
+
+<file path=ppt/changesInfos/changesInfo1.xml><?xml version="1.0" encoding="utf-8"?>
+<pc:chgInfo xmlns:a="http://schemas.openxmlformats.org/drawingml/2006/main" xmlns:r="http://schemas.openxmlformats.org/officeDocument/2006/relationships" xmlns:ac="http://schemas.microsoft.com/office/drawing/2013/main/command" xmlns:pc="http://schemas.microsoft.com/office/powerpoint/2013/main/command">
+  <pc:docChgLst>
+    <pc:chgData name="Michal Horvath" userId="a78b95b046f4b743" providerId="LiveId" clId="{BD17A7A3-1D0F-4647-8DCE-E7FD05DAE448}"/>
+    <pc:docChg chg="modSld modMainMaster">
+      <pc:chgData name="Michal Horvath" userId="a78b95b046f4b743" providerId="LiveId" clId="{BD17A7A3-1D0F-4647-8DCE-E7FD05DAE448}" dt="2023-01-19T18:15:45.030" v="18"/>
+      <pc:docMkLst>
+        <pc:docMk/>
+      </pc:docMkLst>
+      <pc:sldChg chg="modTransition">
+        <pc:chgData name="Michal Horvath" userId="a78b95b046f4b743" providerId="LiveId" clId="{BD17A7A3-1D0F-4647-8DCE-E7FD05DAE448}" dt="2023-01-19T18:15:29.238" v="15"/>
+        <pc:sldMkLst>
+          <pc:docMk/>
+          <pc:sldMk cId="3799523001" sldId="256"/>
+        </pc:sldMkLst>
+      </pc:sldChg>
+      <pc:sldChg chg="modTransition">
+        <pc:chgData name="Michal Horvath" userId="a78b95b046f4b743" providerId="LiveId" clId="{BD17A7A3-1D0F-4647-8DCE-E7FD05DAE448}" dt="2023-01-19T18:15:38.734" v="17"/>
+        <pc:sldMkLst>
+          <pc:docMk/>
+          <pc:sldMk cId="2811926269" sldId="258"/>
+        </pc:sldMkLst>
+      </pc:sldChg>
+      <pc:sldChg chg="modTransition">
+        <pc:chgData name="Michal Horvath" userId="a78b95b046f4b743" providerId="LiveId" clId="{BD17A7A3-1D0F-4647-8DCE-E7FD05DAE448}" dt="2023-01-19T18:15:24.326" v="14"/>
+        <pc:sldMkLst>
+          <pc:docMk/>
+          <pc:sldMk cId="2494908260" sldId="259"/>
+        </pc:sldMkLst>
+      </pc:sldChg>
+      <pc:sldChg chg="modTransition">
+        <pc:chgData name="Michal Horvath" userId="a78b95b046f4b743" providerId="LiveId" clId="{BD17A7A3-1D0F-4647-8DCE-E7FD05DAE448}" dt="2023-01-19T18:15:32.582" v="16"/>
+        <pc:sldMkLst>
+          <pc:docMk/>
+          <pc:sldMk cId="2682461447" sldId="260"/>
+        </pc:sldMkLst>
+      </pc:sldChg>
+      <pc:sldChg chg="modTransition">
+        <pc:chgData name="Michal Horvath" userId="a78b95b046f4b743" providerId="LiveId" clId="{BD17A7A3-1D0F-4647-8DCE-E7FD05DAE448}" dt="2023-01-19T18:15:24.326" v="14"/>
+        <pc:sldMkLst>
+          <pc:docMk/>
+          <pc:sldMk cId="1805287342" sldId="261"/>
+        </pc:sldMkLst>
+      </pc:sldChg>
+      <pc:sldChg chg="modTransition">
+        <pc:chgData name="Michal Horvath" userId="a78b95b046f4b743" providerId="LiveId" clId="{BD17A7A3-1D0F-4647-8DCE-E7FD05DAE448}" dt="2023-01-19T18:15:24.326" v="14"/>
+        <pc:sldMkLst>
+          <pc:docMk/>
+          <pc:sldMk cId="3392201423" sldId="262"/>
+        </pc:sldMkLst>
+      </pc:sldChg>
+      <pc:sldChg chg="modTransition">
+        <pc:chgData name="Michal Horvath" userId="a78b95b046f4b743" providerId="LiveId" clId="{BD17A7A3-1D0F-4647-8DCE-E7FD05DAE448}" dt="2023-01-19T18:15:24.326" v="14"/>
+        <pc:sldMkLst>
+          <pc:docMk/>
+          <pc:sldMk cId="3518947364" sldId="263"/>
+        </pc:sldMkLst>
+      </pc:sldChg>
+      <pc:sldChg chg="modTransition">
+        <pc:chgData name="Michal Horvath" userId="a78b95b046f4b743" providerId="LiveId" clId="{BD17A7A3-1D0F-4647-8DCE-E7FD05DAE448}" dt="2023-01-19T18:15:24.326" v="14"/>
+        <pc:sldMkLst>
+          <pc:docMk/>
+          <pc:sldMk cId="25997105" sldId="264"/>
+        </pc:sldMkLst>
+      </pc:sldChg>
+      <pc:sldChg chg="modTransition">
+        <pc:chgData name="Michal Horvath" userId="a78b95b046f4b743" providerId="LiveId" clId="{BD17A7A3-1D0F-4647-8DCE-E7FD05DAE448}" dt="2023-01-19T18:15:45.030" v="18"/>
+        <pc:sldMkLst>
+          <pc:docMk/>
+          <pc:sldMk cId="1668892830" sldId="265"/>
+        </pc:sldMkLst>
+      </pc:sldChg>
+      <pc:sldChg chg="modTransition">
+        <pc:chgData name="Michal Horvath" userId="a78b95b046f4b743" providerId="LiveId" clId="{BD17A7A3-1D0F-4647-8DCE-E7FD05DAE448}" dt="2023-01-19T18:15:24.326" v="14"/>
+        <pc:sldMkLst>
+          <pc:docMk/>
+          <pc:sldMk cId="992021739" sldId="266"/>
+        </pc:sldMkLst>
+      </pc:sldChg>
+      <pc:sldChg chg="modTransition">
+        <pc:chgData name="Michal Horvath" userId="a78b95b046f4b743" providerId="LiveId" clId="{BD17A7A3-1D0F-4647-8DCE-E7FD05DAE448}" dt="2023-01-19T18:15:24.326" v="14"/>
+        <pc:sldMkLst>
+          <pc:docMk/>
+          <pc:sldMk cId="2343270399" sldId="267"/>
+        </pc:sldMkLst>
+      </pc:sldChg>
+      <pc:sldChg chg="modTransition">
+        <pc:chgData name="Michal Horvath" userId="a78b95b046f4b743" providerId="LiveId" clId="{BD17A7A3-1D0F-4647-8DCE-E7FD05DAE448}" dt="2023-01-19T18:15:24.326" v="14"/>
+        <pc:sldMkLst>
+          <pc:docMk/>
+          <pc:sldMk cId="2089750412" sldId="268"/>
+        </pc:sldMkLst>
+      </pc:sldChg>
+      <pc:sldChg chg="modTransition">
+        <pc:chgData name="Michal Horvath" userId="a78b95b046f4b743" providerId="LiveId" clId="{BD17A7A3-1D0F-4647-8DCE-E7FD05DAE448}" dt="2023-01-19T18:15:24.326" v="14"/>
+        <pc:sldMkLst>
+          <pc:docMk/>
+          <pc:sldMk cId="574112604" sldId="269"/>
+        </pc:sldMkLst>
+      </pc:sldChg>
+      <pc:sldChg chg="modTransition">
+        <pc:chgData name="Michal Horvath" userId="a78b95b046f4b743" providerId="LiveId" clId="{BD17A7A3-1D0F-4647-8DCE-E7FD05DAE448}" dt="2023-01-19T18:15:24.326" v="14"/>
+        <pc:sldMkLst>
+          <pc:docMk/>
+          <pc:sldMk cId="3902934988" sldId="270"/>
+        </pc:sldMkLst>
+      </pc:sldChg>
+      <pc:sldChg chg="modTransition">
+        <pc:chgData name="Michal Horvath" userId="a78b95b046f4b743" providerId="LiveId" clId="{BD17A7A3-1D0F-4647-8DCE-E7FD05DAE448}" dt="2023-01-19T18:15:24.326" v="14"/>
+        <pc:sldMkLst>
+          <pc:docMk/>
+          <pc:sldMk cId="1781476271" sldId="271"/>
+        </pc:sldMkLst>
+      </pc:sldChg>
+      <pc:sldChg chg="modTransition">
+        <pc:chgData name="Michal Horvath" userId="a78b95b046f4b743" providerId="LiveId" clId="{BD17A7A3-1D0F-4647-8DCE-E7FD05DAE448}" dt="2023-01-19T18:15:24.326" v="14"/>
+        <pc:sldMkLst>
+          <pc:docMk/>
+          <pc:sldMk cId="988768958" sldId="272"/>
+        </pc:sldMkLst>
+      </pc:sldChg>
+      <pc:sldMasterChg chg="modTransition modSldLayout">
+        <pc:chgData name="Michal Horvath" userId="a78b95b046f4b743" providerId="LiveId" clId="{BD17A7A3-1D0F-4647-8DCE-E7FD05DAE448}" dt="2023-01-19T18:15:24.326" v="14"/>
+        <pc:sldMasterMkLst>
+          <pc:docMk/>
+          <pc:sldMasterMk cId="464252367" sldId="2147483648"/>
+        </pc:sldMasterMkLst>
+        <pc:sldLayoutChg chg="modTransition">
+          <pc:chgData name="Michal Horvath" userId="a78b95b046f4b743" providerId="LiveId" clId="{BD17A7A3-1D0F-4647-8DCE-E7FD05DAE448}" dt="2023-01-19T18:15:24.326" v="14"/>
+          <pc:sldLayoutMkLst>
+            <pc:docMk/>
+            <pc:sldMasterMk cId="464252367" sldId="2147483648"/>
+            <pc:sldLayoutMk cId="1771309689" sldId="2147483649"/>
+          </pc:sldLayoutMkLst>
+        </pc:sldLayoutChg>
+        <pc:sldLayoutChg chg="modTransition">
+          <pc:chgData name="Michal Horvath" userId="a78b95b046f4b743" providerId="LiveId" clId="{BD17A7A3-1D0F-4647-8DCE-E7FD05DAE448}" dt="2023-01-19T18:15:24.326" v="14"/>
+          <pc:sldLayoutMkLst>
+            <pc:docMk/>
+            <pc:sldMasterMk cId="464252367" sldId="2147483648"/>
+            <pc:sldLayoutMk cId="21655345" sldId="2147483650"/>
+          </pc:sldLayoutMkLst>
+        </pc:sldLayoutChg>
+        <pc:sldLayoutChg chg="modTransition">
+          <pc:chgData name="Michal Horvath" userId="a78b95b046f4b743" providerId="LiveId" clId="{BD17A7A3-1D0F-4647-8DCE-E7FD05DAE448}" dt="2023-01-19T18:15:24.326" v="14"/>
+          <pc:sldLayoutMkLst>
+            <pc:docMk/>
+            <pc:sldMasterMk cId="464252367" sldId="2147483648"/>
+            <pc:sldLayoutMk cId="2957285559" sldId="2147483651"/>
+          </pc:sldLayoutMkLst>
+        </pc:sldLayoutChg>
+        <pc:sldLayoutChg chg="modTransition">
+          <pc:chgData name="Michal Horvath" userId="a78b95b046f4b743" providerId="LiveId" clId="{BD17A7A3-1D0F-4647-8DCE-E7FD05DAE448}" dt="2023-01-19T18:15:24.326" v="14"/>
+          <pc:sldLayoutMkLst>
+            <pc:docMk/>
+            <pc:sldMasterMk cId="464252367" sldId="2147483648"/>
+            <pc:sldLayoutMk cId="3426106184" sldId="2147483652"/>
+          </pc:sldLayoutMkLst>
+        </pc:sldLayoutChg>
+        <pc:sldLayoutChg chg="modTransition">
+          <pc:chgData name="Michal Horvath" userId="a78b95b046f4b743" providerId="LiveId" clId="{BD17A7A3-1D0F-4647-8DCE-E7FD05DAE448}" dt="2023-01-19T18:15:24.326" v="14"/>
+          <pc:sldLayoutMkLst>
+            <pc:docMk/>
+            <pc:sldMasterMk cId="464252367" sldId="2147483648"/>
+            <pc:sldLayoutMk cId="597578085" sldId="2147483653"/>
+          </pc:sldLayoutMkLst>
+        </pc:sldLayoutChg>
+        <pc:sldLayoutChg chg="modTransition">
+          <pc:chgData name="Michal Horvath" userId="a78b95b046f4b743" providerId="LiveId" clId="{BD17A7A3-1D0F-4647-8DCE-E7FD05DAE448}" dt="2023-01-19T18:15:24.326" v="14"/>
+          <pc:sldLayoutMkLst>
+            <pc:docMk/>
+            <pc:sldMasterMk cId="464252367" sldId="2147483648"/>
+            <pc:sldLayoutMk cId="3514983867" sldId="2147483654"/>
+          </pc:sldLayoutMkLst>
+        </pc:sldLayoutChg>
+        <pc:sldLayoutChg chg="modTransition">
+          <pc:chgData name="Michal Horvath" userId="a78b95b046f4b743" providerId="LiveId" clId="{BD17A7A3-1D0F-4647-8DCE-E7FD05DAE448}" dt="2023-01-19T18:15:24.326" v="14"/>
+          <pc:sldLayoutMkLst>
+            <pc:docMk/>
+            <pc:sldMasterMk cId="464252367" sldId="2147483648"/>
+            <pc:sldLayoutMk cId="2973794414" sldId="2147483655"/>
+          </pc:sldLayoutMkLst>
+        </pc:sldLayoutChg>
+        <pc:sldLayoutChg chg="modTransition">
+          <pc:chgData name="Michal Horvath" userId="a78b95b046f4b743" providerId="LiveId" clId="{BD17A7A3-1D0F-4647-8DCE-E7FD05DAE448}" dt="2023-01-19T18:15:24.326" v="14"/>
+          <pc:sldLayoutMkLst>
+            <pc:docMk/>
+            <pc:sldMasterMk cId="464252367" sldId="2147483648"/>
+            <pc:sldLayoutMk cId="3504307544" sldId="2147483656"/>
+          </pc:sldLayoutMkLst>
+        </pc:sldLayoutChg>
+        <pc:sldLayoutChg chg="modTransition">
+          <pc:chgData name="Michal Horvath" userId="a78b95b046f4b743" providerId="LiveId" clId="{BD17A7A3-1D0F-4647-8DCE-E7FD05DAE448}" dt="2023-01-19T18:15:24.326" v="14"/>
+          <pc:sldLayoutMkLst>
+            <pc:docMk/>
+            <pc:sldMasterMk cId="464252367" sldId="2147483648"/>
+            <pc:sldLayoutMk cId="4088594436" sldId="2147483657"/>
+          </pc:sldLayoutMkLst>
+        </pc:sldLayoutChg>
+        <pc:sldLayoutChg chg="modTransition">
+          <pc:chgData name="Michal Horvath" userId="a78b95b046f4b743" providerId="LiveId" clId="{BD17A7A3-1D0F-4647-8DCE-E7FD05DAE448}" dt="2023-01-19T18:15:24.326" v="14"/>
+          <pc:sldLayoutMkLst>
+            <pc:docMk/>
+            <pc:sldMasterMk cId="464252367" sldId="2147483648"/>
+            <pc:sldLayoutMk cId="707188527" sldId="2147483658"/>
+          </pc:sldLayoutMkLst>
+        </pc:sldLayoutChg>
+        <pc:sldLayoutChg chg="modTransition">
+          <pc:chgData name="Michal Horvath" userId="a78b95b046f4b743" providerId="LiveId" clId="{BD17A7A3-1D0F-4647-8DCE-E7FD05DAE448}" dt="2023-01-19T18:15:24.326" v="14"/>
+          <pc:sldLayoutMkLst>
+            <pc:docMk/>
+            <pc:sldMasterMk cId="464252367" sldId="2147483648"/>
+            <pc:sldLayoutMk cId="1955787437" sldId="2147483659"/>
+          </pc:sldLayoutMkLst>
+        </pc:sldLayoutChg>
+      </pc:sldMasterChg>
+    </pc:docChg>
+  </pc:docChgLst>
+</pc:chgInfo>
 </file>
 
 <file path=ppt/slideLayouts/slideLayout1.xml><?xml version="1.0" encoding="utf-8"?>
@@ -273,7 +485,7 @@
           <a:p>
             <a:fld id="{8A3A43DF-04A3-4662-88CA-28FDED1CFC09}" type="datetimeFigureOut">
               <a:rPr lang="cs-CZ" smtClean="0"/>
-              <a:t>17.01.2023</a:t>
+              <a:t>19.01.2023</a:t>
             </a:fld>
             <a:endParaRPr lang="cs-CZ"/>
           </a:p>
@@ -331,6 +543,9 @@
   <p:clrMapOvr>
     <a:masterClrMapping/>
   </p:clrMapOvr>
+  <p:transition spd="slow" advTm="90000">
+    <p:push dir="u"/>
+  </p:transition>
 </p:sldLayout>
 </file>
 
@@ -441,7 +656,7 @@
           <a:p>
             <a:fld id="{8A3A43DF-04A3-4662-88CA-28FDED1CFC09}" type="datetimeFigureOut">
               <a:rPr lang="cs-CZ" smtClean="0"/>
-              <a:t>17.01.2023</a:t>
+              <a:t>19.01.2023</a:t>
             </a:fld>
             <a:endParaRPr lang="cs-CZ"/>
           </a:p>
@@ -499,6 +714,9 @@
   <p:clrMapOvr>
     <a:masterClrMapping/>
   </p:clrMapOvr>
+  <p:transition spd="slow" advTm="90000">
+    <p:push dir="u"/>
+  </p:transition>
 </p:sldLayout>
 </file>
 
@@ -619,7 +837,7 @@
           <a:p>
             <a:fld id="{8A3A43DF-04A3-4662-88CA-28FDED1CFC09}" type="datetimeFigureOut">
               <a:rPr lang="cs-CZ" smtClean="0"/>
-              <a:t>17.01.2023</a:t>
+              <a:t>19.01.2023</a:t>
             </a:fld>
             <a:endParaRPr lang="cs-CZ"/>
           </a:p>
@@ -677,6 +895,9 @@
   <p:clrMapOvr>
     <a:masterClrMapping/>
   </p:clrMapOvr>
+  <p:transition spd="slow" advTm="90000">
+    <p:push dir="u"/>
+  </p:transition>
 </p:sldLayout>
 </file>
 
@@ -787,7 +1008,7 @@
           <a:p>
             <a:fld id="{8A3A43DF-04A3-4662-88CA-28FDED1CFC09}" type="datetimeFigureOut">
               <a:rPr lang="cs-CZ" smtClean="0"/>
-              <a:t>17.01.2023</a:t>
+              <a:t>19.01.2023</a:t>
             </a:fld>
             <a:endParaRPr lang="cs-CZ"/>
           </a:p>
@@ -845,6 +1066,9 @@
   <p:clrMapOvr>
     <a:masterClrMapping/>
   </p:clrMapOvr>
+  <p:transition spd="slow" advTm="90000">
+    <p:push dir="u"/>
+  </p:transition>
 </p:sldLayout>
 </file>
 
@@ -1032,7 +1256,7 @@
           <a:p>
             <a:fld id="{8A3A43DF-04A3-4662-88CA-28FDED1CFC09}" type="datetimeFigureOut">
               <a:rPr lang="cs-CZ" smtClean="0"/>
-              <a:t>17.01.2023</a:t>
+              <a:t>19.01.2023</a:t>
             </a:fld>
             <a:endParaRPr lang="cs-CZ"/>
           </a:p>
@@ -1090,6 +1314,9 @@
   <p:clrMapOvr>
     <a:masterClrMapping/>
   </p:clrMapOvr>
+  <p:transition spd="slow" advTm="90000">
+    <p:push dir="u"/>
+  </p:transition>
 </p:sldLayout>
 </file>
 
@@ -1261,7 +1488,7 @@
           <a:p>
             <a:fld id="{8A3A43DF-04A3-4662-88CA-28FDED1CFC09}" type="datetimeFigureOut">
               <a:rPr lang="cs-CZ" smtClean="0"/>
-              <a:t>17.01.2023</a:t>
+              <a:t>19.01.2023</a:t>
             </a:fld>
             <a:endParaRPr lang="cs-CZ"/>
           </a:p>
@@ -1319,6 +1546,9 @@
   <p:clrMapOvr>
     <a:masterClrMapping/>
   </p:clrMapOvr>
+  <p:transition spd="slow" advTm="90000">
+    <p:push dir="u"/>
+  </p:transition>
 </p:sldLayout>
 </file>
 
@@ -1625,7 +1855,7 @@
           <a:p>
             <a:fld id="{8A3A43DF-04A3-4662-88CA-28FDED1CFC09}" type="datetimeFigureOut">
               <a:rPr lang="cs-CZ" smtClean="0"/>
-              <a:t>17.01.2023</a:t>
+              <a:t>19.01.2023</a:t>
             </a:fld>
             <a:endParaRPr lang="cs-CZ"/>
           </a:p>
@@ -1683,6 +1913,9 @@
   <p:clrMapOvr>
     <a:masterClrMapping/>
   </p:clrMapOvr>
+  <p:transition spd="slow" advTm="90000">
+    <p:push dir="u"/>
+  </p:transition>
 </p:sldLayout>
 </file>
 
@@ -1742,7 +1975,7 @@
           <a:p>
             <a:fld id="{8A3A43DF-04A3-4662-88CA-28FDED1CFC09}" type="datetimeFigureOut">
               <a:rPr lang="cs-CZ" smtClean="0"/>
-              <a:t>17.01.2023</a:t>
+              <a:t>19.01.2023</a:t>
             </a:fld>
             <a:endParaRPr lang="cs-CZ"/>
           </a:p>
@@ -1800,6 +2033,9 @@
   <p:clrMapOvr>
     <a:masterClrMapping/>
   </p:clrMapOvr>
+  <p:transition spd="slow" advTm="90000">
+    <p:push dir="u"/>
+  </p:transition>
 </p:sldLayout>
 </file>
 
@@ -1837,7 +2073,7 @@
           <a:p>
             <a:fld id="{8A3A43DF-04A3-4662-88CA-28FDED1CFC09}" type="datetimeFigureOut">
               <a:rPr lang="cs-CZ" smtClean="0"/>
-              <a:t>17.01.2023</a:t>
+              <a:t>19.01.2023</a:t>
             </a:fld>
             <a:endParaRPr lang="cs-CZ"/>
           </a:p>
@@ -1895,6 +2131,9 @@
   <p:clrMapOvr>
     <a:masterClrMapping/>
   </p:clrMapOvr>
+  <p:transition spd="slow" advTm="90000">
+    <p:push dir="u"/>
+  </p:transition>
 </p:sldLayout>
 </file>
 
@@ -2112,7 +2351,7 @@
           <a:p>
             <a:fld id="{8A3A43DF-04A3-4662-88CA-28FDED1CFC09}" type="datetimeFigureOut">
               <a:rPr lang="cs-CZ" smtClean="0"/>
-              <a:t>17.01.2023</a:t>
+              <a:t>19.01.2023</a:t>
             </a:fld>
             <a:endParaRPr lang="cs-CZ"/>
           </a:p>
@@ -2170,6 +2409,9 @@
   <p:clrMapOvr>
     <a:masterClrMapping/>
   </p:clrMapOvr>
+  <p:transition spd="slow" advTm="90000">
+    <p:push dir="u"/>
+  </p:transition>
 </p:sldLayout>
 </file>
 
@@ -2364,7 +2606,7 @@
           <a:p>
             <a:fld id="{8A3A43DF-04A3-4662-88CA-28FDED1CFC09}" type="datetimeFigureOut">
               <a:rPr lang="cs-CZ" smtClean="0"/>
-              <a:t>17.01.2023</a:t>
+              <a:t>19.01.2023</a:t>
             </a:fld>
             <a:endParaRPr lang="cs-CZ"/>
           </a:p>
@@ -2422,6 +2664,9 @@
   <p:clrMapOvr>
     <a:masterClrMapping/>
   </p:clrMapOvr>
+  <p:transition spd="slow" advTm="90000">
+    <p:push dir="u"/>
+  </p:transition>
 </p:sldLayout>
 </file>
 
@@ -2575,7 +2820,7 @@
           <a:p>
             <a:fld id="{8A3A43DF-04A3-4662-88CA-28FDED1CFC09}" type="datetimeFigureOut">
               <a:rPr lang="cs-CZ" smtClean="0"/>
-              <a:t>17.01.2023</a:t>
+              <a:t>19.01.2023</a:t>
             </a:fld>
             <a:endParaRPr lang="cs-CZ"/>
           </a:p>
@@ -2680,6 +2925,9 @@
     <p:sldLayoutId id="2147483658" r:id="rId10"/>
     <p:sldLayoutId id="2147483659" r:id="rId11"/>
   </p:sldLayoutIdLst>
+  <p:transition spd="slow" advTm="90000">
+    <p:push dir="u"/>
+  </p:transition>
   <p:txStyles>
     <p:titleStyle>
       <a:lvl1pPr algn="l" defTabSz="914400" rtl="0" eaLnBrk="1" latinLnBrk="0" hangingPunct="1">
@@ -3607,7 +3855,7 @@
   <p:clrMapOvr>
     <a:masterClrMapping/>
   </p:clrMapOvr>
-  <p:transition spd="slow">
+  <p:transition spd="slow" advTm="3000">
     <p:push dir="u"/>
   </p:transition>
 </p:sld>
@@ -4193,8 +4441,8 @@
         </p:nvSpPr>
         <p:spPr>
           <a:xfrm>
-            <a:off x="6096000" y="820880"/>
-            <a:ext cx="5257799" cy="4889350"/>
+            <a:off x="6096000" y="1112968"/>
+            <a:ext cx="5257799" cy="4597261"/>
           </a:xfrm>
         </p:spPr>
         <p:txBody>
@@ -4202,6 +4450,14 @@
             <a:normAutofit/>
           </a:bodyPr>
           <a:lstStyle/>
+          <a:p>
+            <a:r>
+              <a:rPr lang="cs-CZ" dirty="0">
+                <a:cs typeface="Calibri"/>
+              </a:rPr>
+              <a:t>Vytvořen v roce 1995</a:t>
+            </a:r>
+          </a:p>
           <a:p>
             <a:r>
               <a:rPr lang="cs-CZ" dirty="0">
@@ -4841,6 +5097,9 @@
   <p:clrMapOvr>
     <a:masterClrMapping/>
   </p:clrMapOvr>
+  <p:transition spd="slow" advTm="90000">
+    <p:push dir="u"/>
+  </p:transition>
 </p:sld>
 </file>
 
@@ -5271,6 +5530,9 @@
   <p:clrMapOvr>
     <a:masterClrMapping/>
   </p:clrMapOvr>
+  <p:transition spd="slow" advTm="90000">
+    <p:push dir="u"/>
+  </p:transition>
 </p:sld>
 </file>
 
@@ -5677,9 +5939,17 @@
         </p:spPr>
         <p:txBody>
           <a:bodyPr vert="horz" lIns="91440" tIns="45720" rIns="91440" bIns="45720" rtlCol="0" anchor="t">
-            <a:normAutofit/>
+            <a:normAutofit lnSpcReduction="10000"/>
           </a:bodyPr>
           <a:lstStyle/>
+          <a:p>
+            <a:r>
+              <a:rPr lang="cs-CZ" dirty="0">
+                <a:cs typeface="Calibri"/>
+              </a:rPr>
+              <a:t>Vytvořen v roce 1993</a:t>
+            </a:r>
+          </a:p>
           <a:p>
             <a:r>
               <a:rPr lang="cs-CZ" dirty="0">
@@ -5724,6 +5994,9 @@
   <p:clrMapOvr>
     <a:masterClrMapping/>
   </p:clrMapOvr>
+  <p:transition spd="slow" advTm="90000">
+    <p:push dir="u"/>
+  </p:transition>
 </p:sld>
 </file>
 
@@ -6309,6 +6582,14 @@
             <a:normAutofit/>
           </a:bodyPr>
           <a:lstStyle/>
+          <a:p>
+            <a:r>
+              <a:rPr lang="cs-CZ" dirty="0">
+                <a:cs typeface="Calibri"/>
+              </a:rPr>
+              <a:t>Vytvořen v roce 2001</a:t>
+            </a:r>
+          </a:p>
           <a:p>
             <a:r>
               <a:rPr lang="cs-CZ" dirty="0">
@@ -6966,6 +7247,9 @@
   <p:clrMapOvr>
     <a:masterClrMapping/>
   </p:clrMapOvr>
+  <p:transition spd="slow" advTm="90000">
+    <p:push dir="u"/>
+  </p:transition>
 </p:sld>
 </file>
 
@@ -7555,9 +7839,17 @@
         </p:spPr>
         <p:txBody>
           <a:bodyPr vert="horz" lIns="91440" tIns="45720" rIns="91440" bIns="45720" rtlCol="0" anchor="t">
-            <a:normAutofit/>
+            <a:normAutofit lnSpcReduction="10000"/>
           </a:bodyPr>
           <a:lstStyle/>
+          <a:p>
+            <a:r>
+              <a:rPr lang="cs-CZ" dirty="0">
+                <a:cs typeface="Calibri"/>
+              </a:rPr>
+              <a:t>Vytvořen v roce 2006</a:t>
+            </a:r>
+          </a:p>
           <a:p>
             <a:r>
               <a:rPr lang="cs-CZ" dirty="0">
@@ -8233,6 +8525,9 @@
   <p:clrMapOvr>
     <a:masterClrMapping/>
   </p:clrMapOvr>
+  <p:transition spd="slow" advTm="90000">
+    <p:push dir="u"/>
+  </p:transition>
 </p:sld>
 </file>
 
@@ -8574,7 +8869,7 @@
               </a:spcBef>
             </a:pPr>
             <a:r>
-              <a:rPr lang="cs-CZ" sz="1100" err="1">
+              <a:rPr lang="cs-CZ" sz="1100" dirty="0" err="1">
                 <a:ea typeface="+mn-lt"/>
                 <a:cs typeface="+mn-lt"/>
               </a:rPr>
@@ -8588,7 +8883,7 @@
               <a:t> </a:t>
             </a:r>
             <a:r>
-              <a:rPr lang="cs-CZ" sz="1100" err="1">
+              <a:rPr lang="cs-CZ" sz="1100" dirty="0" err="1">
                 <a:ea typeface="+mn-lt"/>
                 <a:cs typeface="+mn-lt"/>
               </a:rPr>
@@ -8602,7 +8897,7 @@
               <a:t> a </a:t>
             </a:r>
             <a:r>
-              <a:rPr lang="cs-CZ" sz="1100" err="1">
+              <a:rPr lang="cs-CZ" sz="1100" dirty="0" err="1">
                 <a:ea typeface="+mn-lt"/>
                 <a:cs typeface="+mn-lt"/>
               </a:rPr>
@@ -8616,7 +8911,7 @@
               <a:t> </a:t>
             </a:r>
             <a:r>
-              <a:rPr lang="cs-CZ" sz="1100" err="1">
+              <a:rPr lang="cs-CZ" sz="1100" dirty="0" err="1">
                 <a:ea typeface="+mn-lt"/>
                 <a:cs typeface="+mn-lt"/>
               </a:rPr>
@@ -8630,7 +8925,7 @@
               <a:t>?. </a:t>
             </a:r>
             <a:r>
-              <a:rPr lang="cs-CZ" sz="1100" i="1" err="1">
+              <a:rPr lang="cs-CZ" sz="1100" i="1" dirty="0" err="1">
                 <a:ea typeface="+mn-lt"/>
                 <a:cs typeface="+mn-lt"/>
               </a:rPr>
@@ -8644,7 +8939,7 @@
               <a:t> </a:t>
             </a:r>
             <a:r>
-              <a:rPr lang="cs-CZ" sz="1100" i="1" err="1">
+              <a:rPr lang="cs-CZ" sz="1100" i="1" dirty="0" err="1">
                 <a:ea typeface="+mn-lt"/>
                 <a:cs typeface="+mn-lt"/>
               </a:rPr>
@@ -8658,7 +8953,7 @@
               <a:t> Data </a:t>
             </a:r>
             <a:r>
-              <a:rPr lang="cs-CZ" sz="1100" i="1" err="1">
+              <a:rPr lang="cs-CZ" sz="1100" i="1" dirty="0" err="1">
                 <a:ea typeface="+mn-lt"/>
                 <a:cs typeface="+mn-lt"/>
               </a:rPr>
@@ -8672,7 +8967,7 @@
               <a:t> </a:t>
             </a:r>
             <a:r>
-              <a:rPr lang="cs-CZ" sz="1100" i="1" err="1">
+              <a:rPr lang="cs-CZ" sz="1100" i="1" dirty="0" err="1">
                 <a:ea typeface="+mn-lt"/>
                 <a:cs typeface="+mn-lt"/>
               </a:rPr>
@@ -8686,7 +8981,7 @@
               <a:t> Tech Sales and Marketing - </a:t>
             </a:r>
             <a:r>
-              <a:rPr lang="cs-CZ" sz="1100" i="1" err="1">
+              <a:rPr lang="cs-CZ" sz="1100" i="1" dirty="0" err="1">
                 <a:ea typeface="+mn-lt"/>
                 <a:cs typeface="+mn-lt"/>
               </a:rPr>
@@ -8707,7 +9002,7 @@
               </a:rPr>
               <a:t>https://www.techtarget.com/searchstorage/definition/file-system</a:t>
             </a:r>
-            <a:endParaRPr lang="cs-CZ" sz="1100">
+            <a:endParaRPr lang="cs-CZ" sz="1100" dirty="0">
               <a:cs typeface="Calibri"/>
             </a:endParaRPr>
           </a:p>
@@ -8718,7 +9013,7 @@
               </a:spcBef>
             </a:pPr>
             <a:r>
-              <a:rPr lang="cs-CZ" sz="1100" err="1">
+              <a:rPr lang="cs-CZ" sz="1100" dirty="0" err="1">
                 <a:ea typeface="+mn-lt"/>
                 <a:cs typeface="+mn-lt"/>
               </a:rPr>
@@ -8732,7 +9027,7 @@
               <a:t> </a:t>
             </a:r>
             <a:r>
-              <a:rPr lang="cs-CZ" sz="1100" err="1">
+              <a:rPr lang="cs-CZ" sz="1100" dirty="0" err="1">
                 <a:ea typeface="+mn-lt"/>
                 <a:cs typeface="+mn-lt"/>
               </a:rPr>
@@ -8746,7 +9041,7 @@
               <a:t> </a:t>
             </a:r>
             <a:r>
-              <a:rPr lang="cs-CZ" sz="1100" err="1">
+              <a:rPr lang="cs-CZ" sz="1100" dirty="0" err="1">
                 <a:ea typeface="+mn-lt"/>
                 <a:cs typeface="+mn-lt"/>
               </a:rPr>
@@ -8760,7 +9055,7 @@
               <a:t> </a:t>
             </a:r>
             <a:r>
-              <a:rPr lang="cs-CZ" sz="1100" err="1">
+              <a:rPr lang="cs-CZ" sz="1100" dirty="0" err="1">
                 <a:ea typeface="+mn-lt"/>
                 <a:cs typeface="+mn-lt"/>
               </a:rPr>
@@ -8774,7 +9069,7 @@
               <a:t> Table (FAT)?. </a:t>
             </a:r>
             <a:r>
-              <a:rPr lang="cs-CZ" sz="1100" i="1" err="1">
+              <a:rPr lang="cs-CZ" sz="1100" i="1" dirty="0" err="1">
                 <a:ea typeface="+mn-lt"/>
                 <a:cs typeface="+mn-lt"/>
               </a:rPr>
@@ -8788,7 +9083,7 @@
               <a:t> </a:t>
             </a:r>
             <a:r>
-              <a:rPr lang="cs-CZ" sz="1100" i="1" err="1">
+              <a:rPr lang="cs-CZ" sz="1100" i="1" dirty="0" err="1">
                 <a:ea typeface="+mn-lt"/>
                 <a:cs typeface="+mn-lt"/>
               </a:rPr>
@@ -8802,7 +9097,7 @@
               <a:t> Data </a:t>
             </a:r>
             <a:r>
-              <a:rPr lang="cs-CZ" sz="1100" i="1" err="1">
+              <a:rPr lang="cs-CZ" sz="1100" i="1" dirty="0" err="1">
                 <a:ea typeface="+mn-lt"/>
                 <a:cs typeface="+mn-lt"/>
               </a:rPr>
@@ -8816,7 +9111,7 @@
               <a:t> </a:t>
             </a:r>
             <a:r>
-              <a:rPr lang="cs-CZ" sz="1100" i="1" err="1">
+              <a:rPr lang="cs-CZ" sz="1100" i="1" dirty="0" err="1">
                 <a:ea typeface="+mn-lt"/>
                 <a:cs typeface="+mn-lt"/>
               </a:rPr>
@@ -8830,7 +9125,7 @@
               <a:t> Tech Sales and Marketing - </a:t>
             </a:r>
             <a:r>
-              <a:rPr lang="cs-CZ" sz="1100" i="1" err="1">
+              <a:rPr lang="cs-CZ" sz="1100" i="1" dirty="0" err="1">
                 <a:ea typeface="+mn-lt"/>
                 <a:cs typeface="+mn-lt"/>
               </a:rPr>
@@ -8863,7 +9158,7 @@
               </a:spcBef>
             </a:pPr>
             <a:r>
-              <a:rPr lang="cs-CZ" sz="1100" err="1">
+              <a:rPr lang="cs-CZ" sz="1100" dirty="0" err="1">
                 <a:ea typeface="+mn-lt"/>
                 <a:cs typeface="+mn-lt"/>
               </a:rPr>
@@ -8877,7 +9172,7 @@
               <a:t> </a:t>
             </a:r>
             <a:r>
-              <a:rPr lang="cs-CZ" sz="1100" err="1">
+              <a:rPr lang="cs-CZ" sz="1100" dirty="0" err="1">
                 <a:ea typeface="+mn-lt"/>
                 <a:cs typeface="+mn-lt"/>
               </a:rPr>
@@ -8891,7 +9186,7 @@
               <a:t> </a:t>
             </a:r>
             <a:r>
-              <a:rPr lang="cs-CZ" sz="1100" err="1">
+              <a:rPr lang="cs-CZ" sz="1100" dirty="0" err="1">
                 <a:ea typeface="+mn-lt"/>
                 <a:cs typeface="+mn-lt"/>
               </a:rPr>
@@ -8905,7 +9200,7 @@
               <a:t> </a:t>
             </a:r>
             <a:r>
-              <a:rPr lang="cs-CZ" sz="1100" err="1">
+              <a:rPr lang="cs-CZ" sz="1100" dirty="0" err="1">
                 <a:ea typeface="+mn-lt"/>
                 <a:cs typeface="+mn-lt"/>
               </a:rPr>
@@ -8919,7 +9214,7 @@
               <a:t> Table (FAT)?. </a:t>
             </a:r>
             <a:r>
-              <a:rPr lang="cs-CZ" sz="1100" i="1" err="1">
+              <a:rPr lang="cs-CZ" sz="1100" i="1" dirty="0" err="1">
                 <a:ea typeface="+mn-lt"/>
                 <a:cs typeface="+mn-lt"/>
               </a:rPr>
@@ -8933,7 +9228,7 @@
               <a:t>: Tech </a:t>
             </a:r>
             <a:r>
-              <a:rPr lang="cs-CZ" sz="1100" i="1" err="1">
+              <a:rPr lang="cs-CZ" sz="1100" i="1" dirty="0" err="1">
                 <a:ea typeface="+mn-lt"/>
                 <a:cs typeface="+mn-lt"/>
               </a:rPr>
@@ -8947,7 +9242,7 @@
               <a:t>, </a:t>
             </a:r>
             <a:r>
-              <a:rPr lang="cs-CZ" sz="1100" i="1" err="1">
+              <a:rPr lang="cs-CZ" sz="1100" i="1" dirty="0" err="1">
                 <a:ea typeface="+mn-lt"/>
                 <a:cs typeface="+mn-lt"/>
               </a:rPr>
@@ -8961,7 +9256,7 @@
               <a:t>, </a:t>
             </a:r>
             <a:r>
-              <a:rPr lang="cs-CZ" sz="1100" i="1" err="1">
+              <a:rPr lang="cs-CZ" sz="1100" i="1" dirty="0" err="1">
                 <a:ea typeface="+mn-lt"/>
                 <a:cs typeface="+mn-lt"/>
               </a:rPr>
@@ -8975,7 +9270,7 @@
               <a:t> &amp; </a:t>
             </a:r>
             <a:r>
-              <a:rPr lang="cs-CZ" sz="1100" i="1" err="1">
+              <a:rPr lang="cs-CZ" sz="1100" i="1" dirty="0" err="1">
                 <a:ea typeface="+mn-lt"/>
                 <a:cs typeface="+mn-lt"/>
               </a:rPr>
@@ -8996,7 +9291,7 @@
               </a:rPr>
               <a:t>https://www.lifewire.com/what-is-file-allocation-table-fat-2625877</a:t>
             </a:r>
-            <a:endParaRPr lang="cs-CZ" sz="1100">
+            <a:endParaRPr lang="cs-CZ" sz="1100" dirty="0">
               <a:cs typeface="Calibri"/>
             </a:endParaRPr>
           </a:p>
@@ -9007,7 +9302,7 @@
               </a:spcBef>
             </a:pPr>
             <a:r>
-              <a:rPr lang="cs-CZ" sz="1100" err="1">
+              <a:rPr lang="cs-CZ" sz="1100" dirty="0" err="1">
                 <a:ea typeface="+mn-lt"/>
                 <a:cs typeface="+mn-lt"/>
               </a:rPr>
@@ -9021,7 +9316,7 @@
               <a:t> </a:t>
             </a:r>
             <a:r>
-              <a:rPr lang="cs-CZ" sz="1100" err="1">
+              <a:rPr lang="cs-CZ" sz="1100" dirty="0" err="1">
                 <a:ea typeface="+mn-lt"/>
                 <a:cs typeface="+mn-lt"/>
               </a:rPr>
@@ -9035,7 +9330,7 @@
               <a:t> NTFS and </a:t>
             </a:r>
             <a:r>
-              <a:rPr lang="cs-CZ" sz="1100" err="1">
+              <a:rPr lang="cs-CZ" sz="1100" dirty="0" err="1">
                 <a:ea typeface="+mn-lt"/>
                 <a:cs typeface="+mn-lt"/>
               </a:rPr>
@@ -9049,7 +9344,7 @@
               <a:t> </a:t>
             </a:r>
             <a:r>
-              <a:rPr lang="cs-CZ" sz="1100" err="1">
+              <a:rPr lang="cs-CZ" sz="1100" dirty="0" err="1">
                 <a:ea typeface="+mn-lt"/>
                 <a:cs typeface="+mn-lt"/>
               </a:rPr>
@@ -9063,7 +9358,7 @@
               <a:t> It </a:t>
             </a:r>
             <a:r>
-              <a:rPr lang="cs-CZ" sz="1100" err="1">
+              <a:rPr lang="cs-CZ" sz="1100" dirty="0" err="1">
                 <a:ea typeface="+mn-lt"/>
                 <a:cs typeface="+mn-lt"/>
               </a:rPr>
@@ -9077,7 +9372,7 @@
               <a:t>?. </a:t>
             </a:r>
             <a:r>
-              <a:rPr lang="cs-CZ" sz="1100" i="1" err="1">
+              <a:rPr lang="cs-CZ" sz="1100" i="1" dirty="0" err="1">
                 <a:ea typeface="+mn-lt"/>
                 <a:cs typeface="+mn-lt"/>
               </a:rPr>
@@ -9091,7 +9386,7 @@
               <a:t> | </a:t>
             </a:r>
             <a:r>
-              <a:rPr lang="cs-CZ" sz="1100" i="1" err="1">
+              <a:rPr lang="cs-CZ" sz="1100" i="1" dirty="0" err="1">
                 <a:ea typeface="+mn-lt"/>
                 <a:cs typeface="+mn-lt"/>
               </a:rPr>
@@ -9105,7 +9400,7 @@
               <a:t> </a:t>
             </a:r>
             <a:r>
-              <a:rPr lang="cs-CZ" sz="1100" i="1" err="1">
+              <a:rPr lang="cs-CZ" sz="1100" i="1" dirty="0" err="1">
                 <a:ea typeface="+mn-lt"/>
                 <a:cs typeface="+mn-lt"/>
               </a:rPr>
@@ -9119,7 +9414,7 @@
               <a:t> </a:t>
             </a:r>
             <a:r>
-              <a:rPr lang="cs-CZ" sz="1100" i="1" err="1">
+              <a:rPr lang="cs-CZ" sz="1100" i="1" dirty="0" err="1">
                 <a:ea typeface="+mn-lt"/>
                 <a:cs typeface="+mn-lt"/>
               </a:rPr>
@@ -9133,7 +9428,7 @@
               <a:t> Provider Technology </a:t>
             </a:r>
             <a:r>
-              <a:rPr lang="cs-CZ" sz="1100" i="1" err="1">
+              <a:rPr lang="cs-CZ" sz="1100" i="1" dirty="0" err="1">
                 <a:ea typeface="+mn-lt"/>
                 <a:cs typeface="+mn-lt"/>
               </a:rPr>
@@ -9154,7 +9449,7 @@
               </a:rPr>
               <a:t>https://www.datto.com/blog/what-is-ntfs-and-how-does-it-work</a:t>
             </a:r>
-            <a:endParaRPr lang="cs-CZ" sz="1100">
+            <a:endParaRPr lang="cs-CZ" sz="1100" dirty="0">
               <a:cs typeface="Calibri"/>
             </a:endParaRPr>
           </a:p>
@@ -9165,7 +9460,7 @@
               </a:spcBef>
             </a:pPr>
             <a:r>
-              <a:rPr lang="cs-CZ" sz="1100" err="1">
+              <a:rPr lang="cs-CZ" sz="1100" dirty="0" err="1">
                 <a:ea typeface="+mn-lt"/>
                 <a:cs typeface="+mn-lt"/>
               </a:rPr>
@@ -9179,7 +9474,7 @@
               <a:t> </a:t>
             </a:r>
             <a:r>
-              <a:rPr lang="cs-CZ" sz="1100" err="1">
+              <a:rPr lang="cs-CZ" sz="1100" dirty="0" err="1">
                 <a:ea typeface="+mn-lt"/>
                 <a:cs typeface="+mn-lt"/>
               </a:rPr>
@@ -9193,7 +9488,7 @@
               <a:t> NTFS And </a:t>
             </a:r>
             <a:r>
-              <a:rPr lang="cs-CZ" sz="1100" err="1">
+              <a:rPr lang="cs-CZ" sz="1100" dirty="0" err="1">
                 <a:ea typeface="+mn-lt"/>
                 <a:cs typeface="+mn-lt"/>
               </a:rPr>
@@ -9207,7 +9502,7 @@
               <a:t> </a:t>
             </a:r>
             <a:r>
-              <a:rPr lang="cs-CZ" sz="1100" err="1">
+              <a:rPr lang="cs-CZ" sz="1100" dirty="0" err="1">
                 <a:ea typeface="+mn-lt"/>
                 <a:cs typeface="+mn-lt"/>
               </a:rPr>
@@ -9221,7 +9516,7 @@
               <a:t> It </a:t>
             </a:r>
             <a:r>
-              <a:rPr lang="cs-CZ" sz="1100" err="1">
+              <a:rPr lang="cs-CZ" sz="1100" dirty="0" err="1">
                 <a:ea typeface="+mn-lt"/>
                 <a:cs typeface="+mn-lt"/>
               </a:rPr>
@@ -9235,7 +9530,7 @@
               <a:t>?. </a:t>
             </a:r>
             <a:r>
-              <a:rPr lang="cs-CZ" sz="1100" i="1" err="1">
+              <a:rPr lang="cs-CZ" sz="1100" i="1" dirty="0" err="1">
                 <a:ea typeface="+mn-lt"/>
                 <a:cs typeface="+mn-lt"/>
               </a:rPr>
@@ -9249,7 +9544,7 @@
               <a:t> </a:t>
             </a:r>
             <a:r>
-              <a:rPr lang="cs-CZ" sz="1100" i="1" err="1">
+              <a:rPr lang="cs-CZ" sz="1100" i="1" dirty="0" err="1">
                 <a:ea typeface="+mn-lt"/>
                 <a:cs typeface="+mn-lt"/>
               </a:rPr>
@@ -9263,7 +9558,7 @@
               <a:t> Data </a:t>
             </a:r>
             <a:r>
-              <a:rPr lang="cs-CZ" sz="1100" i="1" err="1">
+              <a:rPr lang="cs-CZ" sz="1100" i="1" dirty="0" err="1">
                 <a:ea typeface="+mn-lt"/>
                 <a:cs typeface="+mn-lt"/>
               </a:rPr>
@@ -9277,7 +9572,7 @@
               <a:t> </a:t>
             </a:r>
             <a:r>
-              <a:rPr lang="cs-CZ" sz="1100" i="1" err="1">
+              <a:rPr lang="cs-CZ" sz="1100" i="1" dirty="0" err="1">
                 <a:ea typeface="+mn-lt"/>
                 <a:cs typeface="+mn-lt"/>
               </a:rPr>
@@ -9291,7 +9586,7 @@
               <a:t> Tech Sales and Marketing - </a:t>
             </a:r>
             <a:r>
-              <a:rPr lang="cs-CZ" sz="1100" i="1" err="1">
+              <a:rPr lang="cs-CZ" sz="1100" i="1" dirty="0" err="1">
                 <a:ea typeface="+mn-lt"/>
                 <a:cs typeface="+mn-lt"/>
               </a:rPr>
@@ -9312,7 +9607,7 @@
               </a:rPr>
               <a:t>https://www.techtarget.com/searchwindowsserver/definition/NTFS</a:t>
             </a:r>
-            <a:endParaRPr lang="cs-CZ" sz="1100">
+            <a:endParaRPr lang="cs-CZ" sz="1100" dirty="0">
               <a:ea typeface="+mn-lt"/>
               <a:cs typeface="+mn-lt"/>
             </a:endParaRPr>
@@ -9338,7 +9633,7 @@
               </a:rPr>
               <a:t>https://cs.wikipedia.org/wiki/Cluster_(pevn%C3%BD_disk)</a:t>
             </a:r>
-            <a:endParaRPr lang="cs-CZ" sz="1100">
+            <a:endParaRPr lang="cs-CZ" sz="1100" dirty="0">
               <a:ea typeface="+mn-lt"/>
               <a:cs typeface="+mn-lt"/>
             </a:endParaRPr>
@@ -9350,7 +9645,7 @@
               </a:spcBef>
             </a:pPr>
             <a:r>
-              <a:rPr lang="cs-CZ" sz="1100" err="1">
+              <a:rPr lang="cs-CZ" sz="1100" dirty="0" err="1">
                 <a:ea typeface="+mn-lt"/>
                 <a:cs typeface="+mn-lt"/>
               </a:rPr>
@@ -9364,7 +9659,7 @@
               <a:t> </a:t>
             </a:r>
             <a:r>
-              <a:rPr lang="cs-CZ" sz="1100" err="1">
+              <a:rPr lang="cs-CZ" sz="1100" dirty="0" err="1">
                 <a:ea typeface="+mn-lt"/>
                 <a:cs typeface="+mn-lt"/>
               </a:rPr>
@@ -9378,7 +9673,7 @@
               <a:t> </a:t>
             </a:r>
             <a:r>
-              <a:rPr lang="cs-CZ" sz="1100" err="1">
+              <a:rPr lang="cs-CZ" sz="1100" dirty="0" err="1">
                 <a:ea typeface="+mn-lt"/>
                 <a:cs typeface="+mn-lt"/>
               </a:rPr>
@@ -9392,7 +9687,7 @@
               <a:t> (</a:t>
             </a:r>
             <a:r>
-              <a:rPr lang="cs-CZ" sz="1100" err="1">
+              <a:rPr lang="cs-CZ" sz="1100" dirty="0" err="1">
                 <a:ea typeface="+mn-lt"/>
                 <a:cs typeface="+mn-lt"/>
               </a:rPr>
@@ -9406,7 +9701,7 @@
               <a:t>) - </a:t>
             </a:r>
             <a:r>
-              <a:rPr lang="cs-CZ" sz="1100" err="1">
+              <a:rPr lang="cs-CZ" sz="1100" dirty="0" err="1">
                 <a:ea typeface="+mn-lt"/>
                 <a:cs typeface="+mn-lt"/>
               </a:rPr>
@@ -9420,7 +9715,7 @@
               <a:t> </a:t>
             </a:r>
             <a:r>
-              <a:rPr lang="cs-CZ" sz="1100" err="1">
+              <a:rPr lang="cs-CZ" sz="1100" dirty="0" err="1">
                 <a:ea typeface="+mn-lt"/>
                 <a:cs typeface="+mn-lt"/>
               </a:rPr>
@@ -9434,7 +9729,7 @@
               <a:t> </a:t>
             </a:r>
             <a:r>
-              <a:rPr lang="cs-CZ" sz="1100" err="1">
+              <a:rPr lang="cs-CZ" sz="1100" dirty="0" err="1">
                 <a:ea typeface="+mn-lt"/>
                 <a:cs typeface="+mn-lt"/>
               </a:rPr>
@@ -9448,7 +9743,7 @@
               <a:t> to </a:t>
             </a:r>
             <a:r>
-              <a:rPr lang="cs-CZ" sz="1100" err="1">
+              <a:rPr lang="cs-CZ" sz="1100" dirty="0" err="1">
                 <a:ea typeface="+mn-lt"/>
                 <a:cs typeface="+mn-lt"/>
               </a:rPr>
@@ -9469,7 +9764,7 @@
               <a:t>[</a:t>
             </a:r>
             <a:r>
-              <a:rPr lang="cs-CZ" sz="1100" i="1" err="1">
+              <a:rPr lang="cs-CZ" sz="1100" i="1" dirty="0" err="1">
                 <a:ea typeface="+mn-lt"/>
                 <a:cs typeface="+mn-lt"/>
               </a:rPr>
@@ -9483,7 +9778,7 @@
               <a:t>] </a:t>
             </a:r>
             <a:r>
-              <a:rPr lang="cs-CZ" sz="1100" i="1" err="1">
+              <a:rPr lang="cs-CZ" sz="1100" i="1" dirty="0" err="1">
                 <a:ea typeface="+mn-lt"/>
                 <a:cs typeface="+mn-lt"/>
               </a:rPr>
@@ -9497,7 +9792,7 @@
               <a:t> - </a:t>
             </a:r>
             <a:r>
-              <a:rPr lang="cs-CZ" sz="1100" i="1" err="1">
+              <a:rPr lang="cs-CZ" sz="1100" i="1" dirty="0" err="1">
                 <a:ea typeface="+mn-lt"/>
                 <a:cs typeface="+mn-lt"/>
               </a:rPr>
@@ -9511,7 +9806,7 @@
               <a:t> Data </a:t>
             </a:r>
             <a:r>
-              <a:rPr lang="cs-CZ" sz="1100" i="1" err="1">
+              <a:rPr lang="cs-CZ" sz="1100" i="1" dirty="0" err="1">
                 <a:ea typeface="+mn-lt"/>
                 <a:cs typeface="+mn-lt"/>
               </a:rPr>
@@ -9525,7 +9820,7 @@
               <a:t> </a:t>
             </a:r>
             <a:r>
-              <a:rPr lang="cs-CZ" sz="1100" i="1" err="1">
+              <a:rPr lang="cs-CZ" sz="1100" i="1" dirty="0" err="1">
                 <a:ea typeface="+mn-lt"/>
                 <a:cs typeface="+mn-lt"/>
               </a:rPr>
@@ -9539,7 +9834,7 @@
               <a:t> </a:t>
             </a:r>
             <a:r>
-              <a:rPr lang="cs-CZ" sz="1100" i="1" err="1">
+              <a:rPr lang="cs-CZ" sz="1100" i="1" dirty="0" err="1">
                 <a:ea typeface="+mn-lt"/>
                 <a:cs typeface="+mn-lt"/>
               </a:rPr>
@@ -9567,7 +9862,7 @@
               </a:rPr>
               <a:t>https://recoverit.wondershare.com/file-system/refs-file-system.html</a:t>
             </a:r>
-            <a:endParaRPr lang="cs-CZ" sz="1100">
+            <a:endParaRPr lang="cs-CZ" sz="1100" dirty="0">
               <a:ea typeface="+mn-lt"/>
               <a:cs typeface="+mn-lt"/>
             </a:endParaRPr>
@@ -9605,7 +9900,7 @@
               </a:spcBef>
             </a:pPr>
             <a:r>
-              <a:rPr lang="cs-CZ" sz="1100" err="1">
+              <a:rPr lang="cs-CZ" sz="1100" dirty="0" err="1">
                 <a:ea typeface="+mn-lt"/>
                 <a:cs typeface="+mn-lt"/>
               </a:rPr>
@@ -9619,7 +9914,7 @@
               <a:t> </a:t>
             </a:r>
             <a:r>
-              <a:rPr lang="cs-CZ" sz="1100" err="1">
+              <a:rPr lang="cs-CZ" sz="1100" dirty="0" err="1">
                 <a:ea typeface="+mn-lt"/>
                 <a:cs typeface="+mn-lt"/>
               </a:rPr>
@@ -9633,7 +9928,7 @@
               <a:t> A Universal Disk </a:t>
             </a:r>
             <a:r>
-              <a:rPr lang="cs-CZ" sz="1100" err="1">
+              <a:rPr lang="cs-CZ" sz="1100" dirty="0" err="1">
                 <a:ea typeface="+mn-lt"/>
                 <a:cs typeface="+mn-lt"/>
               </a:rPr>
@@ -9647,7 +9942,7 @@
               <a:t> (UDF) – </a:t>
             </a:r>
             <a:r>
-              <a:rPr lang="cs-CZ" sz="1100" err="1">
+              <a:rPr lang="cs-CZ" sz="1100" dirty="0" err="1">
                 <a:ea typeface="+mn-lt"/>
                 <a:cs typeface="+mn-lt"/>
               </a:rPr>
@@ -9661,7 +9956,7 @@
               <a:t>. </a:t>
             </a:r>
             <a:r>
-              <a:rPr lang="cs-CZ" sz="1100" i="1" err="1">
+              <a:rPr lang="cs-CZ" sz="1100" i="1" dirty="0" err="1">
                 <a:ea typeface="+mn-lt"/>
                 <a:cs typeface="+mn-lt"/>
               </a:rPr>
@@ -9675,7 +9970,7 @@
               <a:t> | </a:t>
             </a:r>
             <a:r>
-              <a:rPr lang="cs-CZ" sz="1100" i="1" err="1">
+              <a:rPr lang="cs-CZ" sz="1100" i="1" dirty="0" err="1">
                 <a:ea typeface="+mn-lt"/>
                 <a:cs typeface="+mn-lt"/>
               </a:rPr>
@@ -9689,7 +9984,7 @@
               <a:t> </a:t>
             </a:r>
             <a:r>
-              <a:rPr lang="cs-CZ" sz="1100" i="1" err="1">
+              <a:rPr lang="cs-CZ" sz="1100" i="1" dirty="0" err="1">
                 <a:ea typeface="+mn-lt"/>
                 <a:cs typeface="+mn-lt"/>
               </a:rPr>
@@ -9703,7 +9998,7 @@
               <a:t> </a:t>
             </a:r>
             <a:r>
-              <a:rPr lang="cs-CZ" sz="1100" i="1" err="1">
+              <a:rPr lang="cs-CZ" sz="1100" i="1" dirty="0" err="1">
                 <a:ea typeface="+mn-lt"/>
                 <a:cs typeface="+mn-lt"/>
               </a:rPr>
@@ -9717,7 +10012,7 @@
               <a:t> </a:t>
             </a:r>
             <a:r>
-              <a:rPr lang="cs-CZ" sz="1100" i="1" err="1">
+              <a:rPr lang="cs-CZ" sz="1100" i="1" dirty="0" err="1">
                 <a:ea typeface="+mn-lt"/>
                 <a:cs typeface="+mn-lt"/>
               </a:rPr>
@@ -9731,7 +10026,7 @@
               <a:t> Data </a:t>
             </a:r>
             <a:r>
-              <a:rPr lang="cs-CZ" sz="1100" i="1" err="1">
+              <a:rPr lang="cs-CZ" sz="1100" i="1" dirty="0" err="1">
                 <a:ea typeface="+mn-lt"/>
                 <a:cs typeface="+mn-lt"/>
               </a:rPr>
@@ -9771,7 +10066,7 @@
               <a:t>Basic Linux </a:t>
             </a:r>
             <a:r>
-              <a:rPr lang="cs-CZ" sz="1100" err="1">
+              <a:rPr lang="cs-CZ" sz="1100" dirty="0" err="1">
                 <a:ea typeface="+mn-lt"/>
                 <a:cs typeface="+mn-lt"/>
               </a:rPr>
@@ -9785,7 +10080,7 @@
               <a:t> </a:t>
             </a:r>
             <a:r>
-              <a:rPr lang="cs-CZ" sz="1100" err="1">
+              <a:rPr lang="cs-CZ" sz="1100" dirty="0" err="1">
                 <a:ea typeface="+mn-lt"/>
                 <a:cs typeface="+mn-lt"/>
               </a:rPr>
@@ -9799,7 +10094,7 @@
               <a:t> </a:t>
             </a:r>
             <a:r>
-              <a:rPr lang="cs-CZ" sz="1100" err="1">
+              <a:rPr lang="cs-CZ" sz="1100" dirty="0" err="1">
                 <a:ea typeface="+mn-lt"/>
                 <a:cs typeface="+mn-lt"/>
               </a:rPr>
@@ -9813,7 +10108,7 @@
               <a:t> – ext2, ext3, ext4, JFS and XFS – </a:t>
             </a:r>
             <a:r>
-              <a:rPr lang="cs-CZ" sz="1100" err="1">
+              <a:rPr lang="cs-CZ" sz="1100" dirty="0" err="1">
                 <a:ea typeface="+mn-lt"/>
                 <a:cs typeface="+mn-lt"/>
               </a:rPr>
@@ -9827,7 +10122,7 @@
               <a:t> Geek </a:t>
             </a:r>
             <a:r>
-              <a:rPr lang="cs-CZ" sz="1100" err="1">
+              <a:rPr lang="cs-CZ" sz="1100" dirty="0" err="1">
                 <a:ea typeface="+mn-lt"/>
                 <a:cs typeface="+mn-lt"/>
               </a:rPr>
@@ -9841,7 +10136,7 @@
               <a:t>. </a:t>
             </a:r>
             <a:r>
-              <a:rPr lang="cs-CZ" sz="1100" i="1" err="1">
+              <a:rPr lang="cs-CZ" sz="1100" i="1" dirty="0" err="1">
                 <a:ea typeface="+mn-lt"/>
                 <a:cs typeface="+mn-lt"/>
               </a:rPr>
@@ -9855,7 +10150,7 @@
               <a:t> Geek </a:t>
             </a:r>
             <a:r>
-              <a:rPr lang="cs-CZ" sz="1100" i="1" err="1">
+              <a:rPr lang="cs-CZ" sz="1100" i="1" dirty="0" err="1">
                 <a:ea typeface="+mn-lt"/>
                 <a:cs typeface="+mn-lt"/>
               </a:rPr>
@@ -9888,7 +10183,7 @@
               </a:spcBef>
             </a:pPr>
             <a:r>
-              <a:rPr lang="cs-CZ" sz="1100" err="1">
+              <a:rPr lang="cs-CZ" sz="1100" dirty="0" err="1">
                 <a:ea typeface="+mn-lt"/>
                 <a:cs typeface="+mn-lt"/>
               </a:rPr>
@@ -9902,7 +10197,7 @@
               <a:t> </a:t>
             </a:r>
             <a:r>
-              <a:rPr lang="cs-CZ" sz="1100" err="1">
+              <a:rPr lang="cs-CZ" sz="1100" dirty="0" err="1">
                 <a:ea typeface="+mn-lt"/>
                 <a:cs typeface="+mn-lt"/>
               </a:rPr>
@@ -9916,7 +10211,7 @@
               <a:t> </a:t>
             </a:r>
             <a:r>
-              <a:rPr lang="cs-CZ" sz="1100" err="1">
+              <a:rPr lang="cs-CZ" sz="1100" dirty="0" err="1">
                 <a:ea typeface="+mn-lt"/>
                 <a:cs typeface="+mn-lt"/>
               </a:rPr>
@@ -9995,19 +10290,19 @@
             </a:endParaRPr>
           </a:p>
           <a:p>
-            <a:endParaRPr lang="cs-CZ" sz="900">
+            <a:endParaRPr lang="cs-CZ" sz="900" dirty="0">
               <a:ea typeface="+mn-lt"/>
               <a:cs typeface="+mn-lt"/>
             </a:endParaRPr>
           </a:p>
           <a:p>
-            <a:endParaRPr lang="cs-CZ" sz="900">
+            <a:endParaRPr lang="cs-CZ" sz="900" dirty="0">
               <a:ea typeface="+mn-lt"/>
               <a:cs typeface="+mn-lt"/>
             </a:endParaRPr>
           </a:p>
           <a:p>
-            <a:endParaRPr lang="cs-CZ" sz="900">
+            <a:endParaRPr lang="cs-CZ" sz="900" dirty="0">
               <a:ea typeface="+mn-lt"/>
               <a:cs typeface="+mn-lt"/>
             </a:endParaRPr>
@@ -10024,7 +10319,7 @@
   <p:clrMapOvr>
     <a:masterClrMapping/>
   </p:clrMapOvr>
-  <p:transition spd="slow">
+  <p:transition spd="slow" advTm="3000">
     <p:push dir="u"/>
   </p:transition>
 </p:sld>
@@ -10544,6 +10839,9 @@
   <p:clrMapOvr>
     <a:masterClrMapping/>
   </p:clrMapOvr>
+  <p:transition spd="slow" advTm="3000">
+    <p:push dir="u"/>
+  </p:transition>
 </p:sld>
 </file>
 
@@ -11132,7 +11430,7 @@
           <a:lstStyle/>
           <a:p>
             <a:r>
-              <a:rPr lang="cs-CZ">
+              <a:rPr lang="cs-CZ" dirty="0">
                 <a:cs typeface="Calibri"/>
               </a:rPr>
               <a:t>Jsou to způsoby organizace dat na disk v podobě souborů a složek</a:t>
@@ -11140,10 +11438,10 @@
           </a:p>
           <a:p>
             <a:r>
-              <a:rPr lang="cs-CZ">
+              <a:rPr lang="cs-CZ" dirty="0">
                 <a:cs typeface="Calibri"/>
               </a:rPr>
-              <a:t>Disky jsou rozděleny do clusterů, což jsou bloky dat kde může soubor být uložen</a:t>
+              <a:t>Disky jsou většinou rozděleny do clusterů, což jsou bloky dat kde soubor může být uložen</a:t>
             </a:r>
           </a:p>
         </p:txBody>
@@ -11748,7 +12046,7 @@
   <p:clrMapOvr>
     <a:masterClrMapping/>
   </p:clrMapOvr>
-  <p:transition spd="slow">
+  <p:transition spd="slow" advTm="30000">
     <p:push dir="u"/>
   </p:transition>
 </p:sld>
@@ -12193,7 +12491,7 @@
   <p:clrMapOvr>
     <a:masterClrMapping/>
   </p:clrMapOvr>
-  <p:transition spd="slow">
+  <p:transition spd="slow" advTm="90000">
     <p:push dir="u"/>
   </p:transition>
 </p:sld>
@@ -12660,7 +12958,7 @@
   <p:clrMapOvr>
     <a:masterClrMapping/>
   </p:clrMapOvr>
-  <p:transition spd="slow">
+  <p:transition spd="slow" advTm="90000">
     <p:push dir="u"/>
   </p:transition>
 </p:sld>
@@ -13888,7 +14186,7 @@
   <p:clrMapOvr>
     <a:masterClrMapping/>
   </p:clrMapOvr>
-  <p:transition spd="slow">
+  <p:transition spd="slow" advTm="90000">
     <p:push dir="u"/>
   </p:transition>
 </p:sld>
@@ -15135,7 +15433,7 @@
   <p:clrMapOvr>
     <a:masterClrMapping/>
   </p:clrMapOvr>
-  <p:transition spd="slow">
+  <p:transition spd="slow" advTm="90000">
     <p:push dir="u"/>
   </p:transition>
 </p:sld>
@@ -15562,6 +15860,9 @@
   <p:clrMapOvr>
     <a:masterClrMapping/>
   </p:clrMapOvr>
+  <p:transition spd="slow" advTm="90000">
+    <p:push dir="u"/>
+  </p:transition>
 </p:sld>
 </file>
 
@@ -15963,7 +16264,7 @@
         <p:spPr>
           <a:xfrm>
             <a:off x="5370153" y="1526033"/>
-            <a:ext cx="5536397" cy="3935281"/>
+            <a:ext cx="6082041" cy="3935281"/>
           </a:xfrm>
         </p:spPr>
         <p:txBody>
@@ -15973,15 +16274,15 @@
           <a:lstStyle/>
           <a:p>
             <a:r>
-              <a:rPr lang="cs-CZ" sz="2600">
+              <a:rPr lang="cs-CZ" sz="2600" dirty="0">
                 <a:cs typeface="Calibri"/>
               </a:rPr>
-              <a:t>Vyšel v roce 2012 pro Windows Server</a:t>
-            </a:r>
-          </a:p>
-          <a:p>
-            <a:r>
-              <a:rPr lang="cs-CZ" sz="2600">
+              <a:t>Vytvořen v roce 2012 pro Windows Server</a:t>
+            </a:r>
+          </a:p>
+          <a:p>
+            <a:r>
+              <a:rPr lang="cs-CZ" sz="2600" dirty="0">
                 <a:cs typeface="Calibri"/>
               </a:rPr>
               <a:t>Podobný NTFS, ale má extra funkce pro detekci a opravu poškozených dat a zrychlení funkcí důležité pro servery</a:t>
@@ -15989,28 +16290,28 @@
           </a:p>
           <a:p>
             <a:r>
-              <a:rPr lang="cs-CZ" sz="2600">
+              <a:rPr lang="cs-CZ" sz="2600" dirty="0">
                 <a:cs typeface="Calibri"/>
               </a:rPr>
               <a:t>Chybí mu funkce, které má NTFS, např. nejde z něho spustit Windows, nemá kompresi a šifrování dat</a:t>
             </a:r>
-            <a:endParaRPr lang="cs-CZ" sz="2600"/>
-          </a:p>
-          <a:p>
-            <a:r>
-              <a:rPr lang="cs-CZ" sz="2600">
+            <a:endParaRPr lang="cs-CZ" sz="2600" dirty="0"/>
+          </a:p>
+          <a:p>
+            <a:r>
+              <a:rPr lang="cs-CZ" sz="2600" dirty="0">
                 <a:cs typeface="Calibri"/>
               </a:rPr>
               <a:t>Podporuje až 32 PB</a:t>
             </a:r>
           </a:p>
           <a:p>
-            <a:endParaRPr lang="cs-CZ" sz="2600">
+            <a:endParaRPr lang="cs-CZ" sz="2600" dirty="0">
               <a:cs typeface="Calibri"/>
             </a:endParaRPr>
           </a:p>
           <a:p>
-            <a:endParaRPr lang="cs-CZ" sz="2600">
+            <a:endParaRPr lang="cs-CZ" sz="2600" dirty="0">
               <a:cs typeface="Calibri"/>
             </a:endParaRPr>
           </a:p>
@@ -16026,6 +16327,9 @@
   <p:clrMapOvr>
     <a:masterClrMapping/>
   </p:clrMapOvr>
+  <p:transition spd="slow" advTm="90000">
+    <p:push dir="u"/>
+  </p:transition>
 </p:sld>
 </file>
 
@@ -16621,19 +16925,15 @@
               <a:rPr lang="cs-CZ" dirty="0">
                 <a:cs typeface="Calibri"/>
               </a:rPr>
-              <a:t>Taky </a:t>
-            </a:r>
-            <a:r>
-              <a:rPr lang="cs-CZ" dirty="0" err="1">
-                <a:cs typeface="Calibri"/>
-              </a:rPr>
-              <a:t>nazíván</a:t>
-            </a:r>
+              <a:t>Vytvořen v roce 1988</a:t>
+            </a:r>
+          </a:p>
+          <a:p>
             <a:r>
               <a:rPr lang="cs-CZ" dirty="0">
                 <a:cs typeface="Calibri"/>
               </a:rPr>
-              <a:t> ISO 9660</a:t>
+              <a:t>Taky nazýván ISO 9660</a:t>
             </a:r>
           </a:p>
           <a:p>
@@ -17299,6 +17599,9 @@
   <p:clrMapOvr>
     <a:masterClrMapping/>
   </p:clrMapOvr>
+  <p:transition spd="slow" advTm="90000">
+    <p:push dir="u"/>
+  </p:transition>
 </p:sld>
 </file>
 
